--- a/sample/kubernetes/Bring your own device - Teil 2.pptx
+++ b/sample/kubernetes/Bring your own device - Teil 2.pptx
@@ -11,9 +11,9 @@
     <p:sldId id="256" r:id="rId2"/>
     <p:sldId id="257" r:id="rId3"/>
     <p:sldId id="258" r:id="rId4"/>
-    <p:sldId id="259" r:id="rId5"/>
-    <p:sldId id="260" r:id="rId6"/>
-    <p:sldId id="261" r:id="rId7"/>
+    <p:sldId id="263" r:id="rId5"/>
+    <p:sldId id="259" r:id="rId6"/>
+    <p:sldId id="260" r:id="rId7"/>
     <p:sldId id="262" r:id="rId8"/>
   </p:sldIdLst>
   <p:sldSz cx="12192000" cy="6858000"/>
@@ -203,7 +203,7 @@
           <a:p>
             <a:fld id="{5CCD219F-F703-C14B-A05B-DA5DAB0DC4D2}" type="datetimeFigureOut">
               <a:rPr lang="de-DE" smtClean="0"/>
-              <a:t>26.02.23</a:t>
+              <a:t>27.02.23</a:t>
             </a:fld>
             <a:endParaRPr lang="de-DE"/>
           </a:p>
@@ -701,7 +701,7 @@
           <a:p>
             <a:fld id="{6B40B35D-B481-DF4E-B1B0-2B6288A3F72B}" type="datetimeFigureOut">
               <a:rPr lang="de-DE" smtClean="0"/>
-              <a:t>26.02.23</a:t>
+              <a:t>27.02.23</a:t>
             </a:fld>
             <a:endParaRPr lang="de-DE"/>
           </a:p>
@@ -899,7 +899,7 @@
           <a:p>
             <a:fld id="{6B40B35D-B481-DF4E-B1B0-2B6288A3F72B}" type="datetimeFigureOut">
               <a:rPr lang="de-DE" smtClean="0"/>
-              <a:t>26.02.23</a:t>
+              <a:t>27.02.23</a:t>
             </a:fld>
             <a:endParaRPr lang="de-DE"/>
           </a:p>
@@ -1107,7 +1107,7 @@
           <a:p>
             <a:fld id="{6B40B35D-B481-DF4E-B1B0-2B6288A3F72B}" type="datetimeFigureOut">
               <a:rPr lang="de-DE" smtClean="0"/>
-              <a:t>26.02.23</a:t>
+              <a:t>27.02.23</a:t>
             </a:fld>
             <a:endParaRPr lang="de-DE"/>
           </a:p>
@@ -1305,7 +1305,7 @@
           <a:p>
             <a:fld id="{6B40B35D-B481-DF4E-B1B0-2B6288A3F72B}" type="datetimeFigureOut">
               <a:rPr lang="de-DE" smtClean="0"/>
-              <a:t>26.02.23</a:t>
+              <a:t>27.02.23</a:t>
             </a:fld>
             <a:endParaRPr lang="de-DE"/>
           </a:p>
@@ -1580,7 +1580,7 @@
           <a:p>
             <a:fld id="{6B40B35D-B481-DF4E-B1B0-2B6288A3F72B}" type="datetimeFigureOut">
               <a:rPr lang="de-DE" smtClean="0"/>
-              <a:t>26.02.23</a:t>
+              <a:t>27.02.23</a:t>
             </a:fld>
             <a:endParaRPr lang="de-DE"/>
           </a:p>
@@ -1845,7 +1845,7 @@
           <a:p>
             <a:fld id="{6B40B35D-B481-DF4E-B1B0-2B6288A3F72B}" type="datetimeFigureOut">
               <a:rPr lang="de-DE" smtClean="0"/>
-              <a:t>26.02.23</a:t>
+              <a:t>27.02.23</a:t>
             </a:fld>
             <a:endParaRPr lang="de-DE"/>
           </a:p>
@@ -2257,7 +2257,7 @@
           <a:p>
             <a:fld id="{6B40B35D-B481-DF4E-B1B0-2B6288A3F72B}" type="datetimeFigureOut">
               <a:rPr lang="de-DE" smtClean="0"/>
-              <a:t>26.02.23</a:t>
+              <a:t>27.02.23</a:t>
             </a:fld>
             <a:endParaRPr lang="de-DE"/>
           </a:p>
@@ -2398,7 +2398,7 @@
           <a:p>
             <a:fld id="{6B40B35D-B481-DF4E-B1B0-2B6288A3F72B}" type="datetimeFigureOut">
               <a:rPr lang="de-DE" smtClean="0"/>
-              <a:t>26.02.23</a:t>
+              <a:t>27.02.23</a:t>
             </a:fld>
             <a:endParaRPr lang="de-DE"/>
           </a:p>
@@ -2511,7 +2511,7 @@
           <a:p>
             <a:fld id="{6B40B35D-B481-DF4E-B1B0-2B6288A3F72B}" type="datetimeFigureOut">
               <a:rPr lang="de-DE" smtClean="0"/>
-              <a:t>26.02.23</a:t>
+              <a:t>27.02.23</a:t>
             </a:fld>
             <a:endParaRPr lang="de-DE"/>
           </a:p>
@@ -2822,7 +2822,7 @@
           <a:p>
             <a:fld id="{6B40B35D-B481-DF4E-B1B0-2B6288A3F72B}" type="datetimeFigureOut">
               <a:rPr lang="de-DE" smtClean="0"/>
-              <a:t>26.02.23</a:t>
+              <a:t>27.02.23</a:t>
             </a:fld>
             <a:endParaRPr lang="de-DE"/>
           </a:p>
@@ -3110,7 +3110,7 @@
           <a:p>
             <a:fld id="{6B40B35D-B481-DF4E-B1B0-2B6288A3F72B}" type="datetimeFigureOut">
               <a:rPr lang="de-DE" smtClean="0"/>
-              <a:t>26.02.23</a:t>
+              <a:t>27.02.23</a:t>
             </a:fld>
             <a:endParaRPr lang="de-DE"/>
           </a:p>
@@ -3351,7 +3351,7 @@
           <a:p>
             <a:fld id="{6B40B35D-B481-DF4E-B1B0-2B6288A3F72B}" type="datetimeFigureOut">
               <a:rPr lang="de-DE" smtClean="0"/>
-              <a:t>26.02.23</a:t>
+              <a:t>27.02.23</a:t>
             </a:fld>
             <a:endParaRPr lang="de-DE"/>
           </a:p>
@@ -3962,7 +3962,87 @@
             </a:r>
             <a:r>
               <a:rPr lang="de-DE" dirty="0"/>
-              <a:t> die Container der Anwendung</a:t>
+              <a:t> die Container der Anwendung:</a:t>
+            </a:r>
+          </a:p>
+          <a:p>
+            <a:pPr marL="914400" lvl="1" indent="-457200">
+              <a:buFont typeface="+mj-lt"/>
+              <a:buAutoNum type="arabicPeriod"/>
+            </a:pPr>
+            <a:r>
+              <a:rPr lang="de-DE" dirty="0" err="1"/>
+              <a:t>Git</a:t>
+            </a:r>
+            <a:r>
+              <a:rPr lang="de-DE" dirty="0"/>
+              <a:t> </a:t>
+            </a:r>
+            <a:r>
+              <a:rPr lang="de-DE" dirty="0" err="1"/>
+              <a:t>repository</a:t>
+            </a:r>
+            <a:r>
+              <a:rPr lang="de-DE" dirty="0"/>
+              <a:t> klonen</a:t>
+            </a:r>
+          </a:p>
+          <a:p>
+            <a:pPr marL="914400" lvl="1" indent="-457200">
+              <a:buFont typeface="+mj-lt"/>
+              <a:buAutoNum type="arabicPeriod"/>
+            </a:pPr>
+            <a:r>
+              <a:rPr lang="de-DE" dirty="0" err="1"/>
+              <a:t>Build</a:t>
+            </a:r>
+            <a:r>
+              <a:rPr lang="de-DE" dirty="0"/>
+              <a:t>-Werkzeuge installieren</a:t>
+            </a:r>
+          </a:p>
+          <a:p>
+            <a:pPr marL="914400" lvl="1" indent="-457200">
+              <a:buFont typeface="+mj-lt"/>
+              <a:buAutoNum type="arabicPeriod"/>
+            </a:pPr>
+            <a:r>
+              <a:rPr lang="de-DE" dirty="0"/>
+              <a:t>Anwendung bauen</a:t>
+            </a:r>
+          </a:p>
+          <a:p>
+            <a:pPr marL="914400" lvl="1" indent="-457200">
+              <a:buFont typeface="+mj-lt"/>
+              <a:buAutoNum type="arabicPeriod"/>
+            </a:pPr>
+            <a:r>
+              <a:rPr lang="de-DE" dirty="0"/>
+              <a:t>Container </a:t>
+            </a:r>
+            <a:r>
+              <a:rPr lang="de-DE" dirty="0" err="1"/>
+              <a:t>image</a:t>
+            </a:r>
+            <a:r>
+              <a:rPr lang="de-DE" dirty="0"/>
+              <a:t> in </a:t>
+            </a:r>
+            <a:r>
+              <a:rPr lang="de-DE" dirty="0" err="1"/>
+              <a:t>Kubernetes</a:t>
+            </a:r>
+            <a:r>
+              <a:rPr lang="de-DE" dirty="0"/>
+              <a:t> </a:t>
+            </a:r>
+            <a:r>
+              <a:rPr lang="de-DE" dirty="0" err="1"/>
+              <a:t>repository</a:t>
+            </a:r>
+            <a:r>
+              <a:rPr lang="de-DE" dirty="0"/>
+              <a:t> übertragen</a:t>
             </a:r>
           </a:p>
         </p:txBody>
@@ -4043,12 +4123,25 @@
         </p:nvSpPr>
         <p:spPr/>
         <p:txBody>
-          <a:bodyPr/>
-          <a:lstStyle/>
-          <a:p>
+          <a:bodyPr>
+            <a:normAutofit/>
+          </a:bodyPr>
+          <a:lstStyle/>
+          <a:p>
+            <a:r>
+              <a:rPr lang="de-DE" dirty="0"/>
+              <a:t>SSH-Zugang vorbereiten:</a:t>
+            </a:r>
+          </a:p>
+          <a:p>
+            <a:pPr lvl="1"/>
+            <a:r>
+              <a:rPr lang="de-DE" dirty="0"/>
+              <a:t>Den eigenen </a:t>
+            </a:r>
             <a:r>
               <a:rPr lang="de-DE" dirty="0" err="1"/>
-              <a:t>Git</a:t>
+              <a:t>public</a:t>
             </a:r>
             <a:r>
               <a:rPr lang="de-DE" dirty="0"/>
@@ -4056,11 +4149,50 @@
             </a:r>
             <a:r>
               <a:rPr lang="de-DE" dirty="0" err="1"/>
-              <a:t>repository</a:t>
+              <a:t>key</a:t>
             </a:r>
             <a:r>
               <a:rPr lang="de-DE" dirty="0"/>
-              <a:t> klonen:</a:t>
+              <a:t> an die Datei </a:t>
+            </a:r>
+            <a:r>
+              <a:rPr lang="de-DE" dirty="0">
+                <a:latin typeface="Courier New" panose="02070309020205020404" pitchFamily="49" charset="0"/>
+                <a:cs typeface="Courier New" panose="02070309020205020404" pitchFamily="49" charset="0"/>
+              </a:rPr>
+              <a:t>~/.</a:t>
+            </a:r>
+            <a:r>
+              <a:rPr lang="de-DE" dirty="0" err="1">
+                <a:latin typeface="Courier New" panose="02070309020205020404" pitchFamily="49" charset="0"/>
+                <a:cs typeface="Courier New" panose="02070309020205020404" pitchFamily="49" charset="0"/>
+              </a:rPr>
+              <a:t>ssh</a:t>
+            </a:r>
+            <a:r>
+              <a:rPr lang="de-DE" dirty="0">
+                <a:latin typeface="Courier New" panose="02070309020205020404" pitchFamily="49" charset="0"/>
+                <a:cs typeface="Courier New" panose="02070309020205020404" pitchFamily="49" charset="0"/>
+              </a:rPr>
+              <a:t>/</a:t>
+            </a:r>
+            <a:r>
+              <a:rPr lang="de-DE" dirty="0" err="1">
+                <a:latin typeface="Courier New" panose="02070309020205020404" pitchFamily="49" charset="0"/>
+                <a:cs typeface="Courier New" panose="02070309020205020404" pitchFamily="49" charset="0"/>
+              </a:rPr>
+              <a:t>authorized_keys</a:t>
+            </a:r>
+            <a:r>
+              <a:rPr lang="de-DE" dirty="0">
+                <a:latin typeface="Courier New" panose="02070309020205020404" pitchFamily="49" charset="0"/>
+                <a:cs typeface="Courier New" panose="02070309020205020404" pitchFamily="49" charset="0"/>
+              </a:rPr>
+              <a:t> </a:t>
+            </a:r>
+            <a:r>
+              <a:rPr lang="de-DE" dirty="0"/>
+              <a:t>anhängen!</a:t>
             </a:r>
           </a:p>
           <a:p>
@@ -4068,9 +4200,97 @@
               <a:buNone/>
             </a:pPr>
             <a:r>
-              <a:rPr lang="de-DE" dirty="0"/>
+              <a:rPr lang="de-DE" sz="2400" dirty="0">
+                <a:latin typeface="Courier New" panose="02070309020205020404" pitchFamily="49" charset="0"/>
+                <a:cs typeface="Courier New" panose="02070309020205020404" pitchFamily="49" charset="0"/>
+              </a:rPr>
+              <a:t>	multipass </a:t>
+            </a:r>
+            <a:r>
+              <a:rPr lang="de-DE" sz="2400" dirty="0" err="1">
+                <a:latin typeface="Courier New" panose="02070309020205020404" pitchFamily="49" charset="0"/>
+                <a:cs typeface="Courier New" panose="02070309020205020404" pitchFamily="49" charset="0"/>
+              </a:rPr>
+              <a:t>shell</a:t>
+            </a:r>
+            <a:r>
+              <a:rPr lang="de-DE" sz="2400" dirty="0">
+                <a:latin typeface="Courier New" panose="02070309020205020404" pitchFamily="49" charset="0"/>
+                <a:cs typeface="Courier New" panose="02070309020205020404" pitchFamily="49" charset="0"/>
+              </a:rPr>
+              <a:t> </a:t>
+            </a:r>
+            <a:r>
+              <a:rPr lang="de-DE" sz="2400" dirty="0" err="1">
+                <a:latin typeface="Courier New" panose="02070309020205020404" pitchFamily="49" charset="0"/>
+                <a:cs typeface="Courier New" panose="02070309020205020404" pitchFamily="49" charset="0"/>
+              </a:rPr>
+              <a:t>master</a:t>
+            </a:r>
+            <a:endParaRPr lang="de-DE" sz="2400" dirty="0">
+              <a:latin typeface="Courier New" panose="02070309020205020404" pitchFamily="49" charset="0"/>
+              <a:cs typeface="Courier New" panose="02070309020205020404" pitchFamily="49" charset="0"/>
+            </a:endParaRPr>
+          </a:p>
+          <a:p>
+            <a:pPr marL="0" indent="0">
+              <a:buNone/>
+            </a:pPr>
+            <a:r>
+              <a:rPr lang="de-DE" sz="2400" dirty="0">
+                <a:latin typeface="Courier New" panose="02070309020205020404" pitchFamily="49" charset="0"/>
+                <a:cs typeface="Courier New" panose="02070309020205020404" pitchFamily="49" charset="0"/>
+              </a:rPr>
+              <a:t>	vi .</a:t>
+            </a:r>
+            <a:r>
+              <a:rPr lang="de-DE" sz="2400" dirty="0" err="1">
+                <a:latin typeface="Courier New" panose="02070309020205020404" pitchFamily="49" charset="0"/>
+                <a:cs typeface="Courier New" panose="02070309020205020404" pitchFamily="49" charset="0"/>
+              </a:rPr>
+              <a:t>ssh</a:t>
+            </a:r>
+            <a:r>
+              <a:rPr lang="de-DE" sz="2400" dirty="0">
+                <a:latin typeface="Courier New" panose="02070309020205020404" pitchFamily="49" charset="0"/>
+                <a:cs typeface="Courier New" panose="02070309020205020404" pitchFamily="49" charset="0"/>
+              </a:rPr>
+              <a:t>/</a:t>
+            </a:r>
+            <a:r>
+              <a:rPr lang="de-DE" sz="2400" dirty="0" err="1">
+                <a:latin typeface="Courier New" panose="02070309020205020404" pitchFamily="49" charset="0"/>
+                <a:cs typeface="Courier New" panose="02070309020205020404" pitchFamily="49" charset="0"/>
+              </a:rPr>
+              <a:t>authorized_keys</a:t>
+            </a:r>
+            <a:endParaRPr lang="de-DE" sz="2400" dirty="0">
+              <a:latin typeface="Courier New" panose="02070309020205020404" pitchFamily="49" charset="0"/>
+              <a:cs typeface="Courier New" panose="02070309020205020404" pitchFamily="49" charset="0"/>
+            </a:endParaRPr>
+          </a:p>
+          <a:p>
+            <a:pPr marL="0" indent="0">
+              <a:buNone/>
+            </a:pPr>
+            <a:r>
+              <a:rPr lang="de-DE" sz="2400" dirty="0">
+                <a:latin typeface="Courier New" panose="02070309020205020404" pitchFamily="49" charset="0"/>
+                <a:cs typeface="Courier New" panose="02070309020205020404" pitchFamily="49" charset="0"/>
+              </a:rPr>
               <a:t>	</a:t>
             </a:r>
+            <a:r>
+              <a:rPr lang="de-DE" sz="2400" dirty="0" err="1">
+                <a:latin typeface="Courier New" panose="02070309020205020404" pitchFamily="49" charset="0"/>
+                <a:cs typeface="Courier New" panose="02070309020205020404" pitchFamily="49" charset="0"/>
+              </a:rPr>
+              <a:t>exit</a:t>
+            </a:r>
+            <a:endParaRPr lang="de-DE" sz="2400" dirty="0">
+              <a:latin typeface="Courier New" panose="02070309020205020404" pitchFamily="49" charset="0"/>
+              <a:cs typeface="Courier New" panose="02070309020205020404" pitchFamily="49" charset="0"/>
+            </a:endParaRPr>
           </a:p>
         </p:txBody>
       </p:sp>
@@ -4150,16 +4370,26 @@
         </p:nvSpPr>
         <p:spPr/>
         <p:txBody>
-          <a:bodyPr/>
+          <a:bodyPr>
+            <a:normAutofit/>
+          </a:bodyPr>
           <a:lstStyle/>
           <a:p>
             <a:r>
               <a:rPr lang="de-DE" dirty="0" err="1"/>
-              <a:t>Build</a:t>
+              <a:t>Git</a:t>
             </a:r>
             <a:r>
               <a:rPr lang="de-DE" dirty="0"/>
-              <a:t>-Werkzeuge installieren:</a:t>
+              <a:t> </a:t>
+            </a:r>
+            <a:r>
+              <a:rPr lang="de-DE" dirty="0" err="1"/>
+              <a:t>repository</a:t>
+            </a:r>
+            <a:r>
+              <a:rPr lang="de-DE" dirty="0"/>
+              <a:t> klonen:</a:t>
             </a:r>
           </a:p>
           <a:p>
@@ -4167,127 +4397,105 @@
               <a:buNone/>
             </a:pPr>
             <a:r>
-              <a:rPr lang="de-DE" dirty="0"/>
+              <a:rPr lang="de-DE" sz="2000" dirty="0"/>
               <a:t>	</a:t>
             </a:r>
             <a:r>
-              <a:rPr lang="de-DE" dirty="0" err="1">
-                <a:latin typeface="Courier New" panose="02070309020205020404" pitchFamily="49" charset="0"/>
-                <a:cs typeface="Courier New" panose="02070309020205020404" pitchFamily="49" charset="0"/>
-              </a:rPr>
-              <a:t>sudo</a:t>
-            </a:r>
-            <a:r>
-              <a:rPr lang="de-DE" dirty="0">
+              <a:rPr lang="de-DE" sz="2000" dirty="0">
+                <a:latin typeface="Courier New" panose="02070309020205020404" pitchFamily="49" charset="0"/>
+                <a:cs typeface="Courier New" panose="02070309020205020404" pitchFamily="49" charset="0"/>
+              </a:rPr>
+              <a:t>multipass </a:t>
+            </a:r>
+            <a:r>
+              <a:rPr lang="de-DE" sz="2000" dirty="0" err="1">
+                <a:latin typeface="Courier New" panose="02070309020205020404" pitchFamily="49" charset="0"/>
+                <a:cs typeface="Courier New" panose="02070309020205020404" pitchFamily="49" charset="0"/>
+              </a:rPr>
+              <a:t>list</a:t>
+            </a:r>
+            <a:r>
+              <a:rPr lang="de-DE" sz="2000" dirty="0">
+                <a:latin typeface="Courier New" panose="02070309020205020404" pitchFamily="49" charset="0"/>
+                <a:cs typeface="Courier New" panose="02070309020205020404" pitchFamily="49" charset="0"/>
+              </a:rPr>
+              <a:t>	</a:t>
+            </a:r>
+          </a:p>
+          <a:p>
+            <a:pPr marL="0" indent="0">
+              <a:buNone/>
+            </a:pPr>
+            <a:r>
+              <a:rPr lang="de-DE" sz="2000" dirty="0">
+                <a:latin typeface="Courier New" panose="02070309020205020404" pitchFamily="49" charset="0"/>
+                <a:cs typeface="Courier New" panose="02070309020205020404" pitchFamily="49" charset="0"/>
+              </a:rPr>
+              <a:t>	</a:t>
+            </a:r>
+            <a:r>
+              <a:rPr lang="de-DE" sz="2000" dirty="0" err="1">
+                <a:latin typeface="Courier New" panose="02070309020205020404" pitchFamily="49" charset="0"/>
+                <a:cs typeface="Courier New" panose="02070309020205020404" pitchFamily="49" charset="0"/>
+              </a:rPr>
+              <a:t>ssh</a:t>
+            </a:r>
+            <a:r>
+              <a:rPr lang="de-DE" sz="2000" dirty="0">
+                <a:latin typeface="Courier New" panose="02070309020205020404" pitchFamily="49" charset="0"/>
+                <a:cs typeface="Courier New" panose="02070309020205020404" pitchFamily="49" charset="0"/>
+              </a:rPr>
+              <a:t> –A ubuntu@192.168.22.2</a:t>
+            </a:r>
+          </a:p>
+          <a:p>
+            <a:pPr marL="0" indent="0">
+              <a:buNone/>
+            </a:pPr>
+            <a:r>
+              <a:rPr lang="de-DE" sz="2000" dirty="0">
+                <a:latin typeface="Courier New" panose="02070309020205020404" pitchFamily="49" charset="0"/>
+                <a:cs typeface="Courier New" panose="02070309020205020404" pitchFamily="49" charset="0"/>
+              </a:rPr>
+              <a:t>	</a:t>
+            </a:r>
+            <a:r>
+              <a:rPr lang="de-DE" sz="2000" dirty="0" err="1">
+                <a:latin typeface="Courier New" panose="02070309020205020404" pitchFamily="49" charset="0"/>
+                <a:cs typeface="Courier New" panose="02070309020205020404" pitchFamily="49" charset="0"/>
+              </a:rPr>
+              <a:t>git</a:t>
+            </a:r>
+            <a:r>
+              <a:rPr lang="de-DE" sz="2000" dirty="0">
                 <a:latin typeface="Courier New" panose="02070309020205020404" pitchFamily="49" charset="0"/>
                 <a:cs typeface="Courier New" panose="02070309020205020404" pitchFamily="49" charset="0"/>
               </a:rPr>
               <a:t> </a:t>
             </a:r>
             <a:r>
-              <a:rPr lang="de-DE" dirty="0" err="1">
-                <a:latin typeface="Courier New" panose="02070309020205020404" pitchFamily="49" charset="0"/>
-                <a:cs typeface="Courier New" panose="02070309020205020404" pitchFamily="49" charset="0"/>
-              </a:rPr>
-              <a:t>apt</a:t>
-            </a:r>
-            <a:r>
-              <a:rPr lang="de-DE" dirty="0">
+              <a:rPr lang="de-DE" sz="2000" dirty="0" err="1">
+                <a:latin typeface="Courier New" panose="02070309020205020404" pitchFamily="49" charset="0"/>
+                <a:cs typeface="Courier New" panose="02070309020205020404" pitchFamily="49" charset="0"/>
+              </a:rPr>
+              <a:t>clone</a:t>
+            </a:r>
+            <a:r>
+              <a:rPr lang="de-DE" sz="2000" dirty="0">
                 <a:latin typeface="Courier New" panose="02070309020205020404" pitchFamily="49" charset="0"/>
                 <a:cs typeface="Courier New" panose="02070309020205020404" pitchFamily="49" charset="0"/>
               </a:rPr>
               <a:t> </a:t>
             </a:r>
             <a:r>
-              <a:rPr lang="de-DE" dirty="0" err="1">
-                <a:latin typeface="Courier New" panose="02070309020205020404" pitchFamily="49" charset="0"/>
-                <a:cs typeface="Courier New" panose="02070309020205020404" pitchFamily="49" charset="0"/>
-              </a:rPr>
-              <a:t>install</a:t>
-            </a:r>
-            <a:r>
-              <a:rPr lang="de-DE" dirty="0">
-                <a:latin typeface="Courier New" panose="02070309020205020404" pitchFamily="49" charset="0"/>
-                <a:cs typeface="Courier New" panose="02070309020205020404" pitchFamily="49" charset="0"/>
-              </a:rPr>
-              <a:t> </a:t>
-            </a:r>
-            <a:r>
-              <a:rPr lang="de-DE" dirty="0" err="1">
-                <a:latin typeface="Courier New" panose="02070309020205020404" pitchFamily="49" charset="0"/>
-                <a:cs typeface="Courier New" panose="02070309020205020404" pitchFamily="49" charset="0"/>
-              </a:rPr>
-              <a:t>maven</a:t>
-            </a:r>
-            <a:r>
-              <a:rPr lang="de-DE" dirty="0">
-                <a:latin typeface="Courier New" panose="02070309020205020404" pitchFamily="49" charset="0"/>
-                <a:cs typeface="Courier New" panose="02070309020205020404" pitchFamily="49" charset="0"/>
-              </a:rPr>
-              <a:t> openjdk-17-jdk</a:t>
-            </a:r>
-          </a:p>
-          <a:p>
-            <a:pPr marL="0" indent="0">
-              <a:buNone/>
-            </a:pPr>
-            <a:r>
-              <a:rPr lang="de-DE" dirty="0">
-                <a:latin typeface="Courier New" panose="02070309020205020404" pitchFamily="49" charset="0"/>
-                <a:cs typeface="Courier New" panose="02070309020205020404" pitchFamily="49" charset="0"/>
-              </a:rPr>
-              <a:t>	</a:t>
-            </a:r>
-            <a:r>
-              <a:rPr lang="de-DE" dirty="0" err="1">
-                <a:latin typeface="Courier New" panose="02070309020205020404" pitchFamily="49" charset="0"/>
-                <a:cs typeface="Courier New" panose="02070309020205020404" pitchFamily="49" charset="0"/>
-              </a:rPr>
-              <a:t>sudo</a:t>
-            </a:r>
-            <a:r>
-              <a:rPr lang="de-DE" dirty="0">
-                <a:latin typeface="Courier New" panose="02070309020205020404" pitchFamily="49" charset="0"/>
-                <a:cs typeface="Courier New" panose="02070309020205020404" pitchFamily="49" charset="0"/>
-              </a:rPr>
-              <a:t> </a:t>
-            </a:r>
-            <a:r>
-              <a:rPr lang="de-DE" dirty="0" err="1">
-                <a:latin typeface="Courier New" panose="02070309020205020404" pitchFamily="49" charset="0"/>
-                <a:cs typeface="Courier New" panose="02070309020205020404" pitchFamily="49" charset="0"/>
-              </a:rPr>
-              <a:t>snap</a:t>
-            </a:r>
-            <a:r>
-              <a:rPr lang="de-DE" dirty="0">
-                <a:latin typeface="Courier New" panose="02070309020205020404" pitchFamily="49" charset="0"/>
-                <a:cs typeface="Courier New" panose="02070309020205020404" pitchFamily="49" charset="0"/>
-              </a:rPr>
-              <a:t> </a:t>
-            </a:r>
-            <a:r>
-              <a:rPr lang="de-DE" dirty="0" err="1">
-                <a:latin typeface="Courier New" panose="02070309020205020404" pitchFamily="49" charset="0"/>
-                <a:cs typeface="Courier New" panose="02070309020205020404" pitchFamily="49" charset="0"/>
-              </a:rPr>
-              <a:t>install</a:t>
-            </a:r>
-            <a:r>
-              <a:rPr lang="de-DE" dirty="0">
-                <a:latin typeface="Courier New" panose="02070309020205020404" pitchFamily="49" charset="0"/>
-                <a:cs typeface="Courier New" panose="02070309020205020404" pitchFamily="49" charset="0"/>
-              </a:rPr>
-              <a:t> </a:t>
-            </a:r>
-            <a:r>
-              <a:rPr lang="de-DE" dirty="0" err="1">
-                <a:latin typeface="Courier New" panose="02070309020205020404" pitchFamily="49" charset="0"/>
-                <a:cs typeface="Courier New" panose="02070309020205020404" pitchFamily="49" charset="0"/>
-              </a:rPr>
-              <a:t>docker</a:t>
-            </a:r>
-            <a:endParaRPr lang="de-DE" dirty="0">
+              <a:rPr lang="de-DE" sz="2000" dirty="0">
+                <a:latin typeface="Courier New" panose="02070309020205020404" pitchFamily="49" charset="0"/>
+                <a:cs typeface="Courier New" panose="02070309020205020404" pitchFamily="49" charset="0"/>
+                <a:hlinkClick r:id="rId2"/>
+              </a:rPr>
+              <a:t>git@bitbucket.org:conciso/java-starter.git</a:t>
+            </a:r>
+            <a:endParaRPr lang="de-DE" sz="2000" dirty="0">
               <a:latin typeface="Courier New" panose="02070309020205020404" pitchFamily="49" charset="0"/>
               <a:cs typeface="Courier New" panose="02070309020205020404" pitchFamily="49" charset="0"/>
             </a:endParaRPr>
@@ -4297,183 +4505,112 @@
               <a:buNone/>
             </a:pPr>
             <a:r>
-              <a:rPr lang="de-DE" dirty="0">
+              <a:rPr lang="de-DE" sz="2000" dirty="0">
                 <a:latin typeface="Courier New" panose="02070309020205020404" pitchFamily="49" charset="0"/>
                 <a:cs typeface="Courier New" panose="02070309020205020404" pitchFamily="49" charset="0"/>
               </a:rPr>
               <a:t>	</a:t>
             </a:r>
             <a:r>
-              <a:rPr lang="de-DE" dirty="0" err="1">
-                <a:latin typeface="Courier New" panose="02070309020205020404" pitchFamily="49" charset="0"/>
-                <a:cs typeface="Courier New" panose="02070309020205020404" pitchFamily="49" charset="0"/>
-              </a:rPr>
-              <a:t>sudo</a:t>
-            </a:r>
-            <a:r>
-              <a:rPr lang="de-DE" dirty="0">
-                <a:latin typeface="Courier New" panose="02070309020205020404" pitchFamily="49" charset="0"/>
-                <a:cs typeface="Courier New" panose="02070309020205020404" pitchFamily="49" charset="0"/>
-              </a:rPr>
-              <a:t> </a:t>
-            </a:r>
-            <a:r>
-              <a:rPr lang="de-DE" dirty="0" err="1">
-                <a:latin typeface="Courier New" panose="02070309020205020404" pitchFamily="49" charset="0"/>
-                <a:cs typeface="Courier New" panose="02070309020205020404" pitchFamily="49" charset="0"/>
-              </a:rPr>
-              <a:t>addgroup</a:t>
-            </a:r>
-            <a:r>
-              <a:rPr lang="de-DE" dirty="0">
-                <a:latin typeface="Courier New" panose="02070309020205020404" pitchFamily="49" charset="0"/>
-                <a:cs typeface="Courier New" panose="02070309020205020404" pitchFamily="49" charset="0"/>
-              </a:rPr>
-              <a:t> --system </a:t>
-            </a:r>
-            <a:r>
-              <a:rPr lang="de-DE" dirty="0" err="1">
-                <a:latin typeface="Courier New" panose="02070309020205020404" pitchFamily="49" charset="0"/>
-                <a:cs typeface="Courier New" panose="02070309020205020404" pitchFamily="49" charset="0"/>
-              </a:rPr>
-              <a:t>docker</a:t>
-            </a:r>
-            <a:endParaRPr lang="de-DE" dirty="0">
+              <a:rPr lang="de-DE" sz="2000" dirty="0" err="1">
+                <a:latin typeface="Courier New" panose="02070309020205020404" pitchFamily="49" charset="0"/>
+                <a:cs typeface="Courier New" panose="02070309020205020404" pitchFamily="49" charset="0"/>
+              </a:rPr>
+              <a:t>exit</a:t>
+            </a:r>
+            <a:endParaRPr lang="de-DE" sz="2000" dirty="0">
               <a:latin typeface="Courier New" panose="02070309020205020404" pitchFamily="49" charset="0"/>
               <a:cs typeface="Courier New" panose="02070309020205020404" pitchFamily="49" charset="0"/>
             </a:endParaRPr>
           </a:p>
-          <a:p>
-            <a:pPr marL="0" indent="0">
-              <a:buNone/>
-            </a:pPr>
-            <a:r>
-              <a:rPr lang="de-DE" dirty="0">
-                <a:latin typeface="Courier New" panose="02070309020205020404" pitchFamily="49" charset="0"/>
-                <a:cs typeface="Courier New" panose="02070309020205020404" pitchFamily="49" charset="0"/>
-              </a:rPr>
-              <a:t>	</a:t>
-            </a:r>
-            <a:r>
-              <a:rPr lang="de-DE" dirty="0" err="1">
-                <a:latin typeface="Courier New" panose="02070309020205020404" pitchFamily="49" charset="0"/>
-                <a:cs typeface="Courier New" panose="02070309020205020404" pitchFamily="49" charset="0"/>
-              </a:rPr>
-              <a:t>sudo</a:t>
-            </a:r>
-            <a:r>
-              <a:rPr lang="de-DE" dirty="0">
-                <a:latin typeface="Courier New" panose="02070309020205020404" pitchFamily="49" charset="0"/>
-                <a:cs typeface="Courier New" panose="02070309020205020404" pitchFamily="49" charset="0"/>
-              </a:rPr>
-              <a:t> </a:t>
-            </a:r>
-            <a:r>
-              <a:rPr lang="de-DE" dirty="0" err="1">
-                <a:latin typeface="Courier New" panose="02070309020205020404" pitchFamily="49" charset="0"/>
-                <a:cs typeface="Courier New" panose="02070309020205020404" pitchFamily="49" charset="0"/>
-              </a:rPr>
-              <a:t>adduser</a:t>
-            </a:r>
-            <a:r>
-              <a:rPr lang="de-DE" dirty="0">
-                <a:latin typeface="Courier New" panose="02070309020205020404" pitchFamily="49" charset="0"/>
-                <a:cs typeface="Courier New" panose="02070309020205020404" pitchFamily="49" charset="0"/>
-              </a:rPr>
-              <a:t> $USER </a:t>
-            </a:r>
-            <a:r>
-              <a:rPr lang="de-DE" dirty="0" err="1">
-                <a:latin typeface="Courier New" panose="02070309020205020404" pitchFamily="49" charset="0"/>
-                <a:cs typeface="Courier New" panose="02070309020205020404" pitchFamily="49" charset="0"/>
-              </a:rPr>
-              <a:t>docker</a:t>
-            </a:r>
-            <a:endParaRPr lang="de-DE" dirty="0">
-              <a:latin typeface="Courier New" panose="02070309020205020404" pitchFamily="49" charset="0"/>
-              <a:cs typeface="Courier New" panose="02070309020205020404" pitchFamily="49" charset="0"/>
-            </a:endParaRPr>
-          </a:p>
-          <a:p>
-            <a:pPr marL="0" indent="0">
-              <a:buNone/>
-            </a:pPr>
-            <a:r>
-              <a:rPr lang="de-DE" dirty="0">
-                <a:latin typeface="Courier New" panose="02070309020205020404" pitchFamily="49" charset="0"/>
-                <a:cs typeface="Courier New" panose="02070309020205020404" pitchFamily="49" charset="0"/>
-              </a:rPr>
-              <a:t>	</a:t>
-            </a:r>
-            <a:r>
-              <a:rPr lang="de-DE" dirty="0" err="1">
-                <a:latin typeface="Courier New" panose="02070309020205020404" pitchFamily="49" charset="0"/>
-                <a:cs typeface="Courier New" panose="02070309020205020404" pitchFamily="49" charset="0"/>
-              </a:rPr>
-              <a:t>sudo</a:t>
-            </a:r>
-            <a:r>
-              <a:rPr lang="de-DE" dirty="0">
-                <a:latin typeface="Courier New" panose="02070309020205020404" pitchFamily="49" charset="0"/>
-                <a:cs typeface="Courier New" panose="02070309020205020404" pitchFamily="49" charset="0"/>
-              </a:rPr>
-              <a:t> </a:t>
-            </a:r>
-            <a:r>
-              <a:rPr lang="de-DE" dirty="0" err="1">
-                <a:latin typeface="Courier New" panose="02070309020205020404" pitchFamily="49" charset="0"/>
-                <a:cs typeface="Courier New" panose="02070309020205020404" pitchFamily="49" charset="0"/>
-              </a:rPr>
-              <a:t>shutdown</a:t>
-            </a:r>
-            <a:r>
-              <a:rPr lang="de-DE" dirty="0">
-                <a:latin typeface="Courier New" panose="02070309020205020404" pitchFamily="49" charset="0"/>
-                <a:cs typeface="Courier New" panose="02070309020205020404" pitchFamily="49" charset="0"/>
-              </a:rPr>
-              <a:t> –</a:t>
-            </a:r>
-            <a:r>
-              <a:rPr lang="de-DE" dirty="0" err="1">
-                <a:latin typeface="Courier New" panose="02070309020205020404" pitchFamily="49" charset="0"/>
-                <a:cs typeface="Courier New" panose="02070309020205020404" pitchFamily="49" charset="0"/>
-              </a:rPr>
-              <a:t>r</a:t>
-            </a:r>
-            <a:r>
-              <a:rPr lang="de-DE" dirty="0">
-                <a:latin typeface="Courier New" panose="02070309020205020404" pitchFamily="49" charset="0"/>
-                <a:cs typeface="Courier New" panose="02070309020205020404" pitchFamily="49" charset="0"/>
-              </a:rPr>
-              <a:t> </a:t>
-            </a:r>
-            <a:r>
-              <a:rPr lang="de-DE" dirty="0" err="1">
-                <a:latin typeface="Courier New" panose="02070309020205020404" pitchFamily="49" charset="0"/>
-                <a:cs typeface="Courier New" panose="02070309020205020404" pitchFamily="49" charset="0"/>
-              </a:rPr>
-              <a:t>now</a:t>
-            </a:r>
-            <a:endParaRPr lang="de-DE" dirty="0">
-              <a:latin typeface="Courier New" panose="02070309020205020404" pitchFamily="49" charset="0"/>
-              <a:cs typeface="Courier New" panose="02070309020205020404" pitchFamily="49" charset="0"/>
-            </a:endParaRPr>
-          </a:p>
-          <a:p>
-            <a:pPr marL="0" indent="0">
-              <a:buNone/>
-            </a:pPr>
-            <a:r>
-              <a:rPr lang="de-DE" dirty="0"/>
-              <a:t>	</a:t>
-            </a:r>
+        </p:txBody>
+      </p:sp>
+      <p:pic>
+        <p:nvPicPr>
+          <p:cNvPr id="4" name="Grafik 3">
+            <a:extLst>
+              <a:ext uri="{FF2B5EF4-FFF2-40B4-BE49-F238E27FC236}">
+                <a16:creationId xmlns:a16="http://schemas.microsoft.com/office/drawing/2014/main" id="{3B157EBE-FE7B-E53F-8A1B-0998CFA088E6}"/>
+              </a:ext>
+            </a:extLst>
+          </p:cNvPr>
+          <p:cNvPicPr>
+            <a:picLocks noChangeAspect="1"/>
+          </p:cNvPicPr>
+          <p:nvPr/>
+        </p:nvPicPr>
+        <p:blipFill>
+          <a:blip r:embed="rId3"/>
+          <a:stretch>
+            <a:fillRect/>
+          </a:stretch>
+        </p:blipFill>
+        <p:spPr>
+          <a:xfrm>
+            <a:off x="4445715" y="4756006"/>
+            <a:ext cx="6794500" cy="1130300"/>
+          </a:xfrm>
+          <a:prstGeom prst="rect">
+            <a:avLst/>
+          </a:prstGeom>
+        </p:spPr>
+      </p:pic>
+      <p:sp>
+        <p:nvSpPr>
+          <p:cNvPr id="5" name="Oval 4">
+            <a:extLst>
+              <a:ext uri="{FF2B5EF4-FFF2-40B4-BE49-F238E27FC236}">
+                <a16:creationId xmlns:a16="http://schemas.microsoft.com/office/drawing/2014/main" id="{843B12CE-5219-2B03-5882-A472AEE575C1}"/>
+              </a:ext>
+            </a:extLst>
+          </p:cNvPr>
+          <p:cNvSpPr/>
+          <p:nvPr/>
+        </p:nvSpPr>
+        <p:spPr>
+          <a:xfrm>
+            <a:off x="8067554" y="5243331"/>
+            <a:ext cx="1319514" cy="367633"/>
+          </a:xfrm>
+          <a:prstGeom prst="ellipse">
+            <a:avLst/>
+          </a:prstGeom>
+          <a:noFill/>
+          <a:ln w="38100">
+            <a:solidFill>
+              <a:srgbClr val="FF0000"/>
+            </a:solidFill>
+          </a:ln>
+        </p:spPr>
+        <p:style>
+          <a:lnRef idx="2">
+            <a:schemeClr val="accent1">
+              <a:shade val="50000"/>
+            </a:schemeClr>
+          </a:lnRef>
+          <a:fillRef idx="1">
+            <a:schemeClr val="accent1"/>
+          </a:fillRef>
+          <a:effectRef idx="0">
+            <a:schemeClr val="accent1"/>
+          </a:effectRef>
+          <a:fontRef idx="minor">
+            <a:schemeClr val="lt1"/>
+          </a:fontRef>
+        </p:style>
+        <p:txBody>
+          <a:bodyPr rtlCol="0" anchor="ctr"/>
+          <a:lstStyle/>
+          <a:p>
+            <a:pPr algn="ctr"/>
+            <a:endParaRPr lang="de-DE"/>
           </a:p>
         </p:txBody>
       </p:sp>
     </p:spTree>
     <p:extLst>
       <p:ext uri="{BB962C8B-B14F-4D97-AF65-F5344CB8AC3E}">
-        <p14:creationId xmlns:p14="http://schemas.microsoft.com/office/powerpoint/2010/main" val="95530302"/>
+        <p14:creationId xmlns:p14="http://schemas.microsoft.com/office/powerpoint/2010/main" val="4117018733"/>
       </p:ext>
     </p:extLst>
   </p:cSld>
@@ -4546,12 +4683,18 @@
         </p:nvSpPr>
         <p:spPr/>
         <p:txBody>
-          <a:bodyPr/>
-          <a:lstStyle/>
-          <a:p>
+          <a:bodyPr>
+            <a:normAutofit/>
+          </a:bodyPr>
+          <a:lstStyle/>
+          <a:p>
+            <a:r>
+              <a:rPr lang="de-DE" dirty="0" err="1"/>
+              <a:t>Build</a:t>
+            </a:r>
             <a:r>
               <a:rPr lang="de-DE" dirty="0"/>
-              <a:t>Anwendung bauen:</a:t>
+              <a:t>-Werkzeuge installieren:</a:t>
             </a:r>
           </a:p>
           <a:p>
@@ -4559,38 +4702,38 @@
               <a:buNone/>
             </a:pPr>
             <a:r>
-              <a:rPr lang="de-DE" dirty="0"/>
+              <a:rPr lang="de-DE" sz="2400" dirty="0"/>
               <a:t>	</a:t>
             </a:r>
             <a:r>
-              <a:rPr lang="de-DE" dirty="0">
+              <a:rPr lang="de-DE" sz="2400" dirty="0">
                 <a:latin typeface="Courier New" panose="02070309020205020404" pitchFamily="49" charset="0"/>
                 <a:cs typeface="Courier New" panose="02070309020205020404" pitchFamily="49" charset="0"/>
               </a:rPr>
               <a:t>multipass </a:t>
             </a:r>
             <a:r>
-              <a:rPr lang="de-DE" dirty="0" err="1">
+              <a:rPr lang="de-DE" sz="2400" dirty="0" err="1">
                 <a:latin typeface="Courier New" panose="02070309020205020404" pitchFamily="49" charset="0"/>
                 <a:cs typeface="Courier New" panose="02070309020205020404" pitchFamily="49" charset="0"/>
               </a:rPr>
               <a:t>shell</a:t>
             </a:r>
             <a:r>
-              <a:rPr lang="de-DE" dirty="0">
+              <a:rPr lang="de-DE" sz="2400" dirty="0">
                 <a:latin typeface="Courier New" panose="02070309020205020404" pitchFamily="49" charset="0"/>
                 <a:cs typeface="Courier New" panose="02070309020205020404" pitchFamily="49" charset="0"/>
               </a:rPr>
               <a:t> </a:t>
             </a:r>
             <a:r>
-              <a:rPr lang="de-DE" dirty="0" err="1">
+              <a:rPr lang="de-DE" sz="2400" dirty="0" err="1">
                 <a:latin typeface="Courier New" panose="02070309020205020404" pitchFamily="49" charset="0"/>
                 <a:cs typeface="Courier New" panose="02070309020205020404" pitchFamily="49" charset="0"/>
               </a:rPr>
               <a:t>master</a:t>
             </a:r>
-            <a:endParaRPr lang="de-DE" dirty="0">
+            <a:endParaRPr lang="de-DE" sz="2400" dirty="0">
               <a:latin typeface="Courier New" panose="02070309020205020404" pitchFamily="49" charset="0"/>
               <a:cs typeface="Courier New" panose="02070309020205020404" pitchFamily="49" charset="0"/>
             </a:endParaRPr>
@@ -4600,34 +4743,167 @@
               <a:buNone/>
             </a:pPr>
             <a:r>
-              <a:rPr lang="de-DE" dirty="0">
-                <a:latin typeface="Courier New" panose="02070309020205020404" pitchFamily="49" charset="0"/>
-                <a:cs typeface="Courier New" panose="02070309020205020404" pitchFamily="49" charset="0"/>
-              </a:rPr>
-              <a:t>	cd </a:t>
-            </a:r>
-            <a:r>
-              <a:rPr lang="de-DE" dirty="0" err="1">
-                <a:latin typeface="Courier New" panose="02070309020205020404" pitchFamily="49" charset="0"/>
-                <a:cs typeface="Courier New" panose="02070309020205020404" pitchFamily="49" charset="0"/>
-              </a:rPr>
-              <a:t>java</a:t>
-            </a:r>
-            <a:r>
-              <a:rPr lang="de-DE" dirty="0">
-                <a:latin typeface="Courier New" panose="02070309020205020404" pitchFamily="49" charset="0"/>
-                <a:cs typeface="Courier New" panose="02070309020205020404" pitchFamily="49" charset="0"/>
-              </a:rPr>
-              <a:t>-starter/sample/</a:t>
-            </a:r>
-            <a:r>
-              <a:rPr lang="de-DE" dirty="0" err="1">
-                <a:latin typeface="Courier New" panose="02070309020205020404" pitchFamily="49" charset="0"/>
-                <a:cs typeface="Courier New" panose="02070309020205020404" pitchFamily="49" charset="0"/>
-              </a:rPr>
-              <a:t>person</a:t>
-            </a:r>
-            <a:endParaRPr lang="de-DE" dirty="0">
+              <a:rPr lang="de-DE" sz="2400" dirty="0">
+                <a:latin typeface="Courier New" panose="02070309020205020404" pitchFamily="49" charset="0"/>
+                <a:cs typeface="Courier New" panose="02070309020205020404" pitchFamily="49" charset="0"/>
+              </a:rPr>
+              <a:t>	</a:t>
+            </a:r>
+            <a:r>
+              <a:rPr lang="de-DE" sz="2400" dirty="0" err="1">
+                <a:latin typeface="Courier New" panose="02070309020205020404" pitchFamily="49" charset="0"/>
+                <a:cs typeface="Courier New" panose="02070309020205020404" pitchFamily="49" charset="0"/>
+              </a:rPr>
+              <a:t>sudo</a:t>
+            </a:r>
+            <a:r>
+              <a:rPr lang="de-DE" sz="2400" dirty="0">
+                <a:latin typeface="Courier New" panose="02070309020205020404" pitchFamily="49" charset="0"/>
+                <a:cs typeface="Courier New" panose="02070309020205020404" pitchFamily="49" charset="0"/>
+              </a:rPr>
+              <a:t> </a:t>
+            </a:r>
+            <a:r>
+              <a:rPr lang="de-DE" sz="2400" dirty="0" err="1">
+                <a:latin typeface="Courier New" panose="02070309020205020404" pitchFamily="49" charset="0"/>
+                <a:cs typeface="Courier New" panose="02070309020205020404" pitchFamily="49" charset="0"/>
+              </a:rPr>
+              <a:t>apt-get</a:t>
+            </a:r>
+            <a:r>
+              <a:rPr lang="de-DE" sz="2400" dirty="0">
+                <a:latin typeface="Courier New" panose="02070309020205020404" pitchFamily="49" charset="0"/>
+                <a:cs typeface="Courier New" panose="02070309020205020404" pitchFamily="49" charset="0"/>
+              </a:rPr>
+              <a:t> update</a:t>
+            </a:r>
+          </a:p>
+          <a:p>
+            <a:pPr marL="0" indent="0">
+              <a:buNone/>
+            </a:pPr>
+            <a:r>
+              <a:rPr lang="de-DE" sz="2400" dirty="0"/>
+              <a:t>	</a:t>
+            </a:r>
+            <a:r>
+              <a:rPr lang="de-DE" sz="2400" dirty="0" err="1">
+                <a:latin typeface="Courier New" panose="02070309020205020404" pitchFamily="49" charset="0"/>
+                <a:cs typeface="Courier New" panose="02070309020205020404" pitchFamily="49" charset="0"/>
+              </a:rPr>
+              <a:t>sudo</a:t>
+            </a:r>
+            <a:r>
+              <a:rPr lang="de-DE" sz="2400" dirty="0">
+                <a:latin typeface="Courier New" panose="02070309020205020404" pitchFamily="49" charset="0"/>
+                <a:cs typeface="Courier New" panose="02070309020205020404" pitchFamily="49" charset="0"/>
+              </a:rPr>
+              <a:t> </a:t>
+            </a:r>
+            <a:r>
+              <a:rPr lang="de-DE" sz="2400" dirty="0" err="1">
+                <a:latin typeface="Courier New" panose="02070309020205020404" pitchFamily="49" charset="0"/>
+                <a:cs typeface="Courier New" panose="02070309020205020404" pitchFamily="49" charset="0"/>
+              </a:rPr>
+              <a:t>apt</a:t>
+            </a:r>
+            <a:r>
+              <a:rPr lang="de-DE" sz="2400" dirty="0">
+                <a:latin typeface="Courier New" panose="02070309020205020404" pitchFamily="49" charset="0"/>
+                <a:cs typeface="Courier New" panose="02070309020205020404" pitchFamily="49" charset="0"/>
+              </a:rPr>
+              <a:t> </a:t>
+            </a:r>
+            <a:r>
+              <a:rPr lang="de-DE" sz="2400" dirty="0" err="1">
+                <a:latin typeface="Courier New" panose="02070309020205020404" pitchFamily="49" charset="0"/>
+                <a:cs typeface="Courier New" panose="02070309020205020404" pitchFamily="49" charset="0"/>
+              </a:rPr>
+              <a:t>install</a:t>
+            </a:r>
+            <a:r>
+              <a:rPr lang="de-DE" sz="2400" dirty="0">
+                <a:latin typeface="Courier New" panose="02070309020205020404" pitchFamily="49" charset="0"/>
+                <a:cs typeface="Courier New" panose="02070309020205020404" pitchFamily="49" charset="0"/>
+              </a:rPr>
+              <a:t> </a:t>
+            </a:r>
+            <a:r>
+              <a:rPr lang="de-DE" sz="2400" dirty="0" err="1">
+                <a:latin typeface="Courier New" panose="02070309020205020404" pitchFamily="49" charset="0"/>
+                <a:cs typeface="Courier New" panose="02070309020205020404" pitchFamily="49" charset="0"/>
+              </a:rPr>
+              <a:t>maven</a:t>
+            </a:r>
+            <a:r>
+              <a:rPr lang="de-DE" sz="2400" dirty="0">
+                <a:latin typeface="Courier New" panose="02070309020205020404" pitchFamily="49" charset="0"/>
+                <a:cs typeface="Courier New" panose="02070309020205020404" pitchFamily="49" charset="0"/>
+              </a:rPr>
+              <a:t> openjdk-17-jdk</a:t>
+            </a:r>
+          </a:p>
+          <a:p>
+            <a:pPr marL="0" indent="0">
+              <a:buNone/>
+            </a:pPr>
+            <a:r>
+              <a:rPr lang="de-DE" sz="2400" dirty="0">
+                <a:latin typeface="Courier New" panose="02070309020205020404" pitchFamily="49" charset="0"/>
+                <a:cs typeface="Courier New" panose="02070309020205020404" pitchFamily="49" charset="0"/>
+              </a:rPr>
+              <a:t>	</a:t>
+            </a:r>
+            <a:r>
+              <a:rPr lang="de-DE" sz="2400" dirty="0" err="1">
+                <a:latin typeface="Courier New" panose="02070309020205020404" pitchFamily="49" charset="0"/>
+                <a:cs typeface="Courier New" panose="02070309020205020404" pitchFamily="49" charset="0"/>
+              </a:rPr>
+              <a:t>sudo</a:t>
+            </a:r>
+            <a:r>
+              <a:rPr lang="de-DE" sz="2400" dirty="0">
+                <a:latin typeface="Courier New" panose="02070309020205020404" pitchFamily="49" charset="0"/>
+                <a:cs typeface="Courier New" panose="02070309020205020404" pitchFamily="49" charset="0"/>
+              </a:rPr>
+              <a:t> </a:t>
+            </a:r>
+            <a:r>
+              <a:rPr lang="de-DE" sz="2400" dirty="0" err="1">
+                <a:latin typeface="Courier New" panose="02070309020205020404" pitchFamily="49" charset="0"/>
+                <a:cs typeface="Courier New" panose="02070309020205020404" pitchFamily="49" charset="0"/>
+              </a:rPr>
+              <a:t>snap</a:t>
+            </a:r>
+            <a:r>
+              <a:rPr lang="de-DE" sz="2400" dirty="0">
+                <a:latin typeface="Courier New" panose="02070309020205020404" pitchFamily="49" charset="0"/>
+                <a:cs typeface="Courier New" panose="02070309020205020404" pitchFamily="49" charset="0"/>
+              </a:rPr>
+              <a:t> </a:t>
+            </a:r>
+            <a:r>
+              <a:rPr lang="de-DE" sz="2400" dirty="0" err="1">
+                <a:latin typeface="Courier New" panose="02070309020205020404" pitchFamily="49" charset="0"/>
+                <a:cs typeface="Courier New" panose="02070309020205020404" pitchFamily="49" charset="0"/>
+              </a:rPr>
+              <a:t>install</a:t>
+            </a:r>
+            <a:r>
+              <a:rPr lang="de-DE" sz="2400" dirty="0">
+                <a:latin typeface="Courier New" panose="02070309020205020404" pitchFamily="49" charset="0"/>
+                <a:cs typeface="Courier New" panose="02070309020205020404" pitchFamily="49" charset="0"/>
+              </a:rPr>
+              <a:t> </a:t>
+            </a:r>
+            <a:r>
+              <a:rPr lang="de-DE" sz="2400" dirty="0" err="1">
+                <a:latin typeface="Courier New" panose="02070309020205020404" pitchFamily="49" charset="0"/>
+                <a:cs typeface="Courier New" panose="02070309020205020404" pitchFamily="49" charset="0"/>
+              </a:rPr>
+              <a:t>docker</a:t>
+            </a:r>
+            <a:endParaRPr lang="de-DE" sz="2400" dirty="0">
               <a:latin typeface="Courier New" panose="02070309020205020404" pitchFamily="49" charset="0"/>
               <a:cs typeface="Courier New" panose="02070309020205020404" pitchFamily="49" charset="0"/>
             </a:endParaRPr>
@@ -4637,34 +4913,48 @@
               <a:buNone/>
             </a:pPr>
             <a:r>
-              <a:rPr lang="de-DE" dirty="0">
+              <a:rPr lang="de-DE" sz="2400" dirty="0">
                 <a:latin typeface="Courier New" panose="02070309020205020404" pitchFamily="49" charset="0"/>
                 <a:cs typeface="Courier New" panose="02070309020205020404" pitchFamily="49" charset="0"/>
               </a:rPr>
               <a:t>	</a:t>
             </a:r>
             <a:r>
-              <a:rPr lang="de-DE" dirty="0" err="1">
-                <a:latin typeface="Courier New" panose="02070309020205020404" pitchFamily="49" charset="0"/>
-                <a:cs typeface="Courier New" panose="02070309020205020404" pitchFamily="49" charset="0"/>
-              </a:rPr>
-              <a:t>mvn</a:t>
-            </a:r>
-            <a:r>
-              <a:rPr lang="de-DE" dirty="0">
-                <a:latin typeface="Courier New" panose="02070309020205020404" pitchFamily="49" charset="0"/>
-                <a:cs typeface="Courier New" panose="02070309020205020404" pitchFamily="49" charset="0"/>
-              </a:rPr>
-              <a:t> clean </a:t>
-            </a:r>
-            <a:r>
-              <a:rPr lang="de-DE" dirty="0" err="1">
-                <a:latin typeface="Courier New" panose="02070309020205020404" pitchFamily="49" charset="0"/>
-                <a:cs typeface="Courier New" panose="02070309020205020404" pitchFamily="49" charset="0"/>
-              </a:rPr>
-              <a:t>install</a:t>
-            </a:r>
-            <a:endParaRPr lang="de-DE" dirty="0">
+              <a:rPr lang="de-DE" sz="2400" dirty="0" err="1">
+                <a:latin typeface="Courier New" panose="02070309020205020404" pitchFamily="49" charset="0"/>
+                <a:cs typeface="Courier New" panose="02070309020205020404" pitchFamily="49" charset="0"/>
+              </a:rPr>
+              <a:t>sudo</a:t>
+            </a:r>
+            <a:r>
+              <a:rPr lang="de-DE" sz="2400" dirty="0">
+                <a:latin typeface="Courier New" panose="02070309020205020404" pitchFamily="49" charset="0"/>
+                <a:cs typeface="Courier New" panose="02070309020205020404" pitchFamily="49" charset="0"/>
+              </a:rPr>
+              <a:t> </a:t>
+            </a:r>
+            <a:r>
+              <a:rPr lang="de-DE" sz="2400" dirty="0" err="1">
+                <a:latin typeface="Courier New" panose="02070309020205020404" pitchFamily="49" charset="0"/>
+                <a:cs typeface="Courier New" panose="02070309020205020404" pitchFamily="49" charset="0"/>
+              </a:rPr>
+              <a:t>addgroup</a:t>
+            </a:r>
+            <a:r>
+              <a:rPr lang="de-DE" sz="2400" dirty="0">
+                <a:latin typeface="Courier New" panose="02070309020205020404" pitchFamily="49" charset="0"/>
+                <a:cs typeface="Courier New" panose="02070309020205020404" pitchFamily="49" charset="0"/>
+              </a:rPr>
+              <a:t> --system </a:t>
+            </a:r>
+            <a:r>
+              <a:rPr lang="de-DE" sz="2400" dirty="0" err="1">
+                <a:latin typeface="Courier New" panose="02070309020205020404" pitchFamily="49" charset="0"/>
+                <a:cs typeface="Courier New" panose="02070309020205020404" pitchFamily="49" charset="0"/>
+              </a:rPr>
+              <a:t>docker</a:t>
+            </a:r>
+            <a:endParaRPr lang="de-DE" sz="2400" dirty="0">
               <a:latin typeface="Courier New" panose="02070309020205020404" pitchFamily="49" charset="0"/>
               <a:cs typeface="Courier New" panose="02070309020205020404" pitchFamily="49" charset="0"/>
             </a:endParaRPr>
@@ -4674,13 +4964,48 @@
               <a:buNone/>
             </a:pPr>
             <a:r>
-              <a:rPr lang="de-DE">
+              <a:rPr lang="de-DE" sz="2400" dirty="0">
                 <a:latin typeface="Courier New" panose="02070309020205020404" pitchFamily="49" charset="0"/>
                 <a:cs typeface="Courier New" panose="02070309020205020404" pitchFamily="49" charset="0"/>
               </a:rPr>
               <a:t>	</a:t>
             </a:r>
-            <a:endParaRPr lang="de-DE" dirty="0">
+            <a:r>
+              <a:rPr lang="de-DE" sz="2400" dirty="0" err="1">
+                <a:latin typeface="Courier New" panose="02070309020205020404" pitchFamily="49" charset="0"/>
+                <a:cs typeface="Courier New" panose="02070309020205020404" pitchFamily="49" charset="0"/>
+              </a:rPr>
+              <a:t>sudo</a:t>
+            </a:r>
+            <a:r>
+              <a:rPr lang="de-DE" sz="2400" dirty="0">
+                <a:latin typeface="Courier New" panose="02070309020205020404" pitchFamily="49" charset="0"/>
+                <a:cs typeface="Courier New" panose="02070309020205020404" pitchFamily="49" charset="0"/>
+              </a:rPr>
+              <a:t> </a:t>
+            </a:r>
+            <a:r>
+              <a:rPr lang="de-DE" sz="2400" dirty="0" err="1">
+                <a:latin typeface="Courier New" panose="02070309020205020404" pitchFamily="49" charset="0"/>
+                <a:cs typeface="Courier New" panose="02070309020205020404" pitchFamily="49" charset="0"/>
+              </a:rPr>
+              <a:t>adduser</a:t>
+            </a:r>
+            <a:r>
+              <a:rPr lang="de-DE" sz="2400" dirty="0">
+                <a:latin typeface="Courier New" panose="02070309020205020404" pitchFamily="49" charset="0"/>
+                <a:cs typeface="Courier New" panose="02070309020205020404" pitchFamily="49" charset="0"/>
+              </a:rPr>
+              <a:t> $USER </a:t>
+            </a:r>
+            <a:r>
+              <a:rPr lang="de-DE" sz="2400" dirty="0" err="1">
+                <a:latin typeface="Courier New" panose="02070309020205020404" pitchFamily="49" charset="0"/>
+                <a:cs typeface="Courier New" panose="02070309020205020404" pitchFamily="49" charset="0"/>
+              </a:rPr>
+              <a:t>docker</a:t>
+            </a:r>
+            <a:endParaRPr lang="de-DE" sz="2400" dirty="0">
               <a:latin typeface="Courier New" panose="02070309020205020404" pitchFamily="49" charset="0"/>
               <a:cs typeface="Courier New" panose="02070309020205020404" pitchFamily="49" charset="0"/>
             </a:endParaRPr>
@@ -4690,6 +5015,71 @@
               <a:buNone/>
             </a:pPr>
             <a:r>
+              <a:rPr lang="de-DE" sz="2400" dirty="0">
+                <a:latin typeface="Courier New" panose="02070309020205020404" pitchFamily="49" charset="0"/>
+                <a:cs typeface="Courier New" panose="02070309020205020404" pitchFamily="49" charset="0"/>
+              </a:rPr>
+              <a:t>	</a:t>
+            </a:r>
+            <a:r>
+              <a:rPr lang="de-DE" sz="2400" dirty="0" err="1">
+                <a:latin typeface="Courier New" panose="02070309020205020404" pitchFamily="49" charset="0"/>
+                <a:cs typeface="Courier New" panose="02070309020205020404" pitchFamily="49" charset="0"/>
+              </a:rPr>
+              <a:t>sudo</a:t>
+            </a:r>
+            <a:r>
+              <a:rPr lang="de-DE" sz="2400" dirty="0">
+                <a:latin typeface="Courier New" panose="02070309020205020404" pitchFamily="49" charset="0"/>
+                <a:cs typeface="Courier New" panose="02070309020205020404" pitchFamily="49" charset="0"/>
+              </a:rPr>
+              <a:t> </a:t>
+            </a:r>
+            <a:r>
+              <a:rPr lang="de-DE" sz="2400" dirty="0" err="1">
+                <a:latin typeface="Courier New" panose="02070309020205020404" pitchFamily="49" charset="0"/>
+                <a:cs typeface="Courier New" panose="02070309020205020404" pitchFamily="49" charset="0"/>
+              </a:rPr>
+              <a:t>shutdown</a:t>
+            </a:r>
+            <a:r>
+              <a:rPr lang="de-DE" sz="2400" dirty="0">
+                <a:latin typeface="Courier New" panose="02070309020205020404" pitchFamily="49" charset="0"/>
+                <a:cs typeface="Courier New" panose="02070309020205020404" pitchFamily="49" charset="0"/>
+              </a:rPr>
+              <a:t> -</a:t>
+            </a:r>
+            <a:r>
+              <a:rPr lang="de-DE" sz="2400" dirty="0" err="1">
+                <a:latin typeface="Courier New" panose="02070309020205020404" pitchFamily="49" charset="0"/>
+                <a:cs typeface="Courier New" panose="02070309020205020404" pitchFamily="49" charset="0"/>
+              </a:rPr>
+              <a:t>r</a:t>
+            </a:r>
+            <a:r>
+              <a:rPr lang="de-DE" sz="2400" dirty="0">
+                <a:latin typeface="Courier New" panose="02070309020205020404" pitchFamily="49" charset="0"/>
+                <a:cs typeface="Courier New" panose="02070309020205020404" pitchFamily="49" charset="0"/>
+              </a:rPr>
+              <a:t> </a:t>
+            </a:r>
+            <a:r>
+              <a:rPr lang="de-DE" sz="2400" dirty="0" err="1">
+                <a:latin typeface="Courier New" panose="02070309020205020404" pitchFamily="49" charset="0"/>
+                <a:cs typeface="Courier New" panose="02070309020205020404" pitchFamily="49" charset="0"/>
+              </a:rPr>
+              <a:t>now</a:t>
+            </a:r>
+            <a:endParaRPr lang="de-DE" sz="2400" dirty="0">
+              <a:latin typeface="Courier New" panose="02070309020205020404" pitchFamily="49" charset="0"/>
+              <a:cs typeface="Courier New" panose="02070309020205020404" pitchFamily="49" charset="0"/>
+            </a:endParaRPr>
+          </a:p>
+          <a:p>
+            <a:pPr marL="0" indent="0">
+              <a:buNone/>
+            </a:pPr>
+            <a:r>
               <a:rPr lang="de-DE" dirty="0"/>
               <a:t>	</a:t>
             </a:r>
@@ -4699,7 +5089,7 @@
     </p:spTree>
     <p:extLst>
       <p:ext uri="{BB962C8B-B14F-4D97-AF65-F5344CB8AC3E}">
-        <p14:creationId xmlns:p14="http://schemas.microsoft.com/office/powerpoint/2010/main" val="3726267287"/>
+        <p14:creationId xmlns:p14="http://schemas.microsoft.com/office/powerpoint/2010/main" val="95530302"/>
       </p:ext>
     </p:extLst>
   </p:cSld>
@@ -4772,12 +5162,14 @@
         </p:nvSpPr>
         <p:spPr/>
         <p:txBody>
-          <a:bodyPr/>
+          <a:bodyPr>
+            <a:normAutofit/>
+          </a:bodyPr>
           <a:lstStyle/>
           <a:p>
             <a:r>
               <a:rPr lang="de-DE" dirty="0"/>
-              <a:t>Container Image übertragen:</a:t>
+              <a:t>Anwendung bauen:</a:t>
             </a:r>
           </a:p>
           <a:p>
@@ -4785,45 +5177,38 @@
               <a:buNone/>
             </a:pPr>
             <a:r>
-              <a:rPr lang="de-DE" dirty="0"/>
+              <a:rPr lang="de-DE" sz="2400" dirty="0"/>
               <a:t>	</a:t>
             </a:r>
             <a:r>
-              <a:rPr lang="de-DE" dirty="0" err="1">
-                <a:latin typeface="Courier New" panose="02070309020205020404" pitchFamily="49" charset="0"/>
-                <a:cs typeface="Courier New" panose="02070309020205020404" pitchFamily="49" charset="0"/>
-              </a:rPr>
-              <a:t>docker</a:t>
-            </a:r>
-            <a:r>
-              <a:rPr lang="de-DE" dirty="0">
-                <a:latin typeface="Courier New" panose="02070309020205020404" pitchFamily="49" charset="0"/>
-                <a:cs typeface="Courier New" panose="02070309020205020404" pitchFamily="49" charset="0"/>
-              </a:rPr>
-              <a:t> save </a:t>
-            </a:r>
-            <a:r>
-              <a:rPr lang="de-DE" dirty="0" err="1">
-                <a:latin typeface="Courier New" panose="02070309020205020404" pitchFamily="49" charset="0"/>
-                <a:cs typeface="Courier New" panose="02070309020205020404" pitchFamily="49" charset="0"/>
-              </a:rPr>
-              <a:t>person</a:t>
-            </a:r>
-            <a:r>
-              <a:rPr lang="de-DE" dirty="0">
-                <a:latin typeface="Courier New" panose="02070309020205020404" pitchFamily="49" charset="0"/>
-                <a:cs typeface="Courier New" panose="02070309020205020404" pitchFamily="49" charset="0"/>
-              </a:rPr>
-              <a:t> &gt; </a:t>
-            </a:r>
-            <a:r>
-              <a:rPr lang="de-DE" dirty="0" err="1">
-                <a:latin typeface="Courier New" panose="02070309020205020404" pitchFamily="49" charset="0"/>
-                <a:cs typeface="Courier New" panose="02070309020205020404" pitchFamily="49" charset="0"/>
-              </a:rPr>
-              <a:t>person.tar</a:t>
-            </a:r>
-            <a:endParaRPr lang="de-DE" dirty="0">
+              <a:rPr lang="de-DE" sz="2400" dirty="0">
+                <a:latin typeface="Courier New" panose="02070309020205020404" pitchFamily="49" charset="0"/>
+                <a:cs typeface="Courier New" panose="02070309020205020404" pitchFamily="49" charset="0"/>
+              </a:rPr>
+              <a:t>multipass </a:t>
+            </a:r>
+            <a:r>
+              <a:rPr lang="de-DE" sz="2400" dirty="0" err="1">
+                <a:latin typeface="Courier New" panose="02070309020205020404" pitchFamily="49" charset="0"/>
+                <a:cs typeface="Courier New" panose="02070309020205020404" pitchFamily="49" charset="0"/>
+              </a:rPr>
+              <a:t>shell</a:t>
+            </a:r>
+            <a:r>
+              <a:rPr lang="de-DE" sz="2400" dirty="0">
+                <a:latin typeface="Courier New" panose="02070309020205020404" pitchFamily="49" charset="0"/>
+                <a:cs typeface="Courier New" panose="02070309020205020404" pitchFamily="49" charset="0"/>
+              </a:rPr>
+              <a:t> </a:t>
+            </a:r>
+            <a:r>
+              <a:rPr lang="de-DE" sz="2400" dirty="0" err="1">
+                <a:latin typeface="Courier New" panose="02070309020205020404" pitchFamily="49" charset="0"/>
+                <a:cs typeface="Courier New" panose="02070309020205020404" pitchFamily="49" charset="0"/>
+              </a:rPr>
+              <a:t>master</a:t>
+            </a:r>
+            <a:endParaRPr lang="de-DE" sz="2400" dirty="0">
               <a:latin typeface="Courier New" panose="02070309020205020404" pitchFamily="49" charset="0"/>
               <a:cs typeface="Courier New" panose="02070309020205020404" pitchFamily="49" charset="0"/>
             </a:endParaRPr>
@@ -4833,18 +5218,225 @@
               <a:buNone/>
             </a:pPr>
             <a:r>
+              <a:rPr lang="de-DE" sz="2400" dirty="0">
+                <a:latin typeface="Courier New" panose="02070309020205020404" pitchFamily="49" charset="0"/>
+                <a:cs typeface="Courier New" panose="02070309020205020404" pitchFamily="49" charset="0"/>
+              </a:rPr>
+              <a:t>	cd </a:t>
+            </a:r>
+            <a:r>
+              <a:rPr lang="de-DE" sz="2400" dirty="0" err="1">
+                <a:latin typeface="Courier New" panose="02070309020205020404" pitchFamily="49" charset="0"/>
+                <a:cs typeface="Courier New" panose="02070309020205020404" pitchFamily="49" charset="0"/>
+              </a:rPr>
+              <a:t>java</a:t>
+            </a:r>
+            <a:r>
+              <a:rPr lang="de-DE" sz="2400" dirty="0">
+                <a:latin typeface="Courier New" panose="02070309020205020404" pitchFamily="49" charset="0"/>
+                <a:cs typeface="Courier New" panose="02070309020205020404" pitchFamily="49" charset="0"/>
+              </a:rPr>
+              <a:t>-starter/sample/</a:t>
+            </a:r>
+            <a:r>
+              <a:rPr lang="de-DE" sz="2400" dirty="0" err="1">
+                <a:latin typeface="Courier New" panose="02070309020205020404" pitchFamily="49" charset="0"/>
+                <a:cs typeface="Courier New" panose="02070309020205020404" pitchFamily="49" charset="0"/>
+              </a:rPr>
+              <a:t>person</a:t>
+            </a:r>
+            <a:endParaRPr lang="de-DE" sz="2400" dirty="0">
+              <a:latin typeface="Courier New" panose="02070309020205020404" pitchFamily="49" charset="0"/>
+              <a:cs typeface="Courier New" panose="02070309020205020404" pitchFamily="49" charset="0"/>
+            </a:endParaRPr>
+          </a:p>
+          <a:p>
+            <a:pPr marL="0" indent="0">
+              <a:buNone/>
+            </a:pPr>
+            <a:r>
+              <a:rPr lang="de-DE" sz="2400" dirty="0">
+                <a:latin typeface="Courier New" panose="02070309020205020404" pitchFamily="49" charset="0"/>
+                <a:cs typeface="Courier New" panose="02070309020205020404" pitchFamily="49" charset="0"/>
+              </a:rPr>
+              <a:t>	</a:t>
+            </a:r>
+            <a:r>
+              <a:rPr lang="de-DE" sz="2400" dirty="0" err="1">
+                <a:latin typeface="Courier New" panose="02070309020205020404" pitchFamily="49" charset="0"/>
+                <a:cs typeface="Courier New" panose="02070309020205020404" pitchFamily="49" charset="0"/>
+              </a:rPr>
+              <a:t>mvn</a:t>
+            </a:r>
+            <a:r>
+              <a:rPr lang="de-DE" sz="2400" dirty="0">
+                <a:latin typeface="Courier New" panose="02070309020205020404" pitchFamily="49" charset="0"/>
+                <a:cs typeface="Courier New" panose="02070309020205020404" pitchFamily="49" charset="0"/>
+              </a:rPr>
+              <a:t> clean </a:t>
+            </a:r>
+            <a:r>
+              <a:rPr lang="de-DE" sz="2400" dirty="0" err="1">
+                <a:latin typeface="Courier New" panose="02070309020205020404" pitchFamily="49" charset="0"/>
+                <a:cs typeface="Courier New" panose="02070309020205020404" pitchFamily="49" charset="0"/>
+              </a:rPr>
+              <a:t>install</a:t>
+            </a:r>
+            <a:endParaRPr lang="de-DE" sz="2400" dirty="0">
+              <a:latin typeface="Courier New" panose="02070309020205020404" pitchFamily="49" charset="0"/>
+              <a:cs typeface="Courier New" panose="02070309020205020404" pitchFamily="49" charset="0"/>
+            </a:endParaRPr>
+          </a:p>
+          <a:p>
+            <a:r>
+              <a:rPr lang="de-DE" sz="2400" dirty="0"/>
+              <a:t>Container Image übertragen:</a:t>
+            </a:r>
+          </a:p>
+          <a:p>
+            <a:pPr marL="0" indent="0">
+              <a:buNone/>
+            </a:pPr>
+            <a:r>
+              <a:rPr lang="de-DE" sz="2400" dirty="0"/>
+              <a:t>	</a:t>
+            </a:r>
+            <a:r>
+              <a:rPr lang="de-DE" sz="2400" dirty="0" err="1">
+                <a:latin typeface="Courier New" panose="02070309020205020404" pitchFamily="49" charset="0"/>
+                <a:cs typeface="Courier New" panose="02070309020205020404" pitchFamily="49" charset="0"/>
+              </a:rPr>
+              <a:t>docker</a:t>
+            </a:r>
+            <a:r>
+              <a:rPr lang="de-DE" sz="2400" dirty="0">
+                <a:latin typeface="Courier New" panose="02070309020205020404" pitchFamily="49" charset="0"/>
+                <a:cs typeface="Courier New" panose="02070309020205020404" pitchFamily="49" charset="0"/>
+              </a:rPr>
+              <a:t> save </a:t>
+            </a:r>
+            <a:r>
+              <a:rPr lang="de-DE" sz="2400" dirty="0" err="1">
+                <a:latin typeface="Courier New" panose="02070309020205020404" pitchFamily="49" charset="0"/>
+                <a:cs typeface="Courier New" panose="02070309020205020404" pitchFamily="49" charset="0"/>
+              </a:rPr>
+              <a:t>person</a:t>
+            </a:r>
+            <a:r>
+              <a:rPr lang="de-DE" sz="2400" dirty="0">
+                <a:latin typeface="Courier New" panose="02070309020205020404" pitchFamily="49" charset="0"/>
+                <a:cs typeface="Courier New" panose="02070309020205020404" pitchFamily="49" charset="0"/>
+              </a:rPr>
+              <a:t> &gt; </a:t>
+            </a:r>
+            <a:r>
+              <a:rPr lang="de-DE" sz="2400" dirty="0" err="1">
+                <a:latin typeface="Courier New" panose="02070309020205020404" pitchFamily="49" charset="0"/>
+                <a:cs typeface="Courier New" panose="02070309020205020404" pitchFamily="49" charset="0"/>
+              </a:rPr>
+              <a:t>person.tar</a:t>
+            </a:r>
+            <a:endParaRPr lang="de-DE" sz="2400" dirty="0">
+              <a:latin typeface="Courier New" panose="02070309020205020404" pitchFamily="49" charset="0"/>
+              <a:cs typeface="Courier New" panose="02070309020205020404" pitchFamily="49" charset="0"/>
+            </a:endParaRPr>
+          </a:p>
+          <a:p>
+            <a:pPr marL="0" indent="0">
+              <a:buNone/>
+            </a:pPr>
+            <a:r>
+              <a:rPr lang="de-DE" sz="2400" dirty="0">
+                <a:latin typeface="Courier New" panose="02070309020205020404" pitchFamily="49" charset="0"/>
+                <a:cs typeface="Courier New" panose="02070309020205020404" pitchFamily="49" charset="0"/>
+              </a:rPr>
+              <a:t>	microk8s </a:t>
+            </a:r>
+            <a:r>
+              <a:rPr lang="de-DE" sz="2400" dirty="0" err="1">
+                <a:latin typeface="Courier New" panose="02070309020205020404" pitchFamily="49" charset="0"/>
+                <a:cs typeface="Courier New" panose="02070309020205020404" pitchFamily="49" charset="0"/>
+              </a:rPr>
+              <a:t>ctr</a:t>
+            </a:r>
+            <a:r>
+              <a:rPr lang="de-DE" sz="2400" dirty="0">
+                <a:latin typeface="Courier New" panose="02070309020205020404" pitchFamily="49" charset="0"/>
+                <a:cs typeface="Courier New" panose="02070309020205020404" pitchFamily="49" charset="0"/>
+              </a:rPr>
+              <a:t> </a:t>
+            </a:r>
+            <a:r>
+              <a:rPr lang="de-DE" sz="2400" dirty="0" err="1">
+                <a:latin typeface="Courier New" panose="02070309020205020404" pitchFamily="49" charset="0"/>
+                <a:cs typeface="Courier New" panose="02070309020205020404" pitchFamily="49" charset="0"/>
+              </a:rPr>
+              <a:t>image</a:t>
+            </a:r>
+            <a:r>
+              <a:rPr lang="de-DE" sz="2400" dirty="0">
+                <a:latin typeface="Courier New" panose="02070309020205020404" pitchFamily="49" charset="0"/>
+                <a:cs typeface="Courier New" panose="02070309020205020404" pitchFamily="49" charset="0"/>
+              </a:rPr>
+              <a:t> </a:t>
+            </a:r>
+            <a:r>
+              <a:rPr lang="de-DE" sz="2400" dirty="0" err="1">
+                <a:latin typeface="Courier New" panose="02070309020205020404" pitchFamily="49" charset="0"/>
+                <a:cs typeface="Courier New" panose="02070309020205020404" pitchFamily="49" charset="0"/>
+              </a:rPr>
+              <a:t>import</a:t>
+            </a:r>
+            <a:r>
+              <a:rPr lang="de-DE" sz="2400" dirty="0">
+                <a:latin typeface="Courier New" panose="02070309020205020404" pitchFamily="49" charset="0"/>
+                <a:cs typeface="Courier New" panose="02070309020205020404" pitchFamily="49" charset="0"/>
+              </a:rPr>
+              <a:t> </a:t>
+            </a:r>
+            <a:r>
+              <a:rPr lang="de-DE" sz="2400" dirty="0" err="1">
+                <a:latin typeface="Courier New" panose="02070309020205020404" pitchFamily="49" charset="0"/>
+                <a:cs typeface="Courier New" panose="02070309020205020404" pitchFamily="49" charset="0"/>
+              </a:rPr>
+              <a:t>person.tar</a:t>
+            </a:r>
+            <a:r>
               <a:rPr lang="de-DE" dirty="0">
                 <a:latin typeface="Courier New" panose="02070309020205020404" pitchFamily="49" charset="0"/>
                 <a:cs typeface="Courier New" panose="02070309020205020404" pitchFamily="49" charset="0"/>
               </a:rPr>
-              <a:t>	microk8s </a:t>
+              <a:t>	</a:t>
+            </a:r>
+          </a:p>
+          <a:p>
+            <a:pPr marL="0" indent="0">
+              <a:buNone/>
+            </a:pPr>
+            <a:endParaRPr lang="de-DE" dirty="0"/>
+          </a:p>
+          <a:p>
+            <a:r>
+              <a:rPr lang="de-DE" dirty="0"/>
+              <a:t>Ebenso: </a:t>
             </a:r>
             <a:r>
               <a:rPr lang="de-DE" dirty="0" err="1">
                 <a:latin typeface="Courier New" panose="02070309020205020404" pitchFamily="49" charset="0"/>
                 <a:cs typeface="Courier New" panose="02070309020205020404" pitchFamily="49" charset="0"/>
               </a:rPr>
-              <a:t>ctr</a:t>
+              <a:t>auftrag</a:t>
+            </a:r>
+            <a:r>
+              <a:rPr lang="de-DE" dirty="0"/>
+              <a:t> und </a:t>
+            </a:r>
+            <a:r>
+              <a:rPr lang="de-DE" dirty="0" err="1">
+                <a:latin typeface="Courier New" panose="02070309020205020404" pitchFamily="49" charset="0"/>
+                <a:cs typeface="Courier New" panose="02070309020205020404" pitchFamily="49" charset="0"/>
+              </a:rPr>
+              <a:t>shop</a:t>
             </a:r>
             <a:r>
               <a:rPr lang="de-DE" dirty="0">
@@ -4854,48 +5446,22 @@
               <a:t> </a:t>
             </a:r>
             <a:r>
-              <a:rPr lang="de-DE" dirty="0" err="1">
-                <a:latin typeface="Courier New" panose="02070309020205020404" pitchFamily="49" charset="0"/>
-                <a:cs typeface="Courier New" panose="02070309020205020404" pitchFamily="49" charset="0"/>
-              </a:rPr>
-              <a:t>image</a:t>
-            </a:r>
-            <a:r>
               <a:rPr lang="de-DE" dirty="0">
-                <a:latin typeface="Courier New" panose="02070309020205020404" pitchFamily="49" charset="0"/>
-                <a:cs typeface="Courier New" panose="02070309020205020404" pitchFamily="49" charset="0"/>
-              </a:rPr>
-              <a:t> </a:t>
-            </a:r>
-            <a:r>
-              <a:rPr lang="de-DE" dirty="0" err="1">
-                <a:latin typeface="Courier New" panose="02070309020205020404" pitchFamily="49" charset="0"/>
-                <a:cs typeface="Courier New" panose="02070309020205020404" pitchFamily="49" charset="0"/>
-              </a:rPr>
-              <a:t>import</a:t>
-            </a:r>
-            <a:r>
-              <a:rPr lang="de-DE" dirty="0">
-                <a:latin typeface="Courier New" panose="02070309020205020404" pitchFamily="49" charset="0"/>
-                <a:cs typeface="Courier New" panose="02070309020205020404" pitchFamily="49" charset="0"/>
-              </a:rPr>
-              <a:t> </a:t>
-            </a:r>
-            <a:r>
-              <a:rPr lang="de-DE" dirty="0" err="1">
-                <a:latin typeface="Courier New" panose="02070309020205020404" pitchFamily="49" charset="0"/>
-                <a:cs typeface="Courier New" panose="02070309020205020404" pitchFamily="49" charset="0"/>
-              </a:rPr>
-              <a:t>person.tar</a:t>
-            </a:r>
-            <a:endParaRPr lang="de-DE" dirty="0"/>
+                <a:cs typeface="Courier New" panose="02070309020205020404" pitchFamily="49" charset="0"/>
+              </a:rPr>
+              <a:t>bauen</a:t>
+            </a:r>
+            <a:r>
+              <a:rPr lang="de-DE" dirty="0"/>
+              <a:t>!</a:t>
+            </a:r>
           </a:p>
         </p:txBody>
       </p:sp>
     </p:spTree>
     <p:extLst>
       <p:ext uri="{BB962C8B-B14F-4D97-AF65-F5344CB8AC3E}">
-        <p14:creationId xmlns:p14="http://schemas.microsoft.com/office/powerpoint/2010/main" val="3595629049"/>
+        <p14:creationId xmlns:p14="http://schemas.microsoft.com/office/powerpoint/2010/main" val="3726267287"/>
       </p:ext>
     </p:extLst>
   </p:cSld>
@@ -4945,7 +5511,7 @@
           <a:p>
             <a:r>
               <a:rPr lang="de-DE" dirty="0"/>
-              <a:t>Bauen der Anwendung</a:t>
+              <a:t>Start der Anwendung</a:t>
             </a:r>
           </a:p>
         </p:txBody>
@@ -4971,62 +5537,106 @@
           <a:bodyPr/>
           <a:lstStyle/>
           <a:p>
-            <a:r>
-              <a:rPr lang="de-DE" dirty="0"/>
-              <a:t>Container Image übertragen:</a:t>
-            </a:r>
-          </a:p>
-          <a:p>
             <a:pPr marL="0" indent="0">
               <a:buNone/>
             </a:pPr>
             <a:r>
-              <a:rPr lang="de-DE" dirty="0"/>
-              <a:t>	</a:t>
-            </a:r>
-            <a:r>
-              <a:rPr lang="de-DE" dirty="0">
-                <a:latin typeface="Courier New" panose="02070309020205020404" pitchFamily="49" charset="0"/>
-                <a:cs typeface="Courier New" panose="02070309020205020404" pitchFamily="49" charset="0"/>
-              </a:rPr>
-              <a:t>microk8s </a:t>
-            </a:r>
-            <a:r>
-              <a:rPr lang="de-DE" dirty="0" err="1">
+              <a:rPr lang="de-DE" sz="2400" dirty="0">
+                <a:latin typeface="Courier New" panose="02070309020205020404" pitchFamily="49" charset="0"/>
+                <a:cs typeface="Courier New" panose="02070309020205020404" pitchFamily="49" charset="0"/>
+              </a:rPr>
+              <a:t>	cd ~/</a:t>
+            </a:r>
+            <a:r>
+              <a:rPr lang="de-DE" sz="2400" dirty="0" err="1">
+                <a:latin typeface="Courier New" panose="02070309020205020404" pitchFamily="49" charset="0"/>
+                <a:cs typeface="Courier New" panose="02070309020205020404" pitchFamily="49" charset="0"/>
+              </a:rPr>
+              <a:t>java</a:t>
+            </a:r>
+            <a:r>
+              <a:rPr lang="de-DE" sz="2400" dirty="0">
+                <a:latin typeface="Courier New" panose="02070309020205020404" pitchFamily="49" charset="0"/>
+                <a:cs typeface="Courier New" panose="02070309020205020404" pitchFamily="49" charset="0"/>
+              </a:rPr>
+              <a:t>-starter/sample/</a:t>
+            </a:r>
+            <a:r>
+              <a:rPr lang="de-DE" sz="2400" dirty="0" err="1">
+                <a:latin typeface="Courier New" panose="02070309020205020404" pitchFamily="49" charset="0"/>
+                <a:cs typeface="Courier New" panose="02070309020205020404" pitchFamily="49" charset="0"/>
+              </a:rPr>
+              <a:t>kubernetes</a:t>
+            </a:r>
+            <a:r>
+              <a:rPr lang="de-DE" sz="2400" dirty="0">
+                <a:latin typeface="Courier New" panose="02070309020205020404" pitchFamily="49" charset="0"/>
+                <a:cs typeface="Courier New" panose="02070309020205020404" pitchFamily="49" charset="0"/>
+              </a:rPr>
+              <a:t>/</a:t>
+            </a:r>
+            <a:r>
+              <a:rPr lang="de-DE" sz="2400" dirty="0" err="1">
+                <a:latin typeface="Courier New" panose="02070309020205020404" pitchFamily="49" charset="0"/>
+                <a:cs typeface="Courier New" panose="02070309020205020404" pitchFamily="49" charset="0"/>
+              </a:rPr>
+              <a:t>deployment</a:t>
+            </a:r>
+            <a:endParaRPr lang="de-DE" sz="2400" dirty="0">
+              <a:latin typeface="Courier New" panose="02070309020205020404" pitchFamily="49" charset="0"/>
+              <a:cs typeface="Courier New" panose="02070309020205020404" pitchFamily="49" charset="0"/>
+            </a:endParaRPr>
+          </a:p>
+          <a:p>
+            <a:pPr marL="0" indent="0">
+              <a:buNone/>
+            </a:pPr>
+            <a:r>
+              <a:rPr lang="de-DE" sz="2400" dirty="0">
+                <a:latin typeface="Courier New" panose="02070309020205020404" pitchFamily="49" charset="0"/>
+                <a:cs typeface="Courier New" panose="02070309020205020404" pitchFamily="49" charset="0"/>
+              </a:rPr>
+              <a:t>	microk8s </a:t>
+            </a:r>
+            <a:r>
+              <a:rPr lang="de-DE" sz="2400" dirty="0" err="1">
                 <a:latin typeface="Courier New" panose="02070309020205020404" pitchFamily="49" charset="0"/>
                 <a:cs typeface="Courier New" panose="02070309020205020404" pitchFamily="49" charset="0"/>
               </a:rPr>
               <a:t>kubectl</a:t>
             </a:r>
             <a:r>
-              <a:rPr lang="de-DE" dirty="0">
+              <a:rPr lang="de-DE" sz="2400" dirty="0">
                 <a:latin typeface="Courier New" panose="02070309020205020404" pitchFamily="49" charset="0"/>
                 <a:cs typeface="Courier New" panose="02070309020205020404" pitchFamily="49" charset="0"/>
               </a:rPr>
               <a:t> </a:t>
             </a:r>
             <a:r>
-              <a:rPr lang="de-DE" dirty="0" err="1">
+              <a:rPr lang="de-DE" sz="2400" dirty="0" err="1">
                 <a:latin typeface="Courier New" panose="02070309020205020404" pitchFamily="49" charset="0"/>
                 <a:cs typeface="Courier New" panose="02070309020205020404" pitchFamily="49" charset="0"/>
               </a:rPr>
               <a:t>apply</a:t>
             </a:r>
             <a:r>
-              <a:rPr lang="de-DE" dirty="0">
+              <a:rPr lang="de-DE" sz="2400" dirty="0">
                 <a:latin typeface="Courier New" panose="02070309020205020404" pitchFamily="49" charset="0"/>
                 <a:cs typeface="Courier New" panose="02070309020205020404" pitchFamily="49" charset="0"/>
               </a:rPr>
               <a:t> -f </a:t>
             </a:r>
             <a:r>
-              <a:rPr lang="de-DE" dirty="0" err="1">
-                <a:latin typeface="Courier New" panose="02070309020205020404" pitchFamily="49" charset="0"/>
-                <a:cs typeface="Courier New" panose="02070309020205020404" pitchFamily="49" charset="0"/>
-              </a:rPr>
-              <a:t>deployment.yml</a:t>
-            </a:r>
-            <a:endParaRPr lang="de-DE" dirty="0"/>
+              <a:rPr lang="de-DE" sz="2400" dirty="0" err="1">
+                <a:latin typeface="Courier New" panose="02070309020205020404" pitchFamily="49" charset="0"/>
+                <a:cs typeface="Courier New" panose="02070309020205020404" pitchFamily="49" charset="0"/>
+              </a:rPr>
+              <a:t>sample.yml</a:t>
+            </a:r>
+            <a:endParaRPr lang="de-DE" sz="2400" dirty="0">
+              <a:latin typeface="Courier New" panose="02070309020205020404" pitchFamily="49" charset="0"/>
+              <a:cs typeface="Courier New" panose="02070309020205020404" pitchFamily="49" charset="0"/>
+            </a:endParaRPr>
           </a:p>
         </p:txBody>
       </p:sp>

--- a/sample/kubernetes/Bring your own device - Teil 2.pptx
+++ b/sample/kubernetes/Bring your own device - Teil 2.pptx
@@ -5,16 +5,25 @@
     <p:sldMasterId id="2147483648" r:id="rId1"/>
   </p:sldMasterIdLst>
   <p:notesMasterIdLst>
-    <p:notesMasterId r:id="rId9"/>
+    <p:notesMasterId r:id="rId18"/>
   </p:notesMasterIdLst>
   <p:sldIdLst>
     <p:sldId id="256" r:id="rId2"/>
-    <p:sldId id="257" r:id="rId3"/>
-    <p:sldId id="258" r:id="rId4"/>
-    <p:sldId id="263" r:id="rId5"/>
-    <p:sldId id="259" r:id="rId6"/>
-    <p:sldId id="260" r:id="rId7"/>
-    <p:sldId id="262" r:id="rId8"/>
+    <p:sldId id="276" r:id="rId3"/>
+    <p:sldId id="257" r:id="rId4"/>
+    <p:sldId id="258" r:id="rId5"/>
+    <p:sldId id="269" r:id="rId6"/>
+    <p:sldId id="270" r:id="rId7"/>
+    <p:sldId id="259" r:id="rId8"/>
+    <p:sldId id="263" r:id="rId9"/>
+    <p:sldId id="268" r:id="rId10"/>
+    <p:sldId id="265" r:id="rId11"/>
+    <p:sldId id="266" r:id="rId12"/>
+    <p:sldId id="267" r:id="rId13"/>
+    <p:sldId id="271" r:id="rId14"/>
+    <p:sldId id="262" r:id="rId15"/>
+    <p:sldId id="273" r:id="rId16"/>
+    <p:sldId id="275" r:id="rId17"/>
   </p:sldIdLst>
   <p:sldSz cx="12192000" cy="6858000"/>
   <p:notesSz cx="6858000" cy="9144000"/>
@@ -203,7 +212,7 @@
           <a:p>
             <a:fld id="{5CCD219F-F703-C14B-A05B-DA5DAB0DC4D2}" type="datetimeFigureOut">
               <a:rPr lang="de-DE" smtClean="0"/>
-              <a:t>27.02.23</a:t>
+              <a:t>28.02.23</a:t>
             </a:fld>
             <a:endParaRPr lang="de-DE"/>
           </a:p>
@@ -554,6 +563,90 @@
 </p:notes>
 </file>
 
+<file path=ppt/notesSlides/notesSlide2.xml><?xml version="1.0" encoding="utf-8"?>
+<p:notes xmlns:a="http://schemas.openxmlformats.org/drawingml/2006/main" xmlns:r="http://schemas.openxmlformats.org/officeDocument/2006/relationships" xmlns:p="http://schemas.openxmlformats.org/presentationml/2006/main">
+  <p:cSld>
+    <p:spTree>
+      <p:nvGrpSpPr>
+        <p:cNvPr id="1" name=""/>
+        <p:cNvGrpSpPr/>
+        <p:nvPr/>
+      </p:nvGrpSpPr>
+      <p:grpSpPr>
+        <a:xfrm>
+          <a:off x="0" y="0"/>
+          <a:ext cx="0" cy="0"/>
+          <a:chOff x="0" y="0"/>
+          <a:chExt cx="0" cy="0"/>
+        </a:xfrm>
+      </p:grpSpPr>
+      <p:sp>
+        <p:nvSpPr>
+          <p:cNvPr id="2" name="Folienbildplatzhalter 1"/>
+          <p:cNvSpPr>
+            <a:spLocks noGrp="1" noRot="1" noChangeAspect="1"/>
+          </p:cNvSpPr>
+          <p:nvPr>
+            <p:ph type="sldImg"/>
+          </p:nvPr>
+        </p:nvSpPr>
+        <p:spPr/>
+      </p:sp>
+      <p:sp>
+        <p:nvSpPr>
+          <p:cNvPr id="3" name="Notizenplatzhalter 2"/>
+          <p:cNvSpPr>
+            <a:spLocks noGrp="1"/>
+          </p:cNvSpPr>
+          <p:nvPr>
+            <p:ph type="body" idx="1"/>
+          </p:nvPr>
+        </p:nvSpPr>
+        <p:spPr/>
+        <p:txBody>
+          <a:bodyPr/>
+          <a:lstStyle/>
+          <a:p>
+            <a:endParaRPr lang="de-DE" dirty="0"/>
+          </a:p>
+        </p:txBody>
+      </p:sp>
+      <p:sp>
+        <p:nvSpPr>
+          <p:cNvPr id="4" name="Foliennummernplatzhalter 3"/>
+          <p:cNvSpPr>
+            <a:spLocks noGrp="1"/>
+          </p:cNvSpPr>
+          <p:nvPr>
+            <p:ph type="sldNum" sz="quarter" idx="5"/>
+          </p:nvPr>
+        </p:nvSpPr>
+        <p:spPr/>
+        <p:txBody>
+          <a:bodyPr/>
+          <a:lstStyle/>
+          <a:p>
+            <a:fld id="{430D2433-C2A2-F54F-B5A8-3B6039D09A1B}" type="slidenum">
+              <a:rPr lang="de-DE" smtClean="0"/>
+              <a:t>2</a:t>
+            </a:fld>
+            <a:endParaRPr lang="de-DE"/>
+          </a:p>
+        </p:txBody>
+      </p:sp>
+    </p:spTree>
+    <p:extLst>
+      <p:ext uri="{BB962C8B-B14F-4D97-AF65-F5344CB8AC3E}">
+        <p14:creationId xmlns:p14="http://schemas.microsoft.com/office/powerpoint/2010/main" val="3748580867"/>
+      </p:ext>
+    </p:extLst>
+  </p:cSld>
+  <p:clrMapOvr>
+    <a:masterClrMapping/>
+  </p:clrMapOvr>
+</p:notes>
+</file>
+
 <file path=ppt/slideLayouts/slideLayout1.xml><?xml version="1.0" encoding="utf-8"?>
 <p:sldLayout xmlns:a="http://schemas.openxmlformats.org/drawingml/2006/main" xmlns:r="http://schemas.openxmlformats.org/officeDocument/2006/relationships" xmlns:p="http://schemas.openxmlformats.org/presentationml/2006/main" type="title" preserve="1">
   <p:cSld name="Titelfolie">
@@ -701,7 +794,7 @@
           <a:p>
             <a:fld id="{6B40B35D-B481-DF4E-B1B0-2B6288A3F72B}" type="datetimeFigureOut">
               <a:rPr lang="de-DE" smtClean="0"/>
-              <a:t>27.02.23</a:t>
+              <a:t>28.02.23</a:t>
             </a:fld>
             <a:endParaRPr lang="de-DE"/>
           </a:p>
@@ -899,7 +992,7 @@
           <a:p>
             <a:fld id="{6B40B35D-B481-DF4E-B1B0-2B6288A3F72B}" type="datetimeFigureOut">
               <a:rPr lang="de-DE" smtClean="0"/>
-              <a:t>27.02.23</a:t>
+              <a:t>28.02.23</a:t>
             </a:fld>
             <a:endParaRPr lang="de-DE"/>
           </a:p>
@@ -1107,7 +1200,7 @@
           <a:p>
             <a:fld id="{6B40B35D-B481-DF4E-B1B0-2B6288A3F72B}" type="datetimeFigureOut">
               <a:rPr lang="de-DE" smtClean="0"/>
-              <a:t>27.02.23</a:t>
+              <a:t>28.02.23</a:t>
             </a:fld>
             <a:endParaRPr lang="de-DE"/>
           </a:p>
@@ -1305,7 +1398,7 @@
           <a:p>
             <a:fld id="{6B40B35D-B481-DF4E-B1B0-2B6288A3F72B}" type="datetimeFigureOut">
               <a:rPr lang="de-DE" smtClean="0"/>
-              <a:t>27.02.23</a:t>
+              <a:t>28.02.23</a:t>
             </a:fld>
             <a:endParaRPr lang="de-DE"/>
           </a:p>
@@ -1580,7 +1673,7 @@
           <a:p>
             <a:fld id="{6B40B35D-B481-DF4E-B1B0-2B6288A3F72B}" type="datetimeFigureOut">
               <a:rPr lang="de-DE" smtClean="0"/>
-              <a:t>27.02.23</a:t>
+              <a:t>28.02.23</a:t>
             </a:fld>
             <a:endParaRPr lang="de-DE"/>
           </a:p>
@@ -1845,7 +1938,7 @@
           <a:p>
             <a:fld id="{6B40B35D-B481-DF4E-B1B0-2B6288A3F72B}" type="datetimeFigureOut">
               <a:rPr lang="de-DE" smtClean="0"/>
-              <a:t>27.02.23</a:t>
+              <a:t>28.02.23</a:t>
             </a:fld>
             <a:endParaRPr lang="de-DE"/>
           </a:p>
@@ -2257,7 +2350,7 @@
           <a:p>
             <a:fld id="{6B40B35D-B481-DF4E-B1B0-2B6288A3F72B}" type="datetimeFigureOut">
               <a:rPr lang="de-DE" smtClean="0"/>
-              <a:t>27.02.23</a:t>
+              <a:t>28.02.23</a:t>
             </a:fld>
             <a:endParaRPr lang="de-DE"/>
           </a:p>
@@ -2398,7 +2491,7 @@
           <a:p>
             <a:fld id="{6B40B35D-B481-DF4E-B1B0-2B6288A3F72B}" type="datetimeFigureOut">
               <a:rPr lang="de-DE" smtClean="0"/>
-              <a:t>27.02.23</a:t>
+              <a:t>28.02.23</a:t>
             </a:fld>
             <a:endParaRPr lang="de-DE"/>
           </a:p>
@@ -2511,7 +2604,7 @@
           <a:p>
             <a:fld id="{6B40B35D-B481-DF4E-B1B0-2B6288A3F72B}" type="datetimeFigureOut">
               <a:rPr lang="de-DE" smtClean="0"/>
-              <a:t>27.02.23</a:t>
+              <a:t>28.02.23</a:t>
             </a:fld>
             <a:endParaRPr lang="de-DE"/>
           </a:p>
@@ -2822,7 +2915,7 @@
           <a:p>
             <a:fld id="{6B40B35D-B481-DF4E-B1B0-2B6288A3F72B}" type="datetimeFigureOut">
               <a:rPr lang="de-DE" smtClean="0"/>
-              <a:t>27.02.23</a:t>
+              <a:t>28.02.23</a:t>
             </a:fld>
             <a:endParaRPr lang="de-DE"/>
           </a:p>
@@ -3110,7 +3203,7 @@
           <a:p>
             <a:fld id="{6B40B35D-B481-DF4E-B1B0-2B6288A3F72B}" type="datetimeFigureOut">
               <a:rPr lang="de-DE" smtClean="0"/>
-              <a:t>27.02.23</a:t>
+              <a:t>28.02.23</a:t>
             </a:fld>
             <a:endParaRPr lang="de-DE"/>
           </a:p>
@@ -3351,7 +3444,7 @@
           <a:p>
             <a:fld id="{6B40B35D-B481-DF4E-B1B0-2B6288A3F72B}" type="datetimeFigureOut">
               <a:rPr lang="de-DE" smtClean="0"/>
-              <a:t>27.02.23</a:t>
+              <a:t>28.02.23</a:t>
             </a:fld>
             <a:endParaRPr lang="de-DE"/>
           </a:p>
@@ -3807,10 +3900,6 @@
               <a:rPr lang="de-DE" dirty="0" err="1"/>
               <a:t>device</a:t>
             </a:r>
-            <a:r>
-              <a:rPr lang="de-DE" dirty="0"/>
-              <a:t> -</a:t>
-            </a:r>
             <a:br>
               <a:rPr lang="de-DE" dirty="0"/>
             </a:br>
@@ -3877,6 +3966,2350 @@
     <p:extLst>
       <p:ext uri="{BB962C8B-B14F-4D97-AF65-F5344CB8AC3E}">
         <p14:creationId xmlns:p14="http://schemas.microsoft.com/office/powerpoint/2010/main" val="4225977154"/>
+      </p:ext>
+    </p:extLst>
+  </p:cSld>
+  <p:clrMapOvr>
+    <a:masterClrMapping/>
+  </p:clrMapOvr>
+</p:sld>
+</file>
+
+<file path=ppt/slides/slide10.xml><?xml version="1.0" encoding="utf-8"?>
+<p:sld xmlns:a="http://schemas.openxmlformats.org/drawingml/2006/main" xmlns:r="http://schemas.openxmlformats.org/officeDocument/2006/relationships" xmlns:p="http://schemas.openxmlformats.org/presentationml/2006/main">
+  <p:cSld>
+    <p:spTree>
+      <p:nvGrpSpPr>
+        <p:cNvPr id="1" name=""/>
+        <p:cNvGrpSpPr/>
+        <p:nvPr/>
+      </p:nvGrpSpPr>
+      <p:grpSpPr>
+        <a:xfrm>
+          <a:off x="0" y="0"/>
+          <a:ext cx="0" cy="0"/>
+          <a:chOff x="0" y="0"/>
+          <a:chExt cx="0" cy="0"/>
+        </a:xfrm>
+      </p:grpSpPr>
+      <p:sp>
+        <p:nvSpPr>
+          <p:cNvPr id="2" name="Titel 1">
+            <a:extLst>
+              <a:ext uri="{FF2B5EF4-FFF2-40B4-BE49-F238E27FC236}">
+                <a16:creationId xmlns:a16="http://schemas.microsoft.com/office/drawing/2014/main" id="{6771848D-1E70-E48B-5C6D-951BC6041598}"/>
+              </a:ext>
+            </a:extLst>
+          </p:cNvPr>
+          <p:cNvSpPr>
+            <a:spLocks noGrp="1"/>
+          </p:cNvSpPr>
+          <p:nvPr>
+            <p:ph type="title"/>
+          </p:nvPr>
+        </p:nvSpPr>
+        <p:spPr/>
+        <p:txBody>
+          <a:bodyPr/>
+          <a:lstStyle/>
+          <a:p>
+            <a:r>
+              <a:rPr lang="de-DE" dirty="0"/>
+              <a:t>4. Bauen der Anwendung</a:t>
+            </a:r>
+          </a:p>
+        </p:txBody>
+      </p:sp>
+      <p:sp>
+        <p:nvSpPr>
+          <p:cNvPr id="3" name="Inhaltsplatzhalter 2">
+            <a:extLst>
+              <a:ext uri="{FF2B5EF4-FFF2-40B4-BE49-F238E27FC236}">
+                <a16:creationId xmlns:a16="http://schemas.microsoft.com/office/drawing/2014/main" id="{C6B47590-B943-D19C-BC30-9C11A54E6BFE}"/>
+              </a:ext>
+            </a:extLst>
+          </p:cNvPr>
+          <p:cNvSpPr>
+            <a:spLocks noGrp="1"/>
+          </p:cNvSpPr>
+          <p:nvPr>
+            <p:ph idx="1"/>
+          </p:nvPr>
+        </p:nvSpPr>
+        <p:spPr/>
+        <p:txBody>
+          <a:bodyPr>
+            <a:normAutofit/>
+          </a:bodyPr>
+          <a:lstStyle/>
+          <a:p>
+            <a:r>
+              <a:rPr lang="de-DE" dirty="0"/>
+              <a:t>Anwendung bauen (</a:t>
+            </a:r>
+            <a:r>
+              <a:rPr lang="de-DE" dirty="0" err="1">
+                <a:latin typeface="Courier New" panose="02070309020205020404" pitchFamily="49" charset="0"/>
+                <a:cs typeface="Courier New" panose="02070309020205020404" pitchFamily="49" charset="0"/>
+              </a:rPr>
+              <a:t>auftrag</a:t>
+            </a:r>
+            <a:r>
+              <a:rPr lang="de-DE" dirty="0"/>
+              <a:t>):</a:t>
+            </a:r>
+          </a:p>
+          <a:p>
+            <a:pPr marL="0" indent="0">
+              <a:buNone/>
+            </a:pPr>
+            <a:r>
+              <a:rPr lang="de-DE" sz="2400" dirty="0"/>
+              <a:t>	</a:t>
+            </a:r>
+            <a:r>
+              <a:rPr lang="de-DE" sz="2400" dirty="0">
+                <a:latin typeface="Courier New" panose="02070309020205020404" pitchFamily="49" charset="0"/>
+                <a:cs typeface="Courier New" panose="02070309020205020404" pitchFamily="49" charset="0"/>
+              </a:rPr>
+              <a:t>cd ~/</a:t>
+            </a:r>
+            <a:r>
+              <a:rPr lang="de-DE" sz="2400" dirty="0" err="1">
+                <a:latin typeface="Courier New" panose="02070309020205020404" pitchFamily="49" charset="0"/>
+                <a:cs typeface="Courier New" panose="02070309020205020404" pitchFamily="49" charset="0"/>
+              </a:rPr>
+              <a:t>java</a:t>
+            </a:r>
+            <a:r>
+              <a:rPr lang="de-DE" sz="2400" dirty="0">
+                <a:latin typeface="Courier New" panose="02070309020205020404" pitchFamily="49" charset="0"/>
+                <a:cs typeface="Courier New" panose="02070309020205020404" pitchFamily="49" charset="0"/>
+              </a:rPr>
+              <a:t>-starter/sample/</a:t>
+            </a:r>
+            <a:r>
+              <a:rPr lang="de-DE" sz="2400" dirty="0" err="1">
+                <a:latin typeface="Courier New" panose="02070309020205020404" pitchFamily="49" charset="0"/>
+                <a:cs typeface="Courier New" panose="02070309020205020404" pitchFamily="49" charset="0"/>
+              </a:rPr>
+              <a:t>auftrag</a:t>
+            </a:r>
+            <a:endParaRPr lang="de-DE" sz="2400" dirty="0">
+              <a:latin typeface="Courier New" panose="02070309020205020404" pitchFamily="49" charset="0"/>
+              <a:cs typeface="Courier New" panose="02070309020205020404" pitchFamily="49" charset="0"/>
+            </a:endParaRPr>
+          </a:p>
+          <a:p>
+            <a:pPr marL="0" indent="0">
+              <a:buNone/>
+            </a:pPr>
+            <a:r>
+              <a:rPr lang="de-DE" sz="2400" dirty="0">
+                <a:latin typeface="Courier New" panose="02070309020205020404" pitchFamily="49" charset="0"/>
+                <a:cs typeface="Courier New" panose="02070309020205020404" pitchFamily="49" charset="0"/>
+              </a:rPr>
+              <a:t>	</a:t>
+            </a:r>
+            <a:r>
+              <a:rPr lang="de-DE" sz="2400" dirty="0" err="1">
+                <a:latin typeface="Courier New" panose="02070309020205020404" pitchFamily="49" charset="0"/>
+                <a:cs typeface="Courier New" panose="02070309020205020404" pitchFamily="49" charset="0"/>
+              </a:rPr>
+              <a:t>mvn</a:t>
+            </a:r>
+            <a:r>
+              <a:rPr lang="de-DE" sz="2400" dirty="0">
+                <a:latin typeface="Courier New" panose="02070309020205020404" pitchFamily="49" charset="0"/>
+                <a:cs typeface="Courier New" panose="02070309020205020404" pitchFamily="49" charset="0"/>
+              </a:rPr>
+              <a:t> clean </a:t>
+            </a:r>
+            <a:r>
+              <a:rPr lang="de-DE" sz="2400" dirty="0" err="1">
+                <a:latin typeface="Courier New" panose="02070309020205020404" pitchFamily="49" charset="0"/>
+                <a:cs typeface="Courier New" panose="02070309020205020404" pitchFamily="49" charset="0"/>
+              </a:rPr>
+              <a:t>install</a:t>
+            </a:r>
+            <a:endParaRPr lang="de-DE" sz="2400" dirty="0">
+              <a:latin typeface="Courier New" panose="02070309020205020404" pitchFamily="49" charset="0"/>
+              <a:cs typeface="Courier New" panose="02070309020205020404" pitchFamily="49" charset="0"/>
+            </a:endParaRPr>
+          </a:p>
+          <a:p>
+            <a:r>
+              <a:rPr lang="de-DE" sz="2400" dirty="0"/>
+              <a:t>Container Image übertragen:</a:t>
+            </a:r>
+          </a:p>
+          <a:p>
+            <a:pPr marL="0" indent="0">
+              <a:buNone/>
+            </a:pPr>
+            <a:r>
+              <a:rPr lang="de-DE" sz="2400" dirty="0"/>
+              <a:t>	</a:t>
+            </a:r>
+            <a:r>
+              <a:rPr lang="de-DE" sz="2400" dirty="0" err="1">
+                <a:latin typeface="Courier New" panose="02070309020205020404" pitchFamily="49" charset="0"/>
+                <a:cs typeface="Courier New" panose="02070309020205020404" pitchFamily="49" charset="0"/>
+              </a:rPr>
+              <a:t>docker</a:t>
+            </a:r>
+            <a:r>
+              <a:rPr lang="de-DE" sz="2400" dirty="0">
+                <a:latin typeface="Courier New" panose="02070309020205020404" pitchFamily="49" charset="0"/>
+                <a:cs typeface="Courier New" panose="02070309020205020404" pitchFamily="49" charset="0"/>
+              </a:rPr>
+              <a:t> save </a:t>
+            </a:r>
+            <a:r>
+              <a:rPr lang="de-DE" sz="2400" dirty="0" err="1">
+                <a:latin typeface="Courier New" panose="02070309020205020404" pitchFamily="49" charset="0"/>
+                <a:cs typeface="Courier New" panose="02070309020205020404" pitchFamily="49" charset="0"/>
+              </a:rPr>
+              <a:t>auftrag</a:t>
+            </a:r>
+            <a:r>
+              <a:rPr lang="de-DE" sz="2400" dirty="0">
+                <a:latin typeface="Courier New" panose="02070309020205020404" pitchFamily="49" charset="0"/>
+                <a:cs typeface="Courier New" panose="02070309020205020404" pitchFamily="49" charset="0"/>
+              </a:rPr>
+              <a:t> &gt; </a:t>
+            </a:r>
+            <a:r>
+              <a:rPr lang="de-DE" sz="2400" dirty="0" err="1">
+                <a:latin typeface="Courier New" panose="02070309020205020404" pitchFamily="49" charset="0"/>
+                <a:cs typeface="Courier New" panose="02070309020205020404" pitchFamily="49" charset="0"/>
+              </a:rPr>
+              <a:t>auftrag.tar</a:t>
+            </a:r>
+            <a:endParaRPr lang="de-DE" sz="2400" dirty="0">
+              <a:latin typeface="Courier New" panose="02070309020205020404" pitchFamily="49" charset="0"/>
+              <a:cs typeface="Courier New" panose="02070309020205020404" pitchFamily="49" charset="0"/>
+            </a:endParaRPr>
+          </a:p>
+          <a:p>
+            <a:pPr marL="0" indent="0">
+              <a:buNone/>
+            </a:pPr>
+            <a:r>
+              <a:rPr lang="de-DE" sz="2400" dirty="0">
+                <a:latin typeface="Courier New" panose="02070309020205020404" pitchFamily="49" charset="0"/>
+                <a:cs typeface="Courier New" panose="02070309020205020404" pitchFamily="49" charset="0"/>
+              </a:rPr>
+              <a:t>	microk8s </a:t>
+            </a:r>
+            <a:r>
+              <a:rPr lang="de-DE" sz="2400" dirty="0" err="1">
+                <a:latin typeface="Courier New" panose="02070309020205020404" pitchFamily="49" charset="0"/>
+                <a:cs typeface="Courier New" panose="02070309020205020404" pitchFamily="49" charset="0"/>
+              </a:rPr>
+              <a:t>ctr</a:t>
+            </a:r>
+            <a:r>
+              <a:rPr lang="de-DE" sz="2400" dirty="0">
+                <a:latin typeface="Courier New" panose="02070309020205020404" pitchFamily="49" charset="0"/>
+                <a:cs typeface="Courier New" panose="02070309020205020404" pitchFamily="49" charset="0"/>
+              </a:rPr>
+              <a:t> </a:t>
+            </a:r>
+            <a:r>
+              <a:rPr lang="de-DE" sz="2400" dirty="0" err="1">
+                <a:latin typeface="Courier New" panose="02070309020205020404" pitchFamily="49" charset="0"/>
+                <a:cs typeface="Courier New" panose="02070309020205020404" pitchFamily="49" charset="0"/>
+              </a:rPr>
+              <a:t>image</a:t>
+            </a:r>
+            <a:r>
+              <a:rPr lang="de-DE" sz="2400" dirty="0">
+                <a:latin typeface="Courier New" panose="02070309020205020404" pitchFamily="49" charset="0"/>
+                <a:cs typeface="Courier New" panose="02070309020205020404" pitchFamily="49" charset="0"/>
+              </a:rPr>
+              <a:t> </a:t>
+            </a:r>
+            <a:r>
+              <a:rPr lang="de-DE" sz="2400" dirty="0" err="1">
+                <a:latin typeface="Courier New" panose="02070309020205020404" pitchFamily="49" charset="0"/>
+                <a:cs typeface="Courier New" panose="02070309020205020404" pitchFamily="49" charset="0"/>
+              </a:rPr>
+              <a:t>import</a:t>
+            </a:r>
+            <a:r>
+              <a:rPr lang="de-DE" sz="2400" dirty="0">
+                <a:latin typeface="Courier New" panose="02070309020205020404" pitchFamily="49" charset="0"/>
+                <a:cs typeface="Courier New" panose="02070309020205020404" pitchFamily="49" charset="0"/>
+              </a:rPr>
+              <a:t> </a:t>
+            </a:r>
+            <a:r>
+              <a:rPr lang="de-DE" sz="2400" dirty="0" err="1">
+                <a:latin typeface="Courier New" panose="02070309020205020404" pitchFamily="49" charset="0"/>
+                <a:cs typeface="Courier New" panose="02070309020205020404" pitchFamily="49" charset="0"/>
+              </a:rPr>
+              <a:t>auftrag.tar</a:t>
+            </a:r>
+            <a:endParaRPr lang="de-DE" sz="2400" dirty="0">
+              <a:latin typeface="Courier New" panose="02070309020205020404" pitchFamily="49" charset="0"/>
+              <a:cs typeface="Courier New" panose="02070309020205020404" pitchFamily="49" charset="0"/>
+            </a:endParaRPr>
+          </a:p>
+          <a:p>
+            <a:pPr marL="0" indent="0">
+              <a:buNone/>
+            </a:pPr>
+            <a:r>
+              <a:rPr lang="de-DE" sz="2400" dirty="0">
+                <a:latin typeface="Courier New" panose="02070309020205020404" pitchFamily="49" charset="0"/>
+                <a:cs typeface="Courier New" panose="02070309020205020404" pitchFamily="49" charset="0"/>
+              </a:rPr>
+              <a:t>	</a:t>
+            </a:r>
+            <a:r>
+              <a:rPr lang="de-DE" sz="2400" dirty="0" err="1">
+                <a:latin typeface="Courier New" panose="02070309020205020404" pitchFamily="49" charset="0"/>
+                <a:cs typeface="Courier New" panose="02070309020205020404" pitchFamily="49" charset="0"/>
+              </a:rPr>
+              <a:t>scp</a:t>
+            </a:r>
+            <a:r>
+              <a:rPr lang="de-DE" sz="2400" dirty="0">
+                <a:latin typeface="Courier New" panose="02070309020205020404" pitchFamily="49" charset="0"/>
+                <a:cs typeface="Courier New" panose="02070309020205020404" pitchFamily="49" charset="0"/>
+              </a:rPr>
+              <a:t> </a:t>
+            </a:r>
+            <a:r>
+              <a:rPr lang="de-DE" sz="2400" dirty="0" err="1">
+                <a:latin typeface="Courier New" panose="02070309020205020404" pitchFamily="49" charset="0"/>
+                <a:cs typeface="Courier New" panose="02070309020205020404" pitchFamily="49" charset="0"/>
+              </a:rPr>
+              <a:t>auftrag.tar</a:t>
+            </a:r>
+            <a:r>
+              <a:rPr lang="de-DE" sz="2400" dirty="0">
+                <a:latin typeface="Courier New" panose="02070309020205020404" pitchFamily="49" charset="0"/>
+                <a:cs typeface="Courier New" panose="02070309020205020404" pitchFamily="49" charset="0"/>
+              </a:rPr>
+              <a:t> worker1:.</a:t>
+            </a:r>
+          </a:p>
+          <a:p>
+            <a:pPr marL="0" indent="0">
+              <a:buNone/>
+            </a:pPr>
+            <a:r>
+              <a:rPr lang="de-DE" sz="2400" dirty="0">
+                <a:latin typeface="Courier New" panose="02070309020205020404" pitchFamily="49" charset="0"/>
+                <a:cs typeface="Courier New" panose="02070309020205020404" pitchFamily="49" charset="0"/>
+              </a:rPr>
+              <a:t>	</a:t>
+            </a:r>
+            <a:r>
+              <a:rPr lang="de-DE" sz="2400" dirty="0" err="1">
+                <a:latin typeface="Courier New" panose="02070309020205020404" pitchFamily="49" charset="0"/>
+                <a:cs typeface="Courier New" panose="02070309020205020404" pitchFamily="49" charset="0"/>
+              </a:rPr>
+              <a:t>scp</a:t>
+            </a:r>
+            <a:r>
+              <a:rPr lang="de-DE" sz="2400" dirty="0">
+                <a:latin typeface="Courier New" panose="02070309020205020404" pitchFamily="49" charset="0"/>
+                <a:cs typeface="Courier New" panose="02070309020205020404" pitchFamily="49" charset="0"/>
+              </a:rPr>
+              <a:t> </a:t>
+            </a:r>
+            <a:r>
+              <a:rPr lang="de-DE" sz="2400" dirty="0" err="1">
+                <a:latin typeface="Courier New" panose="02070309020205020404" pitchFamily="49" charset="0"/>
+                <a:cs typeface="Courier New" panose="02070309020205020404" pitchFamily="49" charset="0"/>
+              </a:rPr>
+              <a:t>auftrag.tar</a:t>
+            </a:r>
+            <a:r>
+              <a:rPr lang="de-DE" sz="2400" dirty="0">
+                <a:latin typeface="Courier New" panose="02070309020205020404" pitchFamily="49" charset="0"/>
+                <a:cs typeface="Courier New" panose="02070309020205020404" pitchFamily="49" charset="0"/>
+              </a:rPr>
+              <a:t> worker2:.</a:t>
+            </a:r>
+          </a:p>
+        </p:txBody>
+      </p:sp>
+    </p:spTree>
+    <p:extLst>
+      <p:ext uri="{BB962C8B-B14F-4D97-AF65-F5344CB8AC3E}">
+        <p14:creationId xmlns:p14="http://schemas.microsoft.com/office/powerpoint/2010/main" val="2423817868"/>
+      </p:ext>
+    </p:extLst>
+  </p:cSld>
+  <p:clrMapOvr>
+    <a:masterClrMapping/>
+  </p:clrMapOvr>
+</p:sld>
+</file>
+
+<file path=ppt/slides/slide11.xml><?xml version="1.0" encoding="utf-8"?>
+<p:sld xmlns:a="http://schemas.openxmlformats.org/drawingml/2006/main" xmlns:r="http://schemas.openxmlformats.org/officeDocument/2006/relationships" xmlns:p="http://schemas.openxmlformats.org/presentationml/2006/main">
+  <p:cSld>
+    <p:spTree>
+      <p:nvGrpSpPr>
+        <p:cNvPr id="1" name=""/>
+        <p:cNvGrpSpPr/>
+        <p:nvPr/>
+      </p:nvGrpSpPr>
+      <p:grpSpPr>
+        <a:xfrm>
+          <a:off x="0" y="0"/>
+          <a:ext cx="0" cy="0"/>
+          <a:chOff x="0" y="0"/>
+          <a:chExt cx="0" cy="0"/>
+        </a:xfrm>
+      </p:grpSpPr>
+      <p:sp>
+        <p:nvSpPr>
+          <p:cNvPr id="2" name="Titel 1">
+            <a:extLst>
+              <a:ext uri="{FF2B5EF4-FFF2-40B4-BE49-F238E27FC236}">
+                <a16:creationId xmlns:a16="http://schemas.microsoft.com/office/drawing/2014/main" id="{6771848D-1E70-E48B-5C6D-951BC6041598}"/>
+              </a:ext>
+            </a:extLst>
+          </p:cNvPr>
+          <p:cNvSpPr>
+            <a:spLocks noGrp="1"/>
+          </p:cNvSpPr>
+          <p:nvPr>
+            <p:ph type="title"/>
+          </p:nvPr>
+        </p:nvSpPr>
+        <p:spPr/>
+        <p:txBody>
+          <a:bodyPr/>
+          <a:lstStyle/>
+          <a:p>
+            <a:r>
+              <a:rPr lang="de-DE" dirty="0"/>
+              <a:t>4. Bauen der Anwendung</a:t>
+            </a:r>
+          </a:p>
+        </p:txBody>
+      </p:sp>
+      <p:sp>
+        <p:nvSpPr>
+          <p:cNvPr id="3" name="Inhaltsplatzhalter 2">
+            <a:extLst>
+              <a:ext uri="{FF2B5EF4-FFF2-40B4-BE49-F238E27FC236}">
+                <a16:creationId xmlns:a16="http://schemas.microsoft.com/office/drawing/2014/main" id="{C6B47590-B943-D19C-BC30-9C11A54E6BFE}"/>
+              </a:ext>
+            </a:extLst>
+          </p:cNvPr>
+          <p:cNvSpPr>
+            <a:spLocks noGrp="1"/>
+          </p:cNvSpPr>
+          <p:nvPr>
+            <p:ph idx="1"/>
+          </p:nvPr>
+        </p:nvSpPr>
+        <p:spPr/>
+        <p:txBody>
+          <a:bodyPr>
+            <a:normAutofit/>
+          </a:bodyPr>
+          <a:lstStyle/>
+          <a:p>
+            <a:r>
+              <a:rPr lang="de-DE" dirty="0"/>
+              <a:t>Anwendung bauen (</a:t>
+            </a:r>
+            <a:r>
+              <a:rPr lang="de-DE" dirty="0" err="1">
+                <a:latin typeface="Courier New" panose="02070309020205020404" pitchFamily="49" charset="0"/>
+                <a:cs typeface="Courier New" panose="02070309020205020404" pitchFamily="49" charset="0"/>
+              </a:rPr>
+              <a:t>shop</a:t>
+            </a:r>
+            <a:r>
+              <a:rPr lang="de-DE" dirty="0"/>
+              <a:t>):</a:t>
+            </a:r>
+          </a:p>
+          <a:p>
+            <a:pPr marL="0" indent="0">
+              <a:buNone/>
+            </a:pPr>
+            <a:r>
+              <a:rPr lang="de-DE" sz="2400" dirty="0"/>
+              <a:t>	</a:t>
+            </a:r>
+            <a:r>
+              <a:rPr lang="de-DE" sz="2400" dirty="0">
+                <a:latin typeface="Courier New" panose="02070309020205020404" pitchFamily="49" charset="0"/>
+                <a:cs typeface="Courier New" panose="02070309020205020404" pitchFamily="49" charset="0"/>
+              </a:rPr>
+              <a:t>cd ~/</a:t>
+            </a:r>
+            <a:r>
+              <a:rPr lang="de-DE" sz="2400" dirty="0" err="1">
+                <a:latin typeface="Courier New" panose="02070309020205020404" pitchFamily="49" charset="0"/>
+                <a:cs typeface="Courier New" panose="02070309020205020404" pitchFamily="49" charset="0"/>
+              </a:rPr>
+              <a:t>java</a:t>
+            </a:r>
+            <a:r>
+              <a:rPr lang="de-DE" sz="2400" dirty="0">
+                <a:latin typeface="Courier New" panose="02070309020205020404" pitchFamily="49" charset="0"/>
+                <a:cs typeface="Courier New" panose="02070309020205020404" pitchFamily="49" charset="0"/>
+              </a:rPr>
+              <a:t>-starter/sample/</a:t>
+            </a:r>
+            <a:r>
+              <a:rPr lang="de-DE" sz="2400" dirty="0" err="1">
+                <a:latin typeface="Courier New" panose="02070309020205020404" pitchFamily="49" charset="0"/>
+                <a:cs typeface="Courier New" panose="02070309020205020404" pitchFamily="49" charset="0"/>
+              </a:rPr>
+              <a:t>shop</a:t>
+            </a:r>
+            <a:endParaRPr lang="de-DE" sz="2400" dirty="0">
+              <a:latin typeface="Courier New" panose="02070309020205020404" pitchFamily="49" charset="0"/>
+              <a:cs typeface="Courier New" panose="02070309020205020404" pitchFamily="49" charset="0"/>
+            </a:endParaRPr>
+          </a:p>
+          <a:p>
+            <a:pPr marL="0" indent="0">
+              <a:buNone/>
+            </a:pPr>
+            <a:r>
+              <a:rPr lang="de-DE" sz="2400" dirty="0">
+                <a:latin typeface="Courier New" panose="02070309020205020404" pitchFamily="49" charset="0"/>
+                <a:cs typeface="Courier New" panose="02070309020205020404" pitchFamily="49" charset="0"/>
+              </a:rPr>
+              <a:t>	</a:t>
+            </a:r>
+            <a:r>
+              <a:rPr lang="de-DE" sz="2400" dirty="0" err="1">
+                <a:latin typeface="Courier New" panose="02070309020205020404" pitchFamily="49" charset="0"/>
+                <a:cs typeface="Courier New" panose="02070309020205020404" pitchFamily="49" charset="0"/>
+              </a:rPr>
+              <a:t>mvn</a:t>
+            </a:r>
+            <a:r>
+              <a:rPr lang="de-DE" sz="2400" dirty="0">
+                <a:latin typeface="Courier New" panose="02070309020205020404" pitchFamily="49" charset="0"/>
+                <a:cs typeface="Courier New" panose="02070309020205020404" pitchFamily="49" charset="0"/>
+              </a:rPr>
+              <a:t> clean </a:t>
+            </a:r>
+            <a:r>
+              <a:rPr lang="de-DE" sz="2400" dirty="0" err="1">
+                <a:latin typeface="Courier New" panose="02070309020205020404" pitchFamily="49" charset="0"/>
+                <a:cs typeface="Courier New" panose="02070309020205020404" pitchFamily="49" charset="0"/>
+              </a:rPr>
+              <a:t>install</a:t>
+            </a:r>
+            <a:endParaRPr lang="de-DE" sz="2400" dirty="0">
+              <a:latin typeface="Courier New" panose="02070309020205020404" pitchFamily="49" charset="0"/>
+              <a:cs typeface="Courier New" panose="02070309020205020404" pitchFamily="49" charset="0"/>
+            </a:endParaRPr>
+          </a:p>
+          <a:p>
+            <a:r>
+              <a:rPr lang="de-DE" sz="2400" dirty="0"/>
+              <a:t>Container Image übertragen:</a:t>
+            </a:r>
+          </a:p>
+          <a:p>
+            <a:pPr marL="0" indent="0">
+              <a:buNone/>
+            </a:pPr>
+            <a:r>
+              <a:rPr lang="de-DE" sz="2400" dirty="0"/>
+              <a:t>	</a:t>
+            </a:r>
+            <a:r>
+              <a:rPr lang="de-DE" sz="2400" dirty="0" err="1">
+                <a:latin typeface="Courier New" panose="02070309020205020404" pitchFamily="49" charset="0"/>
+                <a:cs typeface="Courier New" panose="02070309020205020404" pitchFamily="49" charset="0"/>
+              </a:rPr>
+              <a:t>docker</a:t>
+            </a:r>
+            <a:r>
+              <a:rPr lang="de-DE" sz="2400" dirty="0">
+                <a:latin typeface="Courier New" panose="02070309020205020404" pitchFamily="49" charset="0"/>
+                <a:cs typeface="Courier New" panose="02070309020205020404" pitchFamily="49" charset="0"/>
+              </a:rPr>
+              <a:t> save </a:t>
+            </a:r>
+            <a:r>
+              <a:rPr lang="de-DE" sz="2400" dirty="0" err="1">
+                <a:latin typeface="Courier New" panose="02070309020205020404" pitchFamily="49" charset="0"/>
+                <a:cs typeface="Courier New" panose="02070309020205020404" pitchFamily="49" charset="0"/>
+              </a:rPr>
+              <a:t>shop</a:t>
+            </a:r>
+            <a:r>
+              <a:rPr lang="de-DE" sz="2400" dirty="0">
+                <a:latin typeface="Courier New" panose="02070309020205020404" pitchFamily="49" charset="0"/>
+                <a:cs typeface="Courier New" panose="02070309020205020404" pitchFamily="49" charset="0"/>
+              </a:rPr>
+              <a:t> &gt; </a:t>
+            </a:r>
+            <a:r>
+              <a:rPr lang="de-DE" sz="2400" dirty="0" err="1">
+                <a:latin typeface="Courier New" panose="02070309020205020404" pitchFamily="49" charset="0"/>
+                <a:cs typeface="Courier New" panose="02070309020205020404" pitchFamily="49" charset="0"/>
+              </a:rPr>
+              <a:t>shop.tar</a:t>
+            </a:r>
+            <a:endParaRPr lang="de-DE" sz="2400" dirty="0">
+              <a:latin typeface="Courier New" panose="02070309020205020404" pitchFamily="49" charset="0"/>
+              <a:cs typeface="Courier New" panose="02070309020205020404" pitchFamily="49" charset="0"/>
+            </a:endParaRPr>
+          </a:p>
+          <a:p>
+            <a:pPr marL="0" indent="0">
+              <a:buNone/>
+            </a:pPr>
+            <a:r>
+              <a:rPr lang="de-DE" sz="2400" dirty="0">
+                <a:latin typeface="Courier New" panose="02070309020205020404" pitchFamily="49" charset="0"/>
+                <a:cs typeface="Courier New" panose="02070309020205020404" pitchFamily="49" charset="0"/>
+              </a:rPr>
+              <a:t>	microk8s </a:t>
+            </a:r>
+            <a:r>
+              <a:rPr lang="de-DE" sz="2400" dirty="0" err="1">
+                <a:latin typeface="Courier New" panose="02070309020205020404" pitchFamily="49" charset="0"/>
+                <a:cs typeface="Courier New" panose="02070309020205020404" pitchFamily="49" charset="0"/>
+              </a:rPr>
+              <a:t>ctr</a:t>
+            </a:r>
+            <a:r>
+              <a:rPr lang="de-DE" sz="2400" dirty="0">
+                <a:latin typeface="Courier New" panose="02070309020205020404" pitchFamily="49" charset="0"/>
+                <a:cs typeface="Courier New" panose="02070309020205020404" pitchFamily="49" charset="0"/>
+              </a:rPr>
+              <a:t> </a:t>
+            </a:r>
+            <a:r>
+              <a:rPr lang="de-DE" sz="2400" dirty="0" err="1">
+                <a:latin typeface="Courier New" panose="02070309020205020404" pitchFamily="49" charset="0"/>
+                <a:cs typeface="Courier New" panose="02070309020205020404" pitchFamily="49" charset="0"/>
+              </a:rPr>
+              <a:t>image</a:t>
+            </a:r>
+            <a:r>
+              <a:rPr lang="de-DE" sz="2400" dirty="0">
+                <a:latin typeface="Courier New" panose="02070309020205020404" pitchFamily="49" charset="0"/>
+                <a:cs typeface="Courier New" panose="02070309020205020404" pitchFamily="49" charset="0"/>
+              </a:rPr>
+              <a:t> </a:t>
+            </a:r>
+            <a:r>
+              <a:rPr lang="de-DE" sz="2400" dirty="0" err="1">
+                <a:latin typeface="Courier New" panose="02070309020205020404" pitchFamily="49" charset="0"/>
+                <a:cs typeface="Courier New" panose="02070309020205020404" pitchFamily="49" charset="0"/>
+              </a:rPr>
+              <a:t>import</a:t>
+            </a:r>
+            <a:r>
+              <a:rPr lang="de-DE" sz="2400" dirty="0">
+                <a:latin typeface="Courier New" panose="02070309020205020404" pitchFamily="49" charset="0"/>
+                <a:cs typeface="Courier New" panose="02070309020205020404" pitchFamily="49" charset="0"/>
+              </a:rPr>
+              <a:t> </a:t>
+            </a:r>
+            <a:r>
+              <a:rPr lang="de-DE" sz="2400" dirty="0" err="1">
+                <a:latin typeface="Courier New" panose="02070309020205020404" pitchFamily="49" charset="0"/>
+                <a:cs typeface="Courier New" panose="02070309020205020404" pitchFamily="49" charset="0"/>
+              </a:rPr>
+              <a:t>shop.tar</a:t>
+            </a:r>
+            <a:endParaRPr lang="de-DE" sz="2400" dirty="0">
+              <a:latin typeface="Courier New" panose="02070309020205020404" pitchFamily="49" charset="0"/>
+              <a:cs typeface="Courier New" panose="02070309020205020404" pitchFamily="49" charset="0"/>
+            </a:endParaRPr>
+          </a:p>
+          <a:p>
+            <a:pPr marL="0" indent="0">
+              <a:buNone/>
+            </a:pPr>
+            <a:r>
+              <a:rPr lang="de-DE" sz="2400" dirty="0">
+                <a:latin typeface="Courier New" panose="02070309020205020404" pitchFamily="49" charset="0"/>
+                <a:cs typeface="Courier New" panose="02070309020205020404" pitchFamily="49" charset="0"/>
+              </a:rPr>
+              <a:t>	</a:t>
+            </a:r>
+            <a:r>
+              <a:rPr lang="de-DE" sz="2400" dirty="0" err="1">
+                <a:latin typeface="Courier New" panose="02070309020205020404" pitchFamily="49" charset="0"/>
+                <a:cs typeface="Courier New" panose="02070309020205020404" pitchFamily="49" charset="0"/>
+              </a:rPr>
+              <a:t>scp</a:t>
+            </a:r>
+            <a:r>
+              <a:rPr lang="de-DE" sz="2400" dirty="0">
+                <a:latin typeface="Courier New" panose="02070309020205020404" pitchFamily="49" charset="0"/>
+                <a:cs typeface="Courier New" panose="02070309020205020404" pitchFamily="49" charset="0"/>
+              </a:rPr>
+              <a:t> </a:t>
+            </a:r>
+            <a:r>
+              <a:rPr lang="de-DE" sz="2400" dirty="0" err="1">
+                <a:latin typeface="Courier New" panose="02070309020205020404" pitchFamily="49" charset="0"/>
+                <a:cs typeface="Courier New" panose="02070309020205020404" pitchFamily="49" charset="0"/>
+              </a:rPr>
+              <a:t>shop.tar</a:t>
+            </a:r>
+            <a:r>
+              <a:rPr lang="de-DE" sz="2400" dirty="0">
+                <a:latin typeface="Courier New" panose="02070309020205020404" pitchFamily="49" charset="0"/>
+                <a:cs typeface="Courier New" panose="02070309020205020404" pitchFamily="49" charset="0"/>
+              </a:rPr>
+              <a:t> worker1:.</a:t>
+            </a:r>
+          </a:p>
+          <a:p>
+            <a:pPr marL="0" indent="0">
+              <a:buNone/>
+            </a:pPr>
+            <a:r>
+              <a:rPr lang="de-DE" sz="2400" dirty="0">
+                <a:latin typeface="Courier New" panose="02070309020205020404" pitchFamily="49" charset="0"/>
+                <a:cs typeface="Courier New" panose="02070309020205020404" pitchFamily="49" charset="0"/>
+              </a:rPr>
+              <a:t>	</a:t>
+            </a:r>
+            <a:r>
+              <a:rPr lang="de-DE" sz="2400" dirty="0" err="1">
+                <a:latin typeface="Courier New" panose="02070309020205020404" pitchFamily="49" charset="0"/>
+                <a:cs typeface="Courier New" panose="02070309020205020404" pitchFamily="49" charset="0"/>
+              </a:rPr>
+              <a:t>scp</a:t>
+            </a:r>
+            <a:r>
+              <a:rPr lang="de-DE" sz="2400" dirty="0">
+                <a:latin typeface="Courier New" panose="02070309020205020404" pitchFamily="49" charset="0"/>
+                <a:cs typeface="Courier New" panose="02070309020205020404" pitchFamily="49" charset="0"/>
+              </a:rPr>
+              <a:t> </a:t>
+            </a:r>
+            <a:r>
+              <a:rPr lang="de-DE" sz="2400" dirty="0" err="1">
+                <a:latin typeface="Courier New" panose="02070309020205020404" pitchFamily="49" charset="0"/>
+                <a:cs typeface="Courier New" panose="02070309020205020404" pitchFamily="49" charset="0"/>
+              </a:rPr>
+              <a:t>shop.tar</a:t>
+            </a:r>
+            <a:r>
+              <a:rPr lang="de-DE" sz="2400" dirty="0">
+                <a:latin typeface="Courier New" panose="02070309020205020404" pitchFamily="49" charset="0"/>
+                <a:cs typeface="Courier New" panose="02070309020205020404" pitchFamily="49" charset="0"/>
+              </a:rPr>
+              <a:t> worker2:.</a:t>
+            </a:r>
+          </a:p>
+        </p:txBody>
+      </p:sp>
+    </p:spTree>
+    <p:extLst>
+      <p:ext uri="{BB962C8B-B14F-4D97-AF65-F5344CB8AC3E}">
+        <p14:creationId xmlns:p14="http://schemas.microsoft.com/office/powerpoint/2010/main" val="1564606677"/>
+      </p:ext>
+    </p:extLst>
+  </p:cSld>
+  <p:clrMapOvr>
+    <a:masterClrMapping/>
+  </p:clrMapOvr>
+</p:sld>
+</file>
+
+<file path=ppt/slides/slide12.xml><?xml version="1.0" encoding="utf-8"?>
+<p:sld xmlns:a="http://schemas.openxmlformats.org/drawingml/2006/main" xmlns:r="http://schemas.openxmlformats.org/officeDocument/2006/relationships" xmlns:p="http://schemas.openxmlformats.org/presentationml/2006/main">
+  <p:cSld>
+    <p:spTree>
+      <p:nvGrpSpPr>
+        <p:cNvPr id="1" name=""/>
+        <p:cNvGrpSpPr/>
+        <p:nvPr/>
+      </p:nvGrpSpPr>
+      <p:grpSpPr>
+        <a:xfrm>
+          <a:off x="0" y="0"/>
+          <a:ext cx="0" cy="0"/>
+          <a:chOff x="0" y="0"/>
+          <a:chExt cx="0" cy="0"/>
+        </a:xfrm>
+      </p:grpSpPr>
+      <p:sp>
+        <p:nvSpPr>
+          <p:cNvPr id="2" name="Titel 1">
+            <a:extLst>
+              <a:ext uri="{FF2B5EF4-FFF2-40B4-BE49-F238E27FC236}">
+                <a16:creationId xmlns:a16="http://schemas.microsoft.com/office/drawing/2014/main" id="{6771848D-1E70-E48B-5C6D-951BC6041598}"/>
+              </a:ext>
+            </a:extLst>
+          </p:cNvPr>
+          <p:cNvSpPr>
+            <a:spLocks noGrp="1"/>
+          </p:cNvSpPr>
+          <p:nvPr>
+            <p:ph type="title"/>
+          </p:nvPr>
+        </p:nvSpPr>
+        <p:spPr/>
+        <p:txBody>
+          <a:bodyPr/>
+          <a:lstStyle/>
+          <a:p>
+            <a:r>
+              <a:rPr lang="de-DE" dirty="0"/>
+              <a:t>5. Images in </a:t>
+            </a:r>
+            <a:r>
+              <a:rPr lang="de-DE" dirty="0" err="1"/>
+              <a:t>Kubernetes</a:t>
+            </a:r>
+            <a:r>
+              <a:rPr lang="de-DE" dirty="0"/>
+              <a:t> importieren</a:t>
+            </a:r>
+          </a:p>
+        </p:txBody>
+      </p:sp>
+      <p:sp>
+        <p:nvSpPr>
+          <p:cNvPr id="3" name="Inhaltsplatzhalter 2">
+            <a:extLst>
+              <a:ext uri="{FF2B5EF4-FFF2-40B4-BE49-F238E27FC236}">
+                <a16:creationId xmlns:a16="http://schemas.microsoft.com/office/drawing/2014/main" id="{C6B47590-B943-D19C-BC30-9C11A54E6BFE}"/>
+              </a:ext>
+            </a:extLst>
+          </p:cNvPr>
+          <p:cNvSpPr>
+            <a:spLocks noGrp="1"/>
+          </p:cNvSpPr>
+          <p:nvPr>
+            <p:ph idx="1"/>
+          </p:nvPr>
+        </p:nvSpPr>
+        <p:spPr/>
+        <p:txBody>
+          <a:bodyPr>
+            <a:normAutofit/>
+          </a:bodyPr>
+          <a:lstStyle/>
+          <a:p>
+            <a:r>
+              <a:rPr lang="de-DE" dirty="0">
+                <a:cs typeface="Courier New" panose="02070309020205020404" pitchFamily="49" charset="0"/>
+              </a:rPr>
+              <a:t>Auf</a:t>
+            </a:r>
+            <a:r>
+              <a:rPr lang="de-DE" dirty="0">
+                <a:latin typeface="Courier New" panose="02070309020205020404" pitchFamily="49" charset="0"/>
+                <a:cs typeface="Courier New" panose="02070309020205020404" pitchFamily="49" charset="0"/>
+              </a:rPr>
+              <a:t> worker1</a:t>
+            </a:r>
+            <a:r>
+              <a:rPr lang="de-DE" dirty="0"/>
+              <a:t>:</a:t>
+            </a:r>
+          </a:p>
+          <a:p>
+            <a:pPr marL="0" indent="0">
+              <a:buNone/>
+            </a:pPr>
+            <a:r>
+              <a:rPr lang="de-DE" sz="2400" dirty="0"/>
+              <a:t>	</a:t>
+            </a:r>
+            <a:r>
+              <a:rPr lang="de-DE" sz="2400" dirty="0">
+                <a:latin typeface="Courier New" panose="02070309020205020404" pitchFamily="49" charset="0"/>
+                <a:cs typeface="Courier New" panose="02070309020205020404" pitchFamily="49" charset="0"/>
+              </a:rPr>
+              <a:t>multipass </a:t>
+            </a:r>
+            <a:r>
+              <a:rPr lang="de-DE" sz="2400" dirty="0" err="1">
+                <a:latin typeface="Courier New" panose="02070309020205020404" pitchFamily="49" charset="0"/>
+                <a:cs typeface="Courier New" panose="02070309020205020404" pitchFamily="49" charset="0"/>
+              </a:rPr>
+              <a:t>shell</a:t>
+            </a:r>
+            <a:r>
+              <a:rPr lang="de-DE" sz="2400" dirty="0">
+                <a:latin typeface="Courier New" panose="02070309020205020404" pitchFamily="49" charset="0"/>
+                <a:cs typeface="Courier New" panose="02070309020205020404" pitchFamily="49" charset="0"/>
+              </a:rPr>
+              <a:t> worker1</a:t>
+            </a:r>
+          </a:p>
+          <a:p>
+            <a:pPr marL="0" indent="0">
+              <a:buNone/>
+            </a:pPr>
+            <a:r>
+              <a:rPr lang="de-DE" sz="2400" dirty="0">
+                <a:latin typeface="Courier New" panose="02070309020205020404" pitchFamily="49" charset="0"/>
+                <a:cs typeface="Courier New" panose="02070309020205020404" pitchFamily="49" charset="0"/>
+              </a:rPr>
+              <a:t>	microk8s </a:t>
+            </a:r>
+            <a:r>
+              <a:rPr lang="de-DE" sz="2400" dirty="0" err="1">
+                <a:latin typeface="Courier New" panose="02070309020205020404" pitchFamily="49" charset="0"/>
+                <a:cs typeface="Courier New" panose="02070309020205020404" pitchFamily="49" charset="0"/>
+              </a:rPr>
+              <a:t>ctr</a:t>
+            </a:r>
+            <a:r>
+              <a:rPr lang="de-DE" sz="2400" dirty="0">
+                <a:latin typeface="Courier New" panose="02070309020205020404" pitchFamily="49" charset="0"/>
+                <a:cs typeface="Courier New" panose="02070309020205020404" pitchFamily="49" charset="0"/>
+              </a:rPr>
+              <a:t> </a:t>
+            </a:r>
+            <a:r>
+              <a:rPr lang="de-DE" sz="2400" dirty="0" err="1">
+                <a:latin typeface="Courier New" panose="02070309020205020404" pitchFamily="49" charset="0"/>
+                <a:cs typeface="Courier New" panose="02070309020205020404" pitchFamily="49" charset="0"/>
+              </a:rPr>
+              <a:t>image</a:t>
+            </a:r>
+            <a:r>
+              <a:rPr lang="de-DE" sz="2400" dirty="0">
+                <a:latin typeface="Courier New" panose="02070309020205020404" pitchFamily="49" charset="0"/>
+                <a:cs typeface="Courier New" panose="02070309020205020404" pitchFamily="49" charset="0"/>
+              </a:rPr>
+              <a:t> </a:t>
+            </a:r>
+            <a:r>
+              <a:rPr lang="de-DE" sz="2400" dirty="0" err="1">
+                <a:latin typeface="Courier New" panose="02070309020205020404" pitchFamily="49" charset="0"/>
+                <a:cs typeface="Courier New" panose="02070309020205020404" pitchFamily="49" charset="0"/>
+              </a:rPr>
+              <a:t>import</a:t>
+            </a:r>
+            <a:r>
+              <a:rPr lang="de-DE" sz="2400" dirty="0">
+                <a:latin typeface="Courier New" panose="02070309020205020404" pitchFamily="49" charset="0"/>
+                <a:cs typeface="Courier New" panose="02070309020205020404" pitchFamily="49" charset="0"/>
+              </a:rPr>
+              <a:t> </a:t>
+            </a:r>
+            <a:r>
+              <a:rPr lang="de-DE" sz="2400" dirty="0" err="1">
+                <a:latin typeface="Courier New" panose="02070309020205020404" pitchFamily="49" charset="0"/>
+                <a:cs typeface="Courier New" panose="02070309020205020404" pitchFamily="49" charset="0"/>
+              </a:rPr>
+              <a:t>person.tar</a:t>
+            </a:r>
+            <a:endParaRPr lang="de-DE" sz="2400" dirty="0">
+              <a:latin typeface="Courier New" panose="02070309020205020404" pitchFamily="49" charset="0"/>
+              <a:cs typeface="Courier New" panose="02070309020205020404" pitchFamily="49" charset="0"/>
+            </a:endParaRPr>
+          </a:p>
+          <a:p>
+            <a:pPr marL="0" indent="0">
+              <a:buNone/>
+            </a:pPr>
+            <a:r>
+              <a:rPr lang="de-DE" sz="2400" dirty="0">
+                <a:latin typeface="Courier New" panose="02070309020205020404" pitchFamily="49" charset="0"/>
+                <a:cs typeface="Courier New" panose="02070309020205020404" pitchFamily="49" charset="0"/>
+              </a:rPr>
+              <a:t>	microk8s </a:t>
+            </a:r>
+            <a:r>
+              <a:rPr lang="de-DE" sz="2400" dirty="0" err="1">
+                <a:latin typeface="Courier New" panose="02070309020205020404" pitchFamily="49" charset="0"/>
+                <a:cs typeface="Courier New" panose="02070309020205020404" pitchFamily="49" charset="0"/>
+              </a:rPr>
+              <a:t>ctr</a:t>
+            </a:r>
+            <a:r>
+              <a:rPr lang="de-DE" sz="2400" dirty="0">
+                <a:latin typeface="Courier New" panose="02070309020205020404" pitchFamily="49" charset="0"/>
+                <a:cs typeface="Courier New" panose="02070309020205020404" pitchFamily="49" charset="0"/>
+              </a:rPr>
+              <a:t> </a:t>
+            </a:r>
+            <a:r>
+              <a:rPr lang="de-DE" sz="2400" dirty="0" err="1">
+                <a:latin typeface="Courier New" panose="02070309020205020404" pitchFamily="49" charset="0"/>
+                <a:cs typeface="Courier New" panose="02070309020205020404" pitchFamily="49" charset="0"/>
+              </a:rPr>
+              <a:t>image</a:t>
+            </a:r>
+            <a:r>
+              <a:rPr lang="de-DE" sz="2400" dirty="0">
+                <a:latin typeface="Courier New" panose="02070309020205020404" pitchFamily="49" charset="0"/>
+                <a:cs typeface="Courier New" panose="02070309020205020404" pitchFamily="49" charset="0"/>
+              </a:rPr>
+              <a:t> </a:t>
+            </a:r>
+            <a:r>
+              <a:rPr lang="de-DE" sz="2400" dirty="0" err="1">
+                <a:latin typeface="Courier New" panose="02070309020205020404" pitchFamily="49" charset="0"/>
+                <a:cs typeface="Courier New" panose="02070309020205020404" pitchFamily="49" charset="0"/>
+              </a:rPr>
+              <a:t>import</a:t>
+            </a:r>
+            <a:r>
+              <a:rPr lang="de-DE" sz="2400" dirty="0">
+                <a:latin typeface="Courier New" panose="02070309020205020404" pitchFamily="49" charset="0"/>
+                <a:cs typeface="Courier New" panose="02070309020205020404" pitchFamily="49" charset="0"/>
+              </a:rPr>
+              <a:t> </a:t>
+            </a:r>
+            <a:r>
+              <a:rPr lang="de-DE" sz="2400" dirty="0" err="1">
+                <a:latin typeface="Courier New" panose="02070309020205020404" pitchFamily="49" charset="0"/>
+                <a:cs typeface="Courier New" panose="02070309020205020404" pitchFamily="49" charset="0"/>
+              </a:rPr>
+              <a:t>auftrag.tar</a:t>
+            </a:r>
+            <a:endParaRPr lang="de-DE" sz="2400" dirty="0">
+              <a:latin typeface="Courier New" panose="02070309020205020404" pitchFamily="49" charset="0"/>
+              <a:cs typeface="Courier New" panose="02070309020205020404" pitchFamily="49" charset="0"/>
+            </a:endParaRPr>
+          </a:p>
+          <a:p>
+            <a:pPr marL="0" indent="0">
+              <a:buNone/>
+            </a:pPr>
+            <a:r>
+              <a:rPr lang="de-DE" sz="2400" dirty="0">
+                <a:latin typeface="Courier New" panose="02070309020205020404" pitchFamily="49" charset="0"/>
+                <a:cs typeface="Courier New" panose="02070309020205020404" pitchFamily="49" charset="0"/>
+              </a:rPr>
+              <a:t>	microk8s </a:t>
+            </a:r>
+            <a:r>
+              <a:rPr lang="de-DE" sz="2400" dirty="0" err="1">
+                <a:latin typeface="Courier New" panose="02070309020205020404" pitchFamily="49" charset="0"/>
+                <a:cs typeface="Courier New" panose="02070309020205020404" pitchFamily="49" charset="0"/>
+              </a:rPr>
+              <a:t>ctr</a:t>
+            </a:r>
+            <a:r>
+              <a:rPr lang="de-DE" sz="2400" dirty="0">
+                <a:latin typeface="Courier New" panose="02070309020205020404" pitchFamily="49" charset="0"/>
+                <a:cs typeface="Courier New" panose="02070309020205020404" pitchFamily="49" charset="0"/>
+              </a:rPr>
+              <a:t> </a:t>
+            </a:r>
+            <a:r>
+              <a:rPr lang="de-DE" sz="2400" dirty="0" err="1">
+                <a:latin typeface="Courier New" panose="02070309020205020404" pitchFamily="49" charset="0"/>
+                <a:cs typeface="Courier New" panose="02070309020205020404" pitchFamily="49" charset="0"/>
+              </a:rPr>
+              <a:t>image</a:t>
+            </a:r>
+            <a:r>
+              <a:rPr lang="de-DE" sz="2400" dirty="0">
+                <a:latin typeface="Courier New" panose="02070309020205020404" pitchFamily="49" charset="0"/>
+                <a:cs typeface="Courier New" panose="02070309020205020404" pitchFamily="49" charset="0"/>
+              </a:rPr>
+              <a:t> </a:t>
+            </a:r>
+            <a:r>
+              <a:rPr lang="de-DE" sz="2400" dirty="0" err="1">
+                <a:latin typeface="Courier New" panose="02070309020205020404" pitchFamily="49" charset="0"/>
+                <a:cs typeface="Courier New" panose="02070309020205020404" pitchFamily="49" charset="0"/>
+              </a:rPr>
+              <a:t>import</a:t>
+            </a:r>
+            <a:r>
+              <a:rPr lang="de-DE" sz="2400" dirty="0">
+                <a:latin typeface="Courier New" panose="02070309020205020404" pitchFamily="49" charset="0"/>
+                <a:cs typeface="Courier New" panose="02070309020205020404" pitchFamily="49" charset="0"/>
+              </a:rPr>
+              <a:t> </a:t>
+            </a:r>
+            <a:r>
+              <a:rPr lang="de-DE" sz="2400" dirty="0" err="1">
+                <a:latin typeface="Courier New" panose="02070309020205020404" pitchFamily="49" charset="0"/>
+                <a:cs typeface="Courier New" panose="02070309020205020404" pitchFamily="49" charset="0"/>
+              </a:rPr>
+              <a:t>shop.tar</a:t>
+            </a:r>
+            <a:endParaRPr lang="de-DE" sz="2400" dirty="0">
+              <a:latin typeface="Courier New" panose="02070309020205020404" pitchFamily="49" charset="0"/>
+              <a:cs typeface="Courier New" panose="02070309020205020404" pitchFamily="49" charset="0"/>
+            </a:endParaRPr>
+          </a:p>
+          <a:p>
+            <a:pPr marL="0" indent="0">
+              <a:buNone/>
+            </a:pPr>
+            <a:endParaRPr lang="de-DE" sz="2400" dirty="0">
+              <a:latin typeface="Courier New" panose="02070309020205020404" pitchFamily="49" charset="0"/>
+              <a:cs typeface="Courier New" panose="02070309020205020404" pitchFamily="49" charset="0"/>
+            </a:endParaRPr>
+          </a:p>
+          <a:p>
+            <a:r>
+              <a:rPr lang="de-DE" sz="2400" dirty="0">
+                <a:cs typeface="Courier New" panose="02070309020205020404" pitchFamily="49" charset="0"/>
+              </a:rPr>
+              <a:t>Ebenso:</a:t>
+            </a:r>
+            <a:r>
+              <a:rPr lang="de-DE" sz="2400" dirty="0">
+                <a:latin typeface="Courier New" panose="02070309020205020404" pitchFamily="49" charset="0"/>
+                <a:cs typeface="Courier New" panose="02070309020205020404" pitchFamily="49" charset="0"/>
+              </a:rPr>
+              <a:t> worker2</a:t>
+            </a:r>
+          </a:p>
+        </p:txBody>
+      </p:sp>
+    </p:spTree>
+    <p:extLst>
+      <p:ext uri="{BB962C8B-B14F-4D97-AF65-F5344CB8AC3E}">
+        <p14:creationId xmlns:p14="http://schemas.microsoft.com/office/powerpoint/2010/main" val="883986804"/>
+      </p:ext>
+    </p:extLst>
+  </p:cSld>
+  <p:clrMapOvr>
+    <a:masterClrMapping/>
+  </p:clrMapOvr>
+</p:sld>
+</file>
+
+<file path=ppt/slides/slide13.xml><?xml version="1.0" encoding="utf-8"?>
+<p:sld xmlns:a="http://schemas.openxmlformats.org/drawingml/2006/main" xmlns:r="http://schemas.openxmlformats.org/officeDocument/2006/relationships" xmlns:p="http://schemas.openxmlformats.org/presentationml/2006/main">
+  <p:cSld>
+    <p:spTree>
+      <p:nvGrpSpPr>
+        <p:cNvPr id="1" name=""/>
+        <p:cNvGrpSpPr/>
+        <p:nvPr/>
+      </p:nvGrpSpPr>
+      <p:grpSpPr>
+        <a:xfrm>
+          <a:off x="0" y="0"/>
+          <a:ext cx="0" cy="0"/>
+          <a:chOff x="0" y="0"/>
+          <a:chExt cx="0" cy="0"/>
+        </a:xfrm>
+      </p:grpSpPr>
+      <p:sp>
+        <p:nvSpPr>
+          <p:cNvPr id="2" name="Titel 1">
+            <a:extLst>
+              <a:ext uri="{FF2B5EF4-FFF2-40B4-BE49-F238E27FC236}">
+                <a16:creationId xmlns:a16="http://schemas.microsoft.com/office/drawing/2014/main" id="{6771848D-1E70-E48B-5C6D-951BC6041598}"/>
+              </a:ext>
+            </a:extLst>
+          </p:cNvPr>
+          <p:cNvSpPr>
+            <a:spLocks noGrp="1"/>
+          </p:cNvSpPr>
+          <p:nvPr>
+            <p:ph type="title"/>
+          </p:nvPr>
+        </p:nvSpPr>
+        <p:spPr/>
+        <p:txBody>
+          <a:bodyPr/>
+          <a:lstStyle/>
+          <a:p>
+            <a:r>
+              <a:rPr lang="de-DE" dirty="0"/>
+              <a:t>5. Images in </a:t>
+            </a:r>
+            <a:r>
+              <a:rPr lang="de-DE" dirty="0" err="1"/>
+              <a:t>Kubernetes</a:t>
+            </a:r>
+            <a:r>
+              <a:rPr lang="de-DE" dirty="0"/>
+              <a:t> importieren</a:t>
+            </a:r>
+          </a:p>
+        </p:txBody>
+      </p:sp>
+      <p:sp>
+        <p:nvSpPr>
+          <p:cNvPr id="3" name="Inhaltsplatzhalter 2">
+            <a:extLst>
+              <a:ext uri="{FF2B5EF4-FFF2-40B4-BE49-F238E27FC236}">
+                <a16:creationId xmlns:a16="http://schemas.microsoft.com/office/drawing/2014/main" id="{C6B47590-B943-D19C-BC30-9C11A54E6BFE}"/>
+              </a:ext>
+            </a:extLst>
+          </p:cNvPr>
+          <p:cNvSpPr>
+            <a:spLocks noGrp="1"/>
+          </p:cNvSpPr>
+          <p:nvPr>
+            <p:ph idx="1"/>
+          </p:nvPr>
+        </p:nvSpPr>
+        <p:spPr/>
+        <p:txBody>
+          <a:bodyPr>
+            <a:normAutofit/>
+          </a:bodyPr>
+          <a:lstStyle/>
+          <a:p>
+            <a:r>
+              <a:rPr lang="de-DE" dirty="0">
+                <a:cs typeface="Courier New" panose="02070309020205020404" pitchFamily="49" charset="0"/>
+              </a:rPr>
+              <a:t>Ebenso auf</a:t>
+            </a:r>
+            <a:r>
+              <a:rPr lang="de-DE" dirty="0">
+                <a:latin typeface="Courier New" panose="02070309020205020404" pitchFamily="49" charset="0"/>
+                <a:cs typeface="Courier New" panose="02070309020205020404" pitchFamily="49" charset="0"/>
+              </a:rPr>
+              <a:t> worker2</a:t>
+            </a:r>
+            <a:r>
+              <a:rPr lang="de-DE" dirty="0"/>
+              <a:t>:</a:t>
+            </a:r>
+          </a:p>
+          <a:p>
+            <a:pPr marL="0" indent="0">
+              <a:buNone/>
+            </a:pPr>
+            <a:r>
+              <a:rPr lang="de-DE" sz="2400" dirty="0"/>
+              <a:t>	</a:t>
+            </a:r>
+            <a:r>
+              <a:rPr lang="de-DE" sz="2400" dirty="0">
+                <a:latin typeface="Courier New" panose="02070309020205020404" pitchFamily="49" charset="0"/>
+                <a:cs typeface="Courier New" panose="02070309020205020404" pitchFamily="49" charset="0"/>
+              </a:rPr>
+              <a:t>multipass </a:t>
+            </a:r>
+            <a:r>
+              <a:rPr lang="de-DE" sz="2400" dirty="0" err="1">
+                <a:latin typeface="Courier New" panose="02070309020205020404" pitchFamily="49" charset="0"/>
+                <a:cs typeface="Courier New" panose="02070309020205020404" pitchFamily="49" charset="0"/>
+              </a:rPr>
+              <a:t>shell</a:t>
+            </a:r>
+            <a:r>
+              <a:rPr lang="de-DE" sz="2400" dirty="0">
+                <a:latin typeface="Courier New" panose="02070309020205020404" pitchFamily="49" charset="0"/>
+                <a:cs typeface="Courier New" panose="02070309020205020404" pitchFamily="49" charset="0"/>
+              </a:rPr>
+              <a:t> worker2</a:t>
+            </a:r>
+          </a:p>
+          <a:p>
+            <a:pPr marL="0" indent="0">
+              <a:buNone/>
+            </a:pPr>
+            <a:r>
+              <a:rPr lang="de-DE" sz="2400" dirty="0">
+                <a:latin typeface="Courier New" panose="02070309020205020404" pitchFamily="49" charset="0"/>
+                <a:cs typeface="Courier New" panose="02070309020205020404" pitchFamily="49" charset="0"/>
+              </a:rPr>
+              <a:t>	microk8s </a:t>
+            </a:r>
+            <a:r>
+              <a:rPr lang="de-DE" sz="2400" dirty="0" err="1">
+                <a:latin typeface="Courier New" panose="02070309020205020404" pitchFamily="49" charset="0"/>
+                <a:cs typeface="Courier New" panose="02070309020205020404" pitchFamily="49" charset="0"/>
+              </a:rPr>
+              <a:t>ctr</a:t>
+            </a:r>
+            <a:r>
+              <a:rPr lang="de-DE" sz="2400" dirty="0">
+                <a:latin typeface="Courier New" panose="02070309020205020404" pitchFamily="49" charset="0"/>
+                <a:cs typeface="Courier New" panose="02070309020205020404" pitchFamily="49" charset="0"/>
+              </a:rPr>
+              <a:t> </a:t>
+            </a:r>
+            <a:r>
+              <a:rPr lang="de-DE" sz="2400" dirty="0" err="1">
+                <a:latin typeface="Courier New" panose="02070309020205020404" pitchFamily="49" charset="0"/>
+                <a:cs typeface="Courier New" panose="02070309020205020404" pitchFamily="49" charset="0"/>
+              </a:rPr>
+              <a:t>image</a:t>
+            </a:r>
+            <a:r>
+              <a:rPr lang="de-DE" sz="2400" dirty="0">
+                <a:latin typeface="Courier New" panose="02070309020205020404" pitchFamily="49" charset="0"/>
+                <a:cs typeface="Courier New" panose="02070309020205020404" pitchFamily="49" charset="0"/>
+              </a:rPr>
+              <a:t> </a:t>
+            </a:r>
+            <a:r>
+              <a:rPr lang="de-DE" sz="2400" dirty="0" err="1">
+                <a:latin typeface="Courier New" panose="02070309020205020404" pitchFamily="49" charset="0"/>
+                <a:cs typeface="Courier New" panose="02070309020205020404" pitchFamily="49" charset="0"/>
+              </a:rPr>
+              <a:t>import</a:t>
+            </a:r>
+            <a:r>
+              <a:rPr lang="de-DE" sz="2400" dirty="0">
+                <a:latin typeface="Courier New" panose="02070309020205020404" pitchFamily="49" charset="0"/>
+                <a:cs typeface="Courier New" panose="02070309020205020404" pitchFamily="49" charset="0"/>
+              </a:rPr>
+              <a:t> </a:t>
+            </a:r>
+            <a:r>
+              <a:rPr lang="de-DE" sz="2400" dirty="0" err="1">
+                <a:latin typeface="Courier New" panose="02070309020205020404" pitchFamily="49" charset="0"/>
+                <a:cs typeface="Courier New" panose="02070309020205020404" pitchFamily="49" charset="0"/>
+              </a:rPr>
+              <a:t>person.tar</a:t>
+            </a:r>
+            <a:endParaRPr lang="de-DE" sz="2400" dirty="0">
+              <a:latin typeface="Courier New" panose="02070309020205020404" pitchFamily="49" charset="0"/>
+              <a:cs typeface="Courier New" panose="02070309020205020404" pitchFamily="49" charset="0"/>
+            </a:endParaRPr>
+          </a:p>
+          <a:p>
+            <a:pPr marL="0" indent="0">
+              <a:buNone/>
+            </a:pPr>
+            <a:r>
+              <a:rPr lang="de-DE" sz="2400" dirty="0">
+                <a:latin typeface="Courier New" panose="02070309020205020404" pitchFamily="49" charset="0"/>
+                <a:cs typeface="Courier New" panose="02070309020205020404" pitchFamily="49" charset="0"/>
+              </a:rPr>
+              <a:t>	microk8s </a:t>
+            </a:r>
+            <a:r>
+              <a:rPr lang="de-DE" sz="2400" dirty="0" err="1">
+                <a:latin typeface="Courier New" panose="02070309020205020404" pitchFamily="49" charset="0"/>
+                <a:cs typeface="Courier New" panose="02070309020205020404" pitchFamily="49" charset="0"/>
+              </a:rPr>
+              <a:t>ctr</a:t>
+            </a:r>
+            <a:r>
+              <a:rPr lang="de-DE" sz="2400" dirty="0">
+                <a:latin typeface="Courier New" panose="02070309020205020404" pitchFamily="49" charset="0"/>
+                <a:cs typeface="Courier New" panose="02070309020205020404" pitchFamily="49" charset="0"/>
+              </a:rPr>
+              <a:t> </a:t>
+            </a:r>
+            <a:r>
+              <a:rPr lang="de-DE" sz="2400" dirty="0" err="1">
+                <a:latin typeface="Courier New" panose="02070309020205020404" pitchFamily="49" charset="0"/>
+                <a:cs typeface="Courier New" panose="02070309020205020404" pitchFamily="49" charset="0"/>
+              </a:rPr>
+              <a:t>image</a:t>
+            </a:r>
+            <a:r>
+              <a:rPr lang="de-DE" sz="2400" dirty="0">
+                <a:latin typeface="Courier New" panose="02070309020205020404" pitchFamily="49" charset="0"/>
+                <a:cs typeface="Courier New" panose="02070309020205020404" pitchFamily="49" charset="0"/>
+              </a:rPr>
+              <a:t> </a:t>
+            </a:r>
+            <a:r>
+              <a:rPr lang="de-DE" sz="2400" dirty="0" err="1">
+                <a:latin typeface="Courier New" panose="02070309020205020404" pitchFamily="49" charset="0"/>
+                <a:cs typeface="Courier New" panose="02070309020205020404" pitchFamily="49" charset="0"/>
+              </a:rPr>
+              <a:t>import</a:t>
+            </a:r>
+            <a:r>
+              <a:rPr lang="de-DE" sz="2400" dirty="0">
+                <a:latin typeface="Courier New" panose="02070309020205020404" pitchFamily="49" charset="0"/>
+                <a:cs typeface="Courier New" panose="02070309020205020404" pitchFamily="49" charset="0"/>
+              </a:rPr>
+              <a:t> </a:t>
+            </a:r>
+            <a:r>
+              <a:rPr lang="de-DE" sz="2400" dirty="0" err="1">
+                <a:latin typeface="Courier New" panose="02070309020205020404" pitchFamily="49" charset="0"/>
+                <a:cs typeface="Courier New" panose="02070309020205020404" pitchFamily="49" charset="0"/>
+              </a:rPr>
+              <a:t>auftrag.tar</a:t>
+            </a:r>
+            <a:endParaRPr lang="de-DE" sz="2400" dirty="0">
+              <a:latin typeface="Courier New" panose="02070309020205020404" pitchFamily="49" charset="0"/>
+              <a:cs typeface="Courier New" panose="02070309020205020404" pitchFamily="49" charset="0"/>
+            </a:endParaRPr>
+          </a:p>
+          <a:p>
+            <a:pPr marL="0" indent="0">
+              <a:buNone/>
+            </a:pPr>
+            <a:r>
+              <a:rPr lang="de-DE" sz="2400" dirty="0">
+                <a:latin typeface="Courier New" panose="02070309020205020404" pitchFamily="49" charset="0"/>
+                <a:cs typeface="Courier New" panose="02070309020205020404" pitchFamily="49" charset="0"/>
+              </a:rPr>
+              <a:t>	microk8s </a:t>
+            </a:r>
+            <a:r>
+              <a:rPr lang="de-DE" sz="2400" dirty="0" err="1">
+                <a:latin typeface="Courier New" panose="02070309020205020404" pitchFamily="49" charset="0"/>
+                <a:cs typeface="Courier New" panose="02070309020205020404" pitchFamily="49" charset="0"/>
+              </a:rPr>
+              <a:t>ctr</a:t>
+            </a:r>
+            <a:r>
+              <a:rPr lang="de-DE" sz="2400" dirty="0">
+                <a:latin typeface="Courier New" panose="02070309020205020404" pitchFamily="49" charset="0"/>
+                <a:cs typeface="Courier New" panose="02070309020205020404" pitchFamily="49" charset="0"/>
+              </a:rPr>
+              <a:t> </a:t>
+            </a:r>
+            <a:r>
+              <a:rPr lang="de-DE" sz="2400" dirty="0" err="1">
+                <a:latin typeface="Courier New" panose="02070309020205020404" pitchFamily="49" charset="0"/>
+                <a:cs typeface="Courier New" panose="02070309020205020404" pitchFamily="49" charset="0"/>
+              </a:rPr>
+              <a:t>image</a:t>
+            </a:r>
+            <a:r>
+              <a:rPr lang="de-DE" sz="2400" dirty="0">
+                <a:latin typeface="Courier New" panose="02070309020205020404" pitchFamily="49" charset="0"/>
+                <a:cs typeface="Courier New" panose="02070309020205020404" pitchFamily="49" charset="0"/>
+              </a:rPr>
+              <a:t> </a:t>
+            </a:r>
+            <a:r>
+              <a:rPr lang="de-DE" sz="2400" dirty="0" err="1">
+                <a:latin typeface="Courier New" panose="02070309020205020404" pitchFamily="49" charset="0"/>
+                <a:cs typeface="Courier New" panose="02070309020205020404" pitchFamily="49" charset="0"/>
+              </a:rPr>
+              <a:t>import</a:t>
+            </a:r>
+            <a:r>
+              <a:rPr lang="de-DE" sz="2400" dirty="0">
+                <a:latin typeface="Courier New" panose="02070309020205020404" pitchFamily="49" charset="0"/>
+                <a:cs typeface="Courier New" panose="02070309020205020404" pitchFamily="49" charset="0"/>
+              </a:rPr>
+              <a:t> </a:t>
+            </a:r>
+            <a:r>
+              <a:rPr lang="de-DE" sz="2400" dirty="0" err="1">
+                <a:latin typeface="Courier New" panose="02070309020205020404" pitchFamily="49" charset="0"/>
+                <a:cs typeface="Courier New" panose="02070309020205020404" pitchFamily="49" charset="0"/>
+              </a:rPr>
+              <a:t>shop.tar</a:t>
+            </a:r>
+            <a:endParaRPr lang="de-DE" sz="2400" dirty="0">
+              <a:latin typeface="Courier New" panose="02070309020205020404" pitchFamily="49" charset="0"/>
+              <a:cs typeface="Courier New" panose="02070309020205020404" pitchFamily="49" charset="0"/>
+            </a:endParaRPr>
+          </a:p>
+        </p:txBody>
+      </p:sp>
+    </p:spTree>
+    <p:extLst>
+      <p:ext uri="{BB962C8B-B14F-4D97-AF65-F5344CB8AC3E}">
+        <p14:creationId xmlns:p14="http://schemas.microsoft.com/office/powerpoint/2010/main" val="85239186"/>
+      </p:ext>
+    </p:extLst>
+  </p:cSld>
+  <p:clrMapOvr>
+    <a:masterClrMapping/>
+  </p:clrMapOvr>
+</p:sld>
+</file>
+
+<file path=ppt/slides/slide14.xml><?xml version="1.0" encoding="utf-8"?>
+<p:sld xmlns:a="http://schemas.openxmlformats.org/drawingml/2006/main" xmlns:r="http://schemas.openxmlformats.org/officeDocument/2006/relationships" xmlns:p="http://schemas.openxmlformats.org/presentationml/2006/main">
+  <p:cSld>
+    <p:spTree>
+      <p:nvGrpSpPr>
+        <p:cNvPr id="1" name=""/>
+        <p:cNvGrpSpPr/>
+        <p:nvPr/>
+      </p:nvGrpSpPr>
+      <p:grpSpPr>
+        <a:xfrm>
+          <a:off x="0" y="0"/>
+          <a:ext cx="0" cy="0"/>
+          <a:chOff x="0" y="0"/>
+          <a:chExt cx="0" cy="0"/>
+        </a:xfrm>
+      </p:grpSpPr>
+      <p:sp>
+        <p:nvSpPr>
+          <p:cNvPr id="2" name="Titel 1">
+            <a:extLst>
+              <a:ext uri="{FF2B5EF4-FFF2-40B4-BE49-F238E27FC236}">
+                <a16:creationId xmlns:a16="http://schemas.microsoft.com/office/drawing/2014/main" id="{6771848D-1E70-E48B-5C6D-951BC6041598}"/>
+              </a:ext>
+            </a:extLst>
+          </p:cNvPr>
+          <p:cNvSpPr>
+            <a:spLocks noGrp="1"/>
+          </p:cNvSpPr>
+          <p:nvPr>
+            <p:ph type="title"/>
+          </p:nvPr>
+        </p:nvSpPr>
+        <p:spPr/>
+        <p:txBody>
+          <a:bodyPr/>
+          <a:lstStyle/>
+          <a:p>
+            <a:r>
+              <a:rPr lang="de-DE" dirty="0"/>
+              <a:t>6. Anwendung in </a:t>
+            </a:r>
+            <a:r>
+              <a:rPr lang="de-DE" dirty="0" err="1"/>
+              <a:t>Kubernetes</a:t>
+            </a:r>
+            <a:r>
+              <a:rPr lang="de-DE" dirty="0"/>
+              <a:t> deployen</a:t>
+            </a:r>
+          </a:p>
+        </p:txBody>
+      </p:sp>
+      <p:sp>
+        <p:nvSpPr>
+          <p:cNvPr id="3" name="Inhaltsplatzhalter 2">
+            <a:extLst>
+              <a:ext uri="{FF2B5EF4-FFF2-40B4-BE49-F238E27FC236}">
+                <a16:creationId xmlns:a16="http://schemas.microsoft.com/office/drawing/2014/main" id="{C6B47590-B943-D19C-BC30-9C11A54E6BFE}"/>
+              </a:ext>
+            </a:extLst>
+          </p:cNvPr>
+          <p:cNvSpPr>
+            <a:spLocks noGrp="1"/>
+          </p:cNvSpPr>
+          <p:nvPr>
+            <p:ph idx="1"/>
+          </p:nvPr>
+        </p:nvSpPr>
+        <p:spPr/>
+        <p:txBody>
+          <a:bodyPr/>
+          <a:lstStyle/>
+          <a:p>
+            <a:r>
+              <a:rPr lang="de-DE" dirty="0"/>
+              <a:t>In der Datei </a:t>
+            </a:r>
+            <a:r>
+              <a:rPr lang="de-DE" dirty="0" err="1">
+                <a:latin typeface="Courier New" panose="02070309020205020404" pitchFamily="49" charset="0"/>
+                <a:cs typeface="Courier New" panose="02070309020205020404" pitchFamily="49" charset="0"/>
+              </a:rPr>
+              <a:t>docker-compose.yml</a:t>
+            </a:r>
+            <a:r>
+              <a:rPr lang="de-DE" dirty="0">
+                <a:latin typeface="Courier New" panose="02070309020205020404" pitchFamily="49" charset="0"/>
+                <a:cs typeface="Courier New" panose="02070309020205020404" pitchFamily="49" charset="0"/>
+              </a:rPr>
+              <a:t> </a:t>
+            </a:r>
+            <a:r>
+              <a:rPr lang="de-DE" dirty="0"/>
+              <a:t>muss wieder </a:t>
+            </a:r>
+            <a:r>
+              <a:rPr lang="de-DE" dirty="0" err="1">
+                <a:latin typeface="Courier New" panose="02070309020205020404" pitchFamily="49" charset="0"/>
+                <a:cs typeface="Courier New" panose="02070309020205020404" pitchFamily="49" charset="0"/>
+              </a:rPr>
+              <a:t>replace_me</a:t>
+            </a:r>
+            <a:r>
+              <a:rPr lang="de-DE" dirty="0">
+                <a:latin typeface="Courier New" panose="02070309020205020404" pitchFamily="49" charset="0"/>
+                <a:cs typeface="Courier New" panose="02070309020205020404" pitchFamily="49" charset="0"/>
+              </a:rPr>
+              <a:t> </a:t>
+            </a:r>
+            <a:r>
+              <a:rPr lang="de-DE" dirty="0"/>
+              <a:t>durch die IP-Adresse des Datenbank-Servers ersetzt werden!</a:t>
+            </a:r>
+            <a:endParaRPr lang="de-DE" dirty="0">
+              <a:cs typeface="Courier New" panose="02070309020205020404" pitchFamily="49" charset="0"/>
+            </a:endParaRPr>
+          </a:p>
+          <a:p>
+            <a:pPr marL="0" indent="0">
+              <a:buNone/>
+            </a:pPr>
+            <a:r>
+              <a:rPr lang="de-DE" sz="2400" dirty="0">
+                <a:latin typeface="Courier New" panose="02070309020205020404" pitchFamily="49" charset="0"/>
+                <a:cs typeface="Courier New" panose="02070309020205020404" pitchFamily="49" charset="0"/>
+              </a:rPr>
+              <a:t>	cd ~/</a:t>
+            </a:r>
+            <a:r>
+              <a:rPr lang="de-DE" sz="2400" dirty="0" err="1">
+                <a:latin typeface="Courier New" panose="02070309020205020404" pitchFamily="49" charset="0"/>
+                <a:cs typeface="Courier New" panose="02070309020205020404" pitchFamily="49" charset="0"/>
+              </a:rPr>
+              <a:t>java</a:t>
+            </a:r>
+            <a:r>
+              <a:rPr lang="de-DE" sz="2400" dirty="0">
+                <a:latin typeface="Courier New" panose="02070309020205020404" pitchFamily="49" charset="0"/>
+                <a:cs typeface="Courier New" panose="02070309020205020404" pitchFamily="49" charset="0"/>
+              </a:rPr>
+              <a:t>-starter/sample/</a:t>
+            </a:r>
+            <a:r>
+              <a:rPr lang="de-DE" sz="2400" dirty="0" err="1">
+                <a:latin typeface="Courier New" panose="02070309020205020404" pitchFamily="49" charset="0"/>
+                <a:cs typeface="Courier New" panose="02070309020205020404" pitchFamily="49" charset="0"/>
+              </a:rPr>
+              <a:t>kubernetes</a:t>
+            </a:r>
+            <a:r>
+              <a:rPr lang="de-DE" sz="2400" dirty="0">
+                <a:latin typeface="Courier New" panose="02070309020205020404" pitchFamily="49" charset="0"/>
+                <a:cs typeface="Courier New" panose="02070309020205020404" pitchFamily="49" charset="0"/>
+              </a:rPr>
+              <a:t>/</a:t>
+            </a:r>
+            <a:r>
+              <a:rPr lang="de-DE" sz="2400" dirty="0" err="1">
+                <a:latin typeface="Courier New" panose="02070309020205020404" pitchFamily="49" charset="0"/>
+                <a:cs typeface="Courier New" panose="02070309020205020404" pitchFamily="49" charset="0"/>
+              </a:rPr>
+              <a:t>deployment</a:t>
+            </a:r>
+            <a:endParaRPr lang="de-DE" sz="2400" dirty="0">
+              <a:latin typeface="Courier New" panose="02070309020205020404" pitchFamily="49" charset="0"/>
+              <a:cs typeface="Courier New" panose="02070309020205020404" pitchFamily="49" charset="0"/>
+            </a:endParaRPr>
+          </a:p>
+          <a:p>
+            <a:pPr marL="0" indent="0">
+              <a:buNone/>
+            </a:pPr>
+            <a:r>
+              <a:rPr lang="de-DE" sz="2400" dirty="0">
+                <a:latin typeface="Courier New" panose="02070309020205020404" pitchFamily="49" charset="0"/>
+                <a:cs typeface="Courier New" panose="02070309020205020404" pitchFamily="49" charset="0"/>
+              </a:rPr>
+              <a:t>	sed -i 's/</a:t>
+            </a:r>
+            <a:r>
+              <a:rPr lang="de-DE" sz="2400" dirty="0" err="1">
+                <a:latin typeface="Courier New" panose="02070309020205020404" pitchFamily="49" charset="0"/>
+                <a:cs typeface="Courier New" panose="02070309020205020404" pitchFamily="49" charset="0"/>
+              </a:rPr>
+              <a:t>replace_me</a:t>
+            </a:r>
+            <a:r>
+              <a:rPr lang="de-DE" sz="2400" dirty="0">
+                <a:latin typeface="Courier New" panose="02070309020205020404" pitchFamily="49" charset="0"/>
+                <a:cs typeface="Courier New" panose="02070309020205020404" pitchFamily="49" charset="0"/>
+              </a:rPr>
+              <a:t>/192.168.22.5/</a:t>
+            </a:r>
+            <a:r>
+              <a:rPr lang="de-DE" sz="2400" dirty="0" err="1">
+                <a:latin typeface="Courier New" panose="02070309020205020404" pitchFamily="49" charset="0"/>
+                <a:cs typeface="Courier New" panose="02070309020205020404" pitchFamily="49" charset="0"/>
+              </a:rPr>
+              <a:t>g</a:t>
+            </a:r>
+            <a:r>
+              <a:rPr lang="de-DE" sz="2400" dirty="0">
+                <a:latin typeface="Courier New" panose="02070309020205020404" pitchFamily="49" charset="0"/>
+                <a:cs typeface="Courier New" panose="02070309020205020404" pitchFamily="49" charset="0"/>
+              </a:rPr>
+              <a:t>' </a:t>
+            </a:r>
+            <a:r>
+              <a:rPr lang="de-DE" sz="2400" dirty="0" err="1">
+                <a:latin typeface="Courier New" panose="02070309020205020404" pitchFamily="49" charset="0"/>
+                <a:cs typeface="Courier New" panose="02070309020205020404" pitchFamily="49" charset="0"/>
+              </a:rPr>
+              <a:t>sample.yml</a:t>
+            </a:r>
+            <a:endParaRPr lang="de-DE" sz="2400" dirty="0">
+              <a:latin typeface="Courier New" panose="02070309020205020404" pitchFamily="49" charset="0"/>
+              <a:cs typeface="Courier New" panose="02070309020205020404" pitchFamily="49" charset="0"/>
+            </a:endParaRPr>
+          </a:p>
+          <a:p>
+            <a:pPr marL="0" indent="0">
+              <a:buNone/>
+            </a:pPr>
+            <a:r>
+              <a:rPr lang="de-DE" sz="2400" dirty="0">
+                <a:latin typeface="Courier New" panose="02070309020205020404" pitchFamily="49" charset="0"/>
+                <a:cs typeface="Courier New" panose="02070309020205020404" pitchFamily="49" charset="0"/>
+              </a:rPr>
+              <a:t>	microk8s </a:t>
+            </a:r>
+            <a:r>
+              <a:rPr lang="de-DE" sz="2400" dirty="0" err="1">
+                <a:latin typeface="Courier New" panose="02070309020205020404" pitchFamily="49" charset="0"/>
+                <a:cs typeface="Courier New" panose="02070309020205020404" pitchFamily="49" charset="0"/>
+              </a:rPr>
+              <a:t>kubectl</a:t>
+            </a:r>
+            <a:r>
+              <a:rPr lang="de-DE" sz="2400" dirty="0">
+                <a:latin typeface="Courier New" panose="02070309020205020404" pitchFamily="49" charset="0"/>
+                <a:cs typeface="Courier New" panose="02070309020205020404" pitchFamily="49" charset="0"/>
+              </a:rPr>
+              <a:t> </a:t>
+            </a:r>
+            <a:r>
+              <a:rPr lang="de-DE" sz="2400" dirty="0" err="1">
+                <a:latin typeface="Courier New" panose="02070309020205020404" pitchFamily="49" charset="0"/>
+                <a:cs typeface="Courier New" panose="02070309020205020404" pitchFamily="49" charset="0"/>
+              </a:rPr>
+              <a:t>apply</a:t>
+            </a:r>
+            <a:r>
+              <a:rPr lang="de-DE" sz="2400" dirty="0">
+                <a:latin typeface="Courier New" panose="02070309020205020404" pitchFamily="49" charset="0"/>
+                <a:cs typeface="Courier New" panose="02070309020205020404" pitchFamily="49" charset="0"/>
+              </a:rPr>
+              <a:t> -f </a:t>
+            </a:r>
+            <a:r>
+              <a:rPr lang="de-DE" sz="2400" dirty="0" err="1">
+                <a:latin typeface="Courier New" panose="02070309020205020404" pitchFamily="49" charset="0"/>
+                <a:cs typeface="Courier New" panose="02070309020205020404" pitchFamily="49" charset="0"/>
+              </a:rPr>
+              <a:t>sample.yml</a:t>
+            </a:r>
+            <a:endParaRPr lang="de-DE" sz="2400" dirty="0">
+              <a:latin typeface="Courier New" panose="02070309020205020404" pitchFamily="49" charset="0"/>
+              <a:cs typeface="Courier New" panose="02070309020205020404" pitchFamily="49" charset="0"/>
+            </a:endParaRPr>
+          </a:p>
+        </p:txBody>
+      </p:sp>
+      <p:sp>
+        <p:nvSpPr>
+          <p:cNvPr id="4" name="Oval 3">
+            <a:extLst>
+              <a:ext uri="{FF2B5EF4-FFF2-40B4-BE49-F238E27FC236}">
+                <a16:creationId xmlns:a16="http://schemas.microsoft.com/office/drawing/2014/main" id="{28E4552C-71AB-63D5-F605-7CA9BC826914}"/>
+              </a:ext>
+            </a:extLst>
+          </p:cNvPr>
+          <p:cNvSpPr/>
+          <p:nvPr/>
+        </p:nvSpPr>
+        <p:spPr>
+          <a:xfrm>
+            <a:off x="5753992" y="3162276"/>
+            <a:ext cx="2201288" cy="367633"/>
+          </a:xfrm>
+          <a:prstGeom prst="ellipse">
+            <a:avLst/>
+          </a:prstGeom>
+          <a:noFill/>
+          <a:ln w="38100">
+            <a:solidFill>
+              <a:srgbClr val="FF0000"/>
+            </a:solidFill>
+          </a:ln>
+        </p:spPr>
+        <p:style>
+          <a:lnRef idx="2">
+            <a:schemeClr val="accent1">
+              <a:shade val="50000"/>
+            </a:schemeClr>
+          </a:lnRef>
+          <a:fillRef idx="1">
+            <a:schemeClr val="accent1"/>
+          </a:fillRef>
+          <a:effectRef idx="0">
+            <a:schemeClr val="accent1"/>
+          </a:effectRef>
+          <a:fontRef idx="minor">
+            <a:schemeClr val="lt1"/>
+          </a:fontRef>
+        </p:style>
+        <p:txBody>
+          <a:bodyPr rtlCol="0" anchor="ctr"/>
+          <a:lstStyle/>
+          <a:p>
+            <a:pPr algn="ctr"/>
+            <a:endParaRPr lang="de-DE"/>
+          </a:p>
+        </p:txBody>
+      </p:sp>
+      <p:sp>
+        <p:nvSpPr>
+          <p:cNvPr id="5" name="Textfeld 4">
+            <a:extLst>
+              <a:ext uri="{FF2B5EF4-FFF2-40B4-BE49-F238E27FC236}">
+                <a16:creationId xmlns:a16="http://schemas.microsoft.com/office/drawing/2014/main" id="{6FCA7286-4252-2346-0A99-E96B1EBDE716}"/>
+              </a:ext>
+            </a:extLst>
+          </p:cNvPr>
+          <p:cNvSpPr txBox="1"/>
+          <p:nvPr/>
+        </p:nvSpPr>
+        <p:spPr>
+          <a:xfrm>
+            <a:off x="7214662" y="3145188"/>
+            <a:ext cx="777777" cy="769441"/>
+          </a:xfrm>
+          <a:prstGeom prst="rect">
+            <a:avLst/>
+          </a:prstGeom>
+          <a:noFill/>
+        </p:spPr>
+        <p:txBody>
+          <a:bodyPr wrap="none" rtlCol="0">
+            <a:spAutoFit/>
+          </a:bodyPr>
+          <a:lstStyle/>
+          <a:p>
+            <a:r>
+              <a:rPr lang="de-DE" sz="4400" dirty="0" err="1">
+                <a:solidFill>
+                  <a:srgbClr val="FF0000"/>
+                </a:solidFill>
+              </a:rPr>
+              <a:t>db</a:t>
+            </a:r>
+            <a:endParaRPr lang="de-DE" sz="4400" dirty="0">
+              <a:solidFill>
+                <a:srgbClr val="FF0000"/>
+              </a:solidFill>
+            </a:endParaRPr>
+          </a:p>
+        </p:txBody>
+      </p:sp>
+    </p:spTree>
+    <p:extLst>
+      <p:ext uri="{BB962C8B-B14F-4D97-AF65-F5344CB8AC3E}">
+        <p14:creationId xmlns:p14="http://schemas.microsoft.com/office/powerpoint/2010/main" val="1844990318"/>
+      </p:ext>
+    </p:extLst>
+  </p:cSld>
+  <p:clrMapOvr>
+    <a:masterClrMapping/>
+  </p:clrMapOvr>
+</p:sld>
+</file>
+
+<file path=ppt/slides/slide15.xml><?xml version="1.0" encoding="utf-8"?>
+<p:sld xmlns:a="http://schemas.openxmlformats.org/drawingml/2006/main" xmlns:r="http://schemas.openxmlformats.org/officeDocument/2006/relationships" xmlns:p="http://schemas.openxmlformats.org/presentationml/2006/main">
+  <p:cSld>
+    <p:spTree>
+      <p:nvGrpSpPr>
+        <p:cNvPr id="1" name=""/>
+        <p:cNvGrpSpPr/>
+        <p:nvPr/>
+      </p:nvGrpSpPr>
+      <p:grpSpPr>
+        <a:xfrm>
+          <a:off x="0" y="0"/>
+          <a:ext cx="0" cy="0"/>
+          <a:chOff x="0" y="0"/>
+          <a:chExt cx="0" cy="0"/>
+        </a:xfrm>
+      </p:grpSpPr>
+      <p:sp>
+        <p:nvSpPr>
+          <p:cNvPr id="2" name="Titel 1">
+            <a:extLst>
+              <a:ext uri="{FF2B5EF4-FFF2-40B4-BE49-F238E27FC236}">
+                <a16:creationId xmlns:a16="http://schemas.microsoft.com/office/drawing/2014/main" id="{182D65AE-F729-F44A-6E4A-EAF568F96FF3}"/>
+              </a:ext>
+            </a:extLst>
+          </p:cNvPr>
+          <p:cNvSpPr>
+            <a:spLocks noGrp="1"/>
+          </p:cNvSpPr>
+          <p:nvPr>
+            <p:ph type="title"/>
+          </p:nvPr>
+        </p:nvSpPr>
+        <p:spPr/>
+        <p:txBody>
+          <a:bodyPr/>
+          <a:lstStyle/>
+          <a:p>
+            <a:r>
+              <a:rPr lang="de-DE" dirty="0"/>
+              <a:t>7. Mit Postman ausprobieren</a:t>
+            </a:r>
+          </a:p>
+        </p:txBody>
+      </p:sp>
+      <p:sp>
+        <p:nvSpPr>
+          <p:cNvPr id="3" name="Inhaltsplatzhalter 2">
+            <a:extLst>
+              <a:ext uri="{FF2B5EF4-FFF2-40B4-BE49-F238E27FC236}">
+                <a16:creationId xmlns:a16="http://schemas.microsoft.com/office/drawing/2014/main" id="{0D4E04CC-7703-B7A9-BDCB-7587ECFF69E3}"/>
+              </a:ext>
+            </a:extLst>
+          </p:cNvPr>
+          <p:cNvSpPr>
+            <a:spLocks noGrp="1"/>
+          </p:cNvSpPr>
+          <p:nvPr>
+            <p:ph idx="1"/>
+          </p:nvPr>
+        </p:nvSpPr>
+        <p:spPr/>
+        <p:txBody>
+          <a:bodyPr/>
+          <a:lstStyle/>
+          <a:p>
+            <a:r>
+              <a:rPr lang="de-DE" dirty="0"/>
+              <a:t>Im </a:t>
+            </a:r>
+            <a:r>
+              <a:rPr lang="de-DE" dirty="0" err="1"/>
+              <a:t>java</a:t>
+            </a:r>
+            <a:r>
+              <a:rPr lang="de-DE" dirty="0"/>
+              <a:t>-starter liegt unter </a:t>
+            </a:r>
+            <a:r>
+              <a:rPr lang="de-DE" dirty="0" err="1"/>
+              <a:t>java</a:t>
+            </a:r>
+            <a:r>
+              <a:rPr lang="de-DE" dirty="0"/>
+              <a:t>-starter/sample/</a:t>
+            </a:r>
+            <a:r>
+              <a:rPr lang="de-DE" dirty="0" err="1"/>
+              <a:t>kubernetes</a:t>
+            </a:r>
+            <a:r>
+              <a:rPr lang="de-DE" dirty="0"/>
+              <a:t>/</a:t>
+            </a:r>
+            <a:r>
+              <a:rPr lang="de-DE" dirty="0" err="1"/>
+              <a:t>postman</a:t>
+            </a:r>
+            <a:r>
+              <a:rPr lang="de-DE" dirty="0"/>
+              <a:t> eine Postman Collection zum ausprobieren</a:t>
+            </a:r>
+          </a:p>
+          <a:p>
+            <a:pPr lvl="1"/>
+            <a:r>
+              <a:rPr lang="de-DE" dirty="0"/>
+              <a:t>Damit das funktioniert…</a:t>
+            </a:r>
+          </a:p>
+          <a:p>
+            <a:pPr lvl="2"/>
+            <a:r>
+              <a:rPr lang="de-DE" dirty="0"/>
+              <a:t>…entweder VMs in /</a:t>
+            </a:r>
+            <a:r>
+              <a:rPr lang="de-DE" dirty="0" err="1"/>
+              <a:t>etc</a:t>
+            </a:r>
+            <a:r>
+              <a:rPr lang="de-DE" dirty="0"/>
+              <a:t>/</a:t>
+            </a:r>
+            <a:r>
+              <a:rPr lang="de-DE" dirty="0" err="1"/>
+              <a:t>hosts</a:t>
+            </a:r>
+            <a:r>
+              <a:rPr lang="de-DE" dirty="0"/>
+              <a:t> eintragen</a:t>
+            </a:r>
+          </a:p>
+          <a:p>
+            <a:pPr lvl="2"/>
+            <a:r>
+              <a:rPr lang="de-DE" dirty="0"/>
+              <a:t>…oder Hostname durch IP-Adresse ersetzen</a:t>
+            </a:r>
+          </a:p>
+          <a:p>
+            <a:pPr lvl="1"/>
+            <a:r>
+              <a:rPr lang="de-DE" dirty="0"/>
+              <a:t>Login nicht vergessen! </a:t>
+            </a:r>
+          </a:p>
+        </p:txBody>
+      </p:sp>
+      <p:pic>
+        <p:nvPicPr>
+          <p:cNvPr id="4" name="Grafik 3">
+            <a:extLst>
+              <a:ext uri="{FF2B5EF4-FFF2-40B4-BE49-F238E27FC236}">
+                <a16:creationId xmlns:a16="http://schemas.microsoft.com/office/drawing/2014/main" id="{5B9C0F2B-B426-728C-53B7-85DA3C1FE2EF}"/>
+              </a:ext>
+            </a:extLst>
+          </p:cNvPr>
+          <p:cNvPicPr>
+            <a:picLocks noChangeAspect="1"/>
+          </p:cNvPicPr>
+          <p:nvPr/>
+        </p:nvPicPr>
+        <p:blipFill>
+          <a:blip r:embed="rId2"/>
+          <a:stretch>
+            <a:fillRect/>
+          </a:stretch>
+        </p:blipFill>
+        <p:spPr>
+          <a:xfrm>
+            <a:off x="8065786" y="2526014"/>
+            <a:ext cx="3150082" cy="3212460"/>
+          </a:xfrm>
+          <a:prstGeom prst="rect">
+            <a:avLst/>
+          </a:prstGeom>
+        </p:spPr>
+      </p:pic>
+      <p:pic>
+        <p:nvPicPr>
+          <p:cNvPr id="5" name="Grafik 4">
+            <a:extLst>
+              <a:ext uri="{FF2B5EF4-FFF2-40B4-BE49-F238E27FC236}">
+                <a16:creationId xmlns:a16="http://schemas.microsoft.com/office/drawing/2014/main" id="{20389AFA-D60C-2860-5C5D-FA69F0B0F74E}"/>
+              </a:ext>
+            </a:extLst>
+          </p:cNvPr>
+          <p:cNvPicPr>
+            <a:picLocks noChangeAspect="1"/>
+          </p:cNvPicPr>
+          <p:nvPr/>
+        </p:nvPicPr>
+        <p:blipFill>
+          <a:blip r:embed="rId3"/>
+          <a:stretch>
+            <a:fillRect/>
+          </a:stretch>
+        </p:blipFill>
+        <p:spPr>
+          <a:xfrm>
+            <a:off x="2030715" y="5142213"/>
+            <a:ext cx="4894974" cy="934495"/>
+          </a:xfrm>
+          <a:prstGeom prst="rect">
+            <a:avLst/>
+          </a:prstGeom>
+        </p:spPr>
+      </p:pic>
+      <p:sp>
+        <p:nvSpPr>
+          <p:cNvPr id="6" name="Oval 5">
+            <a:extLst>
+              <a:ext uri="{FF2B5EF4-FFF2-40B4-BE49-F238E27FC236}">
+                <a16:creationId xmlns:a16="http://schemas.microsoft.com/office/drawing/2014/main" id="{A1ABB837-C2AA-7232-2F24-CB861E61C386}"/>
+              </a:ext>
+            </a:extLst>
+          </p:cNvPr>
+          <p:cNvSpPr/>
+          <p:nvPr/>
+        </p:nvSpPr>
+        <p:spPr>
+          <a:xfrm>
+            <a:off x="3818445" y="5425643"/>
+            <a:ext cx="915601" cy="367633"/>
+          </a:xfrm>
+          <a:prstGeom prst="ellipse">
+            <a:avLst/>
+          </a:prstGeom>
+          <a:noFill/>
+          <a:ln w="38100">
+            <a:solidFill>
+              <a:srgbClr val="FF0000"/>
+            </a:solidFill>
+          </a:ln>
+        </p:spPr>
+        <p:style>
+          <a:lnRef idx="2">
+            <a:schemeClr val="accent1">
+              <a:shade val="50000"/>
+            </a:schemeClr>
+          </a:lnRef>
+          <a:fillRef idx="1">
+            <a:schemeClr val="accent1"/>
+          </a:fillRef>
+          <a:effectRef idx="0">
+            <a:schemeClr val="accent1"/>
+          </a:effectRef>
+          <a:fontRef idx="minor">
+            <a:schemeClr val="lt1"/>
+          </a:fontRef>
+        </p:style>
+        <p:txBody>
+          <a:bodyPr rtlCol="0" anchor="ctr"/>
+          <a:lstStyle/>
+          <a:p>
+            <a:pPr algn="ctr"/>
+            <a:endParaRPr lang="de-DE"/>
+          </a:p>
+        </p:txBody>
+      </p:sp>
+    </p:spTree>
+    <p:extLst>
+      <p:ext uri="{BB962C8B-B14F-4D97-AF65-F5344CB8AC3E}">
+        <p14:creationId xmlns:p14="http://schemas.microsoft.com/office/powerpoint/2010/main" val="2026796863"/>
+      </p:ext>
+    </p:extLst>
+  </p:cSld>
+  <p:clrMapOvr>
+    <a:masterClrMapping/>
+  </p:clrMapOvr>
+</p:sld>
+</file>
+
+<file path=ppt/slides/slide16.xml><?xml version="1.0" encoding="utf-8"?>
+<p:sld xmlns:a="http://schemas.openxmlformats.org/drawingml/2006/main" xmlns:r="http://schemas.openxmlformats.org/officeDocument/2006/relationships" xmlns:p="http://schemas.openxmlformats.org/presentationml/2006/main">
+  <p:cSld>
+    <p:spTree>
+      <p:nvGrpSpPr>
+        <p:cNvPr id="1" name=""/>
+        <p:cNvGrpSpPr/>
+        <p:nvPr/>
+      </p:nvGrpSpPr>
+      <p:grpSpPr>
+        <a:xfrm>
+          <a:off x="0" y="0"/>
+          <a:ext cx="0" cy="0"/>
+          <a:chOff x="0" y="0"/>
+          <a:chExt cx="0" cy="0"/>
+        </a:xfrm>
+      </p:grpSpPr>
+      <p:sp>
+        <p:nvSpPr>
+          <p:cNvPr id="2" name="Titel 1">
+            <a:extLst>
+              <a:ext uri="{FF2B5EF4-FFF2-40B4-BE49-F238E27FC236}">
+                <a16:creationId xmlns:a16="http://schemas.microsoft.com/office/drawing/2014/main" id="{97B81511-FD40-5DFB-A11C-439D47FC7E4E}"/>
+              </a:ext>
+            </a:extLst>
+          </p:cNvPr>
+          <p:cNvSpPr>
+            <a:spLocks noGrp="1"/>
+          </p:cNvSpPr>
+          <p:nvPr>
+            <p:ph type="title"/>
+          </p:nvPr>
+        </p:nvSpPr>
+        <p:spPr/>
+        <p:txBody>
+          <a:bodyPr/>
+          <a:lstStyle/>
+          <a:p>
+            <a:r>
+              <a:rPr lang="de-DE" dirty="0"/>
+              <a:t>Hinweis: Stoppen der VMs</a:t>
+            </a:r>
+          </a:p>
+        </p:txBody>
+      </p:sp>
+      <p:sp>
+        <p:nvSpPr>
+          <p:cNvPr id="3" name="Inhaltsplatzhalter 2">
+            <a:extLst>
+              <a:ext uri="{FF2B5EF4-FFF2-40B4-BE49-F238E27FC236}">
+                <a16:creationId xmlns:a16="http://schemas.microsoft.com/office/drawing/2014/main" id="{D60DEAA2-318F-E89B-9305-4E4F17176745}"/>
+              </a:ext>
+            </a:extLst>
+          </p:cNvPr>
+          <p:cNvSpPr>
+            <a:spLocks noGrp="1"/>
+          </p:cNvSpPr>
+          <p:nvPr>
+            <p:ph idx="1"/>
+          </p:nvPr>
+        </p:nvSpPr>
+        <p:spPr/>
+        <p:txBody>
+          <a:bodyPr>
+            <a:normAutofit/>
+          </a:bodyPr>
+          <a:lstStyle/>
+          <a:p>
+            <a:r>
+              <a:rPr lang="de-DE" dirty="0"/>
+              <a:t>Entweder: in der VM</a:t>
+            </a:r>
+            <a:endParaRPr lang="de-DE" dirty="0">
+              <a:cs typeface="Courier New" panose="02070309020205020404" pitchFamily="49" charset="0"/>
+            </a:endParaRPr>
+          </a:p>
+          <a:p>
+            <a:pPr marL="0" indent="0">
+              <a:buNone/>
+            </a:pPr>
+            <a:r>
+              <a:rPr lang="de-DE" sz="2400" dirty="0">
+                <a:latin typeface="Courier New" panose="02070309020205020404" pitchFamily="49" charset="0"/>
+                <a:cs typeface="Courier New" panose="02070309020205020404" pitchFamily="49" charset="0"/>
+              </a:rPr>
+              <a:t>	</a:t>
+            </a:r>
+            <a:r>
+              <a:rPr lang="de-DE" sz="2400" dirty="0" err="1">
+                <a:latin typeface="Courier New" panose="02070309020205020404" pitchFamily="49" charset="0"/>
+                <a:cs typeface="Courier New" panose="02070309020205020404" pitchFamily="49" charset="0"/>
+              </a:rPr>
+              <a:t>sudo</a:t>
+            </a:r>
+            <a:r>
+              <a:rPr lang="de-DE" sz="2400" dirty="0">
+                <a:latin typeface="Courier New" panose="02070309020205020404" pitchFamily="49" charset="0"/>
+                <a:cs typeface="Courier New" panose="02070309020205020404" pitchFamily="49" charset="0"/>
+              </a:rPr>
+              <a:t> </a:t>
+            </a:r>
+            <a:r>
+              <a:rPr lang="de-DE" sz="2400" dirty="0" err="1">
+                <a:latin typeface="Courier New" panose="02070309020205020404" pitchFamily="49" charset="0"/>
+                <a:cs typeface="Courier New" panose="02070309020205020404" pitchFamily="49" charset="0"/>
+              </a:rPr>
+              <a:t>shutdown</a:t>
+            </a:r>
+            <a:r>
+              <a:rPr lang="de-DE" sz="2400" dirty="0">
+                <a:latin typeface="Courier New" panose="02070309020205020404" pitchFamily="49" charset="0"/>
+                <a:cs typeface="Courier New" panose="02070309020205020404" pitchFamily="49" charset="0"/>
+              </a:rPr>
+              <a:t> –h </a:t>
+            </a:r>
+            <a:r>
+              <a:rPr lang="de-DE" sz="2400" dirty="0" err="1">
+                <a:latin typeface="Courier New" panose="02070309020205020404" pitchFamily="49" charset="0"/>
+                <a:cs typeface="Courier New" panose="02070309020205020404" pitchFamily="49" charset="0"/>
+              </a:rPr>
+              <a:t>now</a:t>
+            </a:r>
+            <a:endParaRPr lang="de-DE" sz="2400" dirty="0">
+              <a:latin typeface="Courier New" panose="02070309020205020404" pitchFamily="49" charset="0"/>
+              <a:cs typeface="Courier New" panose="02070309020205020404" pitchFamily="49" charset="0"/>
+            </a:endParaRPr>
+          </a:p>
+          <a:p>
+            <a:pPr marL="0" indent="0">
+              <a:buNone/>
+            </a:pPr>
+            <a:endParaRPr lang="de-DE" dirty="0">
+              <a:cs typeface="Courier New" panose="02070309020205020404" pitchFamily="49" charset="0"/>
+            </a:endParaRPr>
+          </a:p>
+          <a:p>
+            <a:r>
+              <a:rPr lang="de-DE" dirty="0">
+                <a:cs typeface="Courier New" panose="02070309020205020404" pitchFamily="49" charset="0"/>
+              </a:rPr>
+              <a:t>Oder: im Terminal des Host-Rechners</a:t>
+            </a:r>
+          </a:p>
+          <a:p>
+            <a:pPr marL="0" indent="0">
+              <a:buNone/>
+            </a:pPr>
+            <a:r>
+              <a:rPr lang="de-DE" sz="2400" dirty="0">
+                <a:latin typeface="Courier New" panose="02070309020205020404" pitchFamily="49" charset="0"/>
+                <a:cs typeface="Courier New" panose="02070309020205020404" pitchFamily="49" charset="0"/>
+              </a:rPr>
+              <a:t>	multipass </a:t>
+            </a:r>
+            <a:r>
+              <a:rPr lang="de-DE" sz="2400" dirty="0" err="1">
+                <a:latin typeface="Courier New" panose="02070309020205020404" pitchFamily="49" charset="0"/>
+                <a:cs typeface="Courier New" panose="02070309020205020404" pitchFamily="49" charset="0"/>
+              </a:rPr>
+              <a:t>stop</a:t>
+            </a:r>
+            <a:r>
+              <a:rPr lang="de-DE" sz="2400" dirty="0">
+                <a:latin typeface="Courier New" panose="02070309020205020404" pitchFamily="49" charset="0"/>
+                <a:cs typeface="Courier New" panose="02070309020205020404" pitchFamily="49" charset="0"/>
+              </a:rPr>
+              <a:t> </a:t>
+            </a:r>
+            <a:r>
+              <a:rPr lang="de-DE" sz="2400" dirty="0" err="1">
+                <a:latin typeface="Courier New" panose="02070309020205020404" pitchFamily="49" charset="0"/>
+                <a:cs typeface="Courier New" panose="02070309020205020404" pitchFamily="49" charset="0"/>
+              </a:rPr>
+              <a:t>master</a:t>
+            </a:r>
+            <a:r>
+              <a:rPr lang="de-DE" sz="2400" dirty="0">
+                <a:latin typeface="Courier New" panose="02070309020205020404" pitchFamily="49" charset="0"/>
+                <a:cs typeface="Courier New" panose="02070309020205020404" pitchFamily="49" charset="0"/>
+              </a:rPr>
+              <a:t> worker1 worker2</a:t>
+            </a:r>
+          </a:p>
+          <a:p>
+            <a:pPr marL="0" indent="0">
+              <a:buNone/>
+            </a:pPr>
+            <a:endParaRPr lang="de-DE" dirty="0">
+              <a:latin typeface="Courier New" panose="02070309020205020404" pitchFamily="49" charset="0"/>
+              <a:cs typeface="Courier New" panose="02070309020205020404" pitchFamily="49" charset="0"/>
+            </a:endParaRPr>
+          </a:p>
+          <a:p>
+            <a:r>
+              <a:rPr lang="de-DE" dirty="0">
+                <a:cs typeface="Courier New" panose="02070309020205020404" pitchFamily="49" charset="0"/>
+              </a:rPr>
+              <a:t>Hinweis: Abfrage des Status der VMs</a:t>
+            </a:r>
+          </a:p>
+          <a:p>
+            <a:pPr marL="0" indent="0">
+              <a:buNone/>
+            </a:pPr>
+            <a:r>
+              <a:rPr lang="de-DE" sz="2400" dirty="0">
+                <a:cs typeface="Courier New" panose="02070309020205020404" pitchFamily="49" charset="0"/>
+              </a:rPr>
+              <a:t>	</a:t>
+            </a:r>
+            <a:r>
+              <a:rPr lang="de-DE" sz="2400" dirty="0">
+                <a:latin typeface="Courier New" panose="02070309020205020404" pitchFamily="49" charset="0"/>
+                <a:cs typeface="Courier New" panose="02070309020205020404" pitchFamily="49" charset="0"/>
+              </a:rPr>
+              <a:t>multipass </a:t>
+            </a:r>
+            <a:r>
+              <a:rPr lang="de-DE" sz="2400" dirty="0" err="1">
+                <a:latin typeface="Courier New" panose="02070309020205020404" pitchFamily="49" charset="0"/>
+                <a:cs typeface="Courier New" panose="02070309020205020404" pitchFamily="49" charset="0"/>
+              </a:rPr>
+              <a:t>list</a:t>
+            </a:r>
+            <a:endParaRPr lang="de-DE" sz="2400" dirty="0">
+              <a:latin typeface="Courier New" panose="02070309020205020404" pitchFamily="49" charset="0"/>
+              <a:cs typeface="Courier New" panose="02070309020205020404" pitchFamily="49" charset="0"/>
+            </a:endParaRPr>
+          </a:p>
+        </p:txBody>
+      </p:sp>
+    </p:spTree>
+    <p:extLst>
+      <p:ext uri="{BB962C8B-B14F-4D97-AF65-F5344CB8AC3E}">
+        <p14:creationId xmlns:p14="http://schemas.microsoft.com/office/powerpoint/2010/main" val="1546802034"/>
       </p:ext>
     </p:extLst>
   </p:cSld>
@@ -3908,15 +6341,56 @@
           <p:cNvPr id="2" name="Titel 1">
             <a:extLst>
               <a:ext uri="{FF2B5EF4-FFF2-40B4-BE49-F238E27FC236}">
-                <a16:creationId xmlns:a16="http://schemas.microsoft.com/office/drawing/2014/main" id="{6771848D-1E70-E48B-5C6D-951BC6041598}"/>
-              </a:ext>
-            </a:extLst>
-          </p:cNvPr>
-          <p:cNvSpPr>
-            <a:spLocks noGrp="1"/>
-          </p:cNvSpPr>
-          <p:nvPr>
-            <p:ph type="title"/>
+                <a16:creationId xmlns:a16="http://schemas.microsoft.com/office/drawing/2014/main" id="{61AC2841-EC8A-1BA6-D70A-7B843AF87BEF}"/>
+              </a:ext>
+            </a:extLst>
+          </p:cNvPr>
+          <p:cNvSpPr>
+            <a:spLocks noGrp="1"/>
+          </p:cNvSpPr>
+          <p:nvPr>
+            <p:ph type="ctrTitle"/>
+          </p:nvPr>
+        </p:nvSpPr>
+        <p:spPr/>
+        <p:txBody>
+          <a:bodyPr>
+            <a:normAutofit fontScale="90000"/>
+          </a:bodyPr>
+          <a:lstStyle/>
+          <a:p>
+            <a:r>
+              <a:rPr lang="de-DE" dirty="0"/>
+              <a:t>Teil 2</a:t>
+            </a:r>
+            <a:br>
+              <a:rPr lang="de-DE" dirty="0"/>
+            </a:br>
+            <a:r>
+              <a:rPr lang="de-DE" dirty="0"/>
+              <a:t>Bau und Start der Anwendung</a:t>
+            </a:r>
+            <a:br>
+              <a:rPr lang="de-DE" dirty="0"/>
+            </a:br>
+            <a:endParaRPr lang="de-DE" dirty="0"/>
+          </a:p>
+        </p:txBody>
+      </p:sp>
+      <p:sp>
+        <p:nvSpPr>
+          <p:cNvPr id="3" name="Untertitel 2">
+            <a:extLst>
+              <a:ext uri="{FF2B5EF4-FFF2-40B4-BE49-F238E27FC236}">
+                <a16:creationId xmlns:a16="http://schemas.microsoft.com/office/drawing/2014/main" id="{FB2020CD-EBC6-748F-1AD6-DBF8E8960A6B}"/>
+              </a:ext>
+            </a:extLst>
+          </p:cNvPr>
+          <p:cNvSpPr>
+            <a:spLocks noGrp="1"/>
+          </p:cNvSpPr>
+          <p:nvPr>
+            <p:ph type="subTitle" idx="1"/>
           </p:nvPr>
         </p:nvSpPr>
         <p:spPr/>
@@ -3926,123 +6400,27 @@
           <a:p>
             <a:r>
               <a:rPr lang="de-DE" dirty="0"/>
-              <a:t>Bauen der Anwendung</a:t>
-            </a:r>
-          </a:p>
-        </p:txBody>
-      </p:sp>
-      <p:sp>
-        <p:nvSpPr>
-          <p:cNvPr id="3" name="Inhaltsplatzhalter 2">
-            <a:extLst>
-              <a:ext uri="{FF2B5EF4-FFF2-40B4-BE49-F238E27FC236}">
-                <a16:creationId xmlns:a16="http://schemas.microsoft.com/office/drawing/2014/main" id="{C6B47590-B943-D19C-BC30-9C11A54E6BFE}"/>
-              </a:ext>
-            </a:extLst>
-          </p:cNvPr>
-          <p:cNvSpPr>
-            <a:spLocks noGrp="1"/>
-          </p:cNvSpPr>
-          <p:nvPr>
-            <p:ph idx="1"/>
-          </p:nvPr>
-        </p:nvSpPr>
-        <p:spPr/>
-        <p:txBody>
-          <a:bodyPr/>
-          <a:lstStyle/>
+              <a:t>Dr. Georg Pietrek</a:t>
+            </a:r>
+          </a:p>
           <a:p>
             <a:r>
               <a:rPr lang="de-DE" dirty="0"/>
-              <a:t>Wir benötigen für das </a:t>
+              <a:t>Timo Kästner, Can </a:t>
             </a:r>
             <a:r>
               <a:rPr lang="de-DE" dirty="0" err="1"/>
-              <a:t>Deployment</a:t>
+              <a:t>Büyükburc</a:t>
             </a:r>
             <a:r>
               <a:rPr lang="de-DE" dirty="0"/>
-              <a:t> die Container der Anwendung:</a:t>
-            </a:r>
-          </a:p>
-          <a:p>
-            <a:pPr marL="914400" lvl="1" indent="-457200">
-              <a:buFont typeface="+mj-lt"/>
-              <a:buAutoNum type="arabicPeriod"/>
-            </a:pPr>
-            <a:r>
-              <a:rPr lang="de-DE" dirty="0" err="1"/>
-              <a:t>Git</a:t>
-            </a:r>
+              <a:t>, Yannick Poggel</a:t>
+            </a:r>
+          </a:p>
+          <a:p>
             <a:r>
               <a:rPr lang="de-DE" dirty="0"/>
-              <a:t> </a:t>
-            </a:r>
-            <a:r>
-              <a:rPr lang="de-DE" dirty="0" err="1"/>
-              <a:t>repository</a:t>
-            </a:r>
-            <a:r>
-              <a:rPr lang="de-DE" dirty="0"/>
-              <a:t> klonen</a:t>
-            </a:r>
-          </a:p>
-          <a:p>
-            <a:pPr marL="914400" lvl="1" indent="-457200">
-              <a:buFont typeface="+mj-lt"/>
-              <a:buAutoNum type="arabicPeriod"/>
-            </a:pPr>
-            <a:r>
-              <a:rPr lang="de-DE" dirty="0" err="1"/>
-              <a:t>Build</a:t>
-            </a:r>
-            <a:r>
-              <a:rPr lang="de-DE" dirty="0"/>
-              <a:t>-Werkzeuge installieren</a:t>
-            </a:r>
-          </a:p>
-          <a:p>
-            <a:pPr marL="914400" lvl="1" indent="-457200">
-              <a:buFont typeface="+mj-lt"/>
-              <a:buAutoNum type="arabicPeriod"/>
-            </a:pPr>
-            <a:r>
-              <a:rPr lang="de-DE" dirty="0"/>
-              <a:t>Anwendung bauen</a:t>
-            </a:r>
-          </a:p>
-          <a:p>
-            <a:pPr marL="914400" lvl="1" indent="-457200">
-              <a:buFont typeface="+mj-lt"/>
-              <a:buAutoNum type="arabicPeriod"/>
-            </a:pPr>
-            <a:r>
-              <a:rPr lang="de-DE" dirty="0"/>
-              <a:t>Container </a:t>
-            </a:r>
-            <a:r>
-              <a:rPr lang="de-DE" dirty="0" err="1"/>
-              <a:t>image</a:t>
-            </a:r>
-            <a:r>
-              <a:rPr lang="de-DE" dirty="0"/>
-              <a:t> in </a:t>
-            </a:r>
-            <a:r>
-              <a:rPr lang="de-DE" dirty="0" err="1"/>
-              <a:t>Kubernetes</a:t>
-            </a:r>
-            <a:r>
-              <a:rPr lang="de-DE" dirty="0"/>
-              <a:t> </a:t>
-            </a:r>
-            <a:r>
-              <a:rPr lang="de-DE" dirty="0" err="1"/>
-              <a:t>repository</a:t>
-            </a:r>
-            <a:r>
-              <a:rPr lang="de-DE" dirty="0"/>
-              <a:t> übertragen</a:t>
+              <a:t>16.3.2023</a:t>
             </a:r>
           </a:p>
         </p:txBody>
@@ -4050,7 +6428,7 @@
     </p:spTree>
     <p:extLst>
       <p:ext uri="{BB962C8B-B14F-4D97-AF65-F5344CB8AC3E}">
-        <p14:creationId xmlns:p14="http://schemas.microsoft.com/office/powerpoint/2010/main" val="2632417734"/>
+        <p14:creationId xmlns:p14="http://schemas.microsoft.com/office/powerpoint/2010/main" val="4196665525"/>
       </p:ext>
     </p:extLst>
   </p:cSld>
@@ -4100,7 +6478,7 @@
           <a:p>
             <a:r>
               <a:rPr lang="de-DE" dirty="0"/>
-              <a:t>Bauen der Anwendung</a:t>
+              <a:t>Bau und Start der Anwendung</a:t>
             </a:r>
           </a:p>
         </p:txBody>
@@ -4123,25 +6501,86 @@
         </p:nvSpPr>
         <p:spPr/>
         <p:txBody>
-          <a:bodyPr>
-            <a:normAutofit/>
-          </a:bodyPr>
+          <a:bodyPr/>
           <a:lstStyle/>
           <a:p>
             <a:r>
               <a:rPr lang="de-DE" dirty="0"/>
-              <a:t>SSH-Zugang vorbereiten:</a:t>
-            </a:r>
-          </a:p>
-          <a:p>
-            <a:pPr lvl="1"/>
+              <a:t>Wir benötigen für das </a:t>
+            </a:r>
+            <a:r>
+              <a:rPr lang="de-DE" dirty="0" err="1"/>
+              <a:t>Deployment</a:t>
+            </a:r>
             <a:r>
               <a:rPr lang="de-DE" dirty="0"/>
-              <a:t>Den eigenen </a:t>
+              <a:t> die Container der Anwendung:</a:t>
+            </a:r>
+          </a:p>
+          <a:p>
+            <a:pPr marL="914400" lvl="1" indent="-457200">
+              <a:buFont typeface="+mj-lt"/>
+              <a:buAutoNum type="arabicPeriod"/>
+            </a:pPr>
+            <a:r>
+              <a:rPr lang="de-DE" dirty="0"/>
+              <a:t>SSH-Zugang vorbereiten</a:t>
+            </a:r>
+          </a:p>
+          <a:p>
+            <a:pPr marL="914400" lvl="1" indent="-457200">
+              <a:buFont typeface="+mj-lt"/>
+              <a:buAutoNum type="arabicPeriod"/>
+            </a:pPr>
+            <a:r>
+              <a:rPr lang="de-DE" dirty="0"/>
+              <a:t>Datenbank und </a:t>
             </a:r>
             <a:r>
               <a:rPr lang="de-DE" dirty="0" err="1"/>
-              <a:t>public</a:t>
+              <a:t>Keycloak</a:t>
+            </a:r>
+            <a:r>
+              <a:rPr lang="de-DE" dirty="0"/>
+              <a:t> starten</a:t>
+            </a:r>
+          </a:p>
+          <a:p>
+            <a:pPr marL="914400" lvl="1" indent="-457200">
+              <a:buFont typeface="+mj-lt"/>
+              <a:buAutoNum type="arabicPeriod"/>
+            </a:pPr>
+            <a:r>
+              <a:rPr lang="de-DE" dirty="0" err="1"/>
+              <a:t>Build</a:t>
+            </a:r>
+            <a:r>
+              <a:rPr lang="de-DE" dirty="0"/>
+              <a:t>-Werkzeuge installieren</a:t>
+            </a:r>
+          </a:p>
+          <a:p>
+            <a:pPr marL="914400" lvl="1" indent="-457200">
+              <a:buFont typeface="+mj-lt"/>
+              <a:buAutoNum type="arabicPeriod"/>
+            </a:pPr>
+            <a:r>
+              <a:rPr lang="de-DE" dirty="0"/>
+              <a:t>Anwendung bauen</a:t>
+            </a:r>
+          </a:p>
+          <a:p>
+            <a:pPr marL="914400" lvl="1" indent="-457200">
+              <a:buFont typeface="+mj-lt"/>
+              <a:buAutoNum type="arabicPeriod"/>
+            </a:pPr>
+            <a:r>
+              <a:rPr lang="de-DE" dirty="0"/>
+              <a:t>Images in </a:t>
+            </a:r>
+            <a:r>
+              <a:rPr lang="de-DE" dirty="0" err="1"/>
+              <a:t>Kubernetes</a:t>
             </a:r>
             <a:r>
               <a:rPr lang="de-DE" dirty="0"/>
@@ -4149,155 +6588,47 @@
             </a:r>
             <a:r>
               <a:rPr lang="de-DE" dirty="0" err="1"/>
-              <a:t>key</a:t>
+              <a:t>repository</a:t>
             </a:r>
             <a:r>
               <a:rPr lang="de-DE" dirty="0"/>
-              <a:t> an die Datei </a:t>
-            </a:r>
-            <a:r>
-              <a:rPr lang="de-DE" dirty="0">
-                <a:latin typeface="Courier New" panose="02070309020205020404" pitchFamily="49" charset="0"/>
-                <a:cs typeface="Courier New" panose="02070309020205020404" pitchFamily="49" charset="0"/>
-              </a:rPr>
-              <a:t>~/.</a:t>
-            </a:r>
-            <a:r>
-              <a:rPr lang="de-DE" dirty="0" err="1">
-                <a:latin typeface="Courier New" panose="02070309020205020404" pitchFamily="49" charset="0"/>
-                <a:cs typeface="Courier New" panose="02070309020205020404" pitchFamily="49" charset="0"/>
-              </a:rPr>
-              <a:t>ssh</a:t>
-            </a:r>
-            <a:r>
-              <a:rPr lang="de-DE" dirty="0">
-                <a:latin typeface="Courier New" panose="02070309020205020404" pitchFamily="49" charset="0"/>
-                <a:cs typeface="Courier New" panose="02070309020205020404" pitchFamily="49" charset="0"/>
-              </a:rPr>
-              <a:t>/</a:t>
-            </a:r>
-            <a:r>
-              <a:rPr lang="de-DE" dirty="0" err="1">
-                <a:latin typeface="Courier New" panose="02070309020205020404" pitchFamily="49" charset="0"/>
-                <a:cs typeface="Courier New" panose="02070309020205020404" pitchFamily="49" charset="0"/>
-              </a:rPr>
-              <a:t>authorized_keys</a:t>
-            </a:r>
-            <a:r>
-              <a:rPr lang="de-DE" dirty="0">
-                <a:latin typeface="Courier New" panose="02070309020205020404" pitchFamily="49" charset="0"/>
-                <a:cs typeface="Courier New" panose="02070309020205020404" pitchFamily="49" charset="0"/>
-              </a:rPr>
-              <a:t> </a:t>
-            </a:r>
+              <a:t> importieren</a:t>
+            </a:r>
+          </a:p>
+          <a:p>
+            <a:pPr marL="914400" lvl="1" indent="-457200">
+              <a:buFont typeface="+mj-lt"/>
+              <a:buAutoNum type="arabicPeriod"/>
+            </a:pPr>
             <a:r>
               <a:rPr lang="de-DE" dirty="0"/>
-              <a:t>anhängen!</a:t>
-            </a:r>
-          </a:p>
-          <a:p>
-            <a:pPr marL="0" indent="0">
-              <a:buNone/>
+              <a:t>Anwendung in </a:t>
+            </a:r>
+            <a:r>
+              <a:rPr lang="de-DE" dirty="0" err="1"/>
+              <a:t>Kubernetes</a:t>
+            </a:r>
+            <a:r>
+              <a:rPr lang="de-DE" dirty="0"/>
+              <a:t> deployen</a:t>
+            </a:r>
+          </a:p>
+          <a:p>
+            <a:pPr marL="914400" lvl="1" indent="-457200">
+              <a:buFont typeface="+mj-lt"/>
+              <a:buAutoNum type="arabicPeriod"/>
             </a:pPr>
             <a:r>
-              <a:rPr lang="de-DE" sz="2400" dirty="0">
-                <a:latin typeface="Courier New" panose="02070309020205020404" pitchFamily="49" charset="0"/>
-                <a:cs typeface="Courier New" panose="02070309020205020404" pitchFamily="49" charset="0"/>
-              </a:rPr>
-              <a:t>	multipass </a:t>
-            </a:r>
-            <a:r>
-              <a:rPr lang="de-DE" sz="2400" dirty="0" err="1">
-                <a:latin typeface="Courier New" panose="02070309020205020404" pitchFamily="49" charset="0"/>
-                <a:cs typeface="Courier New" panose="02070309020205020404" pitchFamily="49" charset="0"/>
-              </a:rPr>
-              <a:t>shell</a:t>
-            </a:r>
-            <a:r>
-              <a:rPr lang="de-DE" sz="2400" dirty="0">
-                <a:latin typeface="Courier New" panose="02070309020205020404" pitchFamily="49" charset="0"/>
-                <a:cs typeface="Courier New" panose="02070309020205020404" pitchFamily="49" charset="0"/>
-              </a:rPr>
-              <a:t> </a:t>
-            </a:r>
-            <a:r>
-              <a:rPr lang="de-DE" sz="2400" dirty="0" err="1">
-                <a:latin typeface="Courier New" panose="02070309020205020404" pitchFamily="49" charset="0"/>
-                <a:cs typeface="Courier New" panose="02070309020205020404" pitchFamily="49" charset="0"/>
-              </a:rPr>
-              <a:t>master</a:t>
-            </a:r>
-            <a:endParaRPr lang="de-DE" sz="2400" dirty="0">
-              <a:latin typeface="Courier New" panose="02070309020205020404" pitchFamily="49" charset="0"/>
-              <a:cs typeface="Courier New" panose="02070309020205020404" pitchFamily="49" charset="0"/>
-            </a:endParaRPr>
-          </a:p>
-          <a:p>
-            <a:pPr marL="0" indent="0">
-              <a:buNone/>
-            </a:pPr>
-            <a:r>
-              <a:rPr lang="de-DE" sz="2400" dirty="0">
-                <a:latin typeface="Courier New" panose="02070309020205020404" pitchFamily="49" charset="0"/>
-                <a:cs typeface="Courier New" panose="02070309020205020404" pitchFamily="49" charset="0"/>
-              </a:rPr>
-              <a:t>	vi .</a:t>
-            </a:r>
-            <a:r>
-              <a:rPr lang="de-DE" sz="2400" dirty="0" err="1">
-                <a:latin typeface="Courier New" panose="02070309020205020404" pitchFamily="49" charset="0"/>
-                <a:cs typeface="Courier New" panose="02070309020205020404" pitchFamily="49" charset="0"/>
-              </a:rPr>
-              <a:t>ssh</a:t>
-            </a:r>
-            <a:r>
-              <a:rPr lang="de-DE" sz="2400" dirty="0">
-                <a:latin typeface="Courier New" panose="02070309020205020404" pitchFamily="49" charset="0"/>
-                <a:cs typeface="Courier New" panose="02070309020205020404" pitchFamily="49" charset="0"/>
-              </a:rPr>
-              <a:t>/</a:t>
-            </a:r>
-            <a:r>
-              <a:rPr lang="de-DE" sz="2400" dirty="0" err="1">
-                <a:latin typeface="Courier New" panose="02070309020205020404" pitchFamily="49" charset="0"/>
-                <a:cs typeface="Courier New" panose="02070309020205020404" pitchFamily="49" charset="0"/>
-              </a:rPr>
-              <a:t>authorized_keys</a:t>
-            </a:r>
-            <a:endParaRPr lang="de-DE" sz="2400" dirty="0">
-              <a:latin typeface="Courier New" panose="02070309020205020404" pitchFamily="49" charset="0"/>
-              <a:cs typeface="Courier New" panose="02070309020205020404" pitchFamily="49" charset="0"/>
-            </a:endParaRPr>
-          </a:p>
-          <a:p>
-            <a:pPr marL="0" indent="0">
-              <a:buNone/>
-            </a:pPr>
-            <a:r>
-              <a:rPr lang="de-DE" sz="2400" dirty="0">
-                <a:latin typeface="Courier New" panose="02070309020205020404" pitchFamily="49" charset="0"/>
-                <a:cs typeface="Courier New" panose="02070309020205020404" pitchFamily="49" charset="0"/>
-              </a:rPr>
-              <a:t>	</a:t>
-            </a:r>
-            <a:r>
-              <a:rPr lang="de-DE" sz="2400" dirty="0" err="1">
-                <a:latin typeface="Courier New" panose="02070309020205020404" pitchFamily="49" charset="0"/>
-                <a:cs typeface="Courier New" panose="02070309020205020404" pitchFamily="49" charset="0"/>
-              </a:rPr>
-              <a:t>exit</a:t>
-            </a:r>
-            <a:endParaRPr lang="de-DE" sz="2400" dirty="0">
-              <a:latin typeface="Courier New" panose="02070309020205020404" pitchFamily="49" charset="0"/>
-              <a:cs typeface="Courier New" panose="02070309020205020404" pitchFamily="49" charset="0"/>
-            </a:endParaRPr>
+              <a:rPr lang="de-DE" dirty="0"/>
+              <a:t>Mit Postman ausprobieren</a:t>
+            </a:r>
           </a:p>
         </p:txBody>
       </p:sp>
     </p:spTree>
     <p:extLst>
       <p:ext uri="{BB962C8B-B14F-4D97-AF65-F5344CB8AC3E}">
-        <p14:creationId xmlns:p14="http://schemas.microsoft.com/office/powerpoint/2010/main" val="3437145529"/>
+        <p14:creationId xmlns:p14="http://schemas.microsoft.com/office/powerpoint/2010/main" val="2632417734"/>
       </p:ext>
     </p:extLst>
   </p:cSld>
@@ -4347,7 +6678,7 @@
           <a:p>
             <a:r>
               <a:rPr lang="de-DE" dirty="0"/>
-              <a:t>Bauen der Anwendung</a:t>
+              <a:t>1. SSH-Zugang vorbereiten</a:t>
             </a:r>
           </a:p>
         </p:txBody>
@@ -4376,6 +6707,309 @@
           <a:lstStyle/>
           <a:p>
             <a:r>
+              <a:rPr lang="de-DE" dirty="0"/>
+              <a:t>Den eigenen </a:t>
+            </a:r>
+            <a:r>
+              <a:rPr lang="de-DE" dirty="0" err="1"/>
+              <a:t>public</a:t>
+            </a:r>
+            <a:r>
+              <a:rPr lang="de-DE" dirty="0"/>
+              <a:t> </a:t>
+            </a:r>
+            <a:r>
+              <a:rPr lang="de-DE" dirty="0" err="1"/>
+              <a:t>key</a:t>
+            </a:r>
+            <a:r>
+              <a:rPr lang="de-DE" dirty="0"/>
+              <a:t> an die Datei </a:t>
+            </a:r>
+            <a:r>
+              <a:rPr lang="de-DE" dirty="0">
+                <a:latin typeface="Courier New" panose="02070309020205020404" pitchFamily="49" charset="0"/>
+                <a:cs typeface="Courier New" panose="02070309020205020404" pitchFamily="49" charset="0"/>
+              </a:rPr>
+              <a:t>~/.</a:t>
+            </a:r>
+            <a:r>
+              <a:rPr lang="de-DE" dirty="0" err="1">
+                <a:latin typeface="Courier New" panose="02070309020205020404" pitchFamily="49" charset="0"/>
+                <a:cs typeface="Courier New" panose="02070309020205020404" pitchFamily="49" charset="0"/>
+              </a:rPr>
+              <a:t>ssh</a:t>
+            </a:r>
+            <a:r>
+              <a:rPr lang="de-DE" dirty="0">
+                <a:latin typeface="Courier New" panose="02070309020205020404" pitchFamily="49" charset="0"/>
+                <a:cs typeface="Courier New" panose="02070309020205020404" pitchFamily="49" charset="0"/>
+              </a:rPr>
+              <a:t>/</a:t>
+            </a:r>
+            <a:r>
+              <a:rPr lang="de-DE" dirty="0" err="1">
+                <a:latin typeface="Courier New" panose="02070309020205020404" pitchFamily="49" charset="0"/>
+                <a:cs typeface="Courier New" panose="02070309020205020404" pitchFamily="49" charset="0"/>
+              </a:rPr>
+              <a:t>authorized_keys</a:t>
+            </a:r>
+            <a:r>
+              <a:rPr lang="de-DE" dirty="0">
+                <a:latin typeface="Courier New" panose="02070309020205020404" pitchFamily="49" charset="0"/>
+                <a:cs typeface="Courier New" panose="02070309020205020404" pitchFamily="49" charset="0"/>
+              </a:rPr>
+              <a:t> </a:t>
+            </a:r>
+            <a:r>
+              <a:rPr lang="de-DE" dirty="0"/>
+              <a:t>anhängen!</a:t>
+            </a:r>
+          </a:p>
+          <a:p>
+            <a:pPr marL="0" indent="0">
+              <a:buNone/>
+            </a:pPr>
+            <a:r>
+              <a:rPr lang="de-DE" sz="2400" dirty="0">
+                <a:latin typeface="Courier New" panose="02070309020205020404" pitchFamily="49" charset="0"/>
+                <a:cs typeface="Courier New" panose="02070309020205020404" pitchFamily="49" charset="0"/>
+              </a:rPr>
+              <a:t>	multipass </a:t>
+            </a:r>
+            <a:r>
+              <a:rPr lang="de-DE" sz="2400" dirty="0" err="1">
+                <a:latin typeface="Courier New" panose="02070309020205020404" pitchFamily="49" charset="0"/>
+                <a:cs typeface="Courier New" panose="02070309020205020404" pitchFamily="49" charset="0"/>
+              </a:rPr>
+              <a:t>shell</a:t>
+            </a:r>
+            <a:r>
+              <a:rPr lang="de-DE" sz="2400" dirty="0">
+                <a:latin typeface="Courier New" panose="02070309020205020404" pitchFamily="49" charset="0"/>
+                <a:cs typeface="Courier New" panose="02070309020205020404" pitchFamily="49" charset="0"/>
+              </a:rPr>
+              <a:t> </a:t>
+            </a:r>
+            <a:r>
+              <a:rPr lang="de-DE" sz="2400" dirty="0" err="1">
+                <a:latin typeface="Courier New" panose="02070309020205020404" pitchFamily="49" charset="0"/>
+                <a:cs typeface="Courier New" panose="02070309020205020404" pitchFamily="49" charset="0"/>
+              </a:rPr>
+              <a:t>master</a:t>
+            </a:r>
+            <a:endParaRPr lang="de-DE" sz="2400" dirty="0">
+              <a:latin typeface="Courier New" panose="02070309020205020404" pitchFamily="49" charset="0"/>
+              <a:cs typeface="Courier New" panose="02070309020205020404" pitchFamily="49" charset="0"/>
+            </a:endParaRPr>
+          </a:p>
+          <a:p>
+            <a:pPr marL="0" indent="0">
+              <a:buNone/>
+            </a:pPr>
+            <a:r>
+              <a:rPr lang="de-DE" sz="2400" dirty="0">
+                <a:latin typeface="Courier New" panose="02070309020205020404" pitchFamily="49" charset="0"/>
+                <a:cs typeface="Courier New" panose="02070309020205020404" pitchFamily="49" charset="0"/>
+              </a:rPr>
+              <a:t>	vi .</a:t>
+            </a:r>
+            <a:r>
+              <a:rPr lang="de-DE" sz="2400" dirty="0" err="1">
+                <a:latin typeface="Courier New" panose="02070309020205020404" pitchFamily="49" charset="0"/>
+                <a:cs typeface="Courier New" panose="02070309020205020404" pitchFamily="49" charset="0"/>
+              </a:rPr>
+              <a:t>ssh</a:t>
+            </a:r>
+            <a:r>
+              <a:rPr lang="de-DE" sz="2400" dirty="0">
+                <a:latin typeface="Courier New" panose="02070309020205020404" pitchFamily="49" charset="0"/>
+                <a:cs typeface="Courier New" panose="02070309020205020404" pitchFamily="49" charset="0"/>
+              </a:rPr>
+              <a:t>/</a:t>
+            </a:r>
+            <a:r>
+              <a:rPr lang="de-DE" sz="2400" dirty="0" err="1">
+                <a:latin typeface="Courier New" panose="02070309020205020404" pitchFamily="49" charset="0"/>
+                <a:cs typeface="Courier New" panose="02070309020205020404" pitchFamily="49" charset="0"/>
+              </a:rPr>
+              <a:t>authorized_keys</a:t>
+            </a:r>
+            <a:endParaRPr lang="de-DE" sz="2400" dirty="0">
+              <a:latin typeface="Courier New" panose="02070309020205020404" pitchFamily="49" charset="0"/>
+              <a:cs typeface="Courier New" panose="02070309020205020404" pitchFamily="49" charset="0"/>
+            </a:endParaRPr>
+          </a:p>
+          <a:p>
+            <a:pPr marL="0" indent="0">
+              <a:buNone/>
+            </a:pPr>
+            <a:r>
+              <a:rPr lang="de-DE" sz="2400" dirty="0">
+                <a:latin typeface="Courier New" panose="02070309020205020404" pitchFamily="49" charset="0"/>
+                <a:cs typeface="Courier New" panose="02070309020205020404" pitchFamily="49" charset="0"/>
+              </a:rPr>
+              <a:t>	</a:t>
+            </a:r>
+            <a:r>
+              <a:rPr lang="de-DE" sz="2400" dirty="0" err="1">
+                <a:latin typeface="Courier New" panose="02070309020205020404" pitchFamily="49" charset="0"/>
+                <a:cs typeface="Courier New" panose="02070309020205020404" pitchFamily="49" charset="0"/>
+              </a:rPr>
+              <a:t>exit</a:t>
+            </a:r>
+            <a:endParaRPr lang="de-DE" sz="2400" dirty="0">
+              <a:latin typeface="Courier New" panose="02070309020205020404" pitchFamily="49" charset="0"/>
+              <a:cs typeface="Courier New" panose="02070309020205020404" pitchFamily="49" charset="0"/>
+            </a:endParaRPr>
+          </a:p>
+          <a:p>
+            <a:pPr marL="0" indent="0">
+              <a:buNone/>
+            </a:pPr>
+            <a:endParaRPr lang="de-DE" sz="2400" dirty="0">
+              <a:latin typeface="Courier New" panose="02070309020205020404" pitchFamily="49" charset="0"/>
+              <a:cs typeface="Courier New" panose="02070309020205020404" pitchFamily="49" charset="0"/>
+            </a:endParaRPr>
+          </a:p>
+          <a:p>
+            <a:r>
+              <a:rPr lang="de-DE" dirty="0"/>
+              <a:t>Bitte ebenso auf den anderen VMs!</a:t>
+            </a:r>
+          </a:p>
+          <a:p>
+            <a:pPr lvl="1"/>
+            <a:r>
+              <a:rPr lang="de-DE" dirty="0">
+                <a:latin typeface="Courier New" panose="02070309020205020404" pitchFamily="49" charset="0"/>
+                <a:cs typeface="Courier New" panose="02070309020205020404" pitchFamily="49" charset="0"/>
+              </a:rPr>
+              <a:t>worker1</a:t>
+            </a:r>
+            <a:r>
+              <a:rPr lang="de-DE" dirty="0">
+                <a:cs typeface="Courier New" panose="02070309020205020404" pitchFamily="49" charset="0"/>
+              </a:rPr>
+              <a:t>, </a:t>
+            </a:r>
+            <a:r>
+              <a:rPr lang="de-DE" dirty="0">
+                <a:latin typeface="Courier New" panose="02070309020205020404" pitchFamily="49" charset="0"/>
+                <a:cs typeface="Courier New" panose="02070309020205020404" pitchFamily="49" charset="0"/>
+              </a:rPr>
+              <a:t>worker2</a:t>
+            </a:r>
+            <a:r>
+              <a:rPr lang="de-DE" dirty="0">
+                <a:cs typeface="Courier New" panose="02070309020205020404" pitchFamily="49" charset="0"/>
+              </a:rPr>
+              <a:t>, </a:t>
+            </a:r>
+            <a:r>
+              <a:rPr lang="de-DE" dirty="0" err="1">
+                <a:latin typeface="Courier New" panose="02070309020205020404" pitchFamily="49" charset="0"/>
+                <a:cs typeface="Courier New" panose="02070309020205020404" pitchFamily="49" charset="0"/>
+              </a:rPr>
+              <a:t>db</a:t>
+            </a:r>
+            <a:endParaRPr lang="de-DE" dirty="0">
+              <a:latin typeface="Courier New" panose="02070309020205020404" pitchFamily="49" charset="0"/>
+              <a:cs typeface="Courier New" panose="02070309020205020404" pitchFamily="49" charset="0"/>
+            </a:endParaRPr>
+          </a:p>
+        </p:txBody>
+      </p:sp>
+    </p:spTree>
+    <p:extLst>
+      <p:ext uri="{BB962C8B-B14F-4D97-AF65-F5344CB8AC3E}">
+        <p14:creationId xmlns:p14="http://schemas.microsoft.com/office/powerpoint/2010/main" val="3437145529"/>
+      </p:ext>
+    </p:extLst>
+  </p:cSld>
+  <p:clrMapOvr>
+    <a:masterClrMapping/>
+  </p:clrMapOvr>
+</p:sld>
+</file>
+
+<file path=ppt/slides/slide5.xml><?xml version="1.0" encoding="utf-8"?>
+<p:sld xmlns:a="http://schemas.openxmlformats.org/drawingml/2006/main" xmlns:r="http://schemas.openxmlformats.org/officeDocument/2006/relationships" xmlns:p="http://schemas.openxmlformats.org/presentationml/2006/main">
+  <p:cSld>
+    <p:spTree>
+      <p:nvGrpSpPr>
+        <p:cNvPr id="1" name=""/>
+        <p:cNvGrpSpPr/>
+        <p:nvPr/>
+      </p:nvGrpSpPr>
+      <p:grpSpPr>
+        <a:xfrm>
+          <a:off x="0" y="0"/>
+          <a:ext cx="0" cy="0"/>
+          <a:chOff x="0" y="0"/>
+          <a:chExt cx="0" cy="0"/>
+        </a:xfrm>
+      </p:grpSpPr>
+      <p:sp>
+        <p:nvSpPr>
+          <p:cNvPr id="2" name="Titel 1">
+            <a:extLst>
+              <a:ext uri="{FF2B5EF4-FFF2-40B4-BE49-F238E27FC236}">
+                <a16:creationId xmlns:a16="http://schemas.microsoft.com/office/drawing/2014/main" id="{6771848D-1E70-E48B-5C6D-951BC6041598}"/>
+              </a:ext>
+            </a:extLst>
+          </p:cNvPr>
+          <p:cNvSpPr>
+            <a:spLocks noGrp="1"/>
+          </p:cNvSpPr>
+          <p:nvPr>
+            <p:ph type="title"/>
+          </p:nvPr>
+        </p:nvSpPr>
+        <p:spPr/>
+        <p:txBody>
+          <a:bodyPr/>
+          <a:lstStyle/>
+          <a:p>
+            <a:r>
+              <a:rPr lang="de-DE" dirty="0"/>
+              <a:t>2. Datenbank und </a:t>
+            </a:r>
+            <a:r>
+              <a:rPr lang="de-DE" dirty="0" err="1"/>
+              <a:t>Keycloak</a:t>
+            </a:r>
+            <a:r>
+              <a:rPr lang="de-DE" dirty="0"/>
+              <a:t> starten</a:t>
+            </a:r>
+          </a:p>
+        </p:txBody>
+      </p:sp>
+      <p:sp>
+        <p:nvSpPr>
+          <p:cNvPr id="3" name="Inhaltsplatzhalter 2">
+            <a:extLst>
+              <a:ext uri="{FF2B5EF4-FFF2-40B4-BE49-F238E27FC236}">
+                <a16:creationId xmlns:a16="http://schemas.microsoft.com/office/drawing/2014/main" id="{C6B47590-B943-D19C-BC30-9C11A54E6BFE}"/>
+              </a:ext>
+            </a:extLst>
+          </p:cNvPr>
+          <p:cNvSpPr>
+            <a:spLocks noGrp="1"/>
+          </p:cNvSpPr>
+          <p:nvPr>
+            <p:ph idx="1"/>
+          </p:nvPr>
+        </p:nvSpPr>
+        <p:spPr/>
+        <p:txBody>
+          <a:bodyPr>
+            <a:normAutofit/>
+          </a:bodyPr>
+          <a:lstStyle/>
+          <a:p>
+            <a:r>
               <a:rPr lang="de-DE" dirty="0" err="1"/>
               <a:t>Git</a:t>
             </a:r>
@@ -4389,6 +7023,17 @@
             </a:r>
             <a:r>
               <a:rPr lang="de-DE" dirty="0"/>
+              <a:t> auf </a:t>
+            </a:r>
+            <a:r>
+              <a:rPr lang="de-DE" dirty="0" err="1">
+                <a:latin typeface="Courier New" panose="02070309020205020404" pitchFamily="49" charset="0"/>
+                <a:cs typeface="Courier New" panose="02070309020205020404" pitchFamily="49" charset="0"/>
+              </a:rPr>
+              <a:t>db</a:t>
+            </a:r>
+            <a:r>
+              <a:rPr lang="de-DE" dirty="0"/>
               <a:t> klonen:</a:t>
             </a:r>
           </a:p>
@@ -4445,7 +7090,7 @@
                 <a:latin typeface="Courier New" panose="02070309020205020404" pitchFamily="49" charset="0"/>
                 <a:cs typeface="Courier New" panose="02070309020205020404" pitchFamily="49" charset="0"/>
               </a:rPr>
-              <a:t> –A ubuntu@192.168.22.2</a:t>
+              <a:t> –A ubuntu@192.168.22.5</a:t>
             </a:r>
           </a:p>
           <a:p>
@@ -4500,15 +7145,386 @@
               <a:cs typeface="Courier New" panose="02070309020205020404" pitchFamily="49" charset="0"/>
             </a:endParaRPr>
           </a:p>
+        </p:txBody>
+      </p:sp>
+      <p:pic>
+        <p:nvPicPr>
+          <p:cNvPr id="4" name="Grafik 3">
+            <a:extLst>
+              <a:ext uri="{FF2B5EF4-FFF2-40B4-BE49-F238E27FC236}">
+                <a16:creationId xmlns:a16="http://schemas.microsoft.com/office/drawing/2014/main" id="{3B157EBE-FE7B-E53F-8A1B-0998CFA088E6}"/>
+              </a:ext>
+            </a:extLst>
+          </p:cNvPr>
+          <p:cNvPicPr>
+            <a:picLocks noChangeAspect="1"/>
+          </p:cNvPicPr>
+          <p:nvPr/>
+        </p:nvPicPr>
+        <p:blipFill>
+          <a:blip r:embed="rId3"/>
+          <a:stretch>
+            <a:fillRect/>
+          </a:stretch>
+        </p:blipFill>
+        <p:spPr>
+          <a:xfrm>
+            <a:off x="4445715" y="4756006"/>
+            <a:ext cx="6794500" cy="1130300"/>
+          </a:xfrm>
+          <a:prstGeom prst="rect">
+            <a:avLst/>
+          </a:prstGeom>
+        </p:spPr>
+      </p:pic>
+      <p:sp>
+        <p:nvSpPr>
+          <p:cNvPr id="5" name="Oval 4">
+            <a:extLst>
+              <a:ext uri="{FF2B5EF4-FFF2-40B4-BE49-F238E27FC236}">
+                <a16:creationId xmlns:a16="http://schemas.microsoft.com/office/drawing/2014/main" id="{843B12CE-5219-2B03-5882-A472AEE575C1}"/>
+              </a:ext>
+            </a:extLst>
+          </p:cNvPr>
+          <p:cNvSpPr/>
+          <p:nvPr/>
+        </p:nvSpPr>
+        <p:spPr>
+          <a:xfrm>
+            <a:off x="3929894" y="2739366"/>
+            <a:ext cx="1979416" cy="367633"/>
+          </a:xfrm>
+          <a:prstGeom prst="ellipse">
+            <a:avLst/>
+          </a:prstGeom>
+          <a:noFill/>
+          <a:ln w="38100">
+            <a:solidFill>
+              <a:srgbClr val="FF0000"/>
+            </a:solidFill>
+          </a:ln>
+        </p:spPr>
+        <p:style>
+          <a:lnRef idx="2">
+            <a:schemeClr val="accent1">
+              <a:shade val="50000"/>
+            </a:schemeClr>
+          </a:lnRef>
+          <a:fillRef idx="1">
+            <a:schemeClr val="accent1"/>
+          </a:fillRef>
+          <a:effectRef idx="0">
+            <a:schemeClr val="accent1"/>
+          </a:effectRef>
+          <a:fontRef idx="minor">
+            <a:schemeClr val="lt1"/>
+          </a:fontRef>
+        </p:style>
+        <p:txBody>
+          <a:bodyPr rtlCol="0" anchor="ctr"/>
+          <a:lstStyle/>
+          <a:p>
+            <a:pPr algn="ctr"/>
+            <a:endParaRPr lang="de-DE"/>
+          </a:p>
+        </p:txBody>
+      </p:sp>
+      <p:sp>
+        <p:nvSpPr>
+          <p:cNvPr id="6" name="Textfeld 5">
+            <a:extLst>
+              <a:ext uri="{FF2B5EF4-FFF2-40B4-BE49-F238E27FC236}">
+                <a16:creationId xmlns:a16="http://schemas.microsoft.com/office/drawing/2014/main" id="{2A3B1E01-B012-348D-F0E1-9FAE71612887}"/>
+              </a:ext>
+            </a:extLst>
+          </p:cNvPr>
+          <p:cNvSpPr txBox="1"/>
+          <p:nvPr/>
+        </p:nvSpPr>
+        <p:spPr>
+          <a:xfrm>
+            <a:off x="4919602" y="2130471"/>
+            <a:ext cx="777777" cy="769441"/>
+          </a:xfrm>
+          <a:prstGeom prst="rect">
+            <a:avLst/>
+          </a:prstGeom>
+          <a:noFill/>
+        </p:spPr>
+        <p:txBody>
+          <a:bodyPr wrap="none" rtlCol="0">
+            <a:spAutoFit/>
+          </a:bodyPr>
+          <a:lstStyle/>
+          <a:p>
+            <a:r>
+              <a:rPr lang="de-DE" sz="4400" dirty="0" err="1">
+                <a:solidFill>
+                  <a:srgbClr val="FF0000"/>
+                </a:solidFill>
+              </a:rPr>
+              <a:t>db</a:t>
+            </a:r>
+            <a:endParaRPr lang="de-DE" sz="4400" dirty="0">
+              <a:solidFill>
+                <a:srgbClr val="FF0000"/>
+              </a:solidFill>
+            </a:endParaRPr>
+          </a:p>
+        </p:txBody>
+      </p:sp>
+    </p:spTree>
+    <p:extLst>
+      <p:ext uri="{BB962C8B-B14F-4D97-AF65-F5344CB8AC3E}">
+        <p14:creationId xmlns:p14="http://schemas.microsoft.com/office/powerpoint/2010/main" val="3540936783"/>
+      </p:ext>
+    </p:extLst>
+  </p:cSld>
+  <p:clrMapOvr>
+    <a:masterClrMapping/>
+  </p:clrMapOvr>
+</p:sld>
+</file>
+
+<file path=ppt/slides/slide6.xml><?xml version="1.0" encoding="utf-8"?>
+<p:sld xmlns:a="http://schemas.openxmlformats.org/drawingml/2006/main" xmlns:r="http://schemas.openxmlformats.org/officeDocument/2006/relationships" xmlns:p="http://schemas.openxmlformats.org/presentationml/2006/main">
+  <p:cSld>
+    <p:spTree>
+      <p:nvGrpSpPr>
+        <p:cNvPr id="1" name=""/>
+        <p:cNvGrpSpPr/>
+        <p:nvPr/>
+      </p:nvGrpSpPr>
+      <p:grpSpPr>
+        <a:xfrm>
+          <a:off x="0" y="0"/>
+          <a:ext cx="0" cy="0"/>
+          <a:chOff x="0" y="0"/>
+          <a:chExt cx="0" cy="0"/>
+        </a:xfrm>
+      </p:grpSpPr>
+      <p:sp>
+        <p:nvSpPr>
+          <p:cNvPr id="2" name="Titel 1">
+            <a:extLst>
+              <a:ext uri="{FF2B5EF4-FFF2-40B4-BE49-F238E27FC236}">
+                <a16:creationId xmlns:a16="http://schemas.microsoft.com/office/drawing/2014/main" id="{6771848D-1E70-E48B-5C6D-951BC6041598}"/>
+              </a:ext>
+            </a:extLst>
+          </p:cNvPr>
+          <p:cNvSpPr>
+            <a:spLocks noGrp="1"/>
+          </p:cNvSpPr>
+          <p:nvPr>
+            <p:ph type="title"/>
+          </p:nvPr>
+        </p:nvSpPr>
+        <p:spPr/>
+        <p:txBody>
+          <a:bodyPr/>
+          <a:lstStyle/>
+          <a:p>
+            <a:r>
+              <a:rPr lang="de-DE" dirty="0"/>
+              <a:t>2. Datenbank und </a:t>
+            </a:r>
+            <a:r>
+              <a:rPr lang="de-DE" dirty="0" err="1"/>
+              <a:t>Keycloak</a:t>
+            </a:r>
+            <a:r>
+              <a:rPr lang="de-DE" dirty="0"/>
+              <a:t> starten</a:t>
+            </a:r>
+          </a:p>
+        </p:txBody>
+      </p:sp>
+      <p:sp>
+        <p:nvSpPr>
+          <p:cNvPr id="3" name="Inhaltsplatzhalter 2">
+            <a:extLst>
+              <a:ext uri="{FF2B5EF4-FFF2-40B4-BE49-F238E27FC236}">
+                <a16:creationId xmlns:a16="http://schemas.microsoft.com/office/drawing/2014/main" id="{C6B47590-B943-D19C-BC30-9C11A54E6BFE}"/>
+              </a:ext>
+            </a:extLst>
+          </p:cNvPr>
+          <p:cNvSpPr>
+            <a:spLocks noGrp="1"/>
+          </p:cNvSpPr>
+          <p:nvPr>
+            <p:ph idx="1"/>
+          </p:nvPr>
+        </p:nvSpPr>
+        <p:spPr/>
+        <p:txBody>
+          <a:bodyPr>
+            <a:normAutofit/>
+          </a:bodyPr>
+          <a:lstStyle/>
+          <a:p>
+            <a:r>
+              <a:rPr lang="de-DE" dirty="0"/>
+              <a:t>IP-Adresse eintragen und Container starten:</a:t>
+            </a:r>
+          </a:p>
+          <a:p>
+            <a:pPr lvl="1"/>
+            <a:r>
+              <a:rPr lang="de-DE" dirty="0"/>
+              <a:t>In der Datei </a:t>
+            </a:r>
+            <a:r>
+              <a:rPr lang="de-DE" dirty="0" err="1">
+                <a:latin typeface="Courier New" panose="02070309020205020404" pitchFamily="49" charset="0"/>
+                <a:cs typeface="Courier New" panose="02070309020205020404" pitchFamily="49" charset="0"/>
+              </a:rPr>
+              <a:t>docker-compose.yml</a:t>
+            </a:r>
+            <a:r>
+              <a:rPr lang="de-DE" dirty="0">
+                <a:latin typeface="Courier New" panose="02070309020205020404" pitchFamily="49" charset="0"/>
+                <a:cs typeface="Courier New" panose="02070309020205020404" pitchFamily="49" charset="0"/>
+              </a:rPr>
+              <a:t> </a:t>
+            </a:r>
+            <a:r>
+              <a:rPr lang="de-DE" dirty="0"/>
+              <a:t>muss </a:t>
+            </a:r>
+            <a:r>
+              <a:rPr lang="de-DE" dirty="0" err="1">
+                <a:latin typeface="Courier New" panose="02070309020205020404" pitchFamily="49" charset="0"/>
+                <a:cs typeface="Courier New" panose="02070309020205020404" pitchFamily="49" charset="0"/>
+              </a:rPr>
+              <a:t>replace_me</a:t>
+            </a:r>
+            <a:r>
+              <a:rPr lang="de-DE" dirty="0">
+                <a:latin typeface="Courier New" panose="02070309020205020404" pitchFamily="49" charset="0"/>
+                <a:cs typeface="Courier New" panose="02070309020205020404" pitchFamily="49" charset="0"/>
+              </a:rPr>
+              <a:t> </a:t>
+            </a:r>
+            <a:r>
+              <a:rPr lang="de-DE" dirty="0"/>
+              <a:t>durch die IP-Adresse des Datenbank-Servers ersetzt werden!</a:t>
+            </a:r>
+          </a:p>
           <a:p>
             <a:pPr marL="0" indent="0">
               <a:buNone/>
             </a:pPr>
             <a:r>
+              <a:rPr lang="de-DE" sz="2000" dirty="0"/>
+              <a:t>	</a:t>
+            </a:r>
+            <a:r>
               <a:rPr lang="de-DE" sz="2000" dirty="0">
                 <a:latin typeface="Courier New" panose="02070309020205020404" pitchFamily="49" charset="0"/>
                 <a:cs typeface="Courier New" panose="02070309020205020404" pitchFamily="49" charset="0"/>
               </a:rPr>
+              <a:t>cd ~/</a:t>
+            </a:r>
+            <a:r>
+              <a:rPr lang="de-DE" sz="2000" dirty="0" err="1">
+                <a:latin typeface="Courier New" panose="02070309020205020404" pitchFamily="49" charset="0"/>
+                <a:cs typeface="Courier New" panose="02070309020205020404" pitchFamily="49" charset="0"/>
+              </a:rPr>
+              <a:t>java</a:t>
+            </a:r>
+            <a:r>
+              <a:rPr lang="de-DE" sz="2000" dirty="0">
+                <a:latin typeface="Courier New" panose="02070309020205020404" pitchFamily="49" charset="0"/>
+                <a:cs typeface="Courier New" panose="02070309020205020404" pitchFamily="49" charset="0"/>
+              </a:rPr>
+              <a:t>-starter/sample/</a:t>
+            </a:r>
+            <a:r>
+              <a:rPr lang="de-DE" sz="2000" dirty="0" err="1">
+                <a:latin typeface="Courier New" panose="02070309020205020404" pitchFamily="49" charset="0"/>
+                <a:cs typeface="Courier New" panose="02070309020205020404" pitchFamily="49" charset="0"/>
+              </a:rPr>
+              <a:t>kubernetes</a:t>
+            </a:r>
+            <a:r>
+              <a:rPr lang="de-DE" sz="2000" dirty="0">
+                <a:latin typeface="Courier New" panose="02070309020205020404" pitchFamily="49" charset="0"/>
+                <a:cs typeface="Courier New" panose="02070309020205020404" pitchFamily="49" charset="0"/>
+              </a:rPr>
+              <a:t>/</a:t>
+            </a:r>
+            <a:r>
+              <a:rPr lang="de-DE" sz="2000" dirty="0" err="1">
+                <a:latin typeface="Courier New" panose="02070309020205020404" pitchFamily="49" charset="0"/>
+                <a:cs typeface="Courier New" panose="02070309020205020404" pitchFamily="49" charset="0"/>
+              </a:rPr>
+              <a:t>docker</a:t>
+            </a:r>
+            <a:endParaRPr lang="de-DE" sz="2000" dirty="0">
+              <a:latin typeface="Courier New" panose="02070309020205020404" pitchFamily="49" charset="0"/>
+              <a:cs typeface="Courier New" panose="02070309020205020404" pitchFamily="49" charset="0"/>
+            </a:endParaRPr>
+          </a:p>
+          <a:p>
+            <a:pPr marL="0" indent="0">
+              <a:buNone/>
+            </a:pPr>
+            <a:r>
+              <a:rPr lang="de-DE" sz="2000" dirty="0">
+                <a:latin typeface="Courier New" panose="02070309020205020404" pitchFamily="49" charset="0"/>
+                <a:cs typeface="Courier New" panose="02070309020205020404" pitchFamily="49" charset="0"/>
+              </a:rPr>
+              <a:t>	sed -i 's/</a:t>
+            </a:r>
+            <a:r>
+              <a:rPr lang="de-DE" sz="2000" dirty="0" err="1">
+                <a:latin typeface="Courier New" panose="02070309020205020404" pitchFamily="49" charset="0"/>
+                <a:cs typeface="Courier New" panose="02070309020205020404" pitchFamily="49" charset="0"/>
+              </a:rPr>
+              <a:t>replace_me</a:t>
+            </a:r>
+            <a:r>
+              <a:rPr lang="de-DE" sz="2000" dirty="0">
+                <a:latin typeface="Courier New" panose="02070309020205020404" pitchFamily="49" charset="0"/>
+                <a:cs typeface="Courier New" panose="02070309020205020404" pitchFamily="49" charset="0"/>
+              </a:rPr>
+              <a:t>/192.168.22.5/</a:t>
+            </a:r>
+            <a:r>
+              <a:rPr lang="de-DE" sz="2000" dirty="0" err="1">
+                <a:latin typeface="Courier New" panose="02070309020205020404" pitchFamily="49" charset="0"/>
+                <a:cs typeface="Courier New" panose="02070309020205020404" pitchFamily="49" charset="0"/>
+              </a:rPr>
+              <a:t>g</a:t>
+            </a:r>
+            <a:r>
+              <a:rPr lang="de-DE" sz="2000" dirty="0">
+                <a:latin typeface="Courier New" panose="02070309020205020404" pitchFamily="49" charset="0"/>
+                <a:cs typeface="Courier New" panose="02070309020205020404" pitchFamily="49" charset="0"/>
+              </a:rPr>
+              <a:t>' </a:t>
+            </a:r>
+            <a:r>
+              <a:rPr lang="de-DE" sz="2000" dirty="0" err="1">
+                <a:latin typeface="Courier New" panose="02070309020205020404" pitchFamily="49" charset="0"/>
+                <a:cs typeface="Courier New" panose="02070309020205020404" pitchFamily="49" charset="0"/>
+              </a:rPr>
+              <a:t>docker-compose.yml</a:t>
+            </a:r>
+            <a:endParaRPr lang="de-DE" sz="2000" dirty="0">
+              <a:latin typeface="Courier New" panose="02070309020205020404" pitchFamily="49" charset="0"/>
+              <a:cs typeface="Courier New" panose="02070309020205020404" pitchFamily="49" charset="0"/>
+            </a:endParaRPr>
+          </a:p>
+          <a:p>
+            <a:pPr marL="0" indent="0">
+              <a:buNone/>
+            </a:pPr>
+            <a:r>
+              <a:rPr lang="de-DE" sz="2000" dirty="0">
+                <a:latin typeface="Courier New" panose="02070309020205020404" pitchFamily="49" charset="0"/>
+                <a:cs typeface="Courier New" panose="02070309020205020404" pitchFamily="49" charset="0"/>
+              </a:rPr>
               <a:t>	</a:t>
             </a:r>
             <a:r>
@@ -4516,8 +7532,846 @@
                 <a:latin typeface="Courier New" panose="02070309020205020404" pitchFamily="49" charset="0"/>
                 <a:cs typeface="Courier New" panose="02070309020205020404" pitchFamily="49" charset="0"/>
               </a:rPr>
-              <a:t>exit</a:t>
-            </a:r>
+              <a:t>docker</a:t>
+            </a:r>
+            <a:r>
+              <a:rPr lang="de-DE" sz="2000" dirty="0">
+                <a:latin typeface="Courier New" panose="02070309020205020404" pitchFamily="49" charset="0"/>
+                <a:cs typeface="Courier New" panose="02070309020205020404" pitchFamily="49" charset="0"/>
+              </a:rPr>
+              <a:t> </a:t>
+            </a:r>
+            <a:r>
+              <a:rPr lang="de-DE" sz="2000" dirty="0" err="1">
+                <a:latin typeface="Courier New" panose="02070309020205020404" pitchFamily="49" charset="0"/>
+                <a:cs typeface="Courier New" panose="02070309020205020404" pitchFamily="49" charset="0"/>
+              </a:rPr>
+              <a:t>compose</a:t>
+            </a:r>
+            <a:r>
+              <a:rPr lang="de-DE" sz="2000" dirty="0">
+                <a:latin typeface="Courier New" panose="02070309020205020404" pitchFamily="49" charset="0"/>
+                <a:cs typeface="Courier New" panose="02070309020205020404" pitchFamily="49" charset="0"/>
+              </a:rPr>
+              <a:t> </a:t>
+            </a:r>
+            <a:r>
+              <a:rPr lang="de-DE" sz="2000" dirty="0" err="1">
+                <a:latin typeface="Courier New" panose="02070309020205020404" pitchFamily="49" charset="0"/>
+                <a:cs typeface="Courier New" panose="02070309020205020404" pitchFamily="49" charset="0"/>
+              </a:rPr>
+              <a:t>up</a:t>
+            </a:r>
+            <a:endParaRPr lang="de-DE" sz="2000" dirty="0">
+              <a:latin typeface="Courier New" panose="02070309020205020404" pitchFamily="49" charset="0"/>
+              <a:cs typeface="Courier New" panose="02070309020205020404" pitchFamily="49" charset="0"/>
+            </a:endParaRPr>
+          </a:p>
+          <a:p>
+            <a:pPr marL="0" indent="0">
+              <a:buNone/>
+            </a:pPr>
+            <a:endParaRPr lang="de-DE" sz="2000" dirty="0">
+              <a:latin typeface="Courier New" panose="02070309020205020404" pitchFamily="49" charset="0"/>
+              <a:cs typeface="Courier New" panose="02070309020205020404" pitchFamily="49" charset="0"/>
+            </a:endParaRPr>
+          </a:p>
+        </p:txBody>
+      </p:sp>
+      <p:sp>
+        <p:nvSpPr>
+          <p:cNvPr id="4" name="Oval 3">
+            <a:extLst>
+              <a:ext uri="{FF2B5EF4-FFF2-40B4-BE49-F238E27FC236}">
+                <a16:creationId xmlns:a16="http://schemas.microsoft.com/office/drawing/2014/main" id="{6CA0C36C-57C7-CB5D-9B8E-34D03A3268F5}"/>
+              </a:ext>
+            </a:extLst>
+          </p:cNvPr>
+          <p:cNvSpPr/>
+          <p:nvPr/>
+        </p:nvSpPr>
+        <p:spPr>
+          <a:xfrm>
+            <a:off x="4919602" y="3429000"/>
+            <a:ext cx="1979416" cy="367633"/>
+          </a:xfrm>
+          <a:prstGeom prst="ellipse">
+            <a:avLst/>
+          </a:prstGeom>
+          <a:noFill/>
+          <a:ln w="38100">
+            <a:solidFill>
+              <a:srgbClr val="FF0000"/>
+            </a:solidFill>
+          </a:ln>
+        </p:spPr>
+        <p:style>
+          <a:lnRef idx="2">
+            <a:schemeClr val="accent1">
+              <a:shade val="50000"/>
+            </a:schemeClr>
+          </a:lnRef>
+          <a:fillRef idx="1">
+            <a:schemeClr val="accent1"/>
+          </a:fillRef>
+          <a:effectRef idx="0">
+            <a:schemeClr val="accent1"/>
+          </a:effectRef>
+          <a:fontRef idx="minor">
+            <a:schemeClr val="lt1"/>
+          </a:fontRef>
+        </p:style>
+        <p:txBody>
+          <a:bodyPr rtlCol="0" anchor="ctr"/>
+          <a:lstStyle/>
+          <a:p>
+            <a:pPr algn="ctr"/>
+            <a:endParaRPr lang="de-DE"/>
+          </a:p>
+        </p:txBody>
+      </p:sp>
+      <p:sp>
+        <p:nvSpPr>
+          <p:cNvPr id="5" name="Textfeld 4">
+            <a:extLst>
+              <a:ext uri="{FF2B5EF4-FFF2-40B4-BE49-F238E27FC236}">
+                <a16:creationId xmlns:a16="http://schemas.microsoft.com/office/drawing/2014/main" id="{B0B0F080-F6DF-ED0B-F78E-7AC39E12048C}"/>
+              </a:ext>
+            </a:extLst>
+          </p:cNvPr>
+          <p:cNvSpPr txBox="1"/>
+          <p:nvPr/>
+        </p:nvSpPr>
+        <p:spPr>
+          <a:xfrm>
+            <a:off x="6096000" y="3612816"/>
+            <a:ext cx="777777" cy="769441"/>
+          </a:xfrm>
+          <a:prstGeom prst="rect">
+            <a:avLst/>
+          </a:prstGeom>
+          <a:noFill/>
+        </p:spPr>
+        <p:txBody>
+          <a:bodyPr wrap="none" rtlCol="0">
+            <a:spAutoFit/>
+          </a:bodyPr>
+          <a:lstStyle/>
+          <a:p>
+            <a:r>
+              <a:rPr lang="de-DE" sz="4400" dirty="0" err="1">
+                <a:solidFill>
+                  <a:srgbClr val="FF0000"/>
+                </a:solidFill>
+              </a:rPr>
+              <a:t>db</a:t>
+            </a:r>
+            <a:endParaRPr lang="de-DE" sz="4400" dirty="0">
+              <a:solidFill>
+                <a:srgbClr val="FF0000"/>
+              </a:solidFill>
+            </a:endParaRPr>
+          </a:p>
+        </p:txBody>
+      </p:sp>
+    </p:spTree>
+    <p:extLst>
+      <p:ext uri="{BB962C8B-B14F-4D97-AF65-F5344CB8AC3E}">
+        <p14:creationId xmlns:p14="http://schemas.microsoft.com/office/powerpoint/2010/main" val="3921133905"/>
+      </p:ext>
+    </p:extLst>
+  </p:cSld>
+  <p:clrMapOvr>
+    <a:masterClrMapping/>
+  </p:clrMapOvr>
+</p:sld>
+</file>
+
+<file path=ppt/slides/slide7.xml><?xml version="1.0" encoding="utf-8"?>
+<p:sld xmlns:a="http://schemas.openxmlformats.org/drawingml/2006/main" xmlns:r="http://schemas.openxmlformats.org/officeDocument/2006/relationships" xmlns:p="http://schemas.openxmlformats.org/presentationml/2006/main">
+  <p:cSld>
+    <p:spTree>
+      <p:nvGrpSpPr>
+        <p:cNvPr id="1" name=""/>
+        <p:cNvGrpSpPr/>
+        <p:nvPr/>
+      </p:nvGrpSpPr>
+      <p:grpSpPr>
+        <a:xfrm>
+          <a:off x="0" y="0"/>
+          <a:ext cx="0" cy="0"/>
+          <a:chOff x="0" y="0"/>
+          <a:chExt cx="0" cy="0"/>
+        </a:xfrm>
+      </p:grpSpPr>
+      <p:sp>
+        <p:nvSpPr>
+          <p:cNvPr id="2" name="Titel 1">
+            <a:extLst>
+              <a:ext uri="{FF2B5EF4-FFF2-40B4-BE49-F238E27FC236}">
+                <a16:creationId xmlns:a16="http://schemas.microsoft.com/office/drawing/2014/main" id="{6771848D-1E70-E48B-5C6D-951BC6041598}"/>
+              </a:ext>
+            </a:extLst>
+          </p:cNvPr>
+          <p:cNvSpPr>
+            <a:spLocks noGrp="1"/>
+          </p:cNvSpPr>
+          <p:nvPr>
+            <p:ph type="title"/>
+          </p:nvPr>
+        </p:nvSpPr>
+        <p:spPr/>
+        <p:txBody>
+          <a:bodyPr/>
+          <a:lstStyle/>
+          <a:p>
+            <a:r>
+              <a:rPr lang="de-DE" dirty="0"/>
+              <a:t>3. </a:t>
+            </a:r>
+            <a:r>
+              <a:rPr lang="de-DE" dirty="0" err="1"/>
+              <a:t>Build</a:t>
+            </a:r>
+            <a:r>
+              <a:rPr lang="de-DE" dirty="0"/>
+              <a:t>-Werkzeuge installieren</a:t>
+            </a:r>
+          </a:p>
+        </p:txBody>
+      </p:sp>
+      <p:sp>
+        <p:nvSpPr>
+          <p:cNvPr id="3" name="Inhaltsplatzhalter 2">
+            <a:extLst>
+              <a:ext uri="{FF2B5EF4-FFF2-40B4-BE49-F238E27FC236}">
+                <a16:creationId xmlns:a16="http://schemas.microsoft.com/office/drawing/2014/main" id="{C6B47590-B943-D19C-BC30-9C11A54E6BFE}"/>
+              </a:ext>
+            </a:extLst>
+          </p:cNvPr>
+          <p:cNvSpPr>
+            <a:spLocks noGrp="1"/>
+          </p:cNvSpPr>
+          <p:nvPr>
+            <p:ph idx="1"/>
+          </p:nvPr>
+        </p:nvSpPr>
+        <p:spPr/>
+        <p:txBody>
+          <a:bodyPr>
+            <a:normAutofit/>
+          </a:bodyPr>
+          <a:lstStyle/>
+          <a:p>
+            <a:pPr marL="0" indent="0">
+              <a:buNone/>
+            </a:pPr>
+            <a:r>
+              <a:rPr lang="de-DE" sz="2400" dirty="0"/>
+              <a:t>	</a:t>
+            </a:r>
+            <a:r>
+              <a:rPr lang="de-DE" sz="2400" dirty="0">
+                <a:latin typeface="Courier New" panose="02070309020205020404" pitchFamily="49" charset="0"/>
+                <a:cs typeface="Courier New" panose="02070309020205020404" pitchFamily="49" charset="0"/>
+              </a:rPr>
+              <a:t>multipass </a:t>
+            </a:r>
+            <a:r>
+              <a:rPr lang="de-DE" sz="2400" dirty="0" err="1">
+                <a:latin typeface="Courier New" panose="02070309020205020404" pitchFamily="49" charset="0"/>
+                <a:cs typeface="Courier New" panose="02070309020205020404" pitchFamily="49" charset="0"/>
+              </a:rPr>
+              <a:t>shell</a:t>
+            </a:r>
+            <a:r>
+              <a:rPr lang="de-DE" sz="2400" dirty="0">
+                <a:latin typeface="Courier New" panose="02070309020205020404" pitchFamily="49" charset="0"/>
+                <a:cs typeface="Courier New" panose="02070309020205020404" pitchFamily="49" charset="0"/>
+              </a:rPr>
+              <a:t> </a:t>
+            </a:r>
+            <a:r>
+              <a:rPr lang="de-DE" sz="2400" dirty="0" err="1">
+                <a:latin typeface="Courier New" panose="02070309020205020404" pitchFamily="49" charset="0"/>
+                <a:cs typeface="Courier New" panose="02070309020205020404" pitchFamily="49" charset="0"/>
+              </a:rPr>
+              <a:t>master</a:t>
+            </a:r>
+            <a:endParaRPr lang="de-DE" sz="2400" dirty="0">
+              <a:latin typeface="Courier New" panose="02070309020205020404" pitchFamily="49" charset="0"/>
+              <a:cs typeface="Courier New" panose="02070309020205020404" pitchFamily="49" charset="0"/>
+            </a:endParaRPr>
+          </a:p>
+          <a:p>
+            <a:pPr marL="0" indent="0">
+              <a:buNone/>
+            </a:pPr>
+            <a:r>
+              <a:rPr lang="de-DE" sz="2400" dirty="0">
+                <a:latin typeface="Courier New" panose="02070309020205020404" pitchFamily="49" charset="0"/>
+                <a:cs typeface="Courier New" panose="02070309020205020404" pitchFamily="49" charset="0"/>
+              </a:rPr>
+              <a:t>	</a:t>
+            </a:r>
+            <a:r>
+              <a:rPr lang="de-DE" sz="2400" dirty="0" err="1">
+                <a:latin typeface="Courier New" panose="02070309020205020404" pitchFamily="49" charset="0"/>
+                <a:cs typeface="Courier New" panose="02070309020205020404" pitchFamily="49" charset="0"/>
+              </a:rPr>
+              <a:t>sudo</a:t>
+            </a:r>
+            <a:r>
+              <a:rPr lang="de-DE" sz="2400" dirty="0">
+                <a:latin typeface="Courier New" panose="02070309020205020404" pitchFamily="49" charset="0"/>
+                <a:cs typeface="Courier New" panose="02070309020205020404" pitchFamily="49" charset="0"/>
+              </a:rPr>
+              <a:t> </a:t>
+            </a:r>
+            <a:r>
+              <a:rPr lang="de-DE" sz="2400" dirty="0" err="1">
+                <a:latin typeface="Courier New" panose="02070309020205020404" pitchFamily="49" charset="0"/>
+                <a:cs typeface="Courier New" panose="02070309020205020404" pitchFamily="49" charset="0"/>
+              </a:rPr>
+              <a:t>apt-get</a:t>
+            </a:r>
+            <a:r>
+              <a:rPr lang="de-DE" sz="2400" dirty="0">
+                <a:latin typeface="Courier New" panose="02070309020205020404" pitchFamily="49" charset="0"/>
+                <a:cs typeface="Courier New" panose="02070309020205020404" pitchFamily="49" charset="0"/>
+              </a:rPr>
+              <a:t> update</a:t>
+            </a:r>
+          </a:p>
+          <a:p>
+            <a:pPr marL="0" indent="0">
+              <a:buNone/>
+            </a:pPr>
+            <a:r>
+              <a:rPr lang="de-DE" sz="2400" dirty="0"/>
+              <a:t>	</a:t>
+            </a:r>
+            <a:r>
+              <a:rPr lang="de-DE" sz="2400" dirty="0" err="1">
+                <a:latin typeface="Courier New" panose="02070309020205020404" pitchFamily="49" charset="0"/>
+                <a:cs typeface="Courier New" panose="02070309020205020404" pitchFamily="49" charset="0"/>
+              </a:rPr>
+              <a:t>sudo</a:t>
+            </a:r>
+            <a:r>
+              <a:rPr lang="de-DE" sz="2400" dirty="0">
+                <a:latin typeface="Courier New" panose="02070309020205020404" pitchFamily="49" charset="0"/>
+                <a:cs typeface="Courier New" panose="02070309020205020404" pitchFamily="49" charset="0"/>
+              </a:rPr>
+              <a:t> </a:t>
+            </a:r>
+            <a:r>
+              <a:rPr lang="de-DE" sz="2400" dirty="0" err="1">
+                <a:latin typeface="Courier New" panose="02070309020205020404" pitchFamily="49" charset="0"/>
+                <a:cs typeface="Courier New" panose="02070309020205020404" pitchFamily="49" charset="0"/>
+              </a:rPr>
+              <a:t>apt</a:t>
+            </a:r>
+            <a:r>
+              <a:rPr lang="de-DE" sz="2400" dirty="0">
+                <a:latin typeface="Courier New" panose="02070309020205020404" pitchFamily="49" charset="0"/>
+                <a:cs typeface="Courier New" panose="02070309020205020404" pitchFamily="49" charset="0"/>
+              </a:rPr>
+              <a:t> </a:t>
+            </a:r>
+            <a:r>
+              <a:rPr lang="de-DE" sz="2400" dirty="0" err="1">
+                <a:latin typeface="Courier New" panose="02070309020205020404" pitchFamily="49" charset="0"/>
+                <a:cs typeface="Courier New" panose="02070309020205020404" pitchFamily="49" charset="0"/>
+              </a:rPr>
+              <a:t>install</a:t>
+            </a:r>
+            <a:r>
+              <a:rPr lang="de-DE" sz="2400" dirty="0">
+                <a:latin typeface="Courier New" panose="02070309020205020404" pitchFamily="49" charset="0"/>
+                <a:cs typeface="Courier New" panose="02070309020205020404" pitchFamily="49" charset="0"/>
+              </a:rPr>
+              <a:t> </a:t>
+            </a:r>
+            <a:r>
+              <a:rPr lang="de-DE" sz="2400" dirty="0" err="1">
+                <a:latin typeface="Courier New" panose="02070309020205020404" pitchFamily="49" charset="0"/>
+                <a:cs typeface="Courier New" panose="02070309020205020404" pitchFamily="49" charset="0"/>
+              </a:rPr>
+              <a:t>maven</a:t>
+            </a:r>
+            <a:r>
+              <a:rPr lang="de-DE" sz="2400" dirty="0">
+                <a:latin typeface="Courier New" panose="02070309020205020404" pitchFamily="49" charset="0"/>
+                <a:cs typeface="Courier New" panose="02070309020205020404" pitchFamily="49" charset="0"/>
+              </a:rPr>
+              <a:t> openjdk-17-jdk</a:t>
+            </a:r>
+          </a:p>
+          <a:p>
+            <a:pPr marL="0" indent="0">
+              <a:buNone/>
+            </a:pPr>
+            <a:r>
+              <a:rPr lang="de-DE" sz="2400" dirty="0">
+                <a:latin typeface="Courier New" panose="02070309020205020404" pitchFamily="49" charset="0"/>
+                <a:cs typeface="Courier New" panose="02070309020205020404" pitchFamily="49" charset="0"/>
+              </a:rPr>
+              <a:t>	</a:t>
+            </a:r>
+            <a:r>
+              <a:rPr lang="de-DE" sz="2400" dirty="0" err="1">
+                <a:latin typeface="Courier New" panose="02070309020205020404" pitchFamily="49" charset="0"/>
+                <a:cs typeface="Courier New" panose="02070309020205020404" pitchFamily="49" charset="0"/>
+              </a:rPr>
+              <a:t>sudo</a:t>
+            </a:r>
+            <a:r>
+              <a:rPr lang="de-DE" sz="2400" dirty="0">
+                <a:latin typeface="Courier New" panose="02070309020205020404" pitchFamily="49" charset="0"/>
+                <a:cs typeface="Courier New" panose="02070309020205020404" pitchFamily="49" charset="0"/>
+              </a:rPr>
+              <a:t> </a:t>
+            </a:r>
+            <a:r>
+              <a:rPr lang="de-DE" sz="2400" dirty="0" err="1">
+                <a:latin typeface="Courier New" panose="02070309020205020404" pitchFamily="49" charset="0"/>
+                <a:cs typeface="Courier New" panose="02070309020205020404" pitchFamily="49" charset="0"/>
+              </a:rPr>
+              <a:t>snap</a:t>
+            </a:r>
+            <a:r>
+              <a:rPr lang="de-DE" sz="2400" dirty="0">
+                <a:latin typeface="Courier New" panose="02070309020205020404" pitchFamily="49" charset="0"/>
+                <a:cs typeface="Courier New" panose="02070309020205020404" pitchFamily="49" charset="0"/>
+              </a:rPr>
+              <a:t> </a:t>
+            </a:r>
+            <a:r>
+              <a:rPr lang="de-DE" sz="2400" dirty="0" err="1">
+                <a:latin typeface="Courier New" panose="02070309020205020404" pitchFamily="49" charset="0"/>
+                <a:cs typeface="Courier New" panose="02070309020205020404" pitchFamily="49" charset="0"/>
+              </a:rPr>
+              <a:t>install</a:t>
+            </a:r>
+            <a:r>
+              <a:rPr lang="de-DE" sz="2400" dirty="0">
+                <a:latin typeface="Courier New" panose="02070309020205020404" pitchFamily="49" charset="0"/>
+                <a:cs typeface="Courier New" panose="02070309020205020404" pitchFamily="49" charset="0"/>
+              </a:rPr>
+              <a:t> </a:t>
+            </a:r>
+            <a:r>
+              <a:rPr lang="de-DE" sz="2400" dirty="0" err="1">
+                <a:latin typeface="Courier New" panose="02070309020205020404" pitchFamily="49" charset="0"/>
+                <a:cs typeface="Courier New" panose="02070309020205020404" pitchFamily="49" charset="0"/>
+              </a:rPr>
+              <a:t>docker</a:t>
+            </a:r>
+            <a:endParaRPr lang="de-DE" sz="2400" dirty="0">
+              <a:latin typeface="Courier New" panose="02070309020205020404" pitchFamily="49" charset="0"/>
+              <a:cs typeface="Courier New" panose="02070309020205020404" pitchFamily="49" charset="0"/>
+            </a:endParaRPr>
+          </a:p>
+          <a:p>
+            <a:pPr marL="0" indent="0">
+              <a:buNone/>
+            </a:pPr>
+            <a:r>
+              <a:rPr lang="de-DE" sz="2400" dirty="0">
+                <a:latin typeface="Courier New" panose="02070309020205020404" pitchFamily="49" charset="0"/>
+                <a:cs typeface="Courier New" panose="02070309020205020404" pitchFamily="49" charset="0"/>
+              </a:rPr>
+              <a:t>	</a:t>
+            </a:r>
+            <a:r>
+              <a:rPr lang="de-DE" sz="2400" dirty="0" err="1">
+                <a:latin typeface="Courier New" panose="02070309020205020404" pitchFamily="49" charset="0"/>
+                <a:cs typeface="Courier New" panose="02070309020205020404" pitchFamily="49" charset="0"/>
+              </a:rPr>
+              <a:t>sudo</a:t>
+            </a:r>
+            <a:r>
+              <a:rPr lang="de-DE" sz="2400" dirty="0">
+                <a:latin typeface="Courier New" panose="02070309020205020404" pitchFamily="49" charset="0"/>
+                <a:cs typeface="Courier New" panose="02070309020205020404" pitchFamily="49" charset="0"/>
+              </a:rPr>
+              <a:t> </a:t>
+            </a:r>
+            <a:r>
+              <a:rPr lang="de-DE" sz="2400" dirty="0" err="1">
+                <a:latin typeface="Courier New" panose="02070309020205020404" pitchFamily="49" charset="0"/>
+                <a:cs typeface="Courier New" panose="02070309020205020404" pitchFamily="49" charset="0"/>
+              </a:rPr>
+              <a:t>addgroup</a:t>
+            </a:r>
+            <a:r>
+              <a:rPr lang="de-DE" sz="2400" dirty="0">
+                <a:latin typeface="Courier New" panose="02070309020205020404" pitchFamily="49" charset="0"/>
+                <a:cs typeface="Courier New" panose="02070309020205020404" pitchFamily="49" charset="0"/>
+              </a:rPr>
+              <a:t> --system </a:t>
+            </a:r>
+            <a:r>
+              <a:rPr lang="de-DE" sz="2400" dirty="0" err="1">
+                <a:latin typeface="Courier New" panose="02070309020205020404" pitchFamily="49" charset="0"/>
+                <a:cs typeface="Courier New" panose="02070309020205020404" pitchFamily="49" charset="0"/>
+              </a:rPr>
+              <a:t>docker</a:t>
+            </a:r>
+            <a:endParaRPr lang="de-DE" sz="2400" dirty="0">
+              <a:latin typeface="Courier New" panose="02070309020205020404" pitchFamily="49" charset="0"/>
+              <a:cs typeface="Courier New" panose="02070309020205020404" pitchFamily="49" charset="0"/>
+            </a:endParaRPr>
+          </a:p>
+          <a:p>
+            <a:pPr marL="0" indent="0">
+              <a:buNone/>
+            </a:pPr>
+            <a:r>
+              <a:rPr lang="de-DE" sz="2400" dirty="0">
+                <a:latin typeface="Courier New" panose="02070309020205020404" pitchFamily="49" charset="0"/>
+                <a:cs typeface="Courier New" panose="02070309020205020404" pitchFamily="49" charset="0"/>
+              </a:rPr>
+              <a:t>	</a:t>
+            </a:r>
+            <a:r>
+              <a:rPr lang="de-DE" sz="2400" dirty="0" err="1">
+                <a:latin typeface="Courier New" panose="02070309020205020404" pitchFamily="49" charset="0"/>
+                <a:cs typeface="Courier New" panose="02070309020205020404" pitchFamily="49" charset="0"/>
+              </a:rPr>
+              <a:t>sudo</a:t>
+            </a:r>
+            <a:r>
+              <a:rPr lang="de-DE" sz="2400" dirty="0">
+                <a:latin typeface="Courier New" panose="02070309020205020404" pitchFamily="49" charset="0"/>
+                <a:cs typeface="Courier New" panose="02070309020205020404" pitchFamily="49" charset="0"/>
+              </a:rPr>
+              <a:t> </a:t>
+            </a:r>
+            <a:r>
+              <a:rPr lang="de-DE" sz="2400" dirty="0" err="1">
+                <a:latin typeface="Courier New" panose="02070309020205020404" pitchFamily="49" charset="0"/>
+                <a:cs typeface="Courier New" panose="02070309020205020404" pitchFamily="49" charset="0"/>
+              </a:rPr>
+              <a:t>adduser</a:t>
+            </a:r>
+            <a:r>
+              <a:rPr lang="de-DE" sz="2400" dirty="0">
+                <a:latin typeface="Courier New" panose="02070309020205020404" pitchFamily="49" charset="0"/>
+                <a:cs typeface="Courier New" panose="02070309020205020404" pitchFamily="49" charset="0"/>
+              </a:rPr>
+              <a:t> $USER </a:t>
+            </a:r>
+            <a:r>
+              <a:rPr lang="de-DE" sz="2400" dirty="0" err="1">
+                <a:latin typeface="Courier New" panose="02070309020205020404" pitchFamily="49" charset="0"/>
+                <a:cs typeface="Courier New" panose="02070309020205020404" pitchFamily="49" charset="0"/>
+              </a:rPr>
+              <a:t>docker</a:t>
+            </a:r>
+            <a:endParaRPr lang="de-DE" sz="2400" dirty="0">
+              <a:latin typeface="Courier New" panose="02070309020205020404" pitchFamily="49" charset="0"/>
+              <a:cs typeface="Courier New" panose="02070309020205020404" pitchFamily="49" charset="0"/>
+            </a:endParaRPr>
+          </a:p>
+          <a:p>
+            <a:pPr marL="0" indent="0">
+              <a:buNone/>
+            </a:pPr>
+            <a:r>
+              <a:rPr lang="de-DE" sz="2400" dirty="0">
+                <a:latin typeface="Courier New" panose="02070309020205020404" pitchFamily="49" charset="0"/>
+                <a:cs typeface="Courier New" panose="02070309020205020404" pitchFamily="49" charset="0"/>
+              </a:rPr>
+              <a:t>	</a:t>
+            </a:r>
+            <a:r>
+              <a:rPr lang="de-DE" sz="2400" dirty="0" err="1">
+                <a:latin typeface="Courier New" panose="02070309020205020404" pitchFamily="49" charset="0"/>
+                <a:cs typeface="Courier New" panose="02070309020205020404" pitchFamily="49" charset="0"/>
+              </a:rPr>
+              <a:t>sudo</a:t>
+            </a:r>
+            <a:r>
+              <a:rPr lang="de-DE" sz="2400" dirty="0">
+                <a:latin typeface="Courier New" panose="02070309020205020404" pitchFamily="49" charset="0"/>
+                <a:cs typeface="Courier New" panose="02070309020205020404" pitchFamily="49" charset="0"/>
+              </a:rPr>
+              <a:t> </a:t>
+            </a:r>
+            <a:r>
+              <a:rPr lang="de-DE" sz="2400" dirty="0" err="1">
+                <a:latin typeface="Courier New" panose="02070309020205020404" pitchFamily="49" charset="0"/>
+                <a:cs typeface="Courier New" panose="02070309020205020404" pitchFamily="49" charset="0"/>
+              </a:rPr>
+              <a:t>shutdown</a:t>
+            </a:r>
+            <a:r>
+              <a:rPr lang="de-DE" sz="2400" dirty="0">
+                <a:latin typeface="Courier New" panose="02070309020205020404" pitchFamily="49" charset="0"/>
+                <a:cs typeface="Courier New" panose="02070309020205020404" pitchFamily="49" charset="0"/>
+              </a:rPr>
+              <a:t> -</a:t>
+            </a:r>
+            <a:r>
+              <a:rPr lang="de-DE" sz="2400" dirty="0" err="1">
+                <a:latin typeface="Courier New" panose="02070309020205020404" pitchFamily="49" charset="0"/>
+                <a:cs typeface="Courier New" panose="02070309020205020404" pitchFamily="49" charset="0"/>
+              </a:rPr>
+              <a:t>r</a:t>
+            </a:r>
+            <a:r>
+              <a:rPr lang="de-DE" sz="2400" dirty="0">
+                <a:latin typeface="Courier New" panose="02070309020205020404" pitchFamily="49" charset="0"/>
+                <a:cs typeface="Courier New" panose="02070309020205020404" pitchFamily="49" charset="0"/>
+              </a:rPr>
+              <a:t> </a:t>
+            </a:r>
+            <a:r>
+              <a:rPr lang="de-DE" sz="2400" dirty="0" err="1">
+                <a:latin typeface="Courier New" panose="02070309020205020404" pitchFamily="49" charset="0"/>
+                <a:cs typeface="Courier New" panose="02070309020205020404" pitchFamily="49" charset="0"/>
+              </a:rPr>
+              <a:t>now</a:t>
+            </a:r>
+            <a:endParaRPr lang="de-DE" sz="2400" dirty="0">
+              <a:latin typeface="Courier New" panose="02070309020205020404" pitchFamily="49" charset="0"/>
+              <a:cs typeface="Courier New" panose="02070309020205020404" pitchFamily="49" charset="0"/>
+            </a:endParaRPr>
+          </a:p>
+          <a:p>
+            <a:pPr marL="0" indent="0">
+              <a:buNone/>
+            </a:pPr>
+            <a:r>
+              <a:rPr lang="de-DE" dirty="0"/>
+              <a:t>	</a:t>
+            </a:r>
+          </a:p>
+        </p:txBody>
+      </p:sp>
+    </p:spTree>
+    <p:extLst>
+      <p:ext uri="{BB962C8B-B14F-4D97-AF65-F5344CB8AC3E}">
+        <p14:creationId xmlns:p14="http://schemas.microsoft.com/office/powerpoint/2010/main" val="95530302"/>
+      </p:ext>
+    </p:extLst>
+  </p:cSld>
+  <p:clrMapOvr>
+    <a:masterClrMapping/>
+  </p:clrMapOvr>
+</p:sld>
+</file>
+
+<file path=ppt/slides/slide8.xml><?xml version="1.0" encoding="utf-8"?>
+<p:sld xmlns:a="http://schemas.openxmlformats.org/drawingml/2006/main" xmlns:r="http://schemas.openxmlformats.org/officeDocument/2006/relationships" xmlns:p="http://schemas.openxmlformats.org/presentationml/2006/main">
+  <p:cSld>
+    <p:spTree>
+      <p:nvGrpSpPr>
+        <p:cNvPr id="1" name=""/>
+        <p:cNvGrpSpPr/>
+        <p:nvPr/>
+      </p:nvGrpSpPr>
+      <p:grpSpPr>
+        <a:xfrm>
+          <a:off x="0" y="0"/>
+          <a:ext cx="0" cy="0"/>
+          <a:chOff x="0" y="0"/>
+          <a:chExt cx="0" cy="0"/>
+        </a:xfrm>
+      </p:grpSpPr>
+      <p:sp>
+        <p:nvSpPr>
+          <p:cNvPr id="2" name="Titel 1">
+            <a:extLst>
+              <a:ext uri="{FF2B5EF4-FFF2-40B4-BE49-F238E27FC236}">
+                <a16:creationId xmlns:a16="http://schemas.microsoft.com/office/drawing/2014/main" id="{6771848D-1E70-E48B-5C6D-951BC6041598}"/>
+              </a:ext>
+            </a:extLst>
+          </p:cNvPr>
+          <p:cNvSpPr>
+            <a:spLocks noGrp="1"/>
+          </p:cNvSpPr>
+          <p:nvPr>
+            <p:ph type="title"/>
+          </p:nvPr>
+        </p:nvSpPr>
+        <p:spPr/>
+        <p:txBody>
+          <a:bodyPr/>
+          <a:lstStyle/>
+          <a:p>
+            <a:r>
+              <a:rPr lang="de-DE" dirty="0"/>
+              <a:t>4. Bauen der Anwendung</a:t>
+            </a:r>
+          </a:p>
+        </p:txBody>
+      </p:sp>
+      <p:sp>
+        <p:nvSpPr>
+          <p:cNvPr id="3" name="Inhaltsplatzhalter 2">
+            <a:extLst>
+              <a:ext uri="{FF2B5EF4-FFF2-40B4-BE49-F238E27FC236}">
+                <a16:creationId xmlns:a16="http://schemas.microsoft.com/office/drawing/2014/main" id="{C6B47590-B943-D19C-BC30-9C11A54E6BFE}"/>
+              </a:ext>
+            </a:extLst>
+          </p:cNvPr>
+          <p:cNvSpPr>
+            <a:spLocks noGrp="1"/>
+          </p:cNvSpPr>
+          <p:nvPr>
+            <p:ph idx="1"/>
+          </p:nvPr>
+        </p:nvSpPr>
+        <p:spPr/>
+        <p:txBody>
+          <a:bodyPr>
+            <a:normAutofit/>
+          </a:bodyPr>
+          <a:lstStyle/>
+          <a:p>
+            <a:r>
+              <a:rPr lang="de-DE" dirty="0" err="1"/>
+              <a:t>Git</a:t>
+            </a:r>
+            <a:r>
+              <a:rPr lang="de-DE" dirty="0"/>
+              <a:t> </a:t>
+            </a:r>
+            <a:r>
+              <a:rPr lang="de-DE" dirty="0" err="1"/>
+              <a:t>repository</a:t>
+            </a:r>
+            <a:r>
+              <a:rPr lang="de-DE" dirty="0"/>
+              <a:t> auf </a:t>
+            </a:r>
+            <a:r>
+              <a:rPr lang="de-DE" dirty="0" err="1">
+                <a:latin typeface="Courier New" panose="02070309020205020404" pitchFamily="49" charset="0"/>
+                <a:cs typeface="Courier New" panose="02070309020205020404" pitchFamily="49" charset="0"/>
+              </a:rPr>
+              <a:t>master</a:t>
+            </a:r>
+            <a:r>
+              <a:rPr lang="de-DE" dirty="0"/>
+              <a:t> klonen:</a:t>
+            </a:r>
+          </a:p>
+          <a:p>
+            <a:pPr marL="0" indent="0">
+              <a:buNone/>
+            </a:pPr>
+            <a:r>
+              <a:rPr lang="de-DE" sz="2000" dirty="0"/>
+              <a:t>	</a:t>
+            </a:r>
+            <a:r>
+              <a:rPr lang="de-DE" sz="2000" dirty="0">
+                <a:latin typeface="Courier New" panose="02070309020205020404" pitchFamily="49" charset="0"/>
+                <a:cs typeface="Courier New" panose="02070309020205020404" pitchFamily="49" charset="0"/>
+              </a:rPr>
+              <a:t>multipass </a:t>
+            </a:r>
+            <a:r>
+              <a:rPr lang="de-DE" sz="2000" dirty="0" err="1">
+                <a:latin typeface="Courier New" panose="02070309020205020404" pitchFamily="49" charset="0"/>
+                <a:cs typeface="Courier New" panose="02070309020205020404" pitchFamily="49" charset="0"/>
+              </a:rPr>
+              <a:t>list</a:t>
+            </a:r>
+            <a:r>
+              <a:rPr lang="de-DE" sz="2000" dirty="0">
+                <a:latin typeface="Courier New" panose="02070309020205020404" pitchFamily="49" charset="0"/>
+                <a:cs typeface="Courier New" panose="02070309020205020404" pitchFamily="49" charset="0"/>
+              </a:rPr>
+              <a:t>	</a:t>
+            </a:r>
+          </a:p>
+          <a:p>
+            <a:pPr marL="0" indent="0">
+              <a:buNone/>
+            </a:pPr>
+            <a:r>
+              <a:rPr lang="de-DE" sz="2000" dirty="0">
+                <a:latin typeface="Courier New" panose="02070309020205020404" pitchFamily="49" charset="0"/>
+                <a:cs typeface="Courier New" panose="02070309020205020404" pitchFamily="49" charset="0"/>
+              </a:rPr>
+              <a:t>	</a:t>
+            </a:r>
+            <a:r>
+              <a:rPr lang="de-DE" sz="2000" dirty="0" err="1">
+                <a:latin typeface="Courier New" panose="02070309020205020404" pitchFamily="49" charset="0"/>
+                <a:cs typeface="Courier New" panose="02070309020205020404" pitchFamily="49" charset="0"/>
+              </a:rPr>
+              <a:t>ssh</a:t>
+            </a:r>
+            <a:r>
+              <a:rPr lang="de-DE" sz="2000" dirty="0">
+                <a:latin typeface="Courier New" panose="02070309020205020404" pitchFamily="49" charset="0"/>
+                <a:cs typeface="Courier New" panose="02070309020205020404" pitchFamily="49" charset="0"/>
+              </a:rPr>
+              <a:t> –A ubuntu@192.168.22.2</a:t>
+            </a:r>
+          </a:p>
+          <a:p>
+            <a:pPr marL="0" indent="0">
+              <a:buNone/>
+            </a:pPr>
+            <a:r>
+              <a:rPr lang="de-DE" sz="2000" dirty="0">
+                <a:latin typeface="Courier New" panose="02070309020205020404" pitchFamily="49" charset="0"/>
+                <a:cs typeface="Courier New" panose="02070309020205020404" pitchFamily="49" charset="0"/>
+              </a:rPr>
+              <a:t>	</a:t>
+            </a:r>
+            <a:r>
+              <a:rPr lang="de-DE" sz="2000" dirty="0" err="1">
+                <a:latin typeface="Courier New" panose="02070309020205020404" pitchFamily="49" charset="0"/>
+                <a:cs typeface="Courier New" panose="02070309020205020404" pitchFamily="49" charset="0"/>
+              </a:rPr>
+              <a:t>git</a:t>
+            </a:r>
+            <a:r>
+              <a:rPr lang="de-DE" sz="2000" dirty="0">
+                <a:latin typeface="Courier New" panose="02070309020205020404" pitchFamily="49" charset="0"/>
+                <a:cs typeface="Courier New" panose="02070309020205020404" pitchFamily="49" charset="0"/>
+              </a:rPr>
+              <a:t> </a:t>
+            </a:r>
+            <a:r>
+              <a:rPr lang="de-DE" sz="2000" dirty="0" err="1">
+                <a:latin typeface="Courier New" panose="02070309020205020404" pitchFamily="49" charset="0"/>
+                <a:cs typeface="Courier New" panose="02070309020205020404" pitchFamily="49" charset="0"/>
+              </a:rPr>
+              <a:t>clone</a:t>
+            </a:r>
+            <a:r>
+              <a:rPr lang="de-DE" sz="2000" dirty="0">
+                <a:latin typeface="Courier New" panose="02070309020205020404" pitchFamily="49" charset="0"/>
+                <a:cs typeface="Courier New" panose="02070309020205020404" pitchFamily="49" charset="0"/>
+              </a:rPr>
+              <a:t> </a:t>
+            </a:r>
+            <a:r>
+              <a:rPr lang="de-DE" sz="2000" dirty="0">
+                <a:latin typeface="Courier New" panose="02070309020205020404" pitchFamily="49" charset="0"/>
+                <a:cs typeface="Courier New" panose="02070309020205020404" pitchFamily="49" charset="0"/>
+                <a:hlinkClick r:id="rId2"/>
+              </a:rPr>
+              <a:t>git@bitbucket.org:conciso/java-starter.git</a:t>
+            </a:r>
+            <a:endParaRPr lang="de-DE" sz="2000" dirty="0">
+              <a:latin typeface="Courier New" panose="02070309020205020404" pitchFamily="49" charset="0"/>
+              <a:cs typeface="Courier New" panose="02070309020205020404" pitchFamily="49" charset="0"/>
+            </a:endParaRPr>
+          </a:p>
+          <a:p>
+            <a:pPr marL="0" indent="0">
+              <a:buNone/>
+            </a:pPr>
             <a:endParaRPr lang="de-DE" sz="2000" dirty="0">
               <a:latin typeface="Courier New" panose="02070309020205020404" pitchFamily="49" charset="0"/>
               <a:cs typeface="Courier New" panose="02070309020205020404" pitchFamily="49" charset="0"/>
@@ -4607,6 +8461,102 @@
           </a:p>
         </p:txBody>
       </p:sp>
+      <p:sp>
+        <p:nvSpPr>
+          <p:cNvPr id="6" name="Oval 5">
+            <a:extLst>
+              <a:ext uri="{FF2B5EF4-FFF2-40B4-BE49-F238E27FC236}">
+                <a16:creationId xmlns:a16="http://schemas.microsoft.com/office/drawing/2014/main" id="{D1CECC13-3468-1396-A421-93B7208D38C5}"/>
+              </a:ext>
+            </a:extLst>
+          </p:cNvPr>
+          <p:cNvSpPr/>
+          <p:nvPr/>
+        </p:nvSpPr>
+        <p:spPr>
+          <a:xfrm>
+            <a:off x="3959482" y="2739366"/>
+            <a:ext cx="1979416" cy="367633"/>
+          </a:xfrm>
+          <a:prstGeom prst="ellipse">
+            <a:avLst/>
+          </a:prstGeom>
+          <a:noFill/>
+          <a:ln w="38100">
+            <a:solidFill>
+              <a:srgbClr val="FF0000"/>
+            </a:solidFill>
+          </a:ln>
+        </p:spPr>
+        <p:style>
+          <a:lnRef idx="2">
+            <a:schemeClr val="accent1">
+              <a:shade val="50000"/>
+            </a:schemeClr>
+          </a:lnRef>
+          <a:fillRef idx="1">
+            <a:schemeClr val="accent1"/>
+          </a:fillRef>
+          <a:effectRef idx="0">
+            <a:schemeClr val="accent1"/>
+          </a:effectRef>
+          <a:fontRef idx="minor">
+            <a:schemeClr val="lt1"/>
+          </a:fontRef>
+        </p:style>
+        <p:txBody>
+          <a:bodyPr rtlCol="0" anchor="ctr"/>
+          <a:lstStyle/>
+          <a:p>
+            <a:pPr algn="ctr"/>
+            <a:endParaRPr lang="de-DE"/>
+          </a:p>
+        </p:txBody>
+      </p:sp>
+      <p:sp>
+        <p:nvSpPr>
+          <p:cNvPr id="7" name="Textfeld 6">
+            <a:extLst>
+              <a:ext uri="{FF2B5EF4-FFF2-40B4-BE49-F238E27FC236}">
+                <a16:creationId xmlns:a16="http://schemas.microsoft.com/office/drawing/2014/main" id="{DCF9604F-F697-1FCA-8944-B3FD0FEE2C8B}"/>
+              </a:ext>
+            </a:extLst>
+          </p:cNvPr>
+          <p:cNvSpPr txBox="1"/>
+          <p:nvPr/>
+        </p:nvSpPr>
+        <p:spPr>
+          <a:xfrm>
+            <a:off x="4471462" y="2130471"/>
+            <a:ext cx="1781642" cy="769441"/>
+          </a:xfrm>
+          <a:prstGeom prst="rect">
+            <a:avLst/>
+          </a:prstGeom>
+          <a:noFill/>
+        </p:spPr>
+        <p:txBody>
+          <a:bodyPr wrap="none" rtlCol="0">
+            <a:spAutoFit/>
+          </a:bodyPr>
+          <a:lstStyle/>
+          <a:p>
+            <a:r>
+              <a:rPr lang="de-DE" sz="4400" dirty="0" err="1">
+                <a:solidFill>
+                  <a:srgbClr val="FF0000"/>
+                </a:solidFill>
+              </a:rPr>
+              <a:t>master</a:t>
+            </a:r>
+            <a:endParaRPr lang="de-DE" sz="4400" dirty="0">
+              <a:solidFill>
+                <a:srgbClr val="FF0000"/>
+              </a:solidFill>
+            </a:endParaRPr>
+          </a:p>
+        </p:txBody>
+      </p:sp>
     </p:spTree>
     <p:extLst>
       <p:ext uri="{BB962C8B-B14F-4D97-AF65-F5344CB8AC3E}">
@@ -4620,7 +8570,7 @@
 </p:sld>
 </file>
 
-<file path=ppt/slides/slide5.xml><?xml version="1.0" encoding="utf-8"?>
+<file path=ppt/slides/slide9.xml><?xml version="1.0" encoding="utf-8"?>
 <p:sld xmlns:a="http://schemas.openxmlformats.org/drawingml/2006/main" xmlns:r="http://schemas.openxmlformats.org/officeDocument/2006/relationships" xmlns:p="http://schemas.openxmlformats.org/presentationml/2006/main">
   <p:cSld>
     <p:spTree>
@@ -4660,7 +8610,7 @@
           <a:p>
             <a:r>
               <a:rPr lang="de-DE" dirty="0"/>
-              <a:t>Bauen der Anwendung</a:t>
+              <a:t>4. Bauen der Anwendung</a:t>
             </a:r>
           </a:p>
         </p:txBody>
@@ -4689,12 +8639,19 @@
           <a:lstStyle/>
           <a:p>
             <a:r>
-              <a:rPr lang="de-DE" dirty="0" err="1"/>
-              <a:t>Build</a:t>
-            </a:r>
-            <a:r>
               <a:rPr lang="de-DE" dirty="0"/>
-              <a:t>-Werkzeuge installieren:</a:t>
+              <a:t>Anwendung bauen (</a:t>
+            </a:r>
+            <a:r>
+              <a:rPr lang="de-DE" dirty="0" err="1">
+                <a:latin typeface="Courier New" panose="02070309020205020404" pitchFamily="49" charset="0"/>
+                <a:cs typeface="Courier New" panose="02070309020205020404" pitchFamily="49" charset="0"/>
+              </a:rPr>
+              <a:t>person</a:t>
+            </a:r>
+            <a:r>
+              <a:rPr lang="de-DE" dirty="0"/>
+              <a:t>):</a:t>
             </a:r>
           </a:p>
           <a:p>
@@ -4710,28 +8667,28 @@
                 <a:latin typeface="Courier New" panose="02070309020205020404" pitchFamily="49" charset="0"/>
                 <a:cs typeface="Courier New" panose="02070309020205020404" pitchFamily="49" charset="0"/>
               </a:rPr>
-              <a:t>multipass </a:t>
-            </a:r>
-            <a:r>
-              <a:rPr lang="de-DE" sz="2400" dirty="0" err="1">
-                <a:latin typeface="Courier New" panose="02070309020205020404" pitchFamily="49" charset="0"/>
-                <a:cs typeface="Courier New" panose="02070309020205020404" pitchFamily="49" charset="0"/>
-              </a:rPr>
-              <a:t>shell</a:t>
-            </a:r>
-            <a:r>
-              <a:rPr lang="de-DE" sz="2400" dirty="0">
-                <a:latin typeface="Courier New" panose="02070309020205020404" pitchFamily="49" charset="0"/>
-                <a:cs typeface="Courier New" panose="02070309020205020404" pitchFamily="49" charset="0"/>
-              </a:rPr>
-              <a:t> </a:t>
-            </a:r>
-            <a:r>
-              <a:rPr lang="de-DE" sz="2400" dirty="0" err="1">
-                <a:latin typeface="Courier New" panose="02070309020205020404" pitchFamily="49" charset="0"/>
-                <a:cs typeface="Courier New" panose="02070309020205020404" pitchFamily="49" charset="0"/>
-              </a:rPr>
-              <a:t>master</a:t>
+              <a:t>cd ~/</a:t>
+            </a:r>
+            <a:r>
+              <a:rPr lang="de-DE" sz="2400" dirty="0" err="1">
+                <a:latin typeface="Courier New" panose="02070309020205020404" pitchFamily="49" charset="0"/>
+                <a:cs typeface="Courier New" panose="02070309020205020404" pitchFamily="49" charset="0"/>
+              </a:rPr>
+              <a:t>java</a:t>
+            </a:r>
+            <a:r>
+              <a:rPr lang="de-DE" sz="2400" dirty="0">
+                <a:latin typeface="Courier New" panose="02070309020205020404" pitchFamily="49" charset="0"/>
+                <a:cs typeface="Courier New" panose="02070309020205020404" pitchFamily="49" charset="0"/>
+              </a:rPr>
+              <a:t>-starter/sample/</a:t>
+            </a:r>
+            <a:r>
+              <a:rPr lang="de-DE" sz="2400" dirty="0" err="1">
+                <a:latin typeface="Courier New" panose="02070309020205020404" pitchFamily="49" charset="0"/>
+                <a:cs typeface="Courier New" panose="02070309020205020404" pitchFamily="49" charset="0"/>
+              </a:rPr>
+              <a:t>person</a:t>
             </a:r>
             <a:endParaRPr lang="de-DE" sz="2400" dirty="0">
               <a:latin typeface="Courier New" panose="02070309020205020404" pitchFamily="49" charset="0"/>
@@ -4754,65 +8711,14 @@
                 <a:latin typeface="Courier New" panose="02070309020205020404" pitchFamily="49" charset="0"/>
                 <a:cs typeface="Courier New" panose="02070309020205020404" pitchFamily="49" charset="0"/>
               </a:rPr>
-              <a:t>sudo</a:t>
-            </a:r>
-            <a:r>
-              <a:rPr lang="de-DE" sz="2400" dirty="0">
-                <a:latin typeface="Courier New" panose="02070309020205020404" pitchFamily="49" charset="0"/>
-                <a:cs typeface="Courier New" panose="02070309020205020404" pitchFamily="49" charset="0"/>
-              </a:rPr>
-              <a:t> </a:t>
-            </a:r>
-            <a:r>
-              <a:rPr lang="de-DE" sz="2400" dirty="0" err="1">
-                <a:latin typeface="Courier New" panose="02070309020205020404" pitchFamily="49" charset="0"/>
-                <a:cs typeface="Courier New" panose="02070309020205020404" pitchFamily="49" charset="0"/>
-              </a:rPr>
-              <a:t>apt-get</a:t>
-            </a:r>
-            <a:r>
-              <a:rPr lang="de-DE" sz="2400" dirty="0">
-                <a:latin typeface="Courier New" panose="02070309020205020404" pitchFamily="49" charset="0"/>
-                <a:cs typeface="Courier New" panose="02070309020205020404" pitchFamily="49" charset="0"/>
-              </a:rPr>
-              <a:t> update</a:t>
-            </a:r>
-          </a:p>
-          <a:p>
-            <a:pPr marL="0" indent="0">
-              <a:buNone/>
-            </a:pPr>
-            <a:r>
-              <a:rPr lang="de-DE" sz="2400" dirty="0"/>
-              <a:t>	</a:t>
-            </a:r>
-            <a:r>
-              <a:rPr lang="de-DE" sz="2400" dirty="0" err="1">
-                <a:latin typeface="Courier New" panose="02070309020205020404" pitchFamily="49" charset="0"/>
-                <a:cs typeface="Courier New" panose="02070309020205020404" pitchFamily="49" charset="0"/>
-              </a:rPr>
-              <a:t>sudo</a:t>
-            </a:r>
-            <a:r>
-              <a:rPr lang="de-DE" sz="2400" dirty="0">
-                <a:latin typeface="Courier New" panose="02070309020205020404" pitchFamily="49" charset="0"/>
-                <a:cs typeface="Courier New" panose="02070309020205020404" pitchFamily="49" charset="0"/>
-              </a:rPr>
-              <a:t> </a:t>
-            </a:r>
-            <a:r>
-              <a:rPr lang="de-DE" sz="2400" dirty="0" err="1">
-                <a:latin typeface="Courier New" panose="02070309020205020404" pitchFamily="49" charset="0"/>
-                <a:cs typeface="Courier New" panose="02070309020205020404" pitchFamily="49" charset="0"/>
-              </a:rPr>
-              <a:t>apt</a:t>
-            </a:r>
-            <a:r>
-              <a:rPr lang="de-DE" sz="2400" dirty="0">
-                <a:latin typeface="Courier New" panose="02070309020205020404" pitchFamily="49" charset="0"/>
-                <a:cs typeface="Courier New" panose="02070309020205020404" pitchFamily="49" charset="0"/>
-              </a:rPr>
-              <a:t> </a:t>
+              <a:t>mvn</a:t>
+            </a:r>
+            <a:r>
+              <a:rPr lang="de-DE" sz="2400" dirty="0">
+                <a:latin typeface="Courier New" panose="02070309020205020404" pitchFamily="49" charset="0"/>
+                <a:cs typeface="Courier New" panose="02070309020205020404" pitchFamily="49" charset="0"/>
+              </a:rPr>
+              <a:t> clean </a:t>
             </a:r>
             <a:r>
               <a:rPr lang="de-DE" sz="2400" dirty="0" err="1">
@@ -4820,88 +8726,6 @@
                 <a:cs typeface="Courier New" panose="02070309020205020404" pitchFamily="49" charset="0"/>
               </a:rPr>
               <a:t>install</a:t>
-            </a:r>
-            <a:r>
-              <a:rPr lang="de-DE" sz="2400" dirty="0">
-                <a:latin typeface="Courier New" panose="02070309020205020404" pitchFamily="49" charset="0"/>
-                <a:cs typeface="Courier New" panose="02070309020205020404" pitchFamily="49" charset="0"/>
-              </a:rPr>
-              <a:t> </a:t>
-            </a:r>
-            <a:r>
-              <a:rPr lang="de-DE" sz="2400" dirty="0" err="1">
-                <a:latin typeface="Courier New" panose="02070309020205020404" pitchFamily="49" charset="0"/>
-                <a:cs typeface="Courier New" panose="02070309020205020404" pitchFamily="49" charset="0"/>
-              </a:rPr>
-              <a:t>maven</a:t>
-            </a:r>
-            <a:r>
-              <a:rPr lang="de-DE" sz="2400" dirty="0">
-                <a:latin typeface="Courier New" panose="02070309020205020404" pitchFamily="49" charset="0"/>
-                <a:cs typeface="Courier New" panose="02070309020205020404" pitchFamily="49" charset="0"/>
-              </a:rPr>
-              <a:t> openjdk-17-jdk</a:t>
-            </a:r>
-          </a:p>
-          <a:p>
-            <a:pPr marL="0" indent="0">
-              <a:buNone/>
-            </a:pPr>
-            <a:r>
-              <a:rPr lang="de-DE" sz="2400" dirty="0">
-                <a:latin typeface="Courier New" panose="02070309020205020404" pitchFamily="49" charset="0"/>
-                <a:cs typeface="Courier New" panose="02070309020205020404" pitchFamily="49" charset="0"/>
-              </a:rPr>
-              <a:t>	</a:t>
-            </a:r>
-            <a:r>
-              <a:rPr lang="de-DE" sz="2400" dirty="0" err="1">
-                <a:latin typeface="Courier New" panose="02070309020205020404" pitchFamily="49" charset="0"/>
-                <a:cs typeface="Courier New" panose="02070309020205020404" pitchFamily="49" charset="0"/>
-              </a:rPr>
-              <a:t>sudo</a:t>
-            </a:r>
-            <a:r>
-              <a:rPr lang="de-DE" sz="2400" dirty="0">
-                <a:latin typeface="Courier New" panose="02070309020205020404" pitchFamily="49" charset="0"/>
-                <a:cs typeface="Courier New" panose="02070309020205020404" pitchFamily="49" charset="0"/>
-              </a:rPr>
-              <a:t> </a:t>
-            </a:r>
-            <a:r>
-              <a:rPr lang="de-DE" sz="2400" dirty="0" err="1">
-                <a:latin typeface="Courier New" panose="02070309020205020404" pitchFamily="49" charset="0"/>
-                <a:cs typeface="Courier New" panose="02070309020205020404" pitchFamily="49" charset="0"/>
-              </a:rPr>
-              <a:t>snap</a:t>
-            </a:r>
-            <a:r>
-              <a:rPr lang="de-DE" sz="2400" dirty="0">
-                <a:latin typeface="Courier New" panose="02070309020205020404" pitchFamily="49" charset="0"/>
-                <a:cs typeface="Courier New" panose="02070309020205020404" pitchFamily="49" charset="0"/>
-              </a:rPr>
-              <a:t> </a:t>
-            </a:r>
-            <a:r>
-              <a:rPr lang="de-DE" sz="2400" dirty="0" err="1">
-                <a:latin typeface="Courier New" panose="02070309020205020404" pitchFamily="49" charset="0"/>
-                <a:cs typeface="Courier New" panose="02070309020205020404" pitchFamily="49" charset="0"/>
-              </a:rPr>
-              <a:t>install</a:t>
-            </a:r>
-            <a:r>
-              <a:rPr lang="de-DE" sz="2400" dirty="0">
-                <a:latin typeface="Courier New" panose="02070309020205020404" pitchFamily="49" charset="0"/>
-                <a:cs typeface="Courier New" panose="02070309020205020404" pitchFamily="49" charset="0"/>
-              </a:rPr>
-              <a:t> </a:t>
-            </a:r>
-            <a:r>
-              <a:rPr lang="de-DE" sz="2400" dirty="0" err="1">
-                <a:latin typeface="Courier New" panose="02070309020205020404" pitchFamily="49" charset="0"/>
-                <a:cs typeface="Courier New" panose="02070309020205020404" pitchFamily="49" charset="0"/>
-              </a:rPr>
-              <a:t>docker</a:t>
             </a:r>
             <a:endParaRPr lang="de-DE" sz="2400" dirty="0">
               <a:latin typeface="Courier New" panose="02070309020205020404" pitchFamily="49" charset="0"/>
@@ -4909,14 +8733,17 @@
             </a:endParaRPr>
           </a:p>
           <a:p>
+            <a:r>
+              <a:rPr lang="de-DE" sz="2400" dirty="0"/>
+              <a:t>Container Image übertragen:</a:t>
+            </a:r>
+          </a:p>
+          <a:p>
             <a:pPr marL="0" indent="0">
               <a:buNone/>
             </a:pPr>
             <a:r>
-              <a:rPr lang="de-DE" sz="2400" dirty="0">
-                <a:latin typeface="Courier New" panose="02070309020205020404" pitchFamily="49" charset="0"/>
-                <a:cs typeface="Courier New" panose="02070309020205020404" pitchFamily="49" charset="0"/>
-              </a:rPr>
+              <a:rPr lang="de-DE" sz="2400" dirty="0"/>
               <a:t>	</a:t>
             </a:r>
             <a:r>
@@ -4924,35 +8751,35 @@
                 <a:latin typeface="Courier New" panose="02070309020205020404" pitchFamily="49" charset="0"/>
                 <a:cs typeface="Courier New" panose="02070309020205020404" pitchFamily="49" charset="0"/>
               </a:rPr>
-              <a:t>sudo</a:t>
-            </a:r>
-            <a:r>
-              <a:rPr lang="de-DE" sz="2400" dirty="0">
-                <a:latin typeface="Courier New" panose="02070309020205020404" pitchFamily="49" charset="0"/>
-                <a:cs typeface="Courier New" panose="02070309020205020404" pitchFamily="49" charset="0"/>
-              </a:rPr>
-              <a:t> </a:t>
-            </a:r>
-            <a:r>
-              <a:rPr lang="de-DE" sz="2400" dirty="0" err="1">
-                <a:latin typeface="Courier New" panose="02070309020205020404" pitchFamily="49" charset="0"/>
-                <a:cs typeface="Courier New" panose="02070309020205020404" pitchFamily="49" charset="0"/>
-              </a:rPr>
-              <a:t>addgroup</a:t>
-            </a:r>
-            <a:r>
-              <a:rPr lang="de-DE" sz="2400" dirty="0">
-                <a:latin typeface="Courier New" panose="02070309020205020404" pitchFamily="49" charset="0"/>
-                <a:cs typeface="Courier New" panose="02070309020205020404" pitchFamily="49" charset="0"/>
-              </a:rPr>
-              <a:t> --system </a:t>
-            </a:r>
-            <a:r>
-              <a:rPr lang="de-DE" sz="2400" dirty="0" err="1">
-                <a:latin typeface="Courier New" panose="02070309020205020404" pitchFamily="49" charset="0"/>
-                <a:cs typeface="Courier New" panose="02070309020205020404" pitchFamily="49" charset="0"/>
-              </a:rPr>
               <a:t>docker</a:t>
+            </a:r>
+            <a:r>
+              <a:rPr lang="de-DE" sz="2400" dirty="0">
+                <a:latin typeface="Courier New" panose="02070309020205020404" pitchFamily="49" charset="0"/>
+                <a:cs typeface="Courier New" panose="02070309020205020404" pitchFamily="49" charset="0"/>
+              </a:rPr>
+              <a:t> save </a:t>
+            </a:r>
+            <a:r>
+              <a:rPr lang="de-DE" sz="2400" dirty="0" err="1">
+                <a:latin typeface="Courier New" panose="02070309020205020404" pitchFamily="49" charset="0"/>
+                <a:cs typeface="Courier New" panose="02070309020205020404" pitchFamily="49" charset="0"/>
+              </a:rPr>
+              <a:t>person</a:t>
+            </a:r>
+            <a:r>
+              <a:rPr lang="de-DE" sz="2400" dirty="0">
+                <a:latin typeface="Courier New" panose="02070309020205020404" pitchFamily="49" charset="0"/>
+                <a:cs typeface="Courier New" panose="02070309020205020404" pitchFamily="49" charset="0"/>
+              </a:rPr>
+              <a:t> &gt; </a:t>
+            </a:r>
+            <a:r>
+              <a:rPr lang="de-DE" sz="2400" dirty="0" err="1">
+                <a:latin typeface="Courier New" panose="02070309020205020404" pitchFamily="49" charset="0"/>
+                <a:cs typeface="Courier New" panose="02070309020205020404" pitchFamily="49" charset="0"/>
+              </a:rPr>
+              <a:t>person.tar</a:t>
             </a:r>
             <a:endParaRPr lang="de-DE" sz="2400" dirty="0">
               <a:latin typeface="Courier New" panose="02070309020205020404" pitchFamily="49" charset="0"/>
@@ -4968,14 +8795,14 @@
                 <a:latin typeface="Courier New" panose="02070309020205020404" pitchFamily="49" charset="0"/>
                 <a:cs typeface="Courier New" panose="02070309020205020404" pitchFamily="49" charset="0"/>
               </a:rPr>
-              <a:t>	</a:t>
-            </a:r>
-            <a:r>
-              <a:rPr lang="de-DE" sz="2400" dirty="0" err="1">
-                <a:latin typeface="Courier New" panose="02070309020205020404" pitchFamily="49" charset="0"/>
-                <a:cs typeface="Courier New" panose="02070309020205020404" pitchFamily="49" charset="0"/>
-              </a:rPr>
-              <a:t>sudo</a:t>
+              <a:t>	microk8s </a:t>
+            </a:r>
+            <a:r>
+              <a:rPr lang="de-DE" sz="2400" dirty="0" err="1">
+                <a:latin typeface="Courier New" panose="02070309020205020404" pitchFamily="49" charset="0"/>
+                <a:cs typeface="Courier New" panose="02070309020205020404" pitchFamily="49" charset="0"/>
+              </a:rPr>
+              <a:t>ctr</a:t>
             </a:r>
             <a:r>
               <a:rPr lang="de-DE" sz="2400" dirty="0">
@@ -4989,21 +8816,35 @@
                 <a:latin typeface="Courier New" panose="02070309020205020404" pitchFamily="49" charset="0"/>
                 <a:cs typeface="Courier New" panose="02070309020205020404" pitchFamily="49" charset="0"/>
               </a:rPr>
-              <a:t>adduser</a:t>
-            </a:r>
-            <a:r>
-              <a:rPr lang="de-DE" sz="2400" dirty="0">
-                <a:latin typeface="Courier New" panose="02070309020205020404" pitchFamily="49" charset="0"/>
-                <a:cs typeface="Courier New" panose="02070309020205020404" pitchFamily="49" charset="0"/>
-              </a:rPr>
-              <a:t> $USER </a:t>
-            </a:r>
-            <a:r>
-              <a:rPr lang="de-DE" sz="2400" dirty="0" err="1">
-                <a:latin typeface="Courier New" panose="02070309020205020404" pitchFamily="49" charset="0"/>
-                <a:cs typeface="Courier New" panose="02070309020205020404" pitchFamily="49" charset="0"/>
-              </a:rPr>
-              <a:t>docker</a:t>
+              <a:t>image</a:t>
+            </a:r>
+            <a:r>
+              <a:rPr lang="de-DE" sz="2400" dirty="0">
+                <a:latin typeface="Courier New" panose="02070309020205020404" pitchFamily="49" charset="0"/>
+                <a:cs typeface="Courier New" panose="02070309020205020404" pitchFamily="49" charset="0"/>
+              </a:rPr>
+              <a:t> </a:t>
+            </a:r>
+            <a:r>
+              <a:rPr lang="de-DE" sz="2400" dirty="0" err="1">
+                <a:latin typeface="Courier New" panose="02070309020205020404" pitchFamily="49" charset="0"/>
+                <a:cs typeface="Courier New" panose="02070309020205020404" pitchFamily="49" charset="0"/>
+              </a:rPr>
+              <a:t>import</a:t>
+            </a:r>
+            <a:r>
+              <a:rPr lang="de-DE" sz="2400" dirty="0">
+                <a:latin typeface="Courier New" panose="02070309020205020404" pitchFamily="49" charset="0"/>
+                <a:cs typeface="Courier New" panose="02070309020205020404" pitchFamily="49" charset="0"/>
+              </a:rPr>
+              <a:t> </a:t>
+            </a:r>
+            <a:r>
+              <a:rPr lang="de-DE" sz="2400" dirty="0" err="1">
+                <a:latin typeface="Courier New" panose="02070309020205020404" pitchFamily="49" charset="0"/>
+                <a:cs typeface="Courier New" panose="02070309020205020404" pitchFamily="49" charset="0"/>
+              </a:rPr>
+              <a:t>person.tar</a:t>
             </a:r>
             <a:endParaRPr lang="de-DE" sz="2400" dirty="0">
               <a:latin typeface="Courier New" panose="02070309020205020404" pitchFamily="49" charset="0"/>
@@ -5026,7 +8867,7 @@
                 <a:latin typeface="Courier New" panose="02070309020205020404" pitchFamily="49" charset="0"/>
                 <a:cs typeface="Courier New" panose="02070309020205020404" pitchFamily="49" charset="0"/>
               </a:rPr>
-              <a:t>sudo</a:t>
+              <a:t>scp</a:t>
             </a:r>
             <a:r>
               <a:rPr lang="de-DE" sz="2400" dirty="0">
@@ -5040,21 +8881,33 @@
                 <a:latin typeface="Courier New" panose="02070309020205020404" pitchFamily="49" charset="0"/>
                 <a:cs typeface="Courier New" panose="02070309020205020404" pitchFamily="49" charset="0"/>
               </a:rPr>
-              <a:t>shutdown</a:t>
-            </a:r>
-            <a:r>
-              <a:rPr lang="de-DE" sz="2400" dirty="0">
-                <a:latin typeface="Courier New" panose="02070309020205020404" pitchFamily="49" charset="0"/>
-                <a:cs typeface="Courier New" panose="02070309020205020404" pitchFamily="49" charset="0"/>
-              </a:rPr>
-              <a:t> -</a:t>
-            </a:r>
-            <a:r>
-              <a:rPr lang="de-DE" sz="2400" dirty="0" err="1">
-                <a:latin typeface="Courier New" panose="02070309020205020404" pitchFamily="49" charset="0"/>
-                <a:cs typeface="Courier New" panose="02070309020205020404" pitchFamily="49" charset="0"/>
-              </a:rPr>
-              <a:t>r</a:t>
+              <a:t>person.tar</a:t>
+            </a:r>
+            <a:r>
+              <a:rPr lang="de-DE" sz="2400" dirty="0">
+                <a:latin typeface="Courier New" panose="02070309020205020404" pitchFamily="49" charset="0"/>
+                <a:cs typeface="Courier New" panose="02070309020205020404" pitchFamily="49" charset="0"/>
+              </a:rPr>
+              <a:t> worker1:.</a:t>
+            </a:r>
+          </a:p>
+          <a:p>
+            <a:pPr marL="0" indent="0">
+              <a:buNone/>
+            </a:pPr>
+            <a:r>
+              <a:rPr lang="de-DE" sz="2400" dirty="0">
+                <a:latin typeface="Courier New" panose="02070309020205020404" pitchFamily="49" charset="0"/>
+                <a:cs typeface="Courier New" panose="02070309020205020404" pitchFamily="49" charset="0"/>
+              </a:rPr>
+              <a:t>	</a:t>
+            </a:r>
+            <a:r>
+              <a:rPr lang="de-DE" sz="2400" dirty="0" err="1">
+                <a:latin typeface="Courier New" panose="02070309020205020404" pitchFamily="49" charset="0"/>
+                <a:cs typeface="Courier New" panose="02070309020205020404" pitchFamily="49" charset="0"/>
+              </a:rPr>
+              <a:t>scp</a:t>
             </a:r>
             <a:r>
               <a:rPr lang="de-DE" sz="2400" dirty="0">
@@ -5068,20 +8921,14 @@
                 <a:latin typeface="Courier New" panose="02070309020205020404" pitchFamily="49" charset="0"/>
                 <a:cs typeface="Courier New" panose="02070309020205020404" pitchFamily="49" charset="0"/>
               </a:rPr>
-              <a:t>now</a:t>
-            </a:r>
-            <a:endParaRPr lang="de-DE" sz="2400" dirty="0">
-              <a:latin typeface="Courier New" panose="02070309020205020404" pitchFamily="49" charset="0"/>
-              <a:cs typeface="Courier New" panose="02070309020205020404" pitchFamily="49" charset="0"/>
-            </a:endParaRPr>
-          </a:p>
-          <a:p>
-            <a:pPr marL="0" indent="0">
-              <a:buNone/>
-            </a:pPr>
-            <a:r>
-              <a:rPr lang="de-DE" dirty="0"/>
-              <a:t>	</a:t>
+              <a:t>person.tar</a:t>
+            </a:r>
+            <a:r>
+              <a:rPr lang="de-DE" sz="2400" dirty="0">
+                <a:latin typeface="Courier New" panose="02070309020205020404" pitchFamily="49" charset="0"/>
+                <a:cs typeface="Courier New" panose="02070309020205020404" pitchFamily="49" charset="0"/>
+              </a:rPr>
+              <a:t> worker2:.</a:t>
             </a:r>
           </a:p>
         </p:txBody>
@@ -5089,561 +8936,7 @@
     </p:spTree>
     <p:extLst>
       <p:ext uri="{BB962C8B-B14F-4D97-AF65-F5344CB8AC3E}">
-        <p14:creationId xmlns:p14="http://schemas.microsoft.com/office/powerpoint/2010/main" val="95530302"/>
-      </p:ext>
-    </p:extLst>
-  </p:cSld>
-  <p:clrMapOvr>
-    <a:masterClrMapping/>
-  </p:clrMapOvr>
-</p:sld>
-</file>
-
-<file path=ppt/slides/slide6.xml><?xml version="1.0" encoding="utf-8"?>
-<p:sld xmlns:a="http://schemas.openxmlformats.org/drawingml/2006/main" xmlns:r="http://schemas.openxmlformats.org/officeDocument/2006/relationships" xmlns:p="http://schemas.openxmlformats.org/presentationml/2006/main">
-  <p:cSld>
-    <p:spTree>
-      <p:nvGrpSpPr>
-        <p:cNvPr id="1" name=""/>
-        <p:cNvGrpSpPr/>
-        <p:nvPr/>
-      </p:nvGrpSpPr>
-      <p:grpSpPr>
-        <a:xfrm>
-          <a:off x="0" y="0"/>
-          <a:ext cx="0" cy="0"/>
-          <a:chOff x="0" y="0"/>
-          <a:chExt cx="0" cy="0"/>
-        </a:xfrm>
-      </p:grpSpPr>
-      <p:sp>
-        <p:nvSpPr>
-          <p:cNvPr id="2" name="Titel 1">
-            <a:extLst>
-              <a:ext uri="{FF2B5EF4-FFF2-40B4-BE49-F238E27FC236}">
-                <a16:creationId xmlns:a16="http://schemas.microsoft.com/office/drawing/2014/main" id="{6771848D-1E70-E48B-5C6D-951BC6041598}"/>
-              </a:ext>
-            </a:extLst>
-          </p:cNvPr>
-          <p:cNvSpPr>
-            <a:spLocks noGrp="1"/>
-          </p:cNvSpPr>
-          <p:nvPr>
-            <p:ph type="title"/>
-          </p:nvPr>
-        </p:nvSpPr>
-        <p:spPr/>
-        <p:txBody>
-          <a:bodyPr/>
-          <a:lstStyle/>
-          <a:p>
-            <a:r>
-              <a:rPr lang="de-DE" dirty="0"/>
-              <a:t>Bauen der Anwendung</a:t>
-            </a:r>
-          </a:p>
-        </p:txBody>
-      </p:sp>
-      <p:sp>
-        <p:nvSpPr>
-          <p:cNvPr id="3" name="Inhaltsplatzhalter 2">
-            <a:extLst>
-              <a:ext uri="{FF2B5EF4-FFF2-40B4-BE49-F238E27FC236}">
-                <a16:creationId xmlns:a16="http://schemas.microsoft.com/office/drawing/2014/main" id="{C6B47590-B943-D19C-BC30-9C11A54E6BFE}"/>
-              </a:ext>
-            </a:extLst>
-          </p:cNvPr>
-          <p:cNvSpPr>
-            <a:spLocks noGrp="1"/>
-          </p:cNvSpPr>
-          <p:nvPr>
-            <p:ph idx="1"/>
-          </p:nvPr>
-        </p:nvSpPr>
-        <p:spPr/>
-        <p:txBody>
-          <a:bodyPr>
-            <a:normAutofit/>
-          </a:bodyPr>
-          <a:lstStyle/>
-          <a:p>
-            <a:r>
-              <a:rPr lang="de-DE" dirty="0"/>
-              <a:t>Anwendung bauen:</a:t>
-            </a:r>
-          </a:p>
-          <a:p>
-            <a:pPr marL="0" indent="0">
-              <a:buNone/>
-            </a:pPr>
-            <a:r>
-              <a:rPr lang="de-DE" sz="2400" dirty="0"/>
-              <a:t>	</a:t>
-            </a:r>
-            <a:r>
-              <a:rPr lang="de-DE" sz="2400" dirty="0">
-                <a:latin typeface="Courier New" panose="02070309020205020404" pitchFamily="49" charset="0"/>
-                <a:cs typeface="Courier New" panose="02070309020205020404" pitchFamily="49" charset="0"/>
-              </a:rPr>
-              <a:t>multipass </a:t>
-            </a:r>
-            <a:r>
-              <a:rPr lang="de-DE" sz="2400" dirty="0" err="1">
-                <a:latin typeface="Courier New" panose="02070309020205020404" pitchFamily="49" charset="0"/>
-                <a:cs typeface="Courier New" panose="02070309020205020404" pitchFamily="49" charset="0"/>
-              </a:rPr>
-              <a:t>shell</a:t>
-            </a:r>
-            <a:r>
-              <a:rPr lang="de-DE" sz="2400" dirty="0">
-                <a:latin typeface="Courier New" panose="02070309020205020404" pitchFamily="49" charset="0"/>
-                <a:cs typeface="Courier New" panose="02070309020205020404" pitchFamily="49" charset="0"/>
-              </a:rPr>
-              <a:t> </a:t>
-            </a:r>
-            <a:r>
-              <a:rPr lang="de-DE" sz="2400" dirty="0" err="1">
-                <a:latin typeface="Courier New" panose="02070309020205020404" pitchFamily="49" charset="0"/>
-                <a:cs typeface="Courier New" panose="02070309020205020404" pitchFamily="49" charset="0"/>
-              </a:rPr>
-              <a:t>master</a:t>
-            </a:r>
-            <a:endParaRPr lang="de-DE" sz="2400" dirty="0">
-              <a:latin typeface="Courier New" panose="02070309020205020404" pitchFamily="49" charset="0"/>
-              <a:cs typeface="Courier New" panose="02070309020205020404" pitchFamily="49" charset="0"/>
-            </a:endParaRPr>
-          </a:p>
-          <a:p>
-            <a:pPr marL="0" indent="0">
-              <a:buNone/>
-            </a:pPr>
-            <a:r>
-              <a:rPr lang="de-DE" sz="2400" dirty="0">
-                <a:latin typeface="Courier New" panose="02070309020205020404" pitchFamily="49" charset="0"/>
-                <a:cs typeface="Courier New" panose="02070309020205020404" pitchFamily="49" charset="0"/>
-              </a:rPr>
-              <a:t>	cd </a:t>
-            </a:r>
-            <a:r>
-              <a:rPr lang="de-DE" sz="2400" dirty="0" err="1">
-                <a:latin typeface="Courier New" panose="02070309020205020404" pitchFamily="49" charset="0"/>
-                <a:cs typeface="Courier New" panose="02070309020205020404" pitchFamily="49" charset="0"/>
-              </a:rPr>
-              <a:t>java</a:t>
-            </a:r>
-            <a:r>
-              <a:rPr lang="de-DE" sz="2400" dirty="0">
-                <a:latin typeface="Courier New" panose="02070309020205020404" pitchFamily="49" charset="0"/>
-                <a:cs typeface="Courier New" panose="02070309020205020404" pitchFamily="49" charset="0"/>
-              </a:rPr>
-              <a:t>-starter/sample/</a:t>
-            </a:r>
-            <a:r>
-              <a:rPr lang="de-DE" sz="2400" dirty="0" err="1">
-                <a:latin typeface="Courier New" panose="02070309020205020404" pitchFamily="49" charset="0"/>
-                <a:cs typeface="Courier New" panose="02070309020205020404" pitchFamily="49" charset="0"/>
-              </a:rPr>
-              <a:t>person</a:t>
-            </a:r>
-            <a:endParaRPr lang="de-DE" sz="2400" dirty="0">
-              <a:latin typeface="Courier New" panose="02070309020205020404" pitchFamily="49" charset="0"/>
-              <a:cs typeface="Courier New" panose="02070309020205020404" pitchFamily="49" charset="0"/>
-            </a:endParaRPr>
-          </a:p>
-          <a:p>
-            <a:pPr marL="0" indent="0">
-              <a:buNone/>
-            </a:pPr>
-            <a:r>
-              <a:rPr lang="de-DE" sz="2400" dirty="0">
-                <a:latin typeface="Courier New" panose="02070309020205020404" pitchFamily="49" charset="0"/>
-                <a:cs typeface="Courier New" panose="02070309020205020404" pitchFamily="49" charset="0"/>
-              </a:rPr>
-              <a:t>	</a:t>
-            </a:r>
-            <a:r>
-              <a:rPr lang="de-DE" sz="2400" dirty="0" err="1">
-                <a:latin typeface="Courier New" panose="02070309020205020404" pitchFamily="49" charset="0"/>
-                <a:cs typeface="Courier New" panose="02070309020205020404" pitchFamily="49" charset="0"/>
-              </a:rPr>
-              <a:t>mvn</a:t>
-            </a:r>
-            <a:r>
-              <a:rPr lang="de-DE" sz="2400" dirty="0">
-                <a:latin typeface="Courier New" panose="02070309020205020404" pitchFamily="49" charset="0"/>
-                <a:cs typeface="Courier New" panose="02070309020205020404" pitchFamily="49" charset="0"/>
-              </a:rPr>
-              <a:t> clean </a:t>
-            </a:r>
-            <a:r>
-              <a:rPr lang="de-DE" sz="2400" dirty="0" err="1">
-                <a:latin typeface="Courier New" panose="02070309020205020404" pitchFamily="49" charset="0"/>
-                <a:cs typeface="Courier New" panose="02070309020205020404" pitchFamily="49" charset="0"/>
-              </a:rPr>
-              <a:t>install</a:t>
-            </a:r>
-            <a:endParaRPr lang="de-DE" sz="2400" dirty="0">
-              <a:latin typeface="Courier New" panose="02070309020205020404" pitchFamily="49" charset="0"/>
-              <a:cs typeface="Courier New" panose="02070309020205020404" pitchFamily="49" charset="0"/>
-            </a:endParaRPr>
-          </a:p>
-          <a:p>
-            <a:r>
-              <a:rPr lang="de-DE" sz="2400" dirty="0"/>
-              <a:t>Container Image übertragen:</a:t>
-            </a:r>
-          </a:p>
-          <a:p>
-            <a:pPr marL="0" indent="0">
-              <a:buNone/>
-            </a:pPr>
-            <a:r>
-              <a:rPr lang="de-DE" sz="2400" dirty="0"/>
-              <a:t>	</a:t>
-            </a:r>
-            <a:r>
-              <a:rPr lang="de-DE" sz="2400" dirty="0" err="1">
-                <a:latin typeface="Courier New" panose="02070309020205020404" pitchFamily="49" charset="0"/>
-                <a:cs typeface="Courier New" panose="02070309020205020404" pitchFamily="49" charset="0"/>
-              </a:rPr>
-              <a:t>docker</a:t>
-            </a:r>
-            <a:r>
-              <a:rPr lang="de-DE" sz="2400" dirty="0">
-                <a:latin typeface="Courier New" panose="02070309020205020404" pitchFamily="49" charset="0"/>
-                <a:cs typeface="Courier New" panose="02070309020205020404" pitchFamily="49" charset="0"/>
-              </a:rPr>
-              <a:t> save </a:t>
-            </a:r>
-            <a:r>
-              <a:rPr lang="de-DE" sz="2400" dirty="0" err="1">
-                <a:latin typeface="Courier New" panose="02070309020205020404" pitchFamily="49" charset="0"/>
-                <a:cs typeface="Courier New" panose="02070309020205020404" pitchFamily="49" charset="0"/>
-              </a:rPr>
-              <a:t>person</a:t>
-            </a:r>
-            <a:r>
-              <a:rPr lang="de-DE" sz="2400" dirty="0">
-                <a:latin typeface="Courier New" panose="02070309020205020404" pitchFamily="49" charset="0"/>
-                <a:cs typeface="Courier New" panose="02070309020205020404" pitchFamily="49" charset="0"/>
-              </a:rPr>
-              <a:t> &gt; </a:t>
-            </a:r>
-            <a:r>
-              <a:rPr lang="de-DE" sz="2400" dirty="0" err="1">
-                <a:latin typeface="Courier New" panose="02070309020205020404" pitchFamily="49" charset="0"/>
-                <a:cs typeface="Courier New" panose="02070309020205020404" pitchFamily="49" charset="0"/>
-              </a:rPr>
-              <a:t>person.tar</a:t>
-            </a:r>
-            <a:endParaRPr lang="de-DE" sz="2400" dirty="0">
-              <a:latin typeface="Courier New" panose="02070309020205020404" pitchFamily="49" charset="0"/>
-              <a:cs typeface="Courier New" panose="02070309020205020404" pitchFamily="49" charset="0"/>
-            </a:endParaRPr>
-          </a:p>
-          <a:p>
-            <a:pPr marL="0" indent="0">
-              <a:buNone/>
-            </a:pPr>
-            <a:r>
-              <a:rPr lang="de-DE" sz="2400" dirty="0">
-                <a:latin typeface="Courier New" panose="02070309020205020404" pitchFamily="49" charset="0"/>
-                <a:cs typeface="Courier New" panose="02070309020205020404" pitchFamily="49" charset="0"/>
-              </a:rPr>
-              <a:t>	microk8s </a:t>
-            </a:r>
-            <a:r>
-              <a:rPr lang="de-DE" sz="2400" dirty="0" err="1">
-                <a:latin typeface="Courier New" panose="02070309020205020404" pitchFamily="49" charset="0"/>
-                <a:cs typeface="Courier New" panose="02070309020205020404" pitchFamily="49" charset="0"/>
-              </a:rPr>
-              <a:t>ctr</a:t>
-            </a:r>
-            <a:r>
-              <a:rPr lang="de-DE" sz="2400" dirty="0">
-                <a:latin typeface="Courier New" panose="02070309020205020404" pitchFamily="49" charset="0"/>
-                <a:cs typeface="Courier New" panose="02070309020205020404" pitchFamily="49" charset="0"/>
-              </a:rPr>
-              <a:t> </a:t>
-            </a:r>
-            <a:r>
-              <a:rPr lang="de-DE" sz="2400" dirty="0" err="1">
-                <a:latin typeface="Courier New" panose="02070309020205020404" pitchFamily="49" charset="0"/>
-                <a:cs typeface="Courier New" panose="02070309020205020404" pitchFamily="49" charset="0"/>
-              </a:rPr>
-              <a:t>image</a:t>
-            </a:r>
-            <a:r>
-              <a:rPr lang="de-DE" sz="2400" dirty="0">
-                <a:latin typeface="Courier New" panose="02070309020205020404" pitchFamily="49" charset="0"/>
-                <a:cs typeface="Courier New" panose="02070309020205020404" pitchFamily="49" charset="0"/>
-              </a:rPr>
-              <a:t> </a:t>
-            </a:r>
-            <a:r>
-              <a:rPr lang="de-DE" sz="2400" dirty="0" err="1">
-                <a:latin typeface="Courier New" panose="02070309020205020404" pitchFamily="49" charset="0"/>
-                <a:cs typeface="Courier New" panose="02070309020205020404" pitchFamily="49" charset="0"/>
-              </a:rPr>
-              <a:t>import</a:t>
-            </a:r>
-            <a:r>
-              <a:rPr lang="de-DE" sz="2400" dirty="0">
-                <a:latin typeface="Courier New" panose="02070309020205020404" pitchFamily="49" charset="0"/>
-                <a:cs typeface="Courier New" panose="02070309020205020404" pitchFamily="49" charset="0"/>
-              </a:rPr>
-              <a:t> </a:t>
-            </a:r>
-            <a:r>
-              <a:rPr lang="de-DE" sz="2400" dirty="0" err="1">
-                <a:latin typeface="Courier New" panose="02070309020205020404" pitchFamily="49" charset="0"/>
-                <a:cs typeface="Courier New" panose="02070309020205020404" pitchFamily="49" charset="0"/>
-              </a:rPr>
-              <a:t>person.tar</a:t>
-            </a:r>
-            <a:r>
-              <a:rPr lang="de-DE" dirty="0">
-                <a:latin typeface="Courier New" panose="02070309020205020404" pitchFamily="49" charset="0"/>
-                <a:cs typeface="Courier New" panose="02070309020205020404" pitchFamily="49" charset="0"/>
-              </a:rPr>
-              <a:t>	</a:t>
-            </a:r>
-          </a:p>
-          <a:p>
-            <a:pPr marL="0" indent="0">
-              <a:buNone/>
-            </a:pPr>
-            <a:endParaRPr lang="de-DE" dirty="0"/>
-          </a:p>
-          <a:p>
-            <a:r>
-              <a:rPr lang="de-DE" dirty="0"/>
-              <a:t>Ebenso: </a:t>
-            </a:r>
-            <a:r>
-              <a:rPr lang="de-DE" dirty="0" err="1">
-                <a:latin typeface="Courier New" panose="02070309020205020404" pitchFamily="49" charset="0"/>
-                <a:cs typeface="Courier New" panose="02070309020205020404" pitchFamily="49" charset="0"/>
-              </a:rPr>
-              <a:t>auftrag</a:t>
-            </a:r>
-            <a:r>
-              <a:rPr lang="de-DE" dirty="0"/>
-              <a:t> und </a:t>
-            </a:r>
-            <a:r>
-              <a:rPr lang="de-DE" dirty="0" err="1">
-                <a:latin typeface="Courier New" panose="02070309020205020404" pitchFamily="49" charset="0"/>
-                <a:cs typeface="Courier New" panose="02070309020205020404" pitchFamily="49" charset="0"/>
-              </a:rPr>
-              <a:t>shop</a:t>
-            </a:r>
-            <a:r>
-              <a:rPr lang="de-DE" dirty="0">
-                <a:latin typeface="Courier New" panose="02070309020205020404" pitchFamily="49" charset="0"/>
-                <a:cs typeface="Courier New" panose="02070309020205020404" pitchFamily="49" charset="0"/>
-              </a:rPr>
-              <a:t> </a:t>
-            </a:r>
-            <a:r>
-              <a:rPr lang="de-DE" dirty="0">
-                <a:cs typeface="Courier New" panose="02070309020205020404" pitchFamily="49" charset="0"/>
-              </a:rPr>
-              <a:t>bauen</a:t>
-            </a:r>
-            <a:r>
-              <a:rPr lang="de-DE" dirty="0"/>
-              <a:t>!</a:t>
-            </a:r>
-          </a:p>
-        </p:txBody>
-      </p:sp>
-    </p:spTree>
-    <p:extLst>
-      <p:ext uri="{BB962C8B-B14F-4D97-AF65-F5344CB8AC3E}">
-        <p14:creationId xmlns:p14="http://schemas.microsoft.com/office/powerpoint/2010/main" val="3726267287"/>
-      </p:ext>
-    </p:extLst>
-  </p:cSld>
-  <p:clrMapOvr>
-    <a:masterClrMapping/>
-  </p:clrMapOvr>
-</p:sld>
-</file>
-
-<file path=ppt/slides/slide7.xml><?xml version="1.0" encoding="utf-8"?>
-<p:sld xmlns:a="http://schemas.openxmlformats.org/drawingml/2006/main" xmlns:r="http://schemas.openxmlformats.org/officeDocument/2006/relationships" xmlns:p="http://schemas.openxmlformats.org/presentationml/2006/main">
-  <p:cSld>
-    <p:spTree>
-      <p:nvGrpSpPr>
-        <p:cNvPr id="1" name=""/>
-        <p:cNvGrpSpPr/>
-        <p:nvPr/>
-      </p:nvGrpSpPr>
-      <p:grpSpPr>
-        <a:xfrm>
-          <a:off x="0" y="0"/>
-          <a:ext cx="0" cy="0"/>
-          <a:chOff x="0" y="0"/>
-          <a:chExt cx="0" cy="0"/>
-        </a:xfrm>
-      </p:grpSpPr>
-      <p:sp>
-        <p:nvSpPr>
-          <p:cNvPr id="2" name="Titel 1">
-            <a:extLst>
-              <a:ext uri="{FF2B5EF4-FFF2-40B4-BE49-F238E27FC236}">
-                <a16:creationId xmlns:a16="http://schemas.microsoft.com/office/drawing/2014/main" id="{6771848D-1E70-E48B-5C6D-951BC6041598}"/>
-              </a:ext>
-            </a:extLst>
-          </p:cNvPr>
-          <p:cNvSpPr>
-            <a:spLocks noGrp="1"/>
-          </p:cNvSpPr>
-          <p:nvPr>
-            <p:ph type="title"/>
-          </p:nvPr>
-        </p:nvSpPr>
-        <p:spPr/>
-        <p:txBody>
-          <a:bodyPr/>
-          <a:lstStyle/>
-          <a:p>
-            <a:r>
-              <a:rPr lang="de-DE" dirty="0"/>
-              <a:t>Start der Anwendung</a:t>
-            </a:r>
-          </a:p>
-        </p:txBody>
-      </p:sp>
-      <p:sp>
-        <p:nvSpPr>
-          <p:cNvPr id="3" name="Inhaltsplatzhalter 2">
-            <a:extLst>
-              <a:ext uri="{FF2B5EF4-FFF2-40B4-BE49-F238E27FC236}">
-                <a16:creationId xmlns:a16="http://schemas.microsoft.com/office/drawing/2014/main" id="{C6B47590-B943-D19C-BC30-9C11A54E6BFE}"/>
-              </a:ext>
-            </a:extLst>
-          </p:cNvPr>
-          <p:cNvSpPr>
-            <a:spLocks noGrp="1"/>
-          </p:cNvSpPr>
-          <p:nvPr>
-            <p:ph idx="1"/>
-          </p:nvPr>
-        </p:nvSpPr>
-        <p:spPr/>
-        <p:txBody>
-          <a:bodyPr/>
-          <a:lstStyle/>
-          <a:p>
-            <a:pPr marL="0" indent="0">
-              <a:buNone/>
-            </a:pPr>
-            <a:r>
-              <a:rPr lang="de-DE" sz="2400" dirty="0">
-                <a:latin typeface="Courier New" panose="02070309020205020404" pitchFamily="49" charset="0"/>
-                <a:cs typeface="Courier New" panose="02070309020205020404" pitchFamily="49" charset="0"/>
-              </a:rPr>
-              <a:t>	cd ~/</a:t>
-            </a:r>
-            <a:r>
-              <a:rPr lang="de-DE" sz="2400" dirty="0" err="1">
-                <a:latin typeface="Courier New" panose="02070309020205020404" pitchFamily="49" charset="0"/>
-                <a:cs typeface="Courier New" panose="02070309020205020404" pitchFamily="49" charset="0"/>
-              </a:rPr>
-              <a:t>java</a:t>
-            </a:r>
-            <a:r>
-              <a:rPr lang="de-DE" sz="2400" dirty="0">
-                <a:latin typeface="Courier New" panose="02070309020205020404" pitchFamily="49" charset="0"/>
-                <a:cs typeface="Courier New" panose="02070309020205020404" pitchFamily="49" charset="0"/>
-              </a:rPr>
-              <a:t>-starter/sample/</a:t>
-            </a:r>
-            <a:r>
-              <a:rPr lang="de-DE" sz="2400" dirty="0" err="1">
-                <a:latin typeface="Courier New" panose="02070309020205020404" pitchFamily="49" charset="0"/>
-                <a:cs typeface="Courier New" panose="02070309020205020404" pitchFamily="49" charset="0"/>
-              </a:rPr>
-              <a:t>kubernetes</a:t>
-            </a:r>
-            <a:r>
-              <a:rPr lang="de-DE" sz="2400" dirty="0">
-                <a:latin typeface="Courier New" panose="02070309020205020404" pitchFamily="49" charset="0"/>
-                <a:cs typeface="Courier New" panose="02070309020205020404" pitchFamily="49" charset="0"/>
-              </a:rPr>
-              <a:t>/</a:t>
-            </a:r>
-            <a:r>
-              <a:rPr lang="de-DE" sz="2400" dirty="0" err="1">
-                <a:latin typeface="Courier New" panose="02070309020205020404" pitchFamily="49" charset="0"/>
-                <a:cs typeface="Courier New" panose="02070309020205020404" pitchFamily="49" charset="0"/>
-              </a:rPr>
-              <a:t>deployment</a:t>
-            </a:r>
-            <a:endParaRPr lang="de-DE" sz="2400" dirty="0">
-              <a:latin typeface="Courier New" panose="02070309020205020404" pitchFamily="49" charset="0"/>
-              <a:cs typeface="Courier New" panose="02070309020205020404" pitchFamily="49" charset="0"/>
-            </a:endParaRPr>
-          </a:p>
-          <a:p>
-            <a:pPr marL="0" indent="0">
-              <a:buNone/>
-            </a:pPr>
-            <a:r>
-              <a:rPr lang="de-DE" sz="2400" dirty="0">
-                <a:latin typeface="Courier New" panose="02070309020205020404" pitchFamily="49" charset="0"/>
-                <a:cs typeface="Courier New" panose="02070309020205020404" pitchFamily="49" charset="0"/>
-              </a:rPr>
-              <a:t>	microk8s </a:t>
-            </a:r>
-            <a:r>
-              <a:rPr lang="de-DE" sz="2400" dirty="0" err="1">
-                <a:latin typeface="Courier New" panose="02070309020205020404" pitchFamily="49" charset="0"/>
-                <a:cs typeface="Courier New" panose="02070309020205020404" pitchFamily="49" charset="0"/>
-              </a:rPr>
-              <a:t>kubectl</a:t>
-            </a:r>
-            <a:r>
-              <a:rPr lang="de-DE" sz="2400" dirty="0">
-                <a:latin typeface="Courier New" panose="02070309020205020404" pitchFamily="49" charset="0"/>
-                <a:cs typeface="Courier New" panose="02070309020205020404" pitchFamily="49" charset="0"/>
-              </a:rPr>
-              <a:t> </a:t>
-            </a:r>
-            <a:r>
-              <a:rPr lang="de-DE" sz="2400" dirty="0" err="1">
-                <a:latin typeface="Courier New" panose="02070309020205020404" pitchFamily="49" charset="0"/>
-                <a:cs typeface="Courier New" panose="02070309020205020404" pitchFamily="49" charset="0"/>
-              </a:rPr>
-              <a:t>apply</a:t>
-            </a:r>
-            <a:r>
-              <a:rPr lang="de-DE" sz="2400" dirty="0">
-                <a:latin typeface="Courier New" panose="02070309020205020404" pitchFamily="49" charset="0"/>
-                <a:cs typeface="Courier New" panose="02070309020205020404" pitchFamily="49" charset="0"/>
-              </a:rPr>
-              <a:t> -f </a:t>
-            </a:r>
-            <a:r>
-              <a:rPr lang="de-DE" sz="2400" dirty="0" err="1">
-                <a:latin typeface="Courier New" panose="02070309020205020404" pitchFamily="49" charset="0"/>
-                <a:cs typeface="Courier New" panose="02070309020205020404" pitchFamily="49" charset="0"/>
-              </a:rPr>
-              <a:t>sample.yml</a:t>
-            </a:r>
-            <a:endParaRPr lang="de-DE" sz="2400" dirty="0">
-              <a:latin typeface="Courier New" panose="02070309020205020404" pitchFamily="49" charset="0"/>
-              <a:cs typeface="Courier New" panose="02070309020205020404" pitchFamily="49" charset="0"/>
-            </a:endParaRPr>
-          </a:p>
-        </p:txBody>
-      </p:sp>
-    </p:spTree>
-    <p:extLst>
-      <p:ext uri="{BB962C8B-B14F-4D97-AF65-F5344CB8AC3E}">
-        <p14:creationId xmlns:p14="http://schemas.microsoft.com/office/powerpoint/2010/main" val="1844990318"/>
+        <p14:creationId xmlns:p14="http://schemas.microsoft.com/office/powerpoint/2010/main" val="3140198035"/>
       </p:ext>
     </p:extLst>
   </p:cSld>

--- a/sample/kubernetes/Bring your own device - Teil 2.pptx
+++ b/sample/kubernetes/Bring your own device - Teil 2.pptx
@@ -5,25 +5,23 @@
     <p:sldMasterId id="2147483648" r:id="rId1"/>
   </p:sldMasterIdLst>
   <p:notesMasterIdLst>
-    <p:notesMasterId r:id="rId18"/>
+    <p:notesMasterId r:id="rId16"/>
   </p:notesMasterIdLst>
   <p:sldIdLst>
     <p:sldId id="256" r:id="rId2"/>
     <p:sldId id="276" r:id="rId3"/>
     <p:sldId id="257" r:id="rId4"/>
-    <p:sldId id="258" r:id="rId5"/>
-    <p:sldId id="269" r:id="rId6"/>
-    <p:sldId id="270" r:id="rId7"/>
-    <p:sldId id="259" r:id="rId8"/>
-    <p:sldId id="263" r:id="rId9"/>
-    <p:sldId id="268" r:id="rId10"/>
-    <p:sldId id="265" r:id="rId11"/>
-    <p:sldId id="266" r:id="rId12"/>
-    <p:sldId id="267" r:id="rId13"/>
-    <p:sldId id="271" r:id="rId14"/>
-    <p:sldId id="262" r:id="rId15"/>
-    <p:sldId id="273" r:id="rId16"/>
-    <p:sldId id="275" r:id="rId17"/>
+    <p:sldId id="259" r:id="rId5"/>
+    <p:sldId id="258" r:id="rId6"/>
+    <p:sldId id="263" r:id="rId7"/>
+    <p:sldId id="277" r:id="rId8"/>
+    <p:sldId id="268" r:id="rId9"/>
+    <p:sldId id="265" r:id="rId10"/>
+    <p:sldId id="266" r:id="rId11"/>
+    <p:sldId id="267" r:id="rId12"/>
+    <p:sldId id="262" r:id="rId13"/>
+    <p:sldId id="273" r:id="rId14"/>
+    <p:sldId id="275" r:id="rId15"/>
   </p:sldIdLst>
   <p:sldSz cx="12192000" cy="6858000"/>
   <p:notesSz cx="6858000" cy="9144000"/>
@@ -212,7 +210,7 @@
           <a:p>
             <a:fld id="{5CCD219F-F703-C14B-A05B-DA5DAB0DC4D2}" type="datetimeFigureOut">
               <a:rPr lang="de-DE" smtClean="0"/>
-              <a:t>28.02.23</a:t>
+              <a:t>05.03.23</a:t>
             </a:fld>
             <a:endParaRPr lang="de-DE"/>
           </a:p>
@@ -794,7 +792,7 @@
           <a:p>
             <a:fld id="{6B40B35D-B481-DF4E-B1B0-2B6288A3F72B}" type="datetimeFigureOut">
               <a:rPr lang="de-DE" smtClean="0"/>
-              <a:t>28.02.23</a:t>
+              <a:t>05.03.23</a:t>
             </a:fld>
             <a:endParaRPr lang="de-DE"/>
           </a:p>
@@ -992,7 +990,7 @@
           <a:p>
             <a:fld id="{6B40B35D-B481-DF4E-B1B0-2B6288A3F72B}" type="datetimeFigureOut">
               <a:rPr lang="de-DE" smtClean="0"/>
-              <a:t>28.02.23</a:t>
+              <a:t>05.03.23</a:t>
             </a:fld>
             <a:endParaRPr lang="de-DE"/>
           </a:p>
@@ -1200,7 +1198,7 @@
           <a:p>
             <a:fld id="{6B40B35D-B481-DF4E-B1B0-2B6288A3F72B}" type="datetimeFigureOut">
               <a:rPr lang="de-DE" smtClean="0"/>
-              <a:t>28.02.23</a:t>
+              <a:t>05.03.23</a:t>
             </a:fld>
             <a:endParaRPr lang="de-DE"/>
           </a:p>
@@ -1398,7 +1396,7 @@
           <a:p>
             <a:fld id="{6B40B35D-B481-DF4E-B1B0-2B6288A3F72B}" type="datetimeFigureOut">
               <a:rPr lang="de-DE" smtClean="0"/>
-              <a:t>28.02.23</a:t>
+              <a:t>05.03.23</a:t>
             </a:fld>
             <a:endParaRPr lang="de-DE"/>
           </a:p>
@@ -1673,7 +1671,7 @@
           <a:p>
             <a:fld id="{6B40B35D-B481-DF4E-B1B0-2B6288A3F72B}" type="datetimeFigureOut">
               <a:rPr lang="de-DE" smtClean="0"/>
-              <a:t>28.02.23</a:t>
+              <a:t>05.03.23</a:t>
             </a:fld>
             <a:endParaRPr lang="de-DE"/>
           </a:p>
@@ -1938,7 +1936,7 @@
           <a:p>
             <a:fld id="{6B40B35D-B481-DF4E-B1B0-2B6288A3F72B}" type="datetimeFigureOut">
               <a:rPr lang="de-DE" smtClean="0"/>
-              <a:t>28.02.23</a:t>
+              <a:t>05.03.23</a:t>
             </a:fld>
             <a:endParaRPr lang="de-DE"/>
           </a:p>
@@ -2350,7 +2348,7 @@
           <a:p>
             <a:fld id="{6B40B35D-B481-DF4E-B1B0-2B6288A3F72B}" type="datetimeFigureOut">
               <a:rPr lang="de-DE" smtClean="0"/>
-              <a:t>28.02.23</a:t>
+              <a:t>05.03.23</a:t>
             </a:fld>
             <a:endParaRPr lang="de-DE"/>
           </a:p>
@@ -2491,7 +2489,7 @@
           <a:p>
             <a:fld id="{6B40B35D-B481-DF4E-B1B0-2B6288A3F72B}" type="datetimeFigureOut">
               <a:rPr lang="de-DE" smtClean="0"/>
-              <a:t>28.02.23</a:t>
+              <a:t>05.03.23</a:t>
             </a:fld>
             <a:endParaRPr lang="de-DE"/>
           </a:p>
@@ -2604,7 +2602,7 @@
           <a:p>
             <a:fld id="{6B40B35D-B481-DF4E-B1B0-2B6288A3F72B}" type="datetimeFigureOut">
               <a:rPr lang="de-DE" smtClean="0"/>
-              <a:t>28.02.23</a:t>
+              <a:t>05.03.23</a:t>
             </a:fld>
             <a:endParaRPr lang="de-DE"/>
           </a:p>
@@ -2915,7 +2913,7 @@
           <a:p>
             <a:fld id="{6B40B35D-B481-DF4E-B1B0-2B6288A3F72B}" type="datetimeFigureOut">
               <a:rPr lang="de-DE" smtClean="0"/>
-              <a:t>28.02.23</a:t>
+              <a:t>05.03.23</a:t>
             </a:fld>
             <a:endParaRPr lang="de-DE"/>
           </a:p>
@@ -3203,7 +3201,7 @@
           <a:p>
             <a:fld id="{6B40B35D-B481-DF4E-B1B0-2B6288A3F72B}" type="datetimeFigureOut">
               <a:rPr lang="de-DE" smtClean="0"/>
-              <a:t>28.02.23</a:t>
+              <a:t>05.03.23</a:t>
             </a:fld>
             <a:endParaRPr lang="de-DE"/>
           </a:p>
@@ -3444,7 +3442,7 @@
           <a:p>
             <a:fld id="{6B40B35D-B481-DF4E-B1B0-2B6288A3F72B}" type="datetimeFigureOut">
               <a:rPr lang="de-DE" smtClean="0"/>
-              <a:t>28.02.23</a:t>
+              <a:t>05.03.23</a:t>
             </a:fld>
             <a:endParaRPr lang="de-DE"/>
           </a:p>
@@ -4015,7 +4013,7 @@
           <a:p>
             <a:r>
               <a:rPr lang="de-DE" dirty="0"/>
-              <a:t>4. Bauen der Anwendung</a:t>
+              <a:t>5. Bauen der Anwendung</a:t>
             </a:r>
           </a:p>
         </p:txBody>
@@ -4045,18 +4043,18 @@
           <a:p>
             <a:r>
               <a:rPr lang="de-DE" dirty="0"/>
-              <a:t>Anwendung bauen (</a:t>
+              <a:t>Microservice </a:t>
             </a:r>
             <a:r>
               <a:rPr lang="de-DE" dirty="0" err="1">
                 <a:latin typeface="Courier New" panose="02070309020205020404" pitchFamily="49" charset="0"/>
                 <a:cs typeface="Courier New" panose="02070309020205020404" pitchFamily="49" charset="0"/>
               </a:rPr>
-              <a:t>auftrag</a:t>
+              <a:t>shop</a:t>
             </a:r>
             <a:r>
               <a:rPr lang="de-DE" dirty="0"/>
-              <a:t>):</a:t>
+              <a:t>:</a:t>
             </a:r>
           </a:p>
           <a:p>
@@ -4093,7 +4091,7 @@
                 <a:latin typeface="Courier New" panose="02070309020205020404" pitchFamily="49" charset="0"/>
                 <a:cs typeface="Courier New" panose="02070309020205020404" pitchFamily="49" charset="0"/>
               </a:rPr>
-              <a:t>auftrag</a:t>
+              <a:t>shop</a:t>
             </a:r>
             <a:endParaRPr lang="de-DE" sz="2400" dirty="0">
               <a:latin typeface="Courier New" panose="02070309020205020404" pitchFamily="49" charset="0"/>
@@ -4170,7 +4168,7 @@
                 <a:latin typeface="Courier New" panose="02070309020205020404" pitchFamily="49" charset="0"/>
                 <a:cs typeface="Courier New" panose="02070309020205020404" pitchFamily="49" charset="0"/>
               </a:rPr>
-              <a:t>auftrag</a:t>
+              <a:t>shop</a:t>
             </a:r>
             <a:r>
               <a:rPr lang="de-DE" sz="2400" dirty="0">
@@ -4184,7 +4182,7 @@
                 <a:latin typeface="Courier New" panose="02070309020205020404" pitchFamily="49" charset="0"/>
                 <a:cs typeface="Courier New" panose="02070309020205020404" pitchFamily="49" charset="0"/>
               </a:rPr>
-              <a:t>auftrag.tar</a:t>
+              <a:t>shop.tar</a:t>
             </a:r>
             <a:endParaRPr lang="de-DE" sz="2400" dirty="0">
               <a:latin typeface="Courier New" panose="02070309020205020404" pitchFamily="49" charset="0"/>
@@ -4249,7 +4247,7 @@
                 <a:latin typeface="Courier New" panose="02070309020205020404" pitchFamily="49" charset="0"/>
                 <a:cs typeface="Courier New" panose="02070309020205020404" pitchFamily="49" charset="0"/>
               </a:rPr>
-              <a:t>auftrag.tar</a:t>
+              <a:t>shop.tar</a:t>
             </a:r>
             <a:endParaRPr lang="de-DE" sz="2400" dirty="0">
               <a:latin typeface="Courier New" panose="02070309020205020404" pitchFamily="49" charset="0"/>
@@ -4286,7 +4284,7 @@
                 <a:latin typeface="Courier New" panose="02070309020205020404" pitchFamily="49" charset="0"/>
                 <a:cs typeface="Courier New" panose="02070309020205020404" pitchFamily="49" charset="0"/>
               </a:rPr>
-              <a:t>auftrag.tar</a:t>
+              <a:t>shop.tar</a:t>
             </a:r>
             <a:r>
               <a:rPr lang="de-DE" sz="2400" dirty="0">
@@ -4326,7 +4324,7 @@
                 <a:latin typeface="Courier New" panose="02070309020205020404" pitchFamily="49" charset="0"/>
                 <a:cs typeface="Courier New" panose="02070309020205020404" pitchFamily="49" charset="0"/>
               </a:rPr>
-              <a:t>auftrag.tar</a:t>
+              <a:t>shop.tar</a:t>
             </a:r>
             <a:r>
               <a:rPr lang="de-DE" sz="2400" dirty="0">
@@ -4341,7 +4339,7 @@
     </p:spTree>
     <p:extLst>
       <p:ext uri="{BB962C8B-B14F-4D97-AF65-F5344CB8AC3E}">
-        <p14:creationId xmlns:p14="http://schemas.microsoft.com/office/powerpoint/2010/main" val="2423817868"/>
+        <p14:creationId xmlns:p14="http://schemas.microsoft.com/office/powerpoint/2010/main" val="1564606677"/>
       </p:ext>
     </p:extLst>
   </p:cSld>
@@ -4391,7 +4389,15 @@
           <a:p>
             <a:r>
               <a:rPr lang="de-DE" dirty="0"/>
-              <a:t>4. Bauen der Anwendung</a:t>
+              <a:t>6. Images in </a:t>
+            </a:r>
+            <a:r>
+              <a:rPr lang="de-DE" dirty="0" err="1"/>
+              <a:t>Kubernetes</a:t>
+            </a:r>
+            <a:r>
+              <a:rPr lang="de-DE" dirty="0"/>
+              <a:t> importieren</a:t>
             </a:r>
           </a:p>
         </p:txBody>
@@ -4420,19 +4426,21 @@
           <a:lstStyle/>
           <a:p>
             <a:r>
+              <a:rPr lang="de-DE" dirty="0">
+                <a:cs typeface="Courier New" panose="02070309020205020404" pitchFamily="49" charset="0"/>
+              </a:rPr>
+              <a:t>Auf</a:t>
+            </a:r>
+            <a:r>
+              <a:rPr lang="de-DE" dirty="0">
+                <a:latin typeface="Courier New" panose="02070309020205020404" pitchFamily="49" charset="0"/>
+                <a:cs typeface="Courier New" panose="02070309020205020404" pitchFamily="49" charset="0"/>
+              </a:rPr>
+              <a:t> worker1</a:t>
+            </a:r>
+            <a:r>
               <a:rPr lang="de-DE" dirty="0"/>
-              <a:t>Anwendung bauen (</a:t>
-            </a:r>
-            <a:r>
-              <a:rPr lang="de-DE" dirty="0" err="1">
-                <a:latin typeface="Courier New" panose="02070309020205020404" pitchFamily="49" charset="0"/>
-                <a:cs typeface="Courier New" panose="02070309020205020404" pitchFamily="49" charset="0"/>
-              </a:rPr>
-              <a:t>shop</a:t>
-            </a:r>
-            <a:r>
-              <a:rPr lang="de-DE" dirty="0"/>
-              <a:t>):</a:t>
+              <a:t>:</a:t>
             </a:r>
           </a:p>
           <a:p>
@@ -4440,38 +4448,92 @@
               <a:buNone/>
             </a:pPr>
             <a:r>
-              <a:rPr lang="de-DE" sz="2400" dirty="0"/>
+              <a:rPr lang="de-DE" sz="2000" dirty="0"/>
               <a:t>	</a:t>
             </a:r>
             <a:r>
-              <a:rPr lang="de-DE" sz="2400" dirty="0">
-                <a:latin typeface="Courier New" panose="02070309020205020404" pitchFamily="49" charset="0"/>
-                <a:cs typeface="Courier New" panose="02070309020205020404" pitchFamily="49" charset="0"/>
-              </a:rPr>
-              <a:t>cd ~/</a:t>
-            </a:r>
-            <a:r>
-              <a:rPr lang="de-DE" sz="2400" dirty="0" err="1">
-                <a:latin typeface="Courier New" panose="02070309020205020404" pitchFamily="49" charset="0"/>
-                <a:cs typeface="Courier New" panose="02070309020205020404" pitchFamily="49" charset="0"/>
-              </a:rPr>
-              <a:t>java</a:t>
-            </a:r>
-            <a:r>
-              <a:rPr lang="de-DE" sz="2400" dirty="0">
-                <a:latin typeface="Courier New" panose="02070309020205020404" pitchFamily="49" charset="0"/>
-                <a:cs typeface="Courier New" panose="02070309020205020404" pitchFamily="49" charset="0"/>
-              </a:rPr>
-              <a:t>-starter/sample/</a:t>
-            </a:r>
-            <a:r>
-              <a:rPr lang="de-DE" sz="2400" dirty="0" err="1">
-                <a:latin typeface="Courier New" panose="02070309020205020404" pitchFamily="49" charset="0"/>
-                <a:cs typeface="Courier New" panose="02070309020205020404" pitchFamily="49" charset="0"/>
-              </a:rPr>
-              <a:t>shop</a:t>
-            </a:r>
-            <a:endParaRPr lang="de-DE" sz="2400" dirty="0">
+              <a:rPr lang="de-DE" sz="2000" dirty="0">
+                <a:latin typeface="Courier New" panose="02070309020205020404" pitchFamily="49" charset="0"/>
+                <a:cs typeface="Courier New" panose="02070309020205020404" pitchFamily="49" charset="0"/>
+              </a:rPr>
+              <a:t>multipass </a:t>
+            </a:r>
+            <a:r>
+              <a:rPr lang="de-DE" sz="2000" dirty="0" err="1">
+                <a:latin typeface="Courier New" panose="02070309020205020404" pitchFamily="49" charset="0"/>
+                <a:cs typeface="Courier New" panose="02070309020205020404" pitchFamily="49" charset="0"/>
+              </a:rPr>
+              <a:t>shell</a:t>
+            </a:r>
+            <a:r>
+              <a:rPr lang="de-DE" sz="2000" dirty="0">
+                <a:latin typeface="Courier New" panose="02070309020205020404" pitchFamily="49" charset="0"/>
+                <a:cs typeface="Courier New" panose="02070309020205020404" pitchFamily="49" charset="0"/>
+              </a:rPr>
+              <a:t> worker1</a:t>
+            </a:r>
+          </a:p>
+          <a:p>
+            <a:pPr marL="0" indent="0">
+              <a:buNone/>
+            </a:pPr>
+            <a:r>
+              <a:rPr lang="de-DE" sz="2000" dirty="0">
+                <a:latin typeface="Courier New" panose="02070309020205020404" pitchFamily="49" charset="0"/>
+                <a:cs typeface="Courier New" panose="02070309020205020404" pitchFamily="49" charset="0"/>
+              </a:rPr>
+              <a:t>	microk8s </a:t>
+            </a:r>
+            <a:r>
+              <a:rPr lang="de-DE" sz="2000" dirty="0" err="1">
+                <a:latin typeface="Courier New" panose="02070309020205020404" pitchFamily="49" charset="0"/>
+                <a:cs typeface="Courier New" panose="02070309020205020404" pitchFamily="49" charset="0"/>
+              </a:rPr>
+              <a:t>ctr</a:t>
+            </a:r>
+            <a:r>
+              <a:rPr lang="de-DE" sz="2000" dirty="0">
+                <a:latin typeface="Courier New" panose="02070309020205020404" pitchFamily="49" charset="0"/>
+                <a:cs typeface="Courier New" panose="02070309020205020404" pitchFamily="49" charset="0"/>
+              </a:rPr>
+              <a:t> </a:t>
+            </a:r>
+            <a:r>
+              <a:rPr lang="de-DE" sz="2000" dirty="0" err="1">
+                <a:latin typeface="Courier New" panose="02070309020205020404" pitchFamily="49" charset="0"/>
+                <a:cs typeface="Courier New" panose="02070309020205020404" pitchFamily="49" charset="0"/>
+              </a:rPr>
+              <a:t>image</a:t>
+            </a:r>
+            <a:r>
+              <a:rPr lang="de-DE" sz="2000" dirty="0">
+                <a:latin typeface="Courier New" panose="02070309020205020404" pitchFamily="49" charset="0"/>
+                <a:cs typeface="Courier New" panose="02070309020205020404" pitchFamily="49" charset="0"/>
+              </a:rPr>
+              <a:t> </a:t>
+            </a:r>
+            <a:r>
+              <a:rPr lang="de-DE" sz="2000" dirty="0" err="1">
+                <a:latin typeface="Courier New" panose="02070309020205020404" pitchFamily="49" charset="0"/>
+                <a:cs typeface="Courier New" panose="02070309020205020404" pitchFamily="49" charset="0"/>
+              </a:rPr>
+              <a:t>import</a:t>
+            </a:r>
+            <a:r>
+              <a:rPr lang="de-DE" sz="2000" dirty="0">
+                <a:latin typeface="Courier New" panose="02070309020205020404" pitchFamily="49" charset="0"/>
+                <a:cs typeface="Courier New" panose="02070309020205020404" pitchFamily="49" charset="0"/>
+              </a:rPr>
+              <a:t> </a:t>
+            </a:r>
+            <a:r>
+              <a:rPr lang="de-DE" sz="2000" dirty="0" err="1">
+                <a:latin typeface="Courier New" panose="02070309020205020404" pitchFamily="49" charset="0"/>
+                <a:cs typeface="Courier New" panose="02070309020205020404" pitchFamily="49" charset="0"/>
+              </a:rPr>
+              <a:t>person.tar</a:t>
+            </a:r>
+            <a:endParaRPr lang="de-DE" sz="2000" dirty="0">
               <a:latin typeface="Courier New" panose="02070309020205020404" pitchFamily="49" charset="0"/>
               <a:cs typeface="Courier New" panose="02070309020205020404" pitchFamily="49" charset="0"/>
             </a:endParaRPr>
@@ -4481,153 +4543,241 @@
               <a:buNone/>
             </a:pPr>
             <a:r>
-              <a:rPr lang="de-DE" sz="2400" dirty="0">
-                <a:latin typeface="Courier New" panose="02070309020205020404" pitchFamily="49" charset="0"/>
-                <a:cs typeface="Courier New" panose="02070309020205020404" pitchFamily="49" charset="0"/>
-              </a:rPr>
-              <a:t>	</a:t>
-            </a:r>
-            <a:r>
-              <a:rPr lang="de-DE" sz="2400" dirty="0" err="1">
-                <a:latin typeface="Courier New" panose="02070309020205020404" pitchFamily="49" charset="0"/>
-                <a:cs typeface="Courier New" panose="02070309020205020404" pitchFamily="49" charset="0"/>
-              </a:rPr>
-              <a:t>mvn</a:t>
-            </a:r>
-            <a:r>
-              <a:rPr lang="de-DE" sz="2400" dirty="0">
-                <a:latin typeface="Courier New" panose="02070309020205020404" pitchFamily="49" charset="0"/>
-                <a:cs typeface="Courier New" panose="02070309020205020404" pitchFamily="49" charset="0"/>
-              </a:rPr>
-              <a:t> clean </a:t>
-            </a:r>
-            <a:r>
-              <a:rPr lang="de-DE" sz="2400" dirty="0" err="1">
-                <a:latin typeface="Courier New" panose="02070309020205020404" pitchFamily="49" charset="0"/>
-                <a:cs typeface="Courier New" panose="02070309020205020404" pitchFamily="49" charset="0"/>
-              </a:rPr>
-              <a:t>install</a:t>
-            </a:r>
-            <a:endParaRPr lang="de-DE" sz="2400" dirty="0">
+              <a:rPr lang="de-DE" sz="2000" dirty="0">
+                <a:latin typeface="Courier New" panose="02070309020205020404" pitchFamily="49" charset="0"/>
+                <a:cs typeface="Courier New" panose="02070309020205020404" pitchFamily="49" charset="0"/>
+              </a:rPr>
+              <a:t>	microk8s </a:t>
+            </a:r>
+            <a:r>
+              <a:rPr lang="de-DE" sz="2000" dirty="0" err="1">
+                <a:latin typeface="Courier New" panose="02070309020205020404" pitchFamily="49" charset="0"/>
+                <a:cs typeface="Courier New" panose="02070309020205020404" pitchFamily="49" charset="0"/>
+              </a:rPr>
+              <a:t>ctr</a:t>
+            </a:r>
+            <a:r>
+              <a:rPr lang="de-DE" sz="2000" dirty="0">
+                <a:latin typeface="Courier New" panose="02070309020205020404" pitchFamily="49" charset="0"/>
+                <a:cs typeface="Courier New" panose="02070309020205020404" pitchFamily="49" charset="0"/>
+              </a:rPr>
+              <a:t> </a:t>
+            </a:r>
+            <a:r>
+              <a:rPr lang="de-DE" sz="2000" dirty="0" err="1">
+                <a:latin typeface="Courier New" panose="02070309020205020404" pitchFamily="49" charset="0"/>
+                <a:cs typeface="Courier New" panose="02070309020205020404" pitchFamily="49" charset="0"/>
+              </a:rPr>
+              <a:t>image</a:t>
+            </a:r>
+            <a:r>
+              <a:rPr lang="de-DE" sz="2000" dirty="0">
+                <a:latin typeface="Courier New" panose="02070309020205020404" pitchFamily="49" charset="0"/>
+                <a:cs typeface="Courier New" panose="02070309020205020404" pitchFamily="49" charset="0"/>
+              </a:rPr>
+              <a:t> </a:t>
+            </a:r>
+            <a:r>
+              <a:rPr lang="de-DE" sz="2000" dirty="0" err="1">
+                <a:latin typeface="Courier New" panose="02070309020205020404" pitchFamily="49" charset="0"/>
+                <a:cs typeface="Courier New" panose="02070309020205020404" pitchFamily="49" charset="0"/>
+              </a:rPr>
+              <a:t>import</a:t>
+            </a:r>
+            <a:r>
+              <a:rPr lang="de-DE" sz="2000" dirty="0">
+                <a:latin typeface="Courier New" panose="02070309020205020404" pitchFamily="49" charset="0"/>
+                <a:cs typeface="Courier New" panose="02070309020205020404" pitchFamily="49" charset="0"/>
+              </a:rPr>
+              <a:t> </a:t>
+            </a:r>
+            <a:r>
+              <a:rPr lang="de-DE" sz="2000" dirty="0" err="1">
+                <a:latin typeface="Courier New" panose="02070309020205020404" pitchFamily="49" charset="0"/>
+                <a:cs typeface="Courier New" panose="02070309020205020404" pitchFamily="49" charset="0"/>
+              </a:rPr>
+              <a:t>auftrag.tar</a:t>
+            </a:r>
+            <a:endParaRPr lang="de-DE" sz="2000" dirty="0">
               <a:latin typeface="Courier New" panose="02070309020205020404" pitchFamily="49" charset="0"/>
               <a:cs typeface="Courier New" panose="02070309020205020404" pitchFamily="49" charset="0"/>
             </a:endParaRPr>
           </a:p>
           <a:p>
-            <a:r>
-              <a:rPr lang="de-DE" sz="2400" dirty="0"/>
-              <a:t>Container Image übertragen:</a:t>
-            </a:r>
-          </a:p>
-          <a:p>
             <a:pPr marL="0" indent="0">
               <a:buNone/>
             </a:pPr>
             <a:r>
-              <a:rPr lang="de-DE" sz="2400" dirty="0"/>
-              <a:t>	</a:t>
-            </a:r>
-            <a:r>
-              <a:rPr lang="de-DE" sz="2400" dirty="0" err="1">
-                <a:latin typeface="Courier New" panose="02070309020205020404" pitchFamily="49" charset="0"/>
-                <a:cs typeface="Courier New" panose="02070309020205020404" pitchFamily="49" charset="0"/>
-              </a:rPr>
-              <a:t>docker</a:t>
-            </a:r>
-            <a:r>
-              <a:rPr lang="de-DE" sz="2400" dirty="0">
-                <a:latin typeface="Courier New" panose="02070309020205020404" pitchFamily="49" charset="0"/>
-                <a:cs typeface="Courier New" panose="02070309020205020404" pitchFamily="49" charset="0"/>
-              </a:rPr>
-              <a:t> save </a:t>
-            </a:r>
-            <a:r>
-              <a:rPr lang="de-DE" sz="2400" dirty="0" err="1">
-                <a:latin typeface="Courier New" panose="02070309020205020404" pitchFamily="49" charset="0"/>
-                <a:cs typeface="Courier New" panose="02070309020205020404" pitchFamily="49" charset="0"/>
-              </a:rPr>
-              <a:t>shop</a:t>
-            </a:r>
-            <a:r>
-              <a:rPr lang="de-DE" sz="2400" dirty="0">
-                <a:latin typeface="Courier New" panose="02070309020205020404" pitchFamily="49" charset="0"/>
-                <a:cs typeface="Courier New" panose="02070309020205020404" pitchFamily="49" charset="0"/>
-              </a:rPr>
-              <a:t> &gt; </a:t>
-            </a:r>
-            <a:r>
-              <a:rPr lang="de-DE" sz="2400" dirty="0" err="1">
+              <a:rPr lang="de-DE" sz="2000" dirty="0">
+                <a:latin typeface="Courier New" panose="02070309020205020404" pitchFamily="49" charset="0"/>
+                <a:cs typeface="Courier New" panose="02070309020205020404" pitchFamily="49" charset="0"/>
+              </a:rPr>
+              <a:t>	microk8s </a:t>
+            </a:r>
+            <a:r>
+              <a:rPr lang="de-DE" sz="2000" dirty="0" err="1">
+                <a:latin typeface="Courier New" panose="02070309020205020404" pitchFamily="49" charset="0"/>
+                <a:cs typeface="Courier New" panose="02070309020205020404" pitchFamily="49" charset="0"/>
+              </a:rPr>
+              <a:t>ctr</a:t>
+            </a:r>
+            <a:r>
+              <a:rPr lang="de-DE" sz="2000" dirty="0">
+                <a:latin typeface="Courier New" panose="02070309020205020404" pitchFamily="49" charset="0"/>
+                <a:cs typeface="Courier New" panose="02070309020205020404" pitchFamily="49" charset="0"/>
+              </a:rPr>
+              <a:t> </a:t>
+            </a:r>
+            <a:r>
+              <a:rPr lang="de-DE" sz="2000" dirty="0" err="1">
+                <a:latin typeface="Courier New" panose="02070309020205020404" pitchFamily="49" charset="0"/>
+                <a:cs typeface="Courier New" panose="02070309020205020404" pitchFamily="49" charset="0"/>
+              </a:rPr>
+              <a:t>image</a:t>
+            </a:r>
+            <a:r>
+              <a:rPr lang="de-DE" sz="2000" dirty="0">
+                <a:latin typeface="Courier New" panose="02070309020205020404" pitchFamily="49" charset="0"/>
+                <a:cs typeface="Courier New" panose="02070309020205020404" pitchFamily="49" charset="0"/>
+              </a:rPr>
+              <a:t> </a:t>
+            </a:r>
+            <a:r>
+              <a:rPr lang="de-DE" sz="2000" dirty="0" err="1">
+                <a:latin typeface="Courier New" panose="02070309020205020404" pitchFamily="49" charset="0"/>
+                <a:cs typeface="Courier New" panose="02070309020205020404" pitchFamily="49" charset="0"/>
+              </a:rPr>
+              <a:t>import</a:t>
+            </a:r>
+            <a:r>
+              <a:rPr lang="de-DE" sz="2000" dirty="0">
+                <a:latin typeface="Courier New" panose="02070309020205020404" pitchFamily="49" charset="0"/>
+                <a:cs typeface="Courier New" panose="02070309020205020404" pitchFamily="49" charset="0"/>
+              </a:rPr>
+              <a:t> </a:t>
+            </a:r>
+            <a:r>
+              <a:rPr lang="de-DE" sz="2000" dirty="0" err="1">
                 <a:latin typeface="Courier New" panose="02070309020205020404" pitchFamily="49" charset="0"/>
                 <a:cs typeface="Courier New" panose="02070309020205020404" pitchFamily="49" charset="0"/>
               </a:rPr>
               <a:t>shop.tar</a:t>
             </a:r>
-            <a:endParaRPr lang="de-DE" sz="2400" dirty="0">
+            <a:endParaRPr lang="de-DE" sz="2000" dirty="0">
               <a:latin typeface="Courier New" panose="02070309020205020404" pitchFamily="49" charset="0"/>
               <a:cs typeface="Courier New" panose="02070309020205020404" pitchFamily="49" charset="0"/>
             </a:endParaRPr>
           </a:p>
           <a:p>
+            <a:r>
+              <a:rPr lang="de-DE" sz="2400" dirty="0">
+                <a:cs typeface="Courier New" panose="02070309020205020404" pitchFamily="49" charset="0"/>
+              </a:rPr>
+              <a:t>Ebenso auf</a:t>
+            </a:r>
+            <a:r>
+              <a:rPr lang="de-DE" sz="2400" dirty="0">
+                <a:latin typeface="Courier New" panose="02070309020205020404" pitchFamily="49" charset="0"/>
+                <a:cs typeface="Courier New" panose="02070309020205020404" pitchFamily="49" charset="0"/>
+              </a:rPr>
+              <a:t> worker2</a:t>
+            </a:r>
+            <a:r>
+              <a:rPr lang="de-DE" sz="2400" dirty="0"/>
+              <a:t>:</a:t>
+            </a:r>
+          </a:p>
+          <a:p>
             <a:pPr marL="0" indent="0">
               <a:buNone/>
             </a:pPr>
             <a:r>
-              <a:rPr lang="de-DE" sz="2400" dirty="0">
+              <a:rPr lang="de-DE" sz="2000" dirty="0"/>
+              <a:t>	</a:t>
+            </a:r>
+            <a:r>
+              <a:rPr lang="de-DE" sz="2000" dirty="0">
+                <a:latin typeface="Courier New" panose="02070309020205020404" pitchFamily="49" charset="0"/>
+                <a:cs typeface="Courier New" panose="02070309020205020404" pitchFamily="49" charset="0"/>
+              </a:rPr>
+              <a:t>multipass </a:t>
+            </a:r>
+            <a:r>
+              <a:rPr lang="de-DE" sz="2000" dirty="0" err="1">
+                <a:latin typeface="Courier New" panose="02070309020205020404" pitchFamily="49" charset="0"/>
+                <a:cs typeface="Courier New" panose="02070309020205020404" pitchFamily="49" charset="0"/>
+              </a:rPr>
+              <a:t>shell</a:t>
+            </a:r>
+            <a:r>
+              <a:rPr lang="de-DE" sz="2000" dirty="0">
+                <a:latin typeface="Courier New" panose="02070309020205020404" pitchFamily="49" charset="0"/>
+                <a:cs typeface="Courier New" panose="02070309020205020404" pitchFamily="49" charset="0"/>
+              </a:rPr>
+              <a:t> worker2</a:t>
+            </a:r>
+          </a:p>
+          <a:p>
+            <a:pPr marL="0" indent="0">
+              <a:buNone/>
+            </a:pPr>
+            <a:r>
+              <a:rPr lang="de-DE" sz="2000" dirty="0">
                 <a:latin typeface="Courier New" panose="02070309020205020404" pitchFamily="49" charset="0"/>
                 <a:cs typeface="Courier New" panose="02070309020205020404" pitchFamily="49" charset="0"/>
               </a:rPr>
               <a:t>	microk8s </a:t>
             </a:r>
             <a:r>
-              <a:rPr lang="de-DE" sz="2400" dirty="0" err="1">
+              <a:rPr lang="de-DE" sz="2000" dirty="0" err="1">
                 <a:latin typeface="Courier New" panose="02070309020205020404" pitchFamily="49" charset="0"/>
                 <a:cs typeface="Courier New" panose="02070309020205020404" pitchFamily="49" charset="0"/>
               </a:rPr>
               <a:t>ctr</a:t>
             </a:r>
             <a:r>
-              <a:rPr lang="de-DE" sz="2400" dirty="0">
+              <a:rPr lang="de-DE" sz="2000" dirty="0">
                 <a:latin typeface="Courier New" panose="02070309020205020404" pitchFamily="49" charset="0"/>
                 <a:cs typeface="Courier New" panose="02070309020205020404" pitchFamily="49" charset="0"/>
               </a:rPr>
               <a:t> </a:t>
             </a:r>
             <a:r>
-              <a:rPr lang="de-DE" sz="2400" dirty="0" err="1">
+              <a:rPr lang="de-DE" sz="2000" dirty="0" err="1">
                 <a:latin typeface="Courier New" panose="02070309020205020404" pitchFamily="49" charset="0"/>
                 <a:cs typeface="Courier New" panose="02070309020205020404" pitchFamily="49" charset="0"/>
               </a:rPr>
               <a:t>image</a:t>
             </a:r>
             <a:r>
-              <a:rPr lang="de-DE" sz="2400" dirty="0">
+              <a:rPr lang="de-DE" sz="2000" dirty="0">
                 <a:latin typeface="Courier New" panose="02070309020205020404" pitchFamily="49" charset="0"/>
                 <a:cs typeface="Courier New" panose="02070309020205020404" pitchFamily="49" charset="0"/>
               </a:rPr>
               <a:t> </a:t>
             </a:r>
             <a:r>
-              <a:rPr lang="de-DE" sz="2400" dirty="0" err="1">
+              <a:rPr lang="de-DE" sz="2000" dirty="0" err="1">
                 <a:latin typeface="Courier New" panose="02070309020205020404" pitchFamily="49" charset="0"/>
                 <a:cs typeface="Courier New" panose="02070309020205020404" pitchFamily="49" charset="0"/>
               </a:rPr>
               <a:t>import</a:t>
             </a:r>
             <a:r>
-              <a:rPr lang="de-DE" sz="2400" dirty="0">
+              <a:rPr lang="de-DE" sz="2000" dirty="0">
                 <a:latin typeface="Courier New" panose="02070309020205020404" pitchFamily="49" charset="0"/>
                 <a:cs typeface="Courier New" panose="02070309020205020404" pitchFamily="49" charset="0"/>
               </a:rPr>
               <a:t> </a:t>
             </a:r>
             <a:r>
-              <a:rPr lang="de-DE" sz="2400" dirty="0" err="1">
-                <a:latin typeface="Courier New" panose="02070309020205020404" pitchFamily="49" charset="0"/>
-                <a:cs typeface="Courier New" panose="02070309020205020404" pitchFamily="49" charset="0"/>
-              </a:rPr>
-              <a:t>shop.tar</a:t>
-            </a:r>
-            <a:endParaRPr lang="de-DE" sz="2400" dirty="0">
+              <a:rPr lang="de-DE" sz="2000" dirty="0" err="1">
+                <a:latin typeface="Courier New" panose="02070309020205020404" pitchFamily="49" charset="0"/>
+                <a:cs typeface="Courier New" panose="02070309020205020404" pitchFamily="49" charset="0"/>
+              </a:rPr>
+              <a:t>person.tar</a:t>
+            </a:r>
+            <a:endParaRPr lang="de-DE" sz="2000" dirty="0">
               <a:latin typeface="Courier New" panose="02070309020205020404" pitchFamily="49" charset="0"/>
               <a:cs typeface="Courier New" panose="02070309020205020404" pitchFamily="49" charset="0"/>
             </a:endParaRPr>
@@ -4637,87 +4787,137 @@
               <a:buNone/>
             </a:pPr>
             <a:r>
-              <a:rPr lang="de-DE" sz="2400" dirty="0">
-                <a:latin typeface="Courier New" panose="02070309020205020404" pitchFamily="49" charset="0"/>
-                <a:cs typeface="Courier New" panose="02070309020205020404" pitchFamily="49" charset="0"/>
-              </a:rPr>
-              <a:t>	</a:t>
-            </a:r>
-            <a:r>
-              <a:rPr lang="de-DE" sz="2400" dirty="0" err="1">
-                <a:latin typeface="Courier New" panose="02070309020205020404" pitchFamily="49" charset="0"/>
-                <a:cs typeface="Courier New" panose="02070309020205020404" pitchFamily="49" charset="0"/>
-              </a:rPr>
-              <a:t>scp</a:t>
-            </a:r>
-            <a:r>
-              <a:rPr lang="de-DE" sz="2400" dirty="0">
+              <a:rPr lang="de-DE" sz="2000" dirty="0">
+                <a:latin typeface="Courier New" panose="02070309020205020404" pitchFamily="49" charset="0"/>
+                <a:cs typeface="Courier New" panose="02070309020205020404" pitchFamily="49" charset="0"/>
+              </a:rPr>
+              <a:t>	microk8s </a:t>
+            </a:r>
+            <a:r>
+              <a:rPr lang="de-DE" sz="2000" dirty="0" err="1">
+                <a:latin typeface="Courier New" panose="02070309020205020404" pitchFamily="49" charset="0"/>
+                <a:cs typeface="Courier New" panose="02070309020205020404" pitchFamily="49" charset="0"/>
+              </a:rPr>
+              <a:t>ctr</a:t>
+            </a:r>
+            <a:r>
+              <a:rPr lang="de-DE" sz="2000" dirty="0">
                 <a:latin typeface="Courier New" panose="02070309020205020404" pitchFamily="49" charset="0"/>
                 <a:cs typeface="Courier New" panose="02070309020205020404" pitchFamily="49" charset="0"/>
               </a:rPr>
               <a:t> </a:t>
             </a:r>
             <a:r>
-              <a:rPr lang="de-DE" sz="2400" dirty="0" err="1">
+              <a:rPr lang="de-DE" sz="2000" dirty="0" err="1">
+                <a:latin typeface="Courier New" panose="02070309020205020404" pitchFamily="49" charset="0"/>
+                <a:cs typeface="Courier New" panose="02070309020205020404" pitchFamily="49" charset="0"/>
+              </a:rPr>
+              <a:t>image</a:t>
+            </a:r>
+            <a:r>
+              <a:rPr lang="de-DE" sz="2000" dirty="0">
+                <a:latin typeface="Courier New" panose="02070309020205020404" pitchFamily="49" charset="0"/>
+                <a:cs typeface="Courier New" panose="02070309020205020404" pitchFamily="49" charset="0"/>
+              </a:rPr>
+              <a:t> </a:t>
+            </a:r>
+            <a:r>
+              <a:rPr lang="de-DE" sz="2000" dirty="0" err="1">
+                <a:latin typeface="Courier New" panose="02070309020205020404" pitchFamily="49" charset="0"/>
+                <a:cs typeface="Courier New" panose="02070309020205020404" pitchFamily="49" charset="0"/>
+              </a:rPr>
+              <a:t>import</a:t>
+            </a:r>
+            <a:r>
+              <a:rPr lang="de-DE" sz="2000" dirty="0">
+                <a:latin typeface="Courier New" panose="02070309020205020404" pitchFamily="49" charset="0"/>
+                <a:cs typeface="Courier New" panose="02070309020205020404" pitchFamily="49" charset="0"/>
+              </a:rPr>
+              <a:t> </a:t>
+            </a:r>
+            <a:r>
+              <a:rPr lang="de-DE" sz="2000" dirty="0" err="1">
+                <a:latin typeface="Courier New" panose="02070309020205020404" pitchFamily="49" charset="0"/>
+                <a:cs typeface="Courier New" panose="02070309020205020404" pitchFamily="49" charset="0"/>
+              </a:rPr>
+              <a:t>auftrag.tar</a:t>
+            </a:r>
+            <a:endParaRPr lang="de-DE" sz="2000" dirty="0">
+              <a:latin typeface="Courier New" panose="02070309020205020404" pitchFamily="49" charset="0"/>
+              <a:cs typeface="Courier New" panose="02070309020205020404" pitchFamily="49" charset="0"/>
+            </a:endParaRPr>
+          </a:p>
+          <a:p>
+            <a:pPr marL="0" indent="0">
+              <a:buNone/>
+            </a:pPr>
+            <a:r>
+              <a:rPr lang="de-DE" sz="2000" dirty="0">
+                <a:latin typeface="Courier New" panose="02070309020205020404" pitchFamily="49" charset="0"/>
+                <a:cs typeface="Courier New" panose="02070309020205020404" pitchFamily="49" charset="0"/>
+              </a:rPr>
+              <a:t>	microk8s </a:t>
+            </a:r>
+            <a:r>
+              <a:rPr lang="de-DE" sz="2000" dirty="0" err="1">
+                <a:latin typeface="Courier New" panose="02070309020205020404" pitchFamily="49" charset="0"/>
+                <a:cs typeface="Courier New" panose="02070309020205020404" pitchFamily="49" charset="0"/>
+              </a:rPr>
+              <a:t>ctr</a:t>
+            </a:r>
+            <a:r>
+              <a:rPr lang="de-DE" sz="2000" dirty="0">
+                <a:latin typeface="Courier New" panose="02070309020205020404" pitchFamily="49" charset="0"/>
+                <a:cs typeface="Courier New" panose="02070309020205020404" pitchFamily="49" charset="0"/>
+              </a:rPr>
+              <a:t> </a:t>
+            </a:r>
+            <a:r>
+              <a:rPr lang="de-DE" sz="2000" dirty="0" err="1">
+                <a:latin typeface="Courier New" panose="02070309020205020404" pitchFamily="49" charset="0"/>
+                <a:cs typeface="Courier New" panose="02070309020205020404" pitchFamily="49" charset="0"/>
+              </a:rPr>
+              <a:t>image</a:t>
+            </a:r>
+            <a:r>
+              <a:rPr lang="de-DE" sz="2000" dirty="0">
+                <a:latin typeface="Courier New" panose="02070309020205020404" pitchFamily="49" charset="0"/>
+                <a:cs typeface="Courier New" panose="02070309020205020404" pitchFamily="49" charset="0"/>
+              </a:rPr>
+              <a:t> </a:t>
+            </a:r>
+            <a:r>
+              <a:rPr lang="de-DE" sz="2000" dirty="0" err="1">
+                <a:latin typeface="Courier New" panose="02070309020205020404" pitchFamily="49" charset="0"/>
+                <a:cs typeface="Courier New" panose="02070309020205020404" pitchFamily="49" charset="0"/>
+              </a:rPr>
+              <a:t>import</a:t>
+            </a:r>
+            <a:r>
+              <a:rPr lang="de-DE" sz="2000" dirty="0">
+                <a:latin typeface="Courier New" panose="02070309020205020404" pitchFamily="49" charset="0"/>
+                <a:cs typeface="Courier New" panose="02070309020205020404" pitchFamily="49" charset="0"/>
+              </a:rPr>
+              <a:t> </a:t>
+            </a:r>
+            <a:r>
+              <a:rPr lang="de-DE" sz="2000" dirty="0" err="1">
                 <a:latin typeface="Courier New" panose="02070309020205020404" pitchFamily="49" charset="0"/>
                 <a:cs typeface="Courier New" panose="02070309020205020404" pitchFamily="49" charset="0"/>
               </a:rPr>
               <a:t>shop.tar</a:t>
             </a:r>
-            <a:r>
-              <a:rPr lang="de-DE" sz="2400" dirty="0">
-                <a:latin typeface="Courier New" panose="02070309020205020404" pitchFamily="49" charset="0"/>
-                <a:cs typeface="Courier New" panose="02070309020205020404" pitchFamily="49" charset="0"/>
-              </a:rPr>
-              <a:t> worker1:.</a:t>
-            </a:r>
-          </a:p>
-          <a:p>
-            <a:pPr marL="0" indent="0">
-              <a:buNone/>
-            </a:pPr>
-            <a:r>
-              <a:rPr lang="de-DE" sz="2400" dirty="0">
-                <a:latin typeface="Courier New" panose="02070309020205020404" pitchFamily="49" charset="0"/>
-                <a:cs typeface="Courier New" panose="02070309020205020404" pitchFamily="49" charset="0"/>
-              </a:rPr>
-              <a:t>	</a:t>
-            </a:r>
-            <a:r>
-              <a:rPr lang="de-DE" sz="2400" dirty="0" err="1">
-                <a:latin typeface="Courier New" panose="02070309020205020404" pitchFamily="49" charset="0"/>
-                <a:cs typeface="Courier New" panose="02070309020205020404" pitchFamily="49" charset="0"/>
-              </a:rPr>
-              <a:t>scp</a:t>
-            </a:r>
-            <a:r>
-              <a:rPr lang="de-DE" sz="2400" dirty="0">
-                <a:latin typeface="Courier New" panose="02070309020205020404" pitchFamily="49" charset="0"/>
-                <a:cs typeface="Courier New" panose="02070309020205020404" pitchFamily="49" charset="0"/>
-              </a:rPr>
-              <a:t> </a:t>
-            </a:r>
-            <a:r>
-              <a:rPr lang="de-DE" sz="2400" dirty="0" err="1">
-                <a:latin typeface="Courier New" panose="02070309020205020404" pitchFamily="49" charset="0"/>
-                <a:cs typeface="Courier New" panose="02070309020205020404" pitchFamily="49" charset="0"/>
-              </a:rPr>
-              <a:t>shop.tar</a:t>
-            </a:r>
-            <a:r>
-              <a:rPr lang="de-DE" sz="2400" dirty="0">
-                <a:latin typeface="Courier New" panose="02070309020205020404" pitchFamily="49" charset="0"/>
-                <a:cs typeface="Courier New" panose="02070309020205020404" pitchFamily="49" charset="0"/>
-              </a:rPr>
-              <a:t> worker2:.</a:t>
-            </a:r>
+            <a:endParaRPr lang="de-DE" sz="2000" dirty="0">
+              <a:latin typeface="Courier New" panose="02070309020205020404" pitchFamily="49" charset="0"/>
+              <a:cs typeface="Courier New" panose="02070309020205020404" pitchFamily="49" charset="0"/>
+            </a:endParaRPr>
           </a:p>
         </p:txBody>
       </p:sp>
     </p:spTree>
     <p:extLst>
       <p:ext uri="{BB962C8B-B14F-4D97-AF65-F5344CB8AC3E}">
-        <p14:creationId xmlns:p14="http://schemas.microsoft.com/office/powerpoint/2010/main" val="1564606677"/>
+        <p14:creationId xmlns:p14="http://schemas.microsoft.com/office/powerpoint/2010/main" val="883986804"/>
       </p:ext>
     </p:extLst>
   </p:cSld>
@@ -4767,7 +4967,7 @@
           <a:p>
             <a:r>
               <a:rPr lang="de-DE" dirty="0"/>
-              <a:t>5. Images in </a:t>
+              <a:t>7. Anwendung in </a:t>
             </a:r>
             <a:r>
               <a:rPr lang="de-DE" dirty="0" err="1"/>
@@ -4775,7 +4975,7 @@
             </a:r>
             <a:r>
               <a:rPr lang="de-DE" dirty="0"/>
-              <a:t> importieren</a:t>
+              <a:t> deployen</a:t>
             </a:r>
           </a:p>
         </p:txBody>
@@ -4798,118 +4998,109 @@
         </p:nvSpPr>
         <p:spPr/>
         <p:txBody>
-          <a:bodyPr>
-            <a:normAutofit/>
-          </a:bodyPr>
+          <a:bodyPr/>
           <a:lstStyle/>
           <a:p>
             <a:r>
+              <a:rPr lang="de-DE" dirty="0"/>
+              <a:t>Auf </a:t>
+            </a:r>
+            <a:r>
+              <a:rPr lang="de-DE" dirty="0" err="1">
+                <a:latin typeface="Courier New" panose="02070309020205020404" pitchFamily="49" charset="0"/>
+                <a:cs typeface="Courier New" panose="02070309020205020404" pitchFamily="49" charset="0"/>
+              </a:rPr>
+              <a:t>master</a:t>
+            </a:r>
+            <a:r>
+              <a:rPr lang="de-DE" dirty="0"/>
+              <a:t>: In der Datei </a:t>
+            </a:r>
+            <a:r>
+              <a:rPr lang="de-DE" dirty="0" err="1">
+                <a:latin typeface="Courier New" panose="02070309020205020404" pitchFamily="49" charset="0"/>
+                <a:cs typeface="Courier New" panose="02070309020205020404" pitchFamily="49" charset="0"/>
+              </a:rPr>
+              <a:t>docker-compose.yml</a:t>
+            </a:r>
+            <a:r>
               <a:rPr lang="de-DE" dirty="0">
-                <a:cs typeface="Courier New" panose="02070309020205020404" pitchFamily="49" charset="0"/>
-              </a:rPr>
-              <a:t>Auf</a:t>
+                <a:latin typeface="Courier New" panose="02070309020205020404" pitchFamily="49" charset="0"/>
+                <a:cs typeface="Courier New" panose="02070309020205020404" pitchFamily="49" charset="0"/>
+              </a:rPr>
+              <a:t> </a:t>
+            </a:r>
+            <a:r>
+              <a:rPr lang="de-DE" dirty="0"/>
+              <a:t>muss </a:t>
+            </a:r>
+            <a:r>
+              <a:rPr lang="de-DE" dirty="0" err="1">
+                <a:latin typeface="Courier New" panose="02070309020205020404" pitchFamily="49" charset="0"/>
+                <a:cs typeface="Courier New" panose="02070309020205020404" pitchFamily="49" charset="0"/>
+              </a:rPr>
+              <a:t>replace_me</a:t>
             </a:r>
             <a:r>
               <a:rPr lang="de-DE" dirty="0">
                 <a:latin typeface="Courier New" panose="02070309020205020404" pitchFamily="49" charset="0"/>
                 <a:cs typeface="Courier New" panose="02070309020205020404" pitchFamily="49" charset="0"/>
               </a:rPr>
-              <a:t> worker1</a:t>
+              <a:t> </a:t>
             </a:r>
             <a:r>
               <a:rPr lang="de-DE" dirty="0"/>
-              <a:t>:</a:t>
-            </a:r>
+              <a:t>durch die IP-Adresse des Datenbank-Servers ersetzt werden!</a:t>
+            </a:r>
+            <a:endParaRPr lang="de-DE" dirty="0">
+              <a:cs typeface="Courier New" panose="02070309020205020404" pitchFamily="49" charset="0"/>
+            </a:endParaRPr>
           </a:p>
           <a:p>
             <a:pPr marL="0" indent="0">
               <a:buNone/>
             </a:pPr>
             <a:r>
-              <a:rPr lang="de-DE" sz="2400" dirty="0"/>
-              <a:t>	</a:t>
-            </a:r>
-            <a:r>
-              <a:rPr lang="de-DE" sz="2400" dirty="0">
-                <a:latin typeface="Courier New" panose="02070309020205020404" pitchFamily="49" charset="0"/>
-                <a:cs typeface="Courier New" panose="02070309020205020404" pitchFamily="49" charset="0"/>
-              </a:rPr>
-              <a:t>multipass </a:t>
-            </a:r>
-            <a:r>
-              <a:rPr lang="de-DE" sz="2400" dirty="0" err="1">
-                <a:latin typeface="Courier New" panose="02070309020205020404" pitchFamily="49" charset="0"/>
-                <a:cs typeface="Courier New" panose="02070309020205020404" pitchFamily="49" charset="0"/>
-              </a:rPr>
-              <a:t>shell</a:t>
-            </a:r>
-            <a:r>
-              <a:rPr lang="de-DE" sz="2400" dirty="0">
-                <a:latin typeface="Courier New" panose="02070309020205020404" pitchFamily="49" charset="0"/>
-                <a:cs typeface="Courier New" panose="02070309020205020404" pitchFamily="49" charset="0"/>
-              </a:rPr>
-              <a:t> worker1</a:t>
-            </a:r>
-          </a:p>
-          <a:p>
-            <a:pPr marL="0" indent="0">
-              <a:buNone/>
-            </a:pPr>
-            <a:r>
-              <a:rPr lang="de-DE" sz="2400" dirty="0">
-                <a:latin typeface="Courier New" panose="02070309020205020404" pitchFamily="49" charset="0"/>
-                <a:cs typeface="Courier New" panose="02070309020205020404" pitchFamily="49" charset="0"/>
-              </a:rPr>
-              <a:t>	microk8s </a:t>
-            </a:r>
-            <a:r>
-              <a:rPr lang="de-DE" sz="2400" dirty="0" err="1">
-                <a:latin typeface="Courier New" panose="02070309020205020404" pitchFamily="49" charset="0"/>
-                <a:cs typeface="Courier New" panose="02070309020205020404" pitchFamily="49" charset="0"/>
-              </a:rPr>
-              <a:t>ctr</a:t>
-            </a:r>
-            <a:r>
-              <a:rPr lang="de-DE" sz="2400" dirty="0">
-                <a:latin typeface="Courier New" panose="02070309020205020404" pitchFamily="49" charset="0"/>
-                <a:cs typeface="Courier New" panose="02070309020205020404" pitchFamily="49" charset="0"/>
-              </a:rPr>
-              <a:t> </a:t>
-            </a:r>
-            <a:r>
-              <a:rPr lang="de-DE" sz="2400" dirty="0" err="1">
-                <a:latin typeface="Courier New" panose="02070309020205020404" pitchFamily="49" charset="0"/>
-                <a:cs typeface="Courier New" panose="02070309020205020404" pitchFamily="49" charset="0"/>
-              </a:rPr>
-              <a:t>image</a:t>
-            </a:r>
-            <a:r>
-              <a:rPr lang="de-DE" sz="2400" dirty="0">
-                <a:latin typeface="Courier New" panose="02070309020205020404" pitchFamily="49" charset="0"/>
-                <a:cs typeface="Courier New" panose="02070309020205020404" pitchFamily="49" charset="0"/>
-              </a:rPr>
-              <a:t> </a:t>
-            </a:r>
-            <a:r>
-              <a:rPr lang="de-DE" sz="2400" dirty="0" err="1">
-                <a:latin typeface="Courier New" panose="02070309020205020404" pitchFamily="49" charset="0"/>
-                <a:cs typeface="Courier New" panose="02070309020205020404" pitchFamily="49" charset="0"/>
-              </a:rPr>
-              <a:t>import</a:t>
-            </a:r>
-            <a:r>
-              <a:rPr lang="de-DE" sz="2400" dirty="0">
-                <a:latin typeface="Courier New" panose="02070309020205020404" pitchFamily="49" charset="0"/>
-                <a:cs typeface="Courier New" panose="02070309020205020404" pitchFamily="49" charset="0"/>
-              </a:rPr>
-              <a:t> </a:t>
-            </a:r>
-            <a:r>
-              <a:rPr lang="de-DE" sz="2400" dirty="0" err="1">
-                <a:latin typeface="Courier New" panose="02070309020205020404" pitchFamily="49" charset="0"/>
-                <a:cs typeface="Courier New" panose="02070309020205020404" pitchFamily="49" charset="0"/>
-              </a:rPr>
-              <a:t>person.tar</a:t>
+              <a:rPr lang="de-DE" sz="2400" dirty="0">
+                <a:latin typeface="Courier New" panose="02070309020205020404" pitchFamily="49" charset="0"/>
+                <a:cs typeface="Courier New" panose="02070309020205020404" pitchFamily="49" charset="0"/>
+              </a:rPr>
+              <a:t>	cd ~/</a:t>
+            </a:r>
+            <a:r>
+              <a:rPr lang="de-DE" sz="2400" dirty="0" err="1">
+                <a:latin typeface="Courier New" panose="02070309020205020404" pitchFamily="49" charset="0"/>
+                <a:cs typeface="Courier New" panose="02070309020205020404" pitchFamily="49" charset="0"/>
+              </a:rPr>
+              <a:t>java</a:t>
+            </a:r>
+            <a:r>
+              <a:rPr lang="de-DE" sz="2400" dirty="0">
+                <a:latin typeface="Courier New" panose="02070309020205020404" pitchFamily="49" charset="0"/>
+                <a:cs typeface="Courier New" panose="02070309020205020404" pitchFamily="49" charset="0"/>
+              </a:rPr>
+              <a:t>-starter/sample/</a:t>
+            </a:r>
+            <a:r>
+              <a:rPr lang="de-DE" sz="2400" dirty="0" err="1">
+                <a:latin typeface="Courier New" panose="02070309020205020404" pitchFamily="49" charset="0"/>
+                <a:cs typeface="Courier New" panose="02070309020205020404" pitchFamily="49" charset="0"/>
+              </a:rPr>
+              <a:t>kubernetes</a:t>
+            </a:r>
+            <a:r>
+              <a:rPr lang="de-DE" sz="2400" dirty="0">
+                <a:latin typeface="Courier New" panose="02070309020205020404" pitchFamily="49" charset="0"/>
+                <a:cs typeface="Courier New" panose="02070309020205020404" pitchFamily="49" charset="0"/>
+              </a:rPr>
+              <a:t>/</a:t>
+            </a:r>
+            <a:r>
+              <a:rPr lang="de-DE" sz="2400" dirty="0" err="1">
+                <a:latin typeface="Courier New" panose="02070309020205020404" pitchFamily="49" charset="0"/>
+                <a:cs typeface="Courier New" panose="02070309020205020404" pitchFamily="49" charset="0"/>
+              </a:rPr>
+              <a:t>deployment</a:t>
             </a:r>
             <a:endParaRPr lang="de-DE" sz="2400" dirty="0">
               <a:latin typeface="Courier New" panose="02070309020205020404" pitchFamily="49" charset="0"/>
@@ -4925,56 +5116,42 @@
                 <a:latin typeface="Courier New" panose="02070309020205020404" pitchFamily="49" charset="0"/>
                 <a:cs typeface="Courier New" panose="02070309020205020404" pitchFamily="49" charset="0"/>
               </a:rPr>
-              <a:t>	microk8s </a:t>
-            </a:r>
-            <a:r>
-              <a:rPr lang="de-DE" sz="2400" dirty="0" err="1">
-                <a:latin typeface="Courier New" panose="02070309020205020404" pitchFamily="49" charset="0"/>
-                <a:cs typeface="Courier New" panose="02070309020205020404" pitchFamily="49" charset="0"/>
-              </a:rPr>
-              <a:t>ctr</a:t>
-            </a:r>
-            <a:r>
-              <a:rPr lang="de-DE" sz="2400" dirty="0">
-                <a:latin typeface="Courier New" panose="02070309020205020404" pitchFamily="49" charset="0"/>
-                <a:cs typeface="Courier New" panose="02070309020205020404" pitchFamily="49" charset="0"/>
-              </a:rPr>
-              <a:t> </a:t>
-            </a:r>
-            <a:r>
-              <a:rPr lang="de-DE" sz="2400" dirty="0" err="1">
-                <a:latin typeface="Courier New" panose="02070309020205020404" pitchFamily="49" charset="0"/>
-                <a:cs typeface="Courier New" panose="02070309020205020404" pitchFamily="49" charset="0"/>
-              </a:rPr>
-              <a:t>image</a:t>
-            </a:r>
-            <a:r>
-              <a:rPr lang="de-DE" sz="2400" dirty="0">
-                <a:latin typeface="Courier New" panose="02070309020205020404" pitchFamily="49" charset="0"/>
-                <a:cs typeface="Courier New" panose="02070309020205020404" pitchFamily="49" charset="0"/>
-              </a:rPr>
-              <a:t> </a:t>
-            </a:r>
-            <a:r>
-              <a:rPr lang="de-DE" sz="2400" dirty="0" err="1">
-                <a:latin typeface="Courier New" panose="02070309020205020404" pitchFamily="49" charset="0"/>
-                <a:cs typeface="Courier New" panose="02070309020205020404" pitchFamily="49" charset="0"/>
-              </a:rPr>
-              <a:t>import</a:t>
-            </a:r>
-            <a:r>
-              <a:rPr lang="de-DE" sz="2400" dirty="0">
-                <a:latin typeface="Courier New" panose="02070309020205020404" pitchFamily="49" charset="0"/>
-                <a:cs typeface="Courier New" panose="02070309020205020404" pitchFamily="49" charset="0"/>
-              </a:rPr>
-              <a:t> </a:t>
-            </a:r>
-            <a:r>
-              <a:rPr lang="de-DE" sz="2400" dirty="0" err="1">
-                <a:latin typeface="Courier New" panose="02070309020205020404" pitchFamily="49" charset="0"/>
-                <a:cs typeface="Courier New" panose="02070309020205020404" pitchFamily="49" charset="0"/>
-              </a:rPr>
-              <a:t>auftrag.tar</a:t>
+              <a:t>	sed -i 's/</a:t>
+            </a:r>
+            <a:r>
+              <a:rPr lang="de-DE" sz="2400" dirty="0" err="1">
+                <a:latin typeface="Courier New" panose="02070309020205020404" pitchFamily="49" charset="0"/>
+                <a:cs typeface="Courier New" panose="02070309020205020404" pitchFamily="49" charset="0"/>
+              </a:rPr>
+              <a:t>replace_me</a:t>
+            </a:r>
+            <a:r>
+              <a:rPr lang="de-DE" sz="2400" dirty="0">
+                <a:latin typeface="Courier New" panose="02070309020205020404" pitchFamily="49" charset="0"/>
+                <a:cs typeface="Courier New" panose="02070309020205020404" pitchFamily="49" charset="0"/>
+              </a:rPr>
+              <a:t>/192.168.22.5/</a:t>
+            </a:r>
+            <a:r>
+              <a:rPr lang="de-DE" sz="2400" dirty="0" err="1">
+                <a:latin typeface="Courier New" panose="02070309020205020404" pitchFamily="49" charset="0"/>
+                <a:cs typeface="Courier New" panose="02070309020205020404" pitchFamily="49" charset="0"/>
+              </a:rPr>
+              <a:t>g</a:t>
+            </a:r>
+            <a:r>
+              <a:rPr lang="de-DE" sz="2400" dirty="0">
+                <a:latin typeface="Courier New" panose="02070309020205020404" pitchFamily="49" charset="0"/>
+                <a:cs typeface="Courier New" panose="02070309020205020404" pitchFamily="49" charset="0"/>
+              </a:rPr>
+              <a:t>' </a:t>
+            </a:r>
+            <a:r>
+              <a:rPr lang="de-DE" sz="2400" dirty="0" err="1">
+                <a:latin typeface="Courier New" panose="02070309020205020404" pitchFamily="49" charset="0"/>
+                <a:cs typeface="Courier New" panose="02070309020205020404" pitchFamily="49" charset="0"/>
+              </a:rPr>
+              <a:t>sample.yml</a:t>
             </a:r>
             <a:endParaRPr lang="de-DE" sz="2400" dirty="0">
               <a:latin typeface="Courier New" panose="02070309020205020404" pitchFamily="49" charset="0"/>
@@ -4997,7 +5174,7 @@
                 <a:latin typeface="Courier New" panose="02070309020205020404" pitchFamily="49" charset="0"/>
                 <a:cs typeface="Courier New" panose="02070309020205020404" pitchFamily="49" charset="0"/>
               </a:rPr>
-              <a:t>ctr</a:t>
+              <a:t>kubectl</a:t>
             </a:r>
             <a:r>
               <a:rPr lang="de-DE" sz="2400" dirty="0">
@@ -5011,71 +5188,150 @@
                 <a:latin typeface="Courier New" panose="02070309020205020404" pitchFamily="49" charset="0"/>
                 <a:cs typeface="Courier New" panose="02070309020205020404" pitchFamily="49" charset="0"/>
               </a:rPr>
-              <a:t>image</a:t>
-            </a:r>
-            <a:r>
-              <a:rPr lang="de-DE" sz="2400" dirty="0">
-                <a:latin typeface="Courier New" panose="02070309020205020404" pitchFamily="49" charset="0"/>
-                <a:cs typeface="Courier New" panose="02070309020205020404" pitchFamily="49" charset="0"/>
-              </a:rPr>
-              <a:t> </a:t>
-            </a:r>
-            <a:r>
-              <a:rPr lang="de-DE" sz="2400" dirty="0" err="1">
-                <a:latin typeface="Courier New" panose="02070309020205020404" pitchFamily="49" charset="0"/>
-                <a:cs typeface="Courier New" panose="02070309020205020404" pitchFamily="49" charset="0"/>
-              </a:rPr>
-              <a:t>import</a:t>
-            </a:r>
-            <a:r>
-              <a:rPr lang="de-DE" sz="2400" dirty="0">
-                <a:latin typeface="Courier New" panose="02070309020205020404" pitchFamily="49" charset="0"/>
-                <a:cs typeface="Courier New" panose="02070309020205020404" pitchFamily="49" charset="0"/>
-              </a:rPr>
-              <a:t> </a:t>
-            </a:r>
-            <a:r>
-              <a:rPr lang="de-DE" sz="2400" dirty="0" err="1">
-                <a:latin typeface="Courier New" panose="02070309020205020404" pitchFamily="49" charset="0"/>
-                <a:cs typeface="Courier New" panose="02070309020205020404" pitchFamily="49" charset="0"/>
-              </a:rPr>
-              <a:t>shop.tar</a:t>
+              <a:t>apply</a:t>
+            </a:r>
+            <a:r>
+              <a:rPr lang="de-DE" sz="2400" dirty="0">
+                <a:latin typeface="Courier New" panose="02070309020205020404" pitchFamily="49" charset="0"/>
+                <a:cs typeface="Courier New" panose="02070309020205020404" pitchFamily="49" charset="0"/>
+              </a:rPr>
+              <a:t> -f </a:t>
+            </a:r>
+            <a:r>
+              <a:rPr lang="de-DE" sz="2400" dirty="0" err="1">
+                <a:latin typeface="Courier New" panose="02070309020205020404" pitchFamily="49" charset="0"/>
+                <a:cs typeface="Courier New" panose="02070309020205020404" pitchFamily="49" charset="0"/>
+              </a:rPr>
+              <a:t>sample.yml</a:t>
             </a:r>
             <a:endParaRPr lang="de-DE" sz="2400" dirty="0">
               <a:latin typeface="Courier New" panose="02070309020205020404" pitchFamily="49" charset="0"/>
               <a:cs typeface="Courier New" panose="02070309020205020404" pitchFamily="49" charset="0"/>
             </a:endParaRPr>
           </a:p>
-          <a:p>
-            <a:pPr marL="0" indent="0">
-              <a:buNone/>
-            </a:pPr>
-            <a:endParaRPr lang="de-DE" sz="2400" dirty="0">
-              <a:latin typeface="Courier New" panose="02070309020205020404" pitchFamily="49" charset="0"/>
-              <a:cs typeface="Courier New" panose="02070309020205020404" pitchFamily="49" charset="0"/>
-            </a:endParaRPr>
-          </a:p>
-          <a:p>
-            <a:r>
-              <a:rPr lang="de-DE" sz="2400" dirty="0">
-                <a:cs typeface="Courier New" panose="02070309020205020404" pitchFamily="49" charset="0"/>
-              </a:rPr>
-              <a:t>Ebenso:</a:t>
-            </a:r>
-            <a:r>
-              <a:rPr lang="de-DE" sz="2400" dirty="0">
-                <a:latin typeface="Courier New" panose="02070309020205020404" pitchFamily="49" charset="0"/>
-                <a:cs typeface="Courier New" panose="02070309020205020404" pitchFamily="49" charset="0"/>
-              </a:rPr>
-              <a:t> worker2</a:t>
-            </a:r>
-          </a:p>
-        </p:txBody>
-      </p:sp>
+        </p:txBody>
+      </p:sp>
+      <p:grpSp>
+        <p:nvGrpSpPr>
+          <p:cNvPr id="6" name="Gruppieren 5">
+            <a:extLst>
+              <a:ext uri="{FF2B5EF4-FFF2-40B4-BE49-F238E27FC236}">
+                <a16:creationId xmlns:a16="http://schemas.microsoft.com/office/drawing/2014/main" id="{342C5774-54C6-840C-B337-3EA690C9B359}"/>
+              </a:ext>
+            </a:extLst>
+          </p:cNvPr>
+          <p:cNvGrpSpPr/>
+          <p:nvPr/>
+        </p:nvGrpSpPr>
+        <p:grpSpPr>
+          <a:xfrm>
+            <a:off x="5670865" y="3525199"/>
+            <a:ext cx="2238447" cy="769441"/>
+            <a:chOff x="5753992" y="3145188"/>
+            <a:chExt cx="2238447" cy="769441"/>
+          </a:xfrm>
+        </p:grpSpPr>
+        <p:sp>
+          <p:nvSpPr>
+            <p:cNvPr id="4" name="Oval 3">
+              <a:extLst>
+                <a:ext uri="{FF2B5EF4-FFF2-40B4-BE49-F238E27FC236}">
+                  <a16:creationId xmlns:a16="http://schemas.microsoft.com/office/drawing/2014/main" id="{28E4552C-71AB-63D5-F605-7CA9BC826914}"/>
+                </a:ext>
+              </a:extLst>
+            </p:cNvPr>
+            <p:cNvSpPr/>
+            <p:nvPr/>
+          </p:nvSpPr>
+          <p:spPr>
+            <a:xfrm>
+              <a:off x="5753992" y="3162276"/>
+              <a:ext cx="2201288" cy="367633"/>
+            </a:xfrm>
+            <a:prstGeom prst="ellipse">
+              <a:avLst/>
+            </a:prstGeom>
+            <a:noFill/>
+            <a:ln w="38100">
+              <a:solidFill>
+                <a:srgbClr val="FF0000"/>
+              </a:solidFill>
+            </a:ln>
+          </p:spPr>
+          <p:style>
+            <a:lnRef idx="2">
+              <a:schemeClr val="accent1">
+                <a:shade val="50000"/>
+              </a:schemeClr>
+            </a:lnRef>
+            <a:fillRef idx="1">
+              <a:schemeClr val="accent1"/>
+            </a:fillRef>
+            <a:effectRef idx="0">
+              <a:schemeClr val="accent1"/>
+            </a:effectRef>
+            <a:fontRef idx="minor">
+              <a:schemeClr val="lt1"/>
+            </a:fontRef>
+          </p:style>
+          <p:txBody>
+            <a:bodyPr rtlCol="0" anchor="ctr"/>
+            <a:lstStyle/>
+            <a:p>
+              <a:pPr algn="ctr"/>
+              <a:endParaRPr lang="de-DE"/>
+            </a:p>
+          </p:txBody>
+        </p:sp>
+        <p:sp>
+          <p:nvSpPr>
+            <p:cNvPr id="5" name="Textfeld 4">
+              <a:extLst>
+                <a:ext uri="{FF2B5EF4-FFF2-40B4-BE49-F238E27FC236}">
+                  <a16:creationId xmlns:a16="http://schemas.microsoft.com/office/drawing/2014/main" id="{6FCA7286-4252-2346-0A99-E96B1EBDE716}"/>
+                </a:ext>
+              </a:extLst>
+            </p:cNvPr>
+            <p:cNvSpPr txBox="1"/>
+            <p:nvPr/>
+          </p:nvSpPr>
+          <p:spPr>
+            <a:xfrm>
+              <a:off x="7214662" y="3145188"/>
+              <a:ext cx="777777" cy="769441"/>
+            </a:xfrm>
+            <a:prstGeom prst="rect">
+              <a:avLst/>
+            </a:prstGeom>
+            <a:noFill/>
+          </p:spPr>
+          <p:txBody>
+            <a:bodyPr wrap="none" rtlCol="0">
+              <a:spAutoFit/>
+            </a:bodyPr>
+            <a:lstStyle/>
+            <a:p>
+              <a:r>
+                <a:rPr lang="de-DE" sz="4400" dirty="0" err="1">
+                  <a:solidFill>
+                    <a:srgbClr val="FF0000"/>
+                  </a:solidFill>
+                </a:rPr>
+                <a:t>db</a:t>
+              </a:r>
+              <a:endParaRPr lang="de-DE" sz="4400" dirty="0">
+                <a:solidFill>
+                  <a:srgbClr val="FF0000"/>
+                </a:solidFill>
+              </a:endParaRPr>
+            </a:p>
+          </p:txBody>
+        </p:sp>
+      </p:grpSp>
     </p:spTree>
     <p:extLst>
       <p:ext uri="{BB962C8B-B14F-4D97-AF65-F5344CB8AC3E}">
-        <p14:creationId xmlns:p14="http://schemas.microsoft.com/office/powerpoint/2010/main" val="883986804"/>
+        <p14:creationId xmlns:p14="http://schemas.microsoft.com/office/powerpoint/2010/main" val="1844990318"/>
       </p:ext>
     </p:extLst>
   </p:cSld>
@@ -5107,7 +5363,7 @@
           <p:cNvPr id="2" name="Titel 1">
             <a:extLst>
               <a:ext uri="{FF2B5EF4-FFF2-40B4-BE49-F238E27FC236}">
-                <a16:creationId xmlns:a16="http://schemas.microsoft.com/office/drawing/2014/main" id="{6771848D-1E70-E48B-5C6D-951BC6041598}"/>
+                <a16:creationId xmlns:a16="http://schemas.microsoft.com/office/drawing/2014/main" id="{182D65AE-F729-F44A-6E4A-EAF568F96FF3}"/>
               </a:ext>
             </a:extLst>
           </p:cNvPr>
@@ -5125,15 +5381,7 @@
           <a:p>
             <a:r>
               <a:rPr lang="de-DE" dirty="0"/>
-              <a:t>5. Images in </a:t>
-            </a:r>
-            <a:r>
-              <a:rPr lang="de-DE" dirty="0" err="1"/>
-              <a:t>Kubernetes</a:t>
-            </a:r>
-            <a:r>
-              <a:rPr lang="de-DE" dirty="0"/>
-              <a:t> importieren</a:t>
+              <a:t>8. Mit Postman ausprobieren</a:t>
             </a:r>
           </a:p>
         </p:txBody>
@@ -5143,7 +5391,7 @@
           <p:cNvPr id="3" name="Inhaltsplatzhalter 2">
             <a:extLst>
               <a:ext uri="{FF2B5EF4-FFF2-40B4-BE49-F238E27FC236}">
-                <a16:creationId xmlns:a16="http://schemas.microsoft.com/office/drawing/2014/main" id="{C6B47590-B943-D19C-BC30-9C11A54E6BFE}"/>
+                <a16:creationId xmlns:a16="http://schemas.microsoft.com/office/drawing/2014/main" id="{0D4E04CC-7703-B7A9-BDCB-7587ECFF69E3}"/>
               </a:ext>
             </a:extLst>
           </p:cNvPr>
@@ -5152,304 +5400,6 @@
           </p:cNvSpPr>
           <p:nvPr>
             <p:ph idx="1"/>
-          </p:nvPr>
-        </p:nvSpPr>
-        <p:spPr/>
-        <p:txBody>
-          <a:bodyPr>
-            <a:normAutofit/>
-          </a:bodyPr>
-          <a:lstStyle/>
-          <a:p>
-            <a:r>
-              <a:rPr lang="de-DE" dirty="0">
-                <a:cs typeface="Courier New" panose="02070309020205020404" pitchFamily="49" charset="0"/>
-              </a:rPr>
-              <a:t>Ebenso auf</a:t>
-            </a:r>
-            <a:r>
-              <a:rPr lang="de-DE" dirty="0">
-                <a:latin typeface="Courier New" panose="02070309020205020404" pitchFamily="49" charset="0"/>
-                <a:cs typeface="Courier New" panose="02070309020205020404" pitchFamily="49" charset="0"/>
-              </a:rPr>
-              <a:t> worker2</a:t>
-            </a:r>
-            <a:r>
-              <a:rPr lang="de-DE" dirty="0"/>
-              <a:t>:</a:t>
-            </a:r>
-          </a:p>
-          <a:p>
-            <a:pPr marL="0" indent="0">
-              <a:buNone/>
-            </a:pPr>
-            <a:r>
-              <a:rPr lang="de-DE" sz="2400" dirty="0"/>
-              <a:t>	</a:t>
-            </a:r>
-            <a:r>
-              <a:rPr lang="de-DE" sz="2400" dirty="0">
-                <a:latin typeface="Courier New" panose="02070309020205020404" pitchFamily="49" charset="0"/>
-                <a:cs typeface="Courier New" panose="02070309020205020404" pitchFamily="49" charset="0"/>
-              </a:rPr>
-              <a:t>multipass </a:t>
-            </a:r>
-            <a:r>
-              <a:rPr lang="de-DE" sz="2400" dirty="0" err="1">
-                <a:latin typeface="Courier New" panose="02070309020205020404" pitchFamily="49" charset="0"/>
-                <a:cs typeface="Courier New" panose="02070309020205020404" pitchFamily="49" charset="0"/>
-              </a:rPr>
-              <a:t>shell</a:t>
-            </a:r>
-            <a:r>
-              <a:rPr lang="de-DE" sz="2400" dirty="0">
-                <a:latin typeface="Courier New" panose="02070309020205020404" pitchFamily="49" charset="0"/>
-                <a:cs typeface="Courier New" panose="02070309020205020404" pitchFamily="49" charset="0"/>
-              </a:rPr>
-              <a:t> worker2</a:t>
-            </a:r>
-          </a:p>
-          <a:p>
-            <a:pPr marL="0" indent="0">
-              <a:buNone/>
-            </a:pPr>
-            <a:r>
-              <a:rPr lang="de-DE" sz="2400" dirty="0">
-                <a:latin typeface="Courier New" panose="02070309020205020404" pitchFamily="49" charset="0"/>
-                <a:cs typeface="Courier New" panose="02070309020205020404" pitchFamily="49" charset="0"/>
-              </a:rPr>
-              <a:t>	microk8s </a:t>
-            </a:r>
-            <a:r>
-              <a:rPr lang="de-DE" sz="2400" dirty="0" err="1">
-                <a:latin typeface="Courier New" panose="02070309020205020404" pitchFamily="49" charset="0"/>
-                <a:cs typeface="Courier New" panose="02070309020205020404" pitchFamily="49" charset="0"/>
-              </a:rPr>
-              <a:t>ctr</a:t>
-            </a:r>
-            <a:r>
-              <a:rPr lang="de-DE" sz="2400" dirty="0">
-                <a:latin typeface="Courier New" panose="02070309020205020404" pitchFamily="49" charset="0"/>
-                <a:cs typeface="Courier New" panose="02070309020205020404" pitchFamily="49" charset="0"/>
-              </a:rPr>
-              <a:t> </a:t>
-            </a:r>
-            <a:r>
-              <a:rPr lang="de-DE" sz="2400" dirty="0" err="1">
-                <a:latin typeface="Courier New" panose="02070309020205020404" pitchFamily="49" charset="0"/>
-                <a:cs typeface="Courier New" panose="02070309020205020404" pitchFamily="49" charset="0"/>
-              </a:rPr>
-              <a:t>image</a:t>
-            </a:r>
-            <a:r>
-              <a:rPr lang="de-DE" sz="2400" dirty="0">
-                <a:latin typeface="Courier New" panose="02070309020205020404" pitchFamily="49" charset="0"/>
-                <a:cs typeface="Courier New" panose="02070309020205020404" pitchFamily="49" charset="0"/>
-              </a:rPr>
-              <a:t> </a:t>
-            </a:r>
-            <a:r>
-              <a:rPr lang="de-DE" sz="2400" dirty="0" err="1">
-                <a:latin typeface="Courier New" panose="02070309020205020404" pitchFamily="49" charset="0"/>
-                <a:cs typeface="Courier New" panose="02070309020205020404" pitchFamily="49" charset="0"/>
-              </a:rPr>
-              <a:t>import</a:t>
-            </a:r>
-            <a:r>
-              <a:rPr lang="de-DE" sz="2400" dirty="0">
-                <a:latin typeface="Courier New" panose="02070309020205020404" pitchFamily="49" charset="0"/>
-                <a:cs typeface="Courier New" panose="02070309020205020404" pitchFamily="49" charset="0"/>
-              </a:rPr>
-              <a:t> </a:t>
-            </a:r>
-            <a:r>
-              <a:rPr lang="de-DE" sz="2400" dirty="0" err="1">
-                <a:latin typeface="Courier New" panose="02070309020205020404" pitchFamily="49" charset="0"/>
-                <a:cs typeface="Courier New" panose="02070309020205020404" pitchFamily="49" charset="0"/>
-              </a:rPr>
-              <a:t>person.tar</a:t>
-            </a:r>
-            <a:endParaRPr lang="de-DE" sz="2400" dirty="0">
-              <a:latin typeface="Courier New" panose="02070309020205020404" pitchFamily="49" charset="0"/>
-              <a:cs typeface="Courier New" panose="02070309020205020404" pitchFamily="49" charset="0"/>
-            </a:endParaRPr>
-          </a:p>
-          <a:p>
-            <a:pPr marL="0" indent="0">
-              <a:buNone/>
-            </a:pPr>
-            <a:r>
-              <a:rPr lang="de-DE" sz="2400" dirty="0">
-                <a:latin typeface="Courier New" panose="02070309020205020404" pitchFamily="49" charset="0"/>
-                <a:cs typeface="Courier New" panose="02070309020205020404" pitchFamily="49" charset="0"/>
-              </a:rPr>
-              <a:t>	microk8s </a:t>
-            </a:r>
-            <a:r>
-              <a:rPr lang="de-DE" sz="2400" dirty="0" err="1">
-                <a:latin typeface="Courier New" panose="02070309020205020404" pitchFamily="49" charset="0"/>
-                <a:cs typeface="Courier New" panose="02070309020205020404" pitchFamily="49" charset="0"/>
-              </a:rPr>
-              <a:t>ctr</a:t>
-            </a:r>
-            <a:r>
-              <a:rPr lang="de-DE" sz="2400" dirty="0">
-                <a:latin typeface="Courier New" panose="02070309020205020404" pitchFamily="49" charset="0"/>
-                <a:cs typeface="Courier New" panose="02070309020205020404" pitchFamily="49" charset="0"/>
-              </a:rPr>
-              <a:t> </a:t>
-            </a:r>
-            <a:r>
-              <a:rPr lang="de-DE" sz="2400" dirty="0" err="1">
-                <a:latin typeface="Courier New" panose="02070309020205020404" pitchFamily="49" charset="0"/>
-                <a:cs typeface="Courier New" panose="02070309020205020404" pitchFamily="49" charset="0"/>
-              </a:rPr>
-              <a:t>image</a:t>
-            </a:r>
-            <a:r>
-              <a:rPr lang="de-DE" sz="2400" dirty="0">
-                <a:latin typeface="Courier New" panose="02070309020205020404" pitchFamily="49" charset="0"/>
-                <a:cs typeface="Courier New" panose="02070309020205020404" pitchFamily="49" charset="0"/>
-              </a:rPr>
-              <a:t> </a:t>
-            </a:r>
-            <a:r>
-              <a:rPr lang="de-DE" sz="2400" dirty="0" err="1">
-                <a:latin typeface="Courier New" panose="02070309020205020404" pitchFamily="49" charset="0"/>
-                <a:cs typeface="Courier New" panose="02070309020205020404" pitchFamily="49" charset="0"/>
-              </a:rPr>
-              <a:t>import</a:t>
-            </a:r>
-            <a:r>
-              <a:rPr lang="de-DE" sz="2400" dirty="0">
-                <a:latin typeface="Courier New" panose="02070309020205020404" pitchFamily="49" charset="0"/>
-                <a:cs typeface="Courier New" panose="02070309020205020404" pitchFamily="49" charset="0"/>
-              </a:rPr>
-              <a:t> </a:t>
-            </a:r>
-            <a:r>
-              <a:rPr lang="de-DE" sz="2400" dirty="0" err="1">
-                <a:latin typeface="Courier New" panose="02070309020205020404" pitchFamily="49" charset="0"/>
-                <a:cs typeface="Courier New" panose="02070309020205020404" pitchFamily="49" charset="0"/>
-              </a:rPr>
-              <a:t>auftrag.tar</a:t>
-            </a:r>
-            <a:endParaRPr lang="de-DE" sz="2400" dirty="0">
-              <a:latin typeface="Courier New" panose="02070309020205020404" pitchFamily="49" charset="0"/>
-              <a:cs typeface="Courier New" panose="02070309020205020404" pitchFamily="49" charset="0"/>
-            </a:endParaRPr>
-          </a:p>
-          <a:p>
-            <a:pPr marL="0" indent="0">
-              <a:buNone/>
-            </a:pPr>
-            <a:r>
-              <a:rPr lang="de-DE" sz="2400" dirty="0">
-                <a:latin typeface="Courier New" panose="02070309020205020404" pitchFamily="49" charset="0"/>
-                <a:cs typeface="Courier New" panose="02070309020205020404" pitchFamily="49" charset="0"/>
-              </a:rPr>
-              <a:t>	microk8s </a:t>
-            </a:r>
-            <a:r>
-              <a:rPr lang="de-DE" sz="2400" dirty="0" err="1">
-                <a:latin typeface="Courier New" panose="02070309020205020404" pitchFamily="49" charset="0"/>
-                <a:cs typeface="Courier New" panose="02070309020205020404" pitchFamily="49" charset="0"/>
-              </a:rPr>
-              <a:t>ctr</a:t>
-            </a:r>
-            <a:r>
-              <a:rPr lang="de-DE" sz="2400" dirty="0">
-                <a:latin typeface="Courier New" panose="02070309020205020404" pitchFamily="49" charset="0"/>
-                <a:cs typeface="Courier New" panose="02070309020205020404" pitchFamily="49" charset="0"/>
-              </a:rPr>
-              <a:t> </a:t>
-            </a:r>
-            <a:r>
-              <a:rPr lang="de-DE" sz="2400" dirty="0" err="1">
-                <a:latin typeface="Courier New" panose="02070309020205020404" pitchFamily="49" charset="0"/>
-                <a:cs typeface="Courier New" panose="02070309020205020404" pitchFamily="49" charset="0"/>
-              </a:rPr>
-              <a:t>image</a:t>
-            </a:r>
-            <a:r>
-              <a:rPr lang="de-DE" sz="2400" dirty="0">
-                <a:latin typeface="Courier New" panose="02070309020205020404" pitchFamily="49" charset="0"/>
-                <a:cs typeface="Courier New" panose="02070309020205020404" pitchFamily="49" charset="0"/>
-              </a:rPr>
-              <a:t> </a:t>
-            </a:r>
-            <a:r>
-              <a:rPr lang="de-DE" sz="2400" dirty="0" err="1">
-                <a:latin typeface="Courier New" panose="02070309020205020404" pitchFamily="49" charset="0"/>
-                <a:cs typeface="Courier New" panose="02070309020205020404" pitchFamily="49" charset="0"/>
-              </a:rPr>
-              <a:t>import</a:t>
-            </a:r>
-            <a:r>
-              <a:rPr lang="de-DE" sz="2400" dirty="0">
-                <a:latin typeface="Courier New" panose="02070309020205020404" pitchFamily="49" charset="0"/>
-                <a:cs typeface="Courier New" panose="02070309020205020404" pitchFamily="49" charset="0"/>
-              </a:rPr>
-              <a:t> </a:t>
-            </a:r>
-            <a:r>
-              <a:rPr lang="de-DE" sz="2400" dirty="0" err="1">
-                <a:latin typeface="Courier New" panose="02070309020205020404" pitchFamily="49" charset="0"/>
-                <a:cs typeface="Courier New" panose="02070309020205020404" pitchFamily="49" charset="0"/>
-              </a:rPr>
-              <a:t>shop.tar</a:t>
-            </a:r>
-            <a:endParaRPr lang="de-DE" sz="2400" dirty="0">
-              <a:latin typeface="Courier New" panose="02070309020205020404" pitchFamily="49" charset="0"/>
-              <a:cs typeface="Courier New" panose="02070309020205020404" pitchFamily="49" charset="0"/>
-            </a:endParaRPr>
-          </a:p>
-        </p:txBody>
-      </p:sp>
-    </p:spTree>
-    <p:extLst>
-      <p:ext uri="{BB962C8B-B14F-4D97-AF65-F5344CB8AC3E}">
-        <p14:creationId xmlns:p14="http://schemas.microsoft.com/office/powerpoint/2010/main" val="85239186"/>
-      </p:ext>
-    </p:extLst>
-  </p:cSld>
-  <p:clrMapOvr>
-    <a:masterClrMapping/>
-  </p:clrMapOvr>
-</p:sld>
-</file>
-
-<file path=ppt/slides/slide14.xml><?xml version="1.0" encoding="utf-8"?>
-<p:sld xmlns:a="http://schemas.openxmlformats.org/drawingml/2006/main" xmlns:r="http://schemas.openxmlformats.org/officeDocument/2006/relationships" xmlns:p="http://schemas.openxmlformats.org/presentationml/2006/main">
-  <p:cSld>
-    <p:spTree>
-      <p:nvGrpSpPr>
-        <p:cNvPr id="1" name=""/>
-        <p:cNvGrpSpPr/>
-        <p:nvPr/>
-      </p:nvGrpSpPr>
-      <p:grpSpPr>
-        <a:xfrm>
-          <a:off x="0" y="0"/>
-          <a:ext cx="0" cy="0"/>
-          <a:chOff x="0" y="0"/>
-          <a:chExt cx="0" cy="0"/>
-        </a:xfrm>
-      </p:grpSpPr>
-      <p:sp>
-        <p:nvSpPr>
-          <p:cNvPr id="2" name="Titel 1">
-            <a:extLst>
-              <a:ext uri="{FF2B5EF4-FFF2-40B4-BE49-F238E27FC236}">
-                <a16:creationId xmlns:a16="http://schemas.microsoft.com/office/drawing/2014/main" id="{6771848D-1E70-E48B-5C6D-951BC6041598}"/>
-              </a:ext>
-            </a:extLst>
-          </p:cNvPr>
-          <p:cNvSpPr>
-            <a:spLocks noGrp="1"/>
-          </p:cNvSpPr>
-          <p:nvPr>
-            <p:ph type="title"/>
           </p:nvPr>
         </p:nvSpPr>
         <p:spPr/>
@@ -5459,449 +5409,46 @@
           <a:p>
             <a:r>
               <a:rPr lang="de-DE" dirty="0"/>
-              <a:t>6. Anwendung in </a:t>
-            </a:r>
-            <a:r>
-              <a:rPr lang="de-DE" dirty="0" err="1"/>
-              <a:t>Kubernetes</a:t>
+              <a:t>Unter </a:t>
+            </a:r>
+            <a:r>
+              <a:rPr lang="de-DE" dirty="0" err="1">
+                <a:latin typeface="Courier New" panose="02070309020205020404" pitchFamily="49" charset="0"/>
+                <a:cs typeface="Courier New" panose="02070309020205020404" pitchFamily="49" charset="0"/>
+              </a:rPr>
+              <a:t>java</a:t>
+            </a:r>
+            <a:r>
+              <a:rPr lang="de-DE" dirty="0">
+                <a:latin typeface="Courier New" panose="02070309020205020404" pitchFamily="49" charset="0"/>
+                <a:cs typeface="Courier New" panose="02070309020205020404" pitchFamily="49" charset="0"/>
+              </a:rPr>
+              <a:t>-starter/sample/</a:t>
+            </a:r>
+            <a:r>
+              <a:rPr lang="de-DE" dirty="0" err="1">
+                <a:latin typeface="Courier New" panose="02070309020205020404" pitchFamily="49" charset="0"/>
+                <a:cs typeface="Courier New" panose="02070309020205020404" pitchFamily="49" charset="0"/>
+              </a:rPr>
+              <a:t>kubernetes</a:t>
+            </a:r>
+            <a:r>
+              <a:rPr lang="de-DE" dirty="0">
+                <a:latin typeface="Courier New" panose="02070309020205020404" pitchFamily="49" charset="0"/>
+                <a:cs typeface="Courier New" panose="02070309020205020404" pitchFamily="49" charset="0"/>
+              </a:rPr>
+              <a:t>/</a:t>
+            </a:r>
+            <a:r>
+              <a:rPr lang="de-DE" dirty="0" err="1">
+                <a:latin typeface="Courier New" panose="02070309020205020404" pitchFamily="49" charset="0"/>
+                <a:cs typeface="Courier New" panose="02070309020205020404" pitchFamily="49" charset="0"/>
+              </a:rPr>
+              <a:t>postman</a:t>
             </a:r>
             <a:r>
               <a:rPr lang="de-DE" dirty="0"/>
-              <a:t> deployen</a:t>
-            </a:r>
-          </a:p>
-        </p:txBody>
-      </p:sp>
-      <p:sp>
-        <p:nvSpPr>
-          <p:cNvPr id="3" name="Inhaltsplatzhalter 2">
-            <a:extLst>
-              <a:ext uri="{FF2B5EF4-FFF2-40B4-BE49-F238E27FC236}">
-                <a16:creationId xmlns:a16="http://schemas.microsoft.com/office/drawing/2014/main" id="{C6B47590-B943-D19C-BC30-9C11A54E6BFE}"/>
-              </a:ext>
-            </a:extLst>
-          </p:cNvPr>
-          <p:cNvSpPr>
-            <a:spLocks noGrp="1"/>
-          </p:cNvSpPr>
-          <p:nvPr>
-            <p:ph idx="1"/>
-          </p:nvPr>
-        </p:nvSpPr>
-        <p:spPr/>
-        <p:txBody>
-          <a:bodyPr/>
-          <a:lstStyle/>
-          <a:p>
-            <a:r>
-              <a:rPr lang="de-DE" dirty="0"/>
-              <a:t>In der Datei </a:t>
-            </a:r>
-            <a:r>
-              <a:rPr lang="de-DE" dirty="0" err="1">
-                <a:latin typeface="Courier New" panose="02070309020205020404" pitchFamily="49" charset="0"/>
-                <a:cs typeface="Courier New" panose="02070309020205020404" pitchFamily="49" charset="0"/>
-              </a:rPr>
-              <a:t>docker-compose.yml</a:t>
-            </a:r>
-            <a:r>
-              <a:rPr lang="de-DE" dirty="0">
-                <a:latin typeface="Courier New" panose="02070309020205020404" pitchFamily="49" charset="0"/>
-                <a:cs typeface="Courier New" panose="02070309020205020404" pitchFamily="49" charset="0"/>
-              </a:rPr>
-              <a:t> </a:t>
-            </a:r>
-            <a:r>
-              <a:rPr lang="de-DE" dirty="0"/>
-              <a:t>muss wieder </a:t>
-            </a:r>
-            <a:r>
-              <a:rPr lang="de-DE" dirty="0" err="1">
-                <a:latin typeface="Courier New" panose="02070309020205020404" pitchFamily="49" charset="0"/>
-                <a:cs typeface="Courier New" panose="02070309020205020404" pitchFamily="49" charset="0"/>
-              </a:rPr>
-              <a:t>replace_me</a:t>
-            </a:r>
-            <a:r>
-              <a:rPr lang="de-DE" dirty="0">
-                <a:latin typeface="Courier New" panose="02070309020205020404" pitchFamily="49" charset="0"/>
-                <a:cs typeface="Courier New" panose="02070309020205020404" pitchFamily="49" charset="0"/>
-              </a:rPr>
-              <a:t> </a:t>
-            </a:r>
-            <a:r>
-              <a:rPr lang="de-DE" dirty="0"/>
-              <a:t>durch die IP-Adresse des Datenbank-Servers ersetzt werden!</a:t>
-            </a:r>
-            <a:endParaRPr lang="de-DE" dirty="0">
-              <a:cs typeface="Courier New" panose="02070309020205020404" pitchFamily="49" charset="0"/>
-            </a:endParaRPr>
-          </a:p>
-          <a:p>
-            <a:pPr marL="0" indent="0">
-              <a:buNone/>
-            </a:pPr>
-            <a:r>
-              <a:rPr lang="de-DE" sz="2400" dirty="0">
-                <a:latin typeface="Courier New" panose="02070309020205020404" pitchFamily="49" charset="0"/>
-                <a:cs typeface="Courier New" panose="02070309020205020404" pitchFamily="49" charset="0"/>
-              </a:rPr>
-              <a:t>	cd ~/</a:t>
-            </a:r>
-            <a:r>
-              <a:rPr lang="de-DE" sz="2400" dirty="0" err="1">
-                <a:latin typeface="Courier New" panose="02070309020205020404" pitchFamily="49" charset="0"/>
-                <a:cs typeface="Courier New" panose="02070309020205020404" pitchFamily="49" charset="0"/>
-              </a:rPr>
-              <a:t>java</a:t>
-            </a:r>
-            <a:r>
-              <a:rPr lang="de-DE" sz="2400" dirty="0">
-                <a:latin typeface="Courier New" panose="02070309020205020404" pitchFamily="49" charset="0"/>
-                <a:cs typeface="Courier New" panose="02070309020205020404" pitchFamily="49" charset="0"/>
-              </a:rPr>
-              <a:t>-starter/sample/</a:t>
-            </a:r>
-            <a:r>
-              <a:rPr lang="de-DE" sz="2400" dirty="0" err="1">
-                <a:latin typeface="Courier New" panose="02070309020205020404" pitchFamily="49" charset="0"/>
-                <a:cs typeface="Courier New" panose="02070309020205020404" pitchFamily="49" charset="0"/>
-              </a:rPr>
-              <a:t>kubernetes</a:t>
-            </a:r>
-            <a:r>
-              <a:rPr lang="de-DE" sz="2400" dirty="0">
-                <a:latin typeface="Courier New" panose="02070309020205020404" pitchFamily="49" charset="0"/>
-                <a:cs typeface="Courier New" panose="02070309020205020404" pitchFamily="49" charset="0"/>
-              </a:rPr>
-              <a:t>/</a:t>
-            </a:r>
-            <a:r>
-              <a:rPr lang="de-DE" sz="2400" dirty="0" err="1">
-                <a:latin typeface="Courier New" panose="02070309020205020404" pitchFamily="49" charset="0"/>
-                <a:cs typeface="Courier New" panose="02070309020205020404" pitchFamily="49" charset="0"/>
-              </a:rPr>
-              <a:t>deployment</a:t>
-            </a:r>
-            <a:endParaRPr lang="de-DE" sz="2400" dirty="0">
-              <a:latin typeface="Courier New" panose="02070309020205020404" pitchFamily="49" charset="0"/>
-              <a:cs typeface="Courier New" panose="02070309020205020404" pitchFamily="49" charset="0"/>
-            </a:endParaRPr>
-          </a:p>
-          <a:p>
-            <a:pPr marL="0" indent="0">
-              <a:buNone/>
-            </a:pPr>
-            <a:r>
-              <a:rPr lang="de-DE" sz="2400" dirty="0">
-                <a:latin typeface="Courier New" panose="02070309020205020404" pitchFamily="49" charset="0"/>
-                <a:cs typeface="Courier New" panose="02070309020205020404" pitchFamily="49" charset="0"/>
-              </a:rPr>
-              <a:t>	sed -i 's/</a:t>
-            </a:r>
-            <a:r>
-              <a:rPr lang="de-DE" sz="2400" dirty="0" err="1">
-                <a:latin typeface="Courier New" panose="02070309020205020404" pitchFamily="49" charset="0"/>
-                <a:cs typeface="Courier New" panose="02070309020205020404" pitchFamily="49" charset="0"/>
-              </a:rPr>
-              <a:t>replace_me</a:t>
-            </a:r>
-            <a:r>
-              <a:rPr lang="de-DE" sz="2400" dirty="0">
-                <a:latin typeface="Courier New" panose="02070309020205020404" pitchFamily="49" charset="0"/>
-                <a:cs typeface="Courier New" panose="02070309020205020404" pitchFamily="49" charset="0"/>
-              </a:rPr>
-              <a:t>/192.168.22.5/</a:t>
-            </a:r>
-            <a:r>
-              <a:rPr lang="de-DE" sz="2400" dirty="0" err="1">
-                <a:latin typeface="Courier New" panose="02070309020205020404" pitchFamily="49" charset="0"/>
-                <a:cs typeface="Courier New" panose="02070309020205020404" pitchFamily="49" charset="0"/>
-              </a:rPr>
-              <a:t>g</a:t>
-            </a:r>
-            <a:r>
-              <a:rPr lang="de-DE" sz="2400" dirty="0">
-                <a:latin typeface="Courier New" panose="02070309020205020404" pitchFamily="49" charset="0"/>
-                <a:cs typeface="Courier New" panose="02070309020205020404" pitchFamily="49" charset="0"/>
-              </a:rPr>
-              <a:t>' </a:t>
-            </a:r>
-            <a:r>
-              <a:rPr lang="de-DE" sz="2400" dirty="0" err="1">
-                <a:latin typeface="Courier New" panose="02070309020205020404" pitchFamily="49" charset="0"/>
-                <a:cs typeface="Courier New" panose="02070309020205020404" pitchFamily="49" charset="0"/>
-              </a:rPr>
-              <a:t>sample.yml</a:t>
-            </a:r>
-            <a:endParaRPr lang="de-DE" sz="2400" dirty="0">
-              <a:latin typeface="Courier New" panose="02070309020205020404" pitchFamily="49" charset="0"/>
-              <a:cs typeface="Courier New" panose="02070309020205020404" pitchFamily="49" charset="0"/>
-            </a:endParaRPr>
-          </a:p>
-          <a:p>
-            <a:pPr marL="0" indent="0">
-              <a:buNone/>
-            </a:pPr>
-            <a:r>
-              <a:rPr lang="de-DE" sz="2400" dirty="0">
-                <a:latin typeface="Courier New" panose="02070309020205020404" pitchFamily="49" charset="0"/>
-                <a:cs typeface="Courier New" panose="02070309020205020404" pitchFamily="49" charset="0"/>
-              </a:rPr>
-              <a:t>	microk8s </a:t>
-            </a:r>
-            <a:r>
-              <a:rPr lang="de-DE" sz="2400" dirty="0" err="1">
-                <a:latin typeface="Courier New" panose="02070309020205020404" pitchFamily="49" charset="0"/>
-                <a:cs typeface="Courier New" panose="02070309020205020404" pitchFamily="49" charset="0"/>
-              </a:rPr>
-              <a:t>kubectl</a:t>
-            </a:r>
-            <a:r>
-              <a:rPr lang="de-DE" sz="2400" dirty="0">
-                <a:latin typeface="Courier New" panose="02070309020205020404" pitchFamily="49" charset="0"/>
-                <a:cs typeface="Courier New" panose="02070309020205020404" pitchFamily="49" charset="0"/>
-              </a:rPr>
-              <a:t> </a:t>
-            </a:r>
-            <a:r>
-              <a:rPr lang="de-DE" sz="2400" dirty="0" err="1">
-                <a:latin typeface="Courier New" panose="02070309020205020404" pitchFamily="49" charset="0"/>
-                <a:cs typeface="Courier New" panose="02070309020205020404" pitchFamily="49" charset="0"/>
-              </a:rPr>
-              <a:t>apply</a:t>
-            </a:r>
-            <a:r>
-              <a:rPr lang="de-DE" sz="2400" dirty="0">
-                <a:latin typeface="Courier New" panose="02070309020205020404" pitchFamily="49" charset="0"/>
-                <a:cs typeface="Courier New" panose="02070309020205020404" pitchFamily="49" charset="0"/>
-              </a:rPr>
-              <a:t> -f </a:t>
-            </a:r>
-            <a:r>
-              <a:rPr lang="de-DE" sz="2400" dirty="0" err="1">
-                <a:latin typeface="Courier New" panose="02070309020205020404" pitchFamily="49" charset="0"/>
-                <a:cs typeface="Courier New" panose="02070309020205020404" pitchFamily="49" charset="0"/>
-              </a:rPr>
-              <a:t>sample.yml</a:t>
-            </a:r>
-            <a:endParaRPr lang="de-DE" sz="2400" dirty="0">
-              <a:latin typeface="Courier New" panose="02070309020205020404" pitchFamily="49" charset="0"/>
-              <a:cs typeface="Courier New" panose="02070309020205020404" pitchFamily="49" charset="0"/>
-            </a:endParaRPr>
-          </a:p>
-        </p:txBody>
-      </p:sp>
-      <p:sp>
-        <p:nvSpPr>
-          <p:cNvPr id="4" name="Oval 3">
-            <a:extLst>
-              <a:ext uri="{FF2B5EF4-FFF2-40B4-BE49-F238E27FC236}">
-                <a16:creationId xmlns:a16="http://schemas.microsoft.com/office/drawing/2014/main" id="{28E4552C-71AB-63D5-F605-7CA9BC826914}"/>
-              </a:ext>
-            </a:extLst>
-          </p:cNvPr>
-          <p:cNvSpPr/>
-          <p:nvPr/>
-        </p:nvSpPr>
-        <p:spPr>
-          <a:xfrm>
-            <a:off x="5753992" y="3162276"/>
-            <a:ext cx="2201288" cy="367633"/>
-          </a:xfrm>
-          <a:prstGeom prst="ellipse">
-            <a:avLst/>
-          </a:prstGeom>
-          <a:noFill/>
-          <a:ln w="38100">
-            <a:solidFill>
-              <a:srgbClr val="FF0000"/>
-            </a:solidFill>
-          </a:ln>
-        </p:spPr>
-        <p:style>
-          <a:lnRef idx="2">
-            <a:schemeClr val="accent1">
-              <a:shade val="50000"/>
-            </a:schemeClr>
-          </a:lnRef>
-          <a:fillRef idx="1">
-            <a:schemeClr val="accent1"/>
-          </a:fillRef>
-          <a:effectRef idx="0">
-            <a:schemeClr val="accent1"/>
-          </a:effectRef>
-          <a:fontRef idx="minor">
-            <a:schemeClr val="lt1"/>
-          </a:fontRef>
-        </p:style>
-        <p:txBody>
-          <a:bodyPr rtlCol="0" anchor="ctr"/>
-          <a:lstStyle/>
-          <a:p>
-            <a:pPr algn="ctr"/>
-            <a:endParaRPr lang="de-DE"/>
-          </a:p>
-        </p:txBody>
-      </p:sp>
-      <p:sp>
-        <p:nvSpPr>
-          <p:cNvPr id="5" name="Textfeld 4">
-            <a:extLst>
-              <a:ext uri="{FF2B5EF4-FFF2-40B4-BE49-F238E27FC236}">
-                <a16:creationId xmlns:a16="http://schemas.microsoft.com/office/drawing/2014/main" id="{6FCA7286-4252-2346-0A99-E96B1EBDE716}"/>
-              </a:ext>
-            </a:extLst>
-          </p:cNvPr>
-          <p:cNvSpPr txBox="1"/>
-          <p:nvPr/>
-        </p:nvSpPr>
-        <p:spPr>
-          <a:xfrm>
-            <a:off x="7214662" y="3145188"/>
-            <a:ext cx="777777" cy="769441"/>
-          </a:xfrm>
-          <a:prstGeom prst="rect">
-            <a:avLst/>
-          </a:prstGeom>
-          <a:noFill/>
-        </p:spPr>
-        <p:txBody>
-          <a:bodyPr wrap="none" rtlCol="0">
-            <a:spAutoFit/>
-          </a:bodyPr>
-          <a:lstStyle/>
-          <a:p>
-            <a:r>
-              <a:rPr lang="de-DE" sz="4400" dirty="0" err="1">
-                <a:solidFill>
-                  <a:srgbClr val="FF0000"/>
-                </a:solidFill>
-              </a:rPr>
-              <a:t>db</a:t>
-            </a:r>
-            <a:endParaRPr lang="de-DE" sz="4400" dirty="0">
-              <a:solidFill>
-                <a:srgbClr val="FF0000"/>
-              </a:solidFill>
-            </a:endParaRPr>
-          </a:p>
-        </p:txBody>
-      </p:sp>
-    </p:spTree>
-    <p:extLst>
-      <p:ext uri="{BB962C8B-B14F-4D97-AF65-F5344CB8AC3E}">
-        <p14:creationId xmlns:p14="http://schemas.microsoft.com/office/powerpoint/2010/main" val="1844990318"/>
-      </p:ext>
-    </p:extLst>
-  </p:cSld>
-  <p:clrMapOvr>
-    <a:masterClrMapping/>
-  </p:clrMapOvr>
-</p:sld>
-</file>
-
-<file path=ppt/slides/slide15.xml><?xml version="1.0" encoding="utf-8"?>
-<p:sld xmlns:a="http://schemas.openxmlformats.org/drawingml/2006/main" xmlns:r="http://schemas.openxmlformats.org/officeDocument/2006/relationships" xmlns:p="http://schemas.openxmlformats.org/presentationml/2006/main">
-  <p:cSld>
-    <p:spTree>
-      <p:nvGrpSpPr>
-        <p:cNvPr id="1" name=""/>
-        <p:cNvGrpSpPr/>
-        <p:nvPr/>
-      </p:nvGrpSpPr>
-      <p:grpSpPr>
-        <a:xfrm>
-          <a:off x="0" y="0"/>
-          <a:ext cx="0" cy="0"/>
-          <a:chOff x="0" y="0"/>
-          <a:chExt cx="0" cy="0"/>
-        </a:xfrm>
-      </p:grpSpPr>
-      <p:sp>
-        <p:nvSpPr>
-          <p:cNvPr id="2" name="Titel 1">
-            <a:extLst>
-              <a:ext uri="{FF2B5EF4-FFF2-40B4-BE49-F238E27FC236}">
-                <a16:creationId xmlns:a16="http://schemas.microsoft.com/office/drawing/2014/main" id="{182D65AE-F729-F44A-6E4A-EAF568F96FF3}"/>
-              </a:ext>
-            </a:extLst>
-          </p:cNvPr>
-          <p:cNvSpPr>
-            <a:spLocks noGrp="1"/>
-          </p:cNvSpPr>
-          <p:nvPr>
-            <p:ph type="title"/>
-          </p:nvPr>
-        </p:nvSpPr>
-        <p:spPr/>
-        <p:txBody>
-          <a:bodyPr/>
-          <a:lstStyle/>
-          <a:p>
-            <a:r>
-              <a:rPr lang="de-DE" dirty="0"/>
-              <a:t>7. Mit Postman ausprobieren</a:t>
-            </a:r>
-          </a:p>
-        </p:txBody>
-      </p:sp>
-      <p:sp>
-        <p:nvSpPr>
-          <p:cNvPr id="3" name="Inhaltsplatzhalter 2">
-            <a:extLst>
-              <a:ext uri="{FF2B5EF4-FFF2-40B4-BE49-F238E27FC236}">
-                <a16:creationId xmlns:a16="http://schemas.microsoft.com/office/drawing/2014/main" id="{0D4E04CC-7703-B7A9-BDCB-7587ECFF69E3}"/>
-              </a:ext>
-            </a:extLst>
-          </p:cNvPr>
-          <p:cNvSpPr>
-            <a:spLocks noGrp="1"/>
-          </p:cNvSpPr>
-          <p:nvPr>
-            <p:ph idx="1"/>
-          </p:nvPr>
-        </p:nvSpPr>
-        <p:spPr/>
-        <p:txBody>
-          <a:bodyPr/>
-          <a:lstStyle/>
-          <a:p>
-            <a:r>
-              <a:rPr lang="de-DE" dirty="0"/>
-              <a:t>Im </a:t>
-            </a:r>
-            <a:r>
-              <a:rPr lang="de-DE" dirty="0" err="1"/>
-              <a:t>java</a:t>
-            </a:r>
-            <a:r>
-              <a:rPr lang="de-DE" dirty="0"/>
-              <a:t>-starter liegt unter </a:t>
-            </a:r>
-            <a:r>
-              <a:rPr lang="de-DE" dirty="0" err="1"/>
-              <a:t>java</a:t>
-            </a:r>
-            <a:r>
-              <a:rPr lang="de-DE" dirty="0"/>
-              <a:t>-starter/sample/</a:t>
-            </a:r>
-            <a:r>
-              <a:rPr lang="de-DE" dirty="0" err="1"/>
-              <a:t>kubernetes</a:t>
-            </a:r>
-            <a:r>
-              <a:rPr lang="de-DE" dirty="0"/>
-              <a:t>/</a:t>
-            </a:r>
-            <a:r>
-              <a:rPr lang="de-DE" dirty="0" err="1"/>
-              <a:t>postman</a:t>
-            </a:r>
-            <a:r>
-              <a:rPr lang="de-DE" dirty="0"/>
-              <a:t> eine Postman Collection zum ausprobieren</a:t>
+              <a:t> liegt eine Postman Collection zum ausprobieren</a:t>
             </a:r>
           </a:p>
           <a:p>
@@ -5915,23 +5462,46 @@
             <a:pPr lvl="2"/>
             <a:r>
               <a:rPr lang="de-DE" dirty="0"/>
-              <a:t>…entweder VMs in /</a:t>
-            </a:r>
-            <a:r>
-              <a:rPr lang="de-DE" dirty="0" err="1"/>
+              <a:t>…entweder VMs in </a:t>
+            </a:r>
+            <a:r>
+              <a:rPr lang="de-DE" dirty="0">
+                <a:latin typeface="Courier New" panose="02070309020205020404" pitchFamily="49" charset="0"/>
+                <a:cs typeface="Courier New" panose="02070309020205020404" pitchFamily="49" charset="0"/>
+              </a:rPr>
+              <a:t>/</a:t>
+            </a:r>
+            <a:r>
+              <a:rPr lang="de-DE" dirty="0" err="1">
+                <a:latin typeface="Courier New" panose="02070309020205020404" pitchFamily="49" charset="0"/>
+                <a:cs typeface="Courier New" panose="02070309020205020404" pitchFamily="49" charset="0"/>
+              </a:rPr>
               <a:t>etc</a:t>
             </a:r>
             <a:r>
+              <a:rPr lang="de-DE" dirty="0">
+                <a:latin typeface="Courier New" panose="02070309020205020404" pitchFamily="49" charset="0"/>
+                <a:cs typeface="Courier New" panose="02070309020205020404" pitchFamily="49" charset="0"/>
+              </a:rPr>
+              <a:t>/</a:t>
+            </a:r>
+            <a:r>
+              <a:rPr lang="de-DE" dirty="0" err="1">
+                <a:latin typeface="Courier New" panose="02070309020205020404" pitchFamily="49" charset="0"/>
+                <a:cs typeface="Courier New" panose="02070309020205020404" pitchFamily="49" charset="0"/>
+              </a:rPr>
+              <a:t>hosts</a:t>
+            </a:r>
+            <a:r>
+              <a:rPr lang="de-DE" dirty="0">
+                <a:latin typeface="Courier New" panose="02070309020205020404" pitchFamily="49" charset="0"/>
+                <a:cs typeface="Courier New" panose="02070309020205020404" pitchFamily="49" charset="0"/>
+              </a:rPr>
+              <a:t> </a:t>
+            </a:r>
+            <a:r>
               <a:rPr lang="de-DE" dirty="0"/>
-              <a:t>/</a:t>
-            </a:r>
-            <a:r>
-              <a:rPr lang="de-DE" dirty="0" err="1"/>
-              <a:t>hosts</a:t>
-            </a:r>
-            <a:r>
-              <a:rPr lang="de-DE" dirty="0"/>
-              <a:t> eintragen</a:t>
+              <a:t>eintragen</a:t>
             </a:r>
           </a:p>
           <a:p>
@@ -6075,7 +5645,7 @@
 </p:sld>
 </file>
 
-<file path=ppt/slides/slide16.xml><?xml version="1.0" encoding="utf-8"?>
+<file path=ppt/slides/slide14.xml><?xml version="1.0" encoding="utf-8"?>
 <p:sld xmlns:a="http://schemas.openxmlformats.org/drawingml/2006/main" xmlns:r="http://schemas.openxmlformats.org/officeDocument/2006/relationships" xmlns:p="http://schemas.openxmlformats.org/presentationml/2006/main">
   <p:cSld>
     <p:spTree>
@@ -6523,8 +6093,12 @@
               <a:buAutoNum type="arabicPeriod"/>
             </a:pPr>
             <a:r>
+              <a:rPr lang="de-DE" dirty="0" err="1"/>
+              <a:t>Build</a:t>
+            </a:r>
+            <a:r>
               <a:rPr lang="de-DE" dirty="0"/>
-              <a:t>SSH-Zugang vorbereiten</a:t>
+              <a:t>-Werkzeuge installieren</a:t>
             </a:r>
           </a:p>
           <a:p>
@@ -6534,15 +6108,7 @@
             </a:pPr>
             <a:r>
               <a:rPr lang="de-DE" dirty="0"/>
-              <a:t>Datenbank und </a:t>
-            </a:r>
-            <a:r>
-              <a:rPr lang="de-DE" dirty="0" err="1"/>
-              <a:t>Keycloak</a:t>
-            </a:r>
-            <a:r>
-              <a:rPr lang="de-DE" dirty="0"/>
-              <a:t> starten</a:t>
+              <a:t>SSH-Zugang vorbereiten</a:t>
             </a:r>
           </a:p>
           <a:p>
@@ -6552,11 +6118,37 @@
             </a:pPr>
             <a:r>
               <a:rPr lang="de-DE" dirty="0" err="1"/>
-              <a:t>Build</a:t>
+              <a:t>Git</a:t>
             </a:r>
             <a:r>
               <a:rPr lang="de-DE" dirty="0"/>
-              <a:t>-Werkzeuge installieren</a:t>
+              <a:t> </a:t>
+            </a:r>
+            <a:r>
+              <a:rPr lang="de-DE" dirty="0" err="1"/>
+              <a:t>repository</a:t>
+            </a:r>
+            <a:r>
+              <a:rPr lang="de-DE" dirty="0"/>
+              <a:t> klonen</a:t>
+            </a:r>
+          </a:p>
+          <a:p>
+            <a:pPr marL="914400" lvl="1" indent="-457200">
+              <a:buFont typeface="+mj-lt"/>
+              <a:buAutoNum type="arabicPeriod"/>
+            </a:pPr>
+            <a:r>
+              <a:rPr lang="de-DE" dirty="0"/>
+              <a:t>Datenbank und </a:t>
+            </a:r>
+            <a:r>
+              <a:rPr lang="de-DE" dirty="0" err="1"/>
+              <a:t>Keycloak</a:t>
+            </a:r>
+            <a:r>
+              <a:rPr lang="de-DE" dirty="0"/>
+              <a:t> starten</a:t>
             </a:r>
           </a:p>
           <a:p>
@@ -6678,7 +6270,15 @@
           <a:p>
             <a:r>
               <a:rPr lang="de-DE" dirty="0"/>
-              <a:t>1. SSH-Zugang vorbereiten</a:t>
+              <a:t>1. </a:t>
+            </a:r>
+            <a:r>
+              <a:rPr lang="de-DE" dirty="0" err="1"/>
+              <a:t>Build</a:t>
+            </a:r>
+            <a:r>
+              <a:rPr lang="de-DE" dirty="0"/>
+              <a:t>-Werkzeuge installieren</a:t>
             </a:r>
           </a:p>
         </p:txBody>
@@ -6706,76 +6306,19 @@
           </a:bodyPr>
           <a:lstStyle/>
           <a:p>
-            <a:r>
-              <a:rPr lang="de-DE" dirty="0"/>
-              <a:t>Den eigenen </a:t>
-            </a:r>
-            <a:r>
-              <a:rPr lang="de-DE" dirty="0" err="1"/>
-              <a:t>public</a:t>
-            </a:r>
-            <a:r>
-              <a:rPr lang="de-DE" dirty="0"/>
-              <a:t> </a:t>
-            </a:r>
-            <a:r>
-              <a:rPr lang="de-DE" dirty="0" err="1"/>
-              <a:t>key</a:t>
-            </a:r>
-            <a:r>
-              <a:rPr lang="de-DE" dirty="0"/>
-              <a:t> an die Datei </a:t>
-            </a:r>
-            <a:r>
-              <a:rPr lang="de-DE" dirty="0">
-                <a:latin typeface="Courier New" panose="02070309020205020404" pitchFamily="49" charset="0"/>
-                <a:cs typeface="Courier New" panose="02070309020205020404" pitchFamily="49" charset="0"/>
-              </a:rPr>
-              <a:t>~/.</a:t>
-            </a:r>
-            <a:r>
-              <a:rPr lang="de-DE" dirty="0" err="1">
-                <a:latin typeface="Courier New" panose="02070309020205020404" pitchFamily="49" charset="0"/>
-                <a:cs typeface="Courier New" panose="02070309020205020404" pitchFamily="49" charset="0"/>
-              </a:rPr>
-              <a:t>ssh</a:t>
-            </a:r>
-            <a:r>
-              <a:rPr lang="de-DE" dirty="0">
-                <a:latin typeface="Courier New" panose="02070309020205020404" pitchFamily="49" charset="0"/>
-                <a:cs typeface="Courier New" panose="02070309020205020404" pitchFamily="49" charset="0"/>
-              </a:rPr>
-              <a:t>/</a:t>
-            </a:r>
-            <a:r>
-              <a:rPr lang="de-DE" dirty="0" err="1">
-                <a:latin typeface="Courier New" panose="02070309020205020404" pitchFamily="49" charset="0"/>
-                <a:cs typeface="Courier New" panose="02070309020205020404" pitchFamily="49" charset="0"/>
-              </a:rPr>
-              <a:t>authorized_keys</a:t>
-            </a:r>
-            <a:r>
-              <a:rPr lang="de-DE" dirty="0">
-                <a:latin typeface="Courier New" panose="02070309020205020404" pitchFamily="49" charset="0"/>
-                <a:cs typeface="Courier New" panose="02070309020205020404" pitchFamily="49" charset="0"/>
-              </a:rPr>
-              <a:t> </a:t>
-            </a:r>
-            <a:r>
-              <a:rPr lang="de-DE" dirty="0"/>
-              <a:t>anhängen!</a:t>
-            </a:r>
-          </a:p>
-          <a:p>
             <a:pPr marL="0" indent="0">
               <a:buNone/>
             </a:pPr>
             <a:r>
-              <a:rPr lang="de-DE" sz="2400" dirty="0">
-                <a:latin typeface="Courier New" panose="02070309020205020404" pitchFamily="49" charset="0"/>
-                <a:cs typeface="Courier New" panose="02070309020205020404" pitchFamily="49" charset="0"/>
-              </a:rPr>
-              <a:t>	multipass </a:t>
+              <a:rPr lang="de-DE" sz="2400" dirty="0"/>
+              <a:t>	</a:t>
+            </a:r>
+            <a:r>
+              <a:rPr lang="de-DE" sz="2400" dirty="0">
+                <a:latin typeface="Courier New" panose="02070309020205020404" pitchFamily="49" charset="0"/>
+                <a:cs typeface="Courier New" panose="02070309020205020404" pitchFamily="49" charset="0"/>
+              </a:rPr>
+              <a:t>multipass </a:t>
             </a:r>
             <a:r>
               <a:rPr lang="de-DE" sz="2400" dirty="0" err="1">
@@ -6812,28 +6355,161 @@
                 <a:latin typeface="Courier New" panose="02070309020205020404" pitchFamily="49" charset="0"/>
                 <a:cs typeface="Courier New" panose="02070309020205020404" pitchFamily="49" charset="0"/>
               </a:rPr>
-              <a:t>	vi .</a:t>
-            </a:r>
-            <a:r>
-              <a:rPr lang="de-DE" sz="2400" dirty="0" err="1">
-                <a:latin typeface="Courier New" panose="02070309020205020404" pitchFamily="49" charset="0"/>
-                <a:cs typeface="Courier New" panose="02070309020205020404" pitchFamily="49" charset="0"/>
-              </a:rPr>
-              <a:t>ssh</a:t>
-            </a:r>
-            <a:r>
-              <a:rPr lang="de-DE" sz="2400" dirty="0">
-                <a:latin typeface="Courier New" panose="02070309020205020404" pitchFamily="49" charset="0"/>
-                <a:cs typeface="Courier New" panose="02070309020205020404" pitchFamily="49" charset="0"/>
-              </a:rPr>
-              <a:t>/</a:t>
-            </a:r>
-            <a:r>
-              <a:rPr lang="de-DE" sz="2400" dirty="0" err="1">
-                <a:latin typeface="Courier New" panose="02070309020205020404" pitchFamily="49" charset="0"/>
-                <a:cs typeface="Courier New" panose="02070309020205020404" pitchFamily="49" charset="0"/>
-              </a:rPr>
-              <a:t>authorized_keys</a:t>
+              <a:t>	</a:t>
+            </a:r>
+            <a:r>
+              <a:rPr lang="de-DE" sz="2400" dirty="0" err="1">
+                <a:latin typeface="Courier New" panose="02070309020205020404" pitchFamily="49" charset="0"/>
+                <a:cs typeface="Courier New" panose="02070309020205020404" pitchFamily="49" charset="0"/>
+              </a:rPr>
+              <a:t>sudo</a:t>
+            </a:r>
+            <a:r>
+              <a:rPr lang="de-DE" sz="2400" dirty="0">
+                <a:latin typeface="Courier New" panose="02070309020205020404" pitchFamily="49" charset="0"/>
+                <a:cs typeface="Courier New" panose="02070309020205020404" pitchFamily="49" charset="0"/>
+              </a:rPr>
+              <a:t> </a:t>
+            </a:r>
+            <a:r>
+              <a:rPr lang="de-DE" sz="2400" dirty="0" err="1">
+                <a:latin typeface="Courier New" panose="02070309020205020404" pitchFamily="49" charset="0"/>
+                <a:cs typeface="Courier New" panose="02070309020205020404" pitchFamily="49" charset="0"/>
+              </a:rPr>
+              <a:t>apt-get</a:t>
+            </a:r>
+            <a:r>
+              <a:rPr lang="de-DE" sz="2400" dirty="0">
+                <a:latin typeface="Courier New" panose="02070309020205020404" pitchFamily="49" charset="0"/>
+                <a:cs typeface="Courier New" panose="02070309020205020404" pitchFamily="49" charset="0"/>
+              </a:rPr>
+              <a:t> update</a:t>
+            </a:r>
+          </a:p>
+          <a:p>
+            <a:pPr marL="0" indent="0">
+              <a:buNone/>
+            </a:pPr>
+            <a:r>
+              <a:rPr lang="de-DE" sz="2400" dirty="0"/>
+              <a:t>	</a:t>
+            </a:r>
+            <a:r>
+              <a:rPr lang="de-DE" sz="2400" dirty="0" err="1">
+                <a:latin typeface="Courier New" panose="02070309020205020404" pitchFamily="49" charset="0"/>
+                <a:cs typeface="Courier New" panose="02070309020205020404" pitchFamily="49" charset="0"/>
+              </a:rPr>
+              <a:t>sudo</a:t>
+            </a:r>
+            <a:r>
+              <a:rPr lang="de-DE" sz="2400" dirty="0">
+                <a:latin typeface="Courier New" panose="02070309020205020404" pitchFamily="49" charset="0"/>
+                <a:cs typeface="Courier New" panose="02070309020205020404" pitchFamily="49" charset="0"/>
+              </a:rPr>
+              <a:t> </a:t>
+            </a:r>
+            <a:r>
+              <a:rPr lang="de-DE" sz="2400" dirty="0" err="1">
+                <a:latin typeface="Courier New" panose="02070309020205020404" pitchFamily="49" charset="0"/>
+                <a:cs typeface="Courier New" panose="02070309020205020404" pitchFamily="49" charset="0"/>
+              </a:rPr>
+              <a:t>apt</a:t>
+            </a:r>
+            <a:r>
+              <a:rPr lang="de-DE" sz="2400" dirty="0">
+                <a:latin typeface="Courier New" panose="02070309020205020404" pitchFamily="49" charset="0"/>
+                <a:cs typeface="Courier New" panose="02070309020205020404" pitchFamily="49" charset="0"/>
+              </a:rPr>
+              <a:t> </a:t>
+            </a:r>
+            <a:r>
+              <a:rPr lang="de-DE" sz="2400" dirty="0" err="1">
+                <a:latin typeface="Courier New" panose="02070309020205020404" pitchFamily="49" charset="0"/>
+                <a:cs typeface="Courier New" panose="02070309020205020404" pitchFamily="49" charset="0"/>
+              </a:rPr>
+              <a:t>install</a:t>
+            </a:r>
+            <a:r>
+              <a:rPr lang="de-DE" sz="2400" dirty="0">
+                <a:latin typeface="Courier New" panose="02070309020205020404" pitchFamily="49" charset="0"/>
+                <a:cs typeface="Courier New" panose="02070309020205020404" pitchFamily="49" charset="0"/>
+              </a:rPr>
+              <a:t> </a:t>
+            </a:r>
+            <a:r>
+              <a:rPr lang="de-DE" sz="2400" dirty="0" err="1">
+                <a:latin typeface="Courier New" panose="02070309020205020404" pitchFamily="49" charset="0"/>
+                <a:cs typeface="Courier New" panose="02070309020205020404" pitchFamily="49" charset="0"/>
+              </a:rPr>
+              <a:t>maven</a:t>
+            </a:r>
+            <a:r>
+              <a:rPr lang="de-DE" sz="2400" dirty="0">
+                <a:latin typeface="Courier New" panose="02070309020205020404" pitchFamily="49" charset="0"/>
+                <a:cs typeface="Courier New" panose="02070309020205020404" pitchFamily="49" charset="0"/>
+              </a:rPr>
+              <a:t> openjdk-17-jdk</a:t>
+            </a:r>
+          </a:p>
+          <a:p>
+            <a:pPr marL="0" indent="0">
+              <a:buNone/>
+            </a:pPr>
+            <a:r>
+              <a:rPr lang="de-DE" sz="2400" dirty="0">
+                <a:latin typeface="Courier New" panose="02070309020205020404" pitchFamily="49" charset="0"/>
+                <a:cs typeface="Courier New" panose="02070309020205020404" pitchFamily="49" charset="0"/>
+              </a:rPr>
+              <a:t>	</a:t>
+            </a:r>
+            <a:r>
+              <a:rPr lang="de-DE" sz="2400" dirty="0" err="1">
+                <a:latin typeface="Courier New" panose="02070309020205020404" pitchFamily="49" charset="0"/>
+                <a:cs typeface="Courier New" panose="02070309020205020404" pitchFamily="49" charset="0"/>
+              </a:rPr>
+              <a:t>sudo</a:t>
+            </a:r>
+            <a:r>
+              <a:rPr lang="de-DE" sz="2400" dirty="0">
+                <a:latin typeface="Courier New" panose="02070309020205020404" pitchFamily="49" charset="0"/>
+                <a:cs typeface="Courier New" panose="02070309020205020404" pitchFamily="49" charset="0"/>
+              </a:rPr>
+              <a:t> </a:t>
+            </a:r>
+            <a:r>
+              <a:rPr lang="de-DE" sz="2400" dirty="0" err="1">
+                <a:latin typeface="Courier New" panose="02070309020205020404" pitchFamily="49" charset="0"/>
+                <a:cs typeface="Courier New" panose="02070309020205020404" pitchFamily="49" charset="0"/>
+              </a:rPr>
+              <a:t>snap</a:t>
+            </a:r>
+            <a:r>
+              <a:rPr lang="de-DE" sz="2400" dirty="0">
+                <a:latin typeface="Courier New" panose="02070309020205020404" pitchFamily="49" charset="0"/>
+                <a:cs typeface="Courier New" panose="02070309020205020404" pitchFamily="49" charset="0"/>
+              </a:rPr>
+              <a:t> </a:t>
+            </a:r>
+            <a:r>
+              <a:rPr lang="de-DE" sz="2400" dirty="0" err="1">
+                <a:latin typeface="Courier New" panose="02070309020205020404" pitchFamily="49" charset="0"/>
+                <a:cs typeface="Courier New" panose="02070309020205020404" pitchFamily="49" charset="0"/>
+              </a:rPr>
+              <a:t>install</a:t>
+            </a:r>
+            <a:r>
+              <a:rPr lang="de-DE" sz="2400" dirty="0">
+                <a:latin typeface="Courier New" panose="02070309020205020404" pitchFamily="49" charset="0"/>
+                <a:cs typeface="Courier New" panose="02070309020205020404" pitchFamily="49" charset="0"/>
+              </a:rPr>
+              <a:t> </a:t>
+            </a:r>
+            <a:r>
+              <a:rPr lang="de-DE" sz="2400" dirty="0" err="1">
+                <a:latin typeface="Courier New" panose="02070309020205020404" pitchFamily="49" charset="0"/>
+                <a:cs typeface="Courier New" panose="02070309020205020404" pitchFamily="49" charset="0"/>
+              </a:rPr>
+              <a:t>docker</a:t>
             </a:r>
             <a:endParaRPr lang="de-DE" sz="2400" dirty="0">
               <a:latin typeface="Courier New" panose="02070309020205020404" pitchFamily="49" charset="0"/>
@@ -6856,7 +6532,35 @@
                 <a:latin typeface="Courier New" panose="02070309020205020404" pitchFamily="49" charset="0"/>
                 <a:cs typeface="Courier New" panose="02070309020205020404" pitchFamily="49" charset="0"/>
               </a:rPr>
-              <a:t>exit</a:t>
+              <a:t>sudo</a:t>
+            </a:r>
+            <a:r>
+              <a:rPr lang="de-DE" sz="2400" dirty="0">
+                <a:latin typeface="Courier New" panose="02070309020205020404" pitchFamily="49" charset="0"/>
+                <a:cs typeface="Courier New" panose="02070309020205020404" pitchFamily="49" charset="0"/>
+              </a:rPr>
+              <a:t> </a:t>
+            </a:r>
+            <a:r>
+              <a:rPr lang="de-DE" sz="2400" dirty="0" err="1">
+                <a:latin typeface="Courier New" panose="02070309020205020404" pitchFamily="49" charset="0"/>
+                <a:cs typeface="Courier New" panose="02070309020205020404" pitchFamily="49" charset="0"/>
+              </a:rPr>
+              <a:t>addgroup</a:t>
+            </a:r>
+            <a:r>
+              <a:rPr lang="de-DE" sz="2400" dirty="0">
+                <a:latin typeface="Courier New" panose="02070309020205020404" pitchFamily="49" charset="0"/>
+                <a:cs typeface="Courier New" panose="02070309020205020404" pitchFamily="49" charset="0"/>
+              </a:rPr>
+              <a:t> --system </a:t>
+            </a:r>
+            <a:r>
+              <a:rPr lang="de-DE" sz="2400" dirty="0" err="1">
+                <a:latin typeface="Courier New" panose="02070309020205020404" pitchFamily="49" charset="0"/>
+                <a:cs typeface="Courier New" panose="02070309020205020404" pitchFamily="49" charset="0"/>
+              </a:rPr>
+              <a:t>docker</a:t>
             </a:r>
             <a:endParaRPr lang="de-DE" sz="2400" dirty="0">
               <a:latin typeface="Courier New" panose="02070309020205020404" pitchFamily="49" charset="0"/>
@@ -6867,63 +6571,133 @@
             <a:pPr marL="0" indent="0">
               <a:buNone/>
             </a:pPr>
+            <a:r>
+              <a:rPr lang="de-DE" sz="2400" dirty="0">
+                <a:latin typeface="Courier New" panose="02070309020205020404" pitchFamily="49" charset="0"/>
+                <a:cs typeface="Courier New" panose="02070309020205020404" pitchFamily="49" charset="0"/>
+              </a:rPr>
+              <a:t>	</a:t>
+            </a:r>
+            <a:r>
+              <a:rPr lang="de-DE" sz="2400" dirty="0" err="1">
+                <a:latin typeface="Courier New" panose="02070309020205020404" pitchFamily="49" charset="0"/>
+                <a:cs typeface="Courier New" panose="02070309020205020404" pitchFamily="49" charset="0"/>
+              </a:rPr>
+              <a:t>sudo</a:t>
+            </a:r>
+            <a:r>
+              <a:rPr lang="de-DE" sz="2400" dirty="0">
+                <a:latin typeface="Courier New" panose="02070309020205020404" pitchFamily="49" charset="0"/>
+                <a:cs typeface="Courier New" panose="02070309020205020404" pitchFamily="49" charset="0"/>
+              </a:rPr>
+              <a:t> </a:t>
+            </a:r>
+            <a:r>
+              <a:rPr lang="de-DE" sz="2400" dirty="0" err="1">
+                <a:latin typeface="Courier New" panose="02070309020205020404" pitchFamily="49" charset="0"/>
+                <a:cs typeface="Courier New" panose="02070309020205020404" pitchFamily="49" charset="0"/>
+              </a:rPr>
+              <a:t>adduser</a:t>
+            </a:r>
+            <a:r>
+              <a:rPr lang="de-DE" sz="2400" dirty="0">
+                <a:latin typeface="Courier New" panose="02070309020205020404" pitchFamily="49" charset="0"/>
+                <a:cs typeface="Courier New" panose="02070309020205020404" pitchFamily="49" charset="0"/>
+              </a:rPr>
+              <a:t> $USER </a:t>
+            </a:r>
+            <a:r>
+              <a:rPr lang="de-DE" sz="2400" dirty="0" err="1">
+                <a:latin typeface="Courier New" panose="02070309020205020404" pitchFamily="49" charset="0"/>
+                <a:cs typeface="Courier New" panose="02070309020205020404" pitchFamily="49" charset="0"/>
+              </a:rPr>
+              <a:t>docker</a:t>
+            </a:r>
             <a:endParaRPr lang="de-DE" sz="2400" dirty="0">
               <a:latin typeface="Courier New" panose="02070309020205020404" pitchFamily="49" charset="0"/>
               <a:cs typeface="Courier New" panose="02070309020205020404" pitchFamily="49" charset="0"/>
             </a:endParaRPr>
           </a:p>
           <a:p>
-            <a:r>
-              <a:rPr lang="de-DE" dirty="0"/>
-              <a:t>Bitte ebenso auf den anderen VMs!</a:t>
-            </a:r>
-          </a:p>
-          <a:p>
-            <a:pPr lvl="1"/>
-            <a:r>
-              <a:rPr lang="de-DE" dirty="0">
-                <a:latin typeface="Courier New" panose="02070309020205020404" pitchFamily="49" charset="0"/>
-                <a:cs typeface="Courier New" panose="02070309020205020404" pitchFamily="49" charset="0"/>
-              </a:rPr>
-              <a:t>worker1</a:t>
-            </a:r>
-            <a:r>
-              <a:rPr lang="de-DE" dirty="0">
-                <a:cs typeface="Courier New" panose="02070309020205020404" pitchFamily="49" charset="0"/>
-              </a:rPr>
-              <a:t>, </a:t>
-            </a:r>
-            <a:r>
-              <a:rPr lang="de-DE" dirty="0">
-                <a:latin typeface="Courier New" panose="02070309020205020404" pitchFamily="49" charset="0"/>
-                <a:cs typeface="Courier New" panose="02070309020205020404" pitchFamily="49" charset="0"/>
-              </a:rPr>
-              <a:t>worker2</a:t>
-            </a:r>
-            <a:r>
-              <a:rPr lang="de-DE" dirty="0">
-                <a:cs typeface="Courier New" panose="02070309020205020404" pitchFamily="49" charset="0"/>
-              </a:rPr>
-              <a:t>, </a:t>
-            </a:r>
-            <a:r>
-              <a:rPr lang="de-DE" dirty="0" err="1">
-                <a:latin typeface="Courier New" panose="02070309020205020404" pitchFamily="49" charset="0"/>
-                <a:cs typeface="Courier New" panose="02070309020205020404" pitchFamily="49" charset="0"/>
-              </a:rPr>
-              <a:t>db</a:t>
-            </a:r>
-            <a:endParaRPr lang="de-DE" dirty="0">
+            <a:pPr marL="0" indent="0">
+              <a:buNone/>
+            </a:pPr>
+            <a:r>
+              <a:rPr lang="de-DE" sz="2400" dirty="0">
+                <a:latin typeface="Courier New" panose="02070309020205020404" pitchFamily="49" charset="0"/>
+                <a:cs typeface="Courier New" panose="02070309020205020404" pitchFamily="49" charset="0"/>
+              </a:rPr>
+              <a:t>	</a:t>
+            </a:r>
+            <a:r>
+              <a:rPr lang="de-DE" sz="2400" dirty="0" err="1">
+                <a:latin typeface="Courier New" panose="02070309020205020404" pitchFamily="49" charset="0"/>
+                <a:cs typeface="Courier New" panose="02070309020205020404" pitchFamily="49" charset="0"/>
+              </a:rPr>
+              <a:t>sudo</a:t>
+            </a:r>
+            <a:r>
+              <a:rPr lang="de-DE" sz="2400" dirty="0">
+                <a:latin typeface="Courier New" panose="02070309020205020404" pitchFamily="49" charset="0"/>
+                <a:cs typeface="Courier New" panose="02070309020205020404" pitchFamily="49" charset="0"/>
+              </a:rPr>
+              <a:t> </a:t>
+            </a:r>
+            <a:r>
+              <a:rPr lang="de-DE" sz="2400" dirty="0" err="1">
+                <a:latin typeface="Courier New" panose="02070309020205020404" pitchFamily="49" charset="0"/>
+                <a:cs typeface="Courier New" panose="02070309020205020404" pitchFamily="49" charset="0"/>
+              </a:rPr>
+              <a:t>shutdown</a:t>
+            </a:r>
+            <a:r>
+              <a:rPr lang="de-DE" sz="2400" dirty="0">
+                <a:latin typeface="Courier New" panose="02070309020205020404" pitchFamily="49" charset="0"/>
+                <a:cs typeface="Courier New" panose="02070309020205020404" pitchFamily="49" charset="0"/>
+              </a:rPr>
+              <a:t> -</a:t>
+            </a:r>
+            <a:r>
+              <a:rPr lang="de-DE" sz="2400" dirty="0" err="1">
+                <a:latin typeface="Courier New" panose="02070309020205020404" pitchFamily="49" charset="0"/>
+                <a:cs typeface="Courier New" panose="02070309020205020404" pitchFamily="49" charset="0"/>
+              </a:rPr>
+              <a:t>r</a:t>
+            </a:r>
+            <a:r>
+              <a:rPr lang="de-DE" sz="2400" dirty="0">
+                <a:latin typeface="Courier New" panose="02070309020205020404" pitchFamily="49" charset="0"/>
+                <a:cs typeface="Courier New" panose="02070309020205020404" pitchFamily="49" charset="0"/>
+              </a:rPr>
+              <a:t> </a:t>
+            </a:r>
+            <a:r>
+              <a:rPr lang="de-DE" sz="2400" dirty="0" err="1">
+                <a:latin typeface="Courier New" panose="02070309020205020404" pitchFamily="49" charset="0"/>
+                <a:cs typeface="Courier New" panose="02070309020205020404" pitchFamily="49" charset="0"/>
+              </a:rPr>
+              <a:t>now</a:t>
+            </a:r>
+            <a:endParaRPr lang="de-DE" sz="2400" dirty="0">
               <a:latin typeface="Courier New" panose="02070309020205020404" pitchFamily="49" charset="0"/>
               <a:cs typeface="Courier New" panose="02070309020205020404" pitchFamily="49" charset="0"/>
             </a:endParaRPr>
           </a:p>
+          <a:p>
+            <a:pPr marL="0" indent="0">
+              <a:buNone/>
+            </a:pPr>
+            <a:r>
+              <a:rPr lang="de-DE" dirty="0"/>
+              <a:t>	</a:t>
+            </a:r>
+          </a:p>
         </p:txBody>
       </p:sp>
     </p:spTree>
     <p:extLst>
       <p:ext uri="{BB962C8B-B14F-4D97-AF65-F5344CB8AC3E}">
-        <p14:creationId xmlns:p14="http://schemas.microsoft.com/office/powerpoint/2010/main" val="3437145529"/>
+        <p14:creationId xmlns:p14="http://schemas.microsoft.com/office/powerpoint/2010/main" val="95530302"/>
       </p:ext>
     </p:extLst>
   </p:cSld>
@@ -6973,15 +6747,7 @@
           <a:p>
             <a:r>
               <a:rPr lang="de-DE" dirty="0"/>
-              <a:t>2. Datenbank und </a:t>
-            </a:r>
-            <a:r>
-              <a:rPr lang="de-DE" dirty="0" err="1"/>
-              <a:t>Keycloak</a:t>
-            </a:r>
-            <a:r>
-              <a:rPr lang="de-DE" dirty="0"/>
-              <a:t> starten</a:t>
+              <a:t>2. SSH-Zugang vorbereiten</a:t>
             </a:r>
           </a:p>
         </p:txBody>
@@ -7010,8 +6776,12 @@
           <a:lstStyle/>
           <a:p>
             <a:r>
+              <a:rPr lang="de-DE" dirty="0"/>
+              <a:t>Den eigenen </a:t>
+            </a:r>
+            <a:r>
               <a:rPr lang="de-DE" dirty="0" err="1"/>
-              <a:t>Git</a:t>
+              <a:t>public</a:t>
             </a:r>
             <a:r>
               <a:rPr lang="de-DE" dirty="0"/>
@@ -7019,22 +6789,50 @@
             </a:r>
             <a:r>
               <a:rPr lang="de-DE" dirty="0" err="1"/>
-              <a:t>repository</a:t>
+              <a:t>key</a:t>
             </a:r>
             <a:r>
               <a:rPr lang="de-DE" dirty="0"/>
-              <a:t> auf </a:t>
+              <a:t> an die Datei </a:t>
+            </a:r>
+            <a:r>
+              <a:rPr lang="de-DE" dirty="0">
+                <a:latin typeface="Courier New" panose="02070309020205020404" pitchFamily="49" charset="0"/>
+                <a:cs typeface="Courier New" panose="02070309020205020404" pitchFamily="49" charset="0"/>
+              </a:rPr>
+              <a:t>~/.</a:t>
             </a:r>
             <a:r>
               <a:rPr lang="de-DE" dirty="0" err="1">
                 <a:latin typeface="Courier New" panose="02070309020205020404" pitchFamily="49" charset="0"/>
                 <a:cs typeface="Courier New" panose="02070309020205020404" pitchFamily="49" charset="0"/>
               </a:rPr>
-              <a:t>db</a:t>
+              <a:t>ssh</a:t>
+            </a:r>
+            <a:r>
+              <a:rPr lang="de-DE" dirty="0">
+                <a:latin typeface="Courier New" panose="02070309020205020404" pitchFamily="49" charset="0"/>
+                <a:cs typeface="Courier New" panose="02070309020205020404" pitchFamily="49" charset="0"/>
+              </a:rPr>
+              <a:t>/</a:t>
+            </a:r>
+            <a:r>
+              <a:rPr lang="de-DE" dirty="0" err="1">
+                <a:latin typeface="Courier New" panose="02070309020205020404" pitchFamily="49" charset="0"/>
+                <a:cs typeface="Courier New" panose="02070309020205020404" pitchFamily="49" charset="0"/>
+              </a:rPr>
+              <a:t>authorized_keys</a:t>
+            </a:r>
+            <a:r>
+              <a:rPr lang="de-DE" dirty="0">
+                <a:latin typeface="Courier New" panose="02070309020205020404" pitchFamily="49" charset="0"/>
+                <a:cs typeface="Courier New" panose="02070309020205020404" pitchFamily="49" charset="0"/>
+              </a:rPr>
+              <a:t> </a:t>
             </a:r>
             <a:r>
               <a:rPr lang="de-DE" dirty="0"/>
-              <a:t> klonen:</a:t>
+              <a:t>anhängen!</a:t>
             </a:r>
           </a:p>
           <a:p>
@@ -7042,233 +6840,151 @@
               <a:buNone/>
             </a:pPr>
             <a:r>
-              <a:rPr lang="de-DE" sz="2000" dirty="0"/>
-              <a:t>	</a:t>
-            </a:r>
-            <a:r>
-              <a:rPr lang="de-DE" sz="2000" dirty="0">
-                <a:latin typeface="Courier New" panose="02070309020205020404" pitchFamily="49" charset="0"/>
-                <a:cs typeface="Courier New" panose="02070309020205020404" pitchFamily="49" charset="0"/>
-              </a:rPr>
-              <a:t>multipass </a:t>
-            </a:r>
-            <a:r>
-              <a:rPr lang="de-DE" sz="2000" dirty="0" err="1">
-                <a:latin typeface="Courier New" panose="02070309020205020404" pitchFamily="49" charset="0"/>
-                <a:cs typeface="Courier New" panose="02070309020205020404" pitchFamily="49" charset="0"/>
-              </a:rPr>
-              <a:t>list</a:t>
-            </a:r>
-            <a:r>
-              <a:rPr lang="de-DE" sz="2000" dirty="0">
-                <a:latin typeface="Courier New" panose="02070309020205020404" pitchFamily="49" charset="0"/>
-                <a:cs typeface="Courier New" panose="02070309020205020404" pitchFamily="49" charset="0"/>
-              </a:rPr>
-              <a:t>	</a:t>
-            </a:r>
-          </a:p>
-          <a:p>
-            <a:pPr marL="0" indent="0">
-              <a:buNone/>
-            </a:pPr>
-            <a:r>
-              <a:rPr lang="de-DE" sz="2000" dirty="0">
-                <a:latin typeface="Courier New" panose="02070309020205020404" pitchFamily="49" charset="0"/>
-                <a:cs typeface="Courier New" panose="02070309020205020404" pitchFamily="49" charset="0"/>
-              </a:rPr>
-              <a:t>	</a:t>
-            </a:r>
-            <a:r>
-              <a:rPr lang="de-DE" sz="2000" dirty="0" err="1">
-                <a:latin typeface="Courier New" panose="02070309020205020404" pitchFamily="49" charset="0"/>
-                <a:cs typeface="Courier New" panose="02070309020205020404" pitchFamily="49" charset="0"/>
-              </a:rPr>
-              <a:t>ssh</a:t>
-            </a:r>
-            <a:r>
-              <a:rPr lang="de-DE" sz="2000" dirty="0">
-                <a:latin typeface="Courier New" panose="02070309020205020404" pitchFamily="49" charset="0"/>
-                <a:cs typeface="Courier New" panose="02070309020205020404" pitchFamily="49" charset="0"/>
-              </a:rPr>
-              <a:t> –A ubuntu@192.168.22.5</a:t>
-            </a:r>
-          </a:p>
-          <a:p>
-            <a:pPr marL="0" indent="0">
-              <a:buNone/>
-            </a:pPr>
-            <a:r>
-              <a:rPr lang="de-DE" sz="2000" dirty="0">
-                <a:latin typeface="Courier New" panose="02070309020205020404" pitchFamily="49" charset="0"/>
-                <a:cs typeface="Courier New" panose="02070309020205020404" pitchFamily="49" charset="0"/>
-              </a:rPr>
-              <a:t>	</a:t>
-            </a:r>
-            <a:r>
-              <a:rPr lang="de-DE" sz="2000" dirty="0" err="1">
-                <a:latin typeface="Courier New" panose="02070309020205020404" pitchFamily="49" charset="0"/>
-                <a:cs typeface="Courier New" panose="02070309020205020404" pitchFamily="49" charset="0"/>
-              </a:rPr>
-              <a:t>git</a:t>
-            </a:r>
-            <a:r>
-              <a:rPr lang="de-DE" sz="2000" dirty="0">
+              <a:rPr lang="de-DE" sz="2400" dirty="0">
+                <a:latin typeface="Courier New" panose="02070309020205020404" pitchFamily="49" charset="0"/>
+                <a:cs typeface="Courier New" panose="02070309020205020404" pitchFamily="49" charset="0"/>
+              </a:rPr>
+              <a:t>	multipass </a:t>
+            </a:r>
+            <a:r>
+              <a:rPr lang="de-DE" sz="2400" dirty="0" err="1">
+                <a:latin typeface="Courier New" panose="02070309020205020404" pitchFamily="49" charset="0"/>
+                <a:cs typeface="Courier New" panose="02070309020205020404" pitchFamily="49" charset="0"/>
+              </a:rPr>
+              <a:t>shell</a:t>
+            </a:r>
+            <a:r>
+              <a:rPr lang="de-DE" sz="2400" dirty="0">
                 <a:latin typeface="Courier New" panose="02070309020205020404" pitchFamily="49" charset="0"/>
                 <a:cs typeface="Courier New" panose="02070309020205020404" pitchFamily="49" charset="0"/>
               </a:rPr>
               <a:t> </a:t>
             </a:r>
             <a:r>
-              <a:rPr lang="de-DE" sz="2000" dirty="0" err="1">
-                <a:latin typeface="Courier New" panose="02070309020205020404" pitchFamily="49" charset="0"/>
-                <a:cs typeface="Courier New" panose="02070309020205020404" pitchFamily="49" charset="0"/>
-              </a:rPr>
-              <a:t>clone</a:t>
-            </a:r>
-            <a:r>
-              <a:rPr lang="de-DE" sz="2000" dirty="0">
-                <a:latin typeface="Courier New" panose="02070309020205020404" pitchFamily="49" charset="0"/>
-                <a:cs typeface="Courier New" panose="02070309020205020404" pitchFamily="49" charset="0"/>
-              </a:rPr>
-              <a:t> </a:t>
-            </a:r>
-            <a:r>
-              <a:rPr lang="de-DE" sz="2000" dirty="0">
-                <a:latin typeface="Courier New" panose="02070309020205020404" pitchFamily="49" charset="0"/>
-                <a:cs typeface="Courier New" panose="02070309020205020404" pitchFamily="49" charset="0"/>
-                <a:hlinkClick r:id="rId2"/>
-              </a:rPr>
-              <a:t>git@bitbucket.org:conciso/java-starter.git</a:t>
-            </a:r>
-            <a:endParaRPr lang="de-DE" sz="2000" dirty="0">
+              <a:rPr lang="de-DE" sz="2400" dirty="0" err="1">
+                <a:latin typeface="Courier New" panose="02070309020205020404" pitchFamily="49" charset="0"/>
+                <a:cs typeface="Courier New" panose="02070309020205020404" pitchFamily="49" charset="0"/>
+              </a:rPr>
+              <a:t>master</a:t>
+            </a:r>
+            <a:endParaRPr lang="de-DE" sz="2400" dirty="0">
               <a:latin typeface="Courier New" panose="02070309020205020404" pitchFamily="49" charset="0"/>
               <a:cs typeface="Courier New" panose="02070309020205020404" pitchFamily="49" charset="0"/>
             </a:endParaRPr>
           </a:p>
-        </p:txBody>
-      </p:sp>
-      <p:pic>
-        <p:nvPicPr>
-          <p:cNvPr id="4" name="Grafik 3">
-            <a:extLst>
-              <a:ext uri="{FF2B5EF4-FFF2-40B4-BE49-F238E27FC236}">
-                <a16:creationId xmlns:a16="http://schemas.microsoft.com/office/drawing/2014/main" id="{3B157EBE-FE7B-E53F-8A1B-0998CFA088E6}"/>
-              </a:ext>
-            </a:extLst>
-          </p:cNvPr>
-          <p:cNvPicPr>
-            <a:picLocks noChangeAspect="1"/>
-          </p:cNvPicPr>
-          <p:nvPr/>
-        </p:nvPicPr>
-        <p:blipFill>
-          <a:blip r:embed="rId3"/>
-          <a:stretch>
-            <a:fillRect/>
-          </a:stretch>
-        </p:blipFill>
-        <p:spPr>
-          <a:xfrm>
-            <a:off x="4445715" y="4756006"/>
-            <a:ext cx="6794500" cy="1130300"/>
-          </a:xfrm>
-          <a:prstGeom prst="rect">
-            <a:avLst/>
-          </a:prstGeom>
-        </p:spPr>
-      </p:pic>
-      <p:sp>
-        <p:nvSpPr>
-          <p:cNvPr id="5" name="Oval 4">
-            <a:extLst>
-              <a:ext uri="{FF2B5EF4-FFF2-40B4-BE49-F238E27FC236}">
-                <a16:creationId xmlns:a16="http://schemas.microsoft.com/office/drawing/2014/main" id="{843B12CE-5219-2B03-5882-A472AEE575C1}"/>
-              </a:ext>
-            </a:extLst>
-          </p:cNvPr>
-          <p:cNvSpPr/>
-          <p:nvPr/>
-        </p:nvSpPr>
-        <p:spPr>
-          <a:xfrm>
-            <a:off x="3929894" y="2739366"/>
-            <a:ext cx="1979416" cy="367633"/>
-          </a:xfrm>
-          <a:prstGeom prst="ellipse">
-            <a:avLst/>
-          </a:prstGeom>
-          <a:noFill/>
-          <a:ln w="38100">
-            <a:solidFill>
-              <a:srgbClr val="FF0000"/>
-            </a:solidFill>
-          </a:ln>
-        </p:spPr>
-        <p:style>
-          <a:lnRef idx="2">
-            <a:schemeClr val="accent1">
-              <a:shade val="50000"/>
-            </a:schemeClr>
-          </a:lnRef>
-          <a:fillRef idx="1">
-            <a:schemeClr val="accent1"/>
-          </a:fillRef>
-          <a:effectRef idx="0">
-            <a:schemeClr val="accent1"/>
-          </a:effectRef>
-          <a:fontRef idx="minor">
-            <a:schemeClr val="lt1"/>
-          </a:fontRef>
-        </p:style>
-        <p:txBody>
-          <a:bodyPr rtlCol="0" anchor="ctr"/>
-          <a:lstStyle/>
-          <a:p>
-            <a:pPr algn="ctr"/>
-            <a:endParaRPr lang="de-DE"/>
-          </a:p>
-        </p:txBody>
-      </p:sp>
-      <p:sp>
-        <p:nvSpPr>
-          <p:cNvPr id="6" name="Textfeld 5">
-            <a:extLst>
-              <a:ext uri="{FF2B5EF4-FFF2-40B4-BE49-F238E27FC236}">
-                <a16:creationId xmlns:a16="http://schemas.microsoft.com/office/drawing/2014/main" id="{2A3B1E01-B012-348D-F0E1-9FAE71612887}"/>
-              </a:ext>
-            </a:extLst>
-          </p:cNvPr>
-          <p:cNvSpPr txBox="1"/>
-          <p:nvPr/>
-        </p:nvSpPr>
-        <p:spPr>
-          <a:xfrm>
-            <a:off x="4919602" y="2130471"/>
-            <a:ext cx="777777" cy="769441"/>
-          </a:xfrm>
-          <a:prstGeom prst="rect">
-            <a:avLst/>
-          </a:prstGeom>
-          <a:noFill/>
-        </p:spPr>
-        <p:txBody>
-          <a:bodyPr wrap="none" rtlCol="0">
-            <a:spAutoFit/>
-          </a:bodyPr>
-          <a:lstStyle/>
-          <a:p>
-            <a:r>
-              <a:rPr lang="de-DE" sz="4400" dirty="0" err="1">
-                <a:solidFill>
-                  <a:srgbClr val="FF0000"/>
-                </a:solidFill>
+          <a:p>
+            <a:pPr marL="0" indent="0">
+              <a:buNone/>
+            </a:pPr>
+            <a:r>
+              <a:rPr lang="de-DE" sz="2400" dirty="0">
+                <a:latin typeface="Courier New" panose="02070309020205020404" pitchFamily="49" charset="0"/>
+                <a:cs typeface="Courier New" panose="02070309020205020404" pitchFamily="49" charset="0"/>
+              </a:rPr>
+              <a:t>	vi .</a:t>
+            </a:r>
+            <a:r>
+              <a:rPr lang="de-DE" sz="2400" dirty="0" err="1">
+                <a:latin typeface="Courier New" panose="02070309020205020404" pitchFamily="49" charset="0"/>
+                <a:cs typeface="Courier New" panose="02070309020205020404" pitchFamily="49" charset="0"/>
+              </a:rPr>
+              <a:t>ssh</a:t>
+            </a:r>
+            <a:r>
+              <a:rPr lang="de-DE" sz="2400" dirty="0">
+                <a:latin typeface="Courier New" panose="02070309020205020404" pitchFamily="49" charset="0"/>
+                <a:cs typeface="Courier New" panose="02070309020205020404" pitchFamily="49" charset="0"/>
+              </a:rPr>
+              <a:t>/</a:t>
+            </a:r>
+            <a:r>
+              <a:rPr lang="de-DE" sz="2400" dirty="0" err="1">
+                <a:latin typeface="Courier New" panose="02070309020205020404" pitchFamily="49" charset="0"/>
+                <a:cs typeface="Courier New" panose="02070309020205020404" pitchFamily="49" charset="0"/>
+              </a:rPr>
+              <a:t>authorized_keys</a:t>
+            </a:r>
+            <a:endParaRPr lang="de-DE" sz="2400" dirty="0">
+              <a:latin typeface="Courier New" panose="02070309020205020404" pitchFamily="49" charset="0"/>
+              <a:cs typeface="Courier New" panose="02070309020205020404" pitchFamily="49" charset="0"/>
+            </a:endParaRPr>
+          </a:p>
+          <a:p>
+            <a:pPr marL="0" indent="0">
+              <a:buNone/>
+            </a:pPr>
+            <a:r>
+              <a:rPr lang="de-DE" sz="2400" dirty="0">
+                <a:latin typeface="Courier New" panose="02070309020205020404" pitchFamily="49" charset="0"/>
+                <a:cs typeface="Courier New" panose="02070309020205020404" pitchFamily="49" charset="0"/>
+              </a:rPr>
+              <a:t>	</a:t>
+            </a:r>
+            <a:r>
+              <a:rPr lang="de-DE" sz="2400" dirty="0" err="1">
+                <a:latin typeface="Courier New" panose="02070309020205020404" pitchFamily="49" charset="0"/>
+                <a:cs typeface="Courier New" panose="02070309020205020404" pitchFamily="49" charset="0"/>
+              </a:rPr>
+              <a:t>exit</a:t>
+            </a:r>
+            <a:endParaRPr lang="de-DE" sz="2400" dirty="0">
+              <a:latin typeface="Courier New" panose="02070309020205020404" pitchFamily="49" charset="0"/>
+              <a:cs typeface="Courier New" panose="02070309020205020404" pitchFamily="49" charset="0"/>
+            </a:endParaRPr>
+          </a:p>
+          <a:p>
+            <a:pPr marL="0" indent="0">
+              <a:buNone/>
+            </a:pPr>
+            <a:endParaRPr lang="de-DE" sz="2400" dirty="0">
+              <a:latin typeface="Courier New" panose="02070309020205020404" pitchFamily="49" charset="0"/>
+              <a:cs typeface="Courier New" panose="02070309020205020404" pitchFamily="49" charset="0"/>
+            </a:endParaRPr>
+          </a:p>
+          <a:p>
+            <a:r>
+              <a:rPr lang="de-DE" dirty="0"/>
+              <a:t>Bitte ebenso auf den anderen VMs!</a:t>
+            </a:r>
+          </a:p>
+          <a:p>
+            <a:pPr lvl="1"/>
+            <a:r>
+              <a:rPr lang="de-DE" dirty="0">
+                <a:latin typeface="Courier New" panose="02070309020205020404" pitchFamily="49" charset="0"/>
+                <a:cs typeface="Courier New" panose="02070309020205020404" pitchFamily="49" charset="0"/>
+              </a:rPr>
+              <a:t>worker1</a:t>
+            </a:r>
+            <a:r>
+              <a:rPr lang="de-DE" dirty="0">
+                <a:cs typeface="Courier New" panose="02070309020205020404" pitchFamily="49" charset="0"/>
+              </a:rPr>
+              <a:t>, </a:t>
+            </a:r>
+            <a:r>
+              <a:rPr lang="de-DE" dirty="0">
+                <a:latin typeface="Courier New" panose="02070309020205020404" pitchFamily="49" charset="0"/>
+                <a:cs typeface="Courier New" panose="02070309020205020404" pitchFamily="49" charset="0"/>
+              </a:rPr>
+              <a:t>worker2</a:t>
+            </a:r>
+            <a:r>
+              <a:rPr lang="de-DE" dirty="0">
+                <a:cs typeface="Courier New" panose="02070309020205020404" pitchFamily="49" charset="0"/>
+              </a:rPr>
+              <a:t>, </a:t>
+            </a:r>
+            <a:r>
+              <a:rPr lang="de-DE" dirty="0" err="1">
+                <a:latin typeface="Courier New" panose="02070309020205020404" pitchFamily="49" charset="0"/>
+                <a:cs typeface="Courier New" panose="02070309020205020404" pitchFamily="49" charset="0"/>
               </a:rPr>
               <a:t>db</a:t>
             </a:r>
-            <a:endParaRPr lang="de-DE" sz="4400" dirty="0">
-              <a:solidFill>
-                <a:srgbClr val="FF0000"/>
-              </a:solidFill>
+            <a:endParaRPr lang="de-DE" dirty="0">
+              <a:latin typeface="Courier New" panose="02070309020205020404" pitchFamily="49" charset="0"/>
+              <a:cs typeface="Courier New" panose="02070309020205020404" pitchFamily="49" charset="0"/>
             </a:endParaRPr>
           </a:p>
         </p:txBody>
@@ -7276,7 +6992,7 @@
     </p:spTree>
     <p:extLst>
       <p:ext uri="{BB962C8B-B14F-4D97-AF65-F5344CB8AC3E}">
-        <p14:creationId xmlns:p14="http://schemas.microsoft.com/office/powerpoint/2010/main" val="3540936783"/>
+        <p14:creationId xmlns:p14="http://schemas.microsoft.com/office/powerpoint/2010/main" val="3437145529"/>
       </p:ext>
     </p:extLst>
   </p:cSld>
@@ -7326,15 +7042,23 @@
           <a:p>
             <a:r>
               <a:rPr lang="de-DE" dirty="0"/>
-              <a:t>2. Datenbank und </a:t>
+              <a:t>3. </a:t>
             </a:r>
             <a:r>
               <a:rPr lang="de-DE" dirty="0" err="1"/>
-              <a:t>Keycloak</a:t>
+              <a:t>Git</a:t>
             </a:r>
             <a:r>
               <a:rPr lang="de-DE" dirty="0"/>
-              <a:t> starten</a:t>
+              <a:t> </a:t>
+            </a:r>
+            <a:r>
+              <a:rPr lang="de-DE" dirty="0" err="1"/>
+              <a:t>repository</a:t>
+            </a:r>
+            <a:r>
+              <a:rPr lang="de-DE" dirty="0"/>
+              <a:t> klonen</a:t>
             </a:r>
           </a:p>
         </p:txBody>
@@ -7364,900 +7088,18 @@
           <a:p>
             <a:r>
               <a:rPr lang="de-DE" dirty="0"/>
-              <a:t>IP-Adresse eintragen und Container starten:</a:t>
-            </a:r>
-          </a:p>
-          <a:p>
-            <a:pPr lvl="1"/>
+              <a:t>Auf </a:t>
+            </a:r>
+            <a:r>
+              <a:rPr lang="de-DE" dirty="0" err="1">
+                <a:latin typeface="Courier New" panose="02070309020205020404" pitchFamily="49" charset="0"/>
+                <a:cs typeface="Courier New" panose="02070309020205020404" pitchFamily="49" charset="0"/>
+              </a:rPr>
+              <a:t>master</a:t>
+            </a:r>
             <a:r>
               <a:rPr lang="de-DE" dirty="0"/>
-              <a:t>In der Datei </a:t>
-            </a:r>
-            <a:r>
-              <a:rPr lang="de-DE" dirty="0" err="1">
-                <a:latin typeface="Courier New" panose="02070309020205020404" pitchFamily="49" charset="0"/>
-                <a:cs typeface="Courier New" panose="02070309020205020404" pitchFamily="49" charset="0"/>
-              </a:rPr>
-              <a:t>docker-compose.yml</a:t>
-            </a:r>
-            <a:r>
-              <a:rPr lang="de-DE" dirty="0">
-                <a:latin typeface="Courier New" panose="02070309020205020404" pitchFamily="49" charset="0"/>
-                <a:cs typeface="Courier New" panose="02070309020205020404" pitchFamily="49" charset="0"/>
-              </a:rPr>
-              <a:t> </a:t>
-            </a:r>
-            <a:r>
-              <a:rPr lang="de-DE" dirty="0"/>
-              <a:t>muss </a:t>
-            </a:r>
-            <a:r>
-              <a:rPr lang="de-DE" dirty="0" err="1">
-                <a:latin typeface="Courier New" panose="02070309020205020404" pitchFamily="49" charset="0"/>
-                <a:cs typeface="Courier New" panose="02070309020205020404" pitchFamily="49" charset="0"/>
-              </a:rPr>
-              <a:t>replace_me</a:t>
-            </a:r>
-            <a:r>
-              <a:rPr lang="de-DE" dirty="0">
-                <a:latin typeface="Courier New" panose="02070309020205020404" pitchFamily="49" charset="0"/>
-                <a:cs typeface="Courier New" panose="02070309020205020404" pitchFamily="49" charset="0"/>
-              </a:rPr>
-              <a:t> </a:t>
-            </a:r>
-            <a:r>
-              <a:rPr lang="de-DE" dirty="0"/>
-              <a:t>durch die IP-Adresse des Datenbank-Servers ersetzt werden!</a:t>
-            </a:r>
-          </a:p>
-          <a:p>
-            <a:pPr marL="0" indent="0">
-              <a:buNone/>
-            </a:pPr>
-            <a:r>
-              <a:rPr lang="de-DE" sz="2000" dirty="0"/>
-              <a:t>	</a:t>
-            </a:r>
-            <a:r>
-              <a:rPr lang="de-DE" sz="2000" dirty="0">
-                <a:latin typeface="Courier New" panose="02070309020205020404" pitchFamily="49" charset="0"/>
-                <a:cs typeface="Courier New" panose="02070309020205020404" pitchFamily="49" charset="0"/>
-              </a:rPr>
-              <a:t>cd ~/</a:t>
-            </a:r>
-            <a:r>
-              <a:rPr lang="de-DE" sz="2000" dirty="0" err="1">
-                <a:latin typeface="Courier New" panose="02070309020205020404" pitchFamily="49" charset="0"/>
-                <a:cs typeface="Courier New" panose="02070309020205020404" pitchFamily="49" charset="0"/>
-              </a:rPr>
-              <a:t>java</a:t>
-            </a:r>
-            <a:r>
-              <a:rPr lang="de-DE" sz="2000" dirty="0">
-                <a:latin typeface="Courier New" panose="02070309020205020404" pitchFamily="49" charset="0"/>
-                <a:cs typeface="Courier New" panose="02070309020205020404" pitchFamily="49" charset="0"/>
-              </a:rPr>
-              <a:t>-starter/sample/</a:t>
-            </a:r>
-            <a:r>
-              <a:rPr lang="de-DE" sz="2000" dirty="0" err="1">
-                <a:latin typeface="Courier New" panose="02070309020205020404" pitchFamily="49" charset="0"/>
-                <a:cs typeface="Courier New" panose="02070309020205020404" pitchFamily="49" charset="0"/>
-              </a:rPr>
-              <a:t>kubernetes</a:t>
-            </a:r>
-            <a:r>
-              <a:rPr lang="de-DE" sz="2000" dirty="0">
-                <a:latin typeface="Courier New" panose="02070309020205020404" pitchFamily="49" charset="0"/>
-                <a:cs typeface="Courier New" panose="02070309020205020404" pitchFamily="49" charset="0"/>
-              </a:rPr>
-              <a:t>/</a:t>
-            </a:r>
-            <a:r>
-              <a:rPr lang="de-DE" sz="2000" dirty="0" err="1">
-                <a:latin typeface="Courier New" panose="02070309020205020404" pitchFamily="49" charset="0"/>
-                <a:cs typeface="Courier New" panose="02070309020205020404" pitchFamily="49" charset="0"/>
-              </a:rPr>
-              <a:t>docker</a:t>
-            </a:r>
-            <a:endParaRPr lang="de-DE" sz="2000" dirty="0">
-              <a:latin typeface="Courier New" panose="02070309020205020404" pitchFamily="49" charset="0"/>
-              <a:cs typeface="Courier New" panose="02070309020205020404" pitchFamily="49" charset="0"/>
-            </a:endParaRPr>
-          </a:p>
-          <a:p>
-            <a:pPr marL="0" indent="0">
-              <a:buNone/>
-            </a:pPr>
-            <a:r>
-              <a:rPr lang="de-DE" sz="2000" dirty="0">
-                <a:latin typeface="Courier New" panose="02070309020205020404" pitchFamily="49" charset="0"/>
-                <a:cs typeface="Courier New" panose="02070309020205020404" pitchFamily="49" charset="0"/>
-              </a:rPr>
-              <a:t>	sed -i 's/</a:t>
-            </a:r>
-            <a:r>
-              <a:rPr lang="de-DE" sz="2000" dirty="0" err="1">
-                <a:latin typeface="Courier New" panose="02070309020205020404" pitchFamily="49" charset="0"/>
-                <a:cs typeface="Courier New" panose="02070309020205020404" pitchFamily="49" charset="0"/>
-              </a:rPr>
-              <a:t>replace_me</a:t>
-            </a:r>
-            <a:r>
-              <a:rPr lang="de-DE" sz="2000" dirty="0">
-                <a:latin typeface="Courier New" panose="02070309020205020404" pitchFamily="49" charset="0"/>
-                <a:cs typeface="Courier New" panose="02070309020205020404" pitchFamily="49" charset="0"/>
-              </a:rPr>
-              <a:t>/192.168.22.5/</a:t>
-            </a:r>
-            <a:r>
-              <a:rPr lang="de-DE" sz="2000" dirty="0" err="1">
-                <a:latin typeface="Courier New" panose="02070309020205020404" pitchFamily="49" charset="0"/>
-                <a:cs typeface="Courier New" panose="02070309020205020404" pitchFamily="49" charset="0"/>
-              </a:rPr>
-              <a:t>g</a:t>
-            </a:r>
-            <a:r>
-              <a:rPr lang="de-DE" sz="2000" dirty="0">
-                <a:latin typeface="Courier New" panose="02070309020205020404" pitchFamily="49" charset="0"/>
-                <a:cs typeface="Courier New" panose="02070309020205020404" pitchFamily="49" charset="0"/>
-              </a:rPr>
-              <a:t>' </a:t>
-            </a:r>
-            <a:r>
-              <a:rPr lang="de-DE" sz="2000" dirty="0" err="1">
-                <a:latin typeface="Courier New" panose="02070309020205020404" pitchFamily="49" charset="0"/>
-                <a:cs typeface="Courier New" panose="02070309020205020404" pitchFamily="49" charset="0"/>
-              </a:rPr>
-              <a:t>docker-compose.yml</a:t>
-            </a:r>
-            <a:endParaRPr lang="de-DE" sz="2000" dirty="0">
-              <a:latin typeface="Courier New" panose="02070309020205020404" pitchFamily="49" charset="0"/>
-              <a:cs typeface="Courier New" panose="02070309020205020404" pitchFamily="49" charset="0"/>
-            </a:endParaRPr>
-          </a:p>
-          <a:p>
-            <a:pPr marL="0" indent="0">
-              <a:buNone/>
-            </a:pPr>
-            <a:r>
-              <a:rPr lang="de-DE" sz="2000" dirty="0">
-                <a:latin typeface="Courier New" panose="02070309020205020404" pitchFamily="49" charset="0"/>
-                <a:cs typeface="Courier New" panose="02070309020205020404" pitchFamily="49" charset="0"/>
-              </a:rPr>
-              <a:t>	</a:t>
-            </a:r>
-            <a:r>
-              <a:rPr lang="de-DE" sz="2000" dirty="0" err="1">
-                <a:latin typeface="Courier New" panose="02070309020205020404" pitchFamily="49" charset="0"/>
-                <a:cs typeface="Courier New" panose="02070309020205020404" pitchFamily="49" charset="0"/>
-              </a:rPr>
-              <a:t>docker</a:t>
-            </a:r>
-            <a:r>
-              <a:rPr lang="de-DE" sz="2000" dirty="0">
-                <a:latin typeface="Courier New" panose="02070309020205020404" pitchFamily="49" charset="0"/>
-                <a:cs typeface="Courier New" panose="02070309020205020404" pitchFamily="49" charset="0"/>
-              </a:rPr>
-              <a:t> </a:t>
-            </a:r>
-            <a:r>
-              <a:rPr lang="de-DE" sz="2000" dirty="0" err="1">
-                <a:latin typeface="Courier New" panose="02070309020205020404" pitchFamily="49" charset="0"/>
-                <a:cs typeface="Courier New" panose="02070309020205020404" pitchFamily="49" charset="0"/>
-              </a:rPr>
-              <a:t>compose</a:t>
-            </a:r>
-            <a:r>
-              <a:rPr lang="de-DE" sz="2000" dirty="0">
-                <a:latin typeface="Courier New" panose="02070309020205020404" pitchFamily="49" charset="0"/>
-                <a:cs typeface="Courier New" panose="02070309020205020404" pitchFamily="49" charset="0"/>
-              </a:rPr>
-              <a:t> </a:t>
-            </a:r>
-            <a:r>
-              <a:rPr lang="de-DE" sz="2000" dirty="0" err="1">
-                <a:latin typeface="Courier New" panose="02070309020205020404" pitchFamily="49" charset="0"/>
-                <a:cs typeface="Courier New" panose="02070309020205020404" pitchFamily="49" charset="0"/>
-              </a:rPr>
-              <a:t>up</a:t>
-            </a:r>
-            <a:endParaRPr lang="de-DE" sz="2000" dirty="0">
-              <a:latin typeface="Courier New" panose="02070309020205020404" pitchFamily="49" charset="0"/>
-              <a:cs typeface="Courier New" panose="02070309020205020404" pitchFamily="49" charset="0"/>
-            </a:endParaRPr>
-          </a:p>
-          <a:p>
-            <a:pPr marL="0" indent="0">
-              <a:buNone/>
-            </a:pPr>
-            <a:endParaRPr lang="de-DE" sz="2000" dirty="0">
-              <a:latin typeface="Courier New" panose="02070309020205020404" pitchFamily="49" charset="0"/>
-              <a:cs typeface="Courier New" panose="02070309020205020404" pitchFamily="49" charset="0"/>
-            </a:endParaRPr>
-          </a:p>
-        </p:txBody>
-      </p:sp>
-      <p:sp>
-        <p:nvSpPr>
-          <p:cNvPr id="4" name="Oval 3">
-            <a:extLst>
-              <a:ext uri="{FF2B5EF4-FFF2-40B4-BE49-F238E27FC236}">
-                <a16:creationId xmlns:a16="http://schemas.microsoft.com/office/drawing/2014/main" id="{6CA0C36C-57C7-CB5D-9B8E-34D03A3268F5}"/>
-              </a:ext>
-            </a:extLst>
-          </p:cNvPr>
-          <p:cNvSpPr/>
-          <p:nvPr/>
-        </p:nvSpPr>
-        <p:spPr>
-          <a:xfrm>
-            <a:off x="4919602" y="3429000"/>
-            <a:ext cx="1979416" cy="367633"/>
-          </a:xfrm>
-          <a:prstGeom prst="ellipse">
-            <a:avLst/>
-          </a:prstGeom>
-          <a:noFill/>
-          <a:ln w="38100">
-            <a:solidFill>
-              <a:srgbClr val="FF0000"/>
-            </a:solidFill>
-          </a:ln>
-        </p:spPr>
-        <p:style>
-          <a:lnRef idx="2">
-            <a:schemeClr val="accent1">
-              <a:shade val="50000"/>
-            </a:schemeClr>
-          </a:lnRef>
-          <a:fillRef idx="1">
-            <a:schemeClr val="accent1"/>
-          </a:fillRef>
-          <a:effectRef idx="0">
-            <a:schemeClr val="accent1"/>
-          </a:effectRef>
-          <a:fontRef idx="minor">
-            <a:schemeClr val="lt1"/>
-          </a:fontRef>
-        </p:style>
-        <p:txBody>
-          <a:bodyPr rtlCol="0" anchor="ctr"/>
-          <a:lstStyle/>
-          <a:p>
-            <a:pPr algn="ctr"/>
-            <a:endParaRPr lang="de-DE"/>
-          </a:p>
-        </p:txBody>
-      </p:sp>
-      <p:sp>
-        <p:nvSpPr>
-          <p:cNvPr id="5" name="Textfeld 4">
-            <a:extLst>
-              <a:ext uri="{FF2B5EF4-FFF2-40B4-BE49-F238E27FC236}">
-                <a16:creationId xmlns:a16="http://schemas.microsoft.com/office/drawing/2014/main" id="{B0B0F080-F6DF-ED0B-F78E-7AC39E12048C}"/>
-              </a:ext>
-            </a:extLst>
-          </p:cNvPr>
-          <p:cNvSpPr txBox="1"/>
-          <p:nvPr/>
-        </p:nvSpPr>
-        <p:spPr>
-          <a:xfrm>
-            <a:off x="6096000" y="3612816"/>
-            <a:ext cx="777777" cy="769441"/>
-          </a:xfrm>
-          <a:prstGeom prst="rect">
-            <a:avLst/>
-          </a:prstGeom>
-          <a:noFill/>
-        </p:spPr>
-        <p:txBody>
-          <a:bodyPr wrap="none" rtlCol="0">
-            <a:spAutoFit/>
-          </a:bodyPr>
-          <a:lstStyle/>
-          <a:p>
-            <a:r>
-              <a:rPr lang="de-DE" sz="4400" dirty="0" err="1">
-                <a:solidFill>
-                  <a:srgbClr val="FF0000"/>
-                </a:solidFill>
-              </a:rPr>
-              <a:t>db</a:t>
-            </a:r>
-            <a:endParaRPr lang="de-DE" sz="4400" dirty="0">
-              <a:solidFill>
-                <a:srgbClr val="FF0000"/>
-              </a:solidFill>
-            </a:endParaRPr>
-          </a:p>
-        </p:txBody>
-      </p:sp>
-    </p:spTree>
-    <p:extLst>
-      <p:ext uri="{BB962C8B-B14F-4D97-AF65-F5344CB8AC3E}">
-        <p14:creationId xmlns:p14="http://schemas.microsoft.com/office/powerpoint/2010/main" val="3921133905"/>
-      </p:ext>
-    </p:extLst>
-  </p:cSld>
-  <p:clrMapOvr>
-    <a:masterClrMapping/>
-  </p:clrMapOvr>
-</p:sld>
-</file>
-
-<file path=ppt/slides/slide7.xml><?xml version="1.0" encoding="utf-8"?>
-<p:sld xmlns:a="http://schemas.openxmlformats.org/drawingml/2006/main" xmlns:r="http://schemas.openxmlformats.org/officeDocument/2006/relationships" xmlns:p="http://schemas.openxmlformats.org/presentationml/2006/main">
-  <p:cSld>
-    <p:spTree>
-      <p:nvGrpSpPr>
-        <p:cNvPr id="1" name=""/>
-        <p:cNvGrpSpPr/>
-        <p:nvPr/>
-      </p:nvGrpSpPr>
-      <p:grpSpPr>
-        <a:xfrm>
-          <a:off x="0" y="0"/>
-          <a:ext cx="0" cy="0"/>
-          <a:chOff x="0" y="0"/>
-          <a:chExt cx="0" cy="0"/>
-        </a:xfrm>
-      </p:grpSpPr>
-      <p:sp>
-        <p:nvSpPr>
-          <p:cNvPr id="2" name="Titel 1">
-            <a:extLst>
-              <a:ext uri="{FF2B5EF4-FFF2-40B4-BE49-F238E27FC236}">
-                <a16:creationId xmlns:a16="http://schemas.microsoft.com/office/drawing/2014/main" id="{6771848D-1E70-E48B-5C6D-951BC6041598}"/>
-              </a:ext>
-            </a:extLst>
-          </p:cNvPr>
-          <p:cNvSpPr>
-            <a:spLocks noGrp="1"/>
-          </p:cNvSpPr>
-          <p:nvPr>
-            <p:ph type="title"/>
-          </p:nvPr>
-        </p:nvSpPr>
-        <p:spPr/>
-        <p:txBody>
-          <a:bodyPr/>
-          <a:lstStyle/>
-          <a:p>
-            <a:r>
-              <a:rPr lang="de-DE" dirty="0"/>
-              <a:t>3. </a:t>
-            </a:r>
-            <a:r>
-              <a:rPr lang="de-DE" dirty="0" err="1"/>
-              <a:t>Build</a:t>
-            </a:r>
-            <a:r>
-              <a:rPr lang="de-DE" dirty="0"/>
-              <a:t>-Werkzeuge installieren</a:t>
-            </a:r>
-          </a:p>
-        </p:txBody>
-      </p:sp>
-      <p:sp>
-        <p:nvSpPr>
-          <p:cNvPr id="3" name="Inhaltsplatzhalter 2">
-            <a:extLst>
-              <a:ext uri="{FF2B5EF4-FFF2-40B4-BE49-F238E27FC236}">
-                <a16:creationId xmlns:a16="http://schemas.microsoft.com/office/drawing/2014/main" id="{C6B47590-B943-D19C-BC30-9C11A54E6BFE}"/>
-              </a:ext>
-            </a:extLst>
-          </p:cNvPr>
-          <p:cNvSpPr>
-            <a:spLocks noGrp="1"/>
-          </p:cNvSpPr>
-          <p:nvPr>
-            <p:ph idx="1"/>
-          </p:nvPr>
-        </p:nvSpPr>
-        <p:spPr/>
-        <p:txBody>
-          <a:bodyPr>
-            <a:normAutofit/>
-          </a:bodyPr>
-          <a:lstStyle/>
-          <a:p>
-            <a:pPr marL="0" indent="0">
-              <a:buNone/>
-            </a:pPr>
-            <a:r>
-              <a:rPr lang="de-DE" sz="2400" dirty="0"/>
-              <a:t>	</a:t>
-            </a:r>
-            <a:r>
-              <a:rPr lang="de-DE" sz="2400" dirty="0">
-                <a:latin typeface="Courier New" panose="02070309020205020404" pitchFamily="49" charset="0"/>
-                <a:cs typeface="Courier New" panose="02070309020205020404" pitchFamily="49" charset="0"/>
-              </a:rPr>
-              <a:t>multipass </a:t>
-            </a:r>
-            <a:r>
-              <a:rPr lang="de-DE" sz="2400" dirty="0" err="1">
-                <a:latin typeface="Courier New" panose="02070309020205020404" pitchFamily="49" charset="0"/>
-                <a:cs typeface="Courier New" panose="02070309020205020404" pitchFamily="49" charset="0"/>
-              </a:rPr>
-              <a:t>shell</a:t>
-            </a:r>
-            <a:r>
-              <a:rPr lang="de-DE" sz="2400" dirty="0">
-                <a:latin typeface="Courier New" panose="02070309020205020404" pitchFamily="49" charset="0"/>
-                <a:cs typeface="Courier New" panose="02070309020205020404" pitchFamily="49" charset="0"/>
-              </a:rPr>
-              <a:t> </a:t>
-            </a:r>
-            <a:r>
-              <a:rPr lang="de-DE" sz="2400" dirty="0" err="1">
-                <a:latin typeface="Courier New" panose="02070309020205020404" pitchFamily="49" charset="0"/>
-                <a:cs typeface="Courier New" panose="02070309020205020404" pitchFamily="49" charset="0"/>
-              </a:rPr>
-              <a:t>master</a:t>
-            </a:r>
-            <a:endParaRPr lang="de-DE" sz="2400" dirty="0">
-              <a:latin typeface="Courier New" panose="02070309020205020404" pitchFamily="49" charset="0"/>
-              <a:cs typeface="Courier New" panose="02070309020205020404" pitchFamily="49" charset="0"/>
-            </a:endParaRPr>
-          </a:p>
-          <a:p>
-            <a:pPr marL="0" indent="0">
-              <a:buNone/>
-            </a:pPr>
-            <a:r>
-              <a:rPr lang="de-DE" sz="2400" dirty="0">
-                <a:latin typeface="Courier New" panose="02070309020205020404" pitchFamily="49" charset="0"/>
-                <a:cs typeface="Courier New" panose="02070309020205020404" pitchFamily="49" charset="0"/>
-              </a:rPr>
-              <a:t>	</a:t>
-            </a:r>
-            <a:r>
-              <a:rPr lang="de-DE" sz="2400" dirty="0" err="1">
-                <a:latin typeface="Courier New" panose="02070309020205020404" pitchFamily="49" charset="0"/>
-                <a:cs typeface="Courier New" panose="02070309020205020404" pitchFamily="49" charset="0"/>
-              </a:rPr>
-              <a:t>sudo</a:t>
-            </a:r>
-            <a:r>
-              <a:rPr lang="de-DE" sz="2400" dirty="0">
-                <a:latin typeface="Courier New" panose="02070309020205020404" pitchFamily="49" charset="0"/>
-                <a:cs typeface="Courier New" panose="02070309020205020404" pitchFamily="49" charset="0"/>
-              </a:rPr>
-              <a:t> </a:t>
-            </a:r>
-            <a:r>
-              <a:rPr lang="de-DE" sz="2400" dirty="0" err="1">
-                <a:latin typeface="Courier New" panose="02070309020205020404" pitchFamily="49" charset="0"/>
-                <a:cs typeface="Courier New" panose="02070309020205020404" pitchFamily="49" charset="0"/>
-              </a:rPr>
-              <a:t>apt-get</a:t>
-            </a:r>
-            <a:r>
-              <a:rPr lang="de-DE" sz="2400" dirty="0">
-                <a:latin typeface="Courier New" panose="02070309020205020404" pitchFamily="49" charset="0"/>
-                <a:cs typeface="Courier New" panose="02070309020205020404" pitchFamily="49" charset="0"/>
-              </a:rPr>
-              <a:t> update</a:t>
-            </a:r>
-          </a:p>
-          <a:p>
-            <a:pPr marL="0" indent="0">
-              <a:buNone/>
-            </a:pPr>
-            <a:r>
-              <a:rPr lang="de-DE" sz="2400" dirty="0"/>
-              <a:t>	</a:t>
-            </a:r>
-            <a:r>
-              <a:rPr lang="de-DE" sz="2400" dirty="0" err="1">
-                <a:latin typeface="Courier New" panose="02070309020205020404" pitchFamily="49" charset="0"/>
-                <a:cs typeface="Courier New" panose="02070309020205020404" pitchFamily="49" charset="0"/>
-              </a:rPr>
-              <a:t>sudo</a:t>
-            </a:r>
-            <a:r>
-              <a:rPr lang="de-DE" sz="2400" dirty="0">
-                <a:latin typeface="Courier New" panose="02070309020205020404" pitchFamily="49" charset="0"/>
-                <a:cs typeface="Courier New" panose="02070309020205020404" pitchFamily="49" charset="0"/>
-              </a:rPr>
-              <a:t> </a:t>
-            </a:r>
-            <a:r>
-              <a:rPr lang="de-DE" sz="2400" dirty="0" err="1">
-                <a:latin typeface="Courier New" panose="02070309020205020404" pitchFamily="49" charset="0"/>
-                <a:cs typeface="Courier New" panose="02070309020205020404" pitchFamily="49" charset="0"/>
-              </a:rPr>
-              <a:t>apt</a:t>
-            </a:r>
-            <a:r>
-              <a:rPr lang="de-DE" sz="2400" dirty="0">
-                <a:latin typeface="Courier New" panose="02070309020205020404" pitchFamily="49" charset="0"/>
-                <a:cs typeface="Courier New" panose="02070309020205020404" pitchFamily="49" charset="0"/>
-              </a:rPr>
-              <a:t> </a:t>
-            </a:r>
-            <a:r>
-              <a:rPr lang="de-DE" sz="2400" dirty="0" err="1">
-                <a:latin typeface="Courier New" panose="02070309020205020404" pitchFamily="49" charset="0"/>
-                <a:cs typeface="Courier New" panose="02070309020205020404" pitchFamily="49" charset="0"/>
-              </a:rPr>
-              <a:t>install</a:t>
-            </a:r>
-            <a:r>
-              <a:rPr lang="de-DE" sz="2400" dirty="0">
-                <a:latin typeface="Courier New" panose="02070309020205020404" pitchFamily="49" charset="0"/>
-                <a:cs typeface="Courier New" panose="02070309020205020404" pitchFamily="49" charset="0"/>
-              </a:rPr>
-              <a:t> </a:t>
-            </a:r>
-            <a:r>
-              <a:rPr lang="de-DE" sz="2400" dirty="0" err="1">
-                <a:latin typeface="Courier New" panose="02070309020205020404" pitchFamily="49" charset="0"/>
-                <a:cs typeface="Courier New" panose="02070309020205020404" pitchFamily="49" charset="0"/>
-              </a:rPr>
-              <a:t>maven</a:t>
-            </a:r>
-            <a:r>
-              <a:rPr lang="de-DE" sz="2400" dirty="0">
-                <a:latin typeface="Courier New" panose="02070309020205020404" pitchFamily="49" charset="0"/>
-                <a:cs typeface="Courier New" panose="02070309020205020404" pitchFamily="49" charset="0"/>
-              </a:rPr>
-              <a:t> openjdk-17-jdk</a:t>
-            </a:r>
-          </a:p>
-          <a:p>
-            <a:pPr marL="0" indent="0">
-              <a:buNone/>
-            </a:pPr>
-            <a:r>
-              <a:rPr lang="de-DE" sz="2400" dirty="0">
-                <a:latin typeface="Courier New" panose="02070309020205020404" pitchFamily="49" charset="0"/>
-                <a:cs typeface="Courier New" panose="02070309020205020404" pitchFamily="49" charset="0"/>
-              </a:rPr>
-              <a:t>	</a:t>
-            </a:r>
-            <a:r>
-              <a:rPr lang="de-DE" sz="2400" dirty="0" err="1">
-                <a:latin typeface="Courier New" panose="02070309020205020404" pitchFamily="49" charset="0"/>
-                <a:cs typeface="Courier New" panose="02070309020205020404" pitchFamily="49" charset="0"/>
-              </a:rPr>
-              <a:t>sudo</a:t>
-            </a:r>
-            <a:r>
-              <a:rPr lang="de-DE" sz="2400" dirty="0">
-                <a:latin typeface="Courier New" panose="02070309020205020404" pitchFamily="49" charset="0"/>
-                <a:cs typeface="Courier New" panose="02070309020205020404" pitchFamily="49" charset="0"/>
-              </a:rPr>
-              <a:t> </a:t>
-            </a:r>
-            <a:r>
-              <a:rPr lang="de-DE" sz="2400" dirty="0" err="1">
-                <a:latin typeface="Courier New" panose="02070309020205020404" pitchFamily="49" charset="0"/>
-                <a:cs typeface="Courier New" panose="02070309020205020404" pitchFamily="49" charset="0"/>
-              </a:rPr>
-              <a:t>snap</a:t>
-            </a:r>
-            <a:r>
-              <a:rPr lang="de-DE" sz="2400" dirty="0">
-                <a:latin typeface="Courier New" panose="02070309020205020404" pitchFamily="49" charset="0"/>
-                <a:cs typeface="Courier New" panose="02070309020205020404" pitchFamily="49" charset="0"/>
-              </a:rPr>
-              <a:t> </a:t>
-            </a:r>
-            <a:r>
-              <a:rPr lang="de-DE" sz="2400" dirty="0" err="1">
-                <a:latin typeface="Courier New" panose="02070309020205020404" pitchFamily="49" charset="0"/>
-                <a:cs typeface="Courier New" panose="02070309020205020404" pitchFamily="49" charset="0"/>
-              </a:rPr>
-              <a:t>install</a:t>
-            </a:r>
-            <a:r>
-              <a:rPr lang="de-DE" sz="2400" dirty="0">
-                <a:latin typeface="Courier New" panose="02070309020205020404" pitchFamily="49" charset="0"/>
-                <a:cs typeface="Courier New" panose="02070309020205020404" pitchFamily="49" charset="0"/>
-              </a:rPr>
-              <a:t> </a:t>
-            </a:r>
-            <a:r>
-              <a:rPr lang="de-DE" sz="2400" dirty="0" err="1">
-                <a:latin typeface="Courier New" panose="02070309020205020404" pitchFamily="49" charset="0"/>
-                <a:cs typeface="Courier New" panose="02070309020205020404" pitchFamily="49" charset="0"/>
-              </a:rPr>
-              <a:t>docker</a:t>
-            </a:r>
-            <a:endParaRPr lang="de-DE" sz="2400" dirty="0">
-              <a:latin typeface="Courier New" panose="02070309020205020404" pitchFamily="49" charset="0"/>
-              <a:cs typeface="Courier New" panose="02070309020205020404" pitchFamily="49" charset="0"/>
-            </a:endParaRPr>
-          </a:p>
-          <a:p>
-            <a:pPr marL="0" indent="0">
-              <a:buNone/>
-            </a:pPr>
-            <a:r>
-              <a:rPr lang="de-DE" sz="2400" dirty="0">
-                <a:latin typeface="Courier New" panose="02070309020205020404" pitchFamily="49" charset="0"/>
-                <a:cs typeface="Courier New" panose="02070309020205020404" pitchFamily="49" charset="0"/>
-              </a:rPr>
-              <a:t>	</a:t>
-            </a:r>
-            <a:r>
-              <a:rPr lang="de-DE" sz="2400" dirty="0" err="1">
-                <a:latin typeface="Courier New" panose="02070309020205020404" pitchFamily="49" charset="0"/>
-                <a:cs typeface="Courier New" panose="02070309020205020404" pitchFamily="49" charset="0"/>
-              </a:rPr>
-              <a:t>sudo</a:t>
-            </a:r>
-            <a:r>
-              <a:rPr lang="de-DE" sz="2400" dirty="0">
-                <a:latin typeface="Courier New" panose="02070309020205020404" pitchFamily="49" charset="0"/>
-                <a:cs typeface="Courier New" panose="02070309020205020404" pitchFamily="49" charset="0"/>
-              </a:rPr>
-              <a:t> </a:t>
-            </a:r>
-            <a:r>
-              <a:rPr lang="de-DE" sz="2400" dirty="0" err="1">
-                <a:latin typeface="Courier New" panose="02070309020205020404" pitchFamily="49" charset="0"/>
-                <a:cs typeface="Courier New" panose="02070309020205020404" pitchFamily="49" charset="0"/>
-              </a:rPr>
-              <a:t>addgroup</a:t>
-            </a:r>
-            <a:r>
-              <a:rPr lang="de-DE" sz="2400" dirty="0">
-                <a:latin typeface="Courier New" panose="02070309020205020404" pitchFamily="49" charset="0"/>
-                <a:cs typeface="Courier New" panose="02070309020205020404" pitchFamily="49" charset="0"/>
-              </a:rPr>
-              <a:t> --system </a:t>
-            </a:r>
-            <a:r>
-              <a:rPr lang="de-DE" sz="2400" dirty="0" err="1">
-                <a:latin typeface="Courier New" panose="02070309020205020404" pitchFamily="49" charset="0"/>
-                <a:cs typeface="Courier New" panose="02070309020205020404" pitchFamily="49" charset="0"/>
-              </a:rPr>
-              <a:t>docker</a:t>
-            </a:r>
-            <a:endParaRPr lang="de-DE" sz="2400" dirty="0">
-              <a:latin typeface="Courier New" panose="02070309020205020404" pitchFamily="49" charset="0"/>
-              <a:cs typeface="Courier New" panose="02070309020205020404" pitchFamily="49" charset="0"/>
-            </a:endParaRPr>
-          </a:p>
-          <a:p>
-            <a:pPr marL="0" indent="0">
-              <a:buNone/>
-            </a:pPr>
-            <a:r>
-              <a:rPr lang="de-DE" sz="2400" dirty="0">
-                <a:latin typeface="Courier New" panose="02070309020205020404" pitchFamily="49" charset="0"/>
-                <a:cs typeface="Courier New" panose="02070309020205020404" pitchFamily="49" charset="0"/>
-              </a:rPr>
-              <a:t>	</a:t>
-            </a:r>
-            <a:r>
-              <a:rPr lang="de-DE" sz="2400" dirty="0" err="1">
-                <a:latin typeface="Courier New" panose="02070309020205020404" pitchFamily="49" charset="0"/>
-                <a:cs typeface="Courier New" panose="02070309020205020404" pitchFamily="49" charset="0"/>
-              </a:rPr>
-              <a:t>sudo</a:t>
-            </a:r>
-            <a:r>
-              <a:rPr lang="de-DE" sz="2400" dirty="0">
-                <a:latin typeface="Courier New" panose="02070309020205020404" pitchFamily="49" charset="0"/>
-                <a:cs typeface="Courier New" panose="02070309020205020404" pitchFamily="49" charset="0"/>
-              </a:rPr>
-              <a:t> </a:t>
-            </a:r>
-            <a:r>
-              <a:rPr lang="de-DE" sz="2400" dirty="0" err="1">
-                <a:latin typeface="Courier New" panose="02070309020205020404" pitchFamily="49" charset="0"/>
-                <a:cs typeface="Courier New" panose="02070309020205020404" pitchFamily="49" charset="0"/>
-              </a:rPr>
-              <a:t>adduser</a:t>
-            </a:r>
-            <a:r>
-              <a:rPr lang="de-DE" sz="2400" dirty="0">
-                <a:latin typeface="Courier New" panose="02070309020205020404" pitchFamily="49" charset="0"/>
-                <a:cs typeface="Courier New" panose="02070309020205020404" pitchFamily="49" charset="0"/>
-              </a:rPr>
-              <a:t> $USER </a:t>
-            </a:r>
-            <a:r>
-              <a:rPr lang="de-DE" sz="2400" dirty="0" err="1">
-                <a:latin typeface="Courier New" panose="02070309020205020404" pitchFamily="49" charset="0"/>
-                <a:cs typeface="Courier New" panose="02070309020205020404" pitchFamily="49" charset="0"/>
-              </a:rPr>
-              <a:t>docker</a:t>
-            </a:r>
-            <a:endParaRPr lang="de-DE" sz="2400" dirty="0">
-              <a:latin typeface="Courier New" panose="02070309020205020404" pitchFamily="49" charset="0"/>
-              <a:cs typeface="Courier New" panose="02070309020205020404" pitchFamily="49" charset="0"/>
-            </a:endParaRPr>
-          </a:p>
-          <a:p>
-            <a:pPr marL="0" indent="0">
-              <a:buNone/>
-            </a:pPr>
-            <a:r>
-              <a:rPr lang="de-DE" sz="2400" dirty="0">
-                <a:latin typeface="Courier New" panose="02070309020205020404" pitchFamily="49" charset="0"/>
-                <a:cs typeface="Courier New" panose="02070309020205020404" pitchFamily="49" charset="0"/>
-              </a:rPr>
-              <a:t>	</a:t>
-            </a:r>
-            <a:r>
-              <a:rPr lang="de-DE" sz="2400" dirty="0" err="1">
-                <a:latin typeface="Courier New" panose="02070309020205020404" pitchFamily="49" charset="0"/>
-                <a:cs typeface="Courier New" panose="02070309020205020404" pitchFamily="49" charset="0"/>
-              </a:rPr>
-              <a:t>sudo</a:t>
-            </a:r>
-            <a:r>
-              <a:rPr lang="de-DE" sz="2400" dirty="0">
-                <a:latin typeface="Courier New" panose="02070309020205020404" pitchFamily="49" charset="0"/>
-                <a:cs typeface="Courier New" panose="02070309020205020404" pitchFamily="49" charset="0"/>
-              </a:rPr>
-              <a:t> </a:t>
-            </a:r>
-            <a:r>
-              <a:rPr lang="de-DE" sz="2400" dirty="0" err="1">
-                <a:latin typeface="Courier New" panose="02070309020205020404" pitchFamily="49" charset="0"/>
-                <a:cs typeface="Courier New" panose="02070309020205020404" pitchFamily="49" charset="0"/>
-              </a:rPr>
-              <a:t>shutdown</a:t>
-            </a:r>
-            <a:r>
-              <a:rPr lang="de-DE" sz="2400" dirty="0">
-                <a:latin typeface="Courier New" panose="02070309020205020404" pitchFamily="49" charset="0"/>
-                <a:cs typeface="Courier New" panose="02070309020205020404" pitchFamily="49" charset="0"/>
-              </a:rPr>
-              <a:t> -</a:t>
-            </a:r>
-            <a:r>
-              <a:rPr lang="de-DE" sz="2400" dirty="0" err="1">
-                <a:latin typeface="Courier New" panose="02070309020205020404" pitchFamily="49" charset="0"/>
-                <a:cs typeface="Courier New" panose="02070309020205020404" pitchFamily="49" charset="0"/>
-              </a:rPr>
-              <a:t>r</a:t>
-            </a:r>
-            <a:r>
-              <a:rPr lang="de-DE" sz="2400" dirty="0">
-                <a:latin typeface="Courier New" panose="02070309020205020404" pitchFamily="49" charset="0"/>
-                <a:cs typeface="Courier New" panose="02070309020205020404" pitchFamily="49" charset="0"/>
-              </a:rPr>
-              <a:t> </a:t>
-            </a:r>
-            <a:r>
-              <a:rPr lang="de-DE" sz="2400" dirty="0" err="1">
-                <a:latin typeface="Courier New" panose="02070309020205020404" pitchFamily="49" charset="0"/>
-                <a:cs typeface="Courier New" panose="02070309020205020404" pitchFamily="49" charset="0"/>
-              </a:rPr>
-              <a:t>now</a:t>
-            </a:r>
-            <a:endParaRPr lang="de-DE" sz="2400" dirty="0">
-              <a:latin typeface="Courier New" panose="02070309020205020404" pitchFamily="49" charset="0"/>
-              <a:cs typeface="Courier New" panose="02070309020205020404" pitchFamily="49" charset="0"/>
-            </a:endParaRPr>
-          </a:p>
-          <a:p>
-            <a:pPr marL="0" indent="0">
-              <a:buNone/>
-            </a:pPr>
-            <a:r>
-              <a:rPr lang="de-DE" dirty="0"/>
-              <a:t>	</a:t>
-            </a:r>
-          </a:p>
-        </p:txBody>
-      </p:sp>
-    </p:spTree>
-    <p:extLst>
-      <p:ext uri="{BB962C8B-B14F-4D97-AF65-F5344CB8AC3E}">
-        <p14:creationId xmlns:p14="http://schemas.microsoft.com/office/powerpoint/2010/main" val="95530302"/>
-      </p:ext>
-    </p:extLst>
-  </p:cSld>
-  <p:clrMapOvr>
-    <a:masterClrMapping/>
-  </p:clrMapOvr>
-</p:sld>
-</file>
-
-<file path=ppt/slides/slide8.xml><?xml version="1.0" encoding="utf-8"?>
-<p:sld xmlns:a="http://schemas.openxmlformats.org/drawingml/2006/main" xmlns:r="http://schemas.openxmlformats.org/officeDocument/2006/relationships" xmlns:p="http://schemas.openxmlformats.org/presentationml/2006/main">
-  <p:cSld>
-    <p:spTree>
-      <p:nvGrpSpPr>
-        <p:cNvPr id="1" name=""/>
-        <p:cNvGrpSpPr/>
-        <p:nvPr/>
-      </p:nvGrpSpPr>
-      <p:grpSpPr>
-        <a:xfrm>
-          <a:off x="0" y="0"/>
-          <a:ext cx="0" cy="0"/>
-          <a:chOff x="0" y="0"/>
-          <a:chExt cx="0" cy="0"/>
-        </a:xfrm>
-      </p:grpSpPr>
-      <p:sp>
-        <p:nvSpPr>
-          <p:cNvPr id="2" name="Titel 1">
-            <a:extLst>
-              <a:ext uri="{FF2B5EF4-FFF2-40B4-BE49-F238E27FC236}">
-                <a16:creationId xmlns:a16="http://schemas.microsoft.com/office/drawing/2014/main" id="{6771848D-1E70-E48B-5C6D-951BC6041598}"/>
-              </a:ext>
-            </a:extLst>
-          </p:cNvPr>
-          <p:cNvSpPr>
-            <a:spLocks noGrp="1"/>
-          </p:cNvSpPr>
-          <p:nvPr>
-            <p:ph type="title"/>
-          </p:nvPr>
-        </p:nvSpPr>
-        <p:spPr/>
-        <p:txBody>
-          <a:bodyPr/>
-          <a:lstStyle/>
-          <a:p>
-            <a:r>
-              <a:rPr lang="de-DE" dirty="0"/>
-              <a:t>4. Bauen der Anwendung</a:t>
-            </a:r>
-          </a:p>
-        </p:txBody>
-      </p:sp>
-      <p:sp>
-        <p:nvSpPr>
-          <p:cNvPr id="3" name="Inhaltsplatzhalter 2">
-            <a:extLst>
-              <a:ext uri="{FF2B5EF4-FFF2-40B4-BE49-F238E27FC236}">
-                <a16:creationId xmlns:a16="http://schemas.microsoft.com/office/drawing/2014/main" id="{C6B47590-B943-D19C-BC30-9C11A54E6BFE}"/>
-              </a:ext>
-            </a:extLst>
-          </p:cNvPr>
-          <p:cNvSpPr>
-            <a:spLocks noGrp="1"/>
-          </p:cNvSpPr>
-          <p:nvPr>
-            <p:ph idx="1"/>
-          </p:nvPr>
-        </p:nvSpPr>
-        <p:spPr/>
-        <p:txBody>
-          <a:bodyPr>
-            <a:normAutofit/>
-          </a:bodyPr>
-          <a:lstStyle/>
-          <a:p>
-            <a:r>
-              <a:rPr lang="de-DE" dirty="0" err="1"/>
-              <a:t>Git</a:t>
-            </a:r>
-            <a:r>
-              <a:rPr lang="de-DE" dirty="0"/>
-              <a:t> </a:t>
-            </a:r>
-            <a:r>
-              <a:rPr lang="de-DE" dirty="0" err="1"/>
-              <a:t>repository</a:t>
-            </a:r>
-            <a:r>
-              <a:rPr lang="de-DE" dirty="0"/>
-              <a:t> auf </a:t>
-            </a:r>
-            <a:r>
-              <a:rPr lang="de-DE" dirty="0" err="1">
-                <a:latin typeface="Courier New" panose="02070309020205020404" pitchFamily="49" charset="0"/>
-                <a:cs typeface="Courier New" panose="02070309020205020404" pitchFamily="49" charset="0"/>
-              </a:rPr>
-              <a:t>master</a:t>
-            </a:r>
-            <a:r>
-              <a:rPr lang="de-DE" dirty="0"/>
-              <a:t> klonen:</a:t>
+              <a:t>:</a:t>
             </a:r>
           </a:p>
           <a:p>
@@ -8570,6 +7412,727 @@
 </p:sld>
 </file>
 
+<file path=ppt/slides/slide7.xml><?xml version="1.0" encoding="utf-8"?>
+<p:sld xmlns:a="http://schemas.openxmlformats.org/drawingml/2006/main" xmlns:r="http://schemas.openxmlformats.org/officeDocument/2006/relationships" xmlns:p="http://schemas.openxmlformats.org/presentationml/2006/main">
+  <p:cSld>
+    <p:spTree>
+      <p:nvGrpSpPr>
+        <p:cNvPr id="1" name=""/>
+        <p:cNvGrpSpPr/>
+        <p:nvPr/>
+      </p:nvGrpSpPr>
+      <p:grpSpPr>
+        <a:xfrm>
+          <a:off x="0" y="0"/>
+          <a:ext cx="0" cy="0"/>
+          <a:chOff x="0" y="0"/>
+          <a:chExt cx="0" cy="0"/>
+        </a:xfrm>
+      </p:grpSpPr>
+      <p:sp>
+        <p:nvSpPr>
+          <p:cNvPr id="2" name="Titel 1">
+            <a:extLst>
+              <a:ext uri="{FF2B5EF4-FFF2-40B4-BE49-F238E27FC236}">
+                <a16:creationId xmlns:a16="http://schemas.microsoft.com/office/drawing/2014/main" id="{6771848D-1E70-E48B-5C6D-951BC6041598}"/>
+              </a:ext>
+            </a:extLst>
+          </p:cNvPr>
+          <p:cNvSpPr>
+            <a:spLocks noGrp="1"/>
+          </p:cNvSpPr>
+          <p:nvPr>
+            <p:ph type="title"/>
+          </p:nvPr>
+        </p:nvSpPr>
+        <p:spPr/>
+        <p:txBody>
+          <a:bodyPr/>
+          <a:lstStyle/>
+          <a:p>
+            <a:r>
+              <a:rPr lang="de-DE" dirty="0"/>
+              <a:t>4. Datenbank und </a:t>
+            </a:r>
+            <a:r>
+              <a:rPr lang="de-DE" dirty="0" err="1"/>
+              <a:t>Keycloak</a:t>
+            </a:r>
+            <a:r>
+              <a:rPr lang="de-DE" dirty="0"/>
+              <a:t> starten</a:t>
+            </a:r>
+          </a:p>
+        </p:txBody>
+      </p:sp>
+      <p:sp>
+        <p:nvSpPr>
+          <p:cNvPr id="3" name="Inhaltsplatzhalter 2">
+            <a:extLst>
+              <a:ext uri="{FF2B5EF4-FFF2-40B4-BE49-F238E27FC236}">
+                <a16:creationId xmlns:a16="http://schemas.microsoft.com/office/drawing/2014/main" id="{C6B47590-B943-D19C-BC30-9C11A54E6BFE}"/>
+              </a:ext>
+            </a:extLst>
+          </p:cNvPr>
+          <p:cNvSpPr>
+            <a:spLocks noGrp="1"/>
+          </p:cNvSpPr>
+          <p:nvPr>
+            <p:ph idx="1"/>
+          </p:nvPr>
+        </p:nvSpPr>
+        <p:spPr/>
+        <p:txBody>
+          <a:bodyPr>
+            <a:normAutofit/>
+          </a:bodyPr>
+          <a:lstStyle/>
+          <a:p>
+            <a:r>
+              <a:rPr lang="de-DE" dirty="0"/>
+              <a:t>Auf </a:t>
+            </a:r>
+            <a:r>
+              <a:rPr lang="de-DE" dirty="0" err="1">
+                <a:latin typeface="Courier New" panose="02070309020205020404" pitchFamily="49" charset="0"/>
+                <a:cs typeface="Courier New" panose="02070309020205020404" pitchFamily="49" charset="0"/>
+              </a:rPr>
+              <a:t>master</a:t>
+            </a:r>
+            <a:r>
+              <a:rPr lang="de-DE" dirty="0"/>
+              <a:t>:</a:t>
+            </a:r>
+          </a:p>
+          <a:p>
+            <a:pPr marL="0" indent="0">
+              <a:buNone/>
+            </a:pPr>
+            <a:r>
+              <a:rPr lang="de-DE" sz="2400" dirty="0">
+                <a:latin typeface="Courier New" panose="02070309020205020404" pitchFamily="49" charset="0"/>
+                <a:cs typeface="Courier New" panose="02070309020205020404" pitchFamily="49" charset="0"/>
+              </a:rPr>
+              <a:t>	cd ~/</a:t>
+            </a:r>
+            <a:r>
+              <a:rPr lang="de-DE" sz="2400" dirty="0" err="1">
+                <a:latin typeface="Courier New" panose="02070309020205020404" pitchFamily="49" charset="0"/>
+                <a:cs typeface="Courier New" panose="02070309020205020404" pitchFamily="49" charset="0"/>
+              </a:rPr>
+              <a:t>java</a:t>
+            </a:r>
+            <a:r>
+              <a:rPr lang="de-DE" sz="2400" dirty="0">
+                <a:latin typeface="Courier New" panose="02070309020205020404" pitchFamily="49" charset="0"/>
+                <a:cs typeface="Courier New" panose="02070309020205020404" pitchFamily="49" charset="0"/>
+              </a:rPr>
+              <a:t>-starter/sample/</a:t>
+            </a:r>
+            <a:r>
+              <a:rPr lang="de-DE" sz="2400" dirty="0" err="1">
+                <a:latin typeface="Courier New" panose="02070309020205020404" pitchFamily="49" charset="0"/>
+                <a:cs typeface="Courier New" panose="02070309020205020404" pitchFamily="49" charset="0"/>
+              </a:rPr>
+              <a:t>kubernetes</a:t>
+            </a:r>
+            <a:r>
+              <a:rPr lang="de-DE" sz="2400" dirty="0">
+                <a:latin typeface="Courier New" panose="02070309020205020404" pitchFamily="49" charset="0"/>
+                <a:cs typeface="Courier New" panose="02070309020205020404" pitchFamily="49" charset="0"/>
+              </a:rPr>
+              <a:t>/</a:t>
+            </a:r>
+            <a:r>
+              <a:rPr lang="de-DE" sz="2400" dirty="0" err="1">
+                <a:latin typeface="Courier New" panose="02070309020205020404" pitchFamily="49" charset="0"/>
+                <a:cs typeface="Courier New" panose="02070309020205020404" pitchFamily="49" charset="0"/>
+              </a:rPr>
+              <a:t>docker</a:t>
+            </a:r>
+            <a:endParaRPr lang="de-DE" sz="2400" dirty="0">
+              <a:latin typeface="Courier New" panose="02070309020205020404" pitchFamily="49" charset="0"/>
+              <a:cs typeface="Courier New" panose="02070309020205020404" pitchFamily="49" charset="0"/>
+            </a:endParaRPr>
+          </a:p>
+          <a:p>
+            <a:pPr marL="0" indent="0">
+              <a:buNone/>
+            </a:pPr>
+            <a:r>
+              <a:rPr lang="de-DE" sz="2400" dirty="0">
+                <a:latin typeface="Courier New" panose="02070309020205020404" pitchFamily="49" charset="0"/>
+                <a:cs typeface="Courier New" panose="02070309020205020404" pitchFamily="49" charset="0"/>
+              </a:rPr>
+              <a:t>	</a:t>
+            </a:r>
+            <a:r>
+              <a:rPr lang="de-DE" sz="2400" dirty="0" err="1">
+                <a:latin typeface="Courier New" panose="02070309020205020404" pitchFamily="49" charset="0"/>
+                <a:cs typeface="Courier New" panose="02070309020205020404" pitchFamily="49" charset="0"/>
+              </a:rPr>
+              <a:t>scp</a:t>
+            </a:r>
+            <a:r>
+              <a:rPr lang="de-DE" sz="2400" dirty="0">
+                <a:latin typeface="Courier New" panose="02070309020205020404" pitchFamily="49" charset="0"/>
+                <a:cs typeface="Courier New" panose="02070309020205020404" pitchFamily="49" charset="0"/>
+              </a:rPr>
+              <a:t> * </a:t>
+            </a:r>
+            <a:r>
+              <a:rPr lang="de-DE" sz="2400" dirty="0" err="1">
+                <a:latin typeface="Courier New" panose="02070309020205020404" pitchFamily="49" charset="0"/>
+                <a:cs typeface="Courier New" panose="02070309020205020404" pitchFamily="49" charset="0"/>
+              </a:rPr>
+              <a:t>db</a:t>
+            </a:r>
+            <a:r>
+              <a:rPr lang="de-DE" sz="2400" dirty="0">
+                <a:latin typeface="Courier New" panose="02070309020205020404" pitchFamily="49" charset="0"/>
+                <a:cs typeface="Courier New" panose="02070309020205020404" pitchFamily="49" charset="0"/>
+              </a:rPr>
+              <a:t>:.</a:t>
+            </a:r>
+          </a:p>
+          <a:p>
+            <a:pPr marL="0" indent="0">
+              <a:buNone/>
+            </a:pPr>
+            <a:endParaRPr lang="de-DE" sz="2000" dirty="0">
+              <a:latin typeface="Courier New" panose="02070309020205020404" pitchFamily="49" charset="0"/>
+              <a:cs typeface="Courier New" panose="02070309020205020404" pitchFamily="49" charset="0"/>
+            </a:endParaRPr>
+          </a:p>
+          <a:p>
+            <a:r>
+              <a:rPr lang="de-DE" dirty="0"/>
+              <a:t>Auf </a:t>
+            </a:r>
+            <a:r>
+              <a:rPr lang="de-DE" dirty="0" err="1">
+                <a:latin typeface="Courier New" panose="02070309020205020404" pitchFamily="49" charset="0"/>
+                <a:cs typeface="Courier New" panose="02070309020205020404" pitchFamily="49" charset="0"/>
+              </a:rPr>
+              <a:t>db</a:t>
+            </a:r>
+            <a:r>
+              <a:rPr lang="de-DE" dirty="0"/>
+              <a:t>:</a:t>
+            </a:r>
+          </a:p>
+          <a:p>
+            <a:pPr marL="0" indent="0">
+              <a:buNone/>
+            </a:pPr>
+            <a:r>
+              <a:rPr lang="de-DE" sz="2400" dirty="0"/>
+              <a:t>	</a:t>
+            </a:r>
+            <a:r>
+              <a:rPr lang="de-DE" sz="2400" dirty="0">
+                <a:latin typeface="Courier New" panose="02070309020205020404" pitchFamily="49" charset="0"/>
+                <a:cs typeface="Courier New" panose="02070309020205020404" pitchFamily="49" charset="0"/>
+              </a:rPr>
+              <a:t>multipass </a:t>
+            </a:r>
+            <a:r>
+              <a:rPr lang="de-DE" sz="2400" dirty="0" err="1">
+                <a:latin typeface="Courier New" panose="02070309020205020404" pitchFamily="49" charset="0"/>
+                <a:cs typeface="Courier New" panose="02070309020205020404" pitchFamily="49" charset="0"/>
+              </a:rPr>
+              <a:t>shell</a:t>
+            </a:r>
+            <a:r>
+              <a:rPr lang="de-DE" sz="2400" dirty="0">
+                <a:latin typeface="Courier New" panose="02070309020205020404" pitchFamily="49" charset="0"/>
+                <a:cs typeface="Courier New" panose="02070309020205020404" pitchFamily="49" charset="0"/>
+              </a:rPr>
+              <a:t> </a:t>
+            </a:r>
+            <a:r>
+              <a:rPr lang="de-DE" sz="2400" dirty="0" err="1">
+                <a:latin typeface="Courier New" panose="02070309020205020404" pitchFamily="49" charset="0"/>
+                <a:cs typeface="Courier New" panose="02070309020205020404" pitchFamily="49" charset="0"/>
+              </a:rPr>
+              <a:t>db</a:t>
+            </a:r>
+            <a:endParaRPr lang="de-DE" sz="2400" dirty="0">
+              <a:latin typeface="Courier New" panose="02070309020205020404" pitchFamily="49" charset="0"/>
+              <a:cs typeface="Courier New" panose="02070309020205020404" pitchFamily="49" charset="0"/>
+            </a:endParaRPr>
+          </a:p>
+          <a:p>
+            <a:pPr marL="0" indent="0">
+              <a:buNone/>
+            </a:pPr>
+            <a:r>
+              <a:rPr lang="de-DE" sz="2400" dirty="0">
+                <a:latin typeface="Courier New" panose="02070309020205020404" pitchFamily="49" charset="0"/>
+                <a:cs typeface="Courier New" panose="02070309020205020404" pitchFamily="49" charset="0"/>
+              </a:rPr>
+              <a:t>	</a:t>
+            </a:r>
+            <a:r>
+              <a:rPr lang="de-DE" sz="2400" dirty="0" err="1">
+                <a:latin typeface="Courier New" panose="02070309020205020404" pitchFamily="49" charset="0"/>
+                <a:cs typeface="Courier New" panose="02070309020205020404" pitchFamily="49" charset="0"/>
+              </a:rPr>
+              <a:t>docker</a:t>
+            </a:r>
+            <a:r>
+              <a:rPr lang="de-DE" sz="2400" dirty="0">
+                <a:latin typeface="Courier New" panose="02070309020205020404" pitchFamily="49" charset="0"/>
+                <a:cs typeface="Courier New" panose="02070309020205020404" pitchFamily="49" charset="0"/>
+              </a:rPr>
+              <a:t> </a:t>
+            </a:r>
+            <a:r>
+              <a:rPr lang="de-DE" sz="2400" dirty="0" err="1">
+                <a:latin typeface="Courier New" panose="02070309020205020404" pitchFamily="49" charset="0"/>
+                <a:cs typeface="Courier New" panose="02070309020205020404" pitchFamily="49" charset="0"/>
+              </a:rPr>
+              <a:t>compose</a:t>
+            </a:r>
+            <a:r>
+              <a:rPr lang="de-DE" sz="2400" dirty="0">
+                <a:latin typeface="Courier New" panose="02070309020205020404" pitchFamily="49" charset="0"/>
+                <a:cs typeface="Courier New" panose="02070309020205020404" pitchFamily="49" charset="0"/>
+              </a:rPr>
+              <a:t> </a:t>
+            </a:r>
+            <a:r>
+              <a:rPr lang="de-DE" sz="2400" dirty="0" err="1">
+                <a:latin typeface="Courier New" panose="02070309020205020404" pitchFamily="49" charset="0"/>
+                <a:cs typeface="Courier New" panose="02070309020205020404" pitchFamily="49" charset="0"/>
+              </a:rPr>
+              <a:t>up</a:t>
+            </a:r>
+            <a:endParaRPr lang="de-DE" sz="2400" dirty="0">
+              <a:latin typeface="Courier New" panose="02070309020205020404" pitchFamily="49" charset="0"/>
+              <a:cs typeface="Courier New" panose="02070309020205020404" pitchFamily="49" charset="0"/>
+            </a:endParaRPr>
+          </a:p>
+          <a:p>
+            <a:pPr marL="0" indent="0">
+              <a:buNone/>
+            </a:pPr>
+            <a:endParaRPr lang="de-DE" sz="2000" dirty="0">
+              <a:latin typeface="Courier New" panose="02070309020205020404" pitchFamily="49" charset="0"/>
+              <a:cs typeface="Courier New" panose="02070309020205020404" pitchFamily="49" charset="0"/>
+            </a:endParaRPr>
+          </a:p>
+          <a:p>
+            <a:pPr marL="0" indent="0">
+              <a:buNone/>
+            </a:pPr>
+            <a:endParaRPr lang="de-DE" sz="2000" dirty="0">
+              <a:latin typeface="Courier New" panose="02070309020205020404" pitchFamily="49" charset="0"/>
+              <a:cs typeface="Courier New" panose="02070309020205020404" pitchFamily="49" charset="0"/>
+            </a:endParaRPr>
+          </a:p>
+        </p:txBody>
+      </p:sp>
+    </p:spTree>
+    <p:extLst>
+      <p:ext uri="{BB962C8B-B14F-4D97-AF65-F5344CB8AC3E}">
+        <p14:creationId xmlns:p14="http://schemas.microsoft.com/office/powerpoint/2010/main" val="3530062757"/>
+      </p:ext>
+    </p:extLst>
+  </p:cSld>
+  <p:clrMapOvr>
+    <a:masterClrMapping/>
+  </p:clrMapOvr>
+</p:sld>
+</file>
+
+<file path=ppt/slides/slide8.xml><?xml version="1.0" encoding="utf-8"?>
+<p:sld xmlns:a="http://schemas.openxmlformats.org/drawingml/2006/main" xmlns:r="http://schemas.openxmlformats.org/officeDocument/2006/relationships" xmlns:p="http://schemas.openxmlformats.org/presentationml/2006/main">
+  <p:cSld>
+    <p:spTree>
+      <p:nvGrpSpPr>
+        <p:cNvPr id="1" name=""/>
+        <p:cNvGrpSpPr/>
+        <p:nvPr/>
+      </p:nvGrpSpPr>
+      <p:grpSpPr>
+        <a:xfrm>
+          <a:off x="0" y="0"/>
+          <a:ext cx="0" cy="0"/>
+          <a:chOff x="0" y="0"/>
+          <a:chExt cx="0" cy="0"/>
+        </a:xfrm>
+      </p:grpSpPr>
+      <p:sp>
+        <p:nvSpPr>
+          <p:cNvPr id="2" name="Titel 1">
+            <a:extLst>
+              <a:ext uri="{FF2B5EF4-FFF2-40B4-BE49-F238E27FC236}">
+                <a16:creationId xmlns:a16="http://schemas.microsoft.com/office/drawing/2014/main" id="{6771848D-1E70-E48B-5C6D-951BC6041598}"/>
+              </a:ext>
+            </a:extLst>
+          </p:cNvPr>
+          <p:cNvSpPr>
+            <a:spLocks noGrp="1"/>
+          </p:cNvSpPr>
+          <p:nvPr>
+            <p:ph type="title"/>
+          </p:nvPr>
+        </p:nvSpPr>
+        <p:spPr/>
+        <p:txBody>
+          <a:bodyPr/>
+          <a:lstStyle/>
+          <a:p>
+            <a:r>
+              <a:rPr lang="de-DE" dirty="0"/>
+              <a:t>5. Bauen der Anwendung</a:t>
+            </a:r>
+          </a:p>
+        </p:txBody>
+      </p:sp>
+      <p:sp>
+        <p:nvSpPr>
+          <p:cNvPr id="3" name="Inhaltsplatzhalter 2">
+            <a:extLst>
+              <a:ext uri="{FF2B5EF4-FFF2-40B4-BE49-F238E27FC236}">
+                <a16:creationId xmlns:a16="http://schemas.microsoft.com/office/drawing/2014/main" id="{C6B47590-B943-D19C-BC30-9C11A54E6BFE}"/>
+              </a:ext>
+            </a:extLst>
+          </p:cNvPr>
+          <p:cNvSpPr>
+            <a:spLocks noGrp="1"/>
+          </p:cNvSpPr>
+          <p:nvPr>
+            <p:ph idx="1"/>
+          </p:nvPr>
+        </p:nvSpPr>
+        <p:spPr/>
+        <p:txBody>
+          <a:bodyPr>
+            <a:normAutofit/>
+          </a:bodyPr>
+          <a:lstStyle/>
+          <a:p>
+            <a:r>
+              <a:rPr lang="de-DE" dirty="0"/>
+              <a:t>Auf </a:t>
+            </a:r>
+            <a:r>
+              <a:rPr lang="de-DE" dirty="0" err="1">
+                <a:latin typeface="Courier New" panose="02070309020205020404" pitchFamily="49" charset="0"/>
+                <a:cs typeface="Courier New" panose="02070309020205020404" pitchFamily="49" charset="0"/>
+              </a:rPr>
+              <a:t>master</a:t>
+            </a:r>
+            <a:r>
+              <a:rPr lang="de-DE" dirty="0"/>
+              <a:t>: Microservice </a:t>
+            </a:r>
+            <a:r>
+              <a:rPr lang="de-DE" dirty="0" err="1">
+                <a:latin typeface="Courier New" panose="02070309020205020404" pitchFamily="49" charset="0"/>
+                <a:cs typeface="Courier New" panose="02070309020205020404" pitchFamily="49" charset="0"/>
+              </a:rPr>
+              <a:t>person</a:t>
+            </a:r>
+            <a:r>
+              <a:rPr lang="de-DE" dirty="0"/>
+              <a:t>:</a:t>
+            </a:r>
+          </a:p>
+          <a:p>
+            <a:pPr marL="0" indent="0">
+              <a:buNone/>
+            </a:pPr>
+            <a:r>
+              <a:rPr lang="de-DE" sz="2400" dirty="0"/>
+              <a:t>	</a:t>
+            </a:r>
+            <a:r>
+              <a:rPr lang="de-DE" sz="2400" dirty="0">
+                <a:latin typeface="Courier New" panose="02070309020205020404" pitchFamily="49" charset="0"/>
+                <a:cs typeface="Courier New" panose="02070309020205020404" pitchFamily="49" charset="0"/>
+              </a:rPr>
+              <a:t>cd ~/</a:t>
+            </a:r>
+            <a:r>
+              <a:rPr lang="de-DE" sz="2400" dirty="0" err="1">
+                <a:latin typeface="Courier New" panose="02070309020205020404" pitchFamily="49" charset="0"/>
+                <a:cs typeface="Courier New" panose="02070309020205020404" pitchFamily="49" charset="0"/>
+              </a:rPr>
+              <a:t>java</a:t>
+            </a:r>
+            <a:r>
+              <a:rPr lang="de-DE" sz="2400" dirty="0">
+                <a:latin typeface="Courier New" panose="02070309020205020404" pitchFamily="49" charset="0"/>
+                <a:cs typeface="Courier New" panose="02070309020205020404" pitchFamily="49" charset="0"/>
+              </a:rPr>
+              <a:t>-starter/sample/</a:t>
+            </a:r>
+            <a:r>
+              <a:rPr lang="de-DE" sz="2400" dirty="0" err="1">
+                <a:latin typeface="Courier New" panose="02070309020205020404" pitchFamily="49" charset="0"/>
+                <a:cs typeface="Courier New" panose="02070309020205020404" pitchFamily="49" charset="0"/>
+              </a:rPr>
+              <a:t>person</a:t>
+            </a:r>
+            <a:endParaRPr lang="de-DE" sz="2400" dirty="0">
+              <a:latin typeface="Courier New" panose="02070309020205020404" pitchFamily="49" charset="0"/>
+              <a:cs typeface="Courier New" panose="02070309020205020404" pitchFamily="49" charset="0"/>
+            </a:endParaRPr>
+          </a:p>
+          <a:p>
+            <a:pPr marL="0" indent="0">
+              <a:buNone/>
+            </a:pPr>
+            <a:r>
+              <a:rPr lang="de-DE" sz="2400" dirty="0">
+                <a:latin typeface="Courier New" panose="02070309020205020404" pitchFamily="49" charset="0"/>
+                <a:cs typeface="Courier New" panose="02070309020205020404" pitchFamily="49" charset="0"/>
+              </a:rPr>
+              <a:t>	</a:t>
+            </a:r>
+            <a:r>
+              <a:rPr lang="de-DE" sz="2400" dirty="0" err="1">
+                <a:latin typeface="Courier New" panose="02070309020205020404" pitchFamily="49" charset="0"/>
+                <a:cs typeface="Courier New" panose="02070309020205020404" pitchFamily="49" charset="0"/>
+              </a:rPr>
+              <a:t>mvn</a:t>
+            </a:r>
+            <a:r>
+              <a:rPr lang="de-DE" sz="2400" dirty="0">
+                <a:latin typeface="Courier New" panose="02070309020205020404" pitchFamily="49" charset="0"/>
+                <a:cs typeface="Courier New" panose="02070309020205020404" pitchFamily="49" charset="0"/>
+              </a:rPr>
+              <a:t> clean </a:t>
+            </a:r>
+            <a:r>
+              <a:rPr lang="de-DE" sz="2400" dirty="0" err="1">
+                <a:latin typeface="Courier New" panose="02070309020205020404" pitchFamily="49" charset="0"/>
+                <a:cs typeface="Courier New" panose="02070309020205020404" pitchFamily="49" charset="0"/>
+              </a:rPr>
+              <a:t>install</a:t>
+            </a:r>
+            <a:endParaRPr lang="de-DE" sz="2400" dirty="0">
+              <a:latin typeface="Courier New" panose="02070309020205020404" pitchFamily="49" charset="0"/>
+              <a:cs typeface="Courier New" panose="02070309020205020404" pitchFamily="49" charset="0"/>
+            </a:endParaRPr>
+          </a:p>
+          <a:p>
+            <a:r>
+              <a:rPr lang="de-DE" sz="2400" dirty="0"/>
+              <a:t>Container Image übertragen:</a:t>
+            </a:r>
+          </a:p>
+          <a:p>
+            <a:pPr marL="0" indent="0">
+              <a:buNone/>
+            </a:pPr>
+            <a:r>
+              <a:rPr lang="de-DE" sz="2400" dirty="0"/>
+              <a:t>	</a:t>
+            </a:r>
+            <a:r>
+              <a:rPr lang="de-DE" sz="2400" dirty="0" err="1">
+                <a:latin typeface="Courier New" panose="02070309020205020404" pitchFamily="49" charset="0"/>
+                <a:cs typeface="Courier New" panose="02070309020205020404" pitchFamily="49" charset="0"/>
+              </a:rPr>
+              <a:t>docker</a:t>
+            </a:r>
+            <a:r>
+              <a:rPr lang="de-DE" sz="2400" dirty="0">
+                <a:latin typeface="Courier New" panose="02070309020205020404" pitchFamily="49" charset="0"/>
+                <a:cs typeface="Courier New" panose="02070309020205020404" pitchFamily="49" charset="0"/>
+              </a:rPr>
+              <a:t> save </a:t>
+            </a:r>
+            <a:r>
+              <a:rPr lang="de-DE" sz="2400" dirty="0" err="1">
+                <a:latin typeface="Courier New" panose="02070309020205020404" pitchFamily="49" charset="0"/>
+                <a:cs typeface="Courier New" panose="02070309020205020404" pitchFamily="49" charset="0"/>
+              </a:rPr>
+              <a:t>person</a:t>
+            </a:r>
+            <a:r>
+              <a:rPr lang="de-DE" sz="2400" dirty="0">
+                <a:latin typeface="Courier New" panose="02070309020205020404" pitchFamily="49" charset="0"/>
+                <a:cs typeface="Courier New" panose="02070309020205020404" pitchFamily="49" charset="0"/>
+              </a:rPr>
+              <a:t> &gt; </a:t>
+            </a:r>
+            <a:r>
+              <a:rPr lang="de-DE" sz="2400" dirty="0" err="1">
+                <a:latin typeface="Courier New" panose="02070309020205020404" pitchFamily="49" charset="0"/>
+                <a:cs typeface="Courier New" panose="02070309020205020404" pitchFamily="49" charset="0"/>
+              </a:rPr>
+              <a:t>person.tar</a:t>
+            </a:r>
+            <a:endParaRPr lang="de-DE" sz="2400" dirty="0">
+              <a:latin typeface="Courier New" panose="02070309020205020404" pitchFamily="49" charset="0"/>
+              <a:cs typeface="Courier New" panose="02070309020205020404" pitchFamily="49" charset="0"/>
+            </a:endParaRPr>
+          </a:p>
+          <a:p>
+            <a:pPr marL="0" indent="0">
+              <a:buNone/>
+            </a:pPr>
+            <a:r>
+              <a:rPr lang="de-DE" sz="2400" dirty="0">
+                <a:latin typeface="Courier New" panose="02070309020205020404" pitchFamily="49" charset="0"/>
+                <a:cs typeface="Courier New" panose="02070309020205020404" pitchFamily="49" charset="0"/>
+              </a:rPr>
+              <a:t>	microk8s </a:t>
+            </a:r>
+            <a:r>
+              <a:rPr lang="de-DE" sz="2400" dirty="0" err="1">
+                <a:latin typeface="Courier New" panose="02070309020205020404" pitchFamily="49" charset="0"/>
+                <a:cs typeface="Courier New" panose="02070309020205020404" pitchFamily="49" charset="0"/>
+              </a:rPr>
+              <a:t>ctr</a:t>
+            </a:r>
+            <a:r>
+              <a:rPr lang="de-DE" sz="2400" dirty="0">
+                <a:latin typeface="Courier New" panose="02070309020205020404" pitchFamily="49" charset="0"/>
+                <a:cs typeface="Courier New" panose="02070309020205020404" pitchFamily="49" charset="0"/>
+              </a:rPr>
+              <a:t> </a:t>
+            </a:r>
+            <a:r>
+              <a:rPr lang="de-DE" sz="2400" dirty="0" err="1">
+                <a:latin typeface="Courier New" panose="02070309020205020404" pitchFamily="49" charset="0"/>
+                <a:cs typeface="Courier New" panose="02070309020205020404" pitchFamily="49" charset="0"/>
+              </a:rPr>
+              <a:t>image</a:t>
+            </a:r>
+            <a:r>
+              <a:rPr lang="de-DE" sz="2400" dirty="0">
+                <a:latin typeface="Courier New" panose="02070309020205020404" pitchFamily="49" charset="0"/>
+                <a:cs typeface="Courier New" panose="02070309020205020404" pitchFamily="49" charset="0"/>
+              </a:rPr>
+              <a:t> </a:t>
+            </a:r>
+            <a:r>
+              <a:rPr lang="de-DE" sz="2400" dirty="0" err="1">
+                <a:latin typeface="Courier New" panose="02070309020205020404" pitchFamily="49" charset="0"/>
+                <a:cs typeface="Courier New" panose="02070309020205020404" pitchFamily="49" charset="0"/>
+              </a:rPr>
+              <a:t>import</a:t>
+            </a:r>
+            <a:r>
+              <a:rPr lang="de-DE" sz="2400" dirty="0">
+                <a:latin typeface="Courier New" panose="02070309020205020404" pitchFamily="49" charset="0"/>
+                <a:cs typeface="Courier New" panose="02070309020205020404" pitchFamily="49" charset="0"/>
+              </a:rPr>
+              <a:t> </a:t>
+            </a:r>
+            <a:r>
+              <a:rPr lang="de-DE" sz="2400" dirty="0" err="1">
+                <a:latin typeface="Courier New" panose="02070309020205020404" pitchFamily="49" charset="0"/>
+                <a:cs typeface="Courier New" panose="02070309020205020404" pitchFamily="49" charset="0"/>
+              </a:rPr>
+              <a:t>person.tar</a:t>
+            </a:r>
+            <a:endParaRPr lang="de-DE" sz="2400" dirty="0">
+              <a:latin typeface="Courier New" panose="02070309020205020404" pitchFamily="49" charset="0"/>
+              <a:cs typeface="Courier New" panose="02070309020205020404" pitchFamily="49" charset="0"/>
+            </a:endParaRPr>
+          </a:p>
+          <a:p>
+            <a:pPr marL="0" indent="0">
+              <a:buNone/>
+            </a:pPr>
+            <a:r>
+              <a:rPr lang="de-DE" sz="2400" dirty="0">
+                <a:latin typeface="Courier New" panose="02070309020205020404" pitchFamily="49" charset="0"/>
+                <a:cs typeface="Courier New" panose="02070309020205020404" pitchFamily="49" charset="0"/>
+              </a:rPr>
+              <a:t>	</a:t>
+            </a:r>
+            <a:r>
+              <a:rPr lang="de-DE" sz="2400" dirty="0" err="1">
+                <a:latin typeface="Courier New" panose="02070309020205020404" pitchFamily="49" charset="0"/>
+                <a:cs typeface="Courier New" panose="02070309020205020404" pitchFamily="49" charset="0"/>
+              </a:rPr>
+              <a:t>scp</a:t>
+            </a:r>
+            <a:r>
+              <a:rPr lang="de-DE" sz="2400" dirty="0">
+                <a:latin typeface="Courier New" panose="02070309020205020404" pitchFamily="49" charset="0"/>
+                <a:cs typeface="Courier New" panose="02070309020205020404" pitchFamily="49" charset="0"/>
+              </a:rPr>
+              <a:t> </a:t>
+            </a:r>
+            <a:r>
+              <a:rPr lang="de-DE" sz="2400" dirty="0" err="1">
+                <a:latin typeface="Courier New" panose="02070309020205020404" pitchFamily="49" charset="0"/>
+                <a:cs typeface="Courier New" panose="02070309020205020404" pitchFamily="49" charset="0"/>
+              </a:rPr>
+              <a:t>person.tar</a:t>
+            </a:r>
+            <a:r>
+              <a:rPr lang="de-DE" sz="2400" dirty="0">
+                <a:latin typeface="Courier New" panose="02070309020205020404" pitchFamily="49" charset="0"/>
+                <a:cs typeface="Courier New" panose="02070309020205020404" pitchFamily="49" charset="0"/>
+              </a:rPr>
+              <a:t> worker1:.</a:t>
+            </a:r>
+          </a:p>
+          <a:p>
+            <a:pPr marL="0" indent="0">
+              <a:buNone/>
+            </a:pPr>
+            <a:r>
+              <a:rPr lang="de-DE" sz="2400" dirty="0">
+                <a:latin typeface="Courier New" panose="02070309020205020404" pitchFamily="49" charset="0"/>
+                <a:cs typeface="Courier New" panose="02070309020205020404" pitchFamily="49" charset="0"/>
+              </a:rPr>
+              <a:t>	</a:t>
+            </a:r>
+            <a:r>
+              <a:rPr lang="de-DE" sz="2400" dirty="0" err="1">
+                <a:latin typeface="Courier New" panose="02070309020205020404" pitchFamily="49" charset="0"/>
+                <a:cs typeface="Courier New" panose="02070309020205020404" pitchFamily="49" charset="0"/>
+              </a:rPr>
+              <a:t>scp</a:t>
+            </a:r>
+            <a:r>
+              <a:rPr lang="de-DE" sz="2400" dirty="0">
+                <a:latin typeface="Courier New" panose="02070309020205020404" pitchFamily="49" charset="0"/>
+                <a:cs typeface="Courier New" panose="02070309020205020404" pitchFamily="49" charset="0"/>
+              </a:rPr>
+              <a:t> </a:t>
+            </a:r>
+            <a:r>
+              <a:rPr lang="de-DE" sz="2400" dirty="0" err="1">
+                <a:latin typeface="Courier New" panose="02070309020205020404" pitchFamily="49" charset="0"/>
+                <a:cs typeface="Courier New" panose="02070309020205020404" pitchFamily="49" charset="0"/>
+              </a:rPr>
+              <a:t>person.tar</a:t>
+            </a:r>
+            <a:r>
+              <a:rPr lang="de-DE" sz="2400" dirty="0">
+                <a:latin typeface="Courier New" panose="02070309020205020404" pitchFamily="49" charset="0"/>
+                <a:cs typeface="Courier New" panose="02070309020205020404" pitchFamily="49" charset="0"/>
+              </a:rPr>
+              <a:t> worker2:.</a:t>
+            </a:r>
+          </a:p>
+        </p:txBody>
+      </p:sp>
+    </p:spTree>
+    <p:extLst>
+      <p:ext uri="{BB962C8B-B14F-4D97-AF65-F5344CB8AC3E}">
+        <p14:creationId xmlns:p14="http://schemas.microsoft.com/office/powerpoint/2010/main" val="3140198035"/>
+      </p:ext>
+    </p:extLst>
+  </p:cSld>
+  <p:clrMapOvr>
+    <a:masterClrMapping/>
+  </p:clrMapOvr>
+</p:sld>
+</file>
+
 <file path=ppt/slides/slide9.xml><?xml version="1.0" encoding="utf-8"?>
 <p:sld xmlns:a="http://schemas.openxmlformats.org/drawingml/2006/main" xmlns:r="http://schemas.openxmlformats.org/officeDocument/2006/relationships" xmlns:p="http://schemas.openxmlformats.org/presentationml/2006/main">
   <p:cSld>
@@ -8610,7 +8173,7 @@
           <a:p>
             <a:r>
               <a:rPr lang="de-DE" dirty="0"/>
-              <a:t>4. Bauen der Anwendung</a:t>
+              <a:t>5. Bauen der Anwendung</a:t>
             </a:r>
           </a:p>
         </p:txBody>
@@ -8640,18 +8203,18 @@
           <a:p>
             <a:r>
               <a:rPr lang="de-DE" dirty="0"/>
-              <a:t>Anwendung bauen (</a:t>
+              <a:t>Microservice </a:t>
             </a:r>
             <a:r>
               <a:rPr lang="de-DE" dirty="0" err="1">
                 <a:latin typeface="Courier New" panose="02070309020205020404" pitchFamily="49" charset="0"/>
                 <a:cs typeface="Courier New" panose="02070309020205020404" pitchFamily="49" charset="0"/>
               </a:rPr>
-              <a:t>person</a:t>
+              <a:t>auftrag</a:t>
             </a:r>
             <a:r>
               <a:rPr lang="de-DE" dirty="0"/>
-              <a:t>):</a:t>
+              <a:t>:</a:t>
             </a:r>
           </a:p>
           <a:p>
@@ -8688,7 +8251,7 @@
                 <a:latin typeface="Courier New" panose="02070309020205020404" pitchFamily="49" charset="0"/>
                 <a:cs typeface="Courier New" panose="02070309020205020404" pitchFamily="49" charset="0"/>
               </a:rPr>
-              <a:t>person</a:t>
+              <a:t>auftrag</a:t>
             </a:r>
             <a:endParaRPr lang="de-DE" sz="2400" dirty="0">
               <a:latin typeface="Courier New" panose="02070309020205020404" pitchFamily="49" charset="0"/>
@@ -8765,7 +8328,7 @@
                 <a:latin typeface="Courier New" panose="02070309020205020404" pitchFamily="49" charset="0"/>
                 <a:cs typeface="Courier New" panose="02070309020205020404" pitchFamily="49" charset="0"/>
               </a:rPr>
-              <a:t>person</a:t>
+              <a:t>auftrag</a:t>
             </a:r>
             <a:r>
               <a:rPr lang="de-DE" sz="2400" dirty="0">
@@ -8779,7 +8342,7 @@
                 <a:latin typeface="Courier New" panose="02070309020205020404" pitchFamily="49" charset="0"/>
                 <a:cs typeface="Courier New" panose="02070309020205020404" pitchFamily="49" charset="0"/>
               </a:rPr>
-              <a:t>person.tar</a:t>
+              <a:t>auftrag.tar</a:t>
             </a:r>
             <a:endParaRPr lang="de-DE" sz="2400" dirty="0">
               <a:latin typeface="Courier New" panose="02070309020205020404" pitchFamily="49" charset="0"/>
@@ -8844,7 +8407,7 @@
                 <a:latin typeface="Courier New" panose="02070309020205020404" pitchFamily="49" charset="0"/>
                 <a:cs typeface="Courier New" panose="02070309020205020404" pitchFamily="49" charset="0"/>
               </a:rPr>
-              <a:t>person.tar</a:t>
+              <a:t>auftrag.tar</a:t>
             </a:r>
             <a:endParaRPr lang="de-DE" sz="2400" dirty="0">
               <a:latin typeface="Courier New" panose="02070309020205020404" pitchFamily="49" charset="0"/>
@@ -8881,7 +8444,7 @@
                 <a:latin typeface="Courier New" panose="02070309020205020404" pitchFamily="49" charset="0"/>
                 <a:cs typeface="Courier New" panose="02070309020205020404" pitchFamily="49" charset="0"/>
               </a:rPr>
-              <a:t>person.tar</a:t>
+              <a:t>auftrag.tar</a:t>
             </a:r>
             <a:r>
               <a:rPr lang="de-DE" sz="2400" dirty="0">
@@ -8921,7 +8484,7 @@
                 <a:latin typeface="Courier New" panose="02070309020205020404" pitchFamily="49" charset="0"/>
                 <a:cs typeface="Courier New" panose="02070309020205020404" pitchFamily="49" charset="0"/>
               </a:rPr>
-              <a:t>person.tar</a:t>
+              <a:t>auftrag.tar</a:t>
             </a:r>
             <a:r>
               <a:rPr lang="de-DE" sz="2400" dirty="0">
@@ -8936,7 +8499,7 @@
     </p:spTree>
     <p:extLst>
       <p:ext uri="{BB962C8B-B14F-4D97-AF65-F5344CB8AC3E}">
-        <p14:creationId xmlns:p14="http://schemas.microsoft.com/office/powerpoint/2010/main" val="3140198035"/>
+        <p14:creationId xmlns:p14="http://schemas.microsoft.com/office/powerpoint/2010/main" val="2423817868"/>
       </p:ext>
     </p:extLst>
   </p:cSld>

--- a/sample/kubernetes/Bring your own device - Teil 2.pptx
+++ b/sample/kubernetes/Bring your own device - Teil 2.pptx
@@ -5,7 +5,7 @@
     <p:sldMasterId id="2147483648" r:id="rId1"/>
   </p:sldMasterIdLst>
   <p:notesMasterIdLst>
-    <p:notesMasterId r:id="rId16"/>
+    <p:notesMasterId r:id="rId13"/>
   </p:notesMasterIdLst>
   <p:sldIdLst>
     <p:sldId id="256" r:id="rId2"/>
@@ -16,12 +16,9 @@
     <p:sldId id="263" r:id="rId7"/>
     <p:sldId id="277" r:id="rId8"/>
     <p:sldId id="268" r:id="rId9"/>
-    <p:sldId id="265" r:id="rId10"/>
-    <p:sldId id="266" r:id="rId11"/>
-    <p:sldId id="267" r:id="rId12"/>
-    <p:sldId id="262" r:id="rId13"/>
-    <p:sldId id="273" r:id="rId14"/>
-    <p:sldId id="275" r:id="rId15"/>
+    <p:sldId id="262" r:id="rId10"/>
+    <p:sldId id="273" r:id="rId11"/>
+    <p:sldId id="275" r:id="rId12"/>
   </p:sldIdLst>
   <p:sldSz cx="12192000" cy="6858000"/>
   <p:notesSz cx="6858000" cy="9144000"/>
@@ -210,7 +207,7 @@
           <a:p>
             <a:fld id="{5CCD219F-F703-C14B-A05B-DA5DAB0DC4D2}" type="datetimeFigureOut">
               <a:rPr lang="de-DE" smtClean="0"/>
-              <a:t>05.03.23</a:t>
+              <a:t>19.03.23</a:t>
             </a:fld>
             <a:endParaRPr lang="de-DE"/>
           </a:p>
@@ -792,7 +789,7 @@
           <a:p>
             <a:fld id="{6B40B35D-B481-DF4E-B1B0-2B6288A3F72B}" type="datetimeFigureOut">
               <a:rPr lang="de-DE" smtClean="0"/>
-              <a:t>05.03.23</a:t>
+              <a:t>19.03.23</a:t>
             </a:fld>
             <a:endParaRPr lang="de-DE"/>
           </a:p>
@@ -990,7 +987,7 @@
           <a:p>
             <a:fld id="{6B40B35D-B481-DF4E-B1B0-2B6288A3F72B}" type="datetimeFigureOut">
               <a:rPr lang="de-DE" smtClean="0"/>
-              <a:t>05.03.23</a:t>
+              <a:t>19.03.23</a:t>
             </a:fld>
             <a:endParaRPr lang="de-DE"/>
           </a:p>
@@ -1198,7 +1195,7 @@
           <a:p>
             <a:fld id="{6B40B35D-B481-DF4E-B1B0-2B6288A3F72B}" type="datetimeFigureOut">
               <a:rPr lang="de-DE" smtClean="0"/>
-              <a:t>05.03.23</a:t>
+              <a:t>19.03.23</a:t>
             </a:fld>
             <a:endParaRPr lang="de-DE"/>
           </a:p>
@@ -1396,7 +1393,7 @@
           <a:p>
             <a:fld id="{6B40B35D-B481-DF4E-B1B0-2B6288A3F72B}" type="datetimeFigureOut">
               <a:rPr lang="de-DE" smtClean="0"/>
-              <a:t>05.03.23</a:t>
+              <a:t>19.03.23</a:t>
             </a:fld>
             <a:endParaRPr lang="de-DE"/>
           </a:p>
@@ -1671,7 +1668,7 @@
           <a:p>
             <a:fld id="{6B40B35D-B481-DF4E-B1B0-2B6288A3F72B}" type="datetimeFigureOut">
               <a:rPr lang="de-DE" smtClean="0"/>
-              <a:t>05.03.23</a:t>
+              <a:t>19.03.23</a:t>
             </a:fld>
             <a:endParaRPr lang="de-DE"/>
           </a:p>
@@ -1936,7 +1933,7 @@
           <a:p>
             <a:fld id="{6B40B35D-B481-DF4E-B1B0-2B6288A3F72B}" type="datetimeFigureOut">
               <a:rPr lang="de-DE" smtClean="0"/>
-              <a:t>05.03.23</a:t>
+              <a:t>19.03.23</a:t>
             </a:fld>
             <a:endParaRPr lang="de-DE"/>
           </a:p>
@@ -2348,7 +2345,7 @@
           <a:p>
             <a:fld id="{6B40B35D-B481-DF4E-B1B0-2B6288A3F72B}" type="datetimeFigureOut">
               <a:rPr lang="de-DE" smtClean="0"/>
-              <a:t>05.03.23</a:t>
+              <a:t>19.03.23</a:t>
             </a:fld>
             <a:endParaRPr lang="de-DE"/>
           </a:p>
@@ -2489,7 +2486,7 @@
           <a:p>
             <a:fld id="{6B40B35D-B481-DF4E-B1B0-2B6288A3F72B}" type="datetimeFigureOut">
               <a:rPr lang="de-DE" smtClean="0"/>
-              <a:t>05.03.23</a:t>
+              <a:t>19.03.23</a:t>
             </a:fld>
             <a:endParaRPr lang="de-DE"/>
           </a:p>
@@ -2602,7 +2599,7 @@
           <a:p>
             <a:fld id="{6B40B35D-B481-DF4E-B1B0-2B6288A3F72B}" type="datetimeFigureOut">
               <a:rPr lang="de-DE" smtClean="0"/>
-              <a:t>05.03.23</a:t>
+              <a:t>19.03.23</a:t>
             </a:fld>
             <a:endParaRPr lang="de-DE"/>
           </a:p>
@@ -2913,7 +2910,7 @@
           <a:p>
             <a:fld id="{6B40B35D-B481-DF4E-B1B0-2B6288A3F72B}" type="datetimeFigureOut">
               <a:rPr lang="de-DE" smtClean="0"/>
-              <a:t>05.03.23</a:t>
+              <a:t>19.03.23</a:t>
             </a:fld>
             <a:endParaRPr lang="de-DE"/>
           </a:p>
@@ -3201,7 +3198,7 @@
           <a:p>
             <a:fld id="{6B40B35D-B481-DF4E-B1B0-2B6288A3F72B}" type="datetimeFigureOut">
               <a:rPr lang="de-DE" smtClean="0"/>
-              <a:t>05.03.23</a:t>
+              <a:t>19.03.23</a:t>
             </a:fld>
             <a:endParaRPr lang="de-DE"/>
           </a:p>
@@ -3442,7 +3439,7 @@
           <a:p>
             <a:fld id="{6B40B35D-B481-DF4E-B1B0-2B6288A3F72B}" type="datetimeFigureOut">
               <a:rPr lang="de-DE" smtClean="0"/>
-              <a:t>05.03.23</a:t>
+              <a:t>19.03.23</a:t>
             </a:fld>
             <a:endParaRPr lang="de-DE"/>
           </a:p>
@@ -3995,7 +3992,7 @@
           <p:cNvPr id="2" name="Titel 1">
             <a:extLst>
               <a:ext uri="{FF2B5EF4-FFF2-40B4-BE49-F238E27FC236}">
-                <a16:creationId xmlns:a16="http://schemas.microsoft.com/office/drawing/2014/main" id="{6771848D-1E70-E48B-5C6D-951BC6041598}"/>
+                <a16:creationId xmlns:a16="http://schemas.microsoft.com/office/drawing/2014/main" id="{182D65AE-F729-F44A-6E4A-EAF568F96FF3}"/>
               </a:ext>
             </a:extLst>
           </p:cNvPr>
@@ -4013,1375 +4010,7 @@
           <a:p>
             <a:r>
               <a:rPr lang="de-DE" dirty="0"/>
-              <a:t>5. Bauen der Anwendung</a:t>
-            </a:r>
-          </a:p>
-        </p:txBody>
-      </p:sp>
-      <p:sp>
-        <p:nvSpPr>
-          <p:cNvPr id="3" name="Inhaltsplatzhalter 2">
-            <a:extLst>
-              <a:ext uri="{FF2B5EF4-FFF2-40B4-BE49-F238E27FC236}">
-                <a16:creationId xmlns:a16="http://schemas.microsoft.com/office/drawing/2014/main" id="{C6B47590-B943-D19C-BC30-9C11A54E6BFE}"/>
-              </a:ext>
-            </a:extLst>
-          </p:cNvPr>
-          <p:cNvSpPr>
-            <a:spLocks noGrp="1"/>
-          </p:cNvSpPr>
-          <p:nvPr>
-            <p:ph idx="1"/>
-          </p:nvPr>
-        </p:nvSpPr>
-        <p:spPr/>
-        <p:txBody>
-          <a:bodyPr>
-            <a:normAutofit/>
-          </a:bodyPr>
-          <a:lstStyle/>
-          <a:p>
-            <a:r>
-              <a:rPr lang="de-DE" dirty="0"/>
-              <a:t>Microservice </a:t>
-            </a:r>
-            <a:r>
-              <a:rPr lang="de-DE" dirty="0" err="1">
-                <a:latin typeface="Courier New" panose="02070309020205020404" pitchFamily="49" charset="0"/>
-                <a:cs typeface="Courier New" panose="02070309020205020404" pitchFamily="49" charset="0"/>
-              </a:rPr>
-              <a:t>shop</a:t>
-            </a:r>
-            <a:r>
-              <a:rPr lang="de-DE" dirty="0"/>
-              <a:t>:</a:t>
-            </a:r>
-          </a:p>
-          <a:p>
-            <a:pPr marL="0" indent="0">
-              <a:buNone/>
-            </a:pPr>
-            <a:r>
-              <a:rPr lang="de-DE" sz="2400" dirty="0"/>
-              <a:t>	</a:t>
-            </a:r>
-            <a:r>
-              <a:rPr lang="de-DE" sz="2400" dirty="0">
-                <a:latin typeface="Courier New" panose="02070309020205020404" pitchFamily="49" charset="0"/>
-                <a:cs typeface="Courier New" panose="02070309020205020404" pitchFamily="49" charset="0"/>
-              </a:rPr>
-              <a:t>cd ~/</a:t>
-            </a:r>
-            <a:r>
-              <a:rPr lang="de-DE" sz="2400" dirty="0" err="1">
-                <a:latin typeface="Courier New" panose="02070309020205020404" pitchFamily="49" charset="0"/>
-                <a:cs typeface="Courier New" panose="02070309020205020404" pitchFamily="49" charset="0"/>
-              </a:rPr>
-              <a:t>java</a:t>
-            </a:r>
-            <a:r>
-              <a:rPr lang="de-DE" sz="2400" dirty="0">
-                <a:latin typeface="Courier New" panose="02070309020205020404" pitchFamily="49" charset="0"/>
-                <a:cs typeface="Courier New" panose="02070309020205020404" pitchFamily="49" charset="0"/>
-              </a:rPr>
-              <a:t>-starter/sample/</a:t>
-            </a:r>
-            <a:r>
-              <a:rPr lang="de-DE" sz="2400" dirty="0" err="1">
-                <a:latin typeface="Courier New" panose="02070309020205020404" pitchFamily="49" charset="0"/>
-                <a:cs typeface="Courier New" panose="02070309020205020404" pitchFamily="49" charset="0"/>
-              </a:rPr>
-              <a:t>shop</a:t>
-            </a:r>
-            <a:endParaRPr lang="de-DE" sz="2400" dirty="0">
-              <a:latin typeface="Courier New" panose="02070309020205020404" pitchFamily="49" charset="0"/>
-              <a:cs typeface="Courier New" panose="02070309020205020404" pitchFamily="49" charset="0"/>
-            </a:endParaRPr>
-          </a:p>
-          <a:p>
-            <a:pPr marL="0" indent="0">
-              <a:buNone/>
-            </a:pPr>
-            <a:r>
-              <a:rPr lang="de-DE" sz="2400" dirty="0">
-                <a:latin typeface="Courier New" panose="02070309020205020404" pitchFamily="49" charset="0"/>
-                <a:cs typeface="Courier New" panose="02070309020205020404" pitchFamily="49" charset="0"/>
-              </a:rPr>
-              <a:t>	</a:t>
-            </a:r>
-            <a:r>
-              <a:rPr lang="de-DE" sz="2400" dirty="0" err="1">
-                <a:latin typeface="Courier New" panose="02070309020205020404" pitchFamily="49" charset="0"/>
-                <a:cs typeface="Courier New" panose="02070309020205020404" pitchFamily="49" charset="0"/>
-              </a:rPr>
-              <a:t>mvn</a:t>
-            </a:r>
-            <a:r>
-              <a:rPr lang="de-DE" sz="2400" dirty="0">
-                <a:latin typeface="Courier New" panose="02070309020205020404" pitchFamily="49" charset="0"/>
-                <a:cs typeface="Courier New" panose="02070309020205020404" pitchFamily="49" charset="0"/>
-              </a:rPr>
-              <a:t> clean </a:t>
-            </a:r>
-            <a:r>
-              <a:rPr lang="de-DE" sz="2400" dirty="0" err="1">
-                <a:latin typeface="Courier New" panose="02070309020205020404" pitchFamily="49" charset="0"/>
-                <a:cs typeface="Courier New" panose="02070309020205020404" pitchFamily="49" charset="0"/>
-              </a:rPr>
-              <a:t>install</a:t>
-            </a:r>
-            <a:endParaRPr lang="de-DE" sz="2400" dirty="0">
-              <a:latin typeface="Courier New" panose="02070309020205020404" pitchFamily="49" charset="0"/>
-              <a:cs typeface="Courier New" panose="02070309020205020404" pitchFamily="49" charset="0"/>
-            </a:endParaRPr>
-          </a:p>
-          <a:p>
-            <a:r>
-              <a:rPr lang="de-DE" sz="2400" dirty="0"/>
-              <a:t>Container Image übertragen:</a:t>
-            </a:r>
-          </a:p>
-          <a:p>
-            <a:pPr marL="0" indent="0">
-              <a:buNone/>
-            </a:pPr>
-            <a:r>
-              <a:rPr lang="de-DE" sz="2400" dirty="0"/>
-              <a:t>	</a:t>
-            </a:r>
-            <a:r>
-              <a:rPr lang="de-DE" sz="2400" dirty="0" err="1">
-                <a:latin typeface="Courier New" panose="02070309020205020404" pitchFamily="49" charset="0"/>
-                <a:cs typeface="Courier New" panose="02070309020205020404" pitchFamily="49" charset="0"/>
-              </a:rPr>
-              <a:t>docker</a:t>
-            </a:r>
-            <a:r>
-              <a:rPr lang="de-DE" sz="2400" dirty="0">
-                <a:latin typeface="Courier New" panose="02070309020205020404" pitchFamily="49" charset="0"/>
-                <a:cs typeface="Courier New" panose="02070309020205020404" pitchFamily="49" charset="0"/>
-              </a:rPr>
-              <a:t> save </a:t>
-            </a:r>
-            <a:r>
-              <a:rPr lang="de-DE" sz="2400" dirty="0" err="1">
-                <a:latin typeface="Courier New" panose="02070309020205020404" pitchFamily="49" charset="0"/>
-                <a:cs typeface="Courier New" panose="02070309020205020404" pitchFamily="49" charset="0"/>
-              </a:rPr>
-              <a:t>shop</a:t>
-            </a:r>
-            <a:r>
-              <a:rPr lang="de-DE" sz="2400" dirty="0">
-                <a:latin typeface="Courier New" panose="02070309020205020404" pitchFamily="49" charset="0"/>
-                <a:cs typeface="Courier New" panose="02070309020205020404" pitchFamily="49" charset="0"/>
-              </a:rPr>
-              <a:t> &gt; </a:t>
-            </a:r>
-            <a:r>
-              <a:rPr lang="de-DE" sz="2400" dirty="0" err="1">
-                <a:latin typeface="Courier New" panose="02070309020205020404" pitchFamily="49" charset="0"/>
-                <a:cs typeface="Courier New" panose="02070309020205020404" pitchFamily="49" charset="0"/>
-              </a:rPr>
-              <a:t>shop.tar</a:t>
-            </a:r>
-            <a:endParaRPr lang="de-DE" sz="2400" dirty="0">
-              <a:latin typeface="Courier New" panose="02070309020205020404" pitchFamily="49" charset="0"/>
-              <a:cs typeface="Courier New" panose="02070309020205020404" pitchFamily="49" charset="0"/>
-            </a:endParaRPr>
-          </a:p>
-          <a:p>
-            <a:pPr marL="0" indent="0">
-              <a:buNone/>
-            </a:pPr>
-            <a:r>
-              <a:rPr lang="de-DE" sz="2400" dirty="0">
-                <a:latin typeface="Courier New" panose="02070309020205020404" pitchFamily="49" charset="0"/>
-                <a:cs typeface="Courier New" panose="02070309020205020404" pitchFamily="49" charset="0"/>
-              </a:rPr>
-              <a:t>	microk8s </a:t>
-            </a:r>
-            <a:r>
-              <a:rPr lang="de-DE" sz="2400" dirty="0" err="1">
-                <a:latin typeface="Courier New" panose="02070309020205020404" pitchFamily="49" charset="0"/>
-                <a:cs typeface="Courier New" panose="02070309020205020404" pitchFamily="49" charset="0"/>
-              </a:rPr>
-              <a:t>ctr</a:t>
-            </a:r>
-            <a:r>
-              <a:rPr lang="de-DE" sz="2400" dirty="0">
-                <a:latin typeface="Courier New" panose="02070309020205020404" pitchFamily="49" charset="0"/>
-                <a:cs typeface="Courier New" panose="02070309020205020404" pitchFamily="49" charset="0"/>
-              </a:rPr>
-              <a:t> </a:t>
-            </a:r>
-            <a:r>
-              <a:rPr lang="de-DE" sz="2400" dirty="0" err="1">
-                <a:latin typeface="Courier New" panose="02070309020205020404" pitchFamily="49" charset="0"/>
-                <a:cs typeface="Courier New" panose="02070309020205020404" pitchFamily="49" charset="0"/>
-              </a:rPr>
-              <a:t>image</a:t>
-            </a:r>
-            <a:r>
-              <a:rPr lang="de-DE" sz="2400" dirty="0">
-                <a:latin typeface="Courier New" panose="02070309020205020404" pitchFamily="49" charset="0"/>
-                <a:cs typeface="Courier New" panose="02070309020205020404" pitchFamily="49" charset="0"/>
-              </a:rPr>
-              <a:t> </a:t>
-            </a:r>
-            <a:r>
-              <a:rPr lang="de-DE" sz="2400" dirty="0" err="1">
-                <a:latin typeface="Courier New" panose="02070309020205020404" pitchFamily="49" charset="0"/>
-                <a:cs typeface="Courier New" panose="02070309020205020404" pitchFamily="49" charset="0"/>
-              </a:rPr>
-              <a:t>import</a:t>
-            </a:r>
-            <a:r>
-              <a:rPr lang="de-DE" sz="2400" dirty="0">
-                <a:latin typeface="Courier New" panose="02070309020205020404" pitchFamily="49" charset="0"/>
-                <a:cs typeface="Courier New" panose="02070309020205020404" pitchFamily="49" charset="0"/>
-              </a:rPr>
-              <a:t> </a:t>
-            </a:r>
-            <a:r>
-              <a:rPr lang="de-DE" sz="2400" dirty="0" err="1">
-                <a:latin typeface="Courier New" panose="02070309020205020404" pitchFamily="49" charset="0"/>
-                <a:cs typeface="Courier New" panose="02070309020205020404" pitchFamily="49" charset="0"/>
-              </a:rPr>
-              <a:t>shop.tar</a:t>
-            </a:r>
-            <a:endParaRPr lang="de-DE" sz="2400" dirty="0">
-              <a:latin typeface="Courier New" panose="02070309020205020404" pitchFamily="49" charset="0"/>
-              <a:cs typeface="Courier New" panose="02070309020205020404" pitchFamily="49" charset="0"/>
-            </a:endParaRPr>
-          </a:p>
-          <a:p>
-            <a:pPr marL="0" indent="0">
-              <a:buNone/>
-            </a:pPr>
-            <a:r>
-              <a:rPr lang="de-DE" sz="2400" dirty="0">
-                <a:latin typeface="Courier New" panose="02070309020205020404" pitchFamily="49" charset="0"/>
-                <a:cs typeface="Courier New" panose="02070309020205020404" pitchFamily="49" charset="0"/>
-              </a:rPr>
-              <a:t>	</a:t>
-            </a:r>
-            <a:r>
-              <a:rPr lang="de-DE" sz="2400" dirty="0" err="1">
-                <a:latin typeface="Courier New" panose="02070309020205020404" pitchFamily="49" charset="0"/>
-                <a:cs typeface="Courier New" panose="02070309020205020404" pitchFamily="49" charset="0"/>
-              </a:rPr>
-              <a:t>scp</a:t>
-            </a:r>
-            <a:r>
-              <a:rPr lang="de-DE" sz="2400" dirty="0">
-                <a:latin typeface="Courier New" panose="02070309020205020404" pitchFamily="49" charset="0"/>
-                <a:cs typeface="Courier New" panose="02070309020205020404" pitchFamily="49" charset="0"/>
-              </a:rPr>
-              <a:t> </a:t>
-            </a:r>
-            <a:r>
-              <a:rPr lang="de-DE" sz="2400" dirty="0" err="1">
-                <a:latin typeface="Courier New" panose="02070309020205020404" pitchFamily="49" charset="0"/>
-                <a:cs typeface="Courier New" panose="02070309020205020404" pitchFamily="49" charset="0"/>
-              </a:rPr>
-              <a:t>shop.tar</a:t>
-            </a:r>
-            <a:r>
-              <a:rPr lang="de-DE" sz="2400" dirty="0">
-                <a:latin typeface="Courier New" panose="02070309020205020404" pitchFamily="49" charset="0"/>
-                <a:cs typeface="Courier New" panose="02070309020205020404" pitchFamily="49" charset="0"/>
-              </a:rPr>
-              <a:t> worker1:.</a:t>
-            </a:r>
-          </a:p>
-          <a:p>
-            <a:pPr marL="0" indent="0">
-              <a:buNone/>
-            </a:pPr>
-            <a:r>
-              <a:rPr lang="de-DE" sz="2400" dirty="0">
-                <a:latin typeface="Courier New" panose="02070309020205020404" pitchFamily="49" charset="0"/>
-                <a:cs typeface="Courier New" panose="02070309020205020404" pitchFamily="49" charset="0"/>
-              </a:rPr>
-              <a:t>	</a:t>
-            </a:r>
-            <a:r>
-              <a:rPr lang="de-DE" sz="2400" dirty="0" err="1">
-                <a:latin typeface="Courier New" panose="02070309020205020404" pitchFamily="49" charset="0"/>
-                <a:cs typeface="Courier New" panose="02070309020205020404" pitchFamily="49" charset="0"/>
-              </a:rPr>
-              <a:t>scp</a:t>
-            </a:r>
-            <a:r>
-              <a:rPr lang="de-DE" sz="2400" dirty="0">
-                <a:latin typeface="Courier New" panose="02070309020205020404" pitchFamily="49" charset="0"/>
-                <a:cs typeface="Courier New" panose="02070309020205020404" pitchFamily="49" charset="0"/>
-              </a:rPr>
-              <a:t> </a:t>
-            </a:r>
-            <a:r>
-              <a:rPr lang="de-DE" sz="2400" dirty="0" err="1">
-                <a:latin typeface="Courier New" panose="02070309020205020404" pitchFamily="49" charset="0"/>
-                <a:cs typeface="Courier New" panose="02070309020205020404" pitchFamily="49" charset="0"/>
-              </a:rPr>
-              <a:t>shop.tar</a:t>
-            </a:r>
-            <a:r>
-              <a:rPr lang="de-DE" sz="2400" dirty="0">
-                <a:latin typeface="Courier New" panose="02070309020205020404" pitchFamily="49" charset="0"/>
-                <a:cs typeface="Courier New" panose="02070309020205020404" pitchFamily="49" charset="0"/>
-              </a:rPr>
-              <a:t> worker2:.</a:t>
-            </a:r>
-          </a:p>
-        </p:txBody>
-      </p:sp>
-    </p:spTree>
-    <p:extLst>
-      <p:ext uri="{BB962C8B-B14F-4D97-AF65-F5344CB8AC3E}">
-        <p14:creationId xmlns:p14="http://schemas.microsoft.com/office/powerpoint/2010/main" val="1564606677"/>
-      </p:ext>
-    </p:extLst>
-  </p:cSld>
-  <p:clrMapOvr>
-    <a:masterClrMapping/>
-  </p:clrMapOvr>
-</p:sld>
-</file>
-
-<file path=ppt/slides/slide11.xml><?xml version="1.0" encoding="utf-8"?>
-<p:sld xmlns:a="http://schemas.openxmlformats.org/drawingml/2006/main" xmlns:r="http://schemas.openxmlformats.org/officeDocument/2006/relationships" xmlns:p="http://schemas.openxmlformats.org/presentationml/2006/main">
-  <p:cSld>
-    <p:spTree>
-      <p:nvGrpSpPr>
-        <p:cNvPr id="1" name=""/>
-        <p:cNvGrpSpPr/>
-        <p:nvPr/>
-      </p:nvGrpSpPr>
-      <p:grpSpPr>
-        <a:xfrm>
-          <a:off x="0" y="0"/>
-          <a:ext cx="0" cy="0"/>
-          <a:chOff x="0" y="0"/>
-          <a:chExt cx="0" cy="0"/>
-        </a:xfrm>
-      </p:grpSpPr>
-      <p:sp>
-        <p:nvSpPr>
-          <p:cNvPr id="2" name="Titel 1">
-            <a:extLst>
-              <a:ext uri="{FF2B5EF4-FFF2-40B4-BE49-F238E27FC236}">
-                <a16:creationId xmlns:a16="http://schemas.microsoft.com/office/drawing/2014/main" id="{6771848D-1E70-E48B-5C6D-951BC6041598}"/>
-              </a:ext>
-            </a:extLst>
-          </p:cNvPr>
-          <p:cNvSpPr>
-            <a:spLocks noGrp="1"/>
-          </p:cNvSpPr>
-          <p:nvPr>
-            <p:ph type="title"/>
-          </p:nvPr>
-        </p:nvSpPr>
-        <p:spPr/>
-        <p:txBody>
-          <a:bodyPr/>
-          <a:lstStyle/>
-          <a:p>
-            <a:r>
-              <a:rPr lang="de-DE" dirty="0"/>
-              <a:t>6. Images in </a:t>
-            </a:r>
-            <a:r>
-              <a:rPr lang="de-DE" dirty="0" err="1"/>
-              <a:t>Kubernetes</a:t>
-            </a:r>
-            <a:r>
-              <a:rPr lang="de-DE" dirty="0"/>
-              <a:t> importieren</a:t>
-            </a:r>
-          </a:p>
-        </p:txBody>
-      </p:sp>
-      <p:sp>
-        <p:nvSpPr>
-          <p:cNvPr id="3" name="Inhaltsplatzhalter 2">
-            <a:extLst>
-              <a:ext uri="{FF2B5EF4-FFF2-40B4-BE49-F238E27FC236}">
-                <a16:creationId xmlns:a16="http://schemas.microsoft.com/office/drawing/2014/main" id="{C6B47590-B943-D19C-BC30-9C11A54E6BFE}"/>
-              </a:ext>
-            </a:extLst>
-          </p:cNvPr>
-          <p:cNvSpPr>
-            <a:spLocks noGrp="1"/>
-          </p:cNvSpPr>
-          <p:nvPr>
-            <p:ph idx="1"/>
-          </p:nvPr>
-        </p:nvSpPr>
-        <p:spPr/>
-        <p:txBody>
-          <a:bodyPr>
-            <a:normAutofit/>
-          </a:bodyPr>
-          <a:lstStyle/>
-          <a:p>
-            <a:r>
-              <a:rPr lang="de-DE" dirty="0">
-                <a:cs typeface="Courier New" panose="02070309020205020404" pitchFamily="49" charset="0"/>
-              </a:rPr>
-              <a:t>Auf</a:t>
-            </a:r>
-            <a:r>
-              <a:rPr lang="de-DE" dirty="0">
-                <a:latin typeface="Courier New" panose="02070309020205020404" pitchFamily="49" charset="0"/>
-                <a:cs typeface="Courier New" panose="02070309020205020404" pitchFamily="49" charset="0"/>
-              </a:rPr>
-              <a:t> worker1</a:t>
-            </a:r>
-            <a:r>
-              <a:rPr lang="de-DE" dirty="0"/>
-              <a:t>:</a:t>
-            </a:r>
-          </a:p>
-          <a:p>
-            <a:pPr marL="0" indent="0">
-              <a:buNone/>
-            </a:pPr>
-            <a:r>
-              <a:rPr lang="de-DE" sz="2000" dirty="0"/>
-              <a:t>	</a:t>
-            </a:r>
-            <a:r>
-              <a:rPr lang="de-DE" sz="2000" dirty="0">
-                <a:latin typeface="Courier New" panose="02070309020205020404" pitchFamily="49" charset="0"/>
-                <a:cs typeface="Courier New" panose="02070309020205020404" pitchFamily="49" charset="0"/>
-              </a:rPr>
-              <a:t>multipass </a:t>
-            </a:r>
-            <a:r>
-              <a:rPr lang="de-DE" sz="2000" dirty="0" err="1">
-                <a:latin typeface="Courier New" panose="02070309020205020404" pitchFamily="49" charset="0"/>
-                <a:cs typeface="Courier New" panose="02070309020205020404" pitchFamily="49" charset="0"/>
-              </a:rPr>
-              <a:t>shell</a:t>
-            </a:r>
-            <a:r>
-              <a:rPr lang="de-DE" sz="2000" dirty="0">
-                <a:latin typeface="Courier New" panose="02070309020205020404" pitchFamily="49" charset="0"/>
-                <a:cs typeface="Courier New" panose="02070309020205020404" pitchFamily="49" charset="0"/>
-              </a:rPr>
-              <a:t> worker1</a:t>
-            </a:r>
-          </a:p>
-          <a:p>
-            <a:pPr marL="0" indent="0">
-              <a:buNone/>
-            </a:pPr>
-            <a:r>
-              <a:rPr lang="de-DE" sz="2000" dirty="0">
-                <a:latin typeface="Courier New" panose="02070309020205020404" pitchFamily="49" charset="0"/>
-                <a:cs typeface="Courier New" panose="02070309020205020404" pitchFamily="49" charset="0"/>
-              </a:rPr>
-              <a:t>	microk8s </a:t>
-            </a:r>
-            <a:r>
-              <a:rPr lang="de-DE" sz="2000" dirty="0" err="1">
-                <a:latin typeface="Courier New" panose="02070309020205020404" pitchFamily="49" charset="0"/>
-                <a:cs typeface="Courier New" panose="02070309020205020404" pitchFamily="49" charset="0"/>
-              </a:rPr>
-              <a:t>ctr</a:t>
-            </a:r>
-            <a:r>
-              <a:rPr lang="de-DE" sz="2000" dirty="0">
-                <a:latin typeface="Courier New" panose="02070309020205020404" pitchFamily="49" charset="0"/>
-                <a:cs typeface="Courier New" panose="02070309020205020404" pitchFamily="49" charset="0"/>
-              </a:rPr>
-              <a:t> </a:t>
-            </a:r>
-            <a:r>
-              <a:rPr lang="de-DE" sz="2000" dirty="0" err="1">
-                <a:latin typeface="Courier New" panose="02070309020205020404" pitchFamily="49" charset="0"/>
-                <a:cs typeface="Courier New" panose="02070309020205020404" pitchFamily="49" charset="0"/>
-              </a:rPr>
-              <a:t>image</a:t>
-            </a:r>
-            <a:r>
-              <a:rPr lang="de-DE" sz="2000" dirty="0">
-                <a:latin typeface="Courier New" panose="02070309020205020404" pitchFamily="49" charset="0"/>
-                <a:cs typeface="Courier New" panose="02070309020205020404" pitchFamily="49" charset="0"/>
-              </a:rPr>
-              <a:t> </a:t>
-            </a:r>
-            <a:r>
-              <a:rPr lang="de-DE" sz="2000" dirty="0" err="1">
-                <a:latin typeface="Courier New" panose="02070309020205020404" pitchFamily="49" charset="0"/>
-                <a:cs typeface="Courier New" panose="02070309020205020404" pitchFamily="49" charset="0"/>
-              </a:rPr>
-              <a:t>import</a:t>
-            </a:r>
-            <a:r>
-              <a:rPr lang="de-DE" sz="2000" dirty="0">
-                <a:latin typeface="Courier New" panose="02070309020205020404" pitchFamily="49" charset="0"/>
-                <a:cs typeface="Courier New" panose="02070309020205020404" pitchFamily="49" charset="0"/>
-              </a:rPr>
-              <a:t> </a:t>
-            </a:r>
-            <a:r>
-              <a:rPr lang="de-DE" sz="2000" dirty="0" err="1">
-                <a:latin typeface="Courier New" panose="02070309020205020404" pitchFamily="49" charset="0"/>
-                <a:cs typeface="Courier New" panose="02070309020205020404" pitchFamily="49" charset="0"/>
-              </a:rPr>
-              <a:t>person.tar</a:t>
-            </a:r>
-            <a:endParaRPr lang="de-DE" sz="2000" dirty="0">
-              <a:latin typeface="Courier New" panose="02070309020205020404" pitchFamily="49" charset="0"/>
-              <a:cs typeface="Courier New" panose="02070309020205020404" pitchFamily="49" charset="0"/>
-            </a:endParaRPr>
-          </a:p>
-          <a:p>
-            <a:pPr marL="0" indent="0">
-              <a:buNone/>
-            </a:pPr>
-            <a:r>
-              <a:rPr lang="de-DE" sz="2000" dirty="0">
-                <a:latin typeface="Courier New" panose="02070309020205020404" pitchFamily="49" charset="0"/>
-                <a:cs typeface="Courier New" panose="02070309020205020404" pitchFamily="49" charset="0"/>
-              </a:rPr>
-              <a:t>	microk8s </a:t>
-            </a:r>
-            <a:r>
-              <a:rPr lang="de-DE" sz="2000" dirty="0" err="1">
-                <a:latin typeface="Courier New" panose="02070309020205020404" pitchFamily="49" charset="0"/>
-                <a:cs typeface="Courier New" panose="02070309020205020404" pitchFamily="49" charset="0"/>
-              </a:rPr>
-              <a:t>ctr</a:t>
-            </a:r>
-            <a:r>
-              <a:rPr lang="de-DE" sz="2000" dirty="0">
-                <a:latin typeface="Courier New" panose="02070309020205020404" pitchFamily="49" charset="0"/>
-                <a:cs typeface="Courier New" panose="02070309020205020404" pitchFamily="49" charset="0"/>
-              </a:rPr>
-              <a:t> </a:t>
-            </a:r>
-            <a:r>
-              <a:rPr lang="de-DE" sz="2000" dirty="0" err="1">
-                <a:latin typeface="Courier New" panose="02070309020205020404" pitchFamily="49" charset="0"/>
-                <a:cs typeface="Courier New" panose="02070309020205020404" pitchFamily="49" charset="0"/>
-              </a:rPr>
-              <a:t>image</a:t>
-            </a:r>
-            <a:r>
-              <a:rPr lang="de-DE" sz="2000" dirty="0">
-                <a:latin typeface="Courier New" panose="02070309020205020404" pitchFamily="49" charset="0"/>
-                <a:cs typeface="Courier New" panose="02070309020205020404" pitchFamily="49" charset="0"/>
-              </a:rPr>
-              <a:t> </a:t>
-            </a:r>
-            <a:r>
-              <a:rPr lang="de-DE" sz="2000" dirty="0" err="1">
-                <a:latin typeface="Courier New" panose="02070309020205020404" pitchFamily="49" charset="0"/>
-                <a:cs typeface="Courier New" panose="02070309020205020404" pitchFamily="49" charset="0"/>
-              </a:rPr>
-              <a:t>import</a:t>
-            </a:r>
-            <a:r>
-              <a:rPr lang="de-DE" sz="2000" dirty="0">
-                <a:latin typeface="Courier New" panose="02070309020205020404" pitchFamily="49" charset="0"/>
-                <a:cs typeface="Courier New" panose="02070309020205020404" pitchFamily="49" charset="0"/>
-              </a:rPr>
-              <a:t> </a:t>
-            </a:r>
-            <a:r>
-              <a:rPr lang="de-DE" sz="2000" dirty="0" err="1">
-                <a:latin typeface="Courier New" panose="02070309020205020404" pitchFamily="49" charset="0"/>
-                <a:cs typeface="Courier New" panose="02070309020205020404" pitchFamily="49" charset="0"/>
-              </a:rPr>
-              <a:t>auftrag.tar</a:t>
-            </a:r>
-            <a:endParaRPr lang="de-DE" sz="2000" dirty="0">
-              <a:latin typeface="Courier New" panose="02070309020205020404" pitchFamily="49" charset="0"/>
-              <a:cs typeface="Courier New" panose="02070309020205020404" pitchFamily="49" charset="0"/>
-            </a:endParaRPr>
-          </a:p>
-          <a:p>
-            <a:pPr marL="0" indent="0">
-              <a:buNone/>
-            </a:pPr>
-            <a:r>
-              <a:rPr lang="de-DE" sz="2000" dirty="0">
-                <a:latin typeface="Courier New" panose="02070309020205020404" pitchFamily="49" charset="0"/>
-                <a:cs typeface="Courier New" panose="02070309020205020404" pitchFamily="49" charset="0"/>
-              </a:rPr>
-              <a:t>	microk8s </a:t>
-            </a:r>
-            <a:r>
-              <a:rPr lang="de-DE" sz="2000" dirty="0" err="1">
-                <a:latin typeface="Courier New" panose="02070309020205020404" pitchFamily="49" charset="0"/>
-                <a:cs typeface="Courier New" panose="02070309020205020404" pitchFamily="49" charset="0"/>
-              </a:rPr>
-              <a:t>ctr</a:t>
-            </a:r>
-            <a:r>
-              <a:rPr lang="de-DE" sz="2000" dirty="0">
-                <a:latin typeface="Courier New" panose="02070309020205020404" pitchFamily="49" charset="0"/>
-                <a:cs typeface="Courier New" panose="02070309020205020404" pitchFamily="49" charset="0"/>
-              </a:rPr>
-              <a:t> </a:t>
-            </a:r>
-            <a:r>
-              <a:rPr lang="de-DE" sz="2000" dirty="0" err="1">
-                <a:latin typeface="Courier New" panose="02070309020205020404" pitchFamily="49" charset="0"/>
-                <a:cs typeface="Courier New" panose="02070309020205020404" pitchFamily="49" charset="0"/>
-              </a:rPr>
-              <a:t>image</a:t>
-            </a:r>
-            <a:r>
-              <a:rPr lang="de-DE" sz="2000" dirty="0">
-                <a:latin typeface="Courier New" panose="02070309020205020404" pitchFamily="49" charset="0"/>
-                <a:cs typeface="Courier New" panose="02070309020205020404" pitchFamily="49" charset="0"/>
-              </a:rPr>
-              <a:t> </a:t>
-            </a:r>
-            <a:r>
-              <a:rPr lang="de-DE" sz="2000" dirty="0" err="1">
-                <a:latin typeface="Courier New" panose="02070309020205020404" pitchFamily="49" charset="0"/>
-                <a:cs typeface="Courier New" panose="02070309020205020404" pitchFamily="49" charset="0"/>
-              </a:rPr>
-              <a:t>import</a:t>
-            </a:r>
-            <a:r>
-              <a:rPr lang="de-DE" sz="2000" dirty="0">
-                <a:latin typeface="Courier New" panose="02070309020205020404" pitchFamily="49" charset="0"/>
-                <a:cs typeface="Courier New" panose="02070309020205020404" pitchFamily="49" charset="0"/>
-              </a:rPr>
-              <a:t> </a:t>
-            </a:r>
-            <a:r>
-              <a:rPr lang="de-DE" sz="2000" dirty="0" err="1">
-                <a:latin typeface="Courier New" panose="02070309020205020404" pitchFamily="49" charset="0"/>
-                <a:cs typeface="Courier New" panose="02070309020205020404" pitchFamily="49" charset="0"/>
-              </a:rPr>
-              <a:t>shop.tar</a:t>
-            </a:r>
-            <a:endParaRPr lang="de-DE" sz="2000" dirty="0">
-              <a:latin typeface="Courier New" panose="02070309020205020404" pitchFamily="49" charset="0"/>
-              <a:cs typeface="Courier New" panose="02070309020205020404" pitchFamily="49" charset="0"/>
-            </a:endParaRPr>
-          </a:p>
-          <a:p>
-            <a:r>
-              <a:rPr lang="de-DE" sz="2400" dirty="0">
-                <a:cs typeface="Courier New" panose="02070309020205020404" pitchFamily="49" charset="0"/>
-              </a:rPr>
-              <a:t>Ebenso auf</a:t>
-            </a:r>
-            <a:r>
-              <a:rPr lang="de-DE" sz="2400" dirty="0">
-                <a:latin typeface="Courier New" panose="02070309020205020404" pitchFamily="49" charset="0"/>
-                <a:cs typeface="Courier New" panose="02070309020205020404" pitchFamily="49" charset="0"/>
-              </a:rPr>
-              <a:t> worker2</a:t>
-            </a:r>
-            <a:r>
-              <a:rPr lang="de-DE" sz="2400" dirty="0"/>
-              <a:t>:</a:t>
-            </a:r>
-          </a:p>
-          <a:p>
-            <a:pPr marL="0" indent="0">
-              <a:buNone/>
-            </a:pPr>
-            <a:r>
-              <a:rPr lang="de-DE" sz="2000" dirty="0"/>
-              <a:t>	</a:t>
-            </a:r>
-            <a:r>
-              <a:rPr lang="de-DE" sz="2000" dirty="0">
-                <a:latin typeface="Courier New" panose="02070309020205020404" pitchFamily="49" charset="0"/>
-                <a:cs typeface="Courier New" panose="02070309020205020404" pitchFamily="49" charset="0"/>
-              </a:rPr>
-              <a:t>multipass </a:t>
-            </a:r>
-            <a:r>
-              <a:rPr lang="de-DE" sz="2000" dirty="0" err="1">
-                <a:latin typeface="Courier New" panose="02070309020205020404" pitchFamily="49" charset="0"/>
-                <a:cs typeface="Courier New" panose="02070309020205020404" pitchFamily="49" charset="0"/>
-              </a:rPr>
-              <a:t>shell</a:t>
-            </a:r>
-            <a:r>
-              <a:rPr lang="de-DE" sz="2000" dirty="0">
-                <a:latin typeface="Courier New" panose="02070309020205020404" pitchFamily="49" charset="0"/>
-                <a:cs typeface="Courier New" panose="02070309020205020404" pitchFamily="49" charset="0"/>
-              </a:rPr>
-              <a:t> worker2</a:t>
-            </a:r>
-          </a:p>
-          <a:p>
-            <a:pPr marL="0" indent="0">
-              <a:buNone/>
-            </a:pPr>
-            <a:r>
-              <a:rPr lang="de-DE" sz="2000" dirty="0">
-                <a:latin typeface="Courier New" panose="02070309020205020404" pitchFamily="49" charset="0"/>
-                <a:cs typeface="Courier New" panose="02070309020205020404" pitchFamily="49" charset="0"/>
-              </a:rPr>
-              <a:t>	microk8s </a:t>
-            </a:r>
-            <a:r>
-              <a:rPr lang="de-DE" sz="2000" dirty="0" err="1">
-                <a:latin typeface="Courier New" panose="02070309020205020404" pitchFamily="49" charset="0"/>
-                <a:cs typeface="Courier New" panose="02070309020205020404" pitchFamily="49" charset="0"/>
-              </a:rPr>
-              <a:t>ctr</a:t>
-            </a:r>
-            <a:r>
-              <a:rPr lang="de-DE" sz="2000" dirty="0">
-                <a:latin typeface="Courier New" panose="02070309020205020404" pitchFamily="49" charset="0"/>
-                <a:cs typeface="Courier New" panose="02070309020205020404" pitchFamily="49" charset="0"/>
-              </a:rPr>
-              <a:t> </a:t>
-            </a:r>
-            <a:r>
-              <a:rPr lang="de-DE" sz="2000" dirty="0" err="1">
-                <a:latin typeface="Courier New" panose="02070309020205020404" pitchFamily="49" charset="0"/>
-                <a:cs typeface="Courier New" panose="02070309020205020404" pitchFamily="49" charset="0"/>
-              </a:rPr>
-              <a:t>image</a:t>
-            </a:r>
-            <a:r>
-              <a:rPr lang="de-DE" sz="2000" dirty="0">
-                <a:latin typeface="Courier New" panose="02070309020205020404" pitchFamily="49" charset="0"/>
-                <a:cs typeface="Courier New" panose="02070309020205020404" pitchFamily="49" charset="0"/>
-              </a:rPr>
-              <a:t> </a:t>
-            </a:r>
-            <a:r>
-              <a:rPr lang="de-DE" sz="2000" dirty="0" err="1">
-                <a:latin typeface="Courier New" panose="02070309020205020404" pitchFamily="49" charset="0"/>
-                <a:cs typeface="Courier New" panose="02070309020205020404" pitchFamily="49" charset="0"/>
-              </a:rPr>
-              <a:t>import</a:t>
-            </a:r>
-            <a:r>
-              <a:rPr lang="de-DE" sz="2000" dirty="0">
-                <a:latin typeface="Courier New" panose="02070309020205020404" pitchFamily="49" charset="0"/>
-                <a:cs typeface="Courier New" panose="02070309020205020404" pitchFamily="49" charset="0"/>
-              </a:rPr>
-              <a:t> </a:t>
-            </a:r>
-            <a:r>
-              <a:rPr lang="de-DE" sz="2000" dirty="0" err="1">
-                <a:latin typeface="Courier New" panose="02070309020205020404" pitchFamily="49" charset="0"/>
-                <a:cs typeface="Courier New" panose="02070309020205020404" pitchFamily="49" charset="0"/>
-              </a:rPr>
-              <a:t>person.tar</a:t>
-            </a:r>
-            <a:endParaRPr lang="de-DE" sz="2000" dirty="0">
-              <a:latin typeface="Courier New" panose="02070309020205020404" pitchFamily="49" charset="0"/>
-              <a:cs typeface="Courier New" panose="02070309020205020404" pitchFamily="49" charset="0"/>
-            </a:endParaRPr>
-          </a:p>
-          <a:p>
-            <a:pPr marL="0" indent="0">
-              <a:buNone/>
-            </a:pPr>
-            <a:r>
-              <a:rPr lang="de-DE" sz="2000" dirty="0">
-                <a:latin typeface="Courier New" panose="02070309020205020404" pitchFamily="49" charset="0"/>
-                <a:cs typeface="Courier New" panose="02070309020205020404" pitchFamily="49" charset="0"/>
-              </a:rPr>
-              <a:t>	microk8s </a:t>
-            </a:r>
-            <a:r>
-              <a:rPr lang="de-DE" sz="2000" dirty="0" err="1">
-                <a:latin typeface="Courier New" panose="02070309020205020404" pitchFamily="49" charset="0"/>
-                <a:cs typeface="Courier New" panose="02070309020205020404" pitchFamily="49" charset="0"/>
-              </a:rPr>
-              <a:t>ctr</a:t>
-            </a:r>
-            <a:r>
-              <a:rPr lang="de-DE" sz="2000" dirty="0">
-                <a:latin typeface="Courier New" panose="02070309020205020404" pitchFamily="49" charset="0"/>
-                <a:cs typeface="Courier New" panose="02070309020205020404" pitchFamily="49" charset="0"/>
-              </a:rPr>
-              <a:t> </a:t>
-            </a:r>
-            <a:r>
-              <a:rPr lang="de-DE" sz="2000" dirty="0" err="1">
-                <a:latin typeface="Courier New" panose="02070309020205020404" pitchFamily="49" charset="0"/>
-                <a:cs typeface="Courier New" panose="02070309020205020404" pitchFamily="49" charset="0"/>
-              </a:rPr>
-              <a:t>image</a:t>
-            </a:r>
-            <a:r>
-              <a:rPr lang="de-DE" sz="2000" dirty="0">
-                <a:latin typeface="Courier New" panose="02070309020205020404" pitchFamily="49" charset="0"/>
-                <a:cs typeface="Courier New" panose="02070309020205020404" pitchFamily="49" charset="0"/>
-              </a:rPr>
-              <a:t> </a:t>
-            </a:r>
-            <a:r>
-              <a:rPr lang="de-DE" sz="2000" dirty="0" err="1">
-                <a:latin typeface="Courier New" panose="02070309020205020404" pitchFamily="49" charset="0"/>
-                <a:cs typeface="Courier New" panose="02070309020205020404" pitchFamily="49" charset="0"/>
-              </a:rPr>
-              <a:t>import</a:t>
-            </a:r>
-            <a:r>
-              <a:rPr lang="de-DE" sz="2000" dirty="0">
-                <a:latin typeface="Courier New" panose="02070309020205020404" pitchFamily="49" charset="0"/>
-                <a:cs typeface="Courier New" panose="02070309020205020404" pitchFamily="49" charset="0"/>
-              </a:rPr>
-              <a:t> </a:t>
-            </a:r>
-            <a:r>
-              <a:rPr lang="de-DE" sz="2000" dirty="0" err="1">
-                <a:latin typeface="Courier New" panose="02070309020205020404" pitchFamily="49" charset="0"/>
-                <a:cs typeface="Courier New" panose="02070309020205020404" pitchFamily="49" charset="0"/>
-              </a:rPr>
-              <a:t>auftrag.tar</a:t>
-            </a:r>
-            <a:endParaRPr lang="de-DE" sz="2000" dirty="0">
-              <a:latin typeface="Courier New" panose="02070309020205020404" pitchFamily="49" charset="0"/>
-              <a:cs typeface="Courier New" panose="02070309020205020404" pitchFamily="49" charset="0"/>
-            </a:endParaRPr>
-          </a:p>
-          <a:p>
-            <a:pPr marL="0" indent="0">
-              <a:buNone/>
-            </a:pPr>
-            <a:r>
-              <a:rPr lang="de-DE" sz="2000" dirty="0">
-                <a:latin typeface="Courier New" panose="02070309020205020404" pitchFamily="49" charset="0"/>
-                <a:cs typeface="Courier New" panose="02070309020205020404" pitchFamily="49" charset="0"/>
-              </a:rPr>
-              <a:t>	microk8s </a:t>
-            </a:r>
-            <a:r>
-              <a:rPr lang="de-DE" sz="2000" dirty="0" err="1">
-                <a:latin typeface="Courier New" panose="02070309020205020404" pitchFamily="49" charset="0"/>
-                <a:cs typeface="Courier New" panose="02070309020205020404" pitchFamily="49" charset="0"/>
-              </a:rPr>
-              <a:t>ctr</a:t>
-            </a:r>
-            <a:r>
-              <a:rPr lang="de-DE" sz="2000" dirty="0">
-                <a:latin typeface="Courier New" panose="02070309020205020404" pitchFamily="49" charset="0"/>
-                <a:cs typeface="Courier New" panose="02070309020205020404" pitchFamily="49" charset="0"/>
-              </a:rPr>
-              <a:t> </a:t>
-            </a:r>
-            <a:r>
-              <a:rPr lang="de-DE" sz="2000" dirty="0" err="1">
-                <a:latin typeface="Courier New" panose="02070309020205020404" pitchFamily="49" charset="0"/>
-                <a:cs typeface="Courier New" panose="02070309020205020404" pitchFamily="49" charset="0"/>
-              </a:rPr>
-              <a:t>image</a:t>
-            </a:r>
-            <a:r>
-              <a:rPr lang="de-DE" sz="2000" dirty="0">
-                <a:latin typeface="Courier New" panose="02070309020205020404" pitchFamily="49" charset="0"/>
-                <a:cs typeface="Courier New" panose="02070309020205020404" pitchFamily="49" charset="0"/>
-              </a:rPr>
-              <a:t> </a:t>
-            </a:r>
-            <a:r>
-              <a:rPr lang="de-DE" sz="2000" dirty="0" err="1">
-                <a:latin typeface="Courier New" panose="02070309020205020404" pitchFamily="49" charset="0"/>
-                <a:cs typeface="Courier New" panose="02070309020205020404" pitchFamily="49" charset="0"/>
-              </a:rPr>
-              <a:t>import</a:t>
-            </a:r>
-            <a:r>
-              <a:rPr lang="de-DE" sz="2000" dirty="0">
-                <a:latin typeface="Courier New" panose="02070309020205020404" pitchFamily="49" charset="0"/>
-                <a:cs typeface="Courier New" panose="02070309020205020404" pitchFamily="49" charset="0"/>
-              </a:rPr>
-              <a:t> </a:t>
-            </a:r>
-            <a:r>
-              <a:rPr lang="de-DE" sz="2000" dirty="0" err="1">
-                <a:latin typeface="Courier New" panose="02070309020205020404" pitchFamily="49" charset="0"/>
-                <a:cs typeface="Courier New" panose="02070309020205020404" pitchFamily="49" charset="0"/>
-              </a:rPr>
-              <a:t>shop.tar</a:t>
-            </a:r>
-            <a:endParaRPr lang="de-DE" sz="2000" dirty="0">
-              <a:latin typeface="Courier New" panose="02070309020205020404" pitchFamily="49" charset="0"/>
-              <a:cs typeface="Courier New" panose="02070309020205020404" pitchFamily="49" charset="0"/>
-            </a:endParaRPr>
-          </a:p>
-        </p:txBody>
-      </p:sp>
-    </p:spTree>
-    <p:extLst>
-      <p:ext uri="{BB962C8B-B14F-4D97-AF65-F5344CB8AC3E}">
-        <p14:creationId xmlns:p14="http://schemas.microsoft.com/office/powerpoint/2010/main" val="883986804"/>
-      </p:ext>
-    </p:extLst>
-  </p:cSld>
-  <p:clrMapOvr>
-    <a:masterClrMapping/>
-  </p:clrMapOvr>
-</p:sld>
-</file>
-
-<file path=ppt/slides/slide12.xml><?xml version="1.0" encoding="utf-8"?>
-<p:sld xmlns:a="http://schemas.openxmlformats.org/drawingml/2006/main" xmlns:r="http://schemas.openxmlformats.org/officeDocument/2006/relationships" xmlns:p="http://schemas.openxmlformats.org/presentationml/2006/main">
-  <p:cSld>
-    <p:spTree>
-      <p:nvGrpSpPr>
-        <p:cNvPr id="1" name=""/>
-        <p:cNvGrpSpPr/>
-        <p:nvPr/>
-      </p:nvGrpSpPr>
-      <p:grpSpPr>
-        <a:xfrm>
-          <a:off x="0" y="0"/>
-          <a:ext cx="0" cy="0"/>
-          <a:chOff x="0" y="0"/>
-          <a:chExt cx="0" cy="0"/>
-        </a:xfrm>
-      </p:grpSpPr>
-      <p:sp>
-        <p:nvSpPr>
-          <p:cNvPr id="2" name="Titel 1">
-            <a:extLst>
-              <a:ext uri="{FF2B5EF4-FFF2-40B4-BE49-F238E27FC236}">
-                <a16:creationId xmlns:a16="http://schemas.microsoft.com/office/drawing/2014/main" id="{6771848D-1E70-E48B-5C6D-951BC6041598}"/>
-              </a:ext>
-            </a:extLst>
-          </p:cNvPr>
-          <p:cNvSpPr>
-            <a:spLocks noGrp="1"/>
-          </p:cNvSpPr>
-          <p:nvPr>
-            <p:ph type="title"/>
-          </p:nvPr>
-        </p:nvSpPr>
-        <p:spPr/>
-        <p:txBody>
-          <a:bodyPr/>
-          <a:lstStyle/>
-          <a:p>
-            <a:r>
-              <a:rPr lang="de-DE" dirty="0"/>
-              <a:t>7. Anwendung in </a:t>
-            </a:r>
-            <a:r>
-              <a:rPr lang="de-DE" dirty="0" err="1"/>
-              <a:t>Kubernetes</a:t>
-            </a:r>
-            <a:r>
-              <a:rPr lang="de-DE" dirty="0"/>
-              <a:t> deployen</a:t>
-            </a:r>
-          </a:p>
-        </p:txBody>
-      </p:sp>
-      <p:sp>
-        <p:nvSpPr>
-          <p:cNvPr id="3" name="Inhaltsplatzhalter 2">
-            <a:extLst>
-              <a:ext uri="{FF2B5EF4-FFF2-40B4-BE49-F238E27FC236}">
-                <a16:creationId xmlns:a16="http://schemas.microsoft.com/office/drawing/2014/main" id="{C6B47590-B943-D19C-BC30-9C11A54E6BFE}"/>
-              </a:ext>
-            </a:extLst>
-          </p:cNvPr>
-          <p:cNvSpPr>
-            <a:spLocks noGrp="1"/>
-          </p:cNvSpPr>
-          <p:nvPr>
-            <p:ph idx="1"/>
-          </p:nvPr>
-        </p:nvSpPr>
-        <p:spPr/>
-        <p:txBody>
-          <a:bodyPr/>
-          <a:lstStyle/>
-          <a:p>
-            <a:r>
-              <a:rPr lang="de-DE" dirty="0"/>
-              <a:t>Auf </a:t>
-            </a:r>
-            <a:r>
-              <a:rPr lang="de-DE" dirty="0" err="1">
-                <a:latin typeface="Courier New" panose="02070309020205020404" pitchFamily="49" charset="0"/>
-                <a:cs typeface="Courier New" panose="02070309020205020404" pitchFamily="49" charset="0"/>
-              </a:rPr>
-              <a:t>master</a:t>
-            </a:r>
-            <a:r>
-              <a:rPr lang="de-DE" dirty="0"/>
-              <a:t>: In der Datei </a:t>
-            </a:r>
-            <a:r>
-              <a:rPr lang="de-DE" dirty="0" err="1">
-                <a:latin typeface="Courier New" panose="02070309020205020404" pitchFamily="49" charset="0"/>
-                <a:cs typeface="Courier New" panose="02070309020205020404" pitchFamily="49" charset="0"/>
-              </a:rPr>
-              <a:t>docker-compose.yml</a:t>
-            </a:r>
-            <a:r>
-              <a:rPr lang="de-DE" dirty="0">
-                <a:latin typeface="Courier New" panose="02070309020205020404" pitchFamily="49" charset="0"/>
-                <a:cs typeface="Courier New" panose="02070309020205020404" pitchFamily="49" charset="0"/>
-              </a:rPr>
-              <a:t> </a:t>
-            </a:r>
-            <a:r>
-              <a:rPr lang="de-DE" dirty="0"/>
-              <a:t>muss </a:t>
-            </a:r>
-            <a:r>
-              <a:rPr lang="de-DE" dirty="0" err="1">
-                <a:latin typeface="Courier New" panose="02070309020205020404" pitchFamily="49" charset="0"/>
-                <a:cs typeface="Courier New" panose="02070309020205020404" pitchFamily="49" charset="0"/>
-              </a:rPr>
-              <a:t>replace_me</a:t>
-            </a:r>
-            <a:r>
-              <a:rPr lang="de-DE" dirty="0">
-                <a:latin typeface="Courier New" panose="02070309020205020404" pitchFamily="49" charset="0"/>
-                <a:cs typeface="Courier New" panose="02070309020205020404" pitchFamily="49" charset="0"/>
-              </a:rPr>
-              <a:t> </a:t>
-            </a:r>
-            <a:r>
-              <a:rPr lang="de-DE" dirty="0"/>
-              <a:t>durch die IP-Adresse des Datenbank-Servers ersetzt werden!</a:t>
-            </a:r>
-            <a:endParaRPr lang="de-DE" dirty="0">
-              <a:cs typeface="Courier New" panose="02070309020205020404" pitchFamily="49" charset="0"/>
-            </a:endParaRPr>
-          </a:p>
-          <a:p>
-            <a:pPr marL="0" indent="0">
-              <a:buNone/>
-            </a:pPr>
-            <a:r>
-              <a:rPr lang="de-DE" sz="2400" dirty="0">
-                <a:latin typeface="Courier New" panose="02070309020205020404" pitchFamily="49" charset="0"/>
-                <a:cs typeface="Courier New" panose="02070309020205020404" pitchFamily="49" charset="0"/>
-              </a:rPr>
-              <a:t>	cd ~/</a:t>
-            </a:r>
-            <a:r>
-              <a:rPr lang="de-DE" sz="2400" dirty="0" err="1">
-                <a:latin typeface="Courier New" panose="02070309020205020404" pitchFamily="49" charset="0"/>
-                <a:cs typeface="Courier New" panose="02070309020205020404" pitchFamily="49" charset="0"/>
-              </a:rPr>
-              <a:t>java</a:t>
-            </a:r>
-            <a:r>
-              <a:rPr lang="de-DE" sz="2400" dirty="0">
-                <a:latin typeface="Courier New" panose="02070309020205020404" pitchFamily="49" charset="0"/>
-                <a:cs typeface="Courier New" panose="02070309020205020404" pitchFamily="49" charset="0"/>
-              </a:rPr>
-              <a:t>-starter/sample/</a:t>
-            </a:r>
-            <a:r>
-              <a:rPr lang="de-DE" sz="2400" dirty="0" err="1">
-                <a:latin typeface="Courier New" panose="02070309020205020404" pitchFamily="49" charset="0"/>
-                <a:cs typeface="Courier New" panose="02070309020205020404" pitchFamily="49" charset="0"/>
-              </a:rPr>
-              <a:t>kubernetes</a:t>
-            </a:r>
-            <a:r>
-              <a:rPr lang="de-DE" sz="2400" dirty="0">
-                <a:latin typeface="Courier New" panose="02070309020205020404" pitchFamily="49" charset="0"/>
-                <a:cs typeface="Courier New" panose="02070309020205020404" pitchFamily="49" charset="0"/>
-              </a:rPr>
-              <a:t>/</a:t>
-            </a:r>
-            <a:r>
-              <a:rPr lang="de-DE" sz="2400" dirty="0" err="1">
-                <a:latin typeface="Courier New" panose="02070309020205020404" pitchFamily="49" charset="0"/>
-                <a:cs typeface="Courier New" panose="02070309020205020404" pitchFamily="49" charset="0"/>
-              </a:rPr>
-              <a:t>deployment</a:t>
-            </a:r>
-            <a:endParaRPr lang="de-DE" sz="2400" dirty="0">
-              <a:latin typeface="Courier New" panose="02070309020205020404" pitchFamily="49" charset="0"/>
-              <a:cs typeface="Courier New" panose="02070309020205020404" pitchFamily="49" charset="0"/>
-            </a:endParaRPr>
-          </a:p>
-          <a:p>
-            <a:pPr marL="0" indent="0">
-              <a:buNone/>
-            </a:pPr>
-            <a:r>
-              <a:rPr lang="de-DE" sz="2400" dirty="0">
-                <a:latin typeface="Courier New" panose="02070309020205020404" pitchFamily="49" charset="0"/>
-                <a:cs typeface="Courier New" panose="02070309020205020404" pitchFamily="49" charset="0"/>
-              </a:rPr>
-              <a:t>	sed -i 's/</a:t>
-            </a:r>
-            <a:r>
-              <a:rPr lang="de-DE" sz="2400" dirty="0" err="1">
-                <a:latin typeface="Courier New" panose="02070309020205020404" pitchFamily="49" charset="0"/>
-                <a:cs typeface="Courier New" panose="02070309020205020404" pitchFamily="49" charset="0"/>
-              </a:rPr>
-              <a:t>replace_me</a:t>
-            </a:r>
-            <a:r>
-              <a:rPr lang="de-DE" sz="2400" dirty="0">
-                <a:latin typeface="Courier New" panose="02070309020205020404" pitchFamily="49" charset="0"/>
-                <a:cs typeface="Courier New" panose="02070309020205020404" pitchFamily="49" charset="0"/>
-              </a:rPr>
-              <a:t>/192.168.22.5/</a:t>
-            </a:r>
-            <a:r>
-              <a:rPr lang="de-DE" sz="2400" dirty="0" err="1">
-                <a:latin typeface="Courier New" panose="02070309020205020404" pitchFamily="49" charset="0"/>
-                <a:cs typeface="Courier New" panose="02070309020205020404" pitchFamily="49" charset="0"/>
-              </a:rPr>
-              <a:t>g</a:t>
-            </a:r>
-            <a:r>
-              <a:rPr lang="de-DE" sz="2400" dirty="0">
-                <a:latin typeface="Courier New" panose="02070309020205020404" pitchFamily="49" charset="0"/>
-                <a:cs typeface="Courier New" panose="02070309020205020404" pitchFamily="49" charset="0"/>
-              </a:rPr>
-              <a:t>' </a:t>
-            </a:r>
-            <a:r>
-              <a:rPr lang="de-DE" sz="2400" dirty="0" err="1">
-                <a:latin typeface="Courier New" panose="02070309020205020404" pitchFamily="49" charset="0"/>
-                <a:cs typeface="Courier New" panose="02070309020205020404" pitchFamily="49" charset="0"/>
-              </a:rPr>
-              <a:t>sample.yml</a:t>
-            </a:r>
-            <a:endParaRPr lang="de-DE" sz="2400" dirty="0">
-              <a:latin typeface="Courier New" panose="02070309020205020404" pitchFamily="49" charset="0"/>
-              <a:cs typeface="Courier New" panose="02070309020205020404" pitchFamily="49" charset="0"/>
-            </a:endParaRPr>
-          </a:p>
-          <a:p>
-            <a:pPr marL="0" indent="0">
-              <a:buNone/>
-            </a:pPr>
-            <a:r>
-              <a:rPr lang="de-DE" sz="2400" dirty="0">
-                <a:latin typeface="Courier New" panose="02070309020205020404" pitchFamily="49" charset="0"/>
-                <a:cs typeface="Courier New" panose="02070309020205020404" pitchFamily="49" charset="0"/>
-              </a:rPr>
-              <a:t>	microk8s </a:t>
-            </a:r>
-            <a:r>
-              <a:rPr lang="de-DE" sz="2400" dirty="0" err="1">
-                <a:latin typeface="Courier New" panose="02070309020205020404" pitchFamily="49" charset="0"/>
-                <a:cs typeface="Courier New" panose="02070309020205020404" pitchFamily="49" charset="0"/>
-              </a:rPr>
-              <a:t>kubectl</a:t>
-            </a:r>
-            <a:r>
-              <a:rPr lang="de-DE" sz="2400" dirty="0">
-                <a:latin typeface="Courier New" panose="02070309020205020404" pitchFamily="49" charset="0"/>
-                <a:cs typeface="Courier New" panose="02070309020205020404" pitchFamily="49" charset="0"/>
-              </a:rPr>
-              <a:t> </a:t>
-            </a:r>
-            <a:r>
-              <a:rPr lang="de-DE" sz="2400" dirty="0" err="1">
-                <a:latin typeface="Courier New" panose="02070309020205020404" pitchFamily="49" charset="0"/>
-                <a:cs typeface="Courier New" panose="02070309020205020404" pitchFamily="49" charset="0"/>
-              </a:rPr>
-              <a:t>apply</a:t>
-            </a:r>
-            <a:r>
-              <a:rPr lang="de-DE" sz="2400" dirty="0">
-                <a:latin typeface="Courier New" panose="02070309020205020404" pitchFamily="49" charset="0"/>
-                <a:cs typeface="Courier New" panose="02070309020205020404" pitchFamily="49" charset="0"/>
-              </a:rPr>
-              <a:t> -f </a:t>
-            </a:r>
-            <a:r>
-              <a:rPr lang="de-DE" sz="2400" dirty="0" err="1">
-                <a:latin typeface="Courier New" panose="02070309020205020404" pitchFamily="49" charset="0"/>
-                <a:cs typeface="Courier New" panose="02070309020205020404" pitchFamily="49" charset="0"/>
-              </a:rPr>
-              <a:t>sample.yml</a:t>
-            </a:r>
-            <a:endParaRPr lang="de-DE" sz="2400" dirty="0">
-              <a:latin typeface="Courier New" panose="02070309020205020404" pitchFamily="49" charset="0"/>
-              <a:cs typeface="Courier New" panose="02070309020205020404" pitchFamily="49" charset="0"/>
-            </a:endParaRPr>
-          </a:p>
-        </p:txBody>
-      </p:sp>
-      <p:grpSp>
-        <p:nvGrpSpPr>
-          <p:cNvPr id="6" name="Gruppieren 5">
-            <a:extLst>
-              <a:ext uri="{FF2B5EF4-FFF2-40B4-BE49-F238E27FC236}">
-                <a16:creationId xmlns:a16="http://schemas.microsoft.com/office/drawing/2014/main" id="{342C5774-54C6-840C-B337-3EA690C9B359}"/>
-              </a:ext>
-            </a:extLst>
-          </p:cNvPr>
-          <p:cNvGrpSpPr/>
-          <p:nvPr/>
-        </p:nvGrpSpPr>
-        <p:grpSpPr>
-          <a:xfrm>
-            <a:off x="5670865" y="3525199"/>
-            <a:ext cx="2238447" cy="769441"/>
-            <a:chOff x="5753992" y="3145188"/>
-            <a:chExt cx="2238447" cy="769441"/>
-          </a:xfrm>
-        </p:grpSpPr>
-        <p:sp>
-          <p:nvSpPr>
-            <p:cNvPr id="4" name="Oval 3">
-              <a:extLst>
-                <a:ext uri="{FF2B5EF4-FFF2-40B4-BE49-F238E27FC236}">
-                  <a16:creationId xmlns:a16="http://schemas.microsoft.com/office/drawing/2014/main" id="{28E4552C-71AB-63D5-F605-7CA9BC826914}"/>
-                </a:ext>
-              </a:extLst>
-            </p:cNvPr>
-            <p:cNvSpPr/>
-            <p:nvPr/>
-          </p:nvSpPr>
-          <p:spPr>
-            <a:xfrm>
-              <a:off x="5753992" y="3162276"/>
-              <a:ext cx="2201288" cy="367633"/>
-            </a:xfrm>
-            <a:prstGeom prst="ellipse">
-              <a:avLst/>
-            </a:prstGeom>
-            <a:noFill/>
-            <a:ln w="38100">
-              <a:solidFill>
-                <a:srgbClr val="FF0000"/>
-              </a:solidFill>
-            </a:ln>
-          </p:spPr>
-          <p:style>
-            <a:lnRef idx="2">
-              <a:schemeClr val="accent1">
-                <a:shade val="50000"/>
-              </a:schemeClr>
-            </a:lnRef>
-            <a:fillRef idx="1">
-              <a:schemeClr val="accent1"/>
-            </a:fillRef>
-            <a:effectRef idx="0">
-              <a:schemeClr val="accent1"/>
-            </a:effectRef>
-            <a:fontRef idx="minor">
-              <a:schemeClr val="lt1"/>
-            </a:fontRef>
-          </p:style>
-          <p:txBody>
-            <a:bodyPr rtlCol="0" anchor="ctr"/>
-            <a:lstStyle/>
-            <a:p>
-              <a:pPr algn="ctr"/>
-              <a:endParaRPr lang="de-DE"/>
-            </a:p>
-          </p:txBody>
-        </p:sp>
-        <p:sp>
-          <p:nvSpPr>
-            <p:cNvPr id="5" name="Textfeld 4">
-              <a:extLst>
-                <a:ext uri="{FF2B5EF4-FFF2-40B4-BE49-F238E27FC236}">
-                  <a16:creationId xmlns:a16="http://schemas.microsoft.com/office/drawing/2014/main" id="{6FCA7286-4252-2346-0A99-E96B1EBDE716}"/>
-                </a:ext>
-              </a:extLst>
-            </p:cNvPr>
-            <p:cNvSpPr txBox="1"/>
-            <p:nvPr/>
-          </p:nvSpPr>
-          <p:spPr>
-            <a:xfrm>
-              <a:off x="7214662" y="3145188"/>
-              <a:ext cx="777777" cy="769441"/>
-            </a:xfrm>
-            <a:prstGeom prst="rect">
-              <a:avLst/>
-            </a:prstGeom>
-            <a:noFill/>
-          </p:spPr>
-          <p:txBody>
-            <a:bodyPr wrap="none" rtlCol="0">
-              <a:spAutoFit/>
-            </a:bodyPr>
-            <a:lstStyle/>
-            <a:p>
-              <a:r>
-                <a:rPr lang="de-DE" sz="4400" dirty="0" err="1">
-                  <a:solidFill>
-                    <a:srgbClr val="FF0000"/>
-                  </a:solidFill>
-                </a:rPr>
-                <a:t>db</a:t>
-              </a:r>
-              <a:endParaRPr lang="de-DE" sz="4400" dirty="0">
-                <a:solidFill>
-                  <a:srgbClr val="FF0000"/>
-                </a:solidFill>
-              </a:endParaRPr>
-            </a:p>
-          </p:txBody>
-        </p:sp>
-      </p:grpSp>
-    </p:spTree>
-    <p:extLst>
-      <p:ext uri="{BB962C8B-B14F-4D97-AF65-F5344CB8AC3E}">
-        <p14:creationId xmlns:p14="http://schemas.microsoft.com/office/powerpoint/2010/main" val="1844990318"/>
-      </p:ext>
-    </p:extLst>
-  </p:cSld>
-  <p:clrMapOvr>
-    <a:masterClrMapping/>
-  </p:clrMapOvr>
-</p:sld>
-</file>
-
-<file path=ppt/slides/slide13.xml><?xml version="1.0" encoding="utf-8"?>
-<p:sld xmlns:a="http://schemas.openxmlformats.org/drawingml/2006/main" xmlns:r="http://schemas.openxmlformats.org/officeDocument/2006/relationships" xmlns:p="http://schemas.openxmlformats.org/presentationml/2006/main">
-  <p:cSld>
-    <p:spTree>
-      <p:nvGrpSpPr>
-        <p:cNvPr id="1" name=""/>
-        <p:cNvGrpSpPr/>
-        <p:nvPr/>
-      </p:nvGrpSpPr>
-      <p:grpSpPr>
-        <a:xfrm>
-          <a:off x="0" y="0"/>
-          <a:ext cx="0" cy="0"/>
-          <a:chOff x="0" y="0"/>
-          <a:chExt cx="0" cy="0"/>
-        </a:xfrm>
-      </p:grpSpPr>
-      <p:sp>
-        <p:nvSpPr>
-          <p:cNvPr id="2" name="Titel 1">
-            <a:extLst>
-              <a:ext uri="{FF2B5EF4-FFF2-40B4-BE49-F238E27FC236}">
-                <a16:creationId xmlns:a16="http://schemas.microsoft.com/office/drawing/2014/main" id="{182D65AE-F729-F44A-6E4A-EAF568F96FF3}"/>
-              </a:ext>
-            </a:extLst>
-          </p:cNvPr>
-          <p:cNvSpPr>
-            <a:spLocks noGrp="1"/>
-          </p:cNvSpPr>
-          <p:nvPr>
-            <p:ph type="title"/>
-          </p:nvPr>
-        </p:nvSpPr>
-        <p:spPr/>
-        <p:txBody>
-          <a:bodyPr/>
-          <a:lstStyle/>
-          <a:p>
-            <a:r>
-              <a:rPr lang="de-DE" dirty="0"/>
-              <a:t>8. Mit Postman ausprobieren</a:t>
+              <a:t>7. Mit Postman ausprobieren</a:t>
             </a:r>
           </a:p>
         </p:txBody>
@@ -5645,7 +4274,7 @@
 </p:sld>
 </file>
 
-<file path=ppt/slides/slide14.xml><?xml version="1.0" encoding="utf-8"?>
+<file path=ppt/slides/slide11.xml><?xml version="1.0" encoding="utf-8"?>
 <p:sld xmlns:a="http://schemas.openxmlformats.org/drawingml/2006/main" xmlns:r="http://schemas.openxmlformats.org/officeDocument/2006/relationships" xmlns:p="http://schemas.openxmlformats.org/presentationml/2006/main">
   <p:cSld>
     <p:spTree>
@@ -6168,32 +4797,6 @@
             </a:pPr>
             <a:r>
               <a:rPr lang="de-DE" dirty="0"/>
-              <a:t>Images in </a:t>
-            </a:r>
-            <a:r>
-              <a:rPr lang="de-DE" dirty="0" err="1"/>
-              <a:t>Kubernetes</a:t>
-            </a:r>
-            <a:r>
-              <a:rPr lang="de-DE" dirty="0"/>
-              <a:t> </a:t>
-            </a:r>
-            <a:r>
-              <a:rPr lang="de-DE" dirty="0" err="1"/>
-              <a:t>repository</a:t>
-            </a:r>
-            <a:r>
-              <a:rPr lang="de-DE" dirty="0"/>
-              <a:t> importieren</a:t>
-            </a:r>
-          </a:p>
-          <a:p>
-            <a:pPr marL="914400" lvl="1" indent="-457200">
-              <a:buFont typeface="+mj-lt"/>
-              <a:buAutoNum type="arabicPeriod"/>
-            </a:pPr>
-            <a:r>
-              <a:rPr lang="de-DE" dirty="0"/>
               <a:t>Anwendung in </a:t>
             </a:r>
             <a:r>
@@ -6306,390 +4909,30 @@
           </a:bodyPr>
           <a:lstStyle/>
           <a:p>
-            <a:pPr marL="0" indent="0">
-              <a:buNone/>
-            </a:pPr>
-            <a:r>
-              <a:rPr lang="de-DE" sz="2400" dirty="0"/>
-              <a:t>	</a:t>
-            </a:r>
-            <a:r>
-              <a:rPr lang="de-DE" sz="2400" dirty="0">
-                <a:latin typeface="Courier New" panose="02070309020205020404" pitchFamily="49" charset="0"/>
-                <a:cs typeface="Courier New" panose="02070309020205020404" pitchFamily="49" charset="0"/>
-              </a:rPr>
-              <a:t>multipass </a:t>
-            </a:r>
-            <a:r>
-              <a:rPr lang="de-DE" sz="2400" dirty="0" err="1">
-                <a:latin typeface="Courier New" panose="02070309020205020404" pitchFamily="49" charset="0"/>
-                <a:cs typeface="Courier New" panose="02070309020205020404" pitchFamily="49" charset="0"/>
-              </a:rPr>
-              <a:t>shell</a:t>
-            </a:r>
-            <a:r>
-              <a:rPr lang="de-DE" sz="2400" dirty="0">
-                <a:latin typeface="Courier New" panose="02070309020205020404" pitchFamily="49" charset="0"/>
-                <a:cs typeface="Courier New" panose="02070309020205020404" pitchFamily="49" charset="0"/>
-              </a:rPr>
-              <a:t> </a:t>
-            </a:r>
-            <a:r>
-              <a:rPr lang="de-DE" sz="2400" dirty="0" err="1">
-                <a:latin typeface="Courier New" panose="02070309020205020404" pitchFamily="49" charset="0"/>
-                <a:cs typeface="Courier New" panose="02070309020205020404" pitchFamily="49" charset="0"/>
-              </a:rPr>
-              <a:t>master</a:t>
-            </a:r>
-            <a:endParaRPr lang="de-DE" sz="2400" dirty="0">
-              <a:latin typeface="Courier New" panose="02070309020205020404" pitchFamily="49" charset="0"/>
-              <a:cs typeface="Courier New" panose="02070309020205020404" pitchFamily="49" charset="0"/>
-            </a:endParaRPr>
-          </a:p>
-          <a:p>
-            <a:pPr marL="0" indent="0">
-              <a:buNone/>
-            </a:pPr>
-            <a:r>
-              <a:rPr lang="de-DE" sz="2400" dirty="0">
-                <a:latin typeface="Courier New" panose="02070309020205020404" pitchFamily="49" charset="0"/>
-                <a:cs typeface="Courier New" panose="02070309020205020404" pitchFamily="49" charset="0"/>
-              </a:rPr>
-              <a:t>	</a:t>
-            </a:r>
-            <a:r>
-              <a:rPr lang="de-DE" sz="2400" dirty="0" err="1">
-                <a:latin typeface="Courier New" panose="02070309020205020404" pitchFamily="49" charset="0"/>
-                <a:cs typeface="Courier New" panose="02070309020205020404" pitchFamily="49" charset="0"/>
-              </a:rPr>
-              <a:t>sudo</a:t>
-            </a:r>
-            <a:r>
-              <a:rPr lang="de-DE" sz="2400" dirty="0">
-                <a:latin typeface="Courier New" panose="02070309020205020404" pitchFamily="49" charset="0"/>
-                <a:cs typeface="Courier New" panose="02070309020205020404" pitchFamily="49" charset="0"/>
-              </a:rPr>
-              <a:t> </a:t>
-            </a:r>
-            <a:r>
-              <a:rPr lang="de-DE" sz="2400" dirty="0" err="1">
-                <a:latin typeface="Courier New" panose="02070309020205020404" pitchFamily="49" charset="0"/>
-                <a:cs typeface="Courier New" panose="02070309020205020404" pitchFamily="49" charset="0"/>
-              </a:rPr>
-              <a:t>apt-get</a:t>
-            </a:r>
-            <a:r>
-              <a:rPr lang="de-DE" sz="2400" dirty="0">
-                <a:latin typeface="Courier New" panose="02070309020205020404" pitchFamily="49" charset="0"/>
-                <a:cs typeface="Courier New" panose="02070309020205020404" pitchFamily="49" charset="0"/>
-              </a:rPr>
-              <a:t> update</a:t>
-            </a:r>
-          </a:p>
-          <a:p>
-            <a:pPr marL="0" indent="0">
-              <a:buNone/>
-            </a:pPr>
-            <a:r>
-              <a:rPr lang="de-DE" sz="2400" dirty="0"/>
-              <a:t>	</a:t>
-            </a:r>
-            <a:r>
-              <a:rPr lang="de-DE" sz="2400" dirty="0" err="1">
-                <a:latin typeface="Courier New" panose="02070309020205020404" pitchFamily="49" charset="0"/>
-                <a:cs typeface="Courier New" panose="02070309020205020404" pitchFamily="49" charset="0"/>
-              </a:rPr>
-              <a:t>sudo</a:t>
-            </a:r>
-            <a:r>
-              <a:rPr lang="de-DE" sz="2400" dirty="0">
-                <a:latin typeface="Courier New" panose="02070309020205020404" pitchFamily="49" charset="0"/>
-                <a:cs typeface="Courier New" panose="02070309020205020404" pitchFamily="49" charset="0"/>
-              </a:rPr>
-              <a:t> </a:t>
-            </a:r>
-            <a:r>
-              <a:rPr lang="de-DE" sz="2400" dirty="0" err="1">
-                <a:latin typeface="Courier New" panose="02070309020205020404" pitchFamily="49" charset="0"/>
-                <a:cs typeface="Courier New" panose="02070309020205020404" pitchFamily="49" charset="0"/>
-              </a:rPr>
-              <a:t>apt</a:t>
-            </a:r>
-            <a:r>
-              <a:rPr lang="de-DE" sz="2400" dirty="0">
-                <a:latin typeface="Courier New" panose="02070309020205020404" pitchFamily="49" charset="0"/>
-                <a:cs typeface="Courier New" panose="02070309020205020404" pitchFamily="49" charset="0"/>
-              </a:rPr>
-              <a:t> </a:t>
-            </a:r>
-            <a:r>
-              <a:rPr lang="de-DE" sz="2400" dirty="0" err="1">
-                <a:latin typeface="Courier New" panose="02070309020205020404" pitchFamily="49" charset="0"/>
-                <a:cs typeface="Courier New" panose="02070309020205020404" pitchFamily="49" charset="0"/>
-              </a:rPr>
-              <a:t>install</a:t>
-            </a:r>
-            <a:r>
-              <a:rPr lang="de-DE" sz="2400" dirty="0">
-                <a:latin typeface="Courier New" panose="02070309020205020404" pitchFamily="49" charset="0"/>
-                <a:cs typeface="Courier New" panose="02070309020205020404" pitchFamily="49" charset="0"/>
-              </a:rPr>
-              <a:t> </a:t>
-            </a:r>
-            <a:r>
-              <a:rPr lang="de-DE" sz="2400" dirty="0" err="1">
-                <a:latin typeface="Courier New" panose="02070309020205020404" pitchFamily="49" charset="0"/>
-                <a:cs typeface="Courier New" panose="02070309020205020404" pitchFamily="49" charset="0"/>
-              </a:rPr>
-              <a:t>maven</a:t>
-            </a:r>
-            <a:r>
-              <a:rPr lang="de-DE" sz="2400" dirty="0">
-                <a:latin typeface="Courier New" panose="02070309020205020404" pitchFamily="49" charset="0"/>
-                <a:cs typeface="Courier New" panose="02070309020205020404" pitchFamily="49" charset="0"/>
-              </a:rPr>
-              <a:t> openjdk-17-jdk</a:t>
-            </a:r>
-          </a:p>
-          <a:p>
-            <a:pPr marL="0" indent="0">
-              <a:buNone/>
-            </a:pPr>
-            <a:r>
-              <a:rPr lang="de-DE" sz="2400" dirty="0">
-                <a:latin typeface="Courier New" panose="02070309020205020404" pitchFamily="49" charset="0"/>
-                <a:cs typeface="Courier New" panose="02070309020205020404" pitchFamily="49" charset="0"/>
-              </a:rPr>
-              <a:t>	</a:t>
-            </a:r>
-            <a:r>
-              <a:rPr lang="de-DE" sz="2400" dirty="0" err="1">
-                <a:latin typeface="Courier New" panose="02070309020205020404" pitchFamily="49" charset="0"/>
-                <a:cs typeface="Courier New" panose="02070309020205020404" pitchFamily="49" charset="0"/>
-              </a:rPr>
-              <a:t>sudo</a:t>
-            </a:r>
-            <a:r>
-              <a:rPr lang="de-DE" sz="2400" dirty="0">
-                <a:latin typeface="Courier New" panose="02070309020205020404" pitchFamily="49" charset="0"/>
-                <a:cs typeface="Courier New" panose="02070309020205020404" pitchFamily="49" charset="0"/>
-              </a:rPr>
-              <a:t> </a:t>
-            </a:r>
-            <a:r>
-              <a:rPr lang="de-DE" sz="2400" dirty="0" err="1">
-                <a:latin typeface="Courier New" panose="02070309020205020404" pitchFamily="49" charset="0"/>
-                <a:cs typeface="Courier New" panose="02070309020205020404" pitchFamily="49" charset="0"/>
-              </a:rPr>
-              <a:t>snap</a:t>
-            </a:r>
-            <a:r>
-              <a:rPr lang="de-DE" sz="2400" dirty="0">
-                <a:latin typeface="Courier New" panose="02070309020205020404" pitchFamily="49" charset="0"/>
-                <a:cs typeface="Courier New" panose="02070309020205020404" pitchFamily="49" charset="0"/>
-              </a:rPr>
-              <a:t> </a:t>
-            </a:r>
-            <a:r>
-              <a:rPr lang="de-DE" sz="2400" dirty="0" err="1">
-                <a:latin typeface="Courier New" panose="02070309020205020404" pitchFamily="49" charset="0"/>
-                <a:cs typeface="Courier New" panose="02070309020205020404" pitchFamily="49" charset="0"/>
-              </a:rPr>
-              <a:t>install</a:t>
-            </a:r>
-            <a:r>
-              <a:rPr lang="de-DE" sz="2400" dirty="0">
-                <a:latin typeface="Courier New" panose="02070309020205020404" pitchFamily="49" charset="0"/>
-                <a:cs typeface="Courier New" panose="02070309020205020404" pitchFamily="49" charset="0"/>
-              </a:rPr>
-              <a:t> </a:t>
-            </a:r>
-            <a:r>
-              <a:rPr lang="de-DE" sz="2400" dirty="0" err="1">
-                <a:latin typeface="Courier New" panose="02070309020205020404" pitchFamily="49" charset="0"/>
-                <a:cs typeface="Courier New" panose="02070309020205020404" pitchFamily="49" charset="0"/>
-              </a:rPr>
-              <a:t>docker</a:t>
-            </a:r>
-            <a:endParaRPr lang="de-DE" sz="2400" dirty="0">
-              <a:latin typeface="Courier New" panose="02070309020205020404" pitchFamily="49" charset="0"/>
-              <a:cs typeface="Courier New" panose="02070309020205020404" pitchFamily="49" charset="0"/>
-            </a:endParaRPr>
-          </a:p>
-          <a:p>
-            <a:pPr marL="0" indent="0">
-              <a:buNone/>
-            </a:pPr>
-            <a:r>
-              <a:rPr lang="de-DE" sz="2400" dirty="0">
-                <a:latin typeface="Courier New" panose="02070309020205020404" pitchFamily="49" charset="0"/>
-                <a:cs typeface="Courier New" panose="02070309020205020404" pitchFamily="49" charset="0"/>
-              </a:rPr>
-              <a:t>	</a:t>
-            </a:r>
-            <a:r>
-              <a:rPr lang="de-DE" sz="2400" dirty="0" err="1">
-                <a:latin typeface="Courier New" panose="02070309020205020404" pitchFamily="49" charset="0"/>
-                <a:cs typeface="Courier New" panose="02070309020205020404" pitchFamily="49" charset="0"/>
-              </a:rPr>
-              <a:t>sudo</a:t>
-            </a:r>
-            <a:r>
-              <a:rPr lang="de-DE" sz="2400" dirty="0">
-                <a:latin typeface="Courier New" panose="02070309020205020404" pitchFamily="49" charset="0"/>
-                <a:cs typeface="Courier New" panose="02070309020205020404" pitchFamily="49" charset="0"/>
-              </a:rPr>
-              <a:t> </a:t>
-            </a:r>
-            <a:r>
-              <a:rPr lang="de-DE" sz="2400" dirty="0" err="1">
-                <a:latin typeface="Courier New" panose="02070309020205020404" pitchFamily="49" charset="0"/>
-                <a:cs typeface="Courier New" panose="02070309020205020404" pitchFamily="49" charset="0"/>
-              </a:rPr>
-              <a:t>addgroup</a:t>
-            </a:r>
-            <a:r>
-              <a:rPr lang="de-DE" sz="2400" dirty="0">
-                <a:latin typeface="Courier New" panose="02070309020205020404" pitchFamily="49" charset="0"/>
-                <a:cs typeface="Courier New" panose="02070309020205020404" pitchFamily="49" charset="0"/>
-              </a:rPr>
-              <a:t> --system </a:t>
-            </a:r>
-            <a:r>
-              <a:rPr lang="de-DE" sz="2400" dirty="0" err="1">
-                <a:latin typeface="Courier New" panose="02070309020205020404" pitchFamily="49" charset="0"/>
-                <a:cs typeface="Courier New" panose="02070309020205020404" pitchFamily="49" charset="0"/>
-              </a:rPr>
-              <a:t>docker</a:t>
-            </a:r>
-            <a:endParaRPr lang="de-DE" sz="2400" dirty="0">
-              <a:latin typeface="Courier New" panose="02070309020205020404" pitchFamily="49" charset="0"/>
-              <a:cs typeface="Courier New" panose="02070309020205020404" pitchFamily="49" charset="0"/>
-            </a:endParaRPr>
-          </a:p>
-          <a:p>
-            <a:pPr marL="0" indent="0">
-              <a:buNone/>
-            </a:pPr>
-            <a:r>
-              <a:rPr lang="de-DE" sz="2400" dirty="0">
-                <a:latin typeface="Courier New" panose="02070309020205020404" pitchFamily="49" charset="0"/>
-                <a:cs typeface="Courier New" panose="02070309020205020404" pitchFamily="49" charset="0"/>
-              </a:rPr>
-              <a:t>	</a:t>
-            </a:r>
-            <a:r>
-              <a:rPr lang="de-DE" sz="2400" dirty="0" err="1">
-                <a:latin typeface="Courier New" panose="02070309020205020404" pitchFamily="49" charset="0"/>
-                <a:cs typeface="Courier New" panose="02070309020205020404" pitchFamily="49" charset="0"/>
-              </a:rPr>
-              <a:t>sudo</a:t>
-            </a:r>
-            <a:r>
-              <a:rPr lang="de-DE" sz="2400" dirty="0">
-                <a:latin typeface="Courier New" panose="02070309020205020404" pitchFamily="49" charset="0"/>
-                <a:cs typeface="Courier New" panose="02070309020205020404" pitchFamily="49" charset="0"/>
-              </a:rPr>
-              <a:t> </a:t>
-            </a:r>
-            <a:r>
-              <a:rPr lang="de-DE" sz="2400" dirty="0" err="1">
-                <a:latin typeface="Courier New" panose="02070309020205020404" pitchFamily="49" charset="0"/>
-                <a:cs typeface="Courier New" panose="02070309020205020404" pitchFamily="49" charset="0"/>
-              </a:rPr>
-              <a:t>adduser</a:t>
-            </a:r>
-            <a:r>
-              <a:rPr lang="de-DE" sz="2400" dirty="0">
-                <a:latin typeface="Courier New" panose="02070309020205020404" pitchFamily="49" charset="0"/>
-                <a:cs typeface="Courier New" panose="02070309020205020404" pitchFamily="49" charset="0"/>
-              </a:rPr>
-              <a:t> $USER </a:t>
-            </a:r>
-            <a:r>
-              <a:rPr lang="de-DE" sz="2400" dirty="0" err="1">
-                <a:latin typeface="Courier New" panose="02070309020205020404" pitchFamily="49" charset="0"/>
-                <a:cs typeface="Courier New" panose="02070309020205020404" pitchFamily="49" charset="0"/>
-              </a:rPr>
-              <a:t>docker</a:t>
-            </a:r>
-            <a:endParaRPr lang="de-DE" sz="2400" dirty="0">
-              <a:latin typeface="Courier New" panose="02070309020205020404" pitchFamily="49" charset="0"/>
-              <a:cs typeface="Courier New" panose="02070309020205020404" pitchFamily="49" charset="0"/>
-            </a:endParaRPr>
-          </a:p>
-          <a:p>
-            <a:pPr marL="0" indent="0">
-              <a:buNone/>
-            </a:pPr>
-            <a:r>
-              <a:rPr lang="de-DE" sz="2400" dirty="0">
-                <a:latin typeface="Courier New" panose="02070309020205020404" pitchFamily="49" charset="0"/>
-                <a:cs typeface="Courier New" panose="02070309020205020404" pitchFamily="49" charset="0"/>
-              </a:rPr>
-              <a:t>	</a:t>
-            </a:r>
-            <a:r>
-              <a:rPr lang="de-DE" sz="2400" dirty="0" err="1">
-                <a:latin typeface="Courier New" panose="02070309020205020404" pitchFamily="49" charset="0"/>
-                <a:cs typeface="Courier New" panose="02070309020205020404" pitchFamily="49" charset="0"/>
-              </a:rPr>
-              <a:t>sudo</a:t>
-            </a:r>
-            <a:r>
-              <a:rPr lang="de-DE" sz="2400" dirty="0">
-                <a:latin typeface="Courier New" panose="02070309020205020404" pitchFamily="49" charset="0"/>
-                <a:cs typeface="Courier New" panose="02070309020205020404" pitchFamily="49" charset="0"/>
-              </a:rPr>
-              <a:t> </a:t>
-            </a:r>
-            <a:r>
-              <a:rPr lang="de-DE" sz="2400" dirty="0" err="1">
-                <a:latin typeface="Courier New" panose="02070309020205020404" pitchFamily="49" charset="0"/>
-                <a:cs typeface="Courier New" panose="02070309020205020404" pitchFamily="49" charset="0"/>
-              </a:rPr>
-              <a:t>shutdown</a:t>
-            </a:r>
-            <a:r>
-              <a:rPr lang="de-DE" sz="2400" dirty="0">
-                <a:latin typeface="Courier New" panose="02070309020205020404" pitchFamily="49" charset="0"/>
-                <a:cs typeface="Courier New" panose="02070309020205020404" pitchFamily="49" charset="0"/>
-              </a:rPr>
-              <a:t> -</a:t>
-            </a:r>
-            <a:r>
-              <a:rPr lang="de-DE" sz="2400" dirty="0" err="1">
-                <a:latin typeface="Courier New" panose="02070309020205020404" pitchFamily="49" charset="0"/>
-                <a:cs typeface="Courier New" panose="02070309020205020404" pitchFamily="49" charset="0"/>
-              </a:rPr>
-              <a:t>r</a:t>
-            </a:r>
-            <a:r>
-              <a:rPr lang="de-DE" sz="2400" dirty="0">
-                <a:latin typeface="Courier New" panose="02070309020205020404" pitchFamily="49" charset="0"/>
-                <a:cs typeface="Courier New" panose="02070309020205020404" pitchFamily="49" charset="0"/>
-              </a:rPr>
-              <a:t> </a:t>
-            </a:r>
-            <a:r>
-              <a:rPr lang="de-DE" sz="2400" dirty="0" err="1">
-                <a:latin typeface="Courier New" panose="02070309020205020404" pitchFamily="49" charset="0"/>
-                <a:cs typeface="Courier New" panose="02070309020205020404" pitchFamily="49" charset="0"/>
-              </a:rPr>
-              <a:t>now</a:t>
-            </a:r>
-            <a:endParaRPr lang="de-DE" sz="2400" dirty="0">
-              <a:latin typeface="Courier New" panose="02070309020205020404" pitchFamily="49" charset="0"/>
-              <a:cs typeface="Courier New" panose="02070309020205020404" pitchFamily="49" charset="0"/>
-            </a:endParaRPr>
-          </a:p>
-          <a:p>
-            <a:pPr marL="0" indent="0">
-              <a:buNone/>
-            </a:pPr>
             <a:r>
               <a:rPr lang="de-DE" dirty="0"/>
-              <a:t>	</a:t>
+              <a:t>Auf dem Host-Rechner werden benötigt</a:t>
+            </a:r>
+          </a:p>
+          <a:p>
+            <a:pPr lvl="1"/>
+            <a:r>
+              <a:rPr lang="de-DE" dirty="0"/>
+              <a:t>Maven</a:t>
+            </a:r>
+          </a:p>
+          <a:p>
+            <a:pPr lvl="1"/>
+            <a:r>
+              <a:rPr lang="de-DE" dirty="0"/>
+              <a:t>JDK 17</a:t>
+            </a:r>
+          </a:p>
+          <a:p>
+            <a:pPr lvl="1"/>
+            <a:r>
+              <a:rPr lang="de-DE" dirty="0"/>
+              <a:t>Docker	</a:t>
             </a:r>
           </a:p>
         </p:txBody>
@@ -6777,215 +5020,16 @@
           <a:p>
             <a:r>
               <a:rPr lang="de-DE" dirty="0"/>
-              <a:t>Den eigenen </a:t>
+              <a:t>Auf dem Host-Rechner wird ein im </a:t>
             </a:r>
             <a:r>
               <a:rPr lang="de-DE" dirty="0" err="1"/>
-              <a:t>public</a:t>
+              <a:t>BitBucket</a:t>
             </a:r>
             <a:r>
               <a:rPr lang="de-DE" dirty="0"/>
-              <a:t> </a:t>
-            </a:r>
-            <a:r>
-              <a:rPr lang="de-DE" dirty="0" err="1"/>
-              <a:t>key</a:t>
-            </a:r>
-            <a:r>
-              <a:rPr lang="de-DE" dirty="0"/>
-              <a:t> an die Datei </a:t>
-            </a:r>
-            <a:r>
-              <a:rPr lang="de-DE" dirty="0">
-                <a:latin typeface="Courier New" panose="02070309020205020404" pitchFamily="49" charset="0"/>
-                <a:cs typeface="Courier New" panose="02070309020205020404" pitchFamily="49" charset="0"/>
-              </a:rPr>
-              <a:t>~/.</a:t>
-            </a:r>
-            <a:r>
-              <a:rPr lang="de-DE" dirty="0" err="1">
-                <a:latin typeface="Courier New" panose="02070309020205020404" pitchFamily="49" charset="0"/>
-                <a:cs typeface="Courier New" panose="02070309020205020404" pitchFamily="49" charset="0"/>
-              </a:rPr>
-              <a:t>ssh</a:t>
-            </a:r>
-            <a:r>
-              <a:rPr lang="de-DE" dirty="0">
-                <a:latin typeface="Courier New" panose="02070309020205020404" pitchFamily="49" charset="0"/>
-                <a:cs typeface="Courier New" panose="02070309020205020404" pitchFamily="49" charset="0"/>
-              </a:rPr>
-              <a:t>/</a:t>
-            </a:r>
-            <a:r>
-              <a:rPr lang="de-DE" dirty="0" err="1">
-                <a:latin typeface="Courier New" panose="02070309020205020404" pitchFamily="49" charset="0"/>
-                <a:cs typeface="Courier New" panose="02070309020205020404" pitchFamily="49" charset="0"/>
-              </a:rPr>
-              <a:t>authorized_keys</a:t>
-            </a:r>
-            <a:r>
-              <a:rPr lang="de-DE" dirty="0">
-                <a:latin typeface="Courier New" panose="02070309020205020404" pitchFamily="49" charset="0"/>
-                <a:cs typeface="Courier New" panose="02070309020205020404" pitchFamily="49" charset="0"/>
-              </a:rPr>
-              <a:t> </a:t>
-            </a:r>
-            <a:r>
-              <a:rPr lang="de-DE" dirty="0"/>
-              <a:t>anhängen!</a:t>
-            </a:r>
-          </a:p>
-          <a:p>
-            <a:pPr marL="0" indent="0">
-              <a:buNone/>
-            </a:pPr>
-            <a:r>
-              <a:rPr lang="de-DE" sz="2400" dirty="0">
-                <a:latin typeface="Courier New" panose="02070309020205020404" pitchFamily="49" charset="0"/>
-                <a:cs typeface="Courier New" panose="02070309020205020404" pitchFamily="49" charset="0"/>
-              </a:rPr>
-              <a:t>	multipass </a:t>
-            </a:r>
-            <a:r>
-              <a:rPr lang="de-DE" sz="2400" dirty="0" err="1">
-                <a:latin typeface="Courier New" panose="02070309020205020404" pitchFamily="49" charset="0"/>
-                <a:cs typeface="Courier New" panose="02070309020205020404" pitchFamily="49" charset="0"/>
-              </a:rPr>
-              <a:t>shell</a:t>
-            </a:r>
-            <a:r>
-              <a:rPr lang="de-DE" sz="2400" dirty="0">
-                <a:latin typeface="Courier New" panose="02070309020205020404" pitchFamily="49" charset="0"/>
-                <a:cs typeface="Courier New" panose="02070309020205020404" pitchFamily="49" charset="0"/>
-              </a:rPr>
-              <a:t> </a:t>
-            </a:r>
-            <a:r>
-              <a:rPr lang="de-DE" sz="2400" dirty="0" err="1">
-                <a:latin typeface="Courier New" panose="02070309020205020404" pitchFamily="49" charset="0"/>
-                <a:cs typeface="Courier New" panose="02070309020205020404" pitchFamily="49" charset="0"/>
-              </a:rPr>
-              <a:t>master</a:t>
-            </a:r>
-            <a:endParaRPr lang="de-DE" sz="2400" dirty="0">
-              <a:latin typeface="Courier New" panose="02070309020205020404" pitchFamily="49" charset="0"/>
-              <a:cs typeface="Courier New" panose="02070309020205020404" pitchFamily="49" charset="0"/>
-            </a:endParaRPr>
-          </a:p>
-          <a:p>
-            <a:pPr marL="0" indent="0">
-              <a:buNone/>
-            </a:pPr>
-            <a:r>
-              <a:rPr lang="de-DE" sz="2400" dirty="0">
-                <a:latin typeface="Courier New" panose="02070309020205020404" pitchFamily="49" charset="0"/>
-                <a:cs typeface="Courier New" panose="02070309020205020404" pitchFamily="49" charset="0"/>
-              </a:rPr>
-              <a:t>	vi .</a:t>
-            </a:r>
-            <a:r>
-              <a:rPr lang="de-DE" sz="2400" dirty="0" err="1">
-                <a:latin typeface="Courier New" panose="02070309020205020404" pitchFamily="49" charset="0"/>
-                <a:cs typeface="Courier New" panose="02070309020205020404" pitchFamily="49" charset="0"/>
-              </a:rPr>
-              <a:t>ssh</a:t>
-            </a:r>
-            <a:r>
-              <a:rPr lang="de-DE" sz="2400" dirty="0">
-                <a:latin typeface="Courier New" panose="02070309020205020404" pitchFamily="49" charset="0"/>
-                <a:cs typeface="Courier New" panose="02070309020205020404" pitchFamily="49" charset="0"/>
-              </a:rPr>
-              <a:t>/</a:t>
-            </a:r>
-            <a:r>
-              <a:rPr lang="de-DE" sz="2400" dirty="0" err="1">
-                <a:latin typeface="Courier New" panose="02070309020205020404" pitchFamily="49" charset="0"/>
-                <a:cs typeface="Courier New" panose="02070309020205020404" pitchFamily="49" charset="0"/>
-              </a:rPr>
-              <a:t>authorized_keys</a:t>
-            </a:r>
-            <a:endParaRPr lang="de-DE" sz="2400" dirty="0">
-              <a:latin typeface="Courier New" panose="02070309020205020404" pitchFamily="49" charset="0"/>
-              <a:cs typeface="Courier New" panose="02070309020205020404" pitchFamily="49" charset="0"/>
-            </a:endParaRPr>
-          </a:p>
-          <a:p>
-            <a:pPr marL="0" indent="0">
-              <a:buNone/>
-            </a:pPr>
-            <a:r>
-              <a:rPr lang="de-DE" sz="2400" dirty="0">
-                <a:latin typeface="Courier New" panose="02070309020205020404" pitchFamily="49" charset="0"/>
-                <a:cs typeface="Courier New" panose="02070309020205020404" pitchFamily="49" charset="0"/>
-              </a:rPr>
-              <a:t>	</a:t>
-            </a:r>
-            <a:r>
-              <a:rPr lang="de-DE" sz="2400" dirty="0" err="1">
-                <a:latin typeface="Courier New" panose="02070309020205020404" pitchFamily="49" charset="0"/>
-                <a:cs typeface="Courier New" panose="02070309020205020404" pitchFamily="49" charset="0"/>
-              </a:rPr>
-              <a:t>exit</a:t>
-            </a:r>
-            <a:endParaRPr lang="de-DE" sz="2400" dirty="0">
-              <a:latin typeface="Courier New" panose="02070309020205020404" pitchFamily="49" charset="0"/>
-              <a:cs typeface="Courier New" panose="02070309020205020404" pitchFamily="49" charset="0"/>
-            </a:endParaRPr>
-          </a:p>
-          <a:p>
-            <a:pPr marL="0" indent="0">
-              <a:buNone/>
-            </a:pPr>
-            <a:endParaRPr lang="de-DE" sz="2400" dirty="0">
-              <a:latin typeface="Courier New" panose="02070309020205020404" pitchFamily="49" charset="0"/>
-              <a:cs typeface="Courier New" panose="02070309020205020404" pitchFamily="49" charset="0"/>
-            </a:endParaRPr>
-          </a:p>
-          <a:p>
-            <a:r>
-              <a:rPr lang="de-DE" dirty="0"/>
-              <a:t>Bitte ebenso auf den anderen VMs!</a:t>
-            </a:r>
-          </a:p>
-          <a:p>
-            <a:pPr lvl="1"/>
-            <a:r>
-              <a:rPr lang="de-DE" dirty="0">
-                <a:latin typeface="Courier New" panose="02070309020205020404" pitchFamily="49" charset="0"/>
-                <a:cs typeface="Courier New" panose="02070309020205020404" pitchFamily="49" charset="0"/>
-              </a:rPr>
-              <a:t>worker1</a:t>
-            </a:r>
-            <a:r>
-              <a:rPr lang="de-DE" dirty="0">
-                <a:cs typeface="Courier New" panose="02070309020205020404" pitchFamily="49" charset="0"/>
-              </a:rPr>
-              <a:t>, </a:t>
-            </a:r>
-            <a:r>
-              <a:rPr lang="de-DE" dirty="0">
-                <a:latin typeface="Courier New" panose="02070309020205020404" pitchFamily="49" charset="0"/>
-                <a:cs typeface="Courier New" panose="02070309020205020404" pitchFamily="49" charset="0"/>
-              </a:rPr>
-              <a:t>worker2</a:t>
-            </a:r>
-            <a:r>
-              <a:rPr lang="de-DE" dirty="0">
-                <a:cs typeface="Courier New" panose="02070309020205020404" pitchFamily="49" charset="0"/>
-              </a:rPr>
-              <a:t>, </a:t>
-            </a:r>
-            <a:r>
-              <a:rPr lang="de-DE" dirty="0" err="1">
-                <a:latin typeface="Courier New" panose="02070309020205020404" pitchFamily="49" charset="0"/>
-                <a:cs typeface="Courier New" panose="02070309020205020404" pitchFamily="49" charset="0"/>
-              </a:rPr>
-              <a:t>db</a:t>
-            </a:r>
-            <a:endParaRPr lang="de-DE" dirty="0">
-              <a:latin typeface="Courier New" panose="02070309020205020404" pitchFamily="49" charset="0"/>
-              <a:cs typeface="Courier New" panose="02070309020205020404" pitchFamily="49" charset="0"/>
-            </a:endParaRPr>
+              <a:t> hinterlegter SSH-Key benötigt  </a:t>
+            </a:r>
           </a:p>
         </p:txBody>
       </p:sp>
@@ -7088,18 +5132,15 @@
           <a:p>
             <a:r>
               <a:rPr lang="de-DE" dirty="0"/>
-              <a:t>Auf </a:t>
-            </a:r>
-            <a:r>
-              <a:rPr lang="de-DE" dirty="0" err="1">
-                <a:latin typeface="Courier New" panose="02070309020205020404" pitchFamily="49" charset="0"/>
-                <a:cs typeface="Courier New" panose="02070309020205020404" pitchFamily="49" charset="0"/>
-              </a:rPr>
-              <a:t>master</a:t>
+              <a:t>Auf dem Host-Rechner bitte das </a:t>
+            </a:r>
+            <a:r>
+              <a:rPr lang="de-DE" dirty="0" err="1"/>
+              <a:t>java</a:t>
             </a:r>
             <a:r>
               <a:rPr lang="de-DE" dirty="0"/>
-              <a:t>:</a:t>
+              <a:t>-starter Repository klonen:</a:t>
             </a:r>
           </a:p>
           <a:p>
@@ -7107,108 +5148,75 @@
               <a:buNone/>
             </a:pPr>
             <a:r>
-              <a:rPr lang="de-DE" sz="2000" dirty="0"/>
-              <a:t>	</a:t>
-            </a:r>
-            <a:r>
-              <a:rPr lang="de-DE" sz="2000" dirty="0">
-                <a:latin typeface="Courier New" panose="02070309020205020404" pitchFamily="49" charset="0"/>
-                <a:cs typeface="Courier New" panose="02070309020205020404" pitchFamily="49" charset="0"/>
-              </a:rPr>
-              <a:t>multipass </a:t>
-            </a:r>
-            <a:r>
-              <a:rPr lang="de-DE" sz="2000" dirty="0" err="1">
-                <a:latin typeface="Courier New" panose="02070309020205020404" pitchFamily="49" charset="0"/>
-                <a:cs typeface="Courier New" panose="02070309020205020404" pitchFamily="49" charset="0"/>
-              </a:rPr>
-              <a:t>list</a:t>
-            </a:r>
-            <a:r>
-              <a:rPr lang="de-DE" sz="2000" dirty="0">
-                <a:latin typeface="Courier New" panose="02070309020205020404" pitchFamily="49" charset="0"/>
-                <a:cs typeface="Courier New" panose="02070309020205020404" pitchFamily="49" charset="0"/>
-              </a:rPr>
-              <a:t>	</a:t>
-            </a:r>
-          </a:p>
-          <a:p>
-            <a:pPr marL="0" indent="0">
-              <a:buNone/>
-            </a:pPr>
-            <a:r>
-              <a:rPr lang="de-DE" sz="2000" dirty="0">
-                <a:latin typeface="Courier New" panose="02070309020205020404" pitchFamily="49" charset="0"/>
-                <a:cs typeface="Courier New" panose="02070309020205020404" pitchFamily="49" charset="0"/>
-              </a:rPr>
-              <a:t>	</a:t>
-            </a:r>
-            <a:r>
-              <a:rPr lang="de-DE" sz="2000" dirty="0" err="1">
-                <a:latin typeface="Courier New" panose="02070309020205020404" pitchFamily="49" charset="0"/>
-                <a:cs typeface="Courier New" panose="02070309020205020404" pitchFamily="49" charset="0"/>
-              </a:rPr>
-              <a:t>ssh</a:t>
-            </a:r>
-            <a:r>
-              <a:rPr lang="de-DE" sz="2000" dirty="0">
-                <a:latin typeface="Courier New" panose="02070309020205020404" pitchFamily="49" charset="0"/>
-                <a:cs typeface="Courier New" panose="02070309020205020404" pitchFamily="49" charset="0"/>
-              </a:rPr>
-              <a:t> –A ubuntu@192.168.22.2</a:t>
-            </a:r>
-          </a:p>
-          <a:p>
-            <a:pPr marL="0" indent="0">
-              <a:buNone/>
-            </a:pPr>
-            <a:r>
-              <a:rPr lang="de-DE" sz="2000" dirty="0">
-                <a:latin typeface="Courier New" panose="02070309020205020404" pitchFamily="49" charset="0"/>
-                <a:cs typeface="Courier New" panose="02070309020205020404" pitchFamily="49" charset="0"/>
-              </a:rPr>
-              <a:t>	</a:t>
-            </a:r>
-            <a:r>
-              <a:rPr lang="de-DE" sz="2000" dirty="0" err="1">
+              <a:rPr lang="de-DE" sz="2400" dirty="0">
+                <a:latin typeface="Courier New" panose="02070309020205020404" pitchFamily="49" charset="0"/>
+                <a:cs typeface="Courier New" panose="02070309020205020404" pitchFamily="49" charset="0"/>
+              </a:rPr>
+              <a:t>  </a:t>
+            </a:r>
+            <a:r>
+              <a:rPr lang="de-DE" sz="2400" dirty="0" err="1">
                 <a:latin typeface="Courier New" panose="02070309020205020404" pitchFamily="49" charset="0"/>
                 <a:cs typeface="Courier New" panose="02070309020205020404" pitchFamily="49" charset="0"/>
               </a:rPr>
               <a:t>git</a:t>
             </a:r>
             <a:r>
-              <a:rPr lang="de-DE" sz="2000" dirty="0">
+              <a:rPr lang="de-DE" sz="2400" dirty="0">
                 <a:latin typeface="Courier New" panose="02070309020205020404" pitchFamily="49" charset="0"/>
                 <a:cs typeface="Courier New" panose="02070309020205020404" pitchFamily="49" charset="0"/>
               </a:rPr>
               <a:t> </a:t>
             </a:r>
             <a:r>
-              <a:rPr lang="de-DE" sz="2000" dirty="0" err="1">
+              <a:rPr lang="de-DE" sz="2400" dirty="0" err="1">
                 <a:latin typeface="Courier New" panose="02070309020205020404" pitchFamily="49" charset="0"/>
                 <a:cs typeface="Courier New" panose="02070309020205020404" pitchFamily="49" charset="0"/>
               </a:rPr>
               <a:t>clone</a:t>
             </a:r>
             <a:r>
-              <a:rPr lang="de-DE" sz="2000" dirty="0">
+              <a:rPr lang="de-DE" sz="2400" dirty="0">
                 <a:latin typeface="Courier New" panose="02070309020205020404" pitchFamily="49" charset="0"/>
                 <a:cs typeface="Courier New" panose="02070309020205020404" pitchFamily="49" charset="0"/>
               </a:rPr>
               <a:t> </a:t>
             </a:r>
             <a:r>
-              <a:rPr lang="de-DE" sz="2000" dirty="0">
+              <a:rPr lang="de-DE" sz="2400" dirty="0">
                 <a:latin typeface="Courier New" panose="02070309020205020404" pitchFamily="49" charset="0"/>
                 <a:cs typeface="Courier New" panose="02070309020205020404" pitchFamily="49" charset="0"/>
                 <a:hlinkClick r:id="rId2"/>
               </a:rPr>
               <a:t>git@bitbucket.org:conciso/java-starter.git</a:t>
             </a:r>
-            <a:endParaRPr lang="de-DE" sz="2000" dirty="0">
+            <a:endParaRPr lang="de-DE" sz="2400" dirty="0">
               <a:latin typeface="Courier New" panose="02070309020205020404" pitchFamily="49" charset="0"/>
               <a:cs typeface="Courier New" panose="02070309020205020404" pitchFamily="49" charset="0"/>
             </a:endParaRPr>
+          </a:p>
+          <a:p>
+            <a:pPr lvl="1"/>
+            <a:r>
+              <a:rPr lang="de-DE" dirty="0"/>
+              <a:t>Hinweis: Hier kann auch </a:t>
+            </a:r>
+            <a:r>
+              <a:rPr lang="de-DE" dirty="0" err="1"/>
+              <a:t>Sourcetree</a:t>
+            </a:r>
+            <a:r>
+              <a:rPr lang="de-DE" dirty="0"/>
+              <a:t>, </a:t>
+            </a:r>
+            <a:r>
+              <a:rPr lang="de-DE" dirty="0" err="1"/>
+              <a:t>IntelliJ</a:t>
+            </a:r>
+            <a:r>
+              <a:rPr lang="de-DE" dirty="0"/>
+              <a:t> etc. genutzt werden</a:t>
+            </a:r>
           </a:p>
           <a:p>
             <a:pPr marL="0" indent="0">
@@ -7217,184 +5225,6 @@
             <a:endParaRPr lang="de-DE" sz="2000" dirty="0">
               <a:latin typeface="Courier New" panose="02070309020205020404" pitchFamily="49" charset="0"/>
               <a:cs typeface="Courier New" panose="02070309020205020404" pitchFamily="49" charset="0"/>
-            </a:endParaRPr>
-          </a:p>
-        </p:txBody>
-      </p:sp>
-      <p:pic>
-        <p:nvPicPr>
-          <p:cNvPr id="4" name="Grafik 3">
-            <a:extLst>
-              <a:ext uri="{FF2B5EF4-FFF2-40B4-BE49-F238E27FC236}">
-                <a16:creationId xmlns:a16="http://schemas.microsoft.com/office/drawing/2014/main" id="{3B157EBE-FE7B-E53F-8A1B-0998CFA088E6}"/>
-              </a:ext>
-            </a:extLst>
-          </p:cNvPr>
-          <p:cNvPicPr>
-            <a:picLocks noChangeAspect="1"/>
-          </p:cNvPicPr>
-          <p:nvPr/>
-        </p:nvPicPr>
-        <p:blipFill>
-          <a:blip r:embed="rId3"/>
-          <a:stretch>
-            <a:fillRect/>
-          </a:stretch>
-        </p:blipFill>
-        <p:spPr>
-          <a:xfrm>
-            <a:off x="4445715" y="4756006"/>
-            <a:ext cx="6794500" cy="1130300"/>
-          </a:xfrm>
-          <a:prstGeom prst="rect">
-            <a:avLst/>
-          </a:prstGeom>
-        </p:spPr>
-      </p:pic>
-      <p:sp>
-        <p:nvSpPr>
-          <p:cNvPr id="5" name="Oval 4">
-            <a:extLst>
-              <a:ext uri="{FF2B5EF4-FFF2-40B4-BE49-F238E27FC236}">
-                <a16:creationId xmlns:a16="http://schemas.microsoft.com/office/drawing/2014/main" id="{843B12CE-5219-2B03-5882-A472AEE575C1}"/>
-              </a:ext>
-            </a:extLst>
-          </p:cNvPr>
-          <p:cNvSpPr/>
-          <p:nvPr/>
-        </p:nvSpPr>
-        <p:spPr>
-          <a:xfrm>
-            <a:off x="8067554" y="5243331"/>
-            <a:ext cx="1319514" cy="367633"/>
-          </a:xfrm>
-          <a:prstGeom prst="ellipse">
-            <a:avLst/>
-          </a:prstGeom>
-          <a:noFill/>
-          <a:ln w="38100">
-            <a:solidFill>
-              <a:srgbClr val="FF0000"/>
-            </a:solidFill>
-          </a:ln>
-        </p:spPr>
-        <p:style>
-          <a:lnRef idx="2">
-            <a:schemeClr val="accent1">
-              <a:shade val="50000"/>
-            </a:schemeClr>
-          </a:lnRef>
-          <a:fillRef idx="1">
-            <a:schemeClr val="accent1"/>
-          </a:fillRef>
-          <a:effectRef idx="0">
-            <a:schemeClr val="accent1"/>
-          </a:effectRef>
-          <a:fontRef idx="minor">
-            <a:schemeClr val="lt1"/>
-          </a:fontRef>
-        </p:style>
-        <p:txBody>
-          <a:bodyPr rtlCol="0" anchor="ctr"/>
-          <a:lstStyle/>
-          <a:p>
-            <a:pPr algn="ctr"/>
-            <a:endParaRPr lang="de-DE"/>
-          </a:p>
-        </p:txBody>
-      </p:sp>
-      <p:sp>
-        <p:nvSpPr>
-          <p:cNvPr id="6" name="Oval 5">
-            <a:extLst>
-              <a:ext uri="{FF2B5EF4-FFF2-40B4-BE49-F238E27FC236}">
-                <a16:creationId xmlns:a16="http://schemas.microsoft.com/office/drawing/2014/main" id="{D1CECC13-3468-1396-A421-93B7208D38C5}"/>
-              </a:ext>
-            </a:extLst>
-          </p:cNvPr>
-          <p:cNvSpPr/>
-          <p:nvPr/>
-        </p:nvSpPr>
-        <p:spPr>
-          <a:xfrm>
-            <a:off x="3959482" y="2739366"/>
-            <a:ext cx="1979416" cy="367633"/>
-          </a:xfrm>
-          <a:prstGeom prst="ellipse">
-            <a:avLst/>
-          </a:prstGeom>
-          <a:noFill/>
-          <a:ln w="38100">
-            <a:solidFill>
-              <a:srgbClr val="FF0000"/>
-            </a:solidFill>
-          </a:ln>
-        </p:spPr>
-        <p:style>
-          <a:lnRef idx="2">
-            <a:schemeClr val="accent1">
-              <a:shade val="50000"/>
-            </a:schemeClr>
-          </a:lnRef>
-          <a:fillRef idx="1">
-            <a:schemeClr val="accent1"/>
-          </a:fillRef>
-          <a:effectRef idx="0">
-            <a:schemeClr val="accent1"/>
-          </a:effectRef>
-          <a:fontRef idx="minor">
-            <a:schemeClr val="lt1"/>
-          </a:fontRef>
-        </p:style>
-        <p:txBody>
-          <a:bodyPr rtlCol="0" anchor="ctr"/>
-          <a:lstStyle/>
-          <a:p>
-            <a:pPr algn="ctr"/>
-            <a:endParaRPr lang="de-DE"/>
-          </a:p>
-        </p:txBody>
-      </p:sp>
-      <p:sp>
-        <p:nvSpPr>
-          <p:cNvPr id="7" name="Textfeld 6">
-            <a:extLst>
-              <a:ext uri="{FF2B5EF4-FFF2-40B4-BE49-F238E27FC236}">
-                <a16:creationId xmlns:a16="http://schemas.microsoft.com/office/drawing/2014/main" id="{DCF9604F-F697-1FCA-8944-B3FD0FEE2C8B}"/>
-              </a:ext>
-            </a:extLst>
-          </p:cNvPr>
-          <p:cNvSpPr txBox="1"/>
-          <p:nvPr/>
-        </p:nvSpPr>
-        <p:spPr>
-          <a:xfrm>
-            <a:off x="4471462" y="2130471"/>
-            <a:ext cx="1781642" cy="769441"/>
-          </a:xfrm>
-          <a:prstGeom prst="rect">
-            <a:avLst/>
-          </a:prstGeom>
-          <a:noFill/>
-        </p:spPr>
-        <p:txBody>
-          <a:bodyPr wrap="none" rtlCol="0">
-            <a:spAutoFit/>
-          </a:bodyPr>
-          <a:lstStyle/>
-          <a:p>
-            <a:r>
-              <a:rPr lang="de-DE" sz="4400" dirty="0" err="1">
-                <a:solidFill>
-                  <a:srgbClr val="FF0000"/>
-                </a:solidFill>
-              </a:rPr>
-              <a:t>master</a:t>
-            </a:r>
-            <a:endParaRPr lang="de-DE" sz="4400" dirty="0">
-              <a:solidFill>
-                <a:srgbClr val="FF0000"/>
-              </a:solidFill>
             </a:endParaRPr>
           </a:p>
         </p:txBody>
@@ -7490,18 +5320,7 @@
           <a:p>
             <a:r>
               <a:rPr lang="de-DE" dirty="0"/>
-              <a:t>Auf </a:t>
-            </a:r>
-            <a:r>
-              <a:rPr lang="de-DE" dirty="0" err="1">
-                <a:latin typeface="Courier New" panose="02070309020205020404" pitchFamily="49" charset="0"/>
-                <a:cs typeface="Courier New" panose="02070309020205020404" pitchFamily="49" charset="0"/>
-              </a:rPr>
-              <a:t>master</a:t>
-            </a:r>
-            <a:r>
-              <a:rPr lang="de-DE" dirty="0"/>
-              <a:t>:</a:t>
+              <a:t>Auf dem Host-Rechner:</a:t>
             </a:r>
           </a:p>
           <a:p>
@@ -7564,14 +5383,14 @@
                 <a:latin typeface="Courier New" panose="02070309020205020404" pitchFamily="49" charset="0"/>
                 <a:cs typeface="Courier New" panose="02070309020205020404" pitchFamily="49" charset="0"/>
               </a:rPr>
-              <a:t>	</a:t>
+              <a:t>	multipass </a:t>
             </a:r>
             <a:r>
               <a:rPr lang="de-DE" sz="2400" dirty="0" err="1">
                 <a:latin typeface="Courier New" panose="02070309020205020404" pitchFamily="49" charset="0"/>
                 <a:cs typeface="Courier New" panose="02070309020205020404" pitchFamily="49" charset="0"/>
               </a:rPr>
-              <a:t>scp</a:t>
+              <a:t>transfer</a:t>
             </a:r>
             <a:r>
               <a:rPr lang="de-DE" sz="2400" dirty="0">
@@ -7592,7 +5411,7 @@
                 <a:latin typeface="Courier New" panose="02070309020205020404" pitchFamily="49" charset="0"/>
                 <a:cs typeface="Courier New" panose="02070309020205020404" pitchFamily="49" charset="0"/>
               </a:rPr>
-              <a:t>:.</a:t>
+              <a:t>:</a:t>
             </a:r>
           </a:p>
           <a:p>
@@ -7678,6 +5497,20 @@
                 <a:latin typeface="Courier New" panose="02070309020205020404" pitchFamily="49" charset="0"/>
                 <a:cs typeface="Courier New" panose="02070309020205020404" pitchFamily="49" charset="0"/>
               </a:rPr>
+              <a:t>sudo</a:t>
+            </a:r>
+            <a:r>
+              <a:rPr lang="de-DE" sz="2400" dirty="0">
+                <a:latin typeface="Courier New" panose="02070309020205020404" pitchFamily="49" charset="0"/>
+                <a:cs typeface="Courier New" panose="02070309020205020404" pitchFamily="49" charset="0"/>
+              </a:rPr>
+              <a:t> </a:t>
+            </a:r>
+            <a:r>
+              <a:rPr lang="de-DE" sz="2400" dirty="0" err="1">
+                <a:latin typeface="Courier New" panose="02070309020205020404" pitchFamily="49" charset="0"/>
+                <a:cs typeface="Courier New" panose="02070309020205020404" pitchFamily="49" charset="0"/>
+              </a:rPr>
               <a:t>docker</a:t>
             </a:r>
             <a:r>
@@ -7712,6 +5545,86 @@
               <a:latin typeface="Courier New" panose="02070309020205020404" pitchFamily="49" charset="0"/>
               <a:cs typeface="Courier New" panose="02070309020205020404" pitchFamily="49" charset="0"/>
             </a:endParaRPr>
+          </a:p>
+          <a:p>
+            <a:pPr lvl="1"/>
+            <a:r>
+              <a:rPr lang="de-DE" dirty="0">
+                <a:cs typeface="Courier New" panose="02070309020205020404" pitchFamily="49" charset="0"/>
+              </a:rPr>
+              <a:t>Shell geöffnet lassen!</a:t>
+            </a:r>
+          </a:p>
+          <a:p>
+            <a:pPr lvl="2"/>
+            <a:r>
+              <a:rPr lang="de-DE" dirty="0">
+                <a:cs typeface="Courier New" panose="02070309020205020404" pitchFamily="49" charset="0"/>
+              </a:rPr>
+              <a:t>Wer will kann auch </a:t>
+            </a:r>
+            <a:r>
+              <a:rPr lang="de-DE" dirty="0" err="1">
+                <a:latin typeface="Courier New" panose="02070309020205020404" pitchFamily="49" charset="0"/>
+                <a:cs typeface="Courier New" panose="02070309020205020404" pitchFamily="49" charset="0"/>
+              </a:rPr>
+              <a:t>sudo</a:t>
+            </a:r>
+            <a:r>
+              <a:rPr lang="de-DE" dirty="0">
+                <a:latin typeface="Courier New" panose="02070309020205020404" pitchFamily="49" charset="0"/>
+                <a:cs typeface="Courier New" panose="02070309020205020404" pitchFamily="49" charset="0"/>
+              </a:rPr>
+              <a:t> </a:t>
+            </a:r>
+            <a:r>
+              <a:rPr lang="de-DE" dirty="0" err="1">
+                <a:latin typeface="Courier New" panose="02070309020205020404" pitchFamily="49" charset="0"/>
+                <a:cs typeface="Courier New" panose="02070309020205020404" pitchFamily="49" charset="0"/>
+              </a:rPr>
+              <a:t>docker</a:t>
+            </a:r>
+            <a:r>
+              <a:rPr lang="de-DE" dirty="0">
+                <a:latin typeface="Courier New" panose="02070309020205020404" pitchFamily="49" charset="0"/>
+                <a:cs typeface="Courier New" panose="02070309020205020404" pitchFamily="49" charset="0"/>
+              </a:rPr>
+              <a:t> </a:t>
+            </a:r>
+            <a:r>
+              <a:rPr lang="de-DE" dirty="0" err="1">
+                <a:latin typeface="Courier New" panose="02070309020205020404" pitchFamily="49" charset="0"/>
+                <a:cs typeface="Courier New" panose="02070309020205020404" pitchFamily="49" charset="0"/>
+              </a:rPr>
+              <a:t>compose</a:t>
+            </a:r>
+            <a:r>
+              <a:rPr lang="de-DE" dirty="0">
+                <a:latin typeface="Courier New" panose="02070309020205020404" pitchFamily="49" charset="0"/>
+                <a:cs typeface="Courier New" panose="02070309020205020404" pitchFamily="49" charset="0"/>
+              </a:rPr>
+              <a:t> </a:t>
+            </a:r>
+            <a:r>
+              <a:rPr lang="de-DE" dirty="0" err="1">
+                <a:latin typeface="Courier New" panose="02070309020205020404" pitchFamily="49" charset="0"/>
+                <a:cs typeface="Courier New" panose="02070309020205020404" pitchFamily="49" charset="0"/>
+              </a:rPr>
+              <a:t>up</a:t>
+            </a:r>
+            <a:r>
+              <a:rPr lang="de-DE" dirty="0">
+                <a:latin typeface="Courier New" panose="02070309020205020404" pitchFamily="49" charset="0"/>
+                <a:cs typeface="Courier New" panose="02070309020205020404" pitchFamily="49" charset="0"/>
+              </a:rPr>
+              <a:t> –d</a:t>
+            </a:r>
+            <a:r>
+              <a:rPr lang="de-DE" dirty="0">
+                <a:cs typeface="Courier New" panose="02070309020205020404" pitchFamily="49" charset="0"/>
+              </a:rPr>
+              <a:t> nutzen</a:t>
+            </a:r>
           </a:p>
           <a:p>
             <a:pPr marL="0" indent="0">
@@ -7816,29 +5729,7 @@
           <a:p>
             <a:r>
               <a:rPr lang="de-DE" dirty="0"/>
-              <a:t>Auf </a:t>
-            </a:r>
-            <a:r>
-              <a:rPr lang="de-DE" dirty="0" err="1">
-                <a:latin typeface="Courier New" panose="02070309020205020404" pitchFamily="49" charset="0"/>
-                <a:cs typeface="Courier New" panose="02070309020205020404" pitchFamily="49" charset="0"/>
-              </a:rPr>
-              <a:t>master</a:t>
-            </a:r>
-            <a:r>
-              <a:rPr lang="de-DE" dirty="0"/>
-              <a:t>: Microservice </a:t>
-            </a:r>
-            <a:r>
-              <a:rPr lang="de-DE" dirty="0" err="1">
-                <a:latin typeface="Courier New" panose="02070309020205020404" pitchFamily="49" charset="0"/>
-                <a:cs typeface="Courier New" panose="02070309020205020404" pitchFamily="49" charset="0"/>
-              </a:rPr>
-              <a:t>person</a:t>
-            </a:r>
-            <a:r>
-              <a:rPr lang="de-DE" dirty="0"/>
-              <a:t>:</a:t>
+              <a:t>Auf dem Host-Rechner: </a:t>
             </a:r>
           </a:p>
           <a:p>
@@ -7920,12 +5811,6 @@
             </a:endParaRPr>
           </a:p>
           <a:p>
-            <a:r>
-              <a:rPr lang="de-DE" sz="2400" dirty="0"/>
-              <a:t>Container Image übertragen:</a:t>
-            </a:r>
-          </a:p>
-          <a:p>
             <a:pPr marL="0" indent="0">
               <a:buNone/>
             </a:pPr>
@@ -7934,39 +5819,32 @@
               <a:t>	</a:t>
             </a:r>
             <a:r>
+              <a:rPr lang="de-DE" sz="2400" dirty="0">
+                <a:latin typeface="Courier New" panose="02070309020205020404" pitchFamily="49" charset="0"/>
+                <a:cs typeface="Courier New" panose="02070309020205020404" pitchFamily="49" charset="0"/>
+              </a:rPr>
+              <a:t>cd ~/</a:t>
+            </a:r>
+            <a:r>
               <a:rPr lang="de-DE" sz="2400" dirty="0" err="1">
                 <a:latin typeface="Courier New" panose="02070309020205020404" pitchFamily="49" charset="0"/>
                 <a:cs typeface="Courier New" panose="02070309020205020404" pitchFamily="49" charset="0"/>
               </a:rPr>
-              <a:t>docker</a:t>
+              <a:t>java</a:t>
             </a:r>
             <a:r>
               <a:rPr lang="de-DE" sz="2400" dirty="0">
                 <a:latin typeface="Courier New" panose="02070309020205020404" pitchFamily="49" charset="0"/>
                 <a:cs typeface="Courier New" panose="02070309020205020404" pitchFamily="49" charset="0"/>
               </a:rPr>
-              <a:t> save </a:t>
+              <a:t>-starter/sample/</a:t>
             </a:r>
             <a:r>
               <a:rPr lang="de-DE" sz="2400" dirty="0" err="1">
                 <a:latin typeface="Courier New" panose="02070309020205020404" pitchFamily="49" charset="0"/>
                 <a:cs typeface="Courier New" panose="02070309020205020404" pitchFamily="49" charset="0"/>
               </a:rPr>
-              <a:t>person</a:t>
-            </a:r>
-            <a:r>
-              <a:rPr lang="de-DE" sz="2400" dirty="0">
-                <a:latin typeface="Courier New" panose="02070309020205020404" pitchFamily="49" charset="0"/>
-                <a:cs typeface="Courier New" panose="02070309020205020404" pitchFamily="49" charset="0"/>
-              </a:rPr>
-              <a:t> &gt; </a:t>
-            </a:r>
-            <a:r>
-              <a:rPr lang="de-DE" sz="2400" dirty="0" err="1">
-                <a:latin typeface="Courier New" panose="02070309020205020404" pitchFamily="49" charset="0"/>
-                <a:cs typeface="Courier New" panose="02070309020205020404" pitchFamily="49" charset="0"/>
-              </a:rPr>
-              <a:t>person.tar</a:t>
+              <a:t>auftrag</a:t>
             </a:r>
             <a:endParaRPr lang="de-DE" sz="2400" dirty="0">
               <a:latin typeface="Courier New" panose="02070309020205020404" pitchFamily="49" charset="0"/>
@@ -7982,56 +5860,28 @@
                 <a:latin typeface="Courier New" panose="02070309020205020404" pitchFamily="49" charset="0"/>
                 <a:cs typeface="Courier New" panose="02070309020205020404" pitchFamily="49" charset="0"/>
               </a:rPr>
-              <a:t>	microk8s </a:t>
+              <a:t>	</a:t>
             </a:r>
             <a:r>
               <a:rPr lang="de-DE" sz="2400" dirty="0" err="1">
                 <a:latin typeface="Courier New" panose="02070309020205020404" pitchFamily="49" charset="0"/>
                 <a:cs typeface="Courier New" panose="02070309020205020404" pitchFamily="49" charset="0"/>
               </a:rPr>
-              <a:t>ctr</a:t>
+              <a:t>mvn</a:t>
             </a:r>
             <a:r>
               <a:rPr lang="de-DE" sz="2400" dirty="0">
                 <a:latin typeface="Courier New" panose="02070309020205020404" pitchFamily="49" charset="0"/>
                 <a:cs typeface="Courier New" panose="02070309020205020404" pitchFamily="49" charset="0"/>
               </a:rPr>
-              <a:t> </a:t>
+              <a:t> clean </a:t>
             </a:r>
             <a:r>
               <a:rPr lang="de-DE" sz="2400" dirty="0" err="1">
                 <a:latin typeface="Courier New" panose="02070309020205020404" pitchFamily="49" charset="0"/>
                 <a:cs typeface="Courier New" panose="02070309020205020404" pitchFamily="49" charset="0"/>
               </a:rPr>
-              <a:t>image</a:t>
-            </a:r>
-            <a:r>
-              <a:rPr lang="de-DE" sz="2400" dirty="0">
-                <a:latin typeface="Courier New" panose="02070309020205020404" pitchFamily="49" charset="0"/>
-                <a:cs typeface="Courier New" panose="02070309020205020404" pitchFamily="49" charset="0"/>
-              </a:rPr>
-              <a:t> </a:t>
-            </a:r>
-            <a:r>
-              <a:rPr lang="de-DE" sz="2400" dirty="0" err="1">
-                <a:latin typeface="Courier New" panose="02070309020205020404" pitchFamily="49" charset="0"/>
-                <a:cs typeface="Courier New" panose="02070309020205020404" pitchFamily="49" charset="0"/>
-              </a:rPr>
-              <a:t>import</a:t>
-            </a:r>
-            <a:r>
-              <a:rPr lang="de-DE" sz="2400" dirty="0">
-                <a:latin typeface="Courier New" panose="02070309020205020404" pitchFamily="49" charset="0"/>
-                <a:cs typeface="Courier New" panose="02070309020205020404" pitchFamily="49" charset="0"/>
-              </a:rPr>
-              <a:t> </a:t>
-            </a:r>
-            <a:r>
-              <a:rPr lang="de-DE" sz="2400" dirty="0" err="1">
-                <a:latin typeface="Courier New" panose="02070309020205020404" pitchFamily="49" charset="0"/>
-                <a:cs typeface="Courier New" panose="02070309020205020404" pitchFamily="49" charset="0"/>
-              </a:rPr>
-              <a:t>person.tar</a:t>
+              <a:t>install</a:t>
             </a:r>
             <a:endParaRPr lang="de-DE" sz="2400" dirty="0">
               <a:latin typeface="Courier New" panose="02070309020205020404" pitchFamily="49" charset="0"/>
@@ -8043,10 +5893,51 @@
               <a:buNone/>
             </a:pPr>
             <a:r>
+              <a:rPr lang="de-DE" sz="2400" dirty="0"/>
+              <a:t>	</a:t>
+            </a:r>
+            <a:r>
               <a:rPr lang="de-DE" sz="2400" dirty="0">
                 <a:latin typeface="Courier New" panose="02070309020205020404" pitchFamily="49" charset="0"/>
                 <a:cs typeface="Courier New" panose="02070309020205020404" pitchFamily="49" charset="0"/>
               </a:rPr>
+              <a:t>cd ~/</a:t>
+            </a:r>
+            <a:r>
+              <a:rPr lang="de-DE" sz="2400" dirty="0" err="1">
+                <a:latin typeface="Courier New" panose="02070309020205020404" pitchFamily="49" charset="0"/>
+                <a:cs typeface="Courier New" panose="02070309020205020404" pitchFamily="49" charset="0"/>
+              </a:rPr>
+              <a:t>java</a:t>
+            </a:r>
+            <a:r>
+              <a:rPr lang="de-DE" sz="2400" dirty="0">
+                <a:latin typeface="Courier New" panose="02070309020205020404" pitchFamily="49" charset="0"/>
+                <a:cs typeface="Courier New" panose="02070309020205020404" pitchFamily="49" charset="0"/>
+              </a:rPr>
+              <a:t>-starter/sample/</a:t>
+            </a:r>
+            <a:r>
+              <a:rPr lang="de-DE" sz="2400" dirty="0" err="1">
+                <a:latin typeface="Courier New" panose="02070309020205020404" pitchFamily="49" charset="0"/>
+                <a:cs typeface="Courier New" panose="02070309020205020404" pitchFamily="49" charset="0"/>
+              </a:rPr>
+              <a:t>shop</a:t>
+            </a:r>
+            <a:endParaRPr lang="de-DE" sz="2400" dirty="0">
+              <a:latin typeface="Courier New" panose="02070309020205020404" pitchFamily="49" charset="0"/>
+              <a:cs typeface="Courier New" panose="02070309020205020404" pitchFamily="49" charset="0"/>
+            </a:endParaRPr>
+          </a:p>
+          <a:p>
+            <a:pPr marL="0" indent="0">
+              <a:buNone/>
+            </a:pPr>
+            <a:r>
+              <a:rPr lang="de-DE" sz="2400" dirty="0">
+                <a:latin typeface="Courier New" panose="02070309020205020404" pitchFamily="49" charset="0"/>
+                <a:cs typeface="Courier New" panose="02070309020205020404" pitchFamily="49" charset="0"/>
+              </a:rPr>
               <a:t>	</a:t>
             </a:r>
             <a:r>
@@ -8054,69 +5945,35 @@
                 <a:latin typeface="Courier New" panose="02070309020205020404" pitchFamily="49" charset="0"/>
                 <a:cs typeface="Courier New" panose="02070309020205020404" pitchFamily="49" charset="0"/>
               </a:rPr>
-              <a:t>scp</a:t>
+              <a:t>mvn</a:t>
             </a:r>
             <a:r>
               <a:rPr lang="de-DE" sz="2400" dirty="0">
                 <a:latin typeface="Courier New" panose="02070309020205020404" pitchFamily="49" charset="0"/>
                 <a:cs typeface="Courier New" panose="02070309020205020404" pitchFamily="49" charset="0"/>
               </a:rPr>
-              <a:t> </a:t>
+              <a:t> clean </a:t>
             </a:r>
             <a:r>
               <a:rPr lang="de-DE" sz="2400" dirty="0" err="1">
                 <a:latin typeface="Courier New" panose="02070309020205020404" pitchFamily="49" charset="0"/>
                 <a:cs typeface="Courier New" panose="02070309020205020404" pitchFamily="49" charset="0"/>
               </a:rPr>
-              <a:t>person.tar</a:t>
-            </a:r>
-            <a:r>
-              <a:rPr lang="de-DE" sz="2400" dirty="0">
-                <a:latin typeface="Courier New" panose="02070309020205020404" pitchFamily="49" charset="0"/>
-                <a:cs typeface="Courier New" panose="02070309020205020404" pitchFamily="49" charset="0"/>
-              </a:rPr>
-              <a:t> worker1:.</a:t>
-            </a:r>
+              <a:t>install</a:t>
+            </a:r>
+            <a:endParaRPr lang="de-DE" sz="2400" dirty="0">
+              <a:latin typeface="Courier New" panose="02070309020205020404" pitchFamily="49" charset="0"/>
+              <a:cs typeface="Courier New" panose="02070309020205020404" pitchFamily="49" charset="0"/>
+            </a:endParaRPr>
           </a:p>
           <a:p>
             <a:pPr marL="0" indent="0">
               <a:buNone/>
             </a:pPr>
-            <a:r>
-              <a:rPr lang="de-DE" sz="2400" dirty="0">
-                <a:latin typeface="Courier New" panose="02070309020205020404" pitchFamily="49" charset="0"/>
-                <a:cs typeface="Courier New" panose="02070309020205020404" pitchFamily="49" charset="0"/>
-              </a:rPr>
-              <a:t>	</a:t>
-            </a:r>
-            <a:r>
-              <a:rPr lang="de-DE" sz="2400" dirty="0" err="1">
-                <a:latin typeface="Courier New" panose="02070309020205020404" pitchFamily="49" charset="0"/>
-                <a:cs typeface="Courier New" panose="02070309020205020404" pitchFamily="49" charset="0"/>
-              </a:rPr>
-              <a:t>scp</a:t>
-            </a:r>
-            <a:r>
-              <a:rPr lang="de-DE" sz="2400" dirty="0">
-                <a:latin typeface="Courier New" panose="02070309020205020404" pitchFamily="49" charset="0"/>
-                <a:cs typeface="Courier New" panose="02070309020205020404" pitchFamily="49" charset="0"/>
-              </a:rPr>
-              <a:t> </a:t>
-            </a:r>
-            <a:r>
-              <a:rPr lang="de-DE" sz="2400" dirty="0" err="1">
-                <a:latin typeface="Courier New" panose="02070309020205020404" pitchFamily="49" charset="0"/>
-                <a:cs typeface="Courier New" panose="02070309020205020404" pitchFamily="49" charset="0"/>
-              </a:rPr>
-              <a:t>person.tar</a:t>
-            </a:r>
-            <a:r>
-              <a:rPr lang="de-DE" sz="2400" dirty="0">
-                <a:latin typeface="Courier New" panose="02070309020205020404" pitchFamily="49" charset="0"/>
-                <a:cs typeface="Courier New" panose="02070309020205020404" pitchFamily="49" charset="0"/>
-              </a:rPr>
-              <a:t> worker2:.</a:t>
-            </a:r>
+            <a:endParaRPr lang="de-DE" sz="2400" dirty="0">
+              <a:latin typeface="Courier New" panose="02070309020205020404" pitchFamily="49" charset="0"/>
+              <a:cs typeface="Courier New" panose="02070309020205020404" pitchFamily="49" charset="0"/>
+            </a:endParaRPr>
           </a:p>
         </p:txBody>
       </p:sp>
@@ -8173,7 +6030,15 @@
           <a:p>
             <a:r>
               <a:rPr lang="de-DE" dirty="0"/>
-              <a:t>5. Bauen der Anwendung</a:t>
+              <a:t>6. Anwendung in </a:t>
+            </a:r>
+            <a:r>
+              <a:rPr lang="de-DE" dirty="0" err="1"/>
+              <a:t>Kubernetes</a:t>
+            </a:r>
+            <a:r>
+              <a:rPr lang="de-DE" dirty="0"/>
+              <a:t> deployen</a:t>
             </a:r>
           </a:p>
         </p:txBody>
@@ -8196,25 +6061,12 @@
         </p:nvSpPr>
         <p:spPr/>
         <p:txBody>
-          <a:bodyPr>
-            <a:normAutofit/>
-          </a:bodyPr>
+          <a:bodyPr/>
           <a:lstStyle/>
           <a:p>
             <a:r>
               <a:rPr lang="de-DE" dirty="0"/>
-              <a:t>Microservice </a:t>
-            </a:r>
-            <a:r>
-              <a:rPr lang="de-DE" dirty="0" err="1">
-                <a:latin typeface="Courier New" panose="02070309020205020404" pitchFamily="49" charset="0"/>
-                <a:cs typeface="Courier New" panose="02070309020205020404" pitchFamily="49" charset="0"/>
-              </a:rPr>
-              <a:t>auftrag</a:t>
-            </a:r>
-            <a:r>
-              <a:rPr lang="de-DE" dirty="0"/>
-              <a:t>:</a:t>
+              <a:t>Auf dem Host-Rechner:</a:t>
             </a:r>
           </a:p>
           <a:p>
@@ -8222,15 +6074,11 @@
               <a:buNone/>
             </a:pPr>
             <a:r>
-              <a:rPr lang="de-DE" sz="2400" dirty="0"/>
-              <a:t>	</a:t>
-            </a:r>
-            <a:r>
               <a:rPr lang="de-DE" sz="2400" dirty="0">
                 <a:latin typeface="Courier New" panose="02070309020205020404" pitchFamily="49" charset="0"/>
                 <a:cs typeface="Courier New" panose="02070309020205020404" pitchFamily="49" charset="0"/>
               </a:rPr>
-              <a:t>cd ~/</a:t>
+              <a:t>	cd ~/</a:t>
             </a:r>
             <a:r>
               <a:rPr lang="de-DE" sz="2400" dirty="0" err="1">
@@ -8251,7 +6099,21 @@
                 <a:latin typeface="Courier New" panose="02070309020205020404" pitchFamily="49" charset="0"/>
                 <a:cs typeface="Courier New" panose="02070309020205020404" pitchFamily="49" charset="0"/>
               </a:rPr>
-              <a:t>auftrag</a:t>
+              <a:t>kubernetes</a:t>
+            </a:r>
+            <a:r>
+              <a:rPr lang="de-DE" sz="2400" dirty="0">
+                <a:latin typeface="Courier New" panose="02070309020205020404" pitchFamily="49" charset="0"/>
+                <a:cs typeface="Courier New" panose="02070309020205020404" pitchFamily="49" charset="0"/>
+              </a:rPr>
+              <a:t>/</a:t>
+            </a:r>
+            <a:r>
+              <a:rPr lang="de-DE" sz="2400" dirty="0" err="1">
+                <a:latin typeface="Courier New" panose="02070309020205020404" pitchFamily="49" charset="0"/>
+                <a:cs typeface="Courier New" panose="02070309020205020404" pitchFamily="49" charset="0"/>
+              </a:rPr>
+              <a:t>deployment</a:t>
             </a:r>
             <a:endParaRPr lang="de-DE" sz="2400" dirty="0">
               <a:latin typeface="Courier New" panose="02070309020205020404" pitchFamily="49" charset="0"/>
@@ -8267,28 +6129,89 @@
                 <a:latin typeface="Courier New" panose="02070309020205020404" pitchFamily="49" charset="0"/>
                 <a:cs typeface="Courier New" panose="02070309020205020404" pitchFamily="49" charset="0"/>
               </a:rPr>
-              <a:t>	</a:t>
+              <a:t>	multipass </a:t>
             </a:r>
             <a:r>
               <a:rPr lang="de-DE" sz="2400" dirty="0" err="1">
                 <a:latin typeface="Courier New" panose="02070309020205020404" pitchFamily="49" charset="0"/>
                 <a:cs typeface="Courier New" panose="02070309020205020404" pitchFamily="49" charset="0"/>
               </a:rPr>
-              <a:t>mvn</a:t>
+              <a:t>transfer</a:t>
             </a:r>
             <a:r>
               <a:rPr lang="de-DE" sz="2400" dirty="0">
                 <a:latin typeface="Courier New" panose="02070309020205020404" pitchFamily="49" charset="0"/>
                 <a:cs typeface="Courier New" panose="02070309020205020404" pitchFamily="49" charset="0"/>
               </a:rPr>
-              <a:t> clean </a:t>
+              <a:t> * </a:t>
             </a:r>
             <a:r>
               <a:rPr lang="de-DE" sz="2400" dirty="0" err="1">
                 <a:latin typeface="Courier New" panose="02070309020205020404" pitchFamily="49" charset="0"/>
                 <a:cs typeface="Courier New" panose="02070309020205020404" pitchFamily="49" charset="0"/>
               </a:rPr>
-              <a:t>install</a:t>
+              <a:t>master</a:t>
+            </a:r>
+            <a:r>
+              <a:rPr lang="de-DE" sz="2400" dirty="0">
+                <a:latin typeface="Courier New" panose="02070309020205020404" pitchFamily="49" charset="0"/>
+                <a:cs typeface="Courier New" panose="02070309020205020404" pitchFamily="49" charset="0"/>
+              </a:rPr>
+              <a:t>:</a:t>
+            </a:r>
+          </a:p>
+          <a:p>
+            <a:r>
+              <a:rPr lang="de-DE" dirty="0">
+                <a:cs typeface="Courier New" panose="02070309020205020404" pitchFamily="49" charset="0"/>
+              </a:rPr>
+              <a:t>Aud </a:t>
+            </a:r>
+            <a:r>
+              <a:rPr lang="de-DE" dirty="0" err="1">
+                <a:latin typeface="Courier New" panose="02070309020205020404" pitchFamily="49" charset="0"/>
+                <a:cs typeface="Courier New" panose="02070309020205020404" pitchFamily="49" charset="0"/>
+              </a:rPr>
+              <a:t>master</a:t>
+            </a:r>
+            <a:r>
+              <a:rPr lang="de-DE" dirty="0">
+                <a:cs typeface="Courier New" panose="02070309020205020404" pitchFamily="49" charset="0"/>
+              </a:rPr>
+              <a:t>:</a:t>
+            </a:r>
+          </a:p>
+          <a:p>
+            <a:pPr marL="0" indent="0">
+              <a:buNone/>
+            </a:pPr>
+            <a:r>
+              <a:rPr lang="de-DE" sz="2400" dirty="0">
+                <a:latin typeface="Courier New" panose="02070309020205020404" pitchFamily="49" charset="0"/>
+                <a:cs typeface="Courier New" panose="02070309020205020404" pitchFamily="49" charset="0"/>
+              </a:rPr>
+              <a:t>	multipass </a:t>
+            </a:r>
+            <a:r>
+              <a:rPr lang="de-DE" sz="2400" dirty="0" err="1">
+                <a:latin typeface="Courier New" panose="02070309020205020404" pitchFamily="49" charset="0"/>
+                <a:cs typeface="Courier New" panose="02070309020205020404" pitchFamily="49" charset="0"/>
+              </a:rPr>
+              <a:t>shell</a:t>
+            </a:r>
+            <a:r>
+              <a:rPr lang="de-DE" sz="2400" dirty="0">
+                <a:latin typeface="Courier New" panose="02070309020205020404" pitchFamily="49" charset="0"/>
+                <a:cs typeface="Courier New" panose="02070309020205020404" pitchFamily="49" charset="0"/>
+              </a:rPr>
+              <a:t> </a:t>
+            </a:r>
+            <a:r>
+              <a:rPr lang="de-DE" sz="2400" dirty="0" err="1">
+                <a:latin typeface="Courier New" panose="02070309020205020404" pitchFamily="49" charset="0"/>
+                <a:cs typeface="Courier New" panose="02070309020205020404" pitchFamily="49" charset="0"/>
+              </a:rPr>
+              <a:t>master</a:t>
             </a:r>
             <a:endParaRPr lang="de-DE" sz="2400" dirty="0">
               <a:latin typeface="Courier New" panose="02070309020205020404" pitchFamily="49" charset="0"/>
@@ -8296,210 +6219,62 @@
             </a:endParaRPr>
           </a:p>
           <a:p>
-            <a:r>
-              <a:rPr lang="de-DE" sz="2400" dirty="0"/>
-              <a:t>Container Image übertragen:</a:t>
-            </a:r>
-          </a:p>
-          <a:p>
             <a:pPr marL="0" indent="0">
               <a:buNone/>
             </a:pPr>
             <a:r>
-              <a:rPr lang="de-DE" sz="2400" dirty="0"/>
-              <a:t>	</a:t>
+              <a:rPr lang="de-DE" sz="2400" dirty="0">
+                <a:latin typeface="Courier New" panose="02070309020205020404" pitchFamily="49" charset="0"/>
+                <a:cs typeface="Courier New" panose="02070309020205020404" pitchFamily="49" charset="0"/>
+              </a:rPr>
+              <a:t>	microk8s </a:t>
             </a:r>
             <a:r>
               <a:rPr lang="de-DE" sz="2400" dirty="0" err="1">
                 <a:latin typeface="Courier New" panose="02070309020205020404" pitchFamily="49" charset="0"/>
                 <a:cs typeface="Courier New" panose="02070309020205020404" pitchFamily="49" charset="0"/>
               </a:rPr>
-              <a:t>docker</a:t>
+              <a:t>kubectl</a:t>
             </a:r>
             <a:r>
               <a:rPr lang="de-DE" sz="2400" dirty="0">
                 <a:latin typeface="Courier New" panose="02070309020205020404" pitchFamily="49" charset="0"/>
                 <a:cs typeface="Courier New" panose="02070309020205020404" pitchFamily="49" charset="0"/>
               </a:rPr>
-              <a:t> save </a:t>
+              <a:t> </a:t>
             </a:r>
             <a:r>
               <a:rPr lang="de-DE" sz="2400" dirty="0" err="1">
                 <a:latin typeface="Courier New" panose="02070309020205020404" pitchFamily="49" charset="0"/>
                 <a:cs typeface="Courier New" panose="02070309020205020404" pitchFamily="49" charset="0"/>
               </a:rPr>
-              <a:t>auftrag</a:t>
+              <a:t>apply</a:t>
             </a:r>
             <a:r>
               <a:rPr lang="de-DE" sz="2400" dirty="0">
                 <a:latin typeface="Courier New" panose="02070309020205020404" pitchFamily="49" charset="0"/>
                 <a:cs typeface="Courier New" panose="02070309020205020404" pitchFamily="49" charset="0"/>
               </a:rPr>
-              <a:t> &gt; </a:t>
+              <a:t> -f </a:t>
             </a:r>
             <a:r>
               <a:rPr lang="de-DE" sz="2400" dirty="0" err="1">
                 <a:latin typeface="Courier New" panose="02070309020205020404" pitchFamily="49" charset="0"/>
                 <a:cs typeface="Courier New" panose="02070309020205020404" pitchFamily="49" charset="0"/>
               </a:rPr>
-              <a:t>auftrag.tar</a:t>
+              <a:t>sample.yml</a:t>
             </a:r>
             <a:endParaRPr lang="de-DE" sz="2400" dirty="0">
               <a:latin typeface="Courier New" panose="02070309020205020404" pitchFamily="49" charset="0"/>
               <a:cs typeface="Courier New" panose="02070309020205020404" pitchFamily="49" charset="0"/>
             </a:endParaRPr>
           </a:p>
-          <a:p>
-            <a:pPr marL="0" indent="0">
-              <a:buNone/>
-            </a:pPr>
-            <a:r>
-              <a:rPr lang="de-DE" sz="2400" dirty="0">
-                <a:latin typeface="Courier New" panose="02070309020205020404" pitchFamily="49" charset="0"/>
-                <a:cs typeface="Courier New" panose="02070309020205020404" pitchFamily="49" charset="0"/>
-              </a:rPr>
-              <a:t>	microk8s </a:t>
-            </a:r>
-            <a:r>
-              <a:rPr lang="de-DE" sz="2400" dirty="0" err="1">
-                <a:latin typeface="Courier New" panose="02070309020205020404" pitchFamily="49" charset="0"/>
-                <a:cs typeface="Courier New" panose="02070309020205020404" pitchFamily="49" charset="0"/>
-              </a:rPr>
-              <a:t>ctr</a:t>
-            </a:r>
-            <a:r>
-              <a:rPr lang="de-DE" sz="2400" dirty="0">
-                <a:latin typeface="Courier New" panose="02070309020205020404" pitchFamily="49" charset="0"/>
-                <a:cs typeface="Courier New" panose="02070309020205020404" pitchFamily="49" charset="0"/>
-              </a:rPr>
-              <a:t> </a:t>
-            </a:r>
-            <a:r>
-              <a:rPr lang="de-DE" sz="2400" dirty="0" err="1">
-                <a:latin typeface="Courier New" panose="02070309020205020404" pitchFamily="49" charset="0"/>
-                <a:cs typeface="Courier New" panose="02070309020205020404" pitchFamily="49" charset="0"/>
-              </a:rPr>
-              <a:t>image</a:t>
-            </a:r>
-            <a:r>
-              <a:rPr lang="de-DE" sz="2400" dirty="0">
-                <a:latin typeface="Courier New" panose="02070309020205020404" pitchFamily="49" charset="0"/>
-                <a:cs typeface="Courier New" panose="02070309020205020404" pitchFamily="49" charset="0"/>
-              </a:rPr>
-              <a:t> </a:t>
-            </a:r>
-            <a:r>
-              <a:rPr lang="de-DE" sz="2400" dirty="0" err="1">
-                <a:latin typeface="Courier New" panose="02070309020205020404" pitchFamily="49" charset="0"/>
-                <a:cs typeface="Courier New" panose="02070309020205020404" pitchFamily="49" charset="0"/>
-              </a:rPr>
-              <a:t>import</a:t>
-            </a:r>
-            <a:r>
-              <a:rPr lang="de-DE" sz="2400" dirty="0">
-                <a:latin typeface="Courier New" panose="02070309020205020404" pitchFamily="49" charset="0"/>
-                <a:cs typeface="Courier New" panose="02070309020205020404" pitchFamily="49" charset="0"/>
-              </a:rPr>
-              <a:t> </a:t>
-            </a:r>
-            <a:r>
-              <a:rPr lang="de-DE" sz="2400" dirty="0" err="1">
-                <a:latin typeface="Courier New" panose="02070309020205020404" pitchFamily="49" charset="0"/>
-                <a:cs typeface="Courier New" panose="02070309020205020404" pitchFamily="49" charset="0"/>
-              </a:rPr>
-              <a:t>auftrag.tar</a:t>
-            </a:r>
-            <a:endParaRPr lang="de-DE" sz="2400" dirty="0">
-              <a:latin typeface="Courier New" panose="02070309020205020404" pitchFamily="49" charset="0"/>
-              <a:cs typeface="Courier New" panose="02070309020205020404" pitchFamily="49" charset="0"/>
-            </a:endParaRPr>
-          </a:p>
-          <a:p>
-            <a:pPr marL="0" indent="0">
-              <a:buNone/>
-            </a:pPr>
-            <a:r>
-              <a:rPr lang="de-DE" sz="2400" dirty="0">
-                <a:latin typeface="Courier New" panose="02070309020205020404" pitchFamily="49" charset="0"/>
-                <a:cs typeface="Courier New" panose="02070309020205020404" pitchFamily="49" charset="0"/>
-              </a:rPr>
-              <a:t>	</a:t>
-            </a:r>
-            <a:r>
-              <a:rPr lang="de-DE" sz="2400" dirty="0" err="1">
-                <a:latin typeface="Courier New" panose="02070309020205020404" pitchFamily="49" charset="0"/>
-                <a:cs typeface="Courier New" panose="02070309020205020404" pitchFamily="49" charset="0"/>
-              </a:rPr>
-              <a:t>scp</a:t>
-            </a:r>
-            <a:r>
-              <a:rPr lang="de-DE" sz="2400" dirty="0">
-                <a:latin typeface="Courier New" panose="02070309020205020404" pitchFamily="49" charset="0"/>
-                <a:cs typeface="Courier New" panose="02070309020205020404" pitchFamily="49" charset="0"/>
-              </a:rPr>
-              <a:t> </a:t>
-            </a:r>
-            <a:r>
-              <a:rPr lang="de-DE" sz="2400" dirty="0" err="1">
-                <a:latin typeface="Courier New" panose="02070309020205020404" pitchFamily="49" charset="0"/>
-                <a:cs typeface="Courier New" panose="02070309020205020404" pitchFamily="49" charset="0"/>
-              </a:rPr>
-              <a:t>auftrag.tar</a:t>
-            </a:r>
-            <a:r>
-              <a:rPr lang="de-DE" sz="2400" dirty="0">
-                <a:latin typeface="Courier New" panose="02070309020205020404" pitchFamily="49" charset="0"/>
-                <a:cs typeface="Courier New" panose="02070309020205020404" pitchFamily="49" charset="0"/>
-              </a:rPr>
-              <a:t> worker1:.</a:t>
-            </a:r>
-          </a:p>
-          <a:p>
-            <a:pPr marL="0" indent="0">
-              <a:buNone/>
-            </a:pPr>
-            <a:r>
-              <a:rPr lang="de-DE" sz="2400" dirty="0">
-                <a:latin typeface="Courier New" panose="02070309020205020404" pitchFamily="49" charset="0"/>
-                <a:cs typeface="Courier New" panose="02070309020205020404" pitchFamily="49" charset="0"/>
-              </a:rPr>
-              <a:t>	</a:t>
-            </a:r>
-            <a:r>
-              <a:rPr lang="de-DE" sz="2400" dirty="0" err="1">
-                <a:latin typeface="Courier New" panose="02070309020205020404" pitchFamily="49" charset="0"/>
-                <a:cs typeface="Courier New" panose="02070309020205020404" pitchFamily="49" charset="0"/>
-              </a:rPr>
-              <a:t>scp</a:t>
-            </a:r>
-            <a:r>
-              <a:rPr lang="de-DE" sz="2400" dirty="0">
-                <a:latin typeface="Courier New" panose="02070309020205020404" pitchFamily="49" charset="0"/>
-                <a:cs typeface="Courier New" panose="02070309020205020404" pitchFamily="49" charset="0"/>
-              </a:rPr>
-              <a:t> </a:t>
-            </a:r>
-            <a:r>
-              <a:rPr lang="de-DE" sz="2400" dirty="0" err="1">
-                <a:latin typeface="Courier New" panose="02070309020205020404" pitchFamily="49" charset="0"/>
-                <a:cs typeface="Courier New" panose="02070309020205020404" pitchFamily="49" charset="0"/>
-              </a:rPr>
-              <a:t>auftrag.tar</a:t>
-            </a:r>
-            <a:r>
-              <a:rPr lang="de-DE" sz="2400" dirty="0">
-                <a:latin typeface="Courier New" panose="02070309020205020404" pitchFamily="49" charset="0"/>
-                <a:cs typeface="Courier New" panose="02070309020205020404" pitchFamily="49" charset="0"/>
-              </a:rPr>
-              <a:t> worker2:.</a:t>
-            </a:r>
-          </a:p>
         </p:txBody>
       </p:sp>
     </p:spTree>
     <p:extLst>
       <p:ext uri="{BB962C8B-B14F-4D97-AF65-F5344CB8AC3E}">
-        <p14:creationId xmlns:p14="http://schemas.microsoft.com/office/powerpoint/2010/main" val="2423817868"/>
+        <p14:creationId xmlns:p14="http://schemas.microsoft.com/office/powerpoint/2010/main" val="1844990318"/>
       </p:ext>
     </p:extLst>
   </p:cSld>

--- a/sample/kubernetes/Bring your own device - Teil 2.pptx
+++ b/sample/kubernetes/Bring your own device - Teil 2.pptx
@@ -5,7 +5,7 @@
     <p:sldMasterId id="2147483648" r:id="rId1"/>
   </p:sldMasterIdLst>
   <p:notesMasterIdLst>
-    <p:notesMasterId r:id="rId13"/>
+    <p:notesMasterId r:id="rId14"/>
   </p:notesMasterIdLst>
   <p:sldIdLst>
     <p:sldId id="256" r:id="rId2"/>
@@ -13,12 +13,13 @@
     <p:sldId id="257" r:id="rId4"/>
     <p:sldId id="259" r:id="rId5"/>
     <p:sldId id="258" r:id="rId6"/>
-    <p:sldId id="263" r:id="rId7"/>
-    <p:sldId id="277" r:id="rId8"/>
-    <p:sldId id="268" r:id="rId9"/>
-    <p:sldId id="262" r:id="rId10"/>
-    <p:sldId id="273" r:id="rId11"/>
-    <p:sldId id="275" r:id="rId12"/>
+    <p:sldId id="278" r:id="rId7"/>
+    <p:sldId id="263" r:id="rId8"/>
+    <p:sldId id="277" r:id="rId9"/>
+    <p:sldId id="268" r:id="rId10"/>
+    <p:sldId id="262" r:id="rId11"/>
+    <p:sldId id="273" r:id="rId12"/>
+    <p:sldId id="275" r:id="rId13"/>
   </p:sldIdLst>
   <p:sldSz cx="12192000" cy="6858000"/>
   <p:notesSz cx="6858000" cy="9144000"/>
@@ -3938,21 +3939,7 @@
           <a:p>
             <a:r>
               <a:rPr lang="de-DE" dirty="0"/>
-              <a:t>Timo Kästner, Can </a:t>
-            </a:r>
-            <a:r>
-              <a:rPr lang="de-DE" dirty="0" err="1"/>
-              <a:t>Büyükburc</a:t>
-            </a:r>
-            <a:r>
-              <a:rPr lang="de-DE" dirty="0"/>
-              <a:t>, Yannick Poggel</a:t>
-            </a:r>
-          </a:p>
-          <a:p>
-            <a:r>
-              <a:rPr lang="de-DE" dirty="0"/>
-              <a:t>16.3.2023</a:t>
+              <a:t>19.3.2023</a:t>
             </a:r>
           </a:p>
         </p:txBody>
@@ -3992,6 +3979,300 @@
           <p:cNvPr id="2" name="Titel 1">
             <a:extLst>
               <a:ext uri="{FF2B5EF4-FFF2-40B4-BE49-F238E27FC236}">
+                <a16:creationId xmlns:a16="http://schemas.microsoft.com/office/drawing/2014/main" id="{6771848D-1E70-E48B-5C6D-951BC6041598}"/>
+              </a:ext>
+            </a:extLst>
+          </p:cNvPr>
+          <p:cNvSpPr>
+            <a:spLocks noGrp="1"/>
+          </p:cNvSpPr>
+          <p:nvPr>
+            <p:ph type="title"/>
+          </p:nvPr>
+        </p:nvSpPr>
+        <p:spPr/>
+        <p:txBody>
+          <a:bodyPr/>
+          <a:lstStyle/>
+          <a:p>
+            <a:r>
+              <a:rPr lang="de-DE" dirty="0"/>
+              <a:t>7. Anwendung in </a:t>
+            </a:r>
+            <a:r>
+              <a:rPr lang="de-DE" dirty="0" err="1"/>
+              <a:t>Kubernetes</a:t>
+            </a:r>
+            <a:r>
+              <a:rPr lang="de-DE" dirty="0"/>
+              <a:t> deployen</a:t>
+            </a:r>
+          </a:p>
+        </p:txBody>
+      </p:sp>
+      <p:sp>
+        <p:nvSpPr>
+          <p:cNvPr id="3" name="Inhaltsplatzhalter 2">
+            <a:extLst>
+              <a:ext uri="{FF2B5EF4-FFF2-40B4-BE49-F238E27FC236}">
+                <a16:creationId xmlns:a16="http://schemas.microsoft.com/office/drawing/2014/main" id="{C6B47590-B943-D19C-BC30-9C11A54E6BFE}"/>
+              </a:ext>
+            </a:extLst>
+          </p:cNvPr>
+          <p:cNvSpPr>
+            <a:spLocks noGrp="1"/>
+          </p:cNvSpPr>
+          <p:nvPr>
+            <p:ph idx="1"/>
+          </p:nvPr>
+        </p:nvSpPr>
+        <p:spPr/>
+        <p:txBody>
+          <a:bodyPr/>
+          <a:lstStyle/>
+          <a:p>
+            <a:r>
+              <a:rPr lang="de-DE" dirty="0"/>
+              <a:t>Auf dem Host-Rechner:</a:t>
+            </a:r>
+          </a:p>
+          <a:p>
+            <a:pPr marL="0" indent="0">
+              <a:buNone/>
+            </a:pPr>
+            <a:r>
+              <a:rPr lang="de-DE" sz="2400" dirty="0">
+                <a:latin typeface="Courier New" panose="02070309020205020404" pitchFamily="49" charset="0"/>
+                <a:cs typeface="Courier New" panose="02070309020205020404" pitchFamily="49" charset="0"/>
+              </a:rPr>
+              <a:t>	cd ~/</a:t>
+            </a:r>
+            <a:r>
+              <a:rPr lang="de-DE" sz="2400" dirty="0" err="1">
+                <a:latin typeface="Courier New" panose="02070309020205020404" pitchFamily="49" charset="0"/>
+                <a:cs typeface="Courier New" panose="02070309020205020404" pitchFamily="49" charset="0"/>
+              </a:rPr>
+              <a:t>java</a:t>
+            </a:r>
+            <a:r>
+              <a:rPr lang="de-DE" sz="2400" dirty="0">
+                <a:latin typeface="Courier New" panose="02070309020205020404" pitchFamily="49" charset="0"/>
+                <a:cs typeface="Courier New" panose="02070309020205020404" pitchFamily="49" charset="0"/>
+              </a:rPr>
+              <a:t>-starter/sample/</a:t>
+            </a:r>
+            <a:r>
+              <a:rPr lang="de-DE" sz="2400" dirty="0" err="1">
+                <a:latin typeface="Courier New" panose="02070309020205020404" pitchFamily="49" charset="0"/>
+                <a:cs typeface="Courier New" panose="02070309020205020404" pitchFamily="49" charset="0"/>
+              </a:rPr>
+              <a:t>kubernetes</a:t>
+            </a:r>
+            <a:r>
+              <a:rPr lang="de-DE" sz="2400" dirty="0">
+                <a:latin typeface="Courier New" panose="02070309020205020404" pitchFamily="49" charset="0"/>
+                <a:cs typeface="Courier New" panose="02070309020205020404" pitchFamily="49" charset="0"/>
+              </a:rPr>
+              <a:t>/</a:t>
+            </a:r>
+            <a:r>
+              <a:rPr lang="de-DE" sz="2400" dirty="0" err="1">
+                <a:latin typeface="Courier New" panose="02070309020205020404" pitchFamily="49" charset="0"/>
+                <a:cs typeface="Courier New" panose="02070309020205020404" pitchFamily="49" charset="0"/>
+              </a:rPr>
+              <a:t>deployment</a:t>
+            </a:r>
+            <a:endParaRPr lang="de-DE" sz="2400" dirty="0">
+              <a:latin typeface="Courier New" panose="02070309020205020404" pitchFamily="49" charset="0"/>
+              <a:cs typeface="Courier New" panose="02070309020205020404" pitchFamily="49" charset="0"/>
+            </a:endParaRPr>
+          </a:p>
+          <a:p>
+            <a:pPr marL="0" indent="0">
+              <a:buNone/>
+            </a:pPr>
+            <a:r>
+              <a:rPr lang="de-DE" sz="2400" dirty="0">
+                <a:latin typeface="Courier New" panose="02070309020205020404" pitchFamily="49" charset="0"/>
+                <a:cs typeface="Courier New" panose="02070309020205020404" pitchFamily="49" charset="0"/>
+              </a:rPr>
+              <a:t>	multipass </a:t>
+            </a:r>
+            <a:r>
+              <a:rPr lang="de-DE" sz="2400" dirty="0" err="1">
+                <a:latin typeface="Courier New" panose="02070309020205020404" pitchFamily="49" charset="0"/>
+                <a:cs typeface="Courier New" panose="02070309020205020404" pitchFamily="49" charset="0"/>
+              </a:rPr>
+              <a:t>transfer</a:t>
+            </a:r>
+            <a:r>
+              <a:rPr lang="de-DE" sz="2400" dirty="0">
+                <a:latin typeface="Courier New" panose="02070309020205020404" pitchFamily="49" charset="0"/>
+                <a:cs typeface="Courier New" panose="02070309020205020404" pitchFamily="49" charset="0"/>
+              </a:rPr>
+              <a:t> * </a:t>
+            </a:r>
+            <a:r>
+              <a:rPr lang="de-DE" sz="2400" dirty="0" err="1">
+                <a:latin typeface="Courier New" panose="02070309020205020404" pitchFamily="49" charset="0"/>
+                <a:cs typeface="Courier New" panose="02070309020205020404" pitchFamily="49" charset="0"/>
+              </a:rPr>
+              <a:t>master</a:t>
+            </a:r>
+            <a:r>
+              <a:rPr lang="de-DE" sz="2400" dirty="0">
+                <a:latin typeface="Courier New" panose="02070309020205020404" pitchFamily="49" charset="0"/>
+                <a:cs typeface="Courier New" panose="02070309020205020404" pitchFamily="49" charset="0"/>
+              </a:rPr>
+              <a:t>:</a:t>
+            </a:r>
+          </a:p>
+          <a:p>
+            <a:r>
+              <a:rPr lang="de-DE" dirty="0">
+                <a:cs typeface="Courier New" panose="02070309020205020404" pitchFamily="49" charset="0"/>
+              </a:rPr>
+              <a:t>Aud </a:t>
+            </a:r>
+            <a:r>
+              <a:rPr lang="de-DE" dirty="0" err="1">
+                <a:latin typeface="Courier New" panose="02070309020205020404" pitchFamily="49" charset="0"/>
+                <a:cs typeface="Courier New" panose="02070309020205020404" pitchFamily="49" charset="0"/>
+              </a:rPr>
+              <a:t>master</a:t>
+            </a:r>
+            <a:r>
+              <a:rPr lang="de-DE" dirty="0">
+                <a:cs typeface="Courier New" panose="02070309020205020404" pitchFamily="49" charset="0"/>
+              </a:rPr>
+              <a:t>:</a:t>
+            </a:r>
+          </a:p>
+          <a:p>
+            <a:pPr marL="0" indent="0">
+              <a:buNone/>
+            </a:pPr>
+            <a:r>
+              <a:rPr lang="de-DE" sz="2400" dirty="0">
+                <a:latin typeface="Courier New" panose="02070309020205020404" pitchFamily="49" charset="0"/>
+                <a:cs typeface="Courier New" panose="02070309020205020404" pitchFamily="49" charset="0"/>
+              </a:rPr>
+              <a:t>	multipass </a:t>
+            </a:r>
+            <a:r>
+              <a:rPr lang="de-DE" sz="2400" dirty="0" err="1">
+                <a:latin typeface="Courier New" panose="02070309020205020404" pitchFamily="49" charset="0"/>
+                <a:cs typeface="Courier New" panose="02070309020205020404" pitchFamily="49" charset="0"/>
+              </a:rPr>
+              <a:t>shell</a:t>
+            </a:r>
+            <a:r>
+              <a:rPr lang="de-DE" sz="2400" dirty="0">
+                <a:latin typeface="Courier New" panose="02070309020205020404" pitchFamily="49" charset="0"/>
+                <a:cs typeface="Courier New" panose="02070309020205020404" pitchFamily="49" charset="0"/>
+              </a:rPr>
+              <a:t> </a:t>
+            </a:r>
+            <a:r>
+              <a:rPr lang="de-DE" sz="2400" dirty="0" err="1">
+                <a:latin typeface="Courier New" panose="02070309020205020404" pitchFamily="49" charset="0"/>
+                <a:cs typeface="Courier New" panose="02070309020205020404" pitchFamily="49" charset="0"/>
+              </a:rPr>
+              <a:t>master</a:t>
+            </a:r>
+            <a:endParaRPr lang="de-DE" sz="2400" dirty="0">
+              <a:latin typeface="Courier New" panose="02070309020205020404" pitchFamily="49" charset="0"/>
+              <a:cs typeface="Courier New" panose="02070309020205020404" pitchFamily="49" charset="0"/>
+            </a:endParaRPr>
+          </a:p>
+          <a:p>
+            <a:pPr marL="0" indent="0">
+              <a:buNone/>
+            </a:pPr>
+            <a:r>
+              <a:rPr lang="de-DE" sz="2400" dirty="0">
+                <a:latin typeface="Courier New" panose="02070309020205020404" pitchFamily="49" charset="0"/>
+                <a:cs typeface="Courier New" panose="02070309020205020404" pitchFamily="49" charset="0"/>
+              </a:rPr>
+              <a:t>	microk8s </a:t>
+            </a:r>
+            <a:r>
+              <a:rPr lang="de-DE" sz="2400" dirty="0" err="1">
+                <a:latin typeface="Courier New" panose="02070309020205020404" pitchFamily="49" charset="0"/>
+                <a:cs typeface="Courier New" panose="02070309020205020404" pitchFamily="49" charset="0"/>
+              </a:rPr>
+              <a:t>kubectl</a:t>
+            </a:r>
+            <a:r>
+              <a:rPr lang="de-DE" sz="2400" dirty="0">
+                <a:latin typeface="Courier New" panose="02070309020205020404" pitchFamily="49" charset="0"/>
+                <a:cs typeface="Courier New" panose="02070309020205020404" pitchFamily="49" charset="0"/>
+              </a:rPr>
+              <a:t> </a:t>
+            </a:r>
+            <a:r>
+              <a:rPr lang="de-DE" sz="2400" dirty="0" err="1">
+                <a:latin typeface="Courier New" panose="02070309020205020404" pitchFamily="49" charset="0"/>
+                <a:cs typeface="Courier New" panose="02070309020205020404" pitchFamily="49" charset="0"/>
+              </a:rPr>
+              <a:t>apply</a:t>
+            </a:r>
+            <a:r>
+              <a:rPr lang="de-DE" sz="2400" dirty="0">
+                <a:latin typeface="Courier New" panose="02070309020205020404" pitchFamily="49" charset="0"/>
+                <a:cs typeface="Courier New" panose="02070309020205020404" pitchFamily="49" charset="0"/>
+              </a:rPr>
+              <a:t> -f </a:t>
+            </a:r>
+            <a:r>
+              <a:rPr lang="de-DE" sz="2400" dirty="0" err="1">
+                <a:latin typeface="Courier New" panose="02070309020205020404" pitchFamily="49" charset="0"/>
+                <a:cs typeface="Courier New" panose="02070309020205020404" pitchFamily="49" charset="0"/>
+              </a:rPr>
+              <a:t>sample.yml</a:t>
+            </a:r>
+            <a:endParaRPr lang="de-DE" sz="2400" dirty="0">
+              <a:latin typeface="Courier New" panose="02070309020205020404" pitchFamily="49" charset="0"/>
+              <a:cs typeface="Courier New" panose="02070309020205020404" pitchFamily="49" charset="0"/>
+            </a:endParaRPr>
+          </a:p>
+        </p:txBody>
+      </p:sp>
+    </p:spTree>
+    <p:extLst>
+      <p:ext uri="{BB962C8B-B14F-4D97-AF65-F5344CB8AC3E}">
+        <p14:creationId xmlns:p14="http://schemas.microsoft.com/office/powerpoint/2010/main" val="1844990318"/>
+      </p:ext>
+    </p:extLst>
+  </p:cSld>
+  <p:clrMapOvr>
+    <a:masterClrMapping/>
+  </p:clrMapOvr>
+</p:sld>
+</file>
+
+<file path=ppt/slides/slide11.xml><?xml version="1.0" encoding="utf-8"?>
+<p:sld xmlns:a="http://schemas.openxmlformats.org/drawingml/2006/main" xmlns:r="http://schemas.openxmlformats.org/officeDocument/2006/relationships" xmlns:p="http://schemas.openxmlformats.org/presentationml/2006/main">
+  <p:cSld>
+    <p:spTree>
+      <p:nvGrpSpPr>
+        <p:cNvPr id="1" name=""/>
+        <p:cNvGrpSpPr/>
+        <p:nvPr/>
+      </p:nvGrpSpPr>
+      <p:grpSpPr>
+        <a:xfrm>
+          <a:off x="0" y="0"/>
+          <a:ext cx="0" cy="0"/>
+          <a:chOff x="0" y="0"/>
+          <a:chExt cx="0" cy="0"/>
+        </a:xfrm>
+      </p:grpSpPr>
+      <p:sp>
+        <p:nvSpPr>
+          <p:cNvPr id="2" name="Titel 1">
+            <a:extLst>
+              <a:ext uri="{FF2B5EF4-FFF2-40B4-BE49-F238E27FC236}">
                 <a16:creationId xmlns:a16="http://schemas.microsoft.com/office/drawing/2014/main" id="{182D65AE-F729-F44A-6E4A-EAF568F96FF3}"/>
               </a:ext>
             </a:extLst>
@@ -4010,7 +4291,7 @@
           <a:p>
             <a:r>
               <a:rPr lang="de-DE" dirty="0"/>
-              <a:t>7. Mit Postman ausprobieren</a:t>
+              <a:t>8. Mit Postman ausprobieren</a:t>
             </a:r>
           </a:p>
         </p:txBody>
@@ -4274,7 +4555,7 @@
 </p:sld>
 </file>
 
-<file path=ppt/slides/slide11.xml><?xml version="1.0" encoding="utf-8"?>
+<file path=ppt/slides/slide12.xml><?xml version="1.0" encoding="utf-8"?>
 <p:sld xmlns:a="http://schemas.openxmlformats.org/drawingml/2006/main" xmlns:r="http://schemas.openxmlformats.org/officeDocument/2006/relationships" xmlns:p="http://schemas.openxmlformats.org/presentationml/2006/main">
   <p:cSld>
     <p:spTree>
@@ -4605,21 +4886,7 @@
           <a:p>
             <a:r>
               <a:rPr lang="de-DE" dirty="0"/>
-              <a:t>Timo Kästner, Can </a:t>
-            </a:r>
-            <a:r>
-              <a:rPr lang="de-DE" dirty="0" err="1"/>
-              <a:t>Büyükburc</a:t>
-            </a:r>
-            <a:r>
-              <a:rPr lang="de-DE" dirty="0"/>
-              <a:t>, Yannick Poggel</a:t>
-            </a:r>
-          </a:p>
-          <a:p>
-            <a:r>
-              <a:rPr lang="de-DE" dirty="0"/>
-              <a:t>16.3.2023</a:t>
+              <a:t>19.3.2023</a:t>
             </a:r>
           </a:p>
         </p:txBody>
@@ -4746,6 +5013,16 @@
               <a:buAutoNum type="arabicPeriod"/>
             </a:pPr>
             <a:r>
+              <a:rPr lang="de-DE" dirty="0"/>
+              <a:t>Docker vorbereiten</a:t>
+            </a:r>
+          </a:p>
+          <a:p>
+            <a:pPr marL="914400" lvl="1" indent="-457200">
+              <a:buFont typeface="+mj-lt"/>
+              <a:buAutoNum type="arabicPeriod"/>
+            </a:pPr>
+            <a:r>
               <a:rPr lang="de-DE" dirty="0" err="1"/>
               <a:t>Git</a:t>
             </a:r>
@@ -5063,6 +5340,36 @@
           <a:chExt cx="0" cy="0"/>
         </a:xfrm>
       </p:grpSpPr>
+      <p:pic>
+        <p:nvPicPr>
+          <p:cNvPr id="4" name="Grafik 3">
+            <a:extLst>
+              <a:ext uri="{FF2B5EF4-FFF2-40B4-BE49-F238E27FC236}">
+                <a16:creationId xmlns:a16="http://schemas.microsoft.com/office/drawing/2014/main" id="{2A33E273-B459-2198-5FE0-D6549130DE5B}"/>
+              </a:ext>
+            </a:extLst>
+          </p:cNvPr>
+          <p:cNvPicPr>
+            <a:picLocks noChangeAspect="1"/>
+          </p:cNvPicPr>
+          <p:nvPr/>
+        </p:nvPicPr>
+        <p:blipFill>
+          <a:blip r:embed="rId2"/>
+          <a:stretch>
+            <a:fillRect/>
+          </a:stretch>
+        </p:blipFill>
+        <p:spPr>
+          <a:xfrm>
+            <a:off x="1370007" y="3429000"/>
+            <a:ext cx="9451985" cy="3186979"/>
+          </a:xfrm>
+          <a:prstGeom prst="rect">
+            <a:avLst/>
+          </a:prstGeom>
+        </p:spPr>
+      </p:pic>
       <p:sp>
         <p:nvSpPr>
           <p:cNvPr id="2" name="Titel 1">
@@ -5086,23 +5393,7 @@
           <a:p>
             <a:r>
               <a:rPr lang="de-DE" dirty="0"/>
-              <a:t>3. </a:t>
-            </a:r>
-            <a:r>
-              <a:rPr lang="de-DE" dirty="0" err="1"/>
-              <a:t>Git</a:t>
-            </a:r>
-            <a:r>
-              <a:rPr lang="de-DE" dirty="0"/>
-              <a:t> </a:t>
-            </a:r>
-            <a:r>
-              <a:rPr lang="de-DE" dirty="0" err="1"/>
-              <a:t>repository</a:t>
-            </a:r>
-            <a:r>
-              <a:rPr lang="de-DE" dirty="0"/>
-              <a:t> klonen</a:t>
+              <a:t>3. Docker vorbereiten</a:t>
             </a:r>
           </a:p>
         </p:txBody>
@@ -5132,107 +5423,82 @@
           <a:p>
             <a:r>
               <a:rPr lang="de-DE" dirty="0"/>
-              <a:t>Auf dem Host-Rechner bitte das </a:t>
+              <a:t>Damit Docker auf das </a:t>
             </a:r>
             <a:r>
               <a:rPr lang="de-DE" dirty="0" err="1"/>
-              <a:t>java</a:t>
+              <a:t>Kubernetes</a:t>
             </a:r>
             <a:r>
               <a:rPr lang="de-DE" dirty="0"/>
-              <a:t>-starter Repository klonen:</a:t>
-            </a:r>
-          </a:p>
-          <a:p>
-            <a:pPr marL="0" indent="0">
-              <a:buNone/>
-            </a:pPr>
-            <a:r>
-              <a:rPr lang="de-DE" sz="2400" dirty="0">
-                <a:latin typeface="Courier New" panose="02070309020205020404" pitchFamily="49" charset="0"/>
-                <a:cs typeface="Courier New" panose="02070309020205020404" pitchFamily="49" charset="0"/>
-              </a:rPr>
-              <a:t>  </a:t>
-            </a:r>
-            <a:r>
-              <a:rPr lang="de-DE" sz="2400" dirty="0" err="1">
-                <a:latin typeface="Courier New" panose="02070309020205020404" pitchFamily="49" charset="0"/>
-                <a:cs typeface="Courier New" panose="02070309020205020404" pitchFamily="49" charset="0"/>
-              </a:rPr>
-              <a:t>git</a:t>
-            </a:r>
-            <a:r>
-              <a:rPr lang="de-DE" sz="2400" dirty="0">
-                <a:latin typeface="Courier New" panose="02070309020205020404" pitchFamily="49" charset="0"/>
-                <a:cs typeface="Courier New" panose="02070309020205020404" pitchFamily="49" charset="0"/>
-              </a:rPr>
-              <a:t> </a:t>
-            </a:r>
-            <a:r>
-              <a:rPr lang="de-DE" sz="2400" dirty="0" err="1">
-                <a:latin typeface="Courier New" panose="02070309020205020404" pitchFamily="49" charset="0"/>
-                <a:cs typeface="Courier New" panose="02070309020205020404" pitchFamily="49" charset="0"/>
-              </a:rPr>
-              <a:t>clone</a:t>
-            </a:r>
-            <a:r>
-              <a:rPr lang="de-DE" sz="2400" dirty="0">
-                <a:latin typeface="Courier New" panose="02070309020205020404" pitchFamily="49" charset="0"/>
-                <a:cs typeface="Courier New" panose="02070309020205020404" pitchFamily="49" charset="0"/>
-              </a:rPr>
-              <a:t> </a:t>
-            </a:r>
-            <a:r>
-              <a:rPr lang="de-DE" sz="2400" dirty="0">
-                <a:latin typeface="Courier New" panose="02070309020205020404" pitchFamily="49" charset="0"/>
-                <a:cs typeface="Courier New" panose="02070309020205020404" pitchFamily="49" charset="0"/>
-                <a:hlinkClick r:id="rId2"/>
-              </a:rPr>
-              <a:t>git@bitbucket.org:conciso/java-starter.git</a:t>
-            </a:r>
-            <a:endParaRPr lang="de-DE" sz="2400" dirty="0">
-              <a:latin typeface="Courier New" panose="02070309020205020404" pitchFamily="49" charset="0"/>
-              <a:cs typeface="Courier New" panose="02070309020205020404" pitchFamily="49" charset="0"/>
-            </a:endParaRPr>
+              <a:t> Repository zugreifen kann, muss es in die Konfiguration aufgenommen werden</a:t>
+            </a:r>
           </a:p>
           <a:p>
             <a:pPr lvl="1"/>
             <a:r>
               <a:rPr lang="de-DE" dirty="0"/>
-              <a:t>Hinweis: Hier kann auch </a:t>
-            </a:r>
-            <a:r>
-              <a:rPr lang="de-DE" dirty="0" err="1"/>
-              <a:t>Sourcetree</a:t>
-            </a:r>
-            <a:r>
-              <a:rPr lang="de-DE" dirty="0"/>
-              <a:t>, </a:t>
-            </a:r>
-            <a:r>
-              <a:rPr lang="de-DE" dirty="0" err="1"/>
-              <a:t>IntelliJ</a:t>
-            </a:r>
-            <a:r>
-              <a:rPr lang="de-DE" dirty="0"/>
-              <a:t> etc. genutzt werden</a:t>
-            </a:r>
-          </a:p>
-          <a:p>
-            <a:pPr marL="0" indent="0">
-              <a:buNone/>
-            </a:pPr>
-            <a:endParaRPr lang="de-DE" sz="2000" dirty="0">
-              <a:latin typeface="Courier New" panose="02070309020205020404" pitchFamily="49" charset="0"/>
-              <a:cs typeface="Courier New" panose="02070309020205020404" pitchFamily="49" charset="0"/>
-            </a:endParaRPr>
+              <a:t>Danach ist ein Restart von Docker nötig!</a:t>
+            </a:r>
+          </a:p>
+        </p:txBody>
+      </p:sp>
+      <p:sp>
+        <p:nvSpPr>
+          <p:cNvPr id="5" name="Oval 4">
+            <a:extLst>
+              <a:ext uri="{FF2B5EF4-FFF2-40B4-BE49-F238E27FC236}">
+                <a16:creationId xmlns:a16="http://schemas.microsoft.com/office/drawing/2014/main" id="{5F49F9D6-7E69-138C-C9CB-3C0AD43A2AFC}"/>
+              </a:ext>
+            </a:extLst>
+          </p:cNvPr>
+          <p:cNvSpPr/>
+          <p:nvPr/>
+        </p:nvSpPr>
+        <p:spPr>
+          <a:xfrm>
+            <a:off x="4082902" y="5635256"/>
+            <a:ext cx="2232838" cy="627321"/>
+          </a:xfrm>
+          <a:prstGeom prst="ellipse">
+            <a:avLst/>
+          </a:prstGeom>
+          <a:noFill/>
+          <a:ln w="38100">
+            <a:solidFill>
+              <a:srgbClr val="FF0000"/>
+            </a:solidFill>
+          </a:ln>
+        </p:spPr>
+        <p:style>
+          <a:lnRef idx="2">
+            <a:schemeClr val="accent1">
+              <a:shade val="50000"/>
+            </a:schemeClr>
+          </a:lnRef>
+          <a:fillRef idx="1">
+            <a:schemeClr val="accent1"/>
+          </a:fillRef>
+          <a:effectRef idx="0">
+            <a:schemeClr val="accent1"/>
+          </a:effectRef>
+          <a:fontRef idx="minor">
+            <a:schemeClr val="lt1"/>
+          </a:fontRef>
+        </p:style>
+        <p:txBody>
+          <a:bodyPr rtlCol="0" anchor="ctr"/>
+          <a:lstStyle/>
+          <a:p>
+            <a:pPr algn="ctr"/>
+            <a:endParaRPr lang="de-DE" dirty="0"/>
           </a:p>
         </p:txBody>
       </p:sp>
     </p:spTree>
     <p:extLst>
       <p:ext uri="{BB962C8B-B14F-4D97-AF65-F5344CB8AC3E}">
-        <p14:creationId xmlns:p14="http://schemas.microsoft.com/office/powerpoint/2010/main" val="4117018733"/>
+        <p14:creationId xmlns:p14="http://schemas.microsoft.com/office/powerpoint/2010/main" val="1143489599"/>
       </p:ext>
     </p:extLst>
   </p:cSld>
@@ -5282,15 +5548,23 @@
           <a:p>
             <a:r>
               <a:rPr lang="de-DE" dirty="0"/>
-              <a:t>4. Datenbank und </a:t>
+              <a:t>4. </a:t>
             </a:r>
             <a:r>
               <a:rPr lang="de-DE" dirty="0" err="1"/>
-              <a:t>Keycloak</a:t>
+              <a:t>Git</a:t>
             </a:r>
             <a:r>
               <a:rPr lang="de-DE" dirty="0"/>
-              <a:t> starten</a:t>
+              <a:t> </a:t>
+            </a:r>
+            <a:r>
+              <a:rPr lang="de-DE" dirty="0" err="1"/>
+              <a:t>repository</a:t>
+            </a:r>
+            <a:r>
+              <a:rPr lang="de-DE" dirty="0"/>
+              <a:t> klonen</a:t>
             </a:r>
           </a:p>
         </p:txBody>
@@ -5320,7 +5594,15 @@
           <a:p>
             <a:r>
               <a:rPr lang="de-DE" dirty="0"/>
-              <a:t>Auf dem Host-Rechner:</a:t>
+              <a:t>Auf dem Host-Rechner bitte das </a:t>
+            </a:r>
+            <a:r>
+              <a:rPr lang="de-DE" dirty="0" err="1"/>
+              <a:t>java</a:t>
+            </a:r>
+            <a:r>
+              <a:rPr lang="de-DE" dirty="0"/>
+              <a:t>-starter Repository klonen:</a:t>
             </a:r>
           </a:p>
           <a:p>
@@ -5332,42 +5614,43 @@
                 <a:latin typeface="Courier New" panose="02070309020205020404" pitchFamily="49" charset="0"/>
                 <a:cs typeface="Courier New" panose="02070309020205020404" pitchFamily="49" charset="0"/>
               </a:rPr>
-              <a:t>	cd ~/</a:t>
+              <a:t>  </a:t>
             </a:r>
             <a:r>
               <a:rPr lang="de-DE" sz="2400" dirty="0" err="1">
                 <a:latin typeface="Courier New" panose="02070309020205020404" pitchFamily="49" charset="0"/>
                 <a:cs typeface="Courier New" panose="02070309020205020404" pitchFamily="49" charset="0"/>
               </a:rPr>
-              <a:t>java</a:t>
+              <a:t>git</a:t>
             </a:r>
             <a:r>
               <a:rPr lang="de-DE" sz="2400" dirty="0">
                 <a:latin typeface="Courier New" panose="02070309020205020404" pitchFamily="49" charset="0"/>
                 <a:cs typeface="Courier New" panose="02070309020205020404" pitchFamily="49" charset="0"/>
               </a:rPr>
-              <a:t>-starter/sample/</a:t>
+              <a:t> </a:t>
             </a:r>
             <a:r>
               <a:rPr lang="de-DE" sz="2400" dirty="0" err="1">
                 <a:latin typeface="Courier New" panose="02070309020205020404" pitchFamily="49" charset="0"/>
                 <a:cs typeface="Courier New" panose="02070309020205020404" pitchFamily="49" charset="0"/>
               </a:rPr>
-              <a:t>kubernetes</a:t>
+              <a:t>clone</a:t>
             </a:r>
             <a:r>
               <a:rPr lang="de-DE" sz="2400" dirty="0">
                 <a:latin typeface="Courier New" panose="02070309020205020404" pitchFamily="49" charset="0"/>
                 <a:cs typeface="Courier New" panose="02070309020205020404" pitchFamily="49" charset="0"/>
               </a:rPr>
-              <a:t>/</a:t>
-            </a:r>
-            <a:r>
-              <a:rPr lang="de-DE" sz="2400" dirty="0" err="1">
-                <a:latin typeface="Courier New" panose="02070309020205020404" pitchFamily="49" charset="0"/>
-                <a:cs typeface="Courier New" panose="02070309020205020404" pitchFamily="49" charset="0"/>
-              </a:rPr>
-              <a:t>docker</a:t>
+              <a:t> </a:t>
+            </a:r>
+            <a:r>
+              <a:rPr lang="de-DE" sz="2400" dirty="0">
+                <a:latin typeface="Courier New" panose="02070309020205020404" pitchFamily="49" charset="0"/>
+                <a:cs typeface="Courier New" panose="02070309020205020404" pitchFamily="49" charset="0"/>
+                <a:hlinkClick r:id="rId2"/>
+              </a:rPr>
+              <a:t>git@bitbucket.org:conciso/java-starter.git</a:t>
             </a:r>
             <a:endParaRPr lang="de-DE" sz="2400" dirty="0">
               <a:latin typeface="Courier New" panose="02070309020205020404" pitchFamily="49" charset="0"/>
@@ -5375,43 +5658,26 @@
             </a:endParaRPr>
           </a:p>
           <a:p>
-            <a:pPr marL="0" indent="0">
-              <a:buNone/>
-            </a:pPr>
-            <a:r>
-              <a:rPr lang="de-DE" sz="2400" dirty="0">
-                <a:latin typeface="Courier New" panose="02070309020205020404" pitchFamily="49" charset="0"/>
-                <a:cs typeface="Courier New" panose="02070309020205020404" pitchFamily="49" charset="0"/>
-              </a:rPr>
-              <a:t>	multipass </a:t>
-            </a:r>
-            <a:r>
-              <a:rPr lang="de-DE" sz="2400" dirty="0" err="1">
-                <a:latin typeface="Courier New" panose="02070309020205020404" pitchFamily="49" charset="0"/>
-                <a:cs typeface="Courier New" panose="02070309020205020404" pitchFamily="49" charset="0"/>
-              </a:rPr>
-              <a:t>transfer</a:t>
-            </a:r>
-            <a:r>
-              <a:rPr lang="de-DE" sz="2400" dirty="0">
-                <a:latin typeface="Courier New" panose="02070309020205020404" pitchFamily="49" charset="0"/>
-                <a:cs typeface="Courier New" panose="02070309020205020404" pitchFamily="49" charset="0"/>
-              </a:rPr>
-              <a:t> * </a:t>
-            </a:r>
-            <a:r>
-              <a:rPr lang="de-DE" sz="2400" dirty="0" err="1">
-                <a:latin typeface="Courier New" panose="02070309020205020404" pitchFamily="49" charset="0"/>
-                <a:cs typeface="Courier New" panose="02070309020205020404" pitchFamily="49" charset="0"/>
-              </a:rPr>
-              <a:t>db</a:t>
-            </a:r>
-            <a:r>
-              <a:rPr lang="de-DE" sz="2400" dirty="0">
-                <a:latin typeface="Courier New" panose="02070309020205020404" pitchFamily="49" charset="0"/>
-                <a:cs typeface="Courier New" panose="02070309020205020404" pitchFamily="49" charset="0"/>
-              </a:rPr>
-              <a:t>:</a:t>
+            <a:pPr lvl="1"/>
+            <a:r>
+              <a:rPr lang="de-DE" dirty="0"/>
+              <a:t>Hinweis: Hier kann auch </a:t>
+            </a:r>
+            <a:r>
+              <a:rPr lang="de-DE" dirty="0" err="1"/>
+              <a:t>Sourcetree</a:t>
+            </a:r>
+            <a:r>
+              <a:rPr lang="de-DE" dirty="0"/>
+              <a:t>, </a:t>
+            </a:r>
+            <a:r>
+              <a:rPr lang="de-DE" dirty="0" err="1"/>
+              <a:t>IntelliJ</a:t>
+            </a:r>
+            <a:r>
+              <a:rPr lang="de-DE" dirty="0"/>
+              <a:t> etc. genutzt werden</a:t>
             </a:r>
           </a:p>
           <a:p>
@@ -5423,233 +5689,12 @@
               <a:cs typeface="Courier New" panose="02070309020205020404" pitchFamily="49" charset="0"/>
             </a:endParaRPr>
           </a:p>
-          <a:p>
-            <a:r>
-              <a:rPr lang="de-DE" dirty="0"/>
-              <a:t>Auf </a:t>
-            </a:r>
-            <a:r>
-              <a:rPr lang="de-DE" dirty="0" err="1">
-                <a:latin typeface="Courier New" panose="02070309020205020404" pitchFamily="49" charset="0"/>
-                <a:cs typeface="Courier New" panose="02070309020205020404" pitchFamily="49" charset="0"/>
-              </a:rPr>
-              <a:t>db</a:t>
-            </a:r>
-            <a:r>
-              <a:rPr lang="de-DE" dirty="0"/>
-              <a:t>:</a:t>
-            </a:r>
-          </a:p>
-          <a:p>
-            <a:pPr marL="0" indent="0">
-              <a:buNone/>
-            </a:pPr>
-            <a:r>
-              <a:rPr lang="de-DE" sz="2400" dirty="0"/>
-              <a:t>	</a:t>
-            </a:r>
-            <a:r>
-              <a:rPr lang="de-DE" sz="2400" dirty="0">
-                <a:latin typeface="Courier New" panose="02070309020205020404" pitchFamily="49" charset="0"/>
-                <a:cs typeface="Courier New" panose="02070309020205020404" pitchFamily="49" charset="0"/>
-              </a:rPr>
-              <a:t>multipass </a:t>
-            </a:r>
-            <a:r>
-              <a:rPr lang="de-DE" sz="2400" dirty="0" err="1">
-                <a:latin typeface="Courier New" panose="02070309020205020404" pitchFamily="49" charset="0"/>
-                <a:cs typeface="Courier New" panose="02070309020205020404" pitchFamily="49" charset="0"/>
-              </a:rPr>
-              <a:t>shell</a:t>
-            </a:r>
-            <a:r>
-              <a:rPr lang="de-DE" sz="2400" dirty="0">
-                <a:latin typeface="Courier New" panose="02070309020205020404" pitchFamily="49" charset="0"/>
-                <a:cs typeface="Courier New" panose="02070309020205020404" pitchFamily="49" charset="0"/>
-              </a:rPr>
-              <a:t> </a:t>
-            </a:r>
-            <a:r>
-              <a:rPr lang="de-DE" sz="2400" dirty="0" err="1">
-                <a:latin typeface="Courier New" panose="02070309020205020404" pitchFamily="49" charset="0"/>
-                <a:cs typeface="Courier New" panose="02070309020205020404" pitchFamily="49" charset="0"/>
-              </a:rPr>
-              <a:t>db</a:t>
-            </a:r>
-            <a:endParaRPr lang="de-DE" sz="2400" dirty="0">
-              <a:latin typeface="Courier New" panose="02070309020205020404" pitchFamily="49" charset="0"/>
-              <a:cs typeface="Courier New" panose="02070309020205020404" pitchFamily="49" charset="0"/>
-            </a:endParaRPr>
-          </a:p>
-          <a:p>
-            <a:pPr marL="0" indent="0">
-              <a:buNone/>
-            </a:pPr>
-            <a:r>
-              <a:rPr lang="de-DE" sz="2400" dirty="0">
-                <a:latin typeface="Courier New" panose="02070309020205020404" pitchFamily="49" charset="0"/>
-                <a:cs typeface="Courier New" panose="02070309020205020404" pitchFamily="49" charset="0"/>
-              </a:rPr>
-              <a:t>	</a:t>
-            </a:r>
-            <a:r>
-              <a:rPr lang="de-DE" sz="2400" dirty="0" err="1">
-                <a:latin typeface="Courier New" panose="02070309020205020404" pitchFamily="49" charset="0"/>
-                <a:cs typeface="Courier New" panose="02070309020205020404" pitchFamily="49" charset="0"/>
-              </a:rPr>
-              <a:t>sudo</a:t>
-            </a:r>
-            <a:r>
-              <a:rPr lang="de-DE" sz="2400" dirty="0">
-                <a:latin typeface="Courier New" panose="02070309020205020404" pitchFamily="49" charset="0"/>
-                <a:cs typeface="Courier New" panose="02070309020205020404" pitchFamily="49" charset="0"/>
-              </a:rPr>
-              <a:t> </a:t>
-            </a:r>
-            <a:r>
-              <a:rPr lang="de-DE" sz="2400" dirty="0" err="1">
-                <a:latin typeface="Courier New" panose="02070309020205020404" pitchFamily="49" charset="0"/>
-                <a:cs typeface="Courier New" panose="02070309020205020404" pitchFamily="49" charset="0"/>
-              </a:rPr>
-              <a:t>docker</a:t>
-            </a:r>
-            <a:r>
-              <a:rPr lang="de-DE" sz="2400" dirty="0">
-                <a:latin typeface="Courier New" panose="02070309020205020404" pitchFamily="49" charset="0"/>
-                <a:cs typeface="Courier New" panose="02070309020205020404" pitchFamily="49" charset="0"/>
-              </a:rPr>
-              <a:t> </a:t>
-            </a:r>
-            <a:r>
-              <a:rPr lang="de-DE" sz="2400" dirty="0" err="1">
-                <a:latin typeface="Courier New" panose="02070309020205020404" pitchFamily="49" charset="0"/>
-                <a:cs typeface="Courier New" panose="02070309020205020404" pitchFamily="49" charset="0"/>
-              </a:rPr>
-              <a:t>compose</a:t>
-            </a:r>
-            <a:r>
-              <a:rPr lang="de-DE" sz="2400" dirty="0">
-                <a:latin typeface="Courier New" panose="02070309020205020404" pitchFamily="49" charset="0"/>
-                <a:cs typeface="Courier New" panose="02070309020205020404" pitchFamily="49" charset="0"/>
-              </a:rPr>
-              <a:t> </a:t>
-            </a:r>
-            <a:r>
-              <a:rPr lang="de-DE" sz="2400" dirty="0" err="1">
-                <a:latin typeface="Courier New" panose="02070309020205020404" pitchFamily="49" charset="0"/>
-                <a:cs typeface="Courier New" panose="02070309020205020404" pitchFamily="49" charset="0"/>
-              </a:rPr>
-              <a:t>up</a:t>
-            </a:r>
-            <a:endParaRPr lang="de-DE" sz="2400" dirty="0">
-              <a:latin typeface="Courier New" panose="02070309020205020404" pitchFamily="49" charset="0"/>
-              <a:cs typeface="Courier New" panose="02070309020205020404" pitchFamily="49" charset="0"/>
-            </a:endParaRPr>
-          </a:p>
-          <a:p>
-            <a:pPr lvl="1"/>
-            <a:r>
-              <a:rPr lang="de-DE" dirty="0">
-                <a:cs typeface="Courier New" panose="02070309020205020404" pitchFamily="49" charset="0"/>
-              </a:rPr>
-              <a:t>Shell geöffnet lassen!</a:t>
-            </a:r>
-          </a:p>
-          <a:p>
-            <a:pPr lvl="2"/>
-            <a:r>
-              <a:rPr lang="de-DE" dirty="0">
-                <a:cs typeface="Courier New" panose="02070309020205020404" pitchFamily="49" charset="0"/>
-              </a:rPr>
-              <a:t>Wer will kann auch </a:t>
-            </a:r>
-            <a:r>
-              <a:rPr lang="de-DE" dirty="0" err="1">
-                <a:latin typeface="Courier New" panose="02070309020205020404" pitchFamily="49" charset="0"/>
-                <a:cs typeface="Courier New" panose="02070309020205020404" pitchFamily="49" charset="0"/>
-              </a:rPr>
-              <a:t>sudo</a:t>
-            </a:r>
-            <a:r>
-              <a:rPr lang="de-DE" dirty="0">
-                <a:latin typeface="Courier New" panose="02070309020205020404" pitchFamily="49" charset="0"/>
-                <a:cs typeface="Courier New" panose="02070309020205020404" pitchFamily="49" charset="0"/>
-              </a:rPr>
-              <a:t> </a:t>
-            </a:r>
-            <a:r>
-              <a:rPr lang="de-DE" dirty="0" err="1">
-                <a:latin typeface="Courier New" panose="02070309020205020404" pitchFamily="49" charset="0"/>
-                <a:cs typeface="Courier New" panose="02070309020205020404" pitchFamily="49" charset="0"/>
-              </a:rPr>
-              <a:t>docker</a:t>
-            </a:r>
-            <a:r>
-              <a:rPr lang="de-DE" dirty="0">
-                <a:latin typeface="Courier New" panose="02070309020205020404" pitchFamily="49" charset="0"/>
-                <a:cs typeface="Courier New" panose="02070309020205020404" pitchFamily="49" charset="0"/>
-              </a:rPr>
-              <a:t> </a:t>
-            </a:r>
-            <a:r>
-              <a:rPr lang="de-DE" dirty="0" err="1">
-                <a:latin typeface="Courier New" panose="02070309020205020404" pitchFamily="49" charset="0"/>
-                <a:cs typeface="Courier New" panose="02070309020205020404" pitchFamily="49" charset="0"/>
-              </a:rPr>
-              <a:t>compose</a:t>
-            </a:r>
-            <a:r>
-              <a:rPr lang="de-DE" dirty="0">
-                <a:latin typeface="Courier New" panose="02070309020205020404" pitchFamily="49" charset="0"/>
-                <a:cs typeface="Courier New" panose="02070309020205020404" pitchFamily="49" charset="0"/>
-              </a:rPr>
-              <a:t> </a:t>
-            </a:r>
-            <a:r>
-              <a:rPr lang="de-DE" dirty="0" err="1">
-                <a:latin typeface="Courier New" panose="02070309020205020404" pitchFamily="49" charset="0"/>
-                <a:cs typeface="Courier New" panose="02070309020205020404" pitchFamily="49" charset="0"/>
-              </a:rPr>
-              <a:t>up</a:t>
-            </a:r>
-            <a:r>
-              <a:rPr lang="de-DE" dirty="0">
-                <a:latin typeface="Courier New" panose="02070309020205020404" pitchFamily="49" charset="0"/>
-                <a:cs typeface="Courier New" panose="02070309020205020404" pitchFamily="49" charset="0"/>
-              </a:rPr>
-              <a:t> –d</a:t>
-            </a:r>
-            <a:r>
-              <a:rPr lang="de-DE" dirty="0">
-                <a:cs typeface="Courier New" panose="02070309020205020404" pitchFamily="49" charset="0"/>
-              </a:rPr>
-              <a:t> nutzen</a:t>
-            </a:r>
-          </a:p>
-          <a:p>
-            <a:pPr marL="0" indent="0">
-              <a:buNone/>
-            </a:pPr>
-            <a:endParaRPr lang="de-DE" sz="2000" dirty="0">
-              <a:latin typeface="Courier New" panose="02070309020205020404" pitchFamily="49" charset="0"/>
-              <a:cs typeface="Courier New" panose="02070309020205020404" pitchFamily="49" charset="0"/>
-            </a:endParaRPr>
-          </a:p>
-          <a:p>
-            <a:pPr marL="0" indent="0">
-              <a:buNone/>
-            </a:pPr>
-            <a:endParaRPr lang="de-DE" sz="2000" dirty="0">
-              <a:latin typeface="Courier New" panose="02070309020205020404" pitchFamily="49" charset="0"/>
-              <a:cs typeface="Courier New" panose="02070309020205020404" pitchFamily="49" charset="0"/>
-            </a:endParaRPr>
-          </a:p>
         </p:txBody>
       </p:sp>
     </p:spTree>
     <p:extLst>
       <p:ext uri="{BB962C8B-B14F-4D97-AF65-F5344CB8AC3E}">
-        <p14:creationId xmlns:p14="http://schemas.microsoft.com/office/powerpoint/2010/main" val="3530062757"/>
+        <p14:creationId xmlns:p14="http://schemas.microsoft.com/office/powerpoint/2010/main" val="4117018733"/>
       </p:ext>
     </p:extLst>
   </p:cSld>
@@ -5699,7 +5744,15 @@
           <a:p>
             <a:r>
               <a:rPr lang="de-DE" dirty="0"/>
-              <a:t>5. Bauen der Anwendung</a:t>
+              <a:t>5. Datenbank und </a:t>
+            </a:r>
+            <a:r>
+              <a:rPr lang="de-DE" dirty="0" err="1"/>
+              <a:t>Keycloak</a:t>
+            </a:r>
+            <a:r>
+              <a:rPr lang="de-DE" dirty="0"/>
+              <a:t> starten</a:t>
             </a:r>
           </a:p>
         </p:txBody>
@@ -5729,7 +5782,7 @@
           <a:p>
             <a:r>
               <a:rPr lang="de-DE" dirty="0"/>
-              <a:t>Auf dem Host-Rechner: </a:t>
+              <a:t>Auf dem Host-Rechner:</a:t>
             </a:r>
           </a:p>
           <a:p>
@@ -5737,15 +5790,11 @@
               <a:buNone/>
             </a:pPr>
             <a:r>
-              <a:rPr lang="de-DE" sz="2400" dirty="0"/>
-              <a:t>	</a:t>
-            </a:r>
-            <a:r>
               <a:rPr lang="de-DE" sz="2400" dirty="0">
                 <a:latin typeface="Courier New" panose="02070309020205020404" pitchFamily="49" charset="0"/>
                 <a:cs typeface="Courier New" panose="02070309020205020404" pitchFamily="49" charset="0"/>
               </a:rPr>
-              <a:t>cd ~/</a:t>
+              <a:t>	cd ~/</a:t>
             </a:r>
             <a:r>
               <a:rPr lang="de-DE" sz="2400" dirty="0" err="1">
@@ -5766,7 +5815,21 @@
                 <a:latin typeface="Courier New" panose="02070309020205020404" pitchFamily="49" charset="0"/>
                 <a:cs typeface="Courier New" panose="02070309020205020404" pitchFamily="49" charset="0"/>
               </a:rPr>
-              <a:t>person</a:t>
+              <a:t>kubernetes</a:t>
+            </a:r>
+            <a:r>
+              <a:rPr lang="de-DE" sz="2400" dirty="0">
+                <a:latin typeface="Courier New" panose="02070309020205020404" pitchFamily="49" charset="0"/>
+                <a:cs typeface="Courier New" panose="02070309020205020404" pitchFamily="49" charset="0"/>
+              </a:rPr>
+              <a:t>/</a:t>
+            </a:r>
+            <a:r>
+              <a:rPr lang="de-DE" sz="2400" dirty="0" err="1">
+                <a:latin typeface="Courier New" panose="02070309020205020404" pitchFamily="49" charset="0"/>
+                <a:cs typeface="Courier New" panose="02070309020205020404" pitchFamily="49" charset="0"/>
+              </a:rPr>
+              <a:t>docker</a:t>
             </a:r>
             <a:endParaRPr lang="de-DE" sz="2400" dirty="0">
               <a:latin typeface="Courier New" panose="02070309020205020404" pitchFamily="49" charset="0"/>
@@ -5782,28 +5845,98 @@
                 <a:latin typeface="Courier New" panose="02070309020205020404" pitchFamily="49" charset="0"/>
                 <a:cs typeface="Courier New" panose="02070309020205020404" pitchFamily="49" charset="0"/>
               </a:rPr>
+              <a:t>	multipass </a:t>
+            </a:r>
+            <a:r>
+              <a:rPr lang="de-DE" sz="2400" dirty="0" err="1">
+                <a:latin typeface="Courier New" panose="02070309020205020404" pitchFamily="49" charset="0"/>
+                <a:cs typeface="Courier New" panose="02070309020205020404" pitchFamily="49" charset="0"/>
+              </a:rPr>
+              <a:t>transfer</a:t>
+            </a:r>
+            <a:r>
+              <a:rPr lang="de-DE" sz="2400" dirty="0">
+                <a:latin typeface="Courier New" panose="02070309020205020404" pitchFamily="49" charset="0"/>
+                <a:cs typeface="Courier New" panose="02070309020205020404" pitchFamily="49" charset="0"/>
+              </a:rPr>
+              <a:t> * </a:t>
+            </a:r>
+            <a:r>
+              <a:rPr lang="de-DE" sz="2400" dirty="0" err="1">
+                <a:latin typeface="Courier New" panose="02070309020205020404" pitchFamily="49" charset="0"/>
+                <a:cs typeface="Courier New" panose="02070309020205020404" pitchFamily="49" charset="0"/>
+              </a:rPr>
+              <a:t>db</a:t>
+            </a:r>
+            <a:r>
+              <a:rPr lang="de-DE" sz="2400" dirty="0">
+                <a:latin typeface="Courier New" panose="02070309020205020404" pitchFamily="49" charset="0"/>
+                <a:cs typeface="Courier New" panose="02070309020205020404" pitchFamily="49" charset="0"/>
+              </a:rPr>
+              <a:t>:</a:t>
+            </a:r>
+          </a:p>
+          <a:p>
+            <a:pPr marL="0" indent="0">
+              <a:buNone/>
+            </a:pPr>
+            <a:endParaRPr lang="de-DE" sz="2000" dirty="0">
+              <a:latin typeface="Courier New" panose="02070309020205020404" pitchFamily="49" charset="0"/>
+              <a:cs typeface="Courier New" panose="02070309020205020404" pitchFamily="49" charset="0"/>
+            </a:endParaRPr>
+          </a:p>
+          <a:p>
+            <a:r>
+              <a:rPr lang="de-DE" dirty="0"/>
+              <a:t>Auf </a:t>
+            </a:r>
+            <a:r>
+              <a:rPr lang="de-DE" dirty="0" err="1">
+                <a:latin typeface="Courier New" panose="02070309020205020404" pitchFamily="49" charset="0"/>
+                <a:cs typeface="Courier New" panose="02070309020205020404" pitchFamily="49" charset="0"/>
+              </a:rPr>
+              <a:t>db</a:t>
+            </a:r>
+            <a:r>
+              <a:rPr lang="de-DE" dirty="0"/>
+              <a:t>:</a:t>
+            </a:r>
+          </a:p>
+          <a:p>
+            <a:pPr marL="0" indent="0">
+              <a:buNone/>
+            </a:pPr>
+            <a:r>
+              <a:rPr lang="de-DE" sz="2400" dirty="0"/>
               <a:t>	</a:t>
             </a:r>
             <a:r>
+              <a:rPr lang="de-DE" sz="2400" dirty="0">
+                <a:latin typeface="Courier New" panose="02070309020205020404" pitchFamily="49" charset="0"/>
+                <a:cs typeface="Courier New" panose="02070309020205020404" pitchFamily="49" charset="0"/>
+              </a:rPr>
+              <a:t>multipass </a:t>
+            </a:r>
+            <a:r>
               <a:rPr lang="de-DE" sz="2400" dirty="0" err="1">
                 <a:latin typeface="Courier New" panose="02070309020205020404" pitchFamily="49" charset="0"/>
                 <a:cs typeface="Courier New" panose="02070309020205020404" pitchFamily="49" charset="0"/>
               </a:rPr>
-              <a:t>mvn</a:t>
+              <a:t>shell</a:t>
             </a:r>
             <a:r>
               <a:rPr lang="de-DE" sz="2400" dirty="0">
                 <a:latin typeface="Courier New" panose="02070309020205020404" pitchFamily="49" charset="0"/>
                 <a:cs typeface="Courier New" panose="02070309020205020404" pitchFamily="49" charset="0"/>
               </a:rPr>
-              <a:t> clean </a:t>
+              <a:t> </a:t>
             </a:r>
             <a:r>
               <a:rPr lang="de-DE" sz="2400" dirty="0" err="1">
                 <a:latin typeface="Courier New" panose="02070309020205020404" pitchFamily="49" charset="0"/>
                 <a:cs typeface="Courier New" panose="02070309020205020404" pitchFamily="49" charset="0"/>
               </a:rPr>
-              <a:t>install</a:t>
+              <a:t>db</a:t>
             </a:r>
             <a:endParaRPr lang="de-DE" sz="2400" dirty="0">
               <a:latin typeface="Courier New" panose="02070309020205020404" pitchFamily="49" charset="0"/>
@@ -5815,36 +5948,60 @@
               <a:buNone/>
             </a:pPr>
             <a:r>
-              <a:rPr lang="de-DE" sz="2400" dirty="0"/>
+              <a:rPr lang="de-DE" sz="2400" dirty="0">
+                <a:latin typeface="Courier New" panose="02070309020205020404" pitchFamily="49" charset="0"/>
+                <a:cs typeface="Courier New" panose="02070309020205020404" pitchFamily="49" charset="0"/>
+              </a:rPr>
               <a:t>	</a:t>
             </a:r>
             <a:r>
+              <a:rPr lang="de-DE" sz="2400" dirty="0" err="1">
+                <a:latin typeface="Courier New" panose="02070309020205020404" pitchFamily="49" charset="0"/>
+                <a:cs typeface="Courier New" panose="02070309020205020404" pitchFamily="49" charset="0"/>
+              </a:rPr>
+              <a:t>sudo</a:t>
+            </a:r>
+            <a:r>
               <a:rPr lang="de-DE" sz="2400" dirty="0">
                 <a:latin typeface="Courier New" panose="02070309020205020404" pitchFamily="49" charset="0"/>
                 <a:cs typeface="Courier New" panose="02070309020205020404" pitchFamily="49" charset="0"/>
               </a:rPr>
-              <a:t>cd ~/</a:t>
+              <a:t> </a:t>
             </a:r>
             <a:r>
               <a:rPr lang="de-DE" sz="2400" dirty="0" err="1">
                 <a:latin typeface="Courier New" panose="02070309020205020404" pitchFamily="49" charset="0"/>
                 <a:cs typeface="Courier New" panose="02070309020205020404" pitchFamily="49" charset="0"/>
               </a:rPr>
-              <a:t>java</a:t>
+              <a:t>docker</a:t>
             </a:r>
             <a:r>
               <a:rPr lang="de-DE" sz="2400" dirty="0">
                 <a:latin typeface="Courier New" panose="02070309020205020404" pitchFamily="49" charset="0"/>
                 <a:cs typeface="Courier New" panose="02070309020205020404" pitchFamily="49" charset="0"/>
               </a:rPr>
-              <a:t>-starter/sample/</a:t>
+              <a:t> </a:t>
             </a:r>
             <a:r>
               <a:rPr lang="de-DE" sz="2400" dirty="0" err="1">
                 <a:latin typeface="Courier New" panose="02070309020205020404" pitchFamily="49" charset="0"/>
                 <a:cs typeface="Courier New" panose="02070309020205020404" pitchFamily="49" charset="0"/>
               </a:rPr>
-              <a:t>auftrag</a:t>
+              <a:t>compose</a:t>
+            </a:r>
+            <a:r>
+              <a:rPr lang="de-DE" sz="2400" dirty="0">
+                <a:latin typeface="Courier New" panose="02070309020205020404" pitchFamily="49" charset="0"/>
+                <a:cs typeface="Courier New" panose="02070309020205020404" pitchFamily="49" charset="0"/>
+              </a:rPr>
+              <a:t> </a:t>
+            </a:r>
+            <a:r>
+              <a:rPr lang="de-DE" sz="2400" dirty="0" err="1">
+                <a:latin typeface="Courier New" panose="02070309020205020404" pitchFamily="49" charset="0"/>
+                <a:cs typeface="Courier New" panose="02070309020205020404" pitchFamily="49" charset="0"/>
+              </a:rPr>
+              <a:t>up</a:t>
             </a:r>
             <a:endParaRPr lang="de-DE" sz="2400" dirty="0">
               <a:latin typeface="Courier New" panose="02070309020205020404" pitchFamily="49" charset="0"/>
@@ -5852,38 +6009,90 @@
             </a:endParaRPr>
           </a:p>
           <a:p>
+            <a:pPr lvl="1"/>
+            <a:r>
+              <a:rPr lang="de-DE" dirty="0">
+                <a:cs typeface="Courier New" panose="02070309020205020404" pitchFamily="49" charset="0"/>
+              </a:rPr>
+              <a:t>Shell geöffnet lassen!</a:t>
+            </a:r>
+          </a:p>
+          <a:p>
+            <a:pPr lvl="2"/>
+            <a:r>
+              <a:rPr lang="de-DE" dirty="0">
+                <a:cs typeface="Courier New" panose="02070309020205020404" pitchFamily="49" charset="0"/>
+              </a:rPr>
+              <a:t>Wer will kann auch </a:t>
+            </a:r>
+            <a:r>
+              <a:rPr lang="de-DE" dirty="0" err="1">
+                <a:latin typeface="Courier New" panose="02070309020205020404" pitchFamily="49" charset="0"/>
+                <a:cs typeface="Courier New" panose="02070309020205020404" pitchFamily="49" charset="0"/>
+              </a:rPr>
+              <a:t>sudo</a:t>
+            </a:r>
+            <a:r>
+              <a:rPr lang="de-DE" dirty="0">
+                <a:latin typeface="Courier New" panose="02070309020205020404" pitchFamily="49" charset="0"/>
+                <a:cs typeface="Courier New" panose="02070309020205020404" pitchFamily="49" charset="0"/>
+              </a:rPr>
+              <a:t> </a:t>
+            </a:r>
+            <a:r>
+              <a:rPr lang="de-DE" dirty="0" err="1">
+                <a:latin typeface="Courier New" panose="02070309020205020404" pitchFamily="49" charset="0"/>
+                <a:cs typeface="Courier New" panose="02070309020205020404" pitchFamily="49" charset="0"/>
+              </a:rPr>
+              <a:t>docker</a:t>
+            </a:r>
+            <a:r>
+              <a:rPr lang="de-DE" dirty="0">
+                <a:latin typeface="Courier New" panose="02070309020205020404" pitchFamily="49" charset="0"/>
+                <a:cs typeface="Courier New" panose="02070309020205020404" pitchFamily="49" charset="0"/>
+              </a:rPr>
+              <a:t> </a:t>
+            </a:r>
+            <a:r>
+              <a:rPr lang="de-DE" dirty="0" err="1">
+                <a:latin typeface="Courier New" panose="02070309020205020404" pitchFamily="49" charset="0"/>
+                <a:cs typeface="Courier New" panose="02070309020205020404" pitchFamily="49" charset="0"/>
+              </a:rPr>
+              <a:t>compose</a:t>
+            </a:r>
+            <a:r>
+              <a:rPr lang="de-DE" dirty="0">
+                <a:latin typeface="Courier New" panose="02070309020205020404" pitchFamily="49" charset="0"/>
+                <a:cs typeface="Courier New" panose="02070309020205020404" pitchFamily="49" charset="0"/>
+              </a:rPr>
+              <a:t> </a:t>
+            </a:r>
+            <a:r>
+              <a:rPr lang="de-DE" dirty="0" err="1">
+                <a:latin typeface="Courier New" panose="02070309020205020404" pitchFamily="49" charset="0"/>
+                <a:cs typeface="Courier New" panose="02070309020205020404" pitchFamily="49" charset="0"/>
+              </a:rPr>
+              <a:t>up</a:t>
+            </a:r>
+            <a:r>
+              <a:rPr lang="de-DE" dirty="0">
+                <a:latin typeface="Courier New" panose="02070309020205020404" pitchFamily="49" charset="0"/>
+                <a:cs typeface="Courier New" panose="02070309020205020404" pitchFamily="49" charset="0"/>
+              </a:rPr>
+              <a:t> –d</a:t>
+            </a:r>
+            <a:r>
+              <a:rPr lang="de-DE" dirty="0">
+                <a:cs typeface="Courier New" panose="02070309020205020404" pitchFamily="49" charset="0"/>
+              </a:rPr>
+              <a:t> nutzen</a:t>
+            </a:r>
+          </a:p>
+          <a:p>
             <a:pPr marL="0" indent="0">
               <a:buNone/>
             </a:pPr>
-            <a:r>
-              <a:rPr lang="de-DE" sz="2400" dirty="0">
-                <a:latin typeface="Courier New" panose="02070309020205020404" pitchFamily="49" charset="0"/>
-                <a:cs typeface="Courier New" panose="02070309020205020404" pitchFamily="49" charset="0"/>
-              </a:rPr>
-              <a:t>	</a:t>
-            </a:r>
-            <a:r>
-              <a:rPr lang="de-DE" sz="2400" dirty="0" err="1">
-                <a:latin typeface="Courier New" panose="02070309020205020404" pitchFamily="49" charset="0"/>
-                <a:cs typeface="Courier New" panose="02070309020205020404" pitchFamily="49" charset="0"/>
-              </a:rPr>
-              <a:t>mvn</a:t>
-            </a:r>
-            <a:r>
-              <a:rPr lang="de-DE" sz="2400" dirty="0">
-                <a:latin typeface="Courier New" panose="02070309020205020404" pitchFamily="49" charset="0"/>
-                <a:cs typeface="Courier New" panose="02070309020205020404" pitchFamily="49" charset="0"/>
-              </a:rPr>
-              <a:t> clean </a:t>
-            </a:r>
-            <a:r>
-              <a:rPr lang="de-DE" sz="2400" dirty="0" err="1">
-                <a:latin typeface="Courier New" panose="02070309020205020404" pitchFamily="49" charset="0"/>
-                <a:cs typeface="Courier New" panose="02070309020205020404" pitchFamily="49" charset="0"/>
-              </a:rPr>
-              <a:t>install</a:t>
-            </a:r>
-            <a:endParaRPr lang="de-DE" sz="2400" dirty="0">
+            <a:endParaRPr lang="de-DE" sz="2000" dirty="0">
               <a:latin typeface="Courier New" panose="02070309020205020404" pitchFamily="49" charset="0"/>
               <a:cs typeface="Courier New" panose="02070309020205020404" pitchFamily="49" charset="0"/>
             </a:endParaRPr>
@@ -5892,95 +6101,17 @@
             <a:pPr marL="0" indent="0">
               <a:buNone/>
             </a:pPr>
-            <a:r>
-              <a:rPr lang="de-DE" sz="2400" dirty="0"/>
-              <a:t>	</a:t>
-            </a:r>
-            <a:r>
-              <a:rPr lang="de-DE" sz="2400" dirty="0">
-                <a:latin typeface="Courier New" panose="02070309020205020404" pitchFamily="49" charset="0"/>
-                <a:cs typeface="Courier New" panose="02070309020205020404" pitchFamily="49" charset="0"/>
-              </a:rPr>
-              <a:t>cd ~/</a:t>
-            </a:r>
-            <a:r>
-              <a:rPr lang="de-DE" sz="2400" dirty="0" err="1">
-                <a:latin typeface="Courier New" panose="02070309020205020404" pitchFamily="49" charset="0"/>
-                <a:cs typeface="Courier New" panose="02070309020205020404" pitchFamily="49" charset="0"/>
-              </a:rPr>
-              <a:t>java</a:t>
-            </a:r>
-            <a:r>
-              <a:rPr lang="de-DE" sz="2400" dirty="0">
-                <a:latin typeface="Courier New" panose="02070309020205020404" pitchFamily="49" charset="0"/>
-                <a:cs typeface="Courier New" panose="02070309020205020404" pitchFamily="49" charset="0"/>
-              </a:rPr>
-              <a:t>-starter/sample/</a:t>
-            </a:r>
-            <a:r>
-              <a:rPr lang="de-DE" sz="2400" dirty="0" err="1">
-                <a:latin typeface="Courier New" panose="02070309020205020404" pitchFamily="49" charset="0"/>
-                <a:cs typeface="Courier New" panose="02070309020205020404" pitchFamily="49" charset="0"/>
-              </a:rPr>
-              <a:t>shop</a:t>
-            </a:r>
-            <a:endParaRPr lang="de-DE" sz="2400" dirty="0">
+            <a:endParaRPr lang="de-DE" sz="2000" dirty="0">
               <a:latin typeface="Courier New" panose="02070309020205020404" pitchFamily="49" charset="0"/>
               <a:cs typeface="Courier New" panose="02070309020205020404" pitchFamily="49" charset="0"/>
             </a:endParaRPr>
           </a:p>
-          <a:p>
-            <a:pPr marL="0" indent="0">
-              <a:buNone/>
-            </a:pPr>
-            <a:r>
-              <a:rPr lang="de-DE" sz="2400" dirty="0">
-                <a:latin typeface="Courier New" panose="02070309020205020404" pitchFamily="49" charset="0"/>
-                <a:cs typeface="Courier New" panose="02070309020205020404" pitchFamily="49" charset="0"/>
-              </a:rPr>
-              <a:t>	</a:t>
-            </a:r>
-            <a:r>
-              <a:rPr lang="de-DE" sz="2400" dirty="0" err="1">
-                <a:latin typeface="Courier New" panose="02070309020205020404" pitchFamily="49" charset="0"/>
-                <a:cs typeface="Courier New" panose="02070309020205020404" pitchFamily="49" charset="0"/>
-              </a:rPr>
-              <a:t>mvn</a:t>
-            </a:r>
-            <a:r>
-              <a:rPr lang="de-DE" sz="2400" dirty="0">
-                <a:latin typeface="Courier New" panose="02070309020205020404" pitchFamily="49" charset="0"/>
-                <a:cs typeface="Courier New" panose="02070309020205020404" pitchFamily="49" charset="0"/>
-              </a:rPr>
-              <a:t> clean </a:t>
-            </a:r>
-            <a:r>
-              <a:rPr lang="de-DE" sz="2400" dirty="0" err="1">
-                <a:latin typeface="Courier New" panose="02070309020205020404" pitchFamily="49" charset="0"/>
-                <a:cs typeface="Courier New" panose="02070309020205020404" pitchFamily="49" charset="0"/>
-              </a:rPr>
-              <a:t>install</a:t>
-            </a:r>
-            <a:endParaRPr lang="de-DE" sz="2400" dirty="0">
-              <a:latin typeface="Courier New" panose="02070309020205020404" pitchFamily="49" charset="0"/>
-              <a:cs typeface="Courier New" panose="02070309020205020404" pitchFamily="49" charset="0"/>
-            </a:endParaRPr>
-          </a:p>
-          <a:p>
-            <a:pPr marL="0" indent="0">
-              <a:buNone/>
-            </a:pPr>
-            <a:endParaRPr lang="de-DE" sz="2400" dirty="0">
-              <a:latin typeface="Courier New" panose="02070309020205020404" pitchFamily="49" charset="0"/>
-              <a:cs typeface="Courier New" panose="02070309020205020404" pitchFamily="49" charset="0"/>
-            </a:endParaRPr>
-          </a:p>
         </p:txBody>
       </p:sp>
     </p:spTree>
     <p:extLst>
       <p:ext uri="{BB962C8B-B14F-4D97-AF65-F5344CB8AC3E}">
-        <p14:creationId xmlns:p14="http://schemas.microsoft.com/office/powerpoint/2010/main" val="3140198035"/>
+        <p14:creationId xmlns:p14="http://schemas.microsoft.com/office/powerpoint/2010/main" val="3530062757"/>
       </p:ext>
     </p:extLst>
   </p:cSld>
@@ -6030,43 +6161,37 @@
           <a:p>
             <a:r>
               <a:rPr lang="de-DE" dirty="0"/>
-              <a:t>6. Anwendung in </a:t>
-            </a:r>
-            <a:r>
-              <a:rPr lang="de-DE" dirty="0" err="1"/>
-              <a:t>Kubernetes</a:t>
-            </a:r>
+              <a:t>6. Bauen der Anwendung</a:t>
+            </a:r>
+          </a:p>
+        </p:txBody>
+      </p:sp>
+      <p:sp>
+        <p:nvSpPr>
+          <p:cNvPr id="3" name="Inhaltsplatzhalter 2">
+            <a:extLst>
+              <a:ext uri="{FF2B5EF4-FFF2-40B4-BE49-F238E27FC236}">
+                <a16:creationId xmlns:a16="http://schemas.microsoft.com/office/drawing/2014/main" id="{C6B47590-B943-D19C-BC30-9C11A54E6BFE}"/>
+              </a:ext>
+            </a:extLst>
+          </p:cNvPr>
+          <p:cNvSpPr>
+            <a:spLocks noGrp="1"/>
+          </p:cNvSpPr>
+          <p:nvPr>
+            <p:ph idx="1"/>
+          </p:nvPr>
+        </p:nvSpPr>
+        <p:spPr/>
+        <p:txBody>
+          <a:bodyPr>
+            <a:normAutofit/>
+          </a:bodyPr>
+          <a:lstStyle/>
+          <a:p>
             <a:r>
               <a:rPr lang="de-DE" dirty="0"/>
-              <a:t> deployen</a:t>
-            </a:r>
-          </a:p>
-        </p:txBody>
-      </p:sp>
-      <p:sp>
-        <p:nvSpPr>
-          <p:cNvPr id="3" name="Inhaltsplatzhalter 2">
-            <a:extLst>
-              <a:ext uri="{FF2B5EF4-FFF2-40B4-BE49-F238E27FC236}">
-                <a16:creationId xmlns:a16="http://schemas.microsoft.com/office/drawing/2014/main" id="{C6B47590-B943-D19C-BC30-9C11A54E6BFE}"/>
-              </a:ext>
-            </a:extLst>
-          </p:cNvPr>
-          <p:cNvSpPr>
-            <a:spLocks noGrp="1"/>
-          </p:cNvSpPr>
-          <p:nvPr>
-            <p:ph idx="1"/>
-          </p:nvPr>
-        </p:nvSpPr>
-        <p:spPr/>
-        <p:txBody>
-          <a:bodyPr/>
-          <a:lstStyle/>
-          <a:p>
-            <a:r>
-              <a:rPr lang="de-DE" dirty="0"/>
-              <a:t>Auf dem Host-Rechner:</a:t>
+              <a:t>Auf dem Host-Rechner: </a:t>
             </a:r>
           </a:p>
           <a:p>
@@ -6074,11 +6199,15 @@
               <a:buNone/>
             </a:pPr>
             <a:r>
+              <a:rPr lang="de-DE" sz="2400" dirty="0"/>
+              <a:t>	</a:t>
+            </a:r>
+            <a:r>
               <a:rPr lang="de-DE" sz="2400" dirty="0">
                 <a:latin typeface="Courier New" panose="02070309020205020404" pitchFamily="49" charset="0"/>
                 <a:cs typeface="Courier New" panose="02070309020205020404" pitchFamily="49" charset="0"/>
               </a:rPr>
-              <a:t>	cd ~/</a:t>
+              <a:t>cd ~/</a:t>
             </a:r>
             <a:r>
               <a:rPr lang="de-DE" sz="2400" dirty="0" err="1">
@@ -6099,21 +6228,7 @@
                 <a:latin typeface="Courier New" panose="02070309020205020404" pitchFamily="49" charset="0"/>
                 <a:cs typeface="Courier New" panose="02070309020205020404" pitchFamily="49" charset="0"/>
               </a:rPr>
-              <a:t>kubernetes</a:t>
-            </a:r>
-            <a:r>
-              <a:rPr lang="de-DE" sz="2400" dirty="0">
-                <a:latin typeface="Courier New" panose="02070309020205020404" pitchFamily="49" charset="0"/>
-                <a:cs typeface="Courier New" panose="02070309020205020404" pitchFamily="49" charset="0"/>
-              </a:rPr>
-              <a:t>/</a:t>
-            </a:r>
-            <a:r>
-              <a:rPr lang="de-DE" sz="2400" dirty="0" err="1">
-                <a:latin typeface="Courier New" panose="02070309020205020404" pitchFamily="49" charset="0"/>
-                <a:cs typeface="Courier New" panose="02070309020205020404" pitchFamily="49" charset="0"/>
-              </a:rPr>
-              <a:t>deployment</a:t>
+              <a:t>person</a:t>
             </a:r>
             <a:endParaRPr lang="de-DE" sz="2400" dirty="0">
               <a:latin typeface="Courier New" panose="02070309020205020404" pitchFamily="49" charset="0"/>
@@ -6129,89 +6244,28 @@
                 <a:latin typeface="Courier New" panose="02070309020205020404" pitchFamily="49" charset="0"/>
                 <a:cs typeface="Courier New" panose="02070309020205020404" pitchFamily="49" charset="0"/>
               </a:rPr>
-              <a:t>	multipass </a:t>
+              <a:t>	</a:t>
             </a:r>
             <a:r>
               <a:rPr lang="de-DE" sz="2400" dirty="0" err="1">
                 <a:latin typeface="Courier New" panose="02070309020205020404" pitchFamily="49" charset="0"/>
                 <a:cs typeface="Courier New" panose="02070309020205020404" pitchFamily="49" charset="0"/>
               </a:rPr>
-              <a:t>transfer</a:t>
+              <a:t>mvn</a:t>
             </a:r>
             <a:r>
               <a:rPr lang="de-DE" sz="2400" dirty="0">
                 <a:latin typeface="Courier New" panose="02070309020205020404" pitchFamily="49" charset="0"/>
                 <a:cs typeface="Courier New" panose="02070309020205020404" pitchFamily="49" charset="0"/>
               </a:rPr>
-              <a:t> * </a:t>
+              <a:t> clean </a:t>
             </a:r>
             <a:r>
               <a:rPr lang="de-DE" sz="2400" dirty="0" err="1">
                 <a:latin typeface="Courier New" panose="02070309020205020404" pitchFamily="49" charset="0"/>
                 <a:cs typeface="Courier New" panose="02070309020205020404" pitchFamily="49" charset="0"/>
               </a:rPr>
-              <a:t>master</a:t>
-            </a:r>
-            <a:r>
-              <a:rPr lang="de-DE" sz="2400" dirty="0">
-                <a:latin typeface="Courier New" panose="02070309020205020404" pitchFamily="49" charset="0"/>
-                <a:cs typeface="Courier New" panose="02070309020205020404" pitchFamily="49" charset="0"/>
-              </a:rPr>
-              <a:t>:</a:t>
-            </a:r>
-          </a:p>
-          <a:p>
-            <a:r>
-              <a:rPr lang="de-DE" dirty="0">
-                <a:cs typeface="Courier New" panose="02070309020205020404" pitchFamily="49" charset="0"/>
-              </a:rPr>
-              <a:t>Aud </a:t>
-            </a:r>
-            <a:r>
-              <a:rPr lang="de-DE" dirty="0" err="1">
-                <a:latin typeface="Courier New" panose="02070309020205020404" pitchFamily="49" charset="0"/>
-                <a:cs typeface="Courier New" panose="02070309020205020404" pitchFamily="49" charset="0"/>
-              </a:rPr>
-              <a:t>master</a:t>
-            </a:r>
-            <a:r>
-              <a:rPr lang="de-DE" dirty="0">
-                <a:cs typeface="Courier New" panose="02070309020205020404" pitchFamily="49" charset="0"/>
-              </a:rPr>
-              <a:t>:</a:t>
-            </a:r>
-          </a:p>
-          <a:p>
-            <a:pPr marL="0" indent="0">
-              <a:buNone/>
-            </a:pPr>
-            <a:r>
-              <a:rPr lang="de-DE" sz="2400" dirty="0">
-                <a:latin typeface="Courier New" panose="02070309020205020404" pitchFamily="49" charset="0"/>
-                <a:cs typeface="Courier New" panose="02070309020205020404" pitchFamily="49" charset="0"/>
-              </a:rPr>
-              <a:t>	multipass </a:t>
-            </a:r>
-            <a:r>
-              <a:rPr lang="de-DE" sz="2400" dirty="0" err="1">
-                <a:latin typeface="Courier New" panose="02070309020205020404" pitchFamily="49" charset="0"/>
-                <a:cs typeface="Courier New" panose="02070309020205020404" pitchFamily="49" charset="0"/>
-              </a:rPr>
-              <a:t>shell</a:t>
-            </a:r>
-            <a:r>
-              <a:rPr lang="de-DE" sz="2400" dirty="0">
-                <a:latin typeface="Courier New" panose="02070309020205020404" pitchFamily="49" charset="0"/>
-                <a:cs typeface="Courier New" panose="02070309020205020404" pitchFamily="49" charset="0"/>
-              </a:rPr>
-              <a:t> </a:t>
-            </a:r>
-            <a:r>
-              <a:rPr lang="de-DE" sz="2400" dirty="0" err="1">
-                <a:latin typeface="Courier New" panose="02070309020205020404" pitchFamily="49" charset="0"/>
-                <a:cs typeface="Courier New" panose="02070309020205020404" pitchFamily="49" charset="0"/>
-              </a:rPr>
-              <a:t>master</a:t>
+              <a:t>install</a:t>
             </a:r>
             <a:endParaRPr lang="de-DE" sz="2400" dirty="0">
               <a:latin typeface="Courier New" panose="02070309020205020404" pitchFamily="49" charset="0"/>
@@ -6223,58 +6277,172 @@
               <a:buNone/>
             </a:pPr>
             <a:r>
+              <a:rPr lang="de-DE" sz="2400" dirty="0"/>
+              <a:t>	</a:t>
+            </a:r>
+            <a:r>
               <a:rPr lang="de-DE" sz="2400" dirty="0">
                 <a:latin typeface="Courier New" panose="02070309020205020404" pitchFamily="49" charset="0"/>
                 <a:cs typeface="Courier New" panose="02070309020205020404" pitchFamily="49" charset="0"/>
               </a:rPr>
-              <a:t>	microk8s </a:t>
+              <a:t>cd ~/</a:t>
             </a:r>
             <a:r>
               <a:rPr lang="de-DE" sz="2400" dirty="0" err="1">
                 <a:latin typeface="Courier New" panose="02070309020205020404" pitchFamily="49" charset="0"/>
                 <a:cs typeface="Courier New" panose="02070309020205020404" pitchFamily="49" charset="0"/>
               </a:rPr>
-              <a:t>kubectl</a:t>
+              <a:t>java</a:t>
             </a:r>
             <a:r>
               <a:rPr lang="de-DE" sz="2400" dirty="0">
                 <a:latin typeface="Courier New" panose="02070309020205020404" pitchFamily="49" charset="0"/>
                 <a:cs typeface="Courier New" panose="02070309020205020404" pitchFamily="49" charset="0"/>
               </a:rPr>
-              <a:t> </a:t>
+              <a:t>-starter/sample/</a:t>
             </a:r>
             <a:r>
               <a:rPr lang="de-DE" sz="2400" dirty="0" err="1">
                 <a:latin typeface="Courier New" panose="02070309020205020404" pitchFamily="49" charset="0"/>
                 <a:cs typeface="Courier New" panose="02070309020205020404" pitchFamily="49" charset="0"/>
               </a:rPr>
-              <a:t>apply</a:t>
-            </a:r>
-            <a:r>
-              <a:rPr lang="de-DE" sz="2400" dirty="0">
-                <a:latin typeface="Courier New" panose="02070309020205020404" pitchFamily="49" charset="0"/>
-                <a:cs typeface="Courier New" panose="02070309020205020404" pitchFamily="49" charset="0"/>
-              </a:rPr>
-              <a:t> -f </a:t>
-            </a:r>
-            <a:r>
-              <a:rPr lang="de-DE" sz="2400" dirty="0" err="1">
-                <a:latin typeface="Courier New" panose="02070309020205020404" pitchFamily="49" charset="0"/>
-                <a:cs typeface="Courier New" panose="02070309020205020404" pitchFamily="49" charset="0"/>
-              </a:rPr>
-              <a:t>sample.yml</a:t>
+              <a:t>auftrag</a:t>
             </a:r>
             <a:endParaRPr lang="de-DE" sz="2400" dirty="0">
               <a:latin typeface="Courier New" panose="02070309020205020404" pitchFamily="49" charset="0"/>
               <a:cs typeface="Courier New" panose="02070309020205020404" pitchFamily="49" charset="0"/>
             </a:endParaRPr>
           </a:p>
+          <a:p>
+            <a:pPr marL="0" indent="0">
+              <a:buNone/>
+            </a:pPr>
+            <a:r>
+              <a:rPr lang="de-DE" sz="2400" dirty="0">
+                <a:latin typeface="Courier New" panose="02070309020205020404" pitchFamily="49" charset="0"/>
+                <a:cs typeface="Courier New" panose="02070309020205020404" pitchFamily="49" charset="0"/>
+              </a:rPr>
+              <a:t>	</a:t>
+            </a:r>
+            <a:r>
+              <a:rPr lang="de-DE" sz="2400" dirty="0" err="1">
+                <a:latin typeface="Courier New" panose="02070309020205020404" pitchFamily="49" charset="0"/>
+                <a:cs typeface="Courier New" panose="02070309020205020404" pitchFamily="49" charset="0"/>
+              </a:rPr>
+              <a:t>mvn</a:t>
+            </a:r>
+            <a:r>
+              <a:rPr lang="de-DE" sz="2400" dirty="0">
+                <a:latin typeface="Courier New" panose="02070309020205020404" pitchFamily="49" charset="0"/>
+                <a:cs typeface="Courier New" panose="02070309020205020404" pitchFamily="49" charset="0"/>
+              </a:rPr>
+              <a:t> clean </a:t>
+            </a:r>
+            <a:r>
+              <a:rPr lang="de-DE" sz="2400" dirty="0" err="1">
+                <a:latin typeface="Courier New" panose="02070309020205020404" pitchFamily="49" charset="0"/>
+                <a:cs typeface="Courier New" panose="02070309020205020404" pitchFamily="49" charset="0"/>
+              </a:rPr>
+              <a:t>install</a:t>
+            </a:r>
+            <a:endParaRPr lang="de-DE" sz="2400" dirty="0">
+              <a:latin typeface="Courier New" panose="02070309020205020404" pitchFamily="49" charset="0"/>
+              <a:cs typeface="Courier New" panose="02070309020205020404" pitchFamily="49" charset="0"/>
+            </a:endParaRPr>
+          </a:p>
+          <a:p>
+            <a:pPr marL="0" indent="0">
+              <a:buNone/>
+            </a:pPr>
+            <a:r>
+              <a:rPr lang="de-DE" sz="2400" dirty="0"/>
+              <a:t>	</a:t>
+            </a:r>
+            <a:r>
+              <a:rPr lang="de-DE" sz="2400" dirty="0">
+                <a:latin typeface="Courier New" panose="02070309020205020404" pitchFamily="49" charset="0"/>
+                <a:cs typeface="Courier New" panose="02070309020205020404" pitchFamily="49" charset="0"/>
+              </a:rPr>
+              <a:t>cd ~/</a:t>
+            </a:r>
+            <a:r>
+              <a:rPr lang="de-DE" sz="2400" dirty="0" err="1">
+                <a:latin typeface="Courier New" panose="02070309020205020404" pitchFamily="49" charset="0"/>
+                <a:cs typeface="Courier New" panose="02070309020205020404" pitchFamily="49" charset="0"/>
+              </a:rPr>
+              <a:t>java</a:t>
+            </a:r>
+            <a:r>
+              <a:rPr lang="de-DE" sz="2400" dirty="0">
+                <a:latin typeface="Courier New" panose="02070309020205020404" pitchFamily="49" charset="0"/>
+                <a:cs typeface="Courier New" panose="02070309020205020404" pitchFamily="49" charset="0"/>
+              </a:rPr>
+              <a:t>-starter/sample/</a:t>
+            </a:r>
+            <a:r>
+              <a:rPr lang="de-DE" sz="2400" dirty="0" err="1">
+                <a:latin typeface="Courier New" panose="02070309020205020404" pitchFamily="49" charset="0"/>
+                <a:cs typeface="Courier New" panose="02070309020205020404" pitchFamily="49" charset="0"/>
+              </a:rPr>
+              <a:t>shop</a:t>
+            </a:r>
+            <a:endParaRPr lang="de-DE" sz="2400" dirty="0">
+              <a:latin typeface="Courier New" panose="02070309020205020404" pitchFamily="49" charset="0"/>
+              <a:cs typeface="Courier New" panose="02070309020205020404" pitchFamily="49" charset="0"/>
+            </a:endParaRPr>
+          </a:p>
+          <a:p>
+            <a:pPr marL="0" indent="0">
+              <a:buNone/>
+            </a:pPr>
+            <a:r>
+              <a:rPr lang="de-DE" sz="2400" dirty="0">
+                <a:latin typeface="Courier New" panose="02070309020205020404" pitchFamily="49" charset="0"/>
+                <a:cs typeface="Courier New" panose="02070309020205020404" pitchFamily="49" charset="0"/>
+              </a:rPr>
+              <a:t>	</a:t>
+            </a:r>
+            <a:r>
+              <a:rPr lang="de-DE" sz="2400" dirty="0" err="1">
+                <a:latin typeface="Courier New" panose="02070309020205020404" pitchFamily="49" charset="0"/>
+                <a:cs typeface="Courier New" panose="02070309020205020404" pitchFamily="49" charset="0"/>
+              </a:rPr>
+              <a:t>mvn</a:t>
+            </a:r>
+            <a:r>
+              <a:rPr lang="de-DE" sz="2400" dirty="0">
+                <a:latin typeface="Courier New" panose="02070309020205020404" pitchFamily="49" charset="0"/>
+                <a:cs typeface="Courier New" panose="02070309020205020404" pitchFamily="49" charset="0"/>
+              </a:rPr>
+              <a:t> clean </a:t>
+            </a:r>
+            <a:r>
+              <a:rPr lang="de-DE" sz="2400" dirty="0" err="1">
+                <a:latin typeface="Courier New" panose="02070309020205020404" pitchFamily="49" charset="0"/>
+                <a:cs typeface="Courier New" panose="02070309020205020404" pitchFamily="49" charset="0"/>
+              </a:rPr>
+              <a:t>install</a:t>
+            </a:r>
+            <a:endParaRPr lang="de-DE" sz="2400" dirty="0">
+              <a:latin typeface="Courier New" panose="02070309020205020404" pitchFamily="49" charset="0"/>
+              <a:cs typeface="Courier New" panose="02070309020205020404" pitchFamily="49" charset="0"/>
+            </a:endParaRPr>
+          </a:p>
+          <a:p>
+            <a:pPr marL="0" indent="0">
+              <a:buNone/>
+            </a:pPr>
+            <a:endParaRPr lang="de-DE" sz="2400" dirty="0">
+              <a:latin typeface="Courier New" panose="02070309020205020404" pitchFamily="49" charset="0"/>
+              <a:cs typeface="Courier New" panose="02070309020205020404" pitchFamily="49" charset="0"/>
+            </a:endParaRPr>
+          </a:p>
         </p:txBody>
       </p:sp>
     </p:spTree>
     <p:extLst>
       <p:ext uri="{BB962C8B-B14F-4D97-AF65-F5344CB8AC3E}">
-        <p14:creationId xmlns:p14="http://schemas.microsoft.com/office/powerpoint/2010/main" val="1844990318"/>
+        <p14:creationId xmlns:p14="http://schemas.microsoft.com/office/powerpoint/2010/main" val="3140198035"/>
       </p:ext>
     </p:extLst>
   </p:cSld>
